--- a/doc/pres-prudsys.pptx
+++ b/doc/pres-prudsys.pptx
@@ -5,14 +5,17 @@
     <p:sldMasterId id="2147483648" r:id="rId1"/>
   </p:sldMasterIdLst>
   <p:notesMasterIdLst>
-    <p:notesMasterId r:id="rId4"/>
+    <p:notesMasterId r:id="rId7"/>
   </p:notesMasterIdLst>
   <p:handoutMasterIdLst>
-    <p:handoutMasterId r:id="rId5"/>
+    <p:handoutMasterId r:id="rId8"/>
   </p:handoutMasterIdLst>
   <p:sldIdLst>
     <p:sldId id="256" r:id="rId2"/>
     <p:sldId id="257" r:id="rId3"/>
+    <p:sldId id="258" r:id="rId4"/>
+    <p:sldId id="260" r:id="rId5"/>
+    <p:sldId id="259" r:id="rId6"/>
   </p:sldIdLst>
   <p:sldSz cx="9144000" cy="6858000" type="screen4x3"/>
   <p:notesSz cx="6858000" cy="9144000"/>
@@ -1438,11 +1441,7 @@
           <a:p>
             <a:r>
               <a:rPr lang="de-DE" dirty="0" smtClean="0"/>
-              <a:t>Untertitelmasters </a:t>
-            </a:r>
-            <a:r>
-              <a:rPr lang="de-DE" dirty="0" smtClean="0"/>
-              <a:t>durch Klicken bearbeiten</a:t>
+              <a:t>Untertitelmasters durch Klicken bearbeiten</a:t>
             </a:r>
             <a:endParaRPr lang="de-DE" dirty="0"/>
           </a:p>
@@ -3233,58 +3232,7 @@
                 <a:ea typeface="+mn-ea"/>
                 <a:cs typeface="Tahoma" pitchFamily="34" charset="0"/>
               </a:rPr>
-              <a:t>  |  </a:t>
-            </a:r>
-            <a:r>
-              <a:rPr kumimoji="0" lang="de-DE" sz="1000" b="0" i="0" u="none" strike="noStrike" kern="1200" cap="none" spc="0" normalizeH="0" baseline="0" noProof="0" dirty="0" smtClean="0">
-                <a:ln>
-                  <a:noFill/>
-                </a:ln>
-                <a:solidFill>
-                  <a:schemeClr val="tx1"/>
-                </a:solidFill>
-                <a:effectLst/>
-                <a:uLnTx/>
-                <a:uFillTx/>
-                <a:latin typeface="+mn-lt"/>
-                <a:ea typeface="+mn-ea"/>
-                <a:cs typeface="Tahoma" pitchFamily="34" charset="0"/>
-              </a:rPr>
-              <a:t>Technische Universität Darmstadt  |  Dept. of Computer Science  </a:t>
-            </a:r>
-            <a:r>
-              <a:rPr kumimoji="0" lang="de-DE" sz="1000" b="0" i="0" u="none" strike="noStrike" kern="1200" cap="none" spc="0" normalizeH="0" baseline="0" noProof="0" dirty="0" smtClean="0">
-                <a:ln>
-                  <a:noFill/>
-                </a:ln>
-                <a:solidFill>
-                  <a:schemeClr val="tx1"/>
-                </a:solidFill>
-                <a:effectLst/>
-                <a:uLnTx/>
-                <a:uFillTx/>
-                <a:latin typeface="+mn-lt"/>
-                <a:ea typeface="+mn-ea"/>
-                <a:cs typeface="Tahoma" pitchFamily="34" charset="0"/>
-              </a:rPr>
-              <a:t>|  </a:t>
-            </a:r>
-            <a:r>
-              <a:rPr kumimoji="0" lang="de-DE" sz="1000" b="0" i="0" u="none" strike="noStrike" kern="1200" cap="none" spc="0" normalizeH="0" baseline="0" noProof="0" dirty="0" smtClean="0">
-                <a:ln>
-                  <a:noFill/>
-                </a:ln>
-                <a:solidFill>
-                  <a:schemeClr val="tx1"/>
-                </a:solidFill>
-                <a:effectLst/>
-                <a:uLnTx/>
-                <a:uFillTx/>
-                <a:latin typeface="+mn-lt"/>
-                <a:ea typeface="+mn-ea"/>
-                <a:cs typeface="Tahoma" pitchFamily="34" charset="0"/>
-              </a:rPr>
-              <a:t>Fabian Hirschmann, Simon Holthausen  |</a:t>
+              <a:t>  |  Technische Universität Darmstadt  |  Dept. of Computer Science  |  Fabian Hirschmann, Simon Holthausen  |</a:t>
             </a:r>
             <a:endParaRPr kumimoji="0" lang="de-DE" sz="1000" b="0" i="0" u="none" strike="noStrike" kern="1200" cap="none" spc="0" normalizeH="0" baseline="0" noProof="0" dirty="0">
               <a:ln>
@@ -4164,6 +4112,275 @@
       </p:par>
     </p:tnLst>
   </p:timing>
+</p:sld>
+</file>
+
+<file path=ppt/slides/slide3.xml><?xml version="1.0" encoding="utf-8"?>
+<p:sld xmlns:a="http://schemas.openxmlformats.org/drawingml/2006/main" xmlns:r="http://schemas.openxmlformats.org/officeDocument/2006/relationships" xmlns:p="http://schemas.openxmlformats.org/presentationml/2006/main">
+  <p:cSld>
+    <p:spTree>
+      <p:nvGrpSpPr>
+        <p:cNvPr id="1" name=""/>
+        <p:cNvGrpSpPr/>
+        <p:nvPr/>
+      </p:nvGrpSpPr>
+      <p:grpSpPr>
+        <a:xfrm>
+          <a:off x="0" y="0"/>
+          <a:ext cx="0" cy="0"/>
+          <a:chOff x="0" y="0"/>
+          <a:chExt cx="0" cy="0"/>
+        </a:xfrm>
+      </p:grpSpPr>
+      <p:sp>
+        <p:nvSpPr>
+          <p:cNvPr id="2" name="Title 1"/>
+          <p:cNvSpPr>
+            <a:spLocks noGrp="1"/>
+          </p:cNvSpPr>
+          <p:nvPr>
+            <p:ph type="title"/>
+          </p:nvPr>
+        </p:nvSpPr>
+        <p:spPr/>
+        <p:txBody>
+          <a:bodyPr/>
+          <a:lstStyle/>
+          <a:p>
+            <a:r>
+              <a:rPr lang="de-DE" dirty="0" smtClean="0"/>
+              <a:t>Data Analysis: Missing Delivery Dates</a:t>
+            </a:r>
+            <a:endParaRPr lang="en-US" dirty="0"/>
+          </a:p>
+        </p:txBody>
+      </p:sp>
+      <p:sp>
+        <p:nvSpPr>
+          <p:cNvPr id="3" name="Content Placeholder 2"/>
+          <p:cNvSpPr>
+            <a:spLocks noGrp="1"/>
+          </p:cNvSpPr>
+          <p:nvPr>
+            <p:ph idx="1"/>
+          </p:nvPr>
+        </p:nvSpPr>
+        <p:spPr/>
+        <p:txBody>
+          <a:bodyPr/>
+          <a:lstStyle/>
+          <a:p>
+            <a:endParaRPr lang="en-US" dirty="0"/>
+          </a:p>
+        </p:txBody>
+      </p:sp>
+    </p:spTree>
+    <p:extLst>
+      <p:ext uri="{BB962C8B-B14F-4D97-AF65-F5344CB8AC3E}">
+        <p14:creationId xmlns:p14="http://schemas.microsoft.com/office/powerpoint/2010/main" val="1536128924"/>
+      </p:ext>
+    </p:extLst>
+  </p:cSld>
+  <p:clrMapOvr>
+    <a:masterClrMapping/>
+  </p:clrMapOvr>
+</p:sld>
+</file>
+
+<file path=ppt/slides/slide4.xml><?xml version="1.0" encoding="utf-8"?>
+<p:sld xmlns:a="http://schemas.openxmlformats.org/drawingml/2006/main" xmlns:r="http://schemas.openxmlformats.org/officeDocument/2006/relationships" xmlns:p="http://schemas.openxmlformats.org/presentationml/2006/main">
+  <p:cSld>
+    <p:spTree>
+      <p:nvGrpSpPr>
+        <p:cNvPr id="1" name=""/>
+        <p:cNvGrpSpPr/>
+        <p:nvPr/>
+      </p:nvGrpSpPr>
+      <p:grpSpPr>
+        <a:xfrm>
+          <a:off x="0" y="0"/>
+          <a:ext cx="0" cy="0"/>
+          <a:chOff x="0" y="0"/>
+          <a:chExt cx="0" cy="0"/>
+        </a:xfrm>
+      </p:grpSpPr>
+      <p:sp>
+        <p:nvSpPr>
+          <p:cNvPr id="2" name="Title 1"/>
+          <p:cNvSpPr>
+            <a:spLocks noGrp="1"/>
+          </p:cNvSpPr>
+          <p:nvPr>
+            <p:ph type="title"/>
+          </p:nvPr>
+        </p:nvSpPr>
+        <p:spPr/>
+        <p:txBody>
+          <a:bodyPr/>
+          <a:lstStyle/>
+          <a:p>
+            <a:r>
+              <a:rPr lang="de-DE" dirty="0" smtClean="0"/>
+              <a:t>Feature Engineering</a:t>
+            </a:r>
+            <a:endParaRPr lang="en-US" dirty="0"/>
+          </a:p>
+        </p:txBody>
+      </p:sp>
+      <p:sp>
+        <p:nvSpPr>
+          <p:cNvPr id="3" name="Content Placeholder 2"/>
+          <p:cNvSpPr>
+            <a:spLocks noGrp="1"/>
+          </p:cNvSpPr>
+          <p:nvPr>
+            <p:ph idx="1"/>
+          </p:nvPr>
+        </p:nvSpPr>
+        <p:spPr>
+          <a:xfrm>
+            <a:off x="360000" y="1620000"/>
+            <a:ext cx="8316456" cy="4479943"/>
+          </a:xfrm>
+        </p:spPr>
+        <p:txBody>
+          <a:bodyPr/>
+          <a:lstStyle/>
+          <a:p>
+            <a:r>
+              <a:rPr lang="de-DE" dirty="0" smtClean="0"/>
+              <a:t>Understanding the properties of the problem and its interactions as well as the algorithms used leads to:</a:t>
+            </a:r>
+          </a:p>
+          <a:p>
+            <a:pPr marL="342900" indent="-342900">
+              <a:buFont typeface="Arial" pitchFamily="34" charset="0"/>
+              <a:buChar char="•"/>
+            </a:pPr>
+            <a:r>
+              <a:rPr lang="de-DE" dirty="0" smtClean="0"/>
+              <a:t>Laplacian smoothed Return Rates (per Customer, Item, Manufacturer)</a:t>
+            </a:r>
+          </a:p>
+          <a:p>
+            <a:pPr marL="342900" indent="-342900">
+              <a:buFont typeface="Arial" pitchFamily="34" charset="0"/>
+              <a:buChar char="•"/>
+            </a:pPr>
+            <a:r>
+              <a:rPr lang="de-DE" dirty="0" smtClean="0"/>
+              <a:t>Discretized Price Attributes, i.e. [0, 10), [10, 20), [20, 30)</a:t>
+            </a:r>
+          </a:p>
+          <a:p>
+            <a:pPr marL="342900" indent="-342900">
+              <a:buFont typeface="Arial" pitchFamily="34" charset="0"/>
+              <a:buChar char="•"/>
+            </a:pPr>
+            <a:r>
+              <a:rPr lang="de-DE" dirty="0" smtClean="0"/>
+              <a:t>Clustering of ItemIDs, i.e. </a:t>
+            </a:r>
+            <a:r>
+              <a:rPr lang="de-DE" smtClean="0"/>
+              <a:t>Into Summer/Fall/Winter </a:t>
+            </a:r>
+            <a:r>
+              <a:rPr lang="de-DE" dirty="0" smtClean="0"/>
+              <a:t>Collections</a:t>
+            </a:r>
+          </a:p>
+        </p:txBody>
+      </p:sp>
+    </p:spTree>
+    <p:extLst>
+      <p:ext uri="{BB962C8B-B14F-4D97-AF65-F5344CB8AC3E}">
+        <p14:creationId xmlns:p14="http://schemas.microsoft.com/office/powerpoint/2010/main" val="1148698881"/>
+      </p:ext>
+    </p:extLst>
+  </p:cSld>
+  <p:clrMapOvr>
+    <a:masterClrMapping/>
+  </p:clrMapOvr>
+  <p:timing>
+    <p:tnLst>
+      <p:par>
+        <p:cTn id="1" dur="indefinite" restart="never" nodeType="tmRoot"/>
+      </p:par>
+    </p:tnLst>
+  </p:timing>
+</p:sld>
+</file>
+
+<file path=ppt/slides/slide5.xml><?xml version="1.0" encoding="utf-8"?>
+<p:sld xmlns:a="http://schemas.openxmlformats.org/drawingml/2006/main" xmlns:r="http://schemas.openxmlformats.org/officeDocument/2006/relationships" xmlns:p="http://schemas.openxmlformats.org/presentationml/2006/main">
+  <p:cSld>
+    <p:spTree>
+      <p:nvGrpSpPr>
+        <p:cNvPr id="1" name=""/>
+        <p:cNvGrpSpPr/>
+        <p:nvPr/>
+      </p:nvGrpSpPr>
+      <p:grpSpPr>
+        <a:xfrm>
+          <a:off x="0" y="0"/>
+          <a:ext cx="0" cy="0"/>
+          <a:chOff x="0" y="0"/>
+          <a:chExt cx="0" cy="0"/>
+        </a:xfrm>
+      </p:grpSpPr>
+      <p:sp>
+        <p:nvSpPr>
+          <p:cNvPr id="2" name="Title 1"/>
+          <p:cNvSpPr>
+            <a:spLocks noGrp="1"/>
+          </p:cNvSpPr>
+          <p:nvPr>
+            <p:ph type="title"/>
+          </p:nvPr>
+        </p:nvSpPr>
+        <p:spPr/>
+        <p:txBody>
+          <a:bodyPr/>
+          <a:lstStyle/>
+          <a:p>
+            <a:r>
+              <a:rPr lang="de-DE" dirty="0" smtClean="0"/>
+              <a:t>Model Training: Train separately for known/unknown customer</a:t>
+            </a:r>
+            <a:endParaRPr lang="en-US" dirty="0"/>
+          </a:p>
+        </p:txBody>
+      </p:sp>
+      <p:sp>
+        <p:nvSpPr>
+          <p:cNvPr id="3" name="Content Placeholder 2"/>
+          <p:cNvSpPr>
+            <a:spLocks noGrp="1"/>
+          </p:cNvSpPr>
+          <p:nvPr>
+            <p:ph idx="1"/>
+          </p:nvPr>
+        </p:nvSpPr>
+        <p:spPr/>
+        <p:txBody>
+          <a:bodyPr/>
+          <a:lstStyle/>
+          <a:p>
+            <a:endParaRPr lang="en-US" dirty="0"/>
+          </a:p>
+        </p:txBody>
+      </p:sp>
+    </p:spTree>
+    <p:extLst>
+      <p:ext uri="{BB962C8B-B14F-4D97-AF65-F5344CB8AC3E}">
+        <p14:creationId xmlns:p14="http://schemas.microsoft.com/office/powerpoint/2010/main" val="3725929812"/>
+      </p:ext>
+    </p:extLst>
+  </p:cSld>
+  <p:clrMapOvr>
+    <a:masterClrMapping/>
+  </p:clrMapOvr>
 </p:sld>
 </file>
 

--- a/doc/pres-prudsys.pptx
+++ b/doc/pres-prudsys.pptx
@@ -4184,6 +4184,13 @@
   <p:clrMapOvr>
     <a:masterClrMapping/>
   </p:clrMapOvr>
+  <p:timing>
+    <p:tnLst>
+      <p:par>
+        <p:cTn id="1" dur="indefinite" restart="never" nodeType="tmRoot"/>
+      </p:par>
+    </p:tnLst>
+  </p:timing>
 </p:sld>
 </file>
 
@@ -4279,16 +4286,15 @@
             </a:pPr>
             <a:r>
               <a:rPr lang="de-DE" dirty="0" smtClean="0"/>
-              <a:t>Clustering of ItemIDs, i.e. </a:t>
-            </a:r>
-            <a:r>
-              <a:rPr lang="de-DE" smtClean="0"/>
-              <a:t>Into Summer/Fall/Winter </a:t>
-            </a:r>
-            <a:r>
-              <a:rPr lang="de-DE" dirty="0" smtClean="0"/>
-              <a:t>Collections</a:t>
-            </a:r>
+              <a:t>Clustering of ItemIDs, i.e. Into Summer/Fall/Winter Collections</a:t>
+            </a:r>
+          </a:p>
+          <a:p>
+            <a:pPr marL="342900" indent="-342900">
+              <a:buFont typeface="Arial" pitchFamily="34" charset="0"/>
+              <a:buChar char="•"/>
+            </a:pPr>
+            <a:endParaRPr lang="de-DE" dirty="0" smtClean="0"/>
           </a:p>
         </p:txBody>
       </p:sp>
@@ -4381,6 +4387,13 @@
   <p:clrMapOvr>
     <a:masterClrMapping/>
   </p:clrMapOvr>
+  <p:timing>
+    <p:tnLst>
+      <p:par>
+        <p:cTn id="1" dur="indefinite" restart="never" nodeType="tmRoot"/>
+      </p:par>
+    </p:tnLst>
+  </p:timing>
 </p:sld>
 </file>
 

--- a/doc/pres-prudsys.pptx
+++ b/doc/pres-prudsys.pptx
@@ -147,6 +147,2909 @@
 </p:presentation>
 </file>
 
+<file path=ppt/diagrams/colors1.xml><?xml version="1.0" encoding="utf-8"?>
+<dgm:colorsDef xmlns:dgm="http://schemas.openxmlformats.org/drawingml/2006/diagram" xmlns:a="http://schemas.openxmlformats.org/drawingml/2006/main" uniqueId="urn:microsoft.com/office/officeart/2005/8/colors/accent4_5">
+  <dgm:title val=""/>
+  <dgm:desc val=""/>
+  <dgm:catLst>
+    <dgm:cat type="accent4" pri="11500"/>
+  </dgm:catLst>
+  <dgm:styleLbl name="node0">
+    <dgm:fillClrLst meth="cycle">
+      <a:schemeClr val="accent4">
+        <a:alpha val="80000"/>
+      </a:schemeClr>
+    </dgm:fillClrLst>
+    <dgm:linClrLst meth="repeat">
+      <a:schemeClr val="lt1"/>
+    </dgm:linClrLst>
+    <dgm:effectClrLst/>
+    <dgm:txLinClrLst/>
+    <dgm:txFillClrLst/>
+    <dgm:txEffectClrLst/>
+  </dgm:styleLbl>
+  <dgm:styleLbl name="node1">
+    <dgm:fillClrLst>
+      <a:schemeClr val="accent4">
+        <a:alpha val="90000"/>
+      </a:schemeClr>
+      <a:schemeClr val="accent4">
+        <a:alpha val="50000"/>
+      </a:schemeClr>
+    </dgm:fillClrLst>
+    <dgm:linClrLst meth="repeat">
+      <a:schemeClr val="lt1"/>
+    </dgm:linClrLst>
+    <dgm:effectClrLst/>
+    <dgm:txLinClrLst/>
+    <dgm:txFillClrLst/>
+    <dgm:txEffectClrLst/>
+  </dgm:styleLbl>
+  <dgm:styleLbl name="alignNode1">
+    <dgm:fillClrLst>
+      <a:schemeClr val="accent4">
+        <a:alpha val="90000"/>
+      </a:schemeClr>
+      <a:schemeClr val="accent4">
+        <a:alpha val="50000"/>
+      </a:schemeClr>
+    </dgm:fillClrLst>
+    <dgm:linClrLst>
+      <a:schemeClr val="accent4">
+        <a:alpha val="90000"/>
+      </a:schemeClr>
+      <a:schemeClr val="accent4">
+        <a:alpha val="50000"/>
+      </a:schemeClr>
+    </dgm:linClrLst>
+    <dgm:effectClrLst/>
+    <dgm:txLinClrLst/>
+    <dgm:txFillClrLst/>
+    <dgm:txEffectClrLst/>
+  </dgm:styleLbl>
+  <dgm:styleLbl name="lnNode1">
+    <dgm:fillClrLst>
+      <a:schemeClr val="accent4">
+        <a:shade val="90000"/>
+      </a:schemeClr>
+      <a:schemeClr val="accent4">
+        <a:alpha val="50000"/>
+        <a:tint val="50000"/>
+      </a:schemeClr>
+    </dgm:fillClrLst>
+    <dgm:linClrLst meth="repeat">
+      <a:schemeClr val="lt1"/>
+    </dgm:linClrLst>
+    <dgm:effectClrLst/>
+    <dgm:txLinClrLst/>
+    <dgm:txFillClrLst/>
+    <dgm:txEffectClrLst/>
+  </dgm:styleLbl>
+  <dgm:styleLbl name="vennNode1">
+    <dgm:fillClrLst>
+      <a:schemeClr val="accent4">
+        <a:shade val="80000"/>
+        <a:alpha val="50000"/>
+      </a:schemeClr>
+      <a:schemeClr val="accent4">
+        <a:alpha val="80000"/>
+      </a:schemeClr>
+    </dgm:fillClrLst>
+    <dgm:linClrLst meth="repeat">
+      <a:schemeClr val="lt1"/>
+    </dgm:linClrLst>
+    <dgm:effectClrLst/>
+    <dgm:txLinClrLst/>
+    <dgm:txFillClrLst/>
+    <dgm:txEffectClrLst/>
+  </dgm:styleLbl>
+  <dgm:styleLbl name="node2">
+    <dgm:fillClrLst>
+      <a:schemeClr val="accent4">
+        <a:alpha val="70000"/>
+      </a:schemeClr>
+    </dgm:fillClrLst>
+    <dgm:linClrLst meth="repeat">
+      <a:schemeClr val="lt1"/>
+    </dgm:linClrLst>
+    <dgm:effectClrLst/>
+    <dgm:txLinClrLst/>
+    <dgm:txFillClrLst/>
+    <dgm:txEffectClrLst/>
+  </dgm:styleLbl>
+  <dgm:styleLbl name="node3">
+    <dgm:fillClrLst>
+      <a:schemeClr val="accent4">
+        <a:alpha val="50000"/>
+      </a:schemeClr>
+    </dgm:fillClrLst>
+    <dgm:linClrLst meth="repeat">
+      <a:schemeClr val="lt1"/>
+    </dgm:linClrLst>
+    <dgm:effectClrLst/>
+    <dgm:txLinClrLst/>
+    <dgm:txFillClrLst/>
+    <dgm:txEffectClrLst/>
+  </dgm:styleLbl>
+  <dgm:styleLbl name="node4">
+    <dgm:fillClrLst>
+      <a:schemeClr val="accent4">
+        <a:alpha val="30000"/>
+      </a:schemeClr>
+    </dgm:fillClrLst>
+    <dgm:linClrLst meth="repeat">
+      <a:schemeClr val="lt1"/>
+    </dgm:linClrLst>
+    <dgm:effectClrLst/>
+    <dgm:txLinClrLst/>
+    <dgm:txFillClrLst/>
+    <dgm:txEffectClrLst/>
+  </dgm:styleLbl>
+  <dgm:styleLbl name="fgImgPlace1">
+    <dgm:fillClrLst>
+      <a:schemeClr val="accent4">
+        <a:tint val="50000"/>
+        <a:alpha val="90000"/>
+      </a:schemeClr>
+      <a:schemeClr val="accent4">
+        <a:tint val="20000"/>
+        <a:alpha val="50000"/>
+      </a:schemeClr>
+    </dgm:fillClrLst>
+    <dgm:linClrLst meth="repeat">
+      <a:schemeClr val="lt1"/>
+    </dgm:linClrLst>
+    <dgm:effectClrLst/>
+    <dgm:txLinClrLst/>
+    <dgm:txFillClrLst meth="repeat">
+      <a:schemeClr val="lt1"/>
+    </dgm:txFillClrLst>
+    <dgm:txEffectClrLst/>
+  </dgm:styleLbl>
+  <dgm:styleLbl name="alignImgPlace1">
+    <dgm:fillClrLst>
+      <a:schemeClr val="accent4">
+        <a:tint val="50000"/>
+      </a:schemeClr>
+      <a:schemeClr val="accent4">
+        <a:tint val="20000"/>
+      </a:schemeClr>
+    </dgm:fillClrLst>
+    <dgm:linClrLst meth="repeat">
+      <a:schemeClr val="lt1"/>
+    </dgm:linClrLst>
+    <dgm:effectClrLst/>
+    <dgm:txLinClrLst/>
+    <dgm:txFillClrLst meth="repeat">
+      <a:schemeClr val="lt1"/>
+    </dgm:txFillClrLst>
+    <dgm:txEffectClrLst/>
+  </dgm:styleLbl>
+  <dgm:styleLbl name="bgImgPlace1">
+    <dgm:fillClrLst>
+      <a:schemeClr val="accent4">
+        <a:tint val="50000"/>
+      </a:schemeClr>
+      <a:schemeClr val="accent4">
+        <a:tint val="20000"/>
+      </a:schemeClr>
+    </dgm:fillClrLst>
+    <dgm:linClrLst meth="repeat">
+      <a:schemeClr val="lt1"/>
+    </dgm:linClrLst>
+    <dgm:effectClrLst/>
+    <dgm:txLinClrLst/>
+    <dgm:txFillClrLst meth="repeat">
+      <a:schemeClr val="lt1"/>
+    </dgm:txFillClrLst>
+    <dgm:txEffectClrLst/>
+  </dgm:styleLbl>
+  <dgm:styleLbl name="sibTrans2D1">
+    <dgm:fillClrLst>
+      <a:schemeClr val="accent4">
+        <a:shade val="90000"/>
+      </a:schemeClr>
+      <a:schemeClr val="accent4">
+        <a:tint val="50000"/>
+      </a:schemeClr>
+    </dgm:fillClrLst>
+    <dgm:linClrLst>
+      <a:schemeClr val="accent4">
+        <a:shade val="90000"/>
+      </a:schemeClr>
+      <a:schemeClr val="accent4">
+        <a:tint val="50000"/>
+      </a:schemeClr>
+    </dgm:linClrLst>
+    <dgm:effectClrLst/>
+    <dgm:txLinClrLst/>
+    <dgm:txFillClrLst/>
+    <dgm:txEffectClrLst/>
+  </dgm:styleLbl>
+  <dgm:styleLbl name="fgSibTrans2D1">
+    <dgm:fillClrLst>
+      <a:schemeClr val="accent4">
+        <a:shade val="90000"/>
+      </a:schemeClr>
+      <a:schemeClr val="accent4">
+        <a:tint val="50000"/>
+      </a:schemeClr>
+    </dgm:fillClrLst>
+    <dgm:linClrLst>
+      <a:schemeClr val="accent4">
+        <a:shade val="90000"/>
+      </a:schemeClr>
+      <a:schemeClr val="accent4">
+        <a:tint val="50000"/>
+      </a:schemeClr>
+    </dgm:linClrLst>
+    <dgm:effectClrLst/>
+    <dgm:txLinClrLst/>
+    <dgm:txFillClrLst/>
+    <dgm:txEffectClrLst/>
+  </dgm:styleLbl>
+  <dgm:styleLbl name="bgSibTrans2D1">
+    <dgm:fillClrLst>
+      <a:schemeClr val="accent4">
+        <a:shade val="90000"/>
+      </a:schemeClr>
+      <a:schemeClr val="accent4">
+        <a:tint val="50000"/>
+      </a:schemeClr>
+    </dgm:fillClrLst>
+    <dgm:linClrLst>
+      <a:schemeClr val="accent4">
+        <a:shade val="90000"/>
+      </a:schemeClr>
+      <a:schemeClr val="accent4">
+        <a:tint val="50000"/>
+      </a:schemeClr>
+    </dgm:linClrLst>
+    <dgm:effectClrLst/>
+    <dgm:txLinClrLst/>
+    <dgm:txFillClrLst/>
+    <dgm:txEffectClrLst/>
+  </dgm:styleLbl>
+  <dgm:styleLbl name="sibTrans1D1">
+    <dgm:fillClrLst>
+      <a:schemeClr val="accent4">
+        <a:shade val="90000"/>
+      </a:schemeClr>
+      <a:schemeClr val="accent4">
+        <a:tint val="50000"/>
+      </a:schemeClr>
+    </dgm:fillClrLst>
+    <dgm:linClrLst>
+      <a:schemeClr val="accent4">
+        <a:shade val="90000"/>
+      </a:schemeClr>
+      <a:schemeClr val="accent4">
+        <a:tint val="50000"/>
+      </a:schemeClr>
+    </dgm:linClrLst>
+    <dgm:effectClrLst/>
+    <dgm:txLinClrLst/>
+    <dgm:txFillClrLst meth="repeat">
+      <a:schemeClr val="tx1"/>
+    </dgm:txFillClrLst>
+    <dgm:txEffectClrLst/>
+  </dgm:styleLbl>
+  <dgm:styleLbl name="callout">
+    <dgm:fillClrLst meth="repeat">
+      <a:schemeClr val="accent4"/>
+    </dgm:fillClrLst>
+    <dgm:linClrLst meth="repeat">
+      <a:schemeClr val="accent4"/>
+    </dgm:linClrLst>
+    <dgm:effectClrLst/>
+    <dgm:txLinClrLst/>
+    <dgm:txFillClrLst meth="repeat">
+      <a:schemeClr val="tx1"/>
+    </dgm:txFillClrLst>
+    <dgm:txEffectClrLst/>
+  </dgm:styleLbl>
+  <dgm:styleLbl name="asst0">
+    <dgm:fillClrLst meth="repeat">
+      <a:schemeClr val="accent4">
+        <a:alpha val="90000"/>
+      </a:schemeClr>
+    </dgm:fillClrLst>
+    <dgm:linClrLst meth="repeat">
+      <a:schemeClr val="lt1"/>
+    </dgm:linClrLst>
+    <dgm:effectClrLst/>
+    <dgm:txLinClrLst/>
+    <dgm:txFillClrLst/>
+    <dgm:txEffectClrLst/>
+  </dgm:styleLbl>
+  <dgm:styleLbl name="asst1">
+    <dgm:fillClrLst meth="repeat">
+      <a:schemeClr val="accent4">
+        <a:alpha val="90000"/>
+      </a:schemeClr>
+    </dgm:fillClrLst>
+    <dgm:linClrLst meth="repeat">
+      <a:schemeClr val="lt1"/>
+    </dgm:linClrLst>
+    <dgm:effectClrLst/>
+    <dgm:txLinClrLst/>
+    <dgm:txFillClrLst/>
+    <dgm:txEffectClrLst/>
+  </dgm:styleLbl>
+  <dgm:styleLbl name="asst2">
+    <dgm:fillClrLst>
+      <a:schemeClr val="accent4">
+        <a:alpha val="90000"/>
+      </a:schemeClr>
+    </dgm:fillClrLst>
+    <dgm:linClrLst meth="repeat">
+      <a:schemeClr val="lt1"/>
+    </dgm:linClrLst>
+    <dgm:effectClrLst/>
+    <dgm:txLinClrLst/>
+    <dgm:txFillClrLst/>
+    <dgm:txEffectClrLst/>
+  </dgm:styleLbl>
+  <dgm:styleLbl name="asst3">
+    <dgm:fillClrLst>
+      <a:schemeClr val="accent4">
+        <a:alpha val="70000"/>
+      </a:schemeClr>
+    </dgm:fillClrLst>
+    <dgm:linClrLst meth="repeat">
+      <a:schemeClr val="lt1"/>
+    </dgm:linClrLst>
+    <dgm:effectClrLst/>
+    <dgm:txLinClrLst/>
+    <dgm:txFillClrLst/>
+    <dgm:txEffectClrLst/>
+  </dgm:styleLbl>
+  <dgm:styleLbl name="asst4">
+    <dgm:fillClrLst>
+      <a:schemeClr val="accent4">
+        <a:alpha val="50000"/>
+      </a:schemeClr>
+    </dgm:fillClrLst>
+    <dgm:linClrLst meth="repeat">
+      <a:schemeClr val="lt1"/>
+    </dgm:linClrLst>
+    <dgm:effectClrLst/>
+    <dgm:txLinClrLst/>
+    <dgm:txFillClrLst/>
+    <dgm:txEffectClrLst/>
+  </dgm:styleLbl>
+  <dgm:styleLbl name="parChTrans2D1">
+    <dgm:fillClrLst meth="repeat">
+      <a:schemeClr val="accent4">
+        <a:shade val="80000"/>
+      </a:schemeClr>
+    </dgm:fillClrLst>
+    <dgm:linClrLst meth="repeat">
+      <a:schemeClr val="accent4">
+        <a:shade val="80000"/>
+      </a:schemeClr>
+    </dgm:linClrLst>
+    <dgm:effectClrLst/>
+    <dgm:txLinClrLst/>
+    <dgm:txFillClrLst/>
+    <dgm:txEffectClrLst/>
+  </dgm:styleLbl>
+  <dgm:styleLbl name="parChTrans2D2">
+    <dgm:fillClrLst meth="repeat">
+      <a:schemeClr val="accent4">
+        <a:tint val="90000"/>
+      </a:schemeClr>
+    </dgm:fillClrLst>
+    <dgm:linClrLst meth="repeat">
+      <a:schemeClr val="accent4">
+        <a:tint val="90000"/>
+      </a:schemeClr>
+    </dgm:linClrLst>
+    <dgm:effectClrLst/>
+    <dgm:txLinClrLst/>
+    <dgm:txFillClrLst/>
+    <dgm:txEffectClrLst/>
+  </dgm:styleLbl>
+  <dgm:styleLbl name="parChTrans2D3">
+    <dgm:fillClrLst meth="repeat">
+      <a:schemeClr val="accent4">
+        <a:tint val="70000"/>
+      </a:schemeClr>
+    </dgm:fillClrLst>
+    <dgm:linClrLst meth="repeat">
+      <a:schemeClr val="accent4">
+        <a:tint val="70000"/>
+      </a:schemeClr>
+    </dgm:linClrLst>
+    <dgm:effectClrLst/>
+    <dgm:txLinClrLst/>
+    <dgm:txFillClrLst/>
+    <dgm:txEffectClrLst/>
+  </dgm:styleLbl>
+  <dgm:styleLbl name="parChTrans2D4">
+    <dgm:fillClrLst meth="repeat">
+      <a:schemeClr val="accent4">
+        <a:tint val="50000"/>
+      </a:schemeClr>
+    </dgm:fillClrLst>
+    <dgm:linClrLst meth="repeat">
+      <a:schemeClr val="accent4">
+        <a:tint val="50000"/>
+      </a:schemeClr>
+    </dgm:linClrLst>
+    <dgm:effectClrLst/>
+    <dgm:txLinClrLst/>
+    <dgm:txFillClrLst meth="repeat">
+      <a:schemeClr val="dk1"/>
+    </dgm:txFillClrLst>
+    <dgm:txEffectClrLst/>
+  </dgm:styleLbl>
+  <dgm:styleLbl name="parChTrans1D1">
+    <dgm:fillClrLst meth="repeat">
+      <a:schemeClr val="accent4">
+        <a:shade val="80000"/>
+      </a:schemeClr>
+    </dgm:fillClrLst>
+    <dgm:linClrLst meth="repeat">
+      <a:schemeClr val="accent4">
+        <a:shade val="80000"/>
+      </a:schemeClr>
+    </dgm:linClrLst>
+    <dgm:effectClrLst/>
+    <dgm:txLinClrLst/>
+    <dgm:txFillClrLst meth="repeat">
+      <a:schemeClr val="tx1"/>
+    </dgm:txFillClrLst>
+    <dgm:txEffectClrLst/>
+  </dgm:styleLbl>
+  <dgm:styleLbl name="parChTrans1D2">
+    <dgm:fillClrLst meth="repeat">
+      <a:schemeClr val="accent4">
+        <a:tint val="90000"/>
+      </a:schemeClr>
+    </dgm:fillClrLst>
+    <dgm:linClrLst meth="repeat">
+      <a:schemeClr val="accent4">
+        <a:tint val="90000"/>
+      </a:schemeClr>
+    </dgm:linClrLst>
+    <dgm:effectClrLst/>
+    <dgm:txLinClrLst/>
+    <dgm:txFillClrLst meth="repeat">
+      <a:schemeClr val="tx1"/>
+    </dgm:txFillClrLst>
+    <dgm:txEffectClrLst/>
+  </dgm:styleLbl>
+  <dgm:styleLbl name="parChTrans1D3">
+    <dgm:fillClrLst meth="repeat">
+      <a:schemeClr val="accent4">
+        <a:tint val="70000"/>
+      </a:schemeClr>
+    </dgm:fillClrLst>
+    <dgm:linClrLst meth="repeat">
+      <a:schemeClr val="accent4">
+        <a:tint val="70000"/>
+      </a:schemeClr>
+    </dgm:linClrLst>
+    <dgm:effectClrLst/>
+    <dgm:txLinClrLst/>
+    <dgm:txFillClrLst meth="repeat">
+      <a:schemeClr val="tx1"/>
+    </dgm:txFillClrLst>
+    <dgm:txEffectClrLst/>
+  </dgm:styleLbl>
+  <dgm:styleLbl name="parChTrans1D4">
+    <dgm:fillClrLst meth="repeat">
+      <a:schemeClr val="accent4">
+        <a:tint val="50000"/>
+      </a:schemeClr>
+    </dgm:fillClrLst>
+    <dgm:linClrLst meth="repeat">
+      <a:schemeClr val="accent4">
+        <a:tint val="50000"/>
+      </a:schemeClr>
+    </dgm:linClrLst>
+    <dgm:effectClrLst/>
+    <dgm:txLinClrLst/>
+    <dgm:txFillClrLst meth="repeat">
+      <a:schemeClr val="tx1"/>
+    </dgm:txFillClrLst>
+    <dgm:txEffectClrLst/>
+  </dgm:styleLbl>
+  <dgm:styleLbl name="fgAcc1">
+    <dgm:fillClrLst meth="repeat">
+      <a:schemeClr val="lt1">
+        <a:alpha val="90000"/>
+      </a:schemeClr>
+    </dgm:fillClrLst>
+    <dgm:linClrLst>
+      <a:schemeClr val="accent4">
+        <a:alpha val="90000"/>
+      </a:schemeClr>
+      <a:schemeClr val="accent4">
+        <a:alpha val="50000"/>
+      </a:schemeClr>
+    </dgm:linClrLst>
+    <dgm:effectClrLst/>
+    <dgm:txLinClrLst/>
+    <dgm:txFillClrLst meth="repeat">
+      <a:schemeClr val="dk1"/>
+    </dgm:txFillClrLst>
+    <dgm:txEffectClrLst/>
+  </dgm:styleLbl>
+  <dgm:styleLbl name="conFgAcc1">
+    <dgm:fillClrLst meth="repeat">
+      <a:schemeClr val="lt1">
+        <a:alpha val="90000"/>
+      </a:schemeClr>
+    </dgm:fillClrLst>
+    <dgm:linClrLst>
+      <a:schemeClr val="accent4">
+        <a:alpha val="90000"/>
+      </a:schemeClr>
+      <a:schemeClr val="accent4">
+        <a:alpha val="50000"/>
+      </a:schemeClr>
+    </dgm:linClrLst>
+    <dgm:effectClrLst/>
+    <dgm:txLinClrLst/>
+    <dgm:txFillClrLst meth="repeat">
+      <a:schemeClr val="dk1"/>
+    </dgm:txFillClrLst>
+    <dgm:txEffectClrLst/>
+  </dgm:styleLbl>
+  <dgm:styleLbl name="alignAcc1">
+    <dgm:fillClrLst meth="repeat">
+      <a:schemeClr val="lt1">
+        <a:alpha val="90000"/>
+      </a:schemeClr>
+    </dgm:fillClrLst>
+    <dgm:linClrLst>
+      <a:schemeClr val="accent4">
+        <a:alpha val="90000"/>
+      </a:schemeClr>
+      <a:schemeClr val="accent4">
+        <a:alpha val="50000"/>
+      </a:schemeClr>
+    </dgm:linClrLst>
+    <dgm:effectClrLst/>
+    <dgm:txLinClrLst/>
+    <dgm:txFillClrLst meth="repeat">
+      <a:schemeClr val="dk1"/>
+    </dgm:txFillClrLst>
+    <dgm:txEffectClrLst/>
+  </dgm:styleLbl>
+  <dgm:styleLbl name="trAlignAcc1">
+    <dgm:fillClrLst meth="repeat">
+      <a:schemeClr val="lt1">
+        <a:alpha val="40000"/>
+      </a:schemeClr>
+    </dgm:fillClrLst>
+    <dgm:linClrLst>
+      <a:schemeClr val="accent4">
+        <a:alpha val="90000"/>
+      </a:schemeClr>
+      <a:schemeClr val="accent4">
+        <a:alpha val="50000"/>
+      </a:schemeClr>
+    </dgm:linClrLst>
+    <dgm:effectClrLst/>
+    <dgm:txLinClrLst/>
+    <dgm:txFillClrLst meth="repeat">
+      <a:schemeClr val="dk1"/>
+    </dgm:txFillClrLst>
+    <dgm:txEffectClrLst/>
+  </dgm:styleLbl>
+  <dgm:styleLbl name="bgAcc1">
+    <dgm:fillClrLst meth="repeat">
+      <a:schemeClr val="lt1">
+        <a:alpha val="90000"/>
+      </a:schemeClr>
+    </dgm:fillClrLst>
+    <dgm:linClrLst>
+      <a:schemeClr val="accent4">
+        <a:alpha val="90000"/>
+      </a:schemeClr>
+      <a:schemeClr val="accent4">
+        <a:alpha val="50000"/>
+      </a:schemeClr>
+    </dgm:linClrLst>
+    <dgm:effectClrLst/>
+    <dgm:txLinClrLst/>
+    <dgm:txFillClrLst meth="repeat">
+      <a:schemeClr val="dk1"/>
+    </dgm:txFillClrLst>
+    <dgm:txEffectClrLst/>
+  </dgm:styleLbl>
+  <dgm:styleLbl name="solidFgAcc1">
+    <dgm:fillClrLst meth="repeat">
+      <a:schemeClr val="lt1"/>
+    </dgm:fillClrLst>
+    <dgm:linClrLst>
+      <a:schemeClr val="accent4">
+        <a:alpha val="90000"/>
+      </a:schemeClr>
+      <a:schemeClr val="accent4">
+        <a:alpha val="50000"/>
+      </a:schemeClr>
+    </dgm:linClrLst>
+    <dgm:effectClrLst/>
+    <dgm:txLinClrLst/>
+    <dgm:txFillClrLst meth="repeat">
+      <a:schemeClr val="dk1"/>
+    </dgm:txFillClrLst>
+    <dgm:txEffectClrLst/>
+  </dgm:styleLbl>
+  <dgm:styleLbl name="solidAlignAcc1">
+    <dgm:fillClrLst meth="repeat">
+      <a:schemeClr val="lt1"/>
+    </dgm:fillClrLst>
+    <dgm:linClrLst meth="repeat">
+      <a:schemeClr val="accent4"/>
+    </dgm:linClrLst>
+    <dgm:effectClrLst/>
+    <dgm:txLinClrLst/>
+    <dgm:txFillClrLst meth="repeat">
+      <a:schemeClr val="dk1"/>
+    </dgm:txFillClrLst>
+    <dgm:txEffectClrLst/>
+  </dgm:styleLbl>
+  <dgm:styleLbl name="solidBgAcc1">
+    <dgm:fillClrLst meth="repeat">
+      <a:schemeClr val="lt1"/>
+    </dgm:fillClrLst>
+    <dgm:linClrLst meth="repeat">
+      <a:schemeClr val="accent4"/>
+    </dgm:linClrLst>
+    <dgm:effectClrLst/>
+    <dgm:txLinClrLst/>
+    <dgm:txFillClrLst meth="repeat">
+      <a:schemeClr val="dk1"/>
+    </dgm:txFillClrLst>
+    <dgm:txEffectClrLst/>
+  </dgm:styleLbl>
+  <dgm:styleLbl name="fgAccFollowNode1">
+    <dgm:fillClrLst>
+      <a:schemeClr val="accent4">
+        <a:alpha val="90000"/>
+        <a:tint val="40000"/>
+      </a:schemeClr>
+      <a:schemeClr val="accent4">
+        <a:alpha val="50000"/>
+        <a:tint val="40000"/>
+      </a:schemeClr>
+    </dgm:fillClrLst>
+    <dgm:linClrLst meth="repeat">
+      <a:schemeClr val="accent4">
+        <a:alpha val="90000"/>
+        <a:tint val="40000"/>
+      </a:schemeClr>
+    </dgm:linClrLst>
+    <dgm:effectClrLst/>
+    <dgm:txLinClrLst/>
+    <dgm:txFillClrLst meth="repeat">
+      <a:schemeClr val="dk1"/>
+    </dgm:txFillClrLst>
+    <dgm:txEffectClrLst/>
+  </dgm:styleLbl>
+  <dgm:styleLbl name="alignAccFollowNode1">
+    <dgm:fillClrLst meth="repeat">
+      <a:schemeClr val="accent4">
+        <a:alpha val="90000"/>
+        <a:tint val="40000"/>
+      </a:schemeClr>
+    </dgm:fillClrLst>
+    <dgm:linClrLst meth="repeat">
+      <a:schemeClr val="accent4">
+        <a:alpha val="90000"/>
+        <a:tint val="40000"/>
+      </a:schemeClr>
+    </dgm:linClrLst>
+    <dgm:effectClrLst/>
+    <dgm:txLinClrLst/>
+    <dgm:txFillClrLst meth="repeat">
+      <a:schemeClr val="dk1"/>
+    </dgm:txFillClrLst>
+    <dgm:txEffectClrLst/>
+  </dgm:styleLbl>
+  <dgm:styleLbl name="bgAccFollowNode1">
+    <dgm:fillClrLst meth="repeat">
+      <a:schemeClr val="accent4">
+        <a:alpha val="90000"/>
+        <a:tint val="40000"/>
+      </a:schemeClr>
+    </dgm:fillClrLst>
+    <dgm:linClrLst meth="repeat">
+      <a:schemeClr val="lt1"/>
+    </dgm:linClrLst>
+    <dgm:effectClrLst/>
+    <dgm:txLinClrLst/>
+    <dgm:txFillClrLst meth="repeat">
+      <a:schemeClr val="dk1"/>
+    </dgm:txFillClrLst>
+    <dgm:txEffectClrLst/>
+  </dgm:styleLbl>
+  <dgm:styleLbl name="fgAcc0">
+    <dgm:fillClrLst meth="repeat">
+      <a:schemeClr val="lt1">
+        <a:alpha val="90000"/>
+      </a:schemeClr>
+    </dgm:fillClrLst>
+    <dgm:linClrLst meth="repeat">
+      <a:schemeClr val="accent4">
+        <a:shade val="80000"/>
+      </a:schemeClr>
+    </dgm:linClrLst>
+    <dgm:effectClrLst/>
+    <dgm:txLinClrLst/>
+    <dgm:txFillClrLst meth="repeat">
+      <a:schemeClr val="dk1"/>
+    </dgm:txFillClrLst>
+    <dgm:txEffectClrLst/>
+  </dgm:styleLbl>
+  <dgm:styleLbl name="fgAcc2">
+    <dgm:fillClrLst meth="repeat">
+      <a:schemeClr val="lt1">
+        <a:alpha val="90000"/>
+      </a:schemeClr>
+    </dgm:fillClrLst>
+    <dgm:linClrLst meth="repeat">
+      <a:schemeClr val="accent4">
+        <a:tint val="90000"/>
+      </a:schemeClr>
+    </dgm:linClrLst>
+    <dgm:effectClrLst/>
+    <dgm:txLinClrLst/>
+    <dgm:txFillClrLst meth="repeat">
+      <a:schemeClr val="dk1"/>
+    </dgm:txFillClrLst>
+    <dgm:txEffectClrLst/>
+  </dgm:styleLbl>
+  <dgm:styleLbl name="fgAcc3">
+    <dgm:fillClrLst meth="repeat">
+      <a:schemeClr val="lt1">
+        <a:alpha val="90000"/>
+      </a:schemeClr>
+    </dgm:fillClrLst>
+    <dgm:linClrLst meth="repeat">
+      <a:schemeClr val="accent4">
+        <a:tint val="70000"/>
+      </a:schemeClr>
+    </dgm:linClrLst>
+    <dgm:effectClrLst/>
+    <dgm:txLinClrLst/>
+    <dgm:txFillClrLst meth="repeat">
+      <a:schemeClr val="dk1"/>
+    </dgm:txFillClrLst>
+    <dgm:txEffectClrLst/>
+  </dgm:styleLbl>
+  <dgm:styleLbl name="fgAcc4">
+    <dgm:fillClrLst meth="repeat">
+      <a:schemeClr val="lt1">
+        <a:alpha val="90000"/>
+      </a:schemeClr>
+    </dgm:fillClrLst>
+    <dgm:linClrLst meth="repeat">
+      <a:schemeClr val="accent4">
+        <a:tint val="50000"/>
+      </a:schemeClr>
+    </dgm:linClrLst>
+    <dgm:effectClrLst/>
+    <dgm:txLinClrLst/>
+    <dgm:txFillClrLst meth="repeat">
+      <a:schemeClr val="dk1"/>
+    </dgm:txFillClrLst>
+    <dgm:txEffectClrLst/>
+  </dgm:styleLbl>
+  <dgm:styleLbl name="bgShp">
+    <dgm:fillClrLst meth="repeat">
+      <a:schemeClr val="accent4">
+        <a:tint val="40000"/>
+      </a:schemeClr>
+    </dgm:fillClrLst>
+    <dgm:linClrLst meth="repeat">
+      <a:schemeClr val="dk1"/>
+    </dgm:linClrLst>
+    <dgm:effectClrLst/>
+    <dgm:txLinClrLst/>
+    <dgm:txFillClrLst meth="repeat">
+      <a:schemeClr val="dk1"/>
+    </dgm:txFillClrLst>
+    <dgm:txEffectClrLst/>
+  </dgm:styleLbl>
+  <dgm:styleLbl name="dkBgShp">
+    <dgm:fillClrLst meth="repeat">
+      <a:schemeClr val="accent4">
+        <a:shade val="90000"/>
+      </a:schemeClr>
+    </dgm:fillClrLst>
+    <dgm:linClrLst meth="repeat">
+      <a:schemeClr val="dk1"/>
+    </dgm:linClrLst>
+    <dgm:effectClrLst/>
+    <dgm:txLinClrLst/>
+    <dgm:txFillClrLst meth="repeat">
+      <a:schemeClr val="lt1"/>
+    </dgm:txFillClrLst>
+    <dgm:txEffectClrLst/>
+  </dgm:styleLbl>
+  <dgm:styleLbl name="trBgShp">
+    <dgm:fillClrLst meth="repeat">
+      <a:schemeClr val="accent4">
+        <a:tint val="50000"/>
+        <a:alpha val="40000"/>
+      </a:schemeClr>
+    </dgm:fillClrLst>
+    <dgm:linClrLst meth="repeat">
+      <a:schemeClr val="accent4"/>
+    </dgm:linClrLst>
+    <dgm:effectClrLst/>
+    <dgm:txLinClrLst/>
+    <dgm:txFillClrLst meth="repeat">
+      <a:schemeClr val="lt1"/>
+    </dgm:txFillClrLst>
+    <dgm:txEffectClrLst/>
+  </dgm:styleLbl>
+  <dgm:styleLbl name="fgShp">
+    <dgm:fillClrLst meth="repeat">
+      <a:schemeClr val="accent4">
+        <a:tint val="40000"/>
+      </a:schemeClr>
+    </dgm:fillClrLst>
+    <dgm:linClrLst meth="repeat">
+      <a:schemeClr val="lt1"/>
+    </dgm:linClrLst>
+    <dgm:effectClrLst/>
+    <dgm:txLinClrLst/>
+    <dgm:txFillClrLst meth="repeat">
+      <a:schemeClr val="dk1"/>
+    </dgm:txFillClrLst>
+    <dgm:txEffectClrLst/>
+  </dgm:styleLbl>
+  <dgm:styleLbl name="revTx">
+    <dgm:fillClrLst meth="repeat">
+      <a:schemeClr val="lt1">
+        <a:alpha val="0"/>
+      </a:schemeClr>
+    </dgm:fillClrLst>
+    <dgm:linClrLst meth="repeat">
+      <a:schemeClr val="dk1">
+        <a:alpha val="0"/>
+      </a:schemeClr>
+    </dgm:linClrLst>
+    <dgm:effectClrLst/>
+    <dgm:txLinClrLst/>
+    <dgm:txFillClrLst meth="repeat">
+      <a:schemeClr val="tx1"/>
+    </dgm:txFillClrLst>
+    <dgm:txEffectClrLst/>
+  </dgm:styleLbl>
+</dgm:colorsDef>
+</file>
+
+<file path=ppt/diagrams/data1.xml><?xml version="1.0" encoding="utf-8"?>
+<dgm:dataModel xmlns:dgm="http://schemas.openxmlformats.org/drawingml/2006/diagram" xmlns:a="http://schemas.openxmlformats.org/drawingml/2006/main">
+  <dgm:ptLst>
+    <dgm:pt modelId="{EB00BD1B-7301-428A-8817-3BFF72DB34C9}" type="doc">
+      <dgm:prSet loTypeId="urn:microsoft.com/office/officeart/2005/8/layout/process5" loCatId="process" qsTypeId="urn:microsoft.com/office/officeart/2005/8/quickstyle/simple1" qsCatId="simple" csTypeId="urn:microsoft.com/office/officeart/2005/8/colors/accent4_5" csCatId="accent4" phldr="1"/>
+      <dgm:spPr/>
+      <dgm:t>
+        <a:bodyPr/>
+        <a:lstStyle/>
+        <a:p>
+          <a:endParaRPr lang="en-US"/>
+        </a:p>
+      </dgm:t>
+    </dgm:pt>
+    <dgm:pt modelId="{15F89E0B-4147-4C18-A6D6-9D074BCFE1C5}">
+      <dgm:prSet phldrT="[Text]"/>
+      <dgm:spPr/>
+      <dgm:t>
+        <a:bodyPr/>
+        <a:lstStyle/>
+        <a:p>
+          <a:r>
+            <a:rPr lang="de-DE" dirty="0" smtClean="0"/>
+            <a:t>Delivery Date Missing?</a:t>
+          </a:r>
+          <a:endParaRPr lang="en-US" dirty="0"/>
+        </a:p>
+      </dgm:t>
+    </dgm:pt>
+    <dgm:pt modelId="{69CF8F3F-B9BF-4CE2-85CC-29BE743338AD}" type="parTrans" cxnId="{2F121697-DB4F-412E-9435-832545460A03}">
+      <dgm:prSet/>
+      <dgm:spPr/>
+      <dgm:t>
+        <a:bodyPr/>
+        <a:lstStyle/>
+        <a:p>
+          <a:endParaRPr lang="en-US"/>
+        </a:p>
+      </dgm:t>
+    </dgm:pt>
+    <dgm:pt modelId="{AE6EA62D-1259-47DC-B9C2-D732FC01A4C0}" type="sibTrans" cxnId="{2F121697-DB4F-412E-9435-832545460A03}">
+      <dgm:prSet/>
+      <dgm:spPr/>
+      <dgm:t>
+        <a:bodyPr/>
+        <a:lstStyle/>
+        <a:p>
+          <a:endParaRPr lang="en-US"/>
+        </a:p>
+      </dgm:t>
+    </dgm:pt>
+    <dgm:pt modelId="{99E60159-F719-48E5-9EBC-E36EE0F20079}">
+      <dgm:prSet phldrT="[Text]"/>
+      <dgm:spPr/>
+      <dgm:t>
+        <a:bodyPr/>
+        <a:lstStyle/>
+        <a:p>
+          <a:r>
+            <a:rPr lang="de-DE" dirty="0" smtClean="0"/>
+            <a:t>Item never delivered</a:t>
+          </a:r>
+          <a:endParaRPr lang="en-US" dirty="0"/>
+        </a:p>
+      </dgm:t>
+    </dgm:pt>
+    <dgm:pt modelId="{6290A01A-A9AF-44ED-B1BE-075CD24FBB5A}" type="parTrans" cxnId="{BE45BB5B-12D8-43AE-B6E4-7538E4149147}">
+      <dgm:prSet/>
+      <dgm:spPr/>
+      <dgm:t>
+        <a:bodyPr/>
+        <a:lstStyle/>
+        <a:p>
+          <a:endParaRPr lang="en-US"/>
+        </a:p>
+      </dgm:t>
+    </dgm:pt>
+    <dgm:pt modelId="{25C6851C-E80E-429B-84A6-8BAA2C1977F5}" type="sibTrans" cxnId="{BE45BB5B-12D8-43AE-B6E4-7538E4149147}">
+      <dgm:prSet/>
+      <dgm:spPr/>
+      <dgm:t>
+        <a:bodyPr/>
+        <a:lstStyle/>
+        <a:p>
+          <a:endParaRPr lang="en-US"/>
+        </a:p>
+      </dgm:t>
+    </dgm:pt>
+    <dgm:pt modelId="{CA8D0DFA-92B4-4AC3-B73B-8007921EA258}">
+      <dgm:prSet phldrT="[Text]"/>
+      <dgm:spPr/>
+      <dgm:t>
+        <a:bodyPr/>
+        <a:lstStyle/>
+        <a:p>
+          <a:r>
+            <a:rPr lang="de-DE" dirty="0" smtClean="0"/>
+            <a:t>Instances unlabeled</a:t>
+          </a:r>
+          <a:endParaRPr lang="en-US" dirty="0"/>
+        </a:p>
+      </dgm:t>
+    </dgm:pt>
+    <dgm:pt modelId="{6533984C-AFB6-404C-9101-21723A021D21}" type="parTrans" cxnId="{7549B8E4-462C-45FE-B353-22C60DD54C16}">
+      <dgm:prSet/>
+      <dgm:spPr/>
+      <dgm:t>
+        <a:bodyPr/>
+        <a:lstStyle/>
+        <a:p>
+          <a:endParaRPr lang="en-US"/>
+        </a:p>
+      </dgm:t>
+    </dgm:pt>
+    <dgm:pt modelId="{174BCD73-6F47-4880-B8F9-22CF9C3D6E51}" type="sibTrans" cxnId="{7549B8E4-462C-45FE-B353-22C60DD54C16}">
+      <dgm:prSet/>
+      <dgm:spPr/>
+      <dgm:t>
+        <a:bodyPr/>
+        <a:lstStyle/>
+        <a:p>
+          <a:endParaRPr lang="en-US"/>
+        </a:p>
+      </dgm:t>
+    </dgm:pt>
+    <dgm:pt modelId="{BF616858-2975-4F52-825D-3BC51AC7C44B}">
+      <dgm:prSet/>
+      <dgm:spPr/>
+      <dgm:t>
+        <a:bodyPr/>
+        <a:lstStyle/>
+        <a:p>
+          <a:r>
+            <a:rPr lang="de-DE" dirty="0" smtClean="0"/>
+            <a:t>Remove</a:t>
+          </a:r>
+          <a:endParaRPr lang="en-US" dirty="0"/>
+        </a:p>
+      </dgm:t>
+    </dgm:pt>
+    <dgm:pt modelId="{BA04BEBA-295D-4503-AFE7-24DAA2FCD8D1}" type="parTrans" cxnId="{63C28DD9-53B9-4877-B598-306F4E6DC740}">
+      <dgm:prSet/>
+      <dgm:spPr/>
+      <dgm:t>
+        <a:bodyPr/>
+        <a:lstStyle/>
+        <a:p>
+          <a:endParaRPr lang="en-US"/>
+        </a:p>
+      </dgm:t>
+    </dgm:pt>
+    <dgm:pt modelId="{D33367AC-B01A-4D87-AA55-183B245AB586}" type="sibTrans" cxnId="{63C28DD9-53B9-4877-B598-306F4E6DC740}">
+      <dgm:prSet/>
+      <dgm:spPr/>
+      <dgm:t>
+        <a:bodyPr/>
+        <a:lstStyle/>
+        <a:p>
+          <a:endParaRPr lang="en-US"/>
+        </a:p>
+      </dgm:t>
+    </dgm:pt>
+    <dgm:pt modelId="{ED8CB579-42AE-411B-9018-46136E6EB0FB}" type="pres">
+      <dgm:prSet presAssocID="{EB00BD1B-7301-428A-8817-3BFF72DB34C9}" presName="diagram" presStyleCnt="0">
+        <dgm:presLayoutVars>
+          <dgm:dir/>
+          <dgm:resizeHandles val="exact"/>
+        </dgm:presLayoutVars>
+      </dgm:prSet>
+      <dgm:spPr/>
+    </dgm:pt>
+    <dgm:pt modelId="{983A1CE5-54B5-42A9-A81E-B560825070E8}" type="pres">
+      <dgm:prSet presAssocID="{15F89E0B-4147-4C18-A6D6-9D074BCFE1C5}" presName="node" presStyleLbl="node1" presStyleIdx="0" presStyleCnt="4">
+        <dgm:presLayoutVars>
+          <dgm:bulletEnabled val="1"/>
+        </dgm:presLayoutVars>
+      </dgm:prSet>
+      <dgm:spPr/>
+    </dgm:pt>
+    <dgm:pt modelId="{7F36E413-CF9C-420C-8807-4857F82F70AF}" type="pres">
+      <dgm:prSet presAssocID="{AE6EA62D-1259-47DC-B9C2-D732FC01A4C0}" presName="sibTrans" presStyleLbl="sibTrans2D1" presStyleIdx="0" presStyleCnt="3"/>
+      <dgm:spPr/>
+    </dgm:pt>
+    <dgm:pt modelId="{AB566722-5614-4FF7-B093-89C6233992F7}" type="pres">
+      <dgm:prSet presAssocID="{AE6EA62D-1259-47DC-B9C2-D732FC01A4C0}" presName="connectorText" presStyleLbl="sibTrans2D1" presStyleIdx="0" presStyleCnt="3"/>
+      <dgm:spPr/>
+    </dgm:pt>
+    <dgm:pt modelId="{4B1B6C31-A6F1-475D-87FC-09A1958D6645}" type="pres">
+      <dgm:prSet presAssocID="{99E60159-F719-48E5-9EBC-E36EE0F20079}" presName="node" presStyleLbl="node1" presStyleIdx="1" presStyleCnt="4">
+        <dgm:presLayoutVars>
+          <dgm:bulletEnabled val="1"/>
+        </dgm:presLayoutVars>
+      </dgm:prSet>
+      <dgm:spPr/>
+    </dgm:pt>
+    <dgm:pt modelId="{8485AA87-7A55-40A6-8DD6-7ABFAB47EE33}" type="pres">
+      <dgm:prSet presAssocID="{25C6851C-E80E-429B-84A6-8BAA2C1977F5}" presName="sibTrans" presStyleLbl="sibTrans2D1" presStyleIdx="1" presStyleCnt="3"/>
+      <dgm:spPr/>
+    </dgm:pt>
+    <dgm:pt modelId="{F5D9A138-AC39-4251-927F-C7B9FC860287}" type="pres">
+      <dgm:prSet presAssocID="{25C6851C-E80E-429B-84A6-8BAA2C1977F5}" presName="connectorText" presStyleLbl="sibTrans2D1" presStyleIdx="1" presStyleCnt="3"/>
+      <dgm:spPr/>
+    </dgm:pt>
+    <dgm:pt modelId="{4693E9C8-FB29-4BAC-AD6C-70620E8075D3}" type="pres">
+      <dgm:prSet presAssocID="{CA8D0DFA-92B4-4AC3-B73B-8007921EA258}" presName="node" presStyleLbl="node1" presStyleIdx="2" presStyleCnt="4">
+        <dgm:presLayoutVars>
+          <dgm:bulletEnabled val="1"/>
+        </dgm:presLayoutVars>
+      </dgm:prSet>
+      <dgm:spPr/>
+      <dgm:t>
+        <a:bodyPr/>
+        <a:lstStyle/>
+        <a:p>
+          <a:endParaRPr lang="en-US"/>
+        </a:p>
+      </dgm:t>
+    </dgm:pt>
+    <dgm:pt modelId="{EE542BFE-AEC8-432C-926C-28EEE1B1DD53}" type="pres">
+      <dgm:prSet presAssocID="{174BCD73-6F47-4880-B8F9-22CF9C3D6E51}" presName="sibTrans" presStyleLbl="sibTrans2D1" presStyleIdx="2" presStyleCnt="3"/>
+      <dgm:spPr/>
+    </dgm:pt>
+    <dgm:pt modelId="{5E6F1F2B-D117-42D3-A2D7-4A49526DFA54}" type="pres">
+      <dgm:prSet presAssocID="{174BCD73-6F47-4880-B8F9-22CF9C3D6E51}" presName="connectorText" presStyleLbl="sibTrans2D1" presStyleIdx="2" presStyleCnt="3"/>
+      <dgm:spPr/>
+    </dgm:pt>
+    <dgm:pt modelId="{864E56A6-9908-4E74-B951-1FDD023423A9}" type="pres">
+      <dgm:prSet presAssocID="{BF616858-2975-4F52-825D-3BC51AC7C44B}" presName="node" presStyleLbl="node1" presStyleIdx="3" presStyleCnt="4">
+        <dgm:presLayoutVars>
+          <dgm:bulletEnabled val="1"/>
+        </dgm:presLayoutVars>
+      </dgm:prSet>
+      <dgm:spPr/>
+      <dgm:t>
+        <a:bodyPr/>
+        <a:lstStyle/>
+        <a:p>
+          <a:endParaRPr lang="en-US"/>
+        </a:p>
+      </dgm:t>
+    </dgm:pt>
+  </dgm:ptLst>
+  <dgm:cxnLst>
+    <dgm:cxn modelId="{63C28DD9-53B9-4877-B598-306F4E6DC740}" srcId="{EB00BD1B-7301-428A-8817-3BFF72DB34C9}" destId="{BF616858-2975-4F52-825D-3BC51AC7C44B}" srcOrd="3" destOrd="0" parTransId="{BA04BEBA-295D-4503-AFE7-24DAA2FCD8D1}" sibTransId="{D33367AC-B01A-4D87-AA55-183B245AB586}"/>
+    <dgm:cxn modelId="{FF6A9E21-4BDA-43F0-890E-09CDC09097B4}" type="presOf" srcId="{25C6851C-E80E-429B-84A6-8BAA2C1977F5}" destId="{F5D9A138-AC39-4251-927F-C7B9FC860287}" srcOrd="1" destOrd="0" presId="urn:microsoft.com/office/officeart/2005/8/layout/process5"/>
+    <dgm:cxn modelId="{DDD45F40-5393-4069-B28D-F13EBA2524AB}" type="presOf" srcId="{CA8D0DFA-92B4-4AC3-B73B-8007921EA258}" destId="{4693E9C8-FB29-4BAC-AD6C-70620E8075D3}" srcOrd="0" destOrd="0" presId="urn:microsoft.com/office/officeart/2005/8/layout/process5"/>
+    <dgm:cxn modelId="{8AF6FE36-87BB-4BAE-9437-6EA1FFE3D02D}" type="presOf" srcId="{99E60159-F719-48E5-9EBC-E36EE0F20079}" destId="{4B1B6C31-A6F1-475D-87FC-09A1958D6645}" srcOrd="0" destOrd="0" presId="urn:microsoft.com/office/officeart/2005/8/layout/process5"/>
+    <dgm:cxn modelId="{F2C06B11-B30D-4FE8-AEAC-1A71296120B1}" type="presOf" srcId="{174BCD73-6F47-4880-B8F9-22CF9C3D6E51}" destId="{EE542BFE-AEC8-432C-926C-28EEE1B1DD53}" srcOrd="0" destOrd="0" presId="urn:microsoft.com/office/officeart/2005/8/layout/process5"/>
+    <dgm:cxn modelId="{ACE55A73-1E51-43D8-B8E6-538BDBF66844}" type="presOf" srcId="{174BCD73-6F47-4880-B8F9-22CF9C3D6E51}" destId="{5E6F1F2B-D117-42D3-A2D7-4A49526DFA54}" srcOrd="1" destOrd="0" presId="urn:microsoft.com/office/officeart/2005/8/layout/process5"/>
+    <dgm:cxn modelId="{E054317A-550B-441E-BB46-804A7E7F3808}" type="presOf" srcId="{AE6EA62D-1259-47DC-B9C2-D732FC01A4C0}" destId="{AB566722-5614-4FF7-B093-89C6233992F7}" srcOrd="1" destOrd="0" presId="urn:microsoft.com/office/officeart/2005/8/layout/process5"/>
+    <dgm:cxn modelId="{12DBF19D-E2C1-4DF8-83DD-6F0229FD962E}" type="presOf" srcId="{BF616858-2975-4F52-825D-3BC51AC7C44B}" destId="{864E56A6-9908-4E74-B951-1FDD023423A9}" srcOrd="0" destOrd="0" presId="urn:microsoft.com/office/officeart/2005/8/layout/process5"/>
+    <dgm:cxn modelId="{BE45BB5B-12D8-43AE-B6E4-7538E4149147}" srcId="{EB00BD1B-7301-428A-8817-3BFF72DB34C9}" destId="{99E60159-F719-48E5-9EBC-E36EE0F20079}" srcOrd="1" destOrd="0" parTransId="{6290A01A-A9AF-44ED-B1BE-075CD24FBB5A}" sibTransId="{25C6851C-E80E-429B-84A6-8BAA2C1977F5}"/>
+    <dgm:cxn modelId="{35B985BD-068C-4C82-A92A-9A49F38DDEC4}" type="presOf" srcId="{EB00BD1B-7301-428A-8817-3BFF72DB34C9}" destId="{ED8CB579-42AE-411B-9018-46136E6EB0FB}" srcOrd="0" destOrd="0" presId="urn:microsoft.com/office/officeart/2005/8/layout/process5"/>
+    <dgm:cxn modelId="{1135C784-48E3-40C0-8775-20484ED7E245}" type="presOf" srcId="{AE6EA62D-1259-47DC-B9C2-D732FC01A4C0}" destId="{7F36E413-CF9C-420C-8807-4857F82F70AF}" srcOrd="0" destOrd="0" presId="urn:microsoft.com/office/officeart/2005/8/layout/process5"/>
+    <dgm:cxn modelId="{BC1CDD21-D598-4557-B944-AF600D20994B}" type="presOf" srcId="{15F89E0B-4147-4C18-A6D6-9D074BCFE1C5}" destId="{983A1CE5-54B5-42A9-A81E-B560825070E8}" srcOrd="0" destOrd="0" presId="urn:microsoft.com/office/officeart/2005/8/layout/process5"/>
+    <dgm:cxn modelId="{7549B8E4-462C-45FE-B353-22C60DD54C16}" srcId="{EB00BD1B-7301-428A-8817-3BFF72DB34C9}" destId="{CA8D0DFA-92B4-4AC3-B73B-8007921EA258}" srcOrd="2" destOrd="0" parTransId="{6533984C-AFB6-404C-9101-21723A021D21}" sibTransId="{174BCD73-6F47-4880-B8F9-22CF9C3D6E51}"/>
+    <dgm:cxn modelId="{004CFCD9-F4D1-4FC5-904F-EF20D9F4D27A}" type="presOf" srcId="{25C6851C-E80E-429B-84A6-8BAA2C1977F5}" destId="{8485AA87-7A55-40A6-8DD6-7ABFAB47EE33}" srcOrd="0" destOrd="0" presId="urn:microsoft.com/office/officeart/2005/8/layout/process5"/>
+    <dgm:cxn modelId="{2F121697-DB4F-412E-9435-832545460A03}" srcId="{EB00BD1B-7301-428A-8817-3BFF72DB34C9}" destId="{15F89E0B-4147-4C18-A6D6-9D074BCFE1C5}" srcOrd="0" destOrd="0" parTransId="{69CF8F3F-B9BF-4CE2-85CC-29BE743338AD}" sibTransId="{AE6EA62D-1259-47DC-B9C2-D732FC01A4C0}"/>
+    <dgm:cxn modelId="{E6B550C2-2877-45C0-97F5-EB811EB51CBB}" type="presParOf" srcId="{ED8CB579-42AE-411B-9018-46136E6EB0FB}" destId="{983A1CE5-54B5-42A9-A81E-B560825070E8}" srcOrd="0" destOrd="0" presId="urn:microsoft.com/office/officeart/2005/8/layout/process5"/>
+    <dgm:cxn modelId="{E504A654-75FE-4632-B41C-0E20CBB3E010}" type="presParOf" srcId="{ED8CB579-42AE-411B-9018-46136E6EB0FB}" destId="{7F36E413-CF9C-420C-8807-4857F82F70AF}" srcOrd="1" destOrd="0" presId="urn:microsoft.com/office/officeart/2005/8/layout/process5"/>
+    <dgm:cxn modelId="{D061CDB1-4549-4229-9EEF-B61A14E2E4CF}" type="presParOf" srcId="{7F36E413-CF9C-420C-8807-4857F82F70AF}" destId="{AB566722-5614-4FF7-B093-89C6233992F7}" srcOrd="0" destOrd="0" presId="urn:microsoft.com/office/officeart/2005/8/layout/process5"/>
+    <dgm:cxn modelId="{E63D17AB-E75B-4444-9811-CD5466B1CE0F}" type="presParOf" srcId="{ED8CB579-42AE-411B-9018-46136E6EB0FB}" destId="{4B1B6C31-A6F1-475D-87FC-09A1958D6645}" srcOrd="2" destOrd="0" presId="urn:microsoft.com/office/officeart/2005/8/layout/process5"/>
+    <dgm:cxn modelId="{C0BB0A12-0A8F-4568-8336-51119F8E3031}" type="presParOf" srcId="{ED8CB579-42AE-411B-9018-46136E6EB0FB}" destId="{8485AA87-7A55-40A6-8DD6-7ABFAB47EE33}" srcOrd="3" destOrd="0" presId="urn:microsoft.com/office/officeart/2005/8/layout/process5"/>
+    <dgm:cxn modelId="{68230EFF-DF74-4BE5-8050-C6ACFBA7EF70}" type="presParOf" srcId="{8485AA87-7A55-40A6-8DD6-7ABFAB47EE33}" destId="{F5D9A138-AC39-4251-927F-C7B9FC860287}" srcOrd="0" destOrd="0" presId="urn:microsoft.com/office/officeart/2005/8/layout/process5"/>
+    <dgm:cxn modelId="{8E011B29-29FF-4E31-965C-09FD8CFC2597}" type="presParOf" srcId="{ED8CB579-42AE-411B-9018-46136E6EB0FB}" destId="{4693E9C8-FB29-4BAC-AD6C-70620E8075D3}" srcOrd="4" destOrd="0" presId="urn:microsoft.com/office/officeart/2005/8/layout/process5"/>
+    <dgm:cxn modelId="{9700C67D-0FA5-4381-8392-A043C1A1C9C4}" type="presParOf" srcId="{ED8CB579-42AE-411B-9018-46136E6EB0FB}" destId="{EE542BFE-AEC8-432C-926C-28EEE1B1DD53}" srcOrd="5" destOrd="0" presId="urn:microsoft.com/office/officeart/2005/8/layout/process5"/>
+    <dgm:cxn modelId="{44349C98-AC02-46ED-A9C3-907867DD7893}" type="presParOf" srcId="{EE542BFE-AEC8-432C-926C-28EEE1B1DD53}" destId="{5E6F1F2B-D117-42D3-A2D7-4A49526DFA54}" srcOrd="0" destOrd="0" presId="urn:microsoft.com/office/officeart/2005/8/layout/process5"/>
+    <dgm:cxn modelId="{79C1DBBB-4D45-4C77-B8BF-0C14E19ECCEE}" type="presParOf" srcId="{ED8CB579-42AE-411B-9018-46136E6EB0FB}" destId="{864E56A6-9908-4E74-B951-1FDD023423A9}" srcOrd="6" destOrd="0" presId="urn:microsoft.com/office/officeart/2005/8/layout/process5"/>
+  </dgm:cxnLst>
+  <dgm:bg/>
+  <dgm:whole/>
+  <dgm:extLst>
+    <a:ext uri="http://schemas.microsoft.com/office/drawing/2008/diagram">
+      <dsp:dataModelExt xmlns:dsp="http://schemas.microsoft.com/office/drawing/2008/diagram" relId="rId6" minVer="http://schemas.openxmlformats.org/drawingml/2006/diagram"/>
+    </a:ext>
+  </dgm:extLst>
+</dgm:dataModel>
+</file>
+
+<file path=ppt/diagrams/drawing1.xml><?xml version="1.0" encoding="utf-8"?>
+<dsp:drawing xmlns:dgm="http://schemas.openxmlformats.org/drawingml/2006/diagram" xmlns:dsp="http://schemas.microsoft.com/office/drawing/2008/diagram" xmlns:a="http://schemas.openxmlformats.org/drawingml/2006/main">
+  <dsp:spTree>
+    <dsp:nvGrpSpPr>
+      <dsp:cNvPr id="0" name=""/>
+      <dsp:cNvGrpSpPr/>
+    </dsp:nvGrpSpPr>
+    <dsp:grpSpPr/>
+    <dsp:sp modelId="{983A1CE5-54B5-42A9-A81E-B560825070E8}">
+      <dsp:nvSpPr>
+        <dsp:cNvPr id="0" name=""/>
+        <dsp:cNvSpPr/>
+      </dsp:nvSpPr>
+      <dsp:spPr>
+        <a:xfrm>
+          <a:off x="752" y="953658"/>
+          <a:ext cx="1604205" cy="962523"/>
+        </a:xfrm>
+        <a:prstGeom prst="roundRect">
+          <a:avLst>
+            <a:gd name="adj" fmla="val 10000"/>
+          </a:avLst>
+        </a:prstGeom>
+        <a:solidFill>
+          <a:schemeClr val="accent4">
+            <a:alpha val="90000"/>
+            <a:hueOff val="0"/>
+            <a:satOff val="0"/>
+            <a:lumOff val="0"/>
+            <a:alphaOff val="0"/>
+          </a:schemeClr>
+        </a:solidFill>
+        <a:ln w="25400" cap="flat" cmpd="sng" algn="ctr">
+          <a:solidFill>
+            <a:schemeClr val="lt1">
+              <a:hueOff val="0"/>
+              <a:satOff val="0"/>
+              <a:lumOff val="0"/>
+              <a:alphaOff val="0"/>
+            </a:schemeClr>
+          </a:solidFill>
+          <a:prstDash val="solid"/>
+        </a:ln>
+        <a:effectLst/>
+      </dsp:spPr>
+      <dsp:style>
+        <a:lnRef idx="2">
+          <a:scrgbClr r="0" g="0" b="0"/>
+        </a:lnRef>
+        <a:fillRef idx="1">
+          <a:scrgbClr r="0" g="0" b="0"/>
+        </a:fillRef>
+        <a:effectRef idx="0">
+          <a:scrgbClr r="0" g="0" b="0"/>
+        </a:effectRef>
+        <a:fontRef idx="minor">
+          <a:schemeClr val="lt1"/>
+        </a:fontRef>
+      </dsp:style>
+      <dsp:txBody>
+        <a:bodyPr spcFirstLastPara="0" vert="horz" wrap="square" lIns="72390" tIns="72390" rIns="72390" bIns="72390" numCol="1" spcCol="1270" anchor="ctr" anchorCtr="0">
+          <a:noAutofit/>
+        </a:bodyPr>
+        <a:lstStyle/>
+        <a:p>
+          <a:pPr lvl="0" algn="ctr" defTabSz="844550">
+            <a:lnSpc>
+              <a:spcPct val="90000"/>
+            </a:lnSpc>
+            <a:spcBef>
+              <a:spcPct val="0"/>
+            </a:spcBef>
+            <a:spcAft>
+              <a:spcPct val="35000"/>
+            </a:spcAft>
+          </a:pPr>
+          <a:r>
+            <a:rPr lang="de-DE" sz="1900" kern="1200" dirty="0" smtClean="0"/>
+            <a:t>Delivery Date Missing?</a:t>
+          </a:r>
+          <a:endParaRPr lang="en-US" sz="1900" kern="1200" dirty="0"/>
+        </a:p>
+      </dsp:txBody>
+      <dsp:txXfrm>
+        <a:off x="28943" y="981849"/>
+        <a:ext cx="1547823" cy="906141"/>
+      </dsp:txXfrm>
+    </dsp:sp>
+    <dsp:sp modelId="{7F36E413-CF9C-420C-8807-4857F82F70AF}">
+      <dsp:nvSpPr>
+        <dsp:cNvPr id="0" name=""/>
+        <dsp:cNvSpPr/>
+      </dsp:nvSpPr>
+      <dsp:spPr>
+        <a:xfrm>
+          <a:off x="1746127" y="1235998"/>
+          <a:ext cx="340091" cy="397842"/>
+        </a:xfrm>
+        <a:prstGeom prst="rightArrow">
+          <a:avLst>
+            <a:gd name="adj1" fmla="val 60000"/>
+            <a:gd name="adj2" fmla="val 50000"/>
+          </a:avLst>
+        </a:prstGeom>
+        <a:solidFill>
+          <a:schemeClr val="accent4">
+            <a:shade val="90000"/>
+            <a:hueOff val="0"/>
+            <a:satOff val="0"/>
+            <a:lumOff val="0"/>
+            <a:alphaOff val="0"/>
+          </a:schemeClr>
+        </a:solidFill>
+        <a:ln>
+          <a:noFill/>
+        </a:ln>
+        <a:effectLst/>
+      </dsp:spPr>
+      <dsp:style>
+        <a:lnRef idx="0">
+          <a:scrgbClr r="0" g="0" b="0"/>
+        </a:lnRef>
+        <a:fillRef idx="1">
+          <a:scrgbClr r="0" g="0" b="0"/>
+        </a:fillRef>
+        <a:effectRef idx="0">
+          <a:scrgbClr r="0" g="0" b="0"/>
+        </a:effectRef>
+        <a:fontRef idx="minor">
+          <a:schemeClr val="lt1"/>
+        </a:fontRef>
+      </dsp:style>
+      <dsp:txBody>
+        <a:bodyPr spcFirstLastPara="0" vert="horz" wrap="square" lIns="0" tIns="0" rIns="0" bIns="0" numCol="1" spcCol="1270" anchor="ctr" anchorCtr="0">
+          <a:noAutofit/>
+        </a:bodyPr>
+        <a:lstStyle/>
+        <a:p>
+          <a:pPr lvl="0" algn="ctr" defTabSz="666750">
+            <a:lnSpc>
+              <a:spcPct val="90000"/>
+            </a:lnSpc>
+            <a:spcBef>
+              <a:spcPct val="0"/>
+            </a:spcBef>
+            <a:spcAft>
+              <a:spcPct val="35000"/>
+            </a:spcAft>
+          </a:pPr>
+          <a:endParaRPr lang="en-US" sz="1500" kern="1200"/>
+        </a:p>
+      </dsp:txBody>
+      <dsp:txXfrm>
+        <a:off x="1746127" y="1315566"/>
+        <a:ext cx="238064" cy="238706"/>
+      </dsp:txXfrm>
+    </dsp:sp>
+    <dsp:sp modelId="{4B1B6C31-A6F1-475D-87FC-09A1958D6645}">
+      <dsp:nvSpPr>
+        <dsp:cNvPr id="0" name=""/>
+        <dsp:cNvSpPr/>
+      </dsp:nvSpPr>
+      <dsp:spPr>
+        <a:xfrm>
+          <a:off x="2246639" y="953658"/>
+          <a:ext cx="1604205" cy="962523"/>
+        </a:xfrm>
+        <a:prstGeom prst="roundRect">
+          <a:avLst>
+            <a:gd name="adj" fmla="val 10000"/>
+          </a:avLst>
+        </a:prstGeom>
+        <a:solidFill>
+          <a:schemeClr val="accent4">
+            <a:alpha val="90000"/>
+            <a:hueOff val="0"/>
+            <a:satOff val="0"/>
+            <a:lumOff val="0"/>
+            <a:alphaOff val="-13333"/>
+          </a:schemeClr>
+        </a:solidFill>
+        <a:ln w="25400" cap="flat" cmpd="sng" algn="ctr">
+          <a:solidFill>
+            <a:schemeClr val="lt1">
+              <a:hueOff val="0"/>
+              <a:satOff val="0"/>
+              <a:lumOff val="0"/>
+              <a:alphaOff val="0"/>
+            </a:schemeClr>
+          </a:solidFill>
+          <a:prstDash val="solid"/>
+        </a:ln>
+        <a:effectLst/>
+      </dsp:spPr>
+      <dsp:style>
+        <a:lnRef idx="2">
+          <a:scrgbClr r="0" g="0" b="0"/>
+        </a:lnRef>
+        <a:fillRef idx="1">
+          <a:scrgbClr r="0" g="0" b="0"/>
+        </a:fillRef>
+        <a:effectRef idx="0">
+          <a:scrgbClr r="0" g="0" b="0"/>
+        </a:effectRef>
+        <a:fontRef idx="minor">
+          <a:schemeClr val="lt1"/>
+        </a:fontRef>
+      </dsp:style>
+      <dsp:txBody>
+        <a:bodyPr spcFirstLastPara="0" vert="horz" wrap="square" lIns="72390" tIns="72390" rIns="72390" bIns="72390" numCol="1" spcCol="1270" anchor="ctr" anchorCtr="0">
+          <a:noAutofit/>
+        </a:bodyPr>
+        <a:lstStyle/>
+        <a:p>
+          <a:pPr lvl="0" algn="ctr" defTabSz="844550">
+            <a:lnSpc>
+              <a:spcPct val="90000"/>
+            </a:lnSpc>
+            <a:spcBef>
+              <a:spcPct val="0"/>
+            </a:spcBef>
+            <a:spcAft>
+              <a:spcPct val="35000"/>
+            </a:spcAft>
+          </a:pPr>
+          <a:r>
+            <a:rPr lang="de-DE" sz="1900" kern="1200" dirty="0" smtClean="0"/>
+            <a:t>Item never delivered</a:t>
+          </a:r>
+          <a:endParaRPr lang="en-US" sz="1900" kern="1200" dirty="0"/>
+        </a:p>
+      </dsp:txBody>
+      <dsp:txXfrm>
+        <a:off x="2274830" y="981849"/>
+        <a:ext cx="1547823" cy="906141"/>
+      </dsp:txXfrm>
+    </dsp:sp>
+    <dsp:sp modelId="{8485AA87-7A55-40A6-8DD6-7ABFAB47EE33}">
+      <dsp:nvSpPr>
+        <dsp:cNvPr id="0" name=""/>
+        <dsp:cNvSpPr/>
+      </dsp:nvSpPr>
+      <dsp:spPr>
+        <a:xfrm rot="5400000">
+          <a:off x="2878696" y="2028475"/>
+          <a:ext cx="340091" cy="397842"/>
+        </a:xfrm>
+        <a:prstGeom prst="rightArrow">
+          <a:avLst>
+            <a:gd name="adj1" fmla="val 60000"/>
+            <a:gd name="adj2" fmla="val 50000"/>
+          </a:avLst>
+        </a:prstGeom>
+        <a:solidFill>
+          <a:schemeClr val="accent4">
+            <a:shade val="90000"/>
+            <a:hueOff val="0"/>
+            <a:satOff val="0"/>
+            <a:lumOff val="36768"/>
+            <a:alphaOff val="0"/>
+          </a:schemeClr>
+        </a:solidFill>
+        <a:ln>
+          <a:noFill/>
+        </a:ln>
+        <a:effectLst/>
+      </dsp:spPr>
+      <dsp:style>
+        <a:lnRef idx="0">
+          <a:scrgbClr r="0" g="0" b="0"/>
+        </a:lnRef>
+        <a:fillRef idx="1">
+          <a:scrgbClr r="0" g="0" b="0"/>
+        </a:fillRef>
+        <a:effectRef idx="0">
+          <a:scrgbClr r="0" g="0" b="0"/>
+        </a:effectRef>
+        <a:fontRef idx="minor">
+          <a:schemeClr val="lt1"/>
+        </a:fontRef>
+      </dsp:style>
+      <dsp:txBody>
+        <a:bodyPr spcFirstLastPara="0" vert="horz" wrap="square" lIns="0" tIns="0" rIns="0" bIns="0" numCol="1" spcCol="1270" anchor="ctr" anchorCtr="0">
+          <a:noAutofit/>
+        </a:bodyPr>
+        <a:lstStyle/>
+        <a:p>
+          <a:pPr lvl="0" algn="ctr" defTabSz="666750">
+            <a:lnSpc>
+              <a:spcPct val="90000"/>
+            </a:lnSpc>
+            <a:spcBef>
+              <a:spcPct val="0"/>
+            </a:spcBef>
+            <a:spcAft>
+              <a:spcPct val="35000"/>
+            </a:spcAft>
+          </a:pPr>
+          <a:endParaRPr lang="en-US" sz="1500" kern="1200"/>
+        </a:p>
+      </dsp:txBody>
+      <dsp:txXfrm rot="-5400000">
+        <a:off x="2929389" y="2057351"/>
+        <a:ext cx="238706" cy="238064"/>
+      </dsp:txXfrm>
+    </dsp:sp>
+    <dsp:sp modelId="{4693E9C8-FB29-4BAC-AD6C-70620E8075D3}">
+      <dsp:nvSpPr>
+        <dsp:cNvPr id="0" name=""/>
+        <dsp:cNvSpPr/>
+      </dsp:nvSpPr>
+      <dsp:spPr>
+        <a:xfrm>
+          <a:off x="2246639" y="2557863"/>
+          <a:ext cx="1604205" cy="962523"/>
+        </a:xfrm>
+        <a:prstGeom prst="roundRect">
+          <a:avLst>
+            <a:gd name="adj" fmla="val 10000"/>
+          </a:avLst>
+        </a:prstGeom>
+        <a:solidFill>
+          <a:schemeClr val="accent4">
+            <a:alpha val="90000"/>
+            <a:hueOff val="0"/>
+            <a:satOff val="0"/>
+            <a:lumOff val="0"/>
+            <a:alphaOff val="-26667"/>
+          </a:schemeClr>
+        </a:solidFill>
+        <a:ln w="25400" cap="flat" cmpd="sng" algn="ctr">
+          <a:solidFill>
+            <a:schemeClr val="lt1">
+              <a:hueOff val="0"/>
+              <a:satOff val="0"/>
+              <a:lumOff val="0"/>
+              <a:alphaOff val="0"/>
+            </a:schemeClr>
+          </a:solidFill>
+          <a:prstDash val="solid"/>
+        </a:ln>
+        <a:effectLst/>
+      </dsp:spPr>
+      <dsp:style>
+        <a:lnRef idx="2">
+          <a:scrgbClr r="0" g="0" b="0"/>
+        </a:lnRef>
+        <a:fillRef idx="1">
+          <a:scrgbClr r="0" g="0" b="0"/>
+        </a:fillRef>
+        <a:effectRef idx="0">
+          <a:scrgbClr r="0" g="0" b="0"/>
+        </a:effectRef>
+        <a:fontRef idx="minor">
+          <a:schemeClr val="lt1"/>
+        </a:fontRef>
+      </dsp:style>
+      <dsp:txBody>
+        <a:bodyPr spcFirstLastPara="0" vert="horz" wrap="square" lIns="72390" tIns="72390" rIns="72390" bIns="72390" numCol="1" spcCol="1270" anchor="ctr" anchorCtr="0">
+          <a:noAutofit/>
+        </a:bodyPr>
+        <a:lstStyle/>
+        <a:p>
+          <a:pPr lvl="0" algn="ctr" defTabSz="844550">
+            <a:lnSpc>
+              <a:spcPct val="90000"/>
+            </a:lnSpc>
+            <a:spcBef>
+              <a:spcPct val="0"/>
+            </a:spcBef>
+            <a:spcAft>
+              <a:spcPct val="35000"/>
+            </a:spcAft>
+          </a:pPr>
+          <a:r>
+            <a:rPr lang="de-DE" sz="1900" kern="1200" dirty="0" smtClean="0"/>
+            <a:t>Instances unlabeled</a:t>
+          </a:r>
+          <a:endParaRPr lang="en-US" sz="1900" kern="1200" dirty="0"/>
+        </a:p>
+      </dsp:txBody>
+      <dsp:txXfrm>
+        <a:off x="2274830" y="2586054"/>
+        <a:ext cx="1547823" cy="906141"/>
+      </dsp:txXfrm>
+    </dsp:sp>
+    <dsp:sp modelId="{EE542BFE-AEC8-432C-926C-28EEE1B1DD53}">
+      <dsp:nvSpPr>
+        <dsp:cNvPr id="0" name=""/>
+        <dsp:cNvSpPr/>
+      </dsp:nvSpPr>
+      <dsp:spPr>
+        <a:xfrm rot="10800000">
+          <a:off x="1765377" y="2840203"/>
+          <a:ext cx="340091" cy="397842"/>
+        </a:xfrm>
+        <a:prstGeom prst="rightArrow">
+          <a:avLst>
+            <a:gd name="adj1" fmla="val 60000"/>
+            <a:gd name="adj2" fmla="val 50000"/>
+          </a:avLst>
+        </a:prstGeom>
+        <a:solidFill>
+          <a:schemeClr val="accent4">
+            <a:shade val="90000"/>
+            <a:hueOff val="0"/>
+            <a:satOff val="0"/>
+            <a:lumOff val="73536"/>
+            <a:alphaOff val="0"/>
+          </a:schemeClr>
+        </a:solidFill>
+        <a:ln>
+          <a:noFill/>
+        </a:ln>
+        <a:effectLst/>
+      </dsp:spPr>
+      <dsp:style>
+        <a:lnRef idx="0">
+          <a:scrgbClr r="0" g="0" b="0"/>
+        </a:lnRef>
+        <a:fillRef idx="1">
+          <a:scrgbClr r="0" g="0" b="0"/>
+        </a:fillRef>
+        <a:effectRef idx="0">
+          <a:scrgbClr r="0" g="0" b="0"/>
+        </a:effectRef>
+        <a:fontRef idx="minor">
+          <a:schemeClr val="lt1"/>
+        </a:fontRef>
+      </dsp:style>
+      <dsp:txBody>
+        <a:bodyPr spcFirstLastPara="0" vert="horz" wrap="square" lIns="0" tIns="0" rIns="0" bIns="0" numCol="1" spcCol="1270" anchor="ctr" anchorCtr="0">
+          <a:noAutofit/>
+        </a:bodyPr>
+        <a:lstStyle/>
+        <a:p>
+          <a:pPr lvl="0" algn="ctr" defTabSz="666750">
+            <a:lnSpc>
+              <a:spcPct val="90000"/>
+            </a:lnSpc>
+            <a:spcBef>
+              <a:spcPct val="0"/>
+            </a:spcBef>
+            <a:spcAft>
+              <a:spcPct val="35000"/>
+            </a:spcAft>
+          </a:pPr>
+          <a:endParaRPr lang="en-US" sz="1500" kern="1200"/>
+        </a:p>
+      </dsp:txBody>
+      <dsp:txXfrm rot="10800000">
+        <a:off x="1867404" y="2919771"/>
+        <a:ext cx="238064" cy="238706"/>
+      </dsp:txXfrm>
+    </dsp:sp>
+    <dsp:sp modelId="{864E56A6-9908-4E74-B951-1FDD023423A9}">
+      <dsp:nvSpPr>
+        <dsp:cNvPr id="0" name=""/>
+        <dsp:cNvSpPr/>
+      </dsp:nvSpPr>
+      <dsp:spPr>
+        <a:xfrm>
+          <a:off x="752" y="2557863"/>
+          <a:ext cx="1604205" cy="962523"/>
+        </a:xfrm>
+        <a:prstGeom prst="roundRect">
+          <a:avLst>
+            <a:gd name="adj" fmla="val 10000"/>
+          </a:avLst>
+        </a:prstGeom>
+        <a:solidFill>
+          <a:schemeClr val="accent4">
+            <a:alpha val="90000"/>
+            <a:hueOff val="0"/>
+            <a:satOff val="0"/>
+            <a:lumOff val="0"/>
+            <a:alphaOff val="-40000"/>
+          </a:schemeClr>
+        </a:solidFill>
+        <a:ln w="25400" cap="flat" cmpd="sng" algn="ctr">
+          <a:solidFill>
+            <a:schemeClr val="lt1">
+              <a:hueOff val="0"/>
+              <a:satOff val="0"/>
+              <a:lumOff val="0"/>
+              <a:alphaOff val="0"/>
+            </a:schemeClr>
+          </a:solidFill>
+          <a:prstDash val="solid"/>
+        </a:ln>
+        <a:effectLst/>
+      </dsp:spPr>
+      <dsp:style>
+        <a:lnRef idx="2">
+          <a:scrgbClr r="0" g="0" b="0"/>
+        </a:lnRef>
+        <a:fillRef idx="1">
+          <a:scrgbClr r="0" g="0" b="0"/>
+        </a:fillRef>
+        <a:effectRef idx="0">
+          <a:scrgbClr r="0" g="0" b="0"/>
+        </a:effectRef>
+        <a:fontRef idx="minor">
+          <a:schemeClr val="lt1"/>
+        </a:fontRef>
+      </dsp:style>
+      <dsp:txBody>
+        <a:bodyPr spcFirstLastPara="0" vert="horz" wrap="square" lIns="72390" tIns="72390" rIns="72390" bIns="72390" numCol="1" spcCol="1270" anchor="ctr" anchorCtr="0">
+          <a:noAutofit/>
+        </a:bodyPr>
+        <a:lstStyle/>
+        <a:p>
+          <a:pPr lvl="0" algn="ctr" defTabSz="844550">
+            <a:lnSpc>
+              <a:spcPct val="90000"/>
+            </a:lnSpc>
+            <a:spcBef>
+              <a:spcPct val="0"/>
+            </a:spcBef>
+            <a:spcAft>
+              <a:spcPct val="35000"/>
+            </a:spcAft>
+          </a:pPr>
+          <a:r>
+            <a:rPr lang="de-DE" sz="1900" kern="1200" dirty="0" smtClean="0"/>
+            <a:t>Remove</a:t>
+          </a:r>
+          <a:endParaRPr lang="en-US" sz="1900" kern="1200" dirty="0"/>
+        </a:p>
+      </dsp:txBody>
+      <dsp:txXfrm>
+        <a:off x="28943" y="2586054"/>
+        <a:ext cx="1547823" cy="906141"/>
+      </dsp:txXfrm>
+    </dsp:sp>
+  </dsp:spTree>
+</dsp:drawing>
+</file>
+
+<file path=ppt/diagrams/layout1.xml><?xml version="1.0" encoding="utf-8"?>
+<dgm:layoutDef xmlns:dgm="http://schemas.openxmlformats.org/drawingml/2006/diagram" xmlns:a="http://schemas.openxmlformats.org/drawingml/2006/main" uniqueId="urn:microsoft.com/office/officeart/2005/8/layout/process5">
+  <dgm:title val=""/>
+  <dgm:desc val=""/>
+  <dgm:catLst>
+    <dgm:cat type="process" pri="17000"/>
+  </dgm:catLst>
+  <dgm:sampData>
+    <dgm:dataModel>
+      <dgm:ptLst>
+        <dgm:pt modelId="0" type="doc"/>
+        <dgm:pt modelId="1">
+          <dgm:prSet phldr="1"/>
+        </dgm:pt>
+        <dgm:pt modelId="2">
+          <dgm:prSet phldr="1"/>
+        </dgm:pt>
+        <dgm:pt modelId="3">
+          <dgm:prSet phldr="1"/>
+        </dgm:pt>
+        <dgm:pt modelId="4">
+          <dgm:prSet phldr="1"/>
+        </dgm:pt>
+        <dgm:pt modelId="5">
+          <dgm:prSet phldr="1"/>
+        </dgm:pt>
+      </dgm:ptLst>
+      <dgm:cxnLst>
+        <dgm:cxn modelId="7" srcId="0" destId="1" srcOrd="0" destOrd="0"/>
+        <dgm:cxn modelId="8" srcId="0" destId="2" srcOrd="1" destOrd="0"/>
+        <dgm:cxn modelId="9" srcId="0" destId="3" srcOrd="2" destOrd="0"/>
+        <dgm:cxn modelId="10" srcId="0" destId="4" srcOrd="3" destOrd="0"/>
+        <dgm:cxn modelId="11" srcId="0" destId="5" srcOrd="4" destOrd="0"/>
+      </dgm:cxnLst>
+      <dgm:bg/>
+      <dgm:whole/>
+    </dgm:dataModel>
+  </dgm:sampData>
+  <dgm:styleData>
+    <dgm:dataModel>
+      <dgm:ptLst>
+        <dgm:pt modelId="0" type="doc"/>
+        <dgm:pt modelId="1"/>
+        <dgm:pt modelId="2"/>
+      </dgm:ptLst>
+      <dgm:cxnLst>
+        <dgm:cxn modelId="3" srcId="0" destId="1" srcOrd="0" destOrd="0"/>
+        <dgm:cxn modelId="4" srcId="0" destId="2" srcOrd="1" destOrd="0"/>
+      </dgm:cxnLst>
+      <dgm:bg/>
+      <dgm:whole/>
+    </dgm:dataModel>
+  </dgm:styleData>
+  <dgm:clrData>
+    <dgm:dataModel>
+      <dgm:ptLst>
+        <dgm:pt modelId="0" type="doc"/>
+        <dgm:pt modelId="1"/>
+        <dgm:pt modelId="2"/>
+        <dgm:pt modelId="3"/>
+        <dgm:pt modelId="4"/>
+      </dgm:ptLst>
+      <dgm:cxnLst>
+        <dgm:cxn modelId="5" srcId="0" destId="1" srcOrd="0" destOrd="0"/>
+        <dgm:cxn modelId="6" srcId="0" destId="2" srcOrd="1" destOrd="0"/>
+        <dgm:cxn modelId="7" srcId="0" destId="3" srcOrd="2" destOrd="0"/>
+        <dgm:cxn modelId="8" srcId="0" destId="4" srcOrd="3" destOrd="0"/>
+      </dgm:cxnLst>
+      <dgm:bg/>
+      <dgm:whole/>
+    </dgm:dataModel>
+  </dgm:clrData>
+  <dgm:layoutNode name="diagram">
+    <dgm:varLst>
+      <dgm:dir/>
+      <dgm:resizeHandles val="exact"/>
+    </dgm:varLst>
+    <dgm:choose name="Name0">
+      <dgm:if name="Name1" axis="self" func="var" arg="dir" op="equ" val="norm">
+        <dgm:alg type="snake">
+          <dgm:param type="grDir" val="tL"/>
+          <dgm:param type="flowDir" val="row"/>
+          <dgm:param type="contDir" val="revDir"/>
+          <dgm:param type="bkpt" val="endCnv"/>
+        </dgm:alg>
+      </dgm:if>
+      <dgm:else name="Name2">
+        <dgm:alg type="snake">
+          <dgm:param type="grDir" val="tR"/>
+          <dgm:param type="flowDir" val="row"/>
+          <dgm:param type="contDir" val="revDir"/>
+          <dgm:param type="bkpt" val="endCnv"/>
+        </dgm:alg>
+      </dgm:else>
+    </dgm:choose>
+    <dgm:shape xmlns:r="http://schemas.openxmlformats.org/officeDocument/2006/relationships" r:blip="">
+      <dgm:adjLst/>
+    </dgm:shape>
+    <dgm:presOf/>
+    <dgm:constrLst>
+      <dgm:constr type="w" for="ch" ptType="node" refType="w"/>
+      <dgm:constr type="w" for="ch" forName="sibTrans" refType="w" refFor="ch" refPtType="node" op="equ" fact="0.4"/>
+      <dgm:constr type="sp" refType="w" refFor="ch" refForName="sibTrans" op="equ"/>
+      <dgm:constr type="primFontSz" for="ch" ptType="node" op="equ" val="65"/>
+      <dgm:constr type="primFontSz" for="des" forName="connectorText" op="equ" val="55"/>
+      <dgm:constr type="primFontSz" for="des" forName="connectorText" refType="primFontSz" refFor="ch" refPtType="node" op="lte" fact="0.8"/>
+    </dgm:constrLst>
+    <dgm:ruleLst/>
+    <dgm:forEach name="nodesForEach" axis="ch" ptType="node">
+      <dgm:layoutNode name="node">
+        <dgm:varLst>
+          <dgm:bulletEnabled val="1"/>
+        </dgm:varLst>
+        <dgm:alg type="tx"/>
+        <dgm:shape xmlns:r="http://schemas.openxmlformats.org/officeDocument/2006/relationships" type="roundRect" r:blip="">
+          <dgm:adjLst>
+            <dgm:adj idx="1" val="0.1"/>
+          </dgm:adjLst>
+        </dgm:shape>
+        <dgm:presOf axis="desOrSelf" ptType="node"/>
+        <dgm:constrLst>
+          <dgm:constr type="h" refType="w" fact="0.6"/>
+          <dgm:constr type="tMarg" refType="primFontSz" fact="0.3"/>
+          <dgm:constr type="bMarg" refType="primFontSz" fact="0.3"/>
+          <dgm:constr type="lMarg" refType="primFontSz" fact="0.3"/>
+          <dgm:constr type="rMarg" refType="primFontSz" fact="0.3"/>
+        </dgm:constrLst>
+        <dgm:ruleLst>
+          <dgm:rule type="primFontSz" val="5" fact="NaN" max="NaN"/>
+        </dgm:ruleLst>
+      </dgm:layoutNode>
+      <dgm:forEach name="sibTransForEach" axis="followSib" ptType="sibTrans" cnt="1">
+        <dgm:layoutNode name="sibTrans">
+          <dgm:alg type="conn">
+            <dgm:param type="begPts" val="auto"/>
+            <dgm:param type="endPts" val="auto"/>
+          </dgm:alg>
+          <dgm:shape xmlns:r="http://schemas.openxmlformats.org/officeDocument/2006/relationships" type="conn" r:blip="">
+            <dgm:adjLst/>
+          </dgm:shape>
+          <dgm:presOf axis="self"/>
+          <dgm:constrLst>
+            <dgm:constr type="h" refType="w" fact="0.62"/>
+            <dgm:constr type="connDist"/>
+          </dgm:constrLst>
+          <dgm:ruleLst/>
+          <dgm:layoutNode name="connectorText">
+            <dgm:alg type="tx">
+              <dgm:param type="autoTxRot" val="upr"/>
+            </dgm:alg>
+            <dgm:shape xmlns:r="http://schemas.openxmlformats.org/officeDocument/2006/relationships" type="conn" r:blip="" hideGeom="1">
+              <dgm:adjLst/>
+            </dgm:shape>
+            <dgm:presOf axis="self"/>
+            <dgm:constrLst>
+              <dgm:constr type="lMarg"/>
+              <dgm:constr type="rMarg"/>
+              <dgm:constr type="tMarg"/>
+              <dgm:constr type="bMarg"/>
+            </dgm:constrLst>
+            <dgm:ruleLst>
+              <dgm:rule type="primFontSz" val="5" fact="NaN" max="NaN"/>
+            </dgm:ruleLst>
+          </dgm:layoutNode>
+        </dgm:layoutNode>
+      </dgm:forEach>
+    </dgm:forEach>
+  </dgm:layoutNode>
+</dgm:layoutDef>
+</file>
+
+<file path=ppt/diagrams/quickStyle1.xml><?xml version="1.0" encoding="utf-8"?>
+<dgm:styleDef xmlns:dgm="http://schemas.openxmlformats.org/drawingml/2006/diagram" xmlns:a="http://schemas.openxmlformats.org/drawingml/2006/main" uniqueId="urn:microsoft.com/office/officeart/2005/8/quickstyle/simple1">
+  <dgm:title val=""/>
+  <dgm:desc val=""/>
+  <dgm:catLst>
+    <dgm:cat type="simple" pri="10100"/>
+  </dgm:catLst>
+  <dgm:scene3d>
+    <a:camera prst="orthographicFront"/>
+    <a:lightRig rig="threePt" dir="t"/>
+  </dgm:scene3d>
+  <dgm:styleLbl name="node0">
+    <dgm:scene3d>
+      <a:camera prst="orthographicFront"/>
+      <a:lightRig rig="threePt" dir="t"/>
+    </dgm:scene3d>
+    <dgm:sp3d/>
+    <dgm:txPr/>
+    <dgm:style>
+      <a:lnRef idx="2">
+        <a:scrgbClr r="0" g="0" b="0"/>
+      </a:lnRef>
+      <a:fillRef idx="1">
+        <a:scrgbClr r="0" g="0" b="0"/>
+      </a:fillRef>
+      <a:effectRef idx="0">
+        <a:scrgbClr r="0" g="0" b="0"/>
+      </a:effectRef>
+      <a:fontRef idx="minor">
+        <a:schemeClr val="lt1"/>
+      </a:fontRef>
+    </dgm:style>
+  </dgm:styleLbl>
+  <dgm:styleLbl name="lnNode1">
+    <dgm:scene3d>
+      <a:camera prst="orthographicFront"/>
+      <a:lightRig rig="threePt" dir="t"/>
+    </dgm:scene3d>
+    <dgm:sp3d/>
+    <dgm:txPr/>
+    <dgm:style>
+      <a:lnRef idx="2">
+        <a:scrgbClr r="0" g="0" b="0"/>
+      </a:lnRef>
+      <a:fillRef idx="1">
+        <a:scrgbClr r="0" g="0" b="0"/>
+      </a:fillRef>
+      <a:effectRef idx="0">
+        <a:scrgbClr r="0" g="0" b="0"/>
+      </a:effectRef>
+      <a:fontRef idx="minor">
+        <a:schemeClr val="lt1"/>
+      </a:fontRef>
+    </dgm:style>
+  </dgm:styleLbl>
+  <dgm:styleLbl name="vennNode1">
+    <dgm:scene3d>
+      <a:camera prst="orthographicFront"/>
+      <a:lightRig rig="threePt" dir="t"/>
+    </dgm:scene3d>
+    <dgm:sp3d/>
+    <dgm:txPr/>
+    <dgm:style>
+      <a:lnRef idx="2">
+        <a:scrgbClr r="0" g="0" b="0"/>
+      </a:lnRef>
+      <a:fillRef idx="1">
+        <a:scrgbClr r="0" g="0" b="0"/>
+      </a:fillRef>
+      <a:effectRef idx="0">
+        <a:scrgbClr r="0" g="0" b="0"/>
+      </a:effectRef>
+      <a:fontRef idx="minor">
+        <a:schemeClr val="tx1"/>
+      </a:fontRef>
+    </dgm:style>
+  </dgm:styleLbl>
+  <dgm:styleLbl name="alignNode1">
+    <dgm:scene3d>
+      <a:camera prst="orthographicFront"/>
+      <a:lightRig rig="threePt" dir="t"/>
+    </dgm:scene3d>
+    <dgm:sp3d/>
+    <dgm:txPr/>
+    <dgm:style>
+      <a:lnRef idx="2">
+        <a:scrgbClr r="0" g="0" b="0"/>
+      </a:lnRef>
+      <a:fillRef idx="1">
+        <a:scrgbClr r="0" g="0" b="0"/>
+      </a:fillRef>
+      <a:effectRef idx="0">
+        <a:scrgbClr r="0" g="0" b="0"/>
+      </a:effectRef>
+      <a:fontRef idx="minor">
+        <a:schemeClr val="lt1"/>
+      </a:fontRef>
+    </dgm:style>
+  </dgm:styleLbl>
+  <dgm:styleLbl name="node1">
+    <dgm:scene3d>
+      <a:camera prst="orthographicFront"/>
+      <a:lightRig rig="threePt" dir="t"/>
+    </dgm:scene3d>
+    <dgm:sp3d/>
+    <dgm:txPr/>
+    <dgm:style>
+      <a:lnRef idx="2">
+        <a:scrgbClr r="0" g="0" b="0"/>
+      </a:lnRef>
+      <a:fillRef idx="1">
+        <a:scrgbClr r="0" g="0" b="0"/>
+      </a:fillRef>
+      <a:effectRef idx="0">
+        <a:scrgbClr r="0" g="0" b="0"/>
+      </a:effectRef>
+      <a:fontRef idx="minor">
+        <a:schemeClr val="lt1"/>
+      </a:fontRef>
+    </dgm:style>
+  </dgm:styleLbl>
+  <dgm:styleLbl name="node2">
+    <dgm:scene3d>
+      <a:camera prst="orthographicFront"/>
+      <a:lightRig rig="threePt" dir="t"/>
+    </dgm:scene3d>
+    <dgm:sp3d/>
+    <dgm:txPr/>
+    <dgm:style>
+      <a:lnRef idx="2">
+        <a:scrgbClr r="0" g="0" b="0"/>
+      </a:lnRef>
+      <a:fillRef idx="1">
+        <a:scrgbClr r="0" g="0" b="0"/>
+      </a:fillRef>
+      <a:effectRef idx="0">
+        <a:scrgbClr r="0" g="0" b="0"/>
+      </a:effectRef>
+      <a:fontRef idx="minor">
+        <a:schemeClr val="lt1"/>
+      </a:fontRef>
+    </dgm:style>
+  </dgm:styleLbl>
+  <dgm:styleLbl name="node3">
+    <dgm:scene3d>
+      <a:camera prst="orthographicFront"/>
+      <a:lightRig rig="threePt" dir="t"/>
+    </dgm:scene3d>
+    <dgm:sp3d/>
+    <dgm:txPr/>
+    <dgm:style>
+      <a:lnRef idx="2">
+        <a:scrgbClr r="0" g="0" b="0"/>
+      </a:lnRef>
+      <a:fillRef idx="1">
+        <a:scrgbClr r="0" g="0" b="0"/>
+      </a:fillRef>
+      <a:effectRef idx="0">
+        <a:scrgbClr r="0" g="0" b="0"/>
+      </a:effectRef>
+      <a:fontRef idx="minor">
+        <a:schemeClr val="lt1"/>
+      </a:fontRef>
+    </dgm:style>
+  </dgm:styleLbl>
+  <dgm:styleLbl name="node4">
+    <dgm:scene3d>
+      <a:camera prst="orthographicFront"/>
+      <a:lightRig rig="threePt" dir="t"/>
+    </dgm:scene3d>
+    <dgm:sp3d/>
+    <dgm:txPr/>
+    <dgm:style>
+      <a:lnRef idx="2">
+        <a:scrgbClr r="0" g="0" b="0"/>
+      </a:lnRef>
+      <a:fillRef idx="1">
+        <a:scrgbClr r="0" g="0" b="0"/>
+      </a:fillRef>
+      <a:effectRef idx="0">
+        <a:scrgbClr r="0" g="0" b="0"/>
+      </a:effectRef>
+      <a:fontRef idx="minor">
+        <a:schemeClr val="lt1"/>
+      </a:fontRef>
+    </dgm:style>
+  </dgm:styleLbl>
+  <dgm:styleLbl name="fgImgPlace1">
+    <dgm:scene3d>
+      <a:camera prst="orthographicFront"/>
+      <a:lightRig rig="threePt" dir="t"/>
+    </dgm:scene3d>
+    <dgm:sp3d/>
+    <dgm:txPr/>
+    <dgm:style>
+      <a:lnRef idx="2">
+        <a:scrgbClr r="0" g="0" b="0"/>
+      </a:lnRef>
+      <a:fillRef idx="1">
+        <a:scrgbClr r="0" g="0" b="0"/>
+      </a:fillRef>
+      <a:effectRef idx="0">
+        <a:scrgbClr r="0" g="0" b="0"/>
+      </a:effectRef>
+      <a:fontRef idx="minor"/>
+    </dgm:style>
+  </dgm:styleLbl>
+  <dgm:styleLbl name="alignImgPlace1">
+    <dgm:scene3d>
+      <a:camera prst="orthographicFront"/>
+      <a:lightRig rig="threePt" dir="t"/>
+    </dgm:scene3d>
+    <dgm:sp3d/>
+    <dgm:txPr/>
+    <dgm:style>
+      <a:lnRef idx="2">
+        <a:scrgbClr r="0" g="0" b="0"/>
+      </a:lnRef>
+      <a:fillRef idx="1">
+        <a:scrgbClr r="0" g="0" b="0"/>
+      </a:fillRef>
+      <a:effectRef idx="0">
+        <a:scrgbClr r="0" g="0" b="0"/>
+      </a:effectRef>
+      <a:fontRef idx="minor"/>
+    </dgm:style>
+  </dgm:styleLbl>
+  <dgm:styleLbl name="bgImgPlace1">
+    <dgm:scene3d>
+      <a:camera prst="orthographicFront"/>
+      <a:lightRig rig="threePt" dir="t"/>
+    </dgm:scene3d>
+    <dgm:sp3d/>
+    <dgm:txPr/>
+    <dgm:style>
+      <a:lnRef idx="2">
+        <a:scrgbClr r="0" g="0" b="0"/>
+      </a:lnRef>
+      <a:fillRef idx="1">
+        <a:scrgbClr r="0" g="0" b="0"/>
+      </a:fillRef>
+      <a:effectRef idx="0">
+        <a:scrgbClr r="0" g="0" b="0"/>
+      </a:effectRef>
+      <a:fontRef idx="minor"/>
+    </dgm:style>
+  </dgm:styleLbl>
+  <dgm:styleLbl name="sibTrans2D1">
+    <dgm:scene3d>
+      <a:camera prst="orthographicFront"/>
+      <a:lightRig rig="threePt" dir="t"/>
+    </dgm:scene3d>
+    <dgm:sp3d/>
+    <dgm:txPr/>
+    <dgm:style>
+      <a:lnRef idx="0">
+        <a:scrgbClr r="0" g="0" b="0"/>
+      </a:lnRef>
+      <a:fillRef idx="1">
+        <a:scrgbClr r="0" g="0" b="0"/>
+      </a:fillRef>
+      <a:effectRef idx="0">
+        <a:scrgbClr r="0" g="0" b="0"/>
+      </a:effectRef>
+      <a:fontRef idx="minor">
+        <a:schemeClr val="lt1"/>
+      </a:fontRef>
+    </dgm:style>
+  </dgm:styleLbl>
+  <dgm:styleLbl name="fgSibTrans2D1">
+    <dgm:scene3d>
+      <a:camera prst="orthographicFront"/>
+      <a:lightRig rig="threePt" dir="t"/>
+    </dgm:scene3d>
+    <dgm:sp3d/>
+    <dgm:txPr/>
+    <dgm:style>
+      <a:lnRef idx="0">
+        <a:scrgbClr r="0" g="0" b="0"/>
+      </a:lnRef>
+      <a:fillRef idx="1">
+        <a:scrgbClr r="0" g="0" b="0"/>
+      </a:fillRef>
+      <a:effectRef idx="0">
+        <a:scrgbClr r="0" g="0" b="0"/>
+      </a:effectRef>
+      <a:fontRef idx="minor">
+        <a:schemeClr val="lt1"/>
+      </a:fontRef>
+    </dgm:style>
+  </dgm:styleLbl>
+  <dgm:styleLbl name="bgSibTrans2D1">
+    <dgm:scene3d>
+      <a:camera prst="orthographicFront"/>
+      <a:lightRig rig="threePt" dir="t"/>
+    </dgm:scene3d>
+    <dgm:sp3d/>
+    <dgm:txPr/>
+    <dgm:style>
+      <a:lnRef idx="0">
+        <a:scrgbClr r="0" g="0" b="0"/>
+      </a:lnRef>
+      <a:fillRef idx="1">
+        <a:scrgbClr r="0" g="0" b="0"/>
+      </a:fillRef>
+      <a:effectRef idx="0">
+        <a:scrgbClr r="0" g="0" b="0"/>
+      </a:effectRef>
+      <a:fontRef idx="minor">
+        <a:schemeClr val="lt1"/>
+      </a:fontRef>
+    </dgm:style>
+  </dgm:styleLbl>
+  <dgm:styleLbl name="sibTrans1D1">
+    <dgm:scene3d>
+      <a:camera prst="orthographicFront"/>
+      <a:lightRig rig="threePt" dir="t"/>
+    </dgm:scene3d>
+    <dgm:sp3d/>
+    <dgm:txPr/>
+    <dgm:style>
+      <a:lnRef idx="1">
+        <a:scrgbClr r="0" g="0" b="0"/>
+      </a:lnRef>
+      <a:fillRef idx="0">
+        <a:scrgbClr r="0" g="0" b="0"/>
+      </a:fillRef>
+      <a:effectRef idx="0">
+        <a:scrgbClr r="0" g="0" b="0"/>
+      </a:effectRef>
+      <a:fontRef idx="minor"/>
+    </dgm:style>
+  </dgm:styleLbl>
+  <dgm:styleLbl name="callout">
+    <dgm:scene3d>
+      <a:camera prst="orthographicFront"/>
+      <a:lightRig rig="threePt" dir="t"/>
+    </dgm:scene3d>
+    <dgm:sp3d/>
+    <dgm:txPr/>
+    <dgm:style>
+      <a:lnRef idx="2">
+        <a:scrgbClr r="0" g="0" b="0"/>
+      </a:lnRef>
+      <a:fillRef idx="1">
+        <a:scrgbClr r="0" g="0" b="0"/>
+      </a:fillRef>
+      <a:effectRef idx="0">
+        <a:scrgbClr r="0" g="0" b="0"/>
+      </a:effectRef>
+      <a:fontRef idx="minor"/>
+    </dgm:style>
+  </dgm:styleLbl>
+  <dgm:styleLbl name="asst0">
+    <dgm:scene3d>
+      <a:camera prst="orthographicFront"/>
+      <a:lightRig rig="threePt" dir="t"/>
+    </dgm:scene3d>
+    <dgm:sp3d/>
+    <dgm:txPr/>
+    <dgm:style>
+      <a:lnRef idx="2">
+        <a:scrgbClr r="0" g="0" b="0"/>
+      </a:lnRef>
+      <a:fillRef idx="1">
+        <a:scrgbClr r="0" g="0" b="0"/>
+      </a:fillRef>
+      <a:effectRef idx="0">
+        <a:scrgbClr r="0" g="0" b="0"/>
+      </a:effectRef>
+      <a:fontRef idx="minor">
+        <a:schemeClr val="lt1"/>
+      </a:fontRef>
+    </dgm:style>
+  </dgm:styleLbl>
+  <dgm:styleLbl name="asst1">
+    <dgm:scene3d>
+      <a:camera prst="orthographicFront"/>
+      <a:lightRig rig="threePt" dir="t"/>
+    </dgm:scene3d>
+    <dgm:sp3d/>
+    <dgm:txPr/>
+    <dgm:style>
+      <a:lnRef idx="2">
+        <a:scrgbClr r="0" g="0" b="0"/>
+      </a:lnRef>
+      <a:fillRef idx="1">
+        <a:scrgbClr r="0" g="0" b="0"/>
+      </a:fillRef>
+      <a:effectRef idx="0">
+        <a:scrgbClr r="0" g="0" b="0"/>
+      </a:effectRef>
+      <a:fontRef idx="minor">
+        <a:schemeClr val="lt1"/>
+      </a:fontRef>
+    </dgm:style>
+  </dgm:styleLbl>
+  <dgm:styleLbl name="asst2">
+    <dgm:scene3d>
+      <a:camera prst="orthographicFront"/>
+      <a:lightRig rig="threePt" dir="t"/>
+    </dgm:scene3d>
+    <dgm:sp3d/>
+    <dgm:txPr/>
+    <dgm:style>
+      <a:lnRef idx="2">
+        <a:scrgbClr r="0" g="0" b="0"/>
+      </a:lnRef>
+      <a:fillRef idx="1">
+        <a:scrgbClr r="0" g="0" b="0"/>
+      </a:fillRef>
+      <a:effectRef idx="0">
+        <a:scrgbClr r="0" g="0" b="0"/>
+      </a:effectRef>
+      <a:fontRef idx="minor">
+        <a:schemeClr val="lt1"/>
+      </a:fontRef>
+    </dgm:style>
+  </dgm:styleLbl>
+  <dgm:styleLbl name="asst3">
+    <dgm:scene3d>
+      <a:camera prst="orthographicFront"/>
+      <a:lightRig rig="threePt" dir="t"/>
+    </dgm:scene3d>
+    <dgm:sp3d/>
+    <dgm:txPr/>
+    <dgm:style>
+      <a:lnRef idx="2">
+        <a:scrgbClr r="0" g="0" b="0"/>
+      </a:lnRef>
+      <a:fillRef idx="1">
+        <a:scrgbClr r="0" g="0" b="0"/>
+      </a:fillRef>
+      <a:effectRef idx="0">
+        <a:scrgbClr r="0" g="0" b="0"/>
+      </a:effectRef>
+      <a:fontRef idx="minor">
+        <a:schemeClr val="lt1"/>
+      </a:fontRef>
+    </dgm:style>
+  </dgm:styleLbl>
+  <dgm:styleLbl name="asst4">
+    <dgm:scene3d>
+      <a:camera prst="orthographicFront"/>
+      <a:lightRig rig="threePt" dir="t"/>
+    </dgm:scene3d>
+    <dgm:sp3d/>
+    <dgm:txPr/>
+    <dgm:style>
+      <a:lnRef idx="2">
+        <a:scrgbClr r="0" g="0" b="0"/>
+      </a:lnRef>
+      <a:fillRef idx="1">
+        <a:scrgbClr r="0" g="0" b="0"/>
+      </a:fillRef>
+      <a:effectRef idx="0">
+        <a:scrgbClr r="0" g="0" b="0"/>
+      </a:effectRef>
+      <a:fontRef idx="minor">
+        <a:schemeClr val="lt1"/>
+      </a:fontRef>
+    </dgm:style>
+  </dgm:styleLbl>
+  <dgm:styleLbl name="parChTrans2D1">
+    <dgm:scene3d>
+      <a:camera prst="orthographicFront"/>
+      <a:lightRig rig="threePt" dir="t"/>
+    </dgm:scene3d>
+    <dgm:sp3d/>
+    <dgm:txPr/>
+    <dgm:style>
+      <a:lnRef idx="2">
+        <a:scrgbClr r="0" g="0" b="0"/>
+      </a:lnRef>
+      <a:fillRef idx="1">
+        <a:scrgbClr r="0" g="0" b="0"/>
+      </a:fillRef>
+      <a:effectRef idx="0">
+        <a:scrgbClr r="0" g="0" b="0"/>
+      </a:effectRef>
+      <a:fontRef idx="minor">
+        <a:schemeClr val="lt1"/>
+      </a:fontRef>
+    </dgm:style>
+  </dgm:styleLbl>
+  <dgm:styleLbl name="parChTrans2D2">
+    <dgm:scene3d>
+      <a:camera prst="orthographicFront"/>
+      <a:lightRig rig="threePt" dir="t"/>
+    </dgm:scene3d>
+    <dgm:sp3d/>
+    <dgm:txPr/>
+    <dgm:style>
+      <a:lnRef idx="2">
+        <a:scrgbClr r="0" g="0" b="0"/>
+      </a:lnRef>
+      <a:fillRef idx="1">
+        <a:scrgbClr r="0" g="0" b="0"/>
+      </a:fillRef>
+      <a:effectRef idx="0">
+        <a:scrgbClr r="0" g="0" b="0"/>
+      </a:effectRef>
+      <a:fontRef idx="minor">
+        <a:schemeClr val="lt1"/>
+      </a:fontRef>
+    </dgm:style>
+  </dgm:styleLbl>
+  <dgm:styleLbl name="parChTrans2D3">
+    <dgm:scene3d>
+      <a:camera prst="orthographicFront"/>
+      <a:lightRig rig="threePt" dir="t"/>
+    </dgm:scene3d>
+    <dgm:sp3d/>
+    <dgm:txPr/>
+    <dgm:style>
+      <a:lnRef idx="2">
+        <a:scrgbClr r="0" g="0" b="0"/>
+      </a:lnRef>
+      <a:fillRef idx="1">
+        <a:scrgbClr r="0" g="0" b="0"/>
+      </a:fillRef>
+      <a:effectRef idx="0">
+        <a:scrgbClr r="0" g="0" b="0"/>
+      </a:effectRef>
+      <a:fontRef idx="minor">
+        <a:schemeClr val="lt1"/>
+      </a:fontRef>
+    </dgm:style>
+  </dgm:styleLbl>
+  <dgm:styleLbl name="parChTrans2D4">
+    <dgm:scene3d>
+      <a:camera prst="orthographicFront"/>
+      <a:lightRig rig="threePt" dir="t"/>
+    </dgm:scene3d>
+    <dgm:sp3d/>
+    <dgm:txPr/>
+    <dgm:style>
+      <a:lnRef idx="2">
+        <a:scrgbClr r="0" g="0" b="0"/>
+      </a:lnRef>
+      <a:fillRef idx="1">
+        <a:scrgbClr r="0" g="0" b="0"/>
+      </a:fillRef>
+      <a:effectRef idx="0">
+        <a:scrgbClr r="0" g="0" b="0"/>
+      </a:effectRef>
+      <a:fontRef idx="minor">
+        <a:schemeClr val="lt1"/>
+      </a:fontRef>
+    </dgm:style>
+  </dgm:styleLbl>
+  <dgm:styleLbl name="parChTrans1D1">
+    <dgm:scene3d>
+      <a:camera prst="orthographicFront"/>
+      <a:lightRig rig="threePt" dir="t"/>
+    </dgm:scene3d>
+    <dgm:sp3d/>
+    <dgm:txPr/>
+    <dgm:style>
+      <a:lnRef idx="2">
+        <a:scrgbClr r="0" g="0" b="0"/>
+      </a:lnRef>
+      <a:fillRef idx="0">
+        <a:scrgbClr r="0" g="0" b="0"/>
+      </a:fillRef>
+      <a:effectRef idx="0">
+        <a:scrgbClr r="0" g="0" b="0"/>
+      </a:effectRef>
+      <a:fontRef idx="minor"/>
+    </dgm:style>
+  </dgm:styleLbl>
+  <dgm:styleLbl name="parChTrans1D2">
+    <dgm:scene3d>
+      <a:camera prst="orthographicFront"/>
+      <a:lightRig rig="threePt" dir="t"/>
+    </dgm:scene3d>
+    <dgm:sp3d/>
+    <dgm:txPr/>
+    <dgm:style>
+      <a:lnRef idx="2">
+        <a:scrgbClr r="0" g="0" b="0"/>
+      </a:lnRef>
+      <a:fillRef idx="0">
+        <a:scrgbClr r="0" g="0" b="0"/>
+      </a:fillRef>
+      <a:effectRef idx="0">
+        <a:scrgbClr r="0" g="0" b="0"/>
+      </a:effectRef>
+      <a:fontRef idx="minor"/>
+    </dgm:style>
+  </dgm:styleLbl>
+  <dgm:styleLbl name="parChTrans1D3">
+    <dgm:scene3d>
+      <a:camera prst="orthographicFront"/>
+      <a:lightRig rig="threePt" dir="t"/>
+    </dgm:scene3d>
+    <dgm:sp3d/>
+    <dgm:txPr/>
+    <dgm:style>
+      <a:lnRef idx="2">
+        <a:scrgbClr r="0" g="0" b="0"/>
+      </a:lnRef>
+      <a:fillRef idx="0">
+        <a:scrgbClr r="0" g="0" b="0"/>
+      </a:fillRef>
+      <a:effectRef idx="0">
+        <a:scrgbClr r="0" g="0" b="0"/>
+      </a:effectRef>
+      <a:fontRef idx="minor"/>
+    </dgm:style>
+  </dgm:styleLbl>
+  <dgm:styleLbl name="parChTrans1D4">
+    <dgm:scene3d>
+      <a:camera prst="orthographicFront"/>
+      <a:lightRig rig="threePt" dir="t"/>
+    </dgm:scene3d>
+    <dgm:sp3d/>
+    <dgm:txPr/>
+    <dgm:style>
+      <a:lnRef idx="2">
+        <a:scrgbClr r="0" g="0" b="0"/>
+      </a:lnRef>
+      <a:fillRef idx="0">
+        <a:scrgbClr r="0" g="0" b="0"/>
+      </a:fillRef>
+      <a:effectRef idx="0">
+        <a:scrgbClr r="0" g="0" b="0"/>
+      </a:effectRef>
+      <a:fontRef idx="minor"/>
+    </dgm:style>
+  </dgm:styleLbl>
+  <dgm:styleLbl name="fgAcc1">
+    <dgm:scene3d>
+      <a:camera prst="orthographicFront"/>
+      <a:lightRig rig="threePt" dir="t"/>
+    </dgm:scene3d>
+    <dgm:sp3d/>
+    <dgm:txPr/>
+    <dgm:style>
+      <a:lnRef idx="2">
+        <a:scrgbClr r="0" g="0" b="0"/>
+      </a:lnRef>
+      <a:fillRef idx="1">
+        <a:scrgbClr r="0" g="0" b="0"/>
+      </a:fillRef>
+      <a:effectRef idx="0">
+        <a:scrgbClr r="0" g="0" b="0"/>
+      </a:effectRef>
+      <a:fontRef idx="minor"/>
+    </dgm:style>
+  </dgm:styleLbl>
+  <dgm:styleLbl name="conFgAcc1">
+    <dgm:scene3d>
+      <a:camera prst="orthographicFront"/>
+      <a:lightRig rig="threePt" dir="t"/>
+    </dgm:scene3d>
+    <dgm:sp3d/>
+    <dgm:txPr/>
+    <dgm:style>
+      <a:lnRef idx="2">
+        <a:scrgbClr r="0" g="0" b="0"/>
+      </a:lnRef>
+      <a:fillRef idx="1">
+        <a:scrgbClr r="0" g="0" b="0"/>
+      </a:fillRef>
+      <a:effectRef idx="0">
+        <a:scrgbClr r="0" g="0" b="0"/>
+      </a:effectRef>
+      <a:fontRef idx="minor"/>
+    </dgm:style>
+  </dgm:styleLbl>
+  <dgm:styleLbl name="alignAcc1">
+    <dgm:scene3d>
+      <a:camera prst="orthographicFront"/>
+      <a:lightRig rig="threePt" dir="t"/>
+    </dgm:scene3d>
+    <dgm:sp3d/>
+    <dgm:txPr/>
+    <dgm:style>
+      <a:lnRef idx="2">
+        <a:scrgbClr r="0" g="0" b="0"/>
+      </a:lnRef>
+      <a:fillRef idx="1">
+        <a:scrgbClr r="0" g="0" b="0"/>
+      </a:fillRef>
+      <a:effectRef idx="0">
+        <a:scrgbClr r="0" g="0" b="0"/>
+      </a:effectRef>
+      <a:fontRef idx="minor"/>
+    </dgm:style>
+  </dgm:styleLbl>
+  <dgm:styleLbl name="trAlignAcc1">
+    <dgm:scene3d>
+      <a:camera prst="orthographicFront"/>
+      <a:lightRig rig="threePt" dir="t"/>
+    </dgm:scene3d>
+    <dgm:sp3d/>
+    <dgm:txPr/>
+    <dgm:style>
+      <a:lnRef idx="1">
+        <a:scrgbClr r="0" g="0" b="0"/>
+      </a:lnRef>
+      <a:fillRef idx="1">
+        <a:scrgbClr r="0" g="0" b="0"/>
+      </a:fillRef>
+      <a:effectRef idx="0">
+        <a:scrgbClr r="0" g="0" b="0"/>
+      </a:effectRef>
+      <a:fontRef idx="minor"/>
+    </dgm:style>
+  </dgm:styleLbl>
+  <dgm:styleLbl name="bgAcc1">
+    <dgm:scene3d>
+      <a:camera prst="orthographicFront"/>
+      <a:lightRig rig="threePt" dir="t"/>
+    </dgm:scene3d>
+    <dgm:sp3d/>
+    <dgm:txPr/>
+    <dgm:style>
+      <a:lnRef idx="2">
+        <a:scrgbClr r="0" g="0" b="0"/>
+      </a:lnRef>
+      <a:fillRef idx="1">
+        <a:scrgbClr r="0" g="0" b="0"/>
+      </a:fillRef>
+      <a:effectRef idx="0">
+        <a:scrgbClr r="0" g="0" b="0"/>
+      </a:effectRef>
+      <a:fontRef idx="minor"/>
+    </dgm:style>
+  </dgm:styleLbl>
+  <dgm:styleLbl name="solidFgAcc1">
+    <dgm:scene3d>
+      <a:camera prst="orthographicFront"/>
+      <a:lightRig rig="threePt" dir="t"/>
+    </dgm:scene3d>
+    <dgm:sp3d/>
+    <dgm:txPr/>
+    <dgm:style>
+      <a:lnRef idx="2">
+        <a:scrgbClr r="0" g="0" b="0"/>
+      </a:lnRef>
+      <a:fillRef idx="1">
+        <a:scrgbClr r="0" g="0" b="0"/>
+      </a:fillRef>
+      <a:effectRef idx="0">
+        <a:scrgbClr r="0" g="0" b="0"/>
+      </a:effectRef>
+      <a:fontRef idx="minor"/>
+    </dgm:style>
+  </dgm:styleLbl>
+  <dgm:styleLbl name="solidAlignAcc1">
+    <dgm:scene3d>
+      <a:camera prst="orthographicFront"/>
+      <a:lightRig rig="threePt" dir="t"/>
+    </dgm:scene3d>
+    <dgm:sp3d/>
+    <dgm:txPr/>
+    <dgm:style>
+      <a:lnRef idx="2">
+        <a:scrgbClr r="0" g="0" b="0"/>
+      </a:lnRef>
+      <a:fillRef idx="1">
+        <a:scrgbClr r="0" g="0" b="0"/>
+      </a:fillRef>
+      <a:effectRef idx="0">
+        <a:scrgbClr r="0" g="0" b="0"/>
+      </a:effectRef>
+      <a:fontRef idx="minor"/>
+    </dgm:style>
+  </dgm:styleLbl>
+  <dgm:styleLbl name="solidBgAcc1">
+    <dgm:scene3d>
+      <a:camera prst="orthographicFront"/>
+      <a:lightRig rig="threePt" dir="t"/>
+    </dgm:scene3d>
+    <dgm:sp3d/>
+    <dgm:txPr/>
+    <dgm:style>
+      <a:lnRef idx="2">
+        <a:scrgbClr r="0" g="0" b="0"/>
+      </a:lnRef>
+      <a:fillRef idx="1">
+        <a:scrgbClr r="0" g="0" b="0"/>
+      </a:fillRef>
+      <a:effectRef idx="0">
+        <a:scrgbClr r="0" g="0" b="0"/>
+      </a:effectRef>
+      <a:fontRef idx="minor"/>
+    </dgm:style>
+  </dgm:styleLbl>
+  <dgm:styleLbl name="fgAccFollowNode1">
+    <dgm:scene3d>
+      <a:camera prst="orthographicFront"/>
+      <a:lightRig rig="threePt" dir="t"/>
+    </dgm:scene3d>
+    <dgm:sp3d/>
+    <dgm:txPr/>
+    <dgm:style>
+      <a:lnRef idx="2">
+        <a:scrgbClr r="0" g="0" b="0"/>
+      </a:lnRef>
+      <a:fillRef idx="1">
+        <a:scrgbClr r="0" g="0" b="0"/>
+      </a:fillRef>
+      <a:effectRef idx="0">
+        <a:scrgbClr r="0" g="0" b="0"/>
+      </a:effectRef>
+      <a:fontRef idx="minor"/>
+    </dgm:style>
+  </dgm:styleLbl>
+  <dgm:styleLbl name="alignAccFollowNode1">
+    <dgm:scene3d>
+      <a:camera prst="orthographicFront"/>
+      <a:lightRig rig="threePt" dir="t"/>
+    </dgm:scene3d>
+    <dgm:sp3d/>
+    <dgm:txPr/>
+    <dgm:style>
+      <a:lnRef idx="2">
+        <a:scrgbClr r="0" g="0" b="0"/>
+      </a:lnRef>
+      <a:fillRef idx="1">
+        <a:scrgbClr r="0" g="0" b="0"/>
+      </a:fillRef>
+      <a:effectRef idx="0">
+        <a:scrgbClr r="0" g="0" b="0"/>
+      </a:effectRef>
+      <a:fontRef idx="minor"/>
+    </dgm:style>
+  </dgm:styleLbl>
+  <dgm:styleLbl name="bgAccFollowNode1">
+    <dgm:scene3d>
+      <a:camera prst="orthographicFront"/>
+      <a:lightRig rig="threePt" dir="t"/>
+    </dgm:scene3d>
+    <dgm:sp3d/>
+    <dgm:txPr/>
+    <dgm:style>
+      <a:lnRef idx="2">
+        <a:scrgbClr r="0" g="0" b="0"/>
+      </a:lnRef>
+      <a:fillRef idx="1">
+        <a:scrgbClr r="0" g="0" b="0"/>
+      </a:fillRef>
+      <a:effectRef idx="0">
+        <a:scrgbClr r="0" g="0" b="0"/>
+      </a:effectRef>
+      <a:fontRef idx="minor"/>
+    </dgm:style>
+  </dgm:styleLbl>
+  <dgm:styleLbl name="fgAcc0">
+    <dgm:scene3d>
+      <a:camera prst="orthographicFront"/>
+      <a:lightRig rig="threePt" dir="t"/>
+    </dgm:scene3d>
+    <dgm:sp3d/>
+    <dgm:txPr/>
+    <dgm:style>
+      <a:lnRef idx="2">
+        <a:scrgbClr r="0" g="0" b="0"/>
+      </a:lnRef>
+      <a:fillRef idx="1">
+        <a:scrgbClr r="0" g="0" b="0"/>
+      </a:fillRef>
+      <a:effectRef idx="0">
+        <a:scrgbClr r="0" g="0" b="0"/>
+      </a:effectRef>
+      <a:fontRef idx="minor"/>
+    </dgm:style>
+  </dgm:styleLbl>
+  <dgm:styleLbl name="fgAcc2">
+    <dgm:scene3d>
+      <a:camera prst="orthographicFront"/>
+      <a:lightRig rig="threePt" dir="t"/>
+    </dgm:scene3d>
+    <dgm:sp3d/>
+    <dgm:txPr/>
+    <dgm:style>
+      <a:lnRef idx="2">
+        <a:scrgbClr r="0" g="0" b="0"/>
+      </a:lnRef>
+      <a:fillRef idx="1">
+        <a:scrgbClr r="0" g="0" b="0"/>
+      </a:fillRef>
+      <a:effectRef idx="0">
+        <a:scrgbClr r="0" g="0" b="0"/>
+      </a:effectRef>
+      <a:fontRef idx="minor"/>
+    </dgm:style>
+  </dgm:styleLbl>
+  <dgm:styleLbl name="fgAcc3">
+    <dgm:scene3d>
+      <a:camera prst="orthographicFront"/>
+      <a:lightRig rig="threePt" dir="t"/>
+    </dgm:scene3d>
+    <dgm:sp3d/>
+    <dgm:txPr/>
+    <dgm:style>
+      <a:lnRef idx="2">
+        <a:scrgbClr r="0" g="0" b="0"/>
+      </a:lnRef>
+      <a:fillRef idx="1">
+        <a:scrgbClr r="0" g="0" b="0"/>
+      </a:fillRef>
+      <a:effectRef idx="0">
+        <a:scrgbClr r="0" g="0" b="0"/>
+      </a:effectRef>
+      <a:fontRef idx="minor"/>
+    </dgm:style>
+  </dgm:styleLbl>
+  <dgm:styleLbl name="fgAcc4">
+    <dgm:scene3d>
+      <a:camera prst="orthographicFront"/>
+      <a:lightRig rig="threePt" dir="t"/>
+    </dgm:scene3d>
+    <dgm:sp3d/>
+    <dgm:txPr/>
+    <dgm:style>
+      <a:lnRef idx="2">
+        <a:scrgbClr r="0" g="0" b="0"/>
+      </a:lnRef>
+      <a:fillRef idx="1">
+        <a:scrgbClr r="0" g="0" b="0"/>
+      </a:fillRef>
+      <a:effectRef idx="0">
+        <a:scrgbClr r="0" g="0" b="0"/>
+      </a:effectRef>
+      <a:fontRef idx="minor"/>
+    </dgm:style>
+  </dgm:styleLbl>
+  <dgm:styleLbl name="bgShp">
+    <dgm:scene3d>
+      <a:camera prst="orthographicFront"/>
+      <a:lightRig rig="threePt" dir="t"/>
+    </dgm:scene3d>
+    <dgm:sp3d/>
+    <dgm:txPr/>
+    <dgm:style>
+      <a:lnRef idx="0">
+        <a:scrgbClr r="0" g="0" b="0"/>
+      </a:lnRef>
+      <a:fillRef idx="1">
+        <a:scrgbClr r="0" g="0" b="0"/>
+      </a:fillRef>
+      <a:effectRef idx="0">
+        <a:scrgbClr r="0" g="0" b="0"/>
+      </a:effectRef>
+      <a:fontRef idx="minor"/>
+    </dgm:style>
+  </dgm:styleLbl>
+  <dgm:styleLbl name="dkBgShp">
+    <dgm:scene3d>
+      <a:camera prst="orthographicFront"/>
+      <a:lightRig rig="threePt" dir="t"/>
+    </dgm:scene3d>
+    <dgm:sp3d/>
+    <dgm:txPr/>
+    <dgm:style>
+      <a:lnRef idx="0">
+        <a:scrgbClr r="0" g="0" b="0"/>
+      </a:lnRef>
+      <a:fillRef idx="1">
+        <a:scrgbClr r="0" g="0" b="0"/>
+      </a:fillRef>
+      <a:effectRef idx="0">
+        <a:scrgbClr r="0" g="0" b="0"/>
+      </a:effectRef>
+      <a:fontRef idx="minor"/>
+    </dgm:style>
+  </dgm:styleLbl>
+  <dgm:styleLbl name="trBgShp">
+    <dgm:scene3d>
+      <a:camera prst="orthographicFront"/>
+      <a:lightRig rig="threePt" dir="t"/>
+    </dgm:scene3d>
+    <dgm:sp3d/>
+    <dgm:txPr/>
+    <dgm:style>
+      <a:lnRef idx="0">
+        <a:scrgbClr r="0" g="0" b="0"/>
+      </a:lnRef>
+      <a:fillRef idx="1">
+        <a:scrgbClr r="0" g="0" b="0"/>
+      </a:fillRef>
+      <a:effectRef idx="0">
+        <a:scrgbClr r="0" g="0" b="0"/>
+      </a:effectRef>
+      <a:fontRef idx="minor"/>
+    </dgm:style>
+  </dgm:styleLbl>
+  <dgm:styleLbl name="fgShp">
+    <dgm:scene3d>
+      <a:camera prst="orthographicFront"/>
+      <a:lightRig rig="threePt" dir="t"/>
+    </dgm:scene3d>
+    <dgm:sp3d/>
+    <dgm:txPr/>
+    <dgm:style>
+      <a:lnRef idx="2">
+        <a:scrgbClr r="0" g="0" b="0"/>
+      </a:lnRef>
+      <a:fillRef idx="1">
+        <a:scrgbClr r="0" g="0" b="0"/>
+      </a:fillRef>
+      <a:effectRef idx="0">
+        <a:scrgbClr r="0" g="0" b="0"/>
+      </a:effectRef>
+      <a:fontRef idx="minor"/>
+    </dgm:style>
+  </dgm:styleLbl>
+  <dgm:styleLbl name="revTx">
+    <dgm:scene3d>
+      <a:camera prst="orthographicFront"/>
+      <a:lightRig rig="threePt" dir="t"/>
+    </dgm:scene3d>
+    <dgm:sp3d/>
+    <dgm:txPr/>
+    <dgm:style>
+      <a:lnRef idx="0">
+        <a:scrgbClr r="0" g="0" b="0"/>
+      </a:lnRef>
+      <a:fillRef idx="0">
+        <a:scrgbClr r="0" g="0" b="0"/>
+      </a:fillRef>
+      <a:effectRef idx="0">
+        <a:scrgbClr r="0" g="0" b="0"/>
+      </a:effectRef>
+      <a:fontRef idx="minor"/>
+    </dgm:style>
+  </dgm:styleLbl>
+</dgm:styleDef>
+</file>
+
 <file path=ppt/handoutMasters/handoutMaster1.xml><?xml version="1.0" encoding="utf-8"?>
 <p:handoutMaster xmlns:a="http://schemas.openxmlformats.org/drawingml/2006/main" xmlns:r="http://schemas.openxmlformats.org/officeDocument/2006/relationships" xmlns:p="http://schemas.openxmlformats.org/presentationml/2006/main">
   <p:cSld>
@@ -264,7 +3167,7 @@
             <a:fld id="{A32DC80D-291A-4ABB-A78B-0417274A267C}" type="datetime4">
               <a:rPr lang="de-DE"/>
               <a:pPr/>
-              <a:t>23. Mai 2014</a:t>
+              <a:t>24. Mai 2014</a:t>
             </a:fld>
             <a:endParaRPr lang="de-DE"/>
           </a:p>
@@ -649,7 +3552,7 @@
             <a:fld id="{065B079B-E513-489A-8A1B-D7C78493EA86}" type="datetime4">
               <a:rPr lang="de-DE"/>
               <a:pPr/>
-              <a:t>23. Mai 2014</a:t>
+              <a:t>24. Mai 2014</a:t>
             </a:fld>
             <a:endParaRPr lang="de-DE"/>
           </a:p>
@@ -1285,7 +4188,7 @@
             <a:fld id="{065B079B-E513-489A-8A1B-D7C78493EA86}" type="datetime4">
               <a:rPr lang="de-DE" smtClean="0"/>
               <a:pPr/>
-              <a:t>23. Mai 2014</a:t>
+              <a:t>24. Mai 2014</a:t>
             </a:fld>
             <a:endParaRPr lang="de-DE"/>
           </a:p>
@@ -1724,7 +4627,7 @@
                 <a:tabLst/>
                 <a:defRPr/>
               </a:pPr>
-              <a:t>23.05.2014</a:t>
+              <a:t>24.05.2014</a:t>
             </a:fld>
             <a:r>
               <a:rPr kumimoji="0" lang="de-DE" sz="1000" b="0" i="0" u="none" strike="noStrike" kern="1200" cap="none" spc="0" normalizeH="0" baseline="0" noProof="0" dirty="0" smtClean="0">
@@ -3215,7 +6118,7 @@
                 <a:tabLst/>
                 <a:defRPr/>
               </a:pPr>
-              <a:t>23.05.2014</a:t>
+              <a:t>24.05.2014</a:t>
             </a:fld>
             <a:r>
               <a:rPr kumimoji="0" lang="de-DE" sz="1000" b="0" i="0" u="none" strike="noStrike" kern="1200" cap="none" spc="0" normalizeH="0" baseline="0" noProof="0" dirty="0" smtClean="0">
@@ -4155,25 +7058,61 @@
           </a:p>
         </p:txBody>
       </p:sp>
-      <p:sp>
-        <p:nvSpPr>
-          <p:cNvPr id="3" name="Content Placeholder 2"/>
-          <p:cNvSpPr>
-            <a:spLocks noGrp="1"/>
-          </p:cNvSpPr>
+      <p:graphicFrame>
+        <p:nvGraphicFramePr>
+          <p:cNvPr id="16" name="Content Placeholder 15"/>
+          <p:cNvGraphicFramePr>
+            <a:graphicFrameLocks noGrp="1"/>
+          </p:cNvGraphicFramePr>
           <p:nvPr>
             <p:ph idx="1"/>
+            <p:extLst>
+              <p:ext uri="{D42A27DB-BD31-4B8C-83A1-F6EECF244321}">
+                <p14:modId xmlns:p14="http://schemas.microsoft.com/office/powerpoint/2010/main" val="3071815426"/>
+              </p:ext>
+            </p:extLst>
           </p:nvPr>
-        </p:nvSpPr>
-        <p:spPr/>
-        <p:txBody>
-          <a:bodyPr/>
-          <a:lstStyle/>
-          <a:p>
-            <a:endParaRPr lang="en-US" dirty="0"/>
-          </a:p>
-        </p:txBody>
-      </p:sp>
+        </p:nvGraphicFramePr>
+        <p:xfrm>
+          <a:off x="4644008" y="1691259"/>
+          <a:ext cx="3851597" cy="4474045"/>
+        </p:xfrm>
+        <a:graphic>
+          <a:graphicData uri="http://schemas.openxmlformats.org/drawingml/2006/diagram">
+            <dgm:relIds xmlns:dgm="http://schemas.openxmlformats.org/drawingml/2006/diagram" xmlns:r="http://schemas.openxmlformats.org/officeDocument/2006/relationships" r:dm="rId2" r:lo="rId3" r:qs="rId4" r:cs="rId5"/>
+          </a:graphicData>
+        </a:graphic>
+      </p:graphicFrame>
+      <p:pic>
+        <p:nvPicPr>
+          <p:cNvPr id="18" name="Picture 17"/>
+          <p:cNvPicPr>
+            <a:picLocks noChangeAspect="1"/>
+          </p:cNvPicPr>
+          <p:nvPr/>
+        </p:nvPicPr>
+        <p:blipFill>
+          <a:blip r:embed="rId7" cstate="print">
+            <a:extLst>
+              <a:ext uri="{28A0092B-C50C-407E-A947-70E740481C1C}">
+                <a14:useLocalDpi xmlns:a14="http://schemas.microsoft.com/office/drawing/2010/main" val="0"/>
+              </a:ext>
+            </a:extLst>
+          </a:blip>
+          <a:stretch>
+            <a:fillRect/>
+          </a:stretch>
+        </p:blipFill>
+        <p:spPr>
+          <a:xfrm>
+            <a:off x="216015" y="1196752"/>
+            <a:ext cx="4572009" cy="5486411"/>
+          </a:xfrm>
+          <a:prstGeom prst="rect">
+            <a:avLst/>
+          </a:prstGeom>
+        </p:spPr>
+      </p:pic>
     </p:spTree>
     <p:extLst>
       <p:ext uri="{BB962C8B-B14F-4D97-AF65-F5344CB8AC3E}">

--- a/doc/pres-prudsys.pptx
+++ b/doc/pres-prudsys.pptx
@@ -6676,6 +6676,106 @@
             <a:r>
               <a:rPr lang="de-DE" dirty="0" smtClean="0"/>
               <a:t>Data Mining Cup 2014</a:t>
+            </a:r>
+            <a:endParaRPr lang="en-US" dirty="0"/>
+          </a:p>
+        </p:txBody>
+      </p:sp>
+      <p:pic>
+        <p:nvPicPr>
+          <p:cNvPr id="4" name="Picture 3"/>
+          <p:cNvPicPr>
+            <a:picLocks noChangeAspect="1"/>
+          </p:cNvPicPr>
+          <p:nvPr/>
+        </p:nvPicPr>
+        <p:blipFill>
+          <a:blip r:embed="rId3" cstate="print">
+            <a:extLst>
+              <a:ext uri="{28A0092B-C50C-407E-A947-70E740481C1C}">
+                <a14:useLocalDpi xmlns:a14="http://schemas.microsoft.com/office/drawing/2010/main" val="0"/>
+              </a:ext>
+            </a:extLst>
+          </a:blip>
+          <a:stretch>
+            <a:fillRect/>
+          </a:stretch>
+        </p:blipFill>
+        <p:spPr>
+          <a:xfrm>
+            <a:off x="6395428" y="2286793"/>
+            <a:ext cx="2229890" cy="1691641"/>
+          </a:xfrm>
+          <a:prstGeom prst="rect">
+            <a:avLst/>
+          </a:prstGeom>
+        </p:spPr>
+      </p:pic>
+      <p:sp>
+        <p:nvSpPr>
+          <p:cNvPr id="5" name="TextBox 4"/>
+          <p:cNvSpPr txBox="1"/>
+          <p:nvPr/>
+        </p:nvSpPr>
+        <p:spPr>
+          <a:xfrm>
+            <a:off x="539552" y="2393950"/>
+            <a:ext cx="3168352" cy="1477328"/>
+          </a:xfrm>
+          <a:prstGeom prst="rect">
+            <a:avLst/>
+          </a:prstGeom>
+          <a:noFill/>
+        </p:spPr>
+        <p:txBody>
+          <a:bodyPr wrap="square" rtlCol="0">
+            <a:spAutoFit/>
+          </a:bodyPr>
+          <a:lstStyle/>
+          <a:p>
+            <a:r>
+              <a:rPr lang="de-DE" dirty="0" smtClean="0"/>
+              <a:t>Group R:</a:t>
+            </a:r>
+          </a:p>
+          <a:p>
+            <a:pPr marL="285750" indent="-285750">
+              <a:buFont typeface="Arial" pitchFamily="34" charset="0"/>
+              <a:buChar char="•"/>
+            </a:pPr>
+            <a:r>
+              <a:rPr lang="de-DE" dirty="0" smtClean="0"/>
+              <a:t>Fabian Hirschmann</a:t>
+            </a:r>
+          </a:p>
+          <a:p>
+            <a:pPr marL="285750" indent="-285750">
+              <a:buFont typeface="Arial" pitchFamily="34" charset="0"/>
+              <a:buChar char="•"/>
+            </a:pPr>
+            <a:r>
+              <a:rPr lang="de-DE" dirty="0" smtClean="0"/>
+              <a:t>Simon Holthausen</a:t>
+            </a:r>
+          </a:p>
+          <a:p>
+            <a:pPr marL="285750" indent="-285750">
+              <a:buFont typeface="Arial" pitchFamily="34" charset="0"/>
+              <a:buChar char="•"/>
+            </a:pPr>
+            <a:r>
+              <a:rPr lang="de-DE" dirty="0" smtClean="0"/>
+              <a:t>Michael Markert</a:t>
+            </a:r>
+          </a:p>
+          <a:p>
+            <a:pPr marL="285750" indent="-285750">
+              <a:buFont typeface="Arial" pitchFamily="34" charset="0"/>
+              <a:buChar char="•"/>
+            </a:pPr>
+            <a:r>
+              <a:rPr lang="de-DE" dirty="0" smtClean="0"/>
+              <a:t>Christoph Schatton</a:t>
             </a:r>
             <a:endParaRPr lang="en-US" dirty="0"/>
           </a:p>

--- a/doc/pres-prudsys.pptx
+++ b/doc/pres-prudsys.pptx
@@ -6864,18 +6864,22 @@
           <a:p>
             <a:r>
               <a:rPr lang="en-US" dirty="0"/>
-              <a:t>Marc-Andre </a:t>
+              <a:t>Marc-André </a:t>
             </a:r>
             <a:r>
               <a:rPr lang="en-US" dirty="0" err="1" smtClean="0"/>
               <a:t>Bär</a:t>
             </a:r>
-            <a:endParaRPr lang="en-US" dirty="0"/>
-          </a:p>
-          <a:p>
+            <a:endParaRPr lang="en-US" dirty="0" smtClean="0"/>
+          </a:p>
+          <a:p>
+            <a:r>
+              <a:rPr lang="en-US" dirty="0" smtClean="0"/>
+              <a:t>Markus </a:t>
+            </a:r>
             <a:r>
               <a:rPr lang="en-US" dirty="0"/>
-              <a:t>Markus Brandt</a:t>
+              <a:t>Brandt</a:t>
             </a:r>
           </a:p>
           <a:p>
@@ -7018,14 +7022,14 @@
               <a:t> </a:t>
             </a:r>
             <a:r>
-              <a:rPr lang="en-US" dirty="0" err="1"/>
-              <a:t>Menca</a:t>
-            </a:r>
-            <a:endParaRPr lang="en-US" dirty="0"/>
-          </a:p>
-          <a:p>
-            <a:r>
-              <a:rPr lang="en-US" dirty="0"/>
+              <a:rPr lang="en-US" dirty="0" err="1" smtClean="0"/>
+              <a:t>Mencía</a:t>
+            </a:r>
+            <a:endParaRPr lang="en-US" dirty="0" smtClean="0"/>
+          </a:p>
+          <a:p>
+            <a:r>
+              <a:rPr lang="en-US" dirty="0" smtClean="0"/>
               <a:t>Thomas </a:t>
             </a:r>
             <a:r>

--- a/doc/pres-prudsys.pptx
+++ b/doc/pres-prudsys.pptx
@@ -5,17 +5,16 @@
     <p:sldMasterId id="2147483648" r:id="rId1"/>
   </p:sldMasterIdLst>
   <p:notesMasterIdLst>
-    <p:notesMasterId r:id="rId7"/>
+    <p:notesMasterId r:id="rId6"/>
   </p:notesMasterIdLst>
   <p:handoutMasterIdLst>
-    <p:handoutMasterId r:id="rId8"/>
+    <p:handoutMasterId r:id="rId7"/>
   </p:handoutMasterIdLst>
   <p:sldIdLst>
     <p:sldId id="256" r:id="rId2"/>
-    <p:sldId id="257" r:id="rId3"/>
-    <p:sldId id="258" r:id="rId4"/>
-    <p:sldId id="260" r:id="rId5"/>
-    <p:sldId id="259" r:id="rId6"/>
+    <p:sldId id="258" r:id="rId3"/>
+    <p:sldId id="260" r:id="rId4"/>
+    <p:sldId id="259" r:id="rId5"/>
   </p:sldIdLst>
   <p:sldSz cx="9144000" cy="6858000" type="screen4x3"/>
   <p:notesSz cx="6858000" cy="9144000"/>
@@ -4188,7 +4187,7 @@
             <a:fld id="{065B079B-E513-489A-8A1B-D7C78493EA86}" type="datetime4">
               <a:rPr lang="de-DE" smtClean="0"/>
               <a:pPr/>
-              <a:t>24. Mai 2014</a:t>
+              <a:t>25. Mai 2014</a:t>
             </a:fld>
             <a:endParaRPr lang="de-DE"/>
           </a:p>
@@ -6703,7 +6702,7 @@
         </p:blipFill>
         <p:spPr>
           <a:xfrm>
-            <a:off x="6395428" y="2286793"/>
+            <a:off x="3638254" y="4401655"/>
             <a:ext cx="2229890" cy="1691641"/>
           </a:xfrm>
           <a:prstGeom prst="rect">
@@ -6713,71 +6712,744 @@
       </p:pic>
       <p:sp>
         <p:nvSpPr>
-          <p:cNvPr id="5" name="TextBox 4"/>
-          <p:cNvSpPr txBox="1"/>
+          <p:cNvPr id="8" name="Content Placeholder 3"/>
+          <p:cNvSpPr txBox="1">
+            <a:spLocks/>
+          </p:cNvSpPr>
           <p:nvPr/>
         </p:nvSpPr>
-        <p:spPr>
+        <p:spPr bwMode="auto">
           <a:xfrm>
-            <a:off x="539552" y="2393950"/>
-            <a:ext cx="3168352" cy="1477328"/>
+            <a:off x="358775" y="2276872"/>
+            <a:ext cx="3421137" cy="3672408"/>
           </a:xfrm>
           <a:prstGeom prst="rect">
             <a:avLst/>
           </a:prstGeom>
           <a:noFill/>
+          <a:ln w="9525">
+            <a:noFill/>
+            <a:miter lim="800000"/>
+            <a:headEnd/>
+            <a:tailEnd/>
+          </a:ln>
+          <a:effectLst/>
         </p:spPr>
         <p:txBody>
-          <a:bodyPr wrap="square" rtlCol="0">
-            <a:spAutoFit/>
+          <a:bodyPr vert="horz" wrap="square" lIns="0" tIns="0" rIns="0" bIns="0" numCol="1" anchor="t" anchorCtr="0" compatLnSpc="1">
+            <a:prstTxWarp prst="textNoShape">
+              <a:avLst/>
+            </a:prstTxWarp>
           </a:bodyPr>
-          <a:lstStyle/>
-          <a:p>
-            <a:r>
-              <a:rPr lang="de-DE" dirty="0" smtClean="0"/>
-              <a:t>Group R:</a:t>
-            </a:r>
-          </a:p>
-          <a:p>
-            <a:pPr marL="285750" indent="-285750">
-              <a:buFont typeface="Arial" pitchFamily="34" charset="0"/>
-              <a:buChar char="•"/>
+          <a:lstStyle>
+            <a:lvl1pPr marL="0" indent="0" algn="l" rtl="0" eaLnBrk="1" fontAlgn="base" hangingPunct="1">
+              <a:lnSpc>
+                <a:spcPct val="130000"/>
+              </a:lnSpc>
+              <a:spcBef>
+                <a:spcPct val="0"/>
+              </a:spcBef>
+              <a:spcAft>
+                <a:spcPts val="230"/>
+              </a:spcAft>
+              <a:buFont typeface="Wingdings" pitchFamily="2" charset="2"/>
+              <a:buNone/>
+              <a:defRPr sz="2000" b="1">
+                <a:solidFill>
+                  <a:schemeClr val="tx1"/>
+                </a:solidFill>
+                <a:latin typeface="+mn-lt"/>
+                <a:ea typeface="+mn-ea"/>
+                <a:cs typeface="Tahoma" pitchFamily="34" charset="0"/>
+              </a:defRPr>
+            </a:lvl1pPr>
+            <a:lvl2pPr marL="179388" indent="-177800" algn="l" rtl="0" eaLnBrk="1" fontAlgn="base" hangingPunct="1">
+              <a:lnSpc>
+                <a:spcPct val="130000"/>
+              </a:lnSpc>
+              <a:spcBef>
+                <a:spcPts val="200"/>
+              </a:spcBef>
+              <a:spcAft>
+                <a:spcPts val="230"/>
+              </a:spcAft>
+              <a:buFont typeface="Wingdings" pitchFamily="2" charset="2"/>
+              <a:buChar char="§"/>
+              <a:defRPr sz="2000">
+                <a:solidFill>
+                  <a:schemeClr val="tx1"/>
+                </a:solidFill>
+                <a:latin typeface="+mn-lt"/>
+                <a:cs typeface="Tahoma" pitchFamily="34" charset="0"/>
+              </a:defRPr>
+            </a:lvl2pPr>
+            <a:lvl3pPr marL="538163" indent="-187325" algn="l" rtl="0" eaLnBrk="1" fontAlgn="base" hangingPunct="1">
+              <a:lnSpc>
+                <a:spcPct val="130000"/>
+              </a:lnSpc>
+              <a:spcBef>
+                <a:spcPts val="200"/>
+              </a:spcBef>
+              <a:spcAft>
+                <a:spcPts val="230"/>
+              </a:spcAft>
+              <a:buFont typeface="Wingdings" pitchFamily="2" charset="2"/>
+              <a:buChar char="§"/>
+              <a:defRPr>
+                <a:solidFill>
+                  <a:schemeClr val="tx1"/>
+                </a:solidFill>
+                <a:latin typeface="+mn-lt"/>
+                <a:cs typeface="Tahoma" pitchFamily="34" charset="0"/>
+              </a:defRPr>
+            </a:lvl3pPr>
+            <a:lvl4pPr marL="717550" indent="-173038" algn="l" rtl="0" eaLnBrk="1" fontAlgn="base" hangingPunct="1">
+              <a:lnSpc>
+                <a:spcPct val="130000"/>
+              </a:lnSpc>
+              <a:spcBef>
+                <a:spcPts val="200"/>
+              </a:spcBef>
+              <a:spcAft>
+                <a:spcPts val="230"/>
+              </a:spcAft>
+              <a:buFont typeface="Wingdings" pitchFamily="2" charset="2"/>
+              <a:buChar char="§"/>
+              <a:defRPr sz="1600">
+                <a:solidFill>
+                  <a:schemeClr val="tx1"/>
+                </a:solidFill>
+                <a:latin typeface="+mn-lt"/>
+                <a:cs typeface="Tahoma" pitchFamily="34" charset="0"/>
+              </a:defRPr>
+            </a:lvl4pPr>
+            <a:lvl5pPr marL="908050" indent="-188913" algn="l" rtl="0" eaLnBrk="1" fontAlgn="base" hangingPunct="1">
+              <a:lnSpc>
+                <a:spcPct val="130000"/>
+              </a:lnSpc>
+              <a:spcBef>
+                <a:spcPts val="200"/>
+              </a:spcBef>
+              <a:spcAft>
+                <a:spcPts val="230"/>
+              </a:spcAft>
+              <a:buFont typeface="Wingdings" pitchFamily="2" charset="2"/>
+              <a:buChar char="§"/>
+              <a:defRPr sz="1600">
+                <a:solidFill>
+                  <a:schemeClr val="tx1"/>
+                </a:solidFill>
+                <a:latin typeface="+mn-lt"/>
+                <a:cs typeface="Tahoma" pitchFamily="34" charset="0"/>
+              </a:defRPr>
+            </a:lvl5pPr>
+            <a:lvl6pPr marL="1365250" indent="-188913" algn="l" rtl="0" eaLnBrk="1" fontAlgn="base" hangingPunct="1">
+              <a:spcBef>
+                <a:spcPct val="20000"/>
+              </a:spcBef>
+              <a:spcAft>
+                <a:spcPct val="0"/>
+              </a:spcAft>
+              <a:buFont typeface="Wingdings" pitchFamily="2" charset="2"/>
+              <a:buChar char="§"/>
+              <a:defRPr sz="1600">
+                <a:solidFill>
+                  <a:schemeClr val="tx1"/>
+                </a:solidFill>
+                <a:latin typeface="+mn-lt"/>
+              </a:defRPr>
+            </a:lvl6pPr>
+            <a:lvl7pPr marL="1822450" indent="-188913" algn="l" rtl="0" eaLnBrk="1" fontAlgn="base" hangingPunct="1">
+              <a:spcBef>
+                <a:spcPct val="20000"/>
+              </a:spcBef>
+              <a:spcAft>
+                <a:spcPct val="0"/>
+              </a:spcAft>
+              <a:buFont typeface="Wingdings" pitchFamily="2" charset="2"/>
+              <a:buChar char="§"/>
+              <a:defRPr sz="1600">
+                <a:solidFill>
+                  <a:schemeClr val="tx1"/>
+                </a:solidFill>
+                <a:latin typeface="+mn-lt"/>
+              </a:defRPr>
+            </a:lvl7pPr>
+            <a:lvl8pPr marL="2279650" indent="-188913" algn="l" rtl="0" eaLnBrk="1" fontAlgn="base" hangingPunct="1">
+              <a:spcBef>
+                <a:spcPct val="20000"/>
+              </a:spcBef>
+              <a:spcAft>
+                <a:spcPct val="0"/>
+              </a:spcAft>
+              <a:buFont typeface="Wingdings" pitchFamily="2" charset="2"/>
+              <a:buChar char="§"/>
+              <a:defRPr sz="1600">
+                <a:solidFill>
+                  <a:schemeClr val="tx1"/>
+                </a:solidFill>
+                <a:latin typeface="+mn-lt"/>
+              </a:defRPr>
+            </a:lvl8pPr>
+            <a:lvl9pPr marL="2736850" indent="-188913" algn="l" rtl="0" eaLnBrk="1" fontAlgn="base" hangingPunct="1">
+              <a:spcBef>
+                <a:spcPct val="20000"/>
+              </a:spcBef>
+              <a:spcAft>
+                <a:spcPct val="0"/>
+              </a:spcAft>
+              <a:buFont typeface="Wingdings" pitchFamily="2" charset="2"/>
+              <a:buChar char="§"/>
+              <a:defRPr sz="1600">
+                <a:solidFill>
+                  <a:schemeClr val="tx1"/>
+                </a:solidFill>
+                <a:latin typeface="+mn-lt"/>
+              </a:defRPr>
+            </a:lvl9pPr>
+          </a:lstStyle>
+          <a:p>
+            <a:pPr>
+              <a:lnSpc>
+                <a:spcPct val="100000"/>
+              </a:lnSpc>
             </a:pPr>
             <a:r>
-              <a:rPr lang="de-DE" dirty="0" smtClean="0"/>
-              <a:t>Fabian Hirschmann</a:t>
-            </a:r>
-          </a:p>
-          <a:p>
-            <a:pPr marL="285750" indent="-285750">
-              <a:buFont typeface="Arial" pitchFamily="34" charset="0"/>
-              <a:buChar char="•"/>
+              <a:rPr lang="de-DE" sz="1800" dirty="0" smtClean="0"/>
+              <a:t>A team effort:</a:t>
+            </a:r>
+          </a:p>
+          <a:p>
+            <a:pPr>
+              <a:lnSpc>
+                <a:spcPct val="100000"/>
+              </a:lnSpc>
             </a:pPr>
-            <a:r>
-              <a:rPr lang="de-DE" dirty="0" smtClean="0"/>
-              <a:t>Simon Holthausen</a:t>
-            </a:r>
-          </a:p>
-          <a:p>
-            <a:pPr marL="285750" indent="-285750">
-              <a:buFont typeface="Arial" pitchFamily="34" charset="0"/>
-              <a:buChar char="•"/>
+            <a:endParaRPr lang="en-US" sz="1800" b="0" dirty="0" smtClean="0"/>
+          </a:p>
+          <a:p>
+            <a:pPr>
+              <a:lnSpc>
+                <a:spcPct val="100000"/>
+              </a:lnSpc>
             </a:pPr>
             <a:r>
-              <a:rPr lang="de-DE" dirty="0" smtClean="0"/>
-              <a:t>Michael Markert</a:t>
-            </a:r>
-          </a:p>
-          <a:p>
-            <a:pPr marL="285750" indent="-285750">
-              <a:buFont typeface="Arial" pitchFamily="34" charset="0"/>
-              <a:buChar char="•"/>
+              <a:rPr lang="en-US" sz="1800" b="0" dirty="0" smtClean="0"/>
+              <a:t>Igor </a:t>
+            </a:r>
+            <a:r>
+              <a:rPr lang="en-US" sz="1800" b="0" dirty="0" err="1" smtClean="0"/>
+              <a:t>Achieser</a:t>
+            </a:r>
+            <a:endParaRPr lang="en-US" sz="1800" b="0" dirty="0" smtClean="0"/>
+          </a:p>
+          <a:p>
+            <a:pPr>
+              <a:lnSpc>
+                <a:spcPct val="100000"/>
+              </a:lnSpc>
             </a:pPr>
             <a:r>
-              <a:rPr lang="de-DE" dirty="0" smtClean="0"/>
-              <a:t>Christoph Schatton</a:t>
-            </a:r>
-            <a:endParaRPr lang="en-US" dirty="0"/>
+              <a:rPr lang="en-US" sz="1800" b="0" dirty="0" smtClean="0"/>
+              <a:t>Marc-André </a:t>
+            </a:r>
+            <a:r>
+              <a:rPr lang="en-US" sz="1800" b="0" dirty="0" err="1" smtClean="0"/>
+              <a:t>Bär</a:t>
+            </a:r>
+            <a:endParaRPr lang="en-US" sz="1800" b="0" dirty="0" smtClean="0"/>
+          </a:p>
+          <a:p>
+            <a:pPr>
+              <a:lnSpc>
+                <a:spcPct val="100000"/>
+              </a:lnSpc>
+            </a:pPr>
+            <a:r>
+              <a:rPr lang="en-US" sz="1800" b="0" dirty="0" smtClean="0"/>
+              <a:t>Markus Brandt</a:t>
+            </a:r>
+          </a:p>
+          <a:p>
+            <a:pPr>
+              <a:lnSpc>
+                <a:spcPct val="100000"/>
+              </a:lnSpc>
+            </a:pPr>
+            <a:r>
+              <a:rPr lang="en-US" sz="1800" b="0" dirty="0" smtClean="0"/>
+              <a:t>Prof. Dr. Johannes </a:t>
+            </a:r>
+            <a:r>
+              <a:rPr lang="en-US" sz="1800" b="0" dirty="0" err="1" smtClean="0"/>
+              <a:t>Fürnkranz</a:t>
+            </a:r>
+            <a:endParaRPr lang="en-US" sz="1800" b="0" dirty="0" smtClean="0"/>
+          </a:p>
+          <a:p>
+            <a:pPr>
+              <a:lnSpc>
+                <a:spcPct val="100000"/>
+              </a:lnSpc>
+            </a:pPr>
+            <a:r>
+              <a:rPr lang="en-US" sz="1800" b="0" dirty="0" smtClean="0"/>
+              <a:t>Fabian </a:t>
+            </a:r>
+            <a:r>
+              <a:rPr lang="en-US" sz="1800" b="0" dirty="0" err="1" smtClean="0"/>
+              <a:t>Hirschmann</a:t>
+            </a:r>
+            <a:endParaRPr lang="en-US" sz="1800" b="0" dirty="0" smtClean="0"/>
+          </a:p>
+          <a:p>
+            <a:pPr>
+              <a:lnSpc>
+                <a:spcPct val="100000"/>
+              </a:lnSpc>
+            </a:pPr>
+            <a:r>
+              <a:rPr lang="en-US" sz="1800" b="0" dirty="0" smtClean="0"/>
+              <a:t>Simon </a:t>
+            </a:r>
+            <a:r>
+              <a:rPr lang="en-US" sz="1800" b="0" dirty="0" err="1" smtClean="0"/>
+              <a:t>Holthausen</a:t>
+            </a:r>
+            <a:endParaRPr lang="en-US" sz="1800" b="0" dirty="0" smtClean="0"/>
+          </a:p>
+          <a:p>
+            <a:pPr>
+              <a:lnSpc>
+                <a:spcPct val="100000"/>
+              </a:lnSpc>
+            </a:pPr>
+            <a:r>
+              <a:rPr lang="en-US" sz="1800" b="0" dirty="0" err="1" smtClean="0"/>
+              <a:t>Patryk</a:t>
+            </a:r>
+            <a:r>
+              <a:rPr lang="en-US" sz="1800" b="0" dirty="0" smtClean="0"/>
+              <a:t> </a:t>
+            </a:r>
+            <a:r>
+              <a:rPr lang="en-US" sz="1800" b="0" dirty="0" err="1" smtClean="0"/>
+              <a:t>Hopner</a:t>
+            </a:r>
+            <a:endParaRPr lang="en-US" sz="1800" b="0" dirty="0" smtClean="0"/>
+          </a:p>
+          <a:p>
+            <a:pPr>
+              <a:lnSpc>
+                <a:spcPct val="100000"/>
+              </a:lnSpc>
+            </a:pPr>
+            <a:r>
+              <a:rPr lang="en-US" sz="1800" b="0" dirty="0" smtClean="0"/>
+              <a:t>Dr. </a:t>
+            </a:r>
+            <a:r>
+              <a:rPr lang="en-US" sz="1800" b="0" dirty="0" err="1" smtClean="0"/>
+              <a:t>Frederik</a:t>
+            </a:r>
+            <a:r>
+              <a:rPr lang="en-US" sz="1800" b="0" dirty="0" smtClean="0"/>
+              <a:t> Janssen</a:t>
+            </a:r>
+          </a:p>
+          <a:p>
+            <a:pPr>
+              <a:lnSpc>
+                <a:spcPct val="100000"/>
+              </a:lnSpc>
+            </a:pPr>
+            <a:r>
+              <a:rPr lang="en-US" sz="1800" b="0" dirty="0" err="1" smtClean="0"/>
+              <a:t>Mirko</a:t>
+            </a:r>
+            <a:r>
+              <a:rPr lang="en-US" sz="1800" b="0" dirty="0" smtClean="0"/>
+              <a:t> </a:t>
+            </a:r>
+            <a:r>
+              <a:rPr lang="en-US" sz="1800" b="0" dirty="0" err="1" smtClean="0"/>
+              <a:t>Köhler</a:t>
+            </a:r>
+            <a:endParaRPr lang="en-US" sz="1800" b="0" dirty="0" smtClean="0"/>
+          </a:p>
+        </p:txBody>
+      </p:sp>
+      <p:sp>
+        <p:nvSpPr>
+          <p:cNvPr id="12" name="Content Placeholder 3"/>
+          <p:cNvSpPr txBox="1">
+            <a:spLocks/>
+          </p:cNvSpPr>
+          <p:nvPr/>
+        </p:nvSpPr>
+        <p:spPr bwMode="auto">
+          <a:xfrm>
+            <a:off x="5183311" y="2276872"/>
+            <a:ext cx="3421137" cy="3672408"/>
+          </a:xfrm>
+          <a:prstGeom prst="rect">
+            <a:avLst/>
+          </a:prstGeom>
+          <a:noFill/>
+          <a:ln w="9525">
+            <a:noFill/>
+            <a:miter lim="800000"/>
+            <a:headEnd/>
+            <a:tailEnd/>
+          </a:ln>
+          <a:effectLst/>
+        </p:spPr>
+        <p:txBody>
+          <a:bodyPr vert="horz" wrap="square" lIns="0" tIns="0" rIns="0" bIns="0" numCol="1" anchor="t" anchorCtr="0" compatLnSpc="1">
+            <a:prstTxWarp prst="textNoShape">
+              <a:avLst/>
+            </a:prstTxWarp>
+          </a:bodyPr>
+          <a:lstStyle>
+            <a:lvl1pPr marL="0" indent="0" algn="l" rtl="0" eaLnBrk="1" fontAlgn="base" hangingPunct="1">
+              <a:lnSpc>
+                <a:spcPct val="130000"/>
+              </a:lnSpc>
+              <a:spcBef>
+                <a:spcPct val="0"/>
+              </a:spcBef>
+              <a:spcAft>
+                <a:spcPts val="230"/>
+              </a:spcAft>
+              <a:buFont typeface="Wingdings" pitchFamily="2" charset="2"/>
+              <a:buNone/>
+              <a:defRPr sz="2000" b="1">
+                <a:solidFill>
+                  <a:schemeClr val="tx1"/>
+                </a:solidFill>
+                <a:latin typeface="+mn-lt"/>
+                <a:ea typeface="+mn-ea"/>
+                <a:cs typeface="Tahoma" pitchFamily="34" charset="0"/>
+              </a:defRPr>
+            </a:lvl1pPr>
+            <a:lvl2pPr marL="179388" indent="-177800" algn="l" rtl="0" eaLnBrk="1" fontAlgn="base" hangingPunct="1">
+              <a:lnSpc>
+                <a:spcPct val="130000"/>
+              </a:lnSpc>
+              <a:spcBef>
+                <a:spcPts val="200"/>
+              </a:spcBef>
+              <a:spcAft>
+                <a:spcPts val="230"/>
+              </a:spcAft>
+              <a:buFont typeface="Wingdings" pitchFamily="2" charset="2"/>
+              <a:buChar char="§"/>
+              <a:defRPr sz="2000">
+                <a:solidFill>
+                  <a:schemeClr val="tx1"/>
+                </a:solidFill>
+                <a:latin typeface="+mn-lt"/>
+                <a:cs typeface="Tahoma" pitchFamily="34" charset="0"/>
+              </a:defRPr>
+            </a:lvl2pPr>
+            <a:lvl3pPr marL="538163" indent="-187325" algn="l" rtl="0" eaLnBrk="1" fontAlgn="base" hangingPunct="1">
+              <a:lnSpc>
+                <a:spcPct val="130000"/>
+              </a:lnSpc>
+              <a:spcBef>
+                <a:spcPts val="200"/>
+              </a:spcBef>
+              <a:spcAft>
+                <a:spcPts val="230"/>
+              </a:spcAft>
+              <a:buFont typeface="Wingdings" pitchFamily="2" charset="2"/>
+              <a:buChar char="§"/>
+              <a:defRPr>
+                <a:solidFill>
+                  <a:schemeClr val="tx1"/>
+                </a:solidFill>
+                <a:latin typeface="+mn-lt"/>
+                <a:cs typeface="Tahoma" pitchFamily="34" charset="0"/>
+              </a:defRPr>
+            </a:lvl3pPr>
+            <a:lvl4pPr marL="717550" indent="-173038" algn="l" rtl="0" eaLnBrk="1" fontAlgn="base" hangingPunct="1">
+              <a:lnSpc>
+                <a:spcPct val="130000"/>
+              </a:lnSpc>
+              <a:spcBef>
+                <a:spcPts val="200"/>
+              </a:spcBef>
+              <a:spcAft>
+                <a:spcPts val="230"/>
+              </a:spcAft>
+              <a:buFont typeface="Wingdings" pitchFamily="2" charset="2"/>
+              <a:buChar char="§"/>
+              <a:defRPr sz="1600">
+                <a:solidFill>
+                  <a:schemeClr val="tx1"/>
+                </a:solidFill>
+                <a:latin typeface="+mn-lt"/>
+                <a:cs typeface="Tahoma" pitchFamily="34" charset="0"/>
+              </a:defRPr>
+            </a:lvl4pPr>
+            <a:lvl5pPr marL="908050" indent="-188913" algn="l" rtl="0" eaLnBrk="1" fontAlgn="base" hangingPunct="1">
+              <a:lnSpc>
+                <a:spcPct val="130000"/>
+              </a:lnSpc>
+              <a:spcBef>
+                <a:spcPts val="200"/>
+              </a:spcBef>
+              <a:spcAft>
+                <a:spcPts val="230"/>
+              </a:spcAft>
+              <a:buFont typeface="Wingdings" pitchFamily="2" charset="2"/>
+              <a:buChar char="§"/>
+              <a:defRPr sz="1600">
+                <a:solidFill>
+                  <a:schemeClr val="tx1"/>
+                </a:solidFill>
+                <a:latin typeface="+mn-lt"/>
+                <a:cs typeface="Tahoma" pitchFamily="34" charset="0"/>
+              </a:defRPr>
+            </a:lvl5pPr>
+            <a:lvl6pPr marL="1365250" indent="-188913" algn="l" rtl="0" eaLnBrk="1" fontAlgn="base" hangingPunct="1">
+              <a:spcBef>
+                <a:spcPct val="20000"/>
+              </a:spcBef>
+              <a:spcAft>
+                <a:spcPct val="0"/>
+              </a:spcAft>
+              <a:buFont typeface="Wingdings" pitchFamily="2" charset="2"/>
+              <a:buChar char="§"/>
+              <a:defRPr sz="1600">
+                <a:solidFill>
+                  <a:schemeClr val="tx1"/>
+                </a:solidFill>
+                <a:latin typeface="+mn-lt"/>
+              </a:defRPr>
+            </a:lvl6pPr>
+            <a:lvl7pPr marL="1822450" indent="-188913" algn="l" rtl="0" eaLnBrk="1" fontAlgn="base" hangingPunct="1">
+              <a:spcBef>
+                <a:spcPct val="20000"/>
+              </a:spcBef>
+              <a:spcAft>
+                <a:spcPct val="0"/>
+              </a:spcAft>
+              <a:buFont typeface="Wingdings" pitchFamily="2" charset="2"/>
+              <a:buChar char="§"/>
+              <a:defRPr sz="1600">
+                <a:solidFill>
+                  <a:schemeClr val="tx1"/>
+                </a:solidFill>
+                <a:latin typeface="+mn-lt"/>
+              </a:defRPr>
+            </a:lvl7pPr>
+            <a:lvl8pPr marL="2279650" indent="-188913" algn="l" rtl="0" eaLnBrk="1" fontAlgn="base" hangingPunct="1">
+              <a:spcBef>
+                <a:spcPct val="20000"/>
+              </a:spcBef>
+              <a:spcAft>
+                <a:spcPct val="0"/>
+              </a:spcAft>
+              <a:buFont typeface="Wingdings" pitchFamily="2" charset="2"/>
+              <a:buChar char="§"/>
+              <a:defRPr sz="1600">
+                <a:solidFill>
+                  <a:schemeClr val="tx1"/>
+                </a:solidFill>
+                <a:latin typeface="+mn-lt"/>
+              </a:defRPr>
+            </a:lvl8pPr>
+            <a:lvl9pPr marL="2736850" indent="-188913" algn="l" rtl="0" eaLnBrk="1" fontAlgn="base" hangingPunct="1">
+              <a:spcBef>
+                <a:spcPct val="20000"/>
+              </a:spcBef>
+              <a:spcAft>
+                <a:spcPct val="0"/>
+              </a:spcAft>
+              <a:buFont typeface="Wingdings" pitchFamily="2" charset="2"/>
+              <a:buChar char="§"/>
+              <a:defRPr sz="1600">
+                <a:solidFill>
+                  <a:schemeClr val="tx1"/>
+                </a:solidFill>
+                <a:latin typeface="+mn-lt"/>
+              </a:defRPr>
+            </a:lvl9pPr>
+          </a:lstStyle>
+          <a:p>
+            <a:pPr algn="r">
+              <a:lnSpc>
+                <a:spcPct val="100000"/>
+              </a:lnSpc>
+            </a:pPr>
+            <a:endParaRPr lang="de-DE" sz="1800" b="0" dirty="0" smtClean="0"/>
+          </a:p>
+          <a:p>
+            <a:pPr algn="r">
+              <a:lnSpc>
+                <a:spcPct val="100000"/>
+              </a:lnSpc>
+            </a:pPr>
+            <a:endParaRPr lang="en-US" sz="1800" b="0" dirty="0" smtClean="0"/>
+          </a:p>
+          <a:p>
+            <a:pPr algn="r">
+              <a:lnSpc>
+                <a:spcPct val="100000"/>
+              </a:lnSpc>
+            </a:pPr>
+            <a:r>
+              <a:rPr lang="en-US" sz="1800" b="0" dirty="0" err="1"/>
+              <a:t>Suiteng</a:t>
+            </a:r>
+            <a:r>
+              <a:rPr lang="en-US" sz="1800" b="0" dirty="0"/>
+              <a:t> Lu</a:t>
+            </a:r>
+          </a:p>
+          <a:p>
+            <a:pPr algn="r">
+              <a:lnSpc>
+                <a:spcPct val="100000"/>
+              </a:lnSpc>
+            </a:pPr>
+            <a:r>
+              <a:rPr lang="en-US" sz="1800" b="0" dirty="0"/>
+              <a:t>Michael </a:t>
+            </a:r>
+            <a:r>
+              <a:rPr lang="en-US" sz="1800" b="0" dirty="0" err="1"/>
+              <a:t>Markert</a:t>
+            </a:r>
+            <a:endParaRPr lang="en-US" sz="1800" b="0" dirty="0"/>
+          </a:p>
+          <a:p>
+            <a:pPr algn="r">
+              <a:lnSpc>
+                <a:spcPct val="100000"/>
+              </a:lnSpc>
+            </a:pPr>
+            <a:r>
+              <a:rPr lang="en-US" sz="1800" b="0" dirty="0" err="1"/>
+              <a:t>Eneldo</a:t>
+            </a:r>
+            <a:r>
+              <a:rPr lang="en-US" sz="1800" b="0" dirty="0"/>
+              <a:t> </a:t>
+            </a:r>
+            <a:r>
+              <a:rPr lang="en-US" sz="1800" b="0" dirty="0" err="1"/>
+              <a:t>Loza</a:t>
+            </a:r>
+            <a:r>
+              <a:rPr lang="en-US" sz="1800" b="0" dirty="0"/>
+              <a:t> </a:t>
+            </a:r>
+            <a:r>
+              <a:rPr lang="en-US" sz="1800" b="0" dirty="0" err="1"/>
+              <a:t>Mencía</a:t>
+            </a:r>
+            <a:endParaRPr lang="en-US" sz="1800" b="0" dirty="0"/>
+          </a:p>
+          <a:p>
+            <a:pPr algn="r">
+              <a:lnSpc>
+                <a:spcPct val="100000"/>
+              </a:lnSpc>
+            </a:pPr>
+            <a:r>
+              <a:rPr lang="en-US" sz="1800" b="0" dirty="0"/>
+              <a:t>Thomas </a:t>
+            </a:r>
+            <a:r>
+              <a:rPr lang="en-US" sz="1800" b="0" dirty="0" err="1"/>
+              <a:t>Pignede</a:t>
+            </a:r>
+            <a:endParaRPr lang="en-US" sz="1800" b="0" dirty="0"/>
+          </a:p>
+          <a:p>
+            <a:pPr algn="r">
+              <a:lnSpc>
+                <a:spcPct val="100000"/>
+              </a:lnSpc>
+            </a:pPr>
+            <a:r>
+              <a:rPr lang="en-US" sz="1800" b="0" dirty="0" err="1"/>
+              <a:t>Elvir</a:t>
+            </a:r>
+            <a:r>
+              <a:rPr lang="en-US" sz="1800" b="0" dirty="0"/>
+              <a:t> </a:t>
+            </a:r>
+            <a:r>
+              <a:rPr lang="en-US" sz="1800" b="0" dirty="0" err="1"/>
+              <a:t>Sabic</a:t>
+            </a:r>
+            <a:endParaRPr lang="en-US" sz="1800" b="0" dirty="0"/>
+          </a:p>
+          <a:p>
+            <a:pPr algn="r">
+              <a:lnSpc>
+                <a:spcPct val="100000"/>
+              </a:lnSpc>
+            </a:pPr>
+            <a:r>
+              <a:rPr lang="en-US" sz="1800" b="0" dirty="0" err="1"/>
+              <a:t>Christoph</a:t>
+            </a:r>
+            <a:r>
+              <a:rPr lang="en-US" sz="1800" b="0" dirty="0"/>
+              <a:t> </a:t>
+            </a:r>
+            <a:r>
+              <a:rPr lang="en-US" sz="1800" b="0" dirty="0" err="1"/>
+              <a:t>Schatton</a:t>
+            </a:r>
+            <a:endParaRPr lang="en-US" sz="1800" b="0" dirty="0"/>
+          </a:p>
+          <a:p>
+            <a:pPr algn="r">
+              <a:lnSpc>
+                <a:spcPct val="100000"/>
+              </a:lnSpc>
+            </a:pPr>
+            <a:r>
+              <a:rPr lang="en-US" sz="1800" b="0" dirty="0" err="1"/>
+              <a:t>Svenja</a:t>
+            </a:r>
+            <a:r>
+              <a:rPr lang="en-US" sz="1800" b="0" dirty="0"/>
+              <a:t> Stark</a:t>
+            </a:r>
+          </a:p>
+          <a:p>
+            <a:pPr algn="r">
+              <a:lnSpc>
+                <a:spcPct val="100000"/>
+              </a:lnSpc>
+            </a:pPr>
+            <a:r>
+              <a:rPr lang="en-US" sz="1800" b="0" dirty="0"/>
+              <a:t>Michael </a:t>
+            </a:r>
+            <a:r>
+              <a:rPr lang="en-US" sz="1800" b="0" dirty="0" err="1"/>
+              <a:t>Stahn</a:t>
+            </a:r>
+            <a:endParaRPr lang="en-US" sz="1800" b="0" dirty="0"/>
+          </a:p>
+          <a:p>
+            <a:pPr algn="r">
+              <a:lnSpc>
+                <a:spcPct val="100000"/>
+              </a:lnSpc>
+            </a:pPr>
+            <a:r>
+              <a:rPr lang="en-US" sz="1800" b="0" dirty="0"/>
+              <a:t>Christian Wirth</a:t>
+            </a:r>
+            <a:endParaRPr lang="en-US" sz="1800" b="0" dirty="0"/>
           </a:p>
         </p:txBody>
       </p:sp>
@@ -6797,332 +7469,6 @@
 </file>
 
 <file path=ppt/slides/slide2.xml><?xml version="1.0" encoding="utf-8"?>
-<p:sld xmlns:a="http://schemas.openxmlformats.org/drawingml/2006/main" xmlns:r="http://schemas.openxmlformats.org/officeDocument/2006/relationships" xmlns:p="http://schemas.openxmlformats.org/presentationml/2006/main">
-  <p:cSld>
-    <p:spTree>
-      <p:nvGrpSpPr>
-        <p:cNvPr id="1" name=""/>
-        <p:cNvGrpSpPr/>
-        <p:nvPr/>
-      </p:nvGrpSpPr>
-      <p:grpSpPr>
-        <a:xfrm>
-          <a:off x="0" y="0"/>
-          <a:ext cx="0" cy="0"/>
-          <a:chOff x="0" y="0"/>
-          <a:chExt cx="0" cy="0"/>
-        </a:xfrm>
-      </p:grpSpPr>
-      <p:sp>
-        <p:nvSpPr>
-          <p:cNvPr id="2" name="Title 1"/>
-          <p:cNvSpPr>
-            <a:spLocks noGrp="1"/>
-          </p:cNvSpPr>
-          <p:nvPr>
-            <p:ph type="title"/>
-          </p:nvPr>
-        </p:nvSpPr>
-        <p:spPr/>
-        <p:txBody>
-          <a:bodyPr/>
-          <a:lstStyle/>
-          <a:p>
-            <a:r>
-              <a:rPr lang="de-DE" dirty="0" smtClean="0"/>
-              <a:t>DMC14: A Team Effort</a:t>
-            </a:r>
-            <a:endParaRPr lang="en-US" dirty="0"/>
-          </a:p>
-        </p:txBody>
-      </p:sp>
-      <p:sp>
-        <p:nvSpPr>
-          <p:cNvPr id="4" name="Content Placeholder 3"/>
-          <p:cNvSpPr>
-            <a:spLocks noGrp="1"/>
-          </p:cNvSpPr>
-          <p:nvPr>
-            <p:ph sz="half" idx="1"/>
-          </p:nvPr>
-        </p:nvSpPr>
-        <p:spPr/>
-        <p:txBody>
-          <a:bodyPr/>
-          <a:lstStyle/>
-          <a:p>
-            <a:r>
-              <a:rPr lang="en-US" dirty="0"/>
-              <a:t>Igor </a:t>
-            </a:r>
-            <a:r>
-              <a:rPr lang="en-US" dirty="0" err="1"/>
-              <a:t>Achieser</a:t>
-            </a:r>
-            <a:endParaRPr lang="en-US" dirty="0"/>
-          </a:p>
-          <a:p>
-            <a:r>
-              <a:rPr lang="en-US" dirty="0"/>
-              <a:t>Marc-André </a:t>
-            </a:r>
-            <a:r>
-              <a:rPr lang="en-US" dirty="0" err="1" smtClean="0"/>
-              <a:t>Bär</a:t>
-            </a:r>
-            <a:endParaRPr lang="en-US" dirty="0" smtClean="0"/>
-          </a:p>
-          <a:p>
-            <a:r>
-              <a:rPr lang="en-US" dirty="0" smtClean="0"/>
-              <a:t>Markus </a:t>
-            </a:r>
-            <a:r>
-              <a:rPr lang="en-US" dirty="0"/>
-              <a:t>Brandt</a:t>
-            </a:r>
-          </a:p>
-          <a:p>
-            <a:r>
-              <a:rPr lang="en-US" dirty="0"/>
-              <a:t>Prof. Dr. Johannes </a:t>
-            </a:r>
-            <a:r>
-              <a:rPr lang="en-US" dirty="0" err="1" smtClean="0"/>
-              <a:t>Fürnkranz</a:t>
-            </a:r>
-            <a:endParaRPr lang="en-US" dirty="0"/>
-          </a:p>
-          <a:p>
-            <a:r>
-              <a:rPr lang="en-US" dirty="0"/>
-              <a:t>Fabian </a:t>
-            </a:r>
-            <a:r>
-              <a:rPr lang="en-US" dirty="0" err="1"/>
-              <a:t>Hirschmann</a:t>
-            </a:r>
-            <a:endParaRPr lang="en-US" dirty="0"/>
-          </a:p>
-          <a:p>
-            <a:r>
-              <a:rPr lang="en-US" dirty="0"/>
-              <a:t>Simon </a:t>
-            </a:r>
-            <a:r>
-              <a:rPr lang="en-US" dirty="0" err="1"/>
-              <a:t>Holthausen</a:t>
-            </a:r>
-            <a:endParaRPr lang="en-US" dirty="0"/>
-          </a:p>
-          <a:p>
-            <a:r>
-              <a:rPr lang="en-US" dirty="0" err="1"/>
-              <a:t>Patryk</a:t>
-            </a:r>
-            <a:r>
-              <a:rPr lang="en-US" dirty="0"/>
-              <a:t> </a:t>
-            </a:r>
-            <a:r>
-              <a:rPr lang="en-US" dirty="0" err="1"/>
-              <a:t>Hopner</a:t>
-            </a:r>
-            <a:endParaRPr lang="en-US" dirty="0"/>
-          </a:p>
-          <a:p>
-            <a:r>
-              <a:rPr lang="en-US" dirty="0"/>
-              <a:t>Dr. </a:t>
-            </a:r>
-            <a:r>
-              <a:rPr lang="en-US" dirty="0" err="1"/>
-              <a:t>Frederik</a:t>
-            </a:r>
-            <a:r>
-              <a:rPr lang="en-US" dirty="0"/>
-              <a:t> Janssen</a:t>
-            </a:r>
-          </a:p>
-          <a:p>
-            <a:r>
-              <a:rPr lang="en-US" dirty="0" err="1"/>
-              <a:t>Mirko</a:t>
-            </a:r>
-            <a:r>
-              <a:rPr lang="en-US" dirty="0"/>
-              <a:t> </a:t>
-            </a:r>
-            <a:r>
-              <a:rPr lang="en-US" dirty="0" err="1" smtClean="0"/>
-              <a:t>K</a:t>
-            </a:r>
-            <a:r>
-              <a:rPr lang="en-US" dirty="0" err="1"/>
-              <a:t>ö</a:t>
-            </a:r>
-            <a:r>
-              <a:rPr lang="en-US" dirty="0" err="1" smtClean="0"/>
-              <a:t>hler</a:t>
-            </a:r>
-            <a:endParaRPr lang="en-US" dirty="0"/>
-          </a:p>
-        </p:txBody>
-      </p:sp>
-      <p:sp>
-        <p:nvSpPr>
-          <p:cNvPr id="5" name="Content Placeholder 4"/>
-          <p:cNvSpPr>
-            <a:spLocks noGrp="1"/>
-          </p:cNvSpPr>
-          <p:nvPr>
-            <p:ph sz="half" idx="2"/>
-          </p:nvPr>
-        </p:nvSpPr>
-        <p:spPr/>
-        <p:txBody>
-          <a:bodyPr/>
-          <a:lstStyle/>
-          <a:p>
-            <a:r>
-              <a:rPr lang="en-US" dirty="0" err="1"/>
-              <a:t>Suiteng</a:t>
-            </a:r>
-            <a:r>
-              <a:rPr lang="en-US" dirty="0"/>
-              <a:t> Lu</a:t>
-            </a:r>
-          </a:p>
-          <a:p>
-            <a:r>
-              <a:rPr lang="en-US" dirty="0"/>
-              <a:t>Michael </a:t>
-            </a:r>
-            <a:r>
-              <a:rPr lang="en-US" dirty="0" err="1"/>
-              <a:t>Markert</a:t>
-            </a:r>
-            <a:endParaRPr lang="en-US" dirty="0"/>
-          </a:p>
-          <a:p>
-            <a:r>
-              <a:rPr lang="en-US" dirty="0" err="1"/>
-              <a:t>Eneldo</a:t>
-            </a:r>
-            <a:r>
-              <a:rPr lang="en-US" dirty="0"/>
-              <a:t> </a:t>
-            </a:r>
-            <a:r>
-              <a:rPr lang="en-US" dirty="0" err="1"/>
-              <a:t>Loza</a:t>
-            </a:r>
-            <a:r>
-              <a:rPr lang="en-US" dirty="0"/>
-              <a:t> </a:t>
-            </a:r>
-            <a:r>
-              <a:rPr lang="en-US" dirty="0" err="1" smtClean="0"/>
-              <a:t>Mencía</a:t>
-            </a:r>
-            <a:endParaRPr lang="en-US" dirty="0" smtClean="0"/>
-          </a:p>
-          <a:p>
-            <a:r>
-              <a:rPr lang="en-US" dirty="0" smtClean="0"/>
-              <a:t>Thomas </a:t>
-            </a:r>
-            <a:r>
-              <a:rPr lang="en-US" dirty="0" err="1"/>
-              <a:t>Pignede</a:t>
-            </a:r>
-            <a:endParaRPr lang="en-US" dirty="0"/>
-          </a:p>
-          <a:p>
-            <a:r>
-              <a:rPr lang="en-US" dirty="0" err="1"/>
-              <a:t>Elvir</a:t>
-            </a:r>
-            <a:r>
-              <a:rPr lang="en-US" dirty="0"/>
-              <a:t> </a:t>
-            </a:r>
-            <a:r>
-              <a:rPr lang="en-US" dirty="0" err="1"/>
-              <a:t>Sabic</a:t>
-            </a:r>
-            <a:endParaRPr lang="en-US" dirty="0"/>
-          </a:p>
-          <a:p>
-            <a:r>
-              <a:rPr lang="en-US" dirty="0" err="1"/>
-              <a:t>Christoph</a:t>
-            </a:r>
-            <a:r>
-              <a:rPr lang="en-US" dirty="0"/>
-              <a:t> </a:t>
-            </a:r>
-            <a:r>
-              <a:rPr lang="en-US" dirty="0" err="1"/>
-              <a:t>Schatton</a:t>
-            </a:r>
-            <a:endParaRPr lang="en-US" dirty="0"/>
-          </a:p>
-          <a:p>
-            <a:r>
-              <a:rPr lang="en-US" dirty="0" err="1"/>
-              <a:t>Svenja</a:t>
-            </a:r>
-            <a:r>
-              <a:rPr lang="en-US" dirty="0"/>
-              <a:t> Stark</a:t>
-            </a:r>
-          </a:p>
-          <a:p>
-            <a:r>
-              <a:rPr lang="en-US" dirty="0"/>
-              <a:t>Michael </a:t>
-            </a:r>
-            <a:r>
-              <a:rPr lang="en-US" dirty="0" err="1"/>
-              <a:t>Stahn</a:t>
-            </a:r>
-            <a:endParaRPr lang="en-US" dirty="0"/>
-          </a:p>
-          <a:p>
-            <a:r>
-              <a:rPr lang="en-US" dirty="0"/>
-              <a:t>Christian </a:t>
-            </a:r>
-            <a:r>
-              <a:rPr lang="en-US" dirty="0" smtClean="0"/>
-              <a:t>Wirth</a:t>
-            </a:r>
-            <a:endParaRPr lang="en-US" dirty="0"/>
-          </a:p>
-        </p:txBody>
-      </p:sp>
-    </p:spTree>
-    <p:extLst>
-      <p:ext uri="{BB962C8B-B14F-4D97-AF65-F5344CB8AC3E}">
-        <p14:creationId xmlns:p14="http://schemas.microsoft.com/office/powerpoint/2010/main" val="662772235"/>
-      </p:ext>
-    </p:extLst>
-  </p:cSld>
-  <p:clrMapOvr>
-    <a:masterClrMapping/>
-  </p:clrMapOvr>
-  <p:timing>
-    <p:tnLst>
-      <p:par>
-        <p:cTn id="1" dur="indefinite" restart="never" nodeType="tmRoot"/>
-      </p:par>
-    </p:tnLst>
-  </p:timing>
-</p:sld>
-</file>
-
-<file path=ppt/slides/slide3.xml><?xml version="1.0" encoding="utf-8"?>
 <p:sld xmlns:a="http://schemas.openxmlformats.org/drawingml/2006/main" xmlns:r="http://schemas.openxmlformats.org/officeDocument/2006/relationships" xmlns:p="http://schemas.openxmlformats.org/presentationml/2006/main">
   <p:cSld>
     <p:spTree>
@@ -7237,7 +7583,7 @@
 </p:sld>
 </file>
 
-<file path=ppt/slides/slide4.xml><?xml version="1.0" encoding="utf-8"?>
+<file path=ppt/slides/slide3.xml><?xml version="1.0" encoding="utf-8"?>
 <p:sld xmlns:a="http://schemas.openxmlformats.org/drawingml/2006/main" xmlns:r="http://schemas.openxmlformats.org/officeDocument/2006/relationships" xmlns:p="http://schemas.openxmlformats.org/presentationml/2006/main">
   <p:cSld>
     <p:spTree>
@@ -7361,7 +7707,7 @@
 </p:sld>
 </file>
 
-<file path=ppt/slides/slide5.xml><?xml version="1.0" encoding="utf-8"?>
+<file path=ppt/slides/slide4.xml><?xml version="1.0" encoding="utf-8"?>
 <p:sld xmlns:a="http://schemas.openxmlformats.org/drawingml/2006/main" xmlns:r="http://schemas.openxmlformats.org/officeDocument/2006/relationships" xmlns:p="http://schemas.openxmlformats.org/presentationml/2006/main">
   <p:cSld>
     <p:spTree>

--- a/doc/pres-prudsys.pptx
+++ b/doc/pres-prudsys.pptx
@@ -1196,6 +1196,13 @@
         </dgm:presLayoutVars>
       </dgm:prSet>
       <dgm:spPr/>
+      <dgm:t>
+        <a:bodyPr/>
+        <a:lstStyle/>
+        <a:p>
+          <a:endParaRPr lang="en-US"/>
+        </a:p>
+      </dgm:t>
     </dgm:pt>
     <dgm:pt modelId="{983A1CE5-54B5-42A9-A81E-B560825070E8}" type="pres">
       <dgm:prSet presAssocID="{15F89E0B-4147-4C18-A6D6-9D074BCFE1C5}" presName="node" presStyleLbl="node1" presStyleIdx="0" presStyleCnt="4">
@@ -1204,14 +1211,35 @@
         </dgm:presLayoutVars>
       </dgm:prSet>
       <dgm:spPr/>
+      <dgm:t>
+        <a:bodyPr/>
+        <a:lstStyle/>
+        <a:p>
+          <a:endParaRPr lang="en-US"/>
+        </a:p>
+      </dgm:t>
     </dgm:pt>
     <dgm:pt modelId="{7F36E413-CF9C-420C-8807-4857F82F70AF}" type="pres">
       <dgm:prSet presAssocID="{AE6EA62D-1259-47DC-B9C2-D732FC01A4C0}" presName="sibTrans" presStyleLbl="sibTrans2D1" presStyleIdx="0" presStyleCnt="3"/>
       <dgm:spPr/>
+      <dgm:t>
+        <a:bodyPr/>
+        <a:lstStyle/>
+        <a:p>
+          <a:endParaRPr lang="en-US"/>
+        </a:p>
+      </dgm:t>
     </dgm:pt>
     <dgm:pt modelId="{AB566722-5614-4FF7-B093-89C6233992F7}" type="pres">
       <dgm:prSet presAssocID="{AE6EA62D-1259-47DC-B9C2-D732FC01A4C0}" presName="connectorText" presStyleLbl="sibTrans2D1" presStyleIdx="0" presStyleCnt="3"/>
       <dgm:spPr/>
+      <dgm:t>
+        <a:bodyPr/>
+        <a:lstStyle/>
+        <a:p>
+          <a:endParaRPr lang="en-US"/>
+        </a:p>
+      </dgm:t>
     </dgm:pt>
     <dgm:pt modelId="{4B1B6C31-A6F1-475D-87FC-09A1958D6645}" type="pres">
       <dgm:prSet presAssocID="{99E60159-F719-48E5-9EBC-E36EE0F20079}" presName="node" presStyleLbl="node1" presStyleIdx="1" presStyleCnt="4">
@@ -1220,14 +1248,35 @@
         </dgm:presLayoutVars>
       </dgm:prSet>
       <dgm:spPr/>
+      <dgm:t>
+        <a:bodyPr/>
+        <a:lstStyle/>
+        <a:p>
+          <a:endParaRPr lang="en-US"/>
+        </a:p>
+      </dgm:t>
     </dgm:pt>
     <dgm:pt modelId="{8485AA87-7A55-40A6-8DD6-7ABFAB47EE33}" type="pres">
       <dgm:prSet presAssocID="{25C6851C-E80E-429B-84A6-8BAA2C1977F5}" presName="sibTrans" presStyleLbl="sibTrans2D1" presStyleIdx="1" presStyleCnt="3"/>
       <dgm:spPr/>
+      <dgm:t>
+        <a:bodyPr/>
+        <a:lstStyle/>
+        <a:p>
+          <a:endParaRPr lang="en-US"/>
+        </a:p>
+      </dgm:t>
     </dgm:pt>
     <dgm:pt modelId="{F5D9A138-AC39-4251-927F-C7B9FC860287}" type="pres">
       <dgm:prSet presAssocID="{25C6851C-E80E-429B-84A6-8BAA2C1977F5}" presName="connectorText" presStyleLbl="sibTrans2D1" presStyleIdx="1" presStyleCnt="3"/>
       <dgm:spPr/>
+      <dgm:t>
+        <a:bodyPr/>
+        <a:lstStyle/>
+        <a:p>
+          <a:endParaRPr lang="en-US"/>
+        </a:p>
+      </dgm:t>
     </dgm:pt>
     <dgm:pt modelId="{4693E9C8-FB29-4BAC-AD6C-70620E8075D3}" type="pres">
       <dgm:prSet presAssocID="{CA8D0DFA-92B4-4AC3-B73B-8007921EA258}" presName="node" presStyleLbl="node1" presStyleIdx="2" presStyleCnt="4">
@@ -1247,10 +1296,24 @@
     <dgm:pt modelId="{EE542BFE-AEC8-432C-926C-28EEE1B1DD53}" type="pres">
       <dgm:prSet presAssocID="{174BCD73-6F47-4880-B8F9-22CF9C3D6E51}" presName="sibTrans" presStyleLbl="sibTrans2D1" presStyleIdx="2" presStyleCnt="3"/>
       <dgm:spPr/>
+      <dgm:t>
+        <a:bodyPr/>
+        <a:lstStyle/>
+        <a:p>
+          <a:endParaRPr lang="en-US"/>
+        </a:p>
+      </dgm:t>
     </dgm:pt>
     <dgm:pt modelId="{5E6F1F2B-D117-42D3-A2D7-4A49526DFA54}" type="pres">
       <dgm:prSet presAssocID="{174BCD73-6F47-4880-B8F9-22CF9C3D6E51}" presName="connectorText" presStyleLbl="sibTrans2D1" presStyleIdx="2" presStyleCnt="3"/>
       <dgm:spPr/>
+      <dgm:t>
+        <a:bodyPr/>
+        <a:lstStyle/>
+        <a:p>
+          <a:endParaRPr lang="en-US"/>
+        </a:p>
+      </dgm:t>
     </dgm:pt>
     <dgm:pt modelId="{864E56A6-9908-4E74-B951-1FDD023423A9}" type="pres">
       <dgm:prSet presAssocID="{BF616858-2975-4F52-825D-3BC51AC7C44B}" presName="node" presStyleLbl="node1" presStyleIdx="3" presStyleCnt="4">
@@ -1270,20 +1333,20 @@
   </dgm:ptLst>
   <dgm:cxnLst>
     <dgm:cxn modelId="{63C28DD9-53B9-4877-B598-306F4E6DC740}" srcId="{EB00BD1B-7301-428A-8817-3BFF72DB34C9}" destId="{BF616858-2975-4F52-825D-3BC51AC7C44B}" srcOrd="3" destOrd="0" parTransId="{BA04BEBA-295D-4503-AFE7-24DAA2FCD8D1}" sibTransId="{D33367AC-B01A-4D87-AA55-183B245AB586}"/>
-    <dgm:cxn modelId="{FF6A9E21-4BDA-43F0-890E-09CDC09097B4}" type="presOf" srcId="{25C6851C-E80E-429B-84A6-8BAA2C1977F5}" destId="{F5D9A138-AC39-4251-927F-C7B9FC860287}" srcOrd="1" destOrd="0" presId="urn:microsoft.com/office/officeart/2005/8/layout/process5"/>
-    <dgm:cxn modelId="{DDD45F40-5393-4069-B28D-F13EBA2524AB}" type="presOf" srcId="{CA8D0DFA-92B4-4AC3-B73B-8007921EA258}" destId="{4693E9C8-FB29-4BAC-AD6C-70620E8075D3}" srcOrd="0" destOrd="0" presId="urn:microsoft.com/office/officeart/2005/8/layout/process5"/>
-    <dgm:cxn modelId="{8AF6FE36-87BB-4BAE-9437-6EA1FFE3D02D}" type="presOf" srcId="{99E60159-F719-48E5-9EBC-E36EE0F20079}" destId="{4B1B6C31-A6F1-475D-87FC-09A1958D6645}" srcOrd="0" destOrd="0" presId="urn:microsoft.com/office/officeart/2005/8/layout/process5"/>
+    <dgm:cxn modelId="{BC1CDD21-D598-4557-B944-AF600D20994B}" type="presOf" srcId="{15F89E0B-4147-4C18-A6D6-9D074BCFE1C5}" destId="{983A1CE5-54B5-42A9-A81E-B560825070E8}" srcOrd="0" destOrd="0" presId="urn:microsoft.com/office/officeart/2005/8/layout/process5"/>
     <dgm:cxn modelId="{F2C06B11-B30D-4FE8-AEAC-1A71296120B1}" type="presOf" srcId="{174BCD73-6F47-4880-B8F9-22CF9C3D6E51}" destId="{EE542BFE-AEC8-432C-926C-28EEE1B1DD53}" srcOrd="0" destOrd="0" presId="urn:microsoft.com/office/officeart/2005/8/layout/process5"/>
-    <dgm:cxn modelId="{ACE55A73-1E51-43D8-B8E6-538BDBF66844}" type="presOf" srcId="{174BCD73-6F47-4880-B8F9-22CF9C3D6E51}" destId="{5E6F1F2B-D117-42D3-A2D7-4A49526DFA54}" srcOrd="1" destOrd="0" presId="urn:microsoft.com/office/officeart/2005/8/layout/process5"/>
-    <dgm:cxn modelId="{E054317A-550B-441E-BB46-804A7E7F3808}" type="presOf" srcId="{AE6EA62D-1259-47DC-B9C2-D732FC01A4C0}" destId="{AB566722-5614-4FF7-B093-89C6233992F7}" srcOrd="1" destOrd="0" presId="urn:microsoft.com/office/officeart/2005/8/layout/process5"/>
+    <dgm:cxn modelId="{004CFCD9-F4D1-4FC5-904F-EF20D9F4D27A}" type="presOf" srcId="{25C6851C-E80E-429B-84A6-8BAA2C1977F5}" destId="{8485AA87-7A55-40A6-8DD6-7ABFAB47EE33}" srcOrd="0" destOrd="0" presId="urn:microsoft.com/office/officeart/2005/8/layout/process5"/>
+    <dgm:cxn modelId="{2F121697-DB4F-412E-9435-832545460A03}" srcId="{EB00BD1B-7301-428A-8817-3BFF72DB34C9}" destId="{15F89E0B-4147-4C18-A6D6-9D074BCFE1C5}" srcOrd="0" destOrd="0" parTransId="{69CF8F3F-B9BF-4CE2-85CC-29BE743338AD}" sibTransId="{AE6EA62D-1259-47DC-B9C2-D732FC01A4C0}"/>
     <dgm:cxn modelId="{12DBF19D-E2C1-4DF8-83DD-6F0229FD962E}" type="presOf" srcId="{BF616858-2975-4F52-825D-3BC51AC7C44B}" destId="{864E56A6-9908-4E74-B951-1FDD023423A9}" srcOrd="0" destOrd="0" presId="urn:microsoft.com/office/officeart/2005/8/layout/process5"/>
     <dgm:cxn modelId="{BE45BB5B-12D8-43AE-B6E4-7538E4149147}" srcId="{EB00BD1B-7301-428A-8817-3BFF72DB34C9}" destId="{99E60159-F719-48E5-9EBC-E36EE0F20079}" srcOrd="1" destOrd="0" parTransId="{6290A01A-A9AF-44ED-B1BE-075CD24FBB5A}" sibTransId="{25C6851C-E80E-429B-84A6-8BAA2C1977F5}"/>
     <dgm:cxn modelId="{35B985BD-068C-4C82-A92A-9A49F38DDEC4}" type="presOf" srcId="{EB00BD1B-7301-428A-8817-3BFF72DB34C9}" destId="{ED8CB579-42AE-411B-9018-46136E6EB0FB}" srcOrd="0" destOrd="0" presId="urn:microsoft.com/office/officeart/2005/8/layout/process5"/>
     <dgm:cxn modelId="{1135C784-48E3-40C0-8775-20484ED7E245}" type="presOf" srcId="{AE6EA62D-1259-47DC-B9C2-D732FC01A4C0}" destId="{7F36E413-CF9C-420C-8807-4857F82F70AF}" srcOrd="0" destOrd="0" presId="urn:microsoft.com/office/officeart/2005/8/layout/process5"/>
-    <dgm:cxn modelId="{BC1CDD21-D598-4557-B944-AF600D20994B}" type="presOf" srcId="{15F89E0B-4147-4C18-A6D6-9D074BCFE1C5}" destId="{983A1CE5-54B5-42A9-A81E-B560825070E8}" srcOrd="0" destOrd="0" presId="urn:microsoft.com/office/officeart/2005/8/layout/process5"/>
+    <dgm:cxn modelId="{8AF6FE36-87BB-4BAE-9437-6EA1FFE3D02D}" type="presOf" srcId="{99E60159-F719-48E5-9EBC-E36EE0F20079}" destId="{4B1B6C31-A6F1-475D-87FC-09A1958D6645}" srcOrd="0" destOrd="0" presId="urn:microsoft.com/office/officeart/2005/8/layout/process5"/>
+    <dgm:cxn modelId="{DDD45F40-5393-4069-B28D-F13EBA2524AB}" type="presOf" srcId="{CA8D0DFA-92B4-4AC3-B73B-8007921EA258}" destId="{4693E9C8-FB29-4BAC-AD6C-70620E8075D3}" srcOrd="0" destOrd="0" presId="urn:microsoft.com/office/officeart/2005/8/layout/process5"/>
+    <dgm:cxn modelId="{E054317A-550B-441E-BB46-804A7E7F3808}" type="presOf" srcId="{AE6EA62D-1259-47DC-B9C2-D732FC01A4C0}" destId="{AB566722-5614-4FF7-B093-89C6233992F7}" srcOrd="1" destOrd="0" presId="urn:microsoft.com/office/officeart/2005/8/layout/process5"/>
     <dgm:cxn modelId="{7549B8E4-462C-45FE-B353-22C60DD54C16}" srcId="{EB00BD1B-7301-428A-8817-3BFF72DB34C9}" destId="{CA8D0DFA-92B4-4AC3-B73B-8007921EA258}" srcOrd="2" destOrd="0" parTransId="{6533984C-AFB6-404C-9101-21723A021D21}" sibTransId="{174BCD73-6F47-4880-B8F9-22CF9C3D6E51}"/>
-    <dgm:cxn modelId="{004CFCD9-F4D1-4FC5-904F-EF20D9F4D27A}" type="presOf" srcId="{25C6851C-E80E-429B-84A6-8BAA2C1977F5}" destId="{8485AA87-7A55-40A6-8DD6-7ABFAB47EE33}" srcOrd="0" destOrd="0" presId="urn:microsoft.com/office/officeart/2005/8/layout/process5"/>
-    <dgm:cxn modelId="{2F121697-DB4F-412E-9435-832545460A03}" srcId="{EB00BD1B-7301-428A-8817-3BFF72DB34C9}" destId="{15F89E0B-4147-4C18-A6D6-9D074BCFE1C5}" srcOrd="0" destOrd="0" parTransId="{69CF8F3F-B9BF-4CE2-85CC-29BE743338AD}" sibTransId="{AE6EA62D-1259-47DC-B9C2-D732FC01A4C0}"/>
+    <dgm:cxn modelId="{ACE55A73-1E51-43D8-B8E6-538BDBF66844}" type="presOf" srcId="{174BCD73-6F47-4880-B8F9-22CF9C3D6E51}" destId="{5E6F1F2B-D117-42D3-A2D7-4A49526DFA54}" srcOrd="1" destOrd="0" presId="urn:microsoft.com/office/officeart/2005/8/layout/process5"/>
+    <dgm:cxn modelId="{FF6A9E21-4BDA-43F0-890E-09CDC09097B4}" type="presOf" srcId="{25C6851C-E80E-429B-84A6-8BAA2C1977F5}" destId="{F5D9A138-AC39-4251-927F-C7B9FC860287}" srcOrd="1" destOrd="0" presId="urn:microsoft.com/office/officeart/2005/8/layout/process5"/>
     <dgm:cxn modelId="{E6B550C2-2877-45C0-97F5-EB811EB51CBB}" type="presParOf" srcId="{ED8CB579-42AE-411B-9018-46136E6EB0FB}" destId="{983A1CE5-54B5-42A9-A81E-B560825070E8}" srcOrd="0" destOrd="0" presId="urn:microsoft.com/office/officeart/2005/8/layout/process5"/>
     <dgm:cxn modelId="{E504A654-75FE-4632-B41C-0E20CBB3E010}" type="presParOf" srcId="{ED8CB579-42AE-411B-9018-46136E6EB0FB}" destId="{7F36E413-CF9C-420C-8807-4857F82F70AF}" srcOrd="1" destOrd="0" presId="urn:microsoft.com/office/officeart/2005/8/layout/process5"/>
     <dgm:cxn modelId="{D061CDB1-4549-4229-9EEF-B61A14E2E4CF}" type="presParOf" srcId="{7F36E413-CF9C-420C-8807-4857F82F70AF}" destId="{AB566722-5614-4FF7-B093-89C6233992F7}" srcOrd="0" destOrd="0" presId="urn:microsoft.com/office/officeart/2005/8/layout/process5"/>
@@ -3166,7 +3229,7 @@
             <a:fld id="{A32DC80D-291A-4ABB-A78B-0417274A267C}" type="datetime4">
               <a:rPr lang="de-DE"/>
               <a:pPr/>
-              <a:t>24. Mai 2014</a:t>
+              <a:t>25. Mai 2014</a:t>
             </a:fld>
             <a:endParaRPr lang="de-DE"/>
           </a:p>
@@ -3551,7 +3614,7 @@
             <a:fld id="{065B079B-E513-489A-8A1B-D7C78493EA86}" type="datetime4">
               <a:rPr lang="de-DE"/>
               <a:pPr/>
-              <a:t>24. Mai 2014</a:t>
+              <a:t>25. Mai 2014</a:t>
             </a:fld>
             <a:endParaRPr lang="de-DE"/>
           </a:p>
@@ -4626,7 +4689,7 @@
                 <a:tabLst/>
                 <a:defRPr/>
               </a:pPr>
-              <a:t>24.05.2014</a:t>
+              <a:t>25.05.2014</a:t>
             </a:fld>
             <a:r>
               <a:rPr kumimoji="0" lang="de-DE" sz="1000" b="0" i="0" u="none" strike="noStrike" kern="1200" cap="none" spc="0" normalizeH="0" baseline="0" noProof="0" dirty="0" smtClean="0">
@@ -6117,7 +6180,7 @@
                 <a:tabLst/>
                 <a:defRPr/>
               </a:pPr>
-              <a:t>24.05.2014</a:t>
+              <a:t>25.05.2014</a:t>
             </a:fld>
             <a:r>
               <a:rPr kumimoji="0" lang="de-DE" sz="1000" b="0" i="0" u="none" strike="noStrike" kern="1200" cap="none" spc="0" normalizeH="0" baseline="0" noProof="0" dirty="0" smtClean="0">
@@ -6702,8 +6765,8 @@
         </p:blipFill>
         <p:spPr>
           <a:xfrm>
-            <a:off x="3638254" y="4401655"/>
-            <a:ext cx="2229890" cy="1691641"/>
+            <a:off x="3851920" y="4836880"/>
+            <a:ext cx="1656184" cy="1256416"/>
           </a:xfrm>
           <a:prstGeom prst="rect">
             <a:avLst/>
@@ -7449,7 +7512,6 @@
               <a:rPr lang="en-US" sz="1800" b="0" dirty="0"/>
               <a:t>Christian Wirth</a:t>
             </a:r>
-            <a:endParaRPr lang="en-US" sz="1800" b="0" dirty="0"/>
           </a:p>
         </p:txBody>
       </p:sp>

--- a/doc/pres-prudsys.pptx
+++ b/doc/pres-prudsys.pptx
@@ -931,6 +931,881 @@
     <dgm:linClrLst meth="repeat">
       <a:schemeClr val="accent4">
         <a:tint val="50000"/>
+      </a:schemeClr>
+    </dgm:linClrLst>
+    <dgm:effectClrLst/>
+    <dgm:txLinClrLst/>
+    <dgm:txFillClrLst meth="repeat">
+      <a:schemeClr val="dk1"/>
+    </dgm:txFillClrLst>
+    <dgm:txEffectClrLst/>
+  </dgm:styleLbl>
+  <dgm:styleLbl name="bgShp">
+    <dgm:fillClrLst meth="repeat">
+      <a:schemeClr val="accent4">
+        <a:tint val="40000"/>
+      </a:schemeClr>
+    </dgm:fillClrLst>
+    <dgm:linClrLst meth="repeat">
+      <a:schemeClr val="dk1"/>
+    </dgm:linClrLst>
+    <dgm:effectClrLst/>
+    <dgm:txLinClrLst/>
+    <dgm:txFillClrLst meth="repeat">
+      <a:schemeClr val="dk1"/>
+    </dgm:txFillClrLst>
+    <dgm:txEffectClrLst/>
+  </dgm:styleLbl>
+  <dgm:styleLbl name="dkBgShp">
+    <dgm:fillClrLst meth="repeat">
+      <a:schemeClr val="accent4">
+        <a:shade val="90000"/>
+      </a:schemeClr>
+    </dgm:fillClrLst>
+    <dgm:linClrLst meth="repeat">
+      <a:schemeClr val="dk1"/>
+    </dgm:linClrLst>
+    <dgm:effectClrLst/>
+    <dgm:txLinClrLst/>
+    <dgm:txFillClrLst meth="repeat">
+      <a:schemeClr val="lt1"/>
+    </dgm:txFillClrLst>
+    <dgm:txEffectClrLst/>
+  </dgm:styleLbl>
+  <dgm:styleLbl name="trBgShp">
+    <dgm:fillClrLst meth="repeat">
+      <a:schemeClr val="accent4">
+        <a:tint val="50000"/>
+        <a:alpha val="40000"/>
+      </a:schemeClr>
+    </dgm:fillClrLst>
+    <dgm:linClrLst meth="repeat">
+      <a:schemeClr val="accent4"/>
+    </dgm:linClrLst>
+    <dgm:effectClrLst/>
+    <dgm:txLinClrLst/>
+    <dgm:txFillClrLst meth="repeat">
+      <a:schemeClr val="lt1"/>
+    </dgm:txFillClrLst>
+    <dgm:txEffectClrLst/>
+  </dgm:styleLbl>
+  <dgm:styleLbl name="fgShp">
+    <dgm:fillClrLst meth="repeat">
+      <a:schemeClr val="accent4">
+        <a:tint val="40000"/>
+      </a:schemeClr>
+    </dgm:fillClrLst>
+    <dgm:linClrLst meth="repeat">
+      <a:schemeClr val="lt1"/>
+    </dgm:linClrLst>
+    <dgm:effectClrLst/>
+    <dgm:txLinClrLst/>
+    <dgm:txFillClrLst meth="repeat">
+      <a:schemeClr val="dk1"/>
+    </dgm:txFillClrLst>
+    <dgm:txEffectClrLst/>
+  </dgm:styleLbl>
+  <dgm:styleLbl name="revTx">
+    <dgm:fillClrLst meth="repeat">
+      <a:schemeClr val="lt1">
+        <a:alpha val="0"/>
+      </a:schemeClr>
+    </dgm:fillClrLst>
+    <dgm:linClrLst meth="repeat">
+      <a:schemeClr val="dk1">
+        <a:alpha val="0"/>
+      </a:schemeClr>
+    </dgm:linClrLst>
+    <dgm:effectClrLst/>
+    <dgm:txLinClrLst/>
+    <dgm:txFillClrLst meth="repeat">
+      <a:schemeClr val="tx1"/>
+    </dgm:txFillClrLst>
+    <dgm:txEffectClrLst/>
+  </dgm:styleLbl>
+</dgm:colorsDef>
+</file>
+
+<file path=ppt/diagrams/colors2.xml><?xml version="1.0" encoding="utf-8"?>
+<dgm:colorsDef xmlns:dgm="http://schemas.openxmlformats.org/drawingml/2006/diagram" xmlns:a="http://schemas.openxmlformats.org/drawingml/2006/main" uniqueId="urn:microsoft.com/office/officeart/2005/8/colors/accent4_3">
+  <dgm:title val=""/>
+  <dgm:desc val=""/>
+  <dgm:catLst>
+    <dgm:cat type="accent4" pri="11300"/>
+  </dgm:catLst>
+  <dgm:styleLbl name="node0">
+    <dgm:fillClrLst meth="repeat">
+      <a:schemeClr val="accent4">
+        <a:shade val="80000"/>
+      </a:schemeClr>
+    </dgm:fillClrLst>
+    <dgm:linClrLst meth="repeat">
+      <a:schemeClr val="lt1"/>
+    </dgm:linClrLst>
+    <dgm:effectClrLst/>
+    <dgm:txLinClrLst/>
+    <dgm:txFillClrLst/>
+    <dgm:txEffectClrLst/>
+  </dgm:styleLbl>
+  <dgm:styleLbl name="node1">
+    <dgm:fillClrLst>
+      <a:schemeClr val="accent4">
+        <a:shade val="80000"/>
+      </a:schemeClr>
+      <a:schemeClr val="accent4">
+        <a:tint val="70000"/>
+      </a:schemeClr>
+    </dgm:fillClrLst>
+    <dgm:linClrLst meth="repeat">
+      <a:schemeClr val="lt1"/>
+    </dgm:linClrLst>
+    <dgm:effectClrLst/>
+    <dgm:txLinClrLst/>
+    <dgm:txFillClrLst/>
+    <dgm:txEffectClrLst/>
+  </dgm:styleLbl>
+  <dgm:styleLbl name="alignNode1">
+    <dgm:fillClrLst>
+      <a:schemeClr val="accent4">
+        <a:shade val="80000"/>
+      </a:schemeClr>
+      <a:schemeClr val="accent4">
+        <a:tint val="70000"/>
+      </a:schemeClr>
+    </dgm:fillClrLst>
+    <dgm:linClrLst>
+      <a:schemeClr val="accent4">
+        <a:shade val="80000"/>
+      </a:schemeClr>
+      <a:schemeClr val="accent4">
+        <a:tint val="70000"/>
+      </a:schemeClr>
+    </dgm:linClrLst>
+    <dgm:effectClrLst/>
+    <dgm:txLinClrLst/>
+    <dgm:txFillClrLst/>
+    <dgm:txEffectClrLst/>
+  </dgm:styleLbl>
+  <dgm:styleLbl name="lnNode1">
+    <dgm:fillClrLst>
+      <a:schemeClr val="accent4">
+        <a:shade val="80000"/>
+      </a:schemeClr>
+      <a:schemeClr val="accent4">
+        <a:tint val="70000"/>
+      </a:schemeClr>
+    </dgm:fillClrLst>
+    <dgm:linClrLst meth="repeat">
+      <a:schemeClr val="lt1"/>
+    </dgm:linClrLst>
+    <dgm:effectClrLst/>
+    <dgm:txLinClrLst/>
+    <dgm:txFillClrLst/>
+    <dgm:txEffectClrLst/>
+  </dgm:styleLbl>
+  <dgm:styleLbl name="vennNode1">
+    <dgm:fillClrLst>
+      <a:schemeClr val="accent4">
+        <a:shade val="80000"/>
+        <a:alpha val="50000"/>
+      </a:schemeClr>
+      <a:schemeClr val="accent4">
+        <a:tint val="70000"/>
+        <a:alpha val="50000"/>
+      </a:schemeClr>
+    </dgm:fillClrLst>
+    <dgm:linClrLst meth="repeat">
+      <a:schemeClr val="lt1"/>
+    </dgm:linClrLst>
+    <dgm:effectClrLst/>
+    <dgm:txLinClrLst/>
+    <dgm:txFillClrLst/>
+    <dgm:txEffectClrLst/>
+  </dgm:styleLbl>
+  <dgm:styleLbl name="node2">
+    <dgm:fillClrLst>
+      <a:schemeClr val="accent4">
+        <a:tint val="99000"/>
+      </a:schemeClr>
+    </dgm:fillClrLst>
+    <dgm:linClrLst meth="repeat">
+      <a:schemeClr val="lt1"/>
+    </dgm:linClrLst>
+    <dgm:effectClrLst/>
+    <dgm:txLinClrLst/>
+    <dgm:txFillClrLst/>
+    <dgm:txEffectClrLst/>
+  </dgm:styleLbl>
+  <dgm:styleLbl name="node3">
+    <dgm:fillClrLst>
+      <a:schemeClr val="accent4">
+        <a:tint val="80000"/>
+      </a:schemeClr>
+    </dgm:fillClrLst>
+    <dgm:linClrLst meth="repeat">
+      <a:schemeClr val="lt1"/>
+    </dgm:linClrLst>
+    <dgm:effectClrLst/>
+    <dgm:txLinClrLst/>
+    <dgm:txFillClrLst/>
+    <dgm:txEffectClrLst/>
+  </dgm:styleLbl>
+  <dgm:styleLbl name="node4">
+    <dgm:fillClrLst>
+      <a:schemeClr val="accent4">
+        <a:tint val="70000"/>
+      </a:schemeClr>
+    </dgm:fillClrLst>
+    <dgm:linClrLst meth="repeat">
+      <a:schemeClr val="lt1"/>
+    </dgm:linClrLst>
+    <dgm:effectClrLst/>
+    <dgm:txLinClrLst/>
+    <dgm:txFillClrLst/>
+    <dgm:txEffectClrLst/>
+  </dgm:styleLbl>
+  <dgm:styleLbl name="fgImgPlace1">
+    <dgm:fillClrLst>
+      <a:schemeClr val="accent4">
+        <a:tint val="50000"/>
+      </a:schemeClr>
+      <a:schemeClr val="accent4">
+        <a:tint val="20000"/>
+      </a:schemeClr>
+    </dgm:fillClrLst>
+    <dgm:linClrLst meth="repeat">
+      <a:schemeClr val="lt1"/>
+    </dgm:linClrLst>
+    <dgm:effectClrLst/>
+    <dgm:txLinClrLst/>
+    <dgm:txFillClrLst meth="repeat">
+      <a:schemeClr val="lt1"/>
+    </dgm:txFillClrLst>
+    <dgm:txEffectClrLst/>
+  </dgm:styleLbl>
+  <dgm:styleLbl name="alignImgPlace1">
+    <dgm:fillClrLst>
+      <a:schemeClr val="accent4">
+        <a:tint val="50000"/>
+      </a:schemeClr>
+      <a:schemeClr val="accent4">
+        <a:tint val="20000"/>
+      </a:schemeClr>
+    </dgm:fillClrLst>
+    <dgm:linClrLst meth="repeat">
+      <a:schemeClr val="lt1"/>
+    </dgm:linClrLst>
+    <dgm:effectClrLst/>
+    <dgm:txLinClrLst/>
+    <dgm:txFillClrLst meth="repeat">
+      <a:schemeClr val="lt1"/>
+    </dgm:txFillClrLst>
+    <dgm:txEffectClrLst/>
+  </dgm:styleLbl>
+  <dgm:styleLbl name="bgImgPlace1">
+    <dgm:fillClrLst>
+      <a:schemeClr val="accent4">
+        <a:tint val="50000"/>
+      </a:schemeClr>
+      <a:schemeClr val="accent4">
+        <a:tint val="20000"/>
+      </a:schemeClr>
+    </dgm:fillClrLst>
+    <dgm:linClrLst meth="repeat">
+      <a:schemeClr val="lt1"/>
+    </dgm:linClrLst>
+    <dgm:effectClrLst/>
+    <dgm:txLinClrLst/>
+    <dgm:txFillClrLst meth="repeat">
+      <a:schemeClr val="lt1"/>
+    </dgm:txFillClrLst>
+    <dgm:txEffectClrLst/>
+  </dgm:styleLbl>
+  <dgm:styleLbl name="sibTrans2D1">
+    <dgm:fillClrLst>
+      <a:schemeClr val="accent4">
+        <a:shade val="90000"/>
+      </a:schemeClr>
+      <a:schemeClr val="accent4">
+        <a:tint val="70000"/>
+      </a:schemeClr>
+    </dgm:fillClrLst>
+    <dgm:linClrLst>
+      <a:schemeClr val="accent4">
+        <a:shade val="90000"/>
+      </a:schemeClr>
+      <a:schemeClr val="accent4">
+        <a:tint val="70000"/>
+      </a:schemeClr>
+    </dgm:linClrLst>
+    <dgm:effectClrLst/>
+    <dgm:txLinClrLst/>
+    <dgm:txFillClrLst/>
+    <dgm:txEffectClrLst/>
+  </dgm:styleLbl>
+  <dgm:styleLbl name="fgSibTrans2D1">
+    <dgm:fillClrLst>
+      <a:schemeClr val="accent4">
+        <a:shade val="90000"/>
+      </a:schemeClr>
+      <a:schemeClr val="accent4">
+        <a:tint val="70000"/>
+      </a:schemeClr>
+    </dgm:fillClrLst>
+    <dgm:linClrLst>
+      <a:schemeClr val="accent4">
+        <a:shade val="90000"/>
+      </a:schemeClr>
+      <a:schemeClr val="accent4">
+        <a:tint val="70000"/>
+      </a:schemeClr>
+    </dgm:linClrLst>
+    <dgm:effectClrLst/>
+    <dgm:txLinClrLst/>
+    <dgm:txFillClrLst meth="repeat">
+      <a:schemeClr val="lt1"/>
+    </dgm:txFillClrLst>
+    <dgm:txEffectClrLst/>
+  </dgm:styleLbl>
+  <dgm:styleLbl name="bgSibTrans2D1">
+    <dgm:fillClrLst>
+      <a:schemeClr val="accent4">
+        <a:shade val="90000"/>
+      </a:schemeClr>
+      <a:schemeClr val="accent4">
+        <a:tint val="70000"/>
+      </a:schemeClr>
+    </dgm:fillClrLst>
+    <dgm:linClrLst>
+      <a:schemeClr val="accent4">
+        <a:shade val="90000"/>
+      </a:schemeClr>
+      <a:schemeClr val="accent4">
+        <a:tint val="70000"/>
+      </a:schemeClr>
+    </dgm:linClrLst>
+    <dgm:effectClrLst/>
+    <dgm:txLinClrLst/>
+    <dgm:txFillClrLst meth="repeat">
+      <a:schemeClr val="lt1"/>
+    </dgm:txFillClrLst>
+    <dgm:txEffectClrLst/>
+  </dgm:styleLbl>
+  <dgm:styleLbl name="sibTrans1D1">
+    <dgm:fillClrLst>
+      <a:schemeClr val="accent4">
+        <a:shade val="90000"/>
+      </a:schemeClr>
+      <a:schemeClr val="accent4">
+        <a:tint val="70000"/>
+      </a:schemeClr>
+    </dgm:fillClrLst>
+    <dgm:linClrLst>
+      <a:schemeClr val="accent4">
+        <a:shade val="90000"/>
+      </a:schemeClr>
+      <a:schemeClr val="accent4">
+        <a:tint val="70000"/>
+      </a:schemeClr>
+    </dgm:linClrLst>
+    <dgm:effectClrLst/>
+    <dgm:txLinClrLst/>
+    <dgm:txFillClrLst meth="repeat">
+      <a:schemeClr val="tx1"/>
+    </dgm:txFillClrLst>
+    <dgm:txEffectClrLst/>
+  </dgm:styleLbl>
+  <dgm:styleLbl name="callout">
+    <dgm:fillClrLst meth="repeat">
+      <a:schemeClr val="accent4"/>
+    </dgm:fillClrLst>
+    <dgm:linClrLst meth="repeat">
+      <a:schemeClr val="accent4"/>
+    </dgm:linClrLst>
+    <dgm:effectClrLst/>
+    <dgm:txLinClrLst/>
+    <dgm:txFillClrLst meth="repeat">
+      <a:schemeClr val="tx1"/>
+    </dgm:txFillClrLst>
+    <dgm:txEffectClrLst/>
+  </dgm:styleLbl>
+  <dgm:styleLbl name="asst0">
+    <dgm:fillClrLst meth="repeat">
+      <a:schemeClr val="accent4">
+        <a:shade val="80000"/>
+      </a:schemeClr>
+    </dgm:fillClrLst>
+    <dgm:linClrLst meth="repeat">
+      <a:schemeClr val="lt1"/>
+    </dgm:linClrLst>
+    <dgm:effectClrLst/>
+    <dgm:txLinClrLst/>
+    <dgm:txFillClrLst/>
+    <dgm:txEffectClrLst/>
+  </dgm:styleLbl>
+  <dgm:styleLbl name="asst1">
+    <dgm:fillClrLst meth="repeat">
+      <a:schemeClr val="accent4">
+        <a:shade val="80000"/>
+      </a:schemeClr>
+    </dgm:fillClrLst>
+    <dgm:linClrLst meth="repeat">
+      <a:schemeClr val="lt1"/>
+    </dgm:linClrLst>
+    <dgm:effectClrLst/>
+    <dgm:txLinClrLst/>
+    <dgm:txFillClrLst/>
+    <dgm:txEffectClrLst/>
+  </dgm:styleLbl>
+  <dgm:styleLbl name="asst2">
+    <dgm:fillClrLst>
+      <a:schemeClr val="accent4">
+        <a:tint val="99000"/>
+      </a:schemeClr>
+    </dgm:fillClrLst>
+    <dgm:linClrLst meth="repeat">
+      <a:schemeClr val="lt1"/>
+    </dgm:linClrLst>
+    <dgm:effectClrLst/>
+    <dgm:txLinClrLst/>
+    <dgm:txFillClrLst/>
+    <dgm:txEffectClrLst/>
+  </dgm:styleLbl>
+  <dgm:styleLbl name="asst3">
+    <dgm:fillClrLst>
+      <a:schemeClr val="accent4">
+        <a:tint val="80000"/>
+      </a:schemeClr>
+    </dgm:fillClrLst>
+    <dgm:linClrLst meth="repeat">
+      <a:schemeClr val="lt1"/>
+    </dgm:linClrLst>
+    <dgm:effectClrLst/>
+    <dgm:txLinClrLst/>
+    <dgm:txFillClrLst/>
+    <dgm:txEffectClrLst/>
+  </dgm:styleLbl>
+  <dgm:styleLbl name="asst4">
+    <dgm:fillClrLst>
+      <a:schemeClr val="accent4">
+        <a:tint val="70000"/>
+      </a:schemeClr>
+    </dgm:fillClrLst>
+    <dgm:linClrLst meth="repeat">
+      <a:schemeClr val="lt1"/>
+    </dgm:linClrLst>
+    <dgm:effectClrLst/>
+    <dgm:txLinClrLst/>
+    <dgm:txFillClrLst/>
+    <dgm:txEffectClrLst/>
+  </dgm:styleLbl>
+  <dgm:styleLbl name="parChTrans2D1">
+    <dgm:fillClrLst meth="repeat">
+      <a:schemeClr val="accent4">
+        <a:tint val="60000"/>
+      </a:schemeClr>
+    </dgm:fillClrLst>
+    <dgm:linClrLst meth="repeat">
+      <a:schemeClr val="accent4">
+        <a:tint val="60000"/>
+      </a:schemeClr>
+    </dgm:linClrLst>
+    <dgm:effectClrLst/>
+    <dgm:txLinClrLst/>
+    <dgm:txFillClrLst meth="repeat">
+      <a:schemeClr val="lt1"/>
+    </dgm:txFillClrLst>
+    <dgm:txEffectClrLst/>
+  </dgm:styleLbl>
+  <dgm:styleLbl name="parChTrans2D2">
+    <dgm:fillClrLst meth="repeat">
+      <a:schemeClr val="accent4">
+        <a:tint val="90000"/>
+      </a:schemeClr>
+    </dgm:fillClrLst>
+    <dgm:linClrLst meth="repeat">
+      <a:schemeClr val="accent4">
+        <a:tint val="90000"/>
+      </a:schemeClr>
+    </dgm:linClrLst>
+    <dgm:effectClrLst/>
+    <dgm:txLinClrLst/>
+    <dgm:txFillClrLst/>
+    <dgm:txEffectClrLst/>
+  </dgm:styleLbl>
+  <dgm:styleLbl name="parChTrans2D3">
+    <dgm:fillClrLst meth="repeat">
+      <a:schemeClr val="accent4">
+        <a:tint val="70000"/>
+      </a:schemeClr>
+    </dgm:fillClrLst>
+    <dgm:linClrLst meth="repeat">
+      <a:schemeClr val="accent4">
+        <a:tint val="70000"/>
+      </a:schemeClr>
+    </dgm:linClrLst>
+    <dgm:effectClrLst/>
+    <dgm:txLinClrLst/>
+    <dgm:txFillClrLst/>
+    <dgm:txEffectClrLst/>
+  </dgm:styleLbl>
+  <dgm:styleLbl name="parChTrans2D4">
+    <dgm:fillClrLst meth="repeat">
+      <a:schemeClr val="accent4">
+        <a:tint val="50000"/>
+      </a:schemeClr>
+    </dgm:fillClrLst>
+    <dgm:linClrLst meth="repeat">
+      <a:schemeClr val="accent4">
+        <a:tint val="50000"/>
+      </a:schemeClr>
+    </dgm:linClrLst>
+    <dgm:effectClrLst/>
+    <dgm:txLinClrLst/>
+    <dgm:txFillClrLst meth="repeat">
+      <a:schemeClr val="lt1"/>
+    </dgm:txFillClrLst>
+    <dgm:txEffectClrLst/>
+  </dgm:styleLbl>
+  <dgm:styleLbl name="parChTrans1D1">
+    <dgm:fillClrLst meth="repeat">
+      <a:schemeClr val="accent4">
+        <a:shade val="80000"/>
+      </a:schemeClr>
+    </dgm:fillClrLst>
+    <dgm:linClrLst meth="repeat">
+      <a:schemeClr val="accent4">
+        <a:shade val="80000"/>
+      </a:schemeClr>
+    </dgm:linClrLst>
+    <dgm:effectClrLst/>
+    <dgm:txLinClrLst/>
+    <dgm:txFillClrLst meth="repeat">
+      <a:schemeClr val="tx1"/>
+    </dgm:txFillClrLst>
+    <dgm:txEffectClrLst/>
+  </dgm:styleLbl>
+  <dgm:styleLbl name="parChTrans1D2">
+    <dgm:fillClrLst meth="repeat">
+      <a:schemeClr val="accent4">
+        <a:tint val="99000"/>
+      </a:schemeClr>
+    </dgm:fillClrLst>
+    <dgm:linClrLst meth="repeat">
+      <a:schemeClr val="accent4">
+        <a:tint val="99000"/>
+      </a:schemeClr>
+    </dgm:linClrLst>
+    <dgm:effectClrLst/>
+    <dgm:txLinClrLst/>
+    <dgm:txFillClrLst meth="repeat">
+      <a:schemeClr val="tx1"/>
+    </dgm:txFillClrLst>
+    <dgm:txEffectClrLst/>
+  </dgm:styleLbl>
+  <dgm:styleLbl name="parChTrans1D3">
+    <dgm:fillClrLst meth="repeat">
+      <a:schemeClr val="accent4">
+        <a:tint val="80000"/>
+      </a:schemeClr>
+    </dgm:fillClrLst>
+    <dgm:linClrLst meth="repeat">
+      <a:schemeClr val="accent4">
+        <a:tint val="80000"/>
+      </a:schemeClr>
+    </dgm:linClrLst>
+    <dgm:effectClrLst/>
+    <dgm:txLinClrLst/>
+    <dgm:txFillClrLst meth="repeat">
+      <a:schemeClr val="tx1"/>
+    </dgm:txFillClrLst>
+    <dgm:txEffectClrLst/>
+  </dgm:styleLbl>
+  <dgm:styleLbl name="parChTrans1D4">
+    <dgm:fillClrLst meth="repeat">
+      <a:schemeClr val="accent4">
+        <a:tint val="70000"/>
+      </a:schemeClr>
+    </dgm:fillClrLst>
+    <dgm:linClrLst meth="repeat">
+      <a:schemeClr val="accent4">
+        <a:tint val="70000"/>
+      </a:schemeClr>
+    </dgm:linClrLst>
+    <dgm:effectClrLst/>
+    <dgm:txLinClrLst/>
+    <dgm:txFillClrLst meth="repeat">
+      <a:schemeClr val="tx1"/>
+    </dgm:txFillClrLst>
+    <dgm:txEffectClrLst/>
+  </dgm:styleLbl>
+  <dgm:styleLbl name="fgAcc1">
+    <dgm:fillClrLst meth="repeat">
+      <a:schemeClr val="lt1">
+        <a:alpha val="90000"/>
+      </a:schemeClr>
+    </dgm:fillClrLst>
+    <dgm:linClrLst>
+      <a:schemeClr val="accent4">
+        <a:shade val="80000"/>
+      </a:schemeClr>
+      <a:schemeClr val="accent4">
+        <a:tint val="70000"/>
+      </a:schemeClr>
+    </dgm:linClrLst>
+    <dgm:effectClrLst/>
+    <dgm:txLinClrLst/>
+    <dgm:txFillClrLst meth="repeat">
+      <a:schemeClr val="dk1"/>
+    </dgm:txFillClrLst>
+    <dgm:txEffectClrLst/>
+  </dgm:styleLbl>
+  <dgm:styleLbl name="conFgAcc1">
+    <dgm:fillClrLst meth="repeat">
+      <a:schemeClr val="lt1">
+        <a:alpha val="90000"/>
+      </a:schemeClr>
+    </dgm:fillClrLst>
+    <dgm:linClrLst>
+      <a:schemeClr val="accent4">
+        <a:shade val="80000"/>
+      </a:schemeClr>
+      <a:schemeClr val="accent4">
+        <a:tint val="70000"/>
+      </a:schemeClr>
+    </dgm:linClrLst>
+    <dgm:effectClrLst/>
+    <dgm:txLinClrLst/>
+    <dgm:txFillClrLst meth="repeat">
+      <a:schemeClr val="dk1"/>
+    </dgm:txFillClrLst>
+    <dgm:txEffectClrLst/>
+  </dgm:styleLbl>
+  <dgm:styleLbl name="alignAcc1">
+    <dgm:fillClrLst meth="repeat">
+      <a:schemeClr val="lt1">
+        <a:alpha val="90000"/>
+      </a:schemeClr>
+    </dgm:fillClrLst>
+    <dgm:linClrLst>
+      <a:schemeClr val="accent4">
+        <a:shade val="80000"/>
+      </a:schemeClr>
+      <a:schemeClr val="accent4">
+        <a:tint val="70000"/>
+      </a:schemeClr>
+    </dgm:linClrLst>
+    <dgm:effectClrLst/>
+    <dgm:txLinClrLst/>
+    <dgm:txFillClrLst meth="repeat">
+      <a:schemeClr val="dk1"/>
+    </dgm:txFillClrLst>
+    <dgm:txEffectClrLst/>
+  </dgm:styleLbl>
+  <dgm:styleLbl name="trAlignAcc1">
+    <dgm:fillClrLst meth="repeat">
+      <a:schemeClr val="lt1">
+        <a:alpha val="40000"/>
+      </a:schemeClr>
+    </dgm:fillClrLst>
+    <dgm:linClrLst meth="repeat">
+      <a:schemeClr val="accent4"/>
+    </dgm:linClrLst>
+    <dgm:effectClrLst/>
+    <dgm:txLinClrLst/>
+    <dgm:txFillClrLst meth="repeat">
+      <a:schemeClr val="dk1"/>
+    </dgm:txFillClrLst>
+    <dgm:txEffectClrLst/>
+  </dgm:styleLbl>
+  <dgm:styleLbl name="bgAcc1">
+    <dgm:fillClrLst meth="repeat">
+      <a:schemeClr val="lt1">
+        <a:alpha val="90000"/>
+      </a:schemeClr>
+    </dgm:fillClrLst>
+    <dgm:linClrLst>
+      <a:schemeClr val="accent4">
+        <a:shade val="80000"/>
+      </a:schemeClr>
+      <a:schemeClr val="accent4">
+        <a:tint val="70000"/>
+      </a:schemeClr>
+    </dgm:linClrLst>
+    <dgm:effectClrLst/>
+    <dgm:txLinClrLst/>
+    <dgm:txFillClrLst meth="repeat">
+      <a:schemeClr val="dk1"/>
+    </dgm:txFillClrLst>
+    <dgm:txEffectClrLst/>
+  </dgm:styleLbl>
+  <dgm:styleLbl name="solidFgAcc1">
+    <dgm:fillClrLst meth="repeat">
+      <a:schemeClr val="lt1"/>
+    </dgm:fillClrLst>
+    <dgm:linClrLst>
+      <a:schemeClr val="accent4">
+        <a:shade val="80000"/>
+      </a:schemeClr>
+      <a:schemeClr val="accent4">
+        <a:tint val="70000"/>
+      </a:schemeClr>
+    </dgm:linClrLst>
+    <dgm:effectClrLst/>
+    <dgm:txLinClrLst/>
+    <dgm:txFillClrLst meth="repeat">
+      <a:schemeClr val="dk1"/>
+    </dgm:txFillClrLst>
+    <dgm:txEffectClrLst/>
+  </dgm:styleLbl>
+  <dgm:styleLbl name="solidAlignAcc1">
+    <dgm:fillClrLst meth="repeat">
+      <a:schemeClr val="lt1"/>
+    </dgm:fillClrLst>
+    <dgm:linClrLst meth="repeat">
+      <a:schemeClr val="accent4"/>
+    </dgm:linClrLst>
+    <dgm:effectClrLst/>
+    <dgm:txLinClrLst/>
+    <dgm:txFillClrLst meth="repeat">
+      <a:schemeClr val="dk1"/>
+    </dgm:txFillClrLst>
+    <dgm:txEffectClrLst/>
+  </dgm:styleLbl>
+  <dgm:styleLbl name="solidBgAcc1">
+    <dgm:fillClrLst meth="repeat">
+      <a:schemeClr val="lt1"/>
+    </dgm:fillClrLst>
+    <dgm:linClrLst meth="repeat">
+      <a:schemeClr val="accent4"/>
+    </dgm:linClrLst>
+    <dgm:effectClrLst/>
+    <dgm:txLinClrLst/>
+    <dgm:txFillClrLst meth="repeat">
+      <a:schemeClr val="dk1"/>
+    </dgm:txFillClrLst>
+    <dgm:txEffectClrLst/>
+  </dgm:styleLbl>
+  <dgm:styleLbl name="fgAccFollowNode1">
+    <dgm:fillClrLst meth="repeat">
+      <a:schemeClr val="accent4">
+        <a:alpha val="90000"/>
+        <a:tint val="40000"/>
+      </a:schemeClr>
+    </dgm:fillClrLst>
+    <dgm:linClrLst meth="repeat">
+      <a:schemeClr val="accent4">
+        <a:alpha val="90000"/>
+        <a:tint val="40000"/>
+      </a:schemeClr>
+    </dgm:linClrLst>
+    <dgm:effectClrLst/>
+    <dgm:txLinClrLst/>
+    <dgm:txFillClrLst meth="repeat">
+      <a:schemeClr val="dk1"/>
+    </dgm:txFillClrLst>
+    <dgm:txEffectClrLst/>
+  </dgm:styleLbl>
+  <dgm:styleLbl name="alignAccFollowNode1">
+    <dgm:fillClrLst meth="repeat">
+      <a:schemeClr val="accent4">
+        <a:alpha val="90000"/>
+        <a:tint val="40000"/>
+      </a:schemeClr>
+    </dgm:fillClrLst>
+    <dgm:linClrLst meth="repeat">
+      <a:schemeClr val="accent4">
+        <a:alpha val="90000"/>
+        <a:tint val="40000"/>
+      </a:schemeClr>
+    </dgm:linClrLst>
+    <dgm:effectClrLst/>
+    <dgm:txLinClrLst/>
+    <dgm:txFillClrLst meth="repeat">
+      <a:schemeClr val="dk1"/>
+    </dgm:txFillClrLst>
+    <dgm:txEffectClrLst/>
+  </dgm:styleLbl>
+  <dgm:styleLbl name="bgAccFollowNode1">
+    <dgm:fillClrLst meth="repeat">
+      <a:schemeClr val="accent4">
+        <a:alpha val="90000"/>
+        <a:tint val="40000"/>
+      </a:schemeClr>
+    </dgm:fillClrLst>
+    <dgm:linClrLst meth="repeat">
+      <a:schemeClr val="lt1"/>
+    </dgm:linClrLst>
+    <dgm:effectClrLst/>
+    <dgm:txLinClrLst/>
+    <dgm:txFillClrLst meth="repeat">
+      <a:schemeClr val="dk1"/>
+    </dgm:txFillClrLst>
+    <dgm:txEffectClrLst/>
+  </dgm:styleLbl>
+  <dgm:styleLbl name="fgAcc0">
+    <dgm:fillClrLst meth="repeat">
+      <a:schemeClr val="lt1">
+        <a:alpha val="90000"/>
+      </a:schemeClr>
+    </dgm:fillClrLst>
+    <dgm:linClrLst meth="repeat">
+      <a:schemeClr val="accent4">
+        <a:shade val="80000"/>
+      </a:schemeClr>
+    </dgm:linClrLst>
+    <dgm:effectClrLst/>
+    <dgm:txLinClrLst/>
+    <dgm:txFillClrLst meth="repeat">
+      <a:schemeClr val="dk1"/>
+    </dgm:txFillClrLst>
+    <dgm:txEffectClrLst/>
+  </dgm:styleLbl>
+  <dgm:styleLbl name="fgAcc2">
+    <dgm:fillClrLst meth="repeat">
+      <a:schemeClr val="lt1">
+        <a:alpha val="90000"/>
+      </a:schemeClr>
+    </dgm:fillClrLst>
+    <dgm:linClrLst meth="repeat">
+      <a:schemeClr val="accent4">
+        <a:tint val="99000"/>
+      </a:schemeClr>
+    </dgm:linClrLst>
+    <dgm:effectClrLst/>
+    <dgm:txLinClrLst/>
+    <dgm:txFillClrLst meth="repeat">
+      <a:schemeClr val="dk1"/>
+    </dgm:txFillClrLst>
+    <dgm:txEffectClrLst/>
+  </dgm:styleLbl>
+  <dgm:styleLbl name="fgAcc3">
+    <dgm:fillClrLst meth="repeat">
+      <a:schemeClr val="lt1">
+        <a:alpha val="90000"/>
+      </a:schemeClr>
+    </dgm:fillClrLst>
+    <dgm:linClrLst meth="repeat">
+      <a:schemeClr val="accent4">
+        <a:tint val="80000"/>
+      </a:schemeClr>
+    </dgm:linClrLst>
+    <dgm:effectClrLst/>
+    <dgm:txLinClrLst/>
+    <dgm:txFillClrLst meth="repeat">
+      <a:schemeClr val="dk1"/>
+    </dgm:txFillClrLst>
+    <dgm:txEffectClrLst/>
+  </dgm:styleLbl>
+  <dgm:styleLbl name="fgAcc4">
+    <dgm:fillClrLst meth="repeat">
+      <a:schemeClr val="lt1">
+        <a:alpha val="90000"/>
+      </a:schemeClr>
+    </dgm:fillClrLst>
+    <dgm:linClrLst meth="repeat">
+      <a:schemeClr val="accent4">
+        <a:tint val="70000"/>
       </a:schemeClr>
     </dgm:linClrLst>
     <dgm:effectClrLst/>
@@ -1357,6 +2232,288 @@
     <dgm:cxn modelId="{9700C67D-0FA5-4381-8392-A043C1A1C9C4}" type="presParOf" srcId="{ED8CB579-42AE-411B-9018-46136E6EB0FB}" destId="{EE542BFE-AEC8-432C-926C-28EEE1B1DD53}" srcOrd="5" destOrd="0" presId="urn:microsoft.com/office/officeart/2005/8/layout/process5"/>
     <dgm:cxn modelId="{44349C98-AC02-46ED-A9C3-907867DD7893}" type="presParOf" srcId="{EE542BFE-AEC8-432C-926C-28EEE1B1DD53}" destId="{5E6F1F2B-D117-42D3-A2D7-4A49526DFA54}" srcOrd="0" destOrd="0" presId="urn:microsoft.com/office/officeart/2005/8/layout/process5"/>
     <dgm:cxn modelId="{79C1DBBB-4D45-4C77-B8BF-0C14E19ECCEE}" type="presParOf" srcId="{ED8CB579-42AE-411B-9018-46136E6EB0FB}" destId="{864E56A6-9908-4E74-B951-1FDD023423A9}" srcOrd="6" destOrd="0" presId="urn:microsoft.com/office/officeart/2005/8/layout/process5"/>
+  </dgm:cxnLst>
+  <dgm:bg/>
+  <dgm:whole/>
+  <dgm:extLst>
+    <a:ext uri="http://schemas.microsoft.com/office/drawing/2008/diagram">
+      <dsp:dataModelExt xmlns:dsp="http://schemas.microsoft.com/office/drawing/2008/diagram" relId="rId6" minVer="http://schemas.openxmlformats.org/drawingml/2006/diagram"/>
+    </a:ext>
+  </dgm:extLst>
+</dgm:dataModel>
+</file>
+
+<file path=ppt/diagrams/data2.xml><?xml version="1.0" encoding="utf-8"?>
+<dgm:dataModel xmlns:dgm="http://schemas.openxmlformats.org/drawingml/2006/diagram" xmlns:a="http://schemas.openxmlformats.org/drawingml/2006/main">
+  <dgm:ptLst>
+    <dgm:pt modelId="{84F71D73-78AE-40DD-929B-039EBEDA3B39}" type="doc">
+      <dgm:prSet loTypeId="urn:microsoft.com/office/officeart/2005/8/layout/process3" loCatId="process" qsTypeId="urn:microsoft.com/office/officeart/2005/8/quickstyle/simple1" qsCatId="simple" csTypeId="urn:microsoft.com/office/officeart/2005/8/colors/accent4_3" csCatId="accent4" phldr="1"/>
+      <dgm:spPr/>
+      <dgm:t>
+        <a:bodyPr/>
+        <a:lstStyle/>
+        <a:p>
+          <a:endParaRPr lang="en-US"/>
+        </a:p>
+      </dgm:t>
+    </dgm:pt>
+    <dgm:pt modelId="{19E1A2AC-DC1C-4066-A138-3B4A94B2C142}">
+      <dgm:prSet phldrT="[Text]"/>
+      <dgm:spPr>
+        <a:solidFill>
+          <a:schemeClr val="tx1">
+            <a:lumMod val="85000"/>
+            <a:lumOff val="15000"/>
+          </a:schemeClr>
+        </a:solidFill>
+      </dgm:spPr>
+      <dgm:t>
+        <a:bodyPr/>
+        <a:lstStyle/>
+        <a:p>
+          <a:r>
+            <a:rPr lang="de-DE" dirty="0" smtClean="0"/>
+            <a:t>One Model</a:t>
+          </a:r>
+          <a:endParaRPr lang="en-US" dirty="0"/>
+        </a:p>
+      </dgm:t>
+    </dgm:pt>
+    <dgm:pt modelId="{392A88A7-2EE4-41A6-A93F-CE0E59D9023B}" type="parTrans" cxnId="{E15F5AD9-2386-45F1-8F8A-EF1BE3688B6D}">
+      <dgm:prSet/>
+      <dgm:spPr/>
+      <dgm:t>
+        <a:bodyPr/>
+        <a:lstStyle/>
+        <a:p>
+          <a:endParaRPr lang="en-US"/>
+        </a:p>
+      </dgm:t>
+    </dgm:pt>
+    <dgm:pt modelId="{BBFA038B-DCAB-48E3-896B-43B5D0F6588D}" type="sibTrans" cxnId="{E15F5AD9-2386-45F1-8F8A-EF1BE3688B6D}">
+      <dgm:prSet/>
+      <dgm:spPr>
+        <a:solidFill>
+          <a:schemeClr val="tx1">
+            <a:lumMod val="85000"/>
+            <a:lumOff val="15000"/>
+          </a:schemeClr>
+        </a:solidFill>
+      </dgm:spPr>
+      <dgm:t>
+        <a:bodyPr/>
+        <a:lstStyle/>
+        <a:p>
+          <a:endParaRPr lang="en-US"/>
+        </a:p>
+      </dgm:t>
+    </dgm:pt>
+    <dgm:pt modelId="{843B984B-DFC2-43AF-BF0B-9B41A5563499}">
+      <dgm:prSet phldrT="[Text]"/>
+      <dgm:spPr/>
+      <dgm:t>
+        <a:bodyPr/>
+        <a:lstStyle/>
+        <a:p>
+          <a:r>
+            <a:rPr lang="de-DE" dirty="0" smtClean="0"/>
+            <a:t>Accuracy: 66.91%</a:t>
+          </a:r>
+          <a:endParaRPr lang="en-US" dirty="0"/>
+        </a:p>
+      </dgm:t>
+    </dgm:pt>
+    <dgm:pt modelId="{668E962B-B2AC-4B78-9963-76E65BBC8633}" type="parTrans" cxnId="{EA2E2885-94DC-4547-AB9C-0AB567966FCD}">
+      <dgm:prSet/>
+      <dgm:spPr/>
+      <dgm:t>
+        <a:bodyPr/>
+        <a:lstStyle/>
+        <a:p>
+          <a:endParaRPr lang="en-US"/>
+        </a:p>
+      </dgm:t>
+    </dgm:pt>
+    <dgm:pt modelId="{5A7A0893-19E9-452B-B559-29A217286C3B}" type="sibTrans" cxnId="{EA2E2885-94DC-4547-AB9C-0AB567966FCD}">
+      <dgm:prSet/>
+      <dgm:spPr/>
+      <dgm:t>
+        <a:bodyPr/>
+        <a:lstStyle/>
+        <a:p>
+          <a:endParaRPr lang="en-US"/>
+        </a:p>
+      </dgm:t>
+    </dgm:pt>
+    <dgm:pt modelId="{6A9F56C7-0414-4B6E-A083-29B7C493A933}">
+      <dgm:prSet phldrT="[Text]"/>
+      <dgm:spPr/>
+      <dgm:t>
+        <a:bodyPr/>
+        <a:lstStyle/>
+        <a:p>
+          <a:r>
+            <a:rPr lang="de-DE" dirty="0" smtClean="0"/>
+            <a:t>Two Models</a:t>
+          </a:r>
+          <a:endParaRPr lang="en-US" dirty="0"/>
+        </a:p>
+      </dgm:t>
+    </dgm:pt>
+    <dgm:pt modelId="{AA8FC098-0358-4507-859D-4CAD01F61BFD}" type="parTrans" cxnId="{1F9E0E03-F35B-461F-99E4-B43596F39474}">
+      <dgm:prSet/>
+      <dgm:spPr/>
+      <dgm:t>
+        <a:bodyPr/>
+        <a:lstStyle/>
+        <a:p>
+          <a:endParaRPr lang="en-US"/>
+        </a:p>
+      </dgm:t>
+    </dgm:pt>
+    <dgm:pt modelId="{FAC94327-2F69-4C0F-B9EE-9244622BDB20}" type="sibTrans" cxnId="{1F9E0E03-F35B-461F-99E4-B43596F39474}">
+      <dgm:prSet/>
+      <dgm:spPr/>
+      <dgm:t>
+        <a:bodyPr/>
+        <a:lstStyle/>
+        <a:p>
+          <a:endParaRPr lang="en-US"/>
+        </a:p>
+      </dgm:t>
+    </dgm:pt>
+    <dgm:pt modelId="{5D463E45-6AE1-4865-85C5-F8396D2B9102}">
+      <dgm:prSet phldrT="[Text]"/>
+      <dgm:spPr/>
+      <dgm:t>
+        <a:bodyPr/>
+        <a:lstStyle/>
+        <a:p>
+          <a:r>
+            <a:rPr lang="de-DE" dirty="0" smtClean="0"/>
+            <a:t>Accuracy: 68.54%</a:t>
+          </a:r>
+          <a:endParaRPr lang="en-US" dirty="0"/>
+        </a:p>
+      </dgm:t>
+    </dgm:pt>
+    <dgm:pt modelId="{2B4219EE-5AAE-4DCF-80D9-604793AF4ED1}" type="parTrans" cxnId="{757A89D4-194B-4B91-932F-E7DE5808EC1D}">
+      <dgm:prSet/>
+      <dgm:spPr/>
+      <dgm:t>
+        <a:bodyPr/>
+        <a:lstStyle/>
+        <a:p>
+          <a:endParaRPr lang="en-US"/>
+        </a:p>
+      </dgm:t>
+    </dgm:pt>
+    <dgm:pt modelId="{E0AC2389-1DB1-4EEA-965B-985E1AD5EF6E}" type="sibTrans" cxnId="{757A89D4-194B-4B91-932F-E7DE5808EC1D}">
+      <dgm:prSet/>
+      <dgm:spPr/>
+      <dgm:t>
+        <a:bodyPr/>
+        <a:lstStyle/>
+        <a:p>
+          <a:endParaRPr lang="en-US"/>
+        </a:p>
+      </dgm:t>
+    </dgm:pt>
+    <dgm:pt modelId="{EE8108F1-001A-40F8-82EC-BEF8C11E0B9D}" type="pres">
+      <dgm:prSet presAssocID="{84F71D73-78AE-40DD-929B-039EBEDA3B39}" presName="linearFlow" presStyleCnt="0">
+        <dgm:presLayoutVars>
+          <dgm:dir/>
+          <dgm:animLvl val="lvl"/>
+          <dgm:resizeHandles val="exact"/>
+        </dgm:presLayoutVars>
+      </dgm:prSet>
+      <dgm:spPr/>
+    </dgm:pt>
+    <dgm:pt modelId="{60097DF5-3175-4BA0-9C9A-650E86943C57}" type="pres">
+      <dgm:prSet presAssocID="{19E1A2AC-DC1C-4066-A138-3B4A94B2C142}" presName="composite" presStyleCnt="0"/>
+      <dgm:spPr/>
+    </dgm:pt>
+    <dgm:pt modelId="{39F98D1B-FA55-4FD6-B53D-7AD98F6DA676}" type="pres">
+      <dgm:prSet presAssocID="{19E1A2AC-DC1C-4066-A138-3B4A94B2C142}" presName="parTx" presStyleLbl="node1" presStyleIdx="0" presStyleCnt="2">
+        <dgm:presLayoutVars>
+          <dgm:chMax val="0"/>
+          <dgm:chPref val="0"/>
+          <dgm:bulletEnabled val="1"/>
+        </dgm:presLayoutVars>
+      </dgm:prSet>
+      <dgm:spPr/>
+    </dgm:pt>
+    <dgm:pt modelId="{A90CE6AF-EEB9-4F4C-AF8C-474F968A4847}" type="pres">
+      <dgm:prSet presAssocID="{19E1A2AC-DC1C-4066-A138-3B4A94B2C142}" presName="parSh" presStyleLbl="node1" presStyleIdx="0" presStyleCnt="2"/>
+      <dgm:spPr/>
+    </dgm:pt>
+    <dgm:pt modelId="{CA062347-00FC-4CFA-BBB5-6843A8858B2D}" type="pres">
+      <dgm:prSet presAssocID="{19E1A2AC-DC1C-4066-A138-3B4A94B2C142}" presName="desTx" presStyleLbl="fgAcc1" presStyleIdx="0" presStyleCnt="2">
+        <dgm:presLayoutVars>
+          <dgm:bulletEnabled val="1"/>
+        </dgm:presLayoutVars>
+      </dgm:prSet>
+      <dgm:spPr/>
+    </dgm:pt>
+    <dgm:pt modelId="{D770E38D-C360-4F83-B09E-C7842B0B8617}" type="pres">
+      <dgm:prSet presAssocID="{BBFA038B-DCAB-48E3-896B-43B5D0F6588D}" presName="sibTrans" presStyleLbl="sibTrans2D1" presStyleIdx="0" presStyleCnt="1"/>
+      <dgm:spPr/>
+    </dgm:pt>
+    <dgm:pt modelId="{FD9B6B60-C688-495C-9735-32577F2B2959}" type="pres">
+      <dgm:prSet presAssocID="{BBFA038B-DCAB-48E3-896B-43B5D0F6588D}" presName="connTx" presStyleLbl="sibTrans2D1" presStyleIdx="0" presStyleCnt="1"/>
+      <dgm:spPr/>
+    </dgm:pt>
+    <dgm:pt modelId="{316BD733-B512-4D45-B1F7-7D2479E315FA}" type="pres">
+      <dgm:prSet presAssocID="{6A9F56C7-0414-4B6E-A083-29B7C493A933}" presName="composite" presStyleCnt="0"/>
+      <dgm:spPr/>
+    </dgm:pt>
+    <dgm:pt modelId="{78F5E295-D9AF-4A38-8F14-8C491FBAF70F}" type="pres">
+      <dgm:prSet presAssocID="{6A9F56C7-0414-4B6E-A083-29B7C493A933}" presName="parTx" presStyleLbl="node1" presStyleIdx="0" presStyleCnt="2">
+        <dgm:presLayoutVars>
+          <dgm:chMax val="0"/>
+          <dgm:chPref val="0"/>
+          <dgm:bulletEnabled val="1"/>
+        </dgm:presLayoutVars>
+      </dgm:prSet>
+      <dgm:spPr/>
+    </dgm:pt>
+    <dgm:pt modelId="{D91C3E56-5A92-4718-8290-C7D915400D36}" type="pres">
+      <dgm:prSet presAssocID="{6A9F56C7-0414-4B6E-A083-29B7C493A933}" presName="parSh" presStyleLbl="node1" presStyleIdx="1" presStyleCnt="2"/>
+      <dgm:spPr/>
+    </dgm:pt>
+    <dgm:pt modelId="{2688DCC3-9AF8-4B84-A209-FB186533A77C}" type="pres">
+      <dgm:prSet presAssocID="{6A9F56C7-0414-4B6E-A083-29B7C493A933}" presName="desTx" presStyleLbl="fgAcc1" presStyleIdx="1" presStyleCnt="2">
+        <dgm:presLayoutVars>
+          <dgm:bulletEnabled val="1"/>
+        </dgm:presLayoutVars>
+      </dgm:prSet>
+      <dgm:spPr/>
+    </dgm:pt>
+  </dgm:ptLst>
+  <dgm:cxnLst>
+    <dgm:cxn modelId="{E15F5AD9-2386-45F1-8F8A-EF1BE3688B6D}" srcId="{84F71D73-78AE-40DD-929B-039EBEDA3B39}" destId="{19E1A2AC-DC1C-4066-A138-3B4A94B2C142}" srcOrd="0" destOrd="0" parTransId="{392A88A7-2EE4-41A6-A93F-CE0E59D9023B}" sibTransId="{BBFA038B-DCAB-48E3-896B-43B5D0F6588D}"/>
+    <dgm:cxn modelId="{6FC90662-AC61-47C8-8CBB-611CF2603F86}" type="presOf" srcId="{19E1A2AC-DC1C-4066-A138-3B4A94B2C142}" destId="{A90CE6AF-EEB9-4F4C-AF8C-474F968A4847}" srcOrd="1" destOrd="0" presId="urn:microsoft.com/office/officeart/2005/8/layout/process3"/>
+    <dgm:cxn modelId="{2AE1C5B5-E2B6-4BBF-B618-95A514E58CD1}" type="presOf" srcId="{5D463E45-6AE1-4865-85C5-F8396D2B9102}" destId="{2688DCC3-9AF8-4B84-A209-FB186533A77C}" srcOrd="0" destOrd="0" presId="urn:microsoft.com/office/officeart/2005/8/layout/process3"/>
+    <dgm:cxn modelId="{1F9E0E03-F35B-461F-99E4-B43596F39474}" srcId="{84F71D73-78AE-40DD-929B-039EBEDA3B39}" destId="{6A9F56C7-0414-4B6E-A083-29B7C493A933}" srcOrd="1" destOrd="0" parTransId="{AA8FC098-0358-4507-859D-4CAD01F61BFD}" sibTransId="{FAC94327-2F69-4C0F-B9EE-9244622BDB20}"/>
+    <dgm:cxn modelId="{57C8769C-6413-466E-AFF6-DA7C59A10AEA}" type="presOf" srcId="{6A9F56C7-0414-4B6E-A083-29B7C493A933}" destId="{78F5E295-D9AF-4A38-8F14-8C491FBAF70F}" srcOrd="0" destOrd="0" presId="urn:microsoft.com/office/officeart/2005/8/layout/process3"/>
+    <dgm:cxn modelId="{2955F971-949F-442F-99C9-A07F867349DB}" type="presOf" srcId="{843B984B-DFC2-43AF-BF0B-9B41A5563499}" destId="{CA062347-00FC-4CFA-BBB5-6843A8858B2D}" srcOrd="0" destOrd="0" presId="urn:microsoft.com/office/officeart/2005/8/layout/process3"/>
+    <dgm:cxn modelId="{757A89D4-194B-4B91-932F-E7DE5808EC1D}" srcId="{6A9F56C7-0414-4B6E-A083-29B7C493A933}" destId="{5D463E45-6AE1-4865-85C5-F8396D2B9102}" srcOrd="0" destOrd="0" parTransId="{2B4219EE-5AAE-4DCF-80D9-604793AF4ED1}" sibTransId="{E0AC2389-1DB1-4EEA-965B-985E1AD5EF6E}"/>
+    <dgm:cxn modelId="{F6EC27B3-CBD2-4546-9350-11322ED09E06}" type="presOf" srcId="{84F71D73-78AE-40DD-929B-039EBEDA3B39}" destId="{EE8108F1-001A-40F8-82EC-BEF8C11E0B9D}" srcOrd="0" destOrd="0" presId="urn:microsoft.com/office/officeart/2005/8/layout/process3"/>
+    <dgm:cxn modelId="{8320DE55-7408-4B86-AE4A-2E152D79357B}" type="presOf" srcId="{BBFA038B-DCAB-48E3-896B-43B5D0F6588D}" destId="{FD9B6B60-C688-495C-9735-32577F2B2959}" srcOrd="1" destOrd="0" presId="urn:microsoft.com/office/officeart/2005/8/layout/process3"/>
+    <dgm:cxn modelId="{628F3D61-C425-4D5D-A94D-9B2F8E38C849}" type="presOf" srcId="{6A9F56C7-0414-4B6E-A083-29B7C493A933}" destId="{D91C3E56-5A92-4718-8290-C7D915400D36}" srcOrd="1" destOrd="0" presId="urn:microsoft.com/office/officeart/2005/8/layout/process3"/>
+    <dgm:cxn modelId="{EA2E2885-94DC-4547-AB9C-0AB567966FCD}" srcId="{19E1A2AC-DC1C-4066-A138-3B4A94B2C142}" destId="{843B984B-DFC2-43AF-BF0B-9B41A5563499}" srcOrd="0" destOrd="0" parTransId="{668E962B-B2AC-4B78-9963-76E65BBC8633}" sibTransId="{5A7A0893-19E9-452B-B559-29A217286C3B}"/>
+    <dgm:cxn modelId="{B6A08370-234E-4A56-A1EA-F67A4ABEE5CF}" type="presOf" srcId="{19E1A2AC-DC1C-4066-A138-3B4A94B2C142}" destId="{39F98D1B-FA55-4FD6-B53D-7AD98F6DA676}" srcOrd="0" destOrd="0" presId="urn:microsoft.com/office/officeart/2005/8/layout/process3"/>
+    <dgm:cxn modelId="{5BCF6B23-7D4A-4748-AD79-CB93DA96B80F}" type="presOf" srcId="{BBFA038B-DCAB-48E3-896B-43B5D0F6588D}" destId="{D770E38D-C360-4F83-B09E-C7842B0B8617}" srcOrd="0" destOrd="0" presId="urn:microsoft.com/office/officeart/2005/8/layout/process3"/>
+    <dgm:cxn modelId="{D5DF97A1-2053-4B41-B0BA-853251AD1243}" type="presParOf" srcId="{EE8108F1-001A-40F8-82EC-BEF8C11E0B9D}" destId="{60097DF5-3175-4BA0-9C9A-650E86943C57}" srcOrd="0" destOrd="0" presId="urn:microsoft.com/office/officeart/2005/8/layout/process3"/>
+    <dgm:cxn modelId="{23D30E82-439A-4C0E-B074-AD699790336C}" type="presParOf" srcId="{60097DF5-3175-4BA0-9C9A-650E86943C57}" destId="{39F98D1B-FA55-4FD6-B53D-7AD98F6DA676}" srcOrd="0" destOrd="0" presId="urn:microsoft.com/office/officeart/2005/8/layout/process3"/>
+    <dgm:cxn modelId="{428D9F5C-CFF0-4BEB-8CE7-B085FC310F30}" type="presParOf" srcId="{60097DF5-3175-4BA0-9C9A-650E86943C57}" destId="{A90CE6AF-EEB9-4F4C-AF8C-474F968A4847}" srcOrd="1" destOrd="0" presId="urn:microsoft.com/office/officeart/2005/8/layout/process3"/>
+    <dgm:cxn modelId="{5BD771ED-B02A-42B0-90C4-D8984B2C5B9D}" type="presParOf" srcId="{60097DF5-3175-4BA0-9C9A-650E86943C57}" destId="{CA062347-00FC-4CFA-BBB5-6843A8858B2D}" srcOrd="2" destOrd="0" presId="urn:microsoft.com/office/officeart/2005/8/layout/process3"/>
+    <dgm:cxn modelId="{374C8CBA-A541-4D1D-8502-3AC7FC300F6D}" type="presParOf" srcId="{EE8108F1-001A-40F8-82EC-BEF8C11E0B9D}" destId="{D770E38D-C360-4F83-B09E-C7842B0B8617}" srcOrd="1" destOrd="0" presId="urn:microsoft.com/office/officeart/2005/8/layout/process3"/>
+    <dgm:cxn modelId="{37771D8C-E6A0-4CA4-A8DD-3B919D352F08}" type="presParOf" srcId="{D770E38D-C360-4F83-B09E-C7842B0B8617}" destId="{FD9B6B60-C688-495C-9735-32577F2B2959}" srcOrd="0" destOrd="0" presId="urn:microsoft.com/office/officeart/2005/8/layout/process3"/>
+    <dgm:cxn modelId="{1A1A8DB6-5078-4E75-BAC0-58D7702E6E1D}" type="presParOf" srcId="{EE8108F1-001A-40F8-82EC-BEF8C11E0B9D}" destId="{316BD733-B512-4D45-B1F7-7D2479E315FA}" srcOrd="2" destOrd="0" presId="urn:microsoft.com/office/officeart/2005/8/layout/process3"/>
+    <dgm:cxn modelId="{71C75DCA-8733-4C52-BE9A-52BB93330BD5}" type="presParOf" srcId="{316BD733-B512-4D45-B1F7-7D2479E315FA}" destId="{78F5E295-D9AF-4A38-8F14-8C491FBAF70F}" srcOrd="0" destOrd="0" presId="urn:microsoft.com/office/officeart/2005/8/layout/process3"/>
+    <dgm:cxn modelId="{67B5E3D4-DD27-4DAF-B4E1-AD7D27F99161}" type="presParOf" srcId="{316BD733-B512-4D45-B1F7-7D2479E315FA}" destId="{D91C3E56-5A92-4718-8290-C7D915400D36}" srcOrd="1" destOrd="0" presId="urn:microsoft.com/office/officeart/2005/8/layout/process3"/>
+    <dgm:cxn modelId="{19352F47-BA2F-4F26-8C1E-5137AB1B52C2}" type="presParOf" srcId="{316BD733-B512-4D45-B1F7-7D2479E315FA}" destId="{2688DCC3-9AF8-4B84-A209-FB186533A77C}" srcOrd="2" destOrd="0" presId="urn:microsoft.com/office/officeart/2005/8/layout/process3"/>
   </dgm:cxnLst>
   <dgm:bg/>
   <dgm:whole/>
@@ -1907,6 +3064,401 @@
 </dsp:drawing>
 </file>
 
+<file path=ppt/diagrams/drawing2.xml><?xml version="1.0" encoding="utf-8"?>
+<dsp:drawing xmlns:dgm="http://schemas.openxmlformats.org/drawingml/2006/diagram" xmlns:dsp="http://schemas.microsoft.com/office/drawing/2008/diagram" xmlns:a="http://schemas.openxmlformats.org/drawingml/2006/main">
+  <dsp:spTree>
+    <dsp:nvGrpSpPr>
+      <dsp:cNvPr id="0" name=""/>
+      <dsp:cNvGrpSpPr/>
+    </dsp:nvGrpSpPr>
+    <dsp:grpSpPr/>
+    <dsp:sp modelId="{A90CE6AF-EEB9-4F4C-AF8C-474F968A4847}">
+      <dsp:nvSpPr>
+        <dsp:cNvPr id="0" name=""/>
+        <dsp:cNvSpPr/>
+      </dsp:nvSpPr>
+      <dsp:spPr>
+        <a:xfrm>
+          <a:off x="2825" y="151355"/>
+          <a:ext cx="2425265" cy="1252799"/>
+        </a:xfrm>
+        <a:prstGeom prst="roundRect">
+          <a:avLst>
+            <a:gd name="adj" fmla="val 10000"/>
+          </a:avLst>
+        </a:prstGeom>
+        <a:solidFill>
+          <a:schemeClr val="tx1">
+            <a:lumMod val="85000"/>
+            <a:lumOff val="15000"/>
+          </a:schemeClr>
+        </a:solidFill>
+        <a:ln w="25400" cap="flat" cmpd="sng" algn="ctr">
+          <a:solidFill>
+            <a:schemeClr val="lt1">
+              <a:hueOff val="0"/>
+              <a:satOff val="0"/>
+              <a:lumOff val="0"/>
+              <a:alphaOff val="0"/>
+            </a:schemeClr>
+          </a:solidFill>
+          <a:prstDash val="solid"/>
+        </a:ln>
+        <a:effectLst/>
+      </dsp:spPr>
+      <dsp:style>
+        <a:lnRef idx="2">
+          <a:scrgbClr r="0" g="0" b="0"/>
+        </a:lnRef>
+        <a:fillRef idx="1">
+          <a:scrgbClr r="0" g="0" b="0"/>
+        </a:fillRef>
+        <a:effectRef idx="0">
+          <a:scrgbClr r="0" g="0" b="0"/>
+        </a:effectRef>
+        <a:fontRef idx="minor">
+          <a:schemeClr val="lt1"/>
+        </a:fontRef>
+      </dsp:style>
+      <dsp:txBody>
+        <a:bodyPr spcFirstLastPara="0" vert="horz" wrap="square" lIns="206248" tIns="206248" rIns="206248" bIns="110490" numCol="1" spcCol="1270" anchor="t" anchorCtr="0">
+          <a:noAutofit/>
+        </a:bodyPr>
+        <a:lstStyle/>
+        <a:p>
+          <a:pPr lvl="0" algn="l" defTabSz="1289050">
+            <a:lnSpc>
+              <a:spcPct val="90000"/>
+            </a:lnSpc>
+            <a:spcBef>
+              <a:spcPct val="0"/>
+            </a:spcBef>
+            <a:spcAft>
+              <a:spcPct val="35000"/>
+            </a:spcAft>
+          </a:pPr>
+          <a:r>
+            <a:rPr lang="de-DE" sz="2900" kern="1200" dirty="0" smtClean="0"/>
+            <a:t>One Model</a:t>
+          </a:r>
+          <a:endParaRPr lang="en-US" sz="2900" kern="1200" dirty="0"/>
+        </a:p>
+      </dsp:txBody>
+      <dsp:txXfrm>
+        <a:off x="2825" y="151355"/>
+        <a:ext cx="2425265" cy="835200"/>
+      </dsp:txXfrm>
+    </dsp:sp>
+    <dsp:sp modelId="{CA062347-00FC-4CFA-BBB5-6843A8858B2D}">
+      <dsp:nvSpPr>
+        <dsp:cNvPr id="0" name=""/>
+        <dsp:cNvSpPr/>
+      </dsp:nvSpPr>
+      <dsp:spPr>
+        <a:xfrm>
+          <a:off x="499566" y="986555"/>
+          <a:ext cx="2425265" cy="1670400"/>
+        </a:xfrm>
+        <a:prstGeom prst="roundRect">
+          <a:avLst>
+            <a:gd name="adj" fmla="val 10000"/>
+          </a:avLst>
+        </a:prstGeom>
+        <a:solidFill>
+          <a:schemeClr val="lt1">
+            <a:alpha val="90000"/>
+            <a:hueOff val="0"/>
+            <a:satOff val="0"/>
+            <a:lumOff val="0"/>
+            <a:alphaOff val="0"/>
+          </a:schemeClr>
+        </a:solidFill>
+        <a:ln w="25400" cap="flat" cmpd="sng" algn="ctr">
+          <a:solidFill>
+            <a:schemeClr val="accent4">
+              <a:shade val="80000"/>
+              <a:hueOff val="0"/>
+              <a:satOff val="0"/>
+              <a:lumOff val="0"/>
+              <a:alphaOff val="0"/>
+            </a:schemeClr>
+          </a:solidFill>
+          <a:prstDash val="solid"/>
+        </a:ln>
+        <a:effectLst/>
+      </dsp:spPr>
+      <dsp:style>
+        <a:lnRef idx="2">
+          <a:scrgbClr r="0" g="0" b="0"/>
+        </a:lnRef>
+        <a:fillRef idx="1">
+          <a:scrgbClr r="0" g="0" b="0"/>
+        </a:fillRef>
+        <a:effectRef idx="0">
+          <a:scrgbClr r="0" g="0" b="0"/>
+        </a:effectRef>
+        <a:fontRef idx="minor"/>
+      </dsp:style>
+      <dsp:txBody>
+        <a:bodyPr spcFirstLastPara="0" vert="horz" wrap="square" lIns="206248" tIns="206248" rIns="206248" bIns="206248" numCol="1" spcCol="1270" anchor="t" anchorCtr="0">
+          <a:noAutofit/>
+        </a:bodyPr>
+        <a:lstStyle/>
+        <a:p>
+          <a:pPr marL="285750" lvl="1" indent="-285750" algn="l" defTabSz="1289050">
+            <a:lnSpc>
+              <a:spcPct val="90000"/>
+            </a:lnSpc>
+            <a:spcBef>
+              <a:spcPct val="0"/>
+            </a:spcBef>
+            <a:spcAft>
+              <a:spcPct val="15000"/>
+            </a:spcAft>
+            <a:buChar char="••"/>
+          </a:pPr>
+          <a:r>
+            <a:rPr lang="de-DE" sz="2900" kern="1200" dirty="0" smtClean="0"/>
+            <a:t>Accuracy: 66.91%</a:t>
+          </a:r>
+          <a:endParaRPr lang="en-US" sz="2900" kern="1200" dirty="0"/>
+        </a:p>
+      </dsp:txBody>
+      <dsp:txXfrm>
+        <a:off x="548490" y="1035479"/>
+        <a:ext cx="2327417" cy="1572552"/>
+      </dsp:txXfrm>
+    </dsp:sp>
+    <dsp:sp modelId="{D770E38D-C360-4F83-B09E-C7842B0B8617}">
+      <dsp:nvSpPr>
+        <dsp:cNvPr id="0" name=""/>
+        <dsp:cNvSpPr/>
+      </dsp:nvSpPr>
+      <dsp:spPr>
+        <a:xfrm>
+          <a:off x="2795752" y="267045"/>
+          <a:ext cx="779442" cy="603821"/>
+        </a:xfrm>
+        <a:prstGeom prst="rightArrow">
+          <a:avLst>
+            <a:gd name="adj1" fmla="val 60000"/>
+            <a:gd name="adj2" fmla="val 50000"/>
+          </a:avLst>
+        </a:prstGeom>
+        <a:solidFill>
+          <a:schemeClr val="tx1">
+            <a:lumMod val="85000"/>
+            <a:lumOff val="15000"/>
+          </a:schemeClr>
+        </a:solidFill>
+        <a:ln>
+          <a:noFill/>
+        </a:ln>
+        <a:effectLst/>
+      </dsp:spPr>
+      <dsp:style>
+        <a:lnRef idx="0">
+          <a:scrgbClr r="0" g="0" b="0"/>
+        </a:lnRef>
+        <a:fillRef idx="1">
+          <a:scrgbClr r="0" g="0" b="0"/>
+        </a:fillRef>
+        <a:effectRef idx="0">
+          <a:scrgbClr r="0" g="0" b="0"/>
+        </a:effectRef>
+        <a:fontRef idx="minor">
+          <a:schemeClr val="lt1"/>
+        </a:fontRef>
+      </dsp:style>
+      <dsp:txBody>
+        <a:bodyPr spcFirstLastPara="0" vert="horz" wrap="square" lIns="0" tIns="0" rIns="0" bIns="0" numCol="1" spcCol="1270" anchor="ctr" anchorCtr="0">
+          <a:noAutofit/>
+        </a:bodyPr>
+        <a:lstStyle/>
+        <a:p>
+          <a:pPr lvl="0" algn="ctr" defTabSz="1022350">
+            <a:lnSpc>
+              <a:spcPct val="90000"/>
+            </a:lnSpc>
+            <a:spcBef>
+              <a:spcPct val="0"/>
+            </a:spcBef>
+            <a:spcAft>
+              <a:spcPct val="35000"/>
+            </a:spcAft>
+          </a:pPr>
+          <a:endParaRPr lang="en-US" sz="2300" kern="1200"/>
+        </a:p>
+      </dsp:txBody>
+      <dsp:txXfrm>
+        <a:off x="2795752" y="387809"/>
+        <a:ext cx="598296" cy="362293"/>
+      </dsp:txXfrm>
+    </dsp:sp>
+    <dsp:sp modelId="{D91C3E56-5A92-4718-8290-C7D915400D36}">
+      <dsp:nvSpPr>
+        <dsp:cNvPr id="0" name=""/>
+        <dsp:cNvSpPr/>
+      </dsp:nvSpPr>
+      <dsp:spPr>
+        <a:xfrm>
+          <a:off x="3898736" y="151355"/>
+          <a:ext cx="2425265" cy="1252799"/>
+        </a:xfrm>
+        <a:prstGeom prst="roundRect">
+          <a:avLst>
+            <a:gd name="adj" fmla="val 10000"/>
+          </a:avLst>
+        </a:prstGeom>
+        <a:solidFill>
+          <a:schemeClr val="accent4">
+            <a:shade val="80000"/>
+            <a:hueOff val="0"/>
+            <a:satOff val="0"/>
+            <a:lumOff val="58383"/>
+            <a:alphaOff val="0"/>
+          </a:schemeClr>
+        </a:solidFill>
+        <a:ln w="25400" cap="flat" cmpd="sng" algn="ctr">
+          <a:solidFill>
+            <a:schemeClr val="lt1">
+              <a:hueOff val="0"/>
+              <a:satOff val="0"/>
+              <a:lumOff val="0"/>
+              <a:alphaOff val="0"/>
+            </a:schemeClr>
+          </a:solidFill>
+          <a:prstDash val="solid"/>
+        </a:ln>
+        <a:effectLst/>
+      </dsp:spPr>
+      <dsp:style>
+        <a:lnRef idx="2">
+          <a:scrgbClr r="0" g="0" b="0"/>
+        </a:lnRef>
+        <a:fillRef idx="1">
+          <a:scrgbClr r="0" g="0" b="0"/>
+        </a:fillRef>
+        <a:effectRef idx="0">
+          <a:scrgbClr r="0" g="0" b="0"/>
+        </a:effectRef>
+        <a:fontRef idx="minor">
+          <a:schemeClr val="lt1"/>
+        </a:fontRef>
+      </dsp:style>
+      <dsp:txBody>
+        <a:bodyPr spcFirstLastPara="0" vert="horz" wrap="square" lIns="206248" tIns="206248" rIns="206248" bIns="110490" numCol="1" spcCol="1270" anchor="t" anchorCtr="0">
+          <a:noAutofit/>
+        </a:bodyPr>
+        <a:lstStyle/>
+        <a:p>
+          <a:pPr lvl="0" algn="l" defTabSz="1289050">
+            <a:lnSpc>
+              <a:spcPct val="90000"/>
+            </a:lnSpc>
+            <a:spcBef>
+              <a:spcPct val="0"/>
+            </a:spcBef>
+            <a:spcAft>
+              <a:spcPct val="35000"/>
+            </a:spcAft>
+          </a:pPr>
+          <a:r>
+            <a:rPr lang="de-DE" sz="2900" kern="1200" dirty="0" smtClean="0"/>
+            <a:t>Two Models</a:t>
+          </a:r>
+          <a:endParaRPr lang="en-US" sz="2900" kern="1200" dirty="0"/>
+        </a:p>
+      </dsp:txBody>
+      <dsp:txXfrm>
+        <a:off x="3898736" y="151355"/>
+        <a:ext cx="2425265" cy="835200"/>
+      </dsp:txXfrm>
+    </dsp:sp>
+    <dsp:sp modelId="{2688DCC3-9AF8-4B84-A209-FB186533A77C}">
+      <dsp:nvSpPr>
+        <dsp:cNvPr id="0" name=""/>
+        <dsp:cNvSpPr/>
+      </dsp:nvSpPr>
+      <dsp:spPr>
+        <a:xfrm>
+          <a:off x="4395478" y="986555"/>
+          <a:ext cx="2425265" cy="1670400"/>
+        </a:xfrm>
+        <a:prstGeom prst="roundRect">
+          <a:avLst>
+            <a:gd name="adj" fmla="val 10000"/>
+          </a:avLst>
+        </a:prstGeom>
+        <a:solidFill>
+          <a:schemeClr val="lt1">
+            <a:alpha val="90000"/>
+            <a:hueOff val="0"/>
+            <a:satOff val="0"/>
+            <a:lumOff val="0"/>
+            <a:alphaOff val="0"/>
+          </a:schemeClr>
+        </a:solidFill>
+        <a:ln w="25400" cap="flat" cmpd="sng" algn="ctr">
+          <a:solidFill>
+            <a:schemeClr val="accent4">
+              <a:shade val="80000"/>
+              <a:hueOff val="0"/>
+              <a:satOff val="0"/>
+              <a:lumOff val="58383"/>
+              <a:alphaOff val="0"/>
+            </a:schemeClr>
+          </a:solidFill>
+          <a:prstDash val="solid"/>
+        </a:ln>
+        <a:effectLst/>
+      </dsp:spPr>
+      <dsp:style>
+        <a:lnRef idx="2">
+          <a:scrgbClr r="0" g="0" b="0"/>
+        </a:lnRef>
+        <a:fillRef idx="1">
+          <a:scrgbClr r="0" g="0" b="0"/>
+        </a:fillRef>
+        <a:effectRef idx="0">
+          <a:scrgbClr r="0" g="0" b="0"/>
+        </a:effectRef>
+        <a:fontRef idx="minor"/>
+      </dsp:style>
+      <dsp:txBody>
+        <a:bodyPr spcFirstLastPara="0" vert="horz" wrap="square" lIns="206248" tIns="206248" rIns="206248" bIns="206248" numCol="1" spcCol="1270" anchor="t" anchorCtr="0">
+          <a:noAutofit/>
+        </a:bodyPr>
+        <a:lstStyle/>
+        <a:p>
+          <a:pPr marL="285750" lvl="1" indent="-285750" algn="l" defTabSz="1289050">
+            <a:lnSpc>
+              <a:spcPct val="90000"/>
+            </a:lnSpc>
+            <a:spcBef>
+              <a:spcPct val="0"/>
+            </a:spcBef>
+            <a:spcAft>
+              <a:spcPct val="15000"/>
+            </a:spcAft>
+            <a:buChar char="••"/>
+          </a:pPr>
+          <a:r>
+            <a:rPr lang="de-DE" sz="2900" kern="1200" dirty="0" smtClean="0"/>
+            <a:t>Accuracy: 68.54%</a:t>
+          </a:r>
+          <a:endParaRPr lang="en-US" sz="2900" kern="1200" dirty="0"/>
+        </a:p>
+      </dsp:txBody>
+      <dsp:txXfrm>
+        <a:off x="4444402" y="1035479"/>
+        <a:ext cx="2327417" cy="1572552"/>
+      </dsp:txXfrm>
+    </dsp:sp>
+  </dsp:spTree>
+</dsp:drawing>
+</file>
+
 <file path=ppt/diagrams/layout1.xml><?xml version="1.0" encoding="utf-8"?>
 <dgm:layoutDef xmlns:dgm="http://schemas.openxmlformats.org/drawingml/2006/diagram" xmlns:a="http://schemas.openxmlformats.org/drawingml/2006/main" uniqueId="urn:microsoft.com/office/officeart/2005/8/layout/process5">
   <dgm:title val=""/>
@@ -2078,7 +3630,1342 @@
 </dgm:layoutDef>
 </file>
 
+<file path=ppt/diagrams/layout2.xml><?xml version="1.0" encoding="utf-8"?>
+<dgm:layoutDef xmlns:dgm="http://schemas.openxmlformats.org/drawingml/2006/diagram" xmlns:a="http://schemas.openxmlformats.org/drawingml/2006/main" uniqueId="urn:microsoft.com/office/officeart/2005/8/layout/process3">
+  <dgm:title val=""/>
+  <dgm:desc val=""/>
+  <dgm:catLst>
+    <dgm:cat type="process" pri="2000"/>
+  </dgm:catLst>
+  <dgm:sampData>
+    <dgm:dataModel>
+      <dgm:ptLst>
+        <dgm:pt modelId="0" type="doc"/>
+        <dgm:pt modelId="1">
+          <dgm:prSet phldr="1"/>
+        </dgm:pt>
+        <dgm:pt modelId="11">
+          <dgm:prSet phldr="1"/>
+        </dgm:pt>
+        <dgm:pt modelId="2">
+          <dgm:prSet phldr="1"/>
+        </dgm:pt>
+        <dgm:pt modelId="21">
+          <dgm:prSet phldr="1"/>
+        </dgm:pt>
+        <dgm:pt modelId="3">
+          <dgm:prSet phldr="1"/>
+        </dgm:pt>
+        <dgm:pt modelId="31">
+          <dgm:prSet phldr="1"/>
+        </dgm:pt>
+      </dgm:ptLst>
+      <dgm:cxnLst>
+        <dgm:cxn modelId="4" srcId="0" destId="1" srcOrd="0" destOrd="0"/>
+        <dgm:cxn modelId="5" srcId="0" destId="2" srcOrd="1" destOrd="0"/>
+        <dgm:cxn modelId="6" srcId="0" destId="3" srcOrd="3" destOrd="0"/>
+        <dgm:cxn modelId="12" srcId="1" destId="11" srcOrd="0" destOrd="0"/>
+        <dgm:cxn modelId="23" srcId="2" destId="21" srcOrd="0" destOrd="0"/>
+        <dgm:cxn modelId="34" srcId="3" destId="31" srcOrd="0" destOrd="0"/>
+      </dgm:cxnLst>
+      <dgm:bg/>
+      <dgm:whole/>
+    </dgm:dataModel>
+  </dgm:sampData>
+  <dgm:styleData>
+    <dgm:dataModel>
+      <dgm:ptLst>
+        <dgm:pt modelId="0" type="doc"/>
+        <dgm:pt modelId="1">
+          <dgm:prSet phldr="1"/>
+        </dgm:pt>
+        <dgm:pt modelId="11">
+          <dgm:prSet phldr="1"/>
+        </dgm:pt>
+        <dgm:pt modelId="2">
+          <dgm:prSet phldr="1"/>
+        </dgm:pt>
+        <dgm:pt modelId="21">
+          <dgm:prSet phldr="1"/>
+        </dgm:pt>
+      </dgm:ptLst>
+      <dgm:cxnLst>
+        <dgm:cxn modelId="4" srcId="0" destId="1" srcOrd="0" destOrd="0"/>
+        <dgm:cxn modelId="5" srcId="0" destId="2" srcOrd="1" destOrd="0"/>
+        <dgm:cxn modelId="13" srcId="1" destId="11" srcOrd="0" destOrd="0"/>
+        <dgm:cxn modelId="23" srcId="2" destId="21" srcOrd="0" destOrd="0"/>
+      </dgm:cxnLst>
+      <dgm:bg/>
+      <dgm:whole/>
+    </dgm:dataModel>
+  </dgm:styleData>
+  <dgm:clrData>
+    <dgm:dataModel>
+      <dgm:ptLst>
+        <dgm:pt modelId="0" type="doc"/>
+        <dgm:pt modelId="1">
+          <dgm:prSet phldr="1"/>
+        </dgm:pt>
+        <dgm:pt modelId="11">
+          <dgm:prSet phldr="1"/>
+        </dgm:pt>
+        <dgm:pt modelId="2">
+          <dgm:prSet phldr="1"/>
+        </dgm:pt>
+        <dgm:pt modelId="21">
+          <dgm:prSet phldr="1"/>
+        </dgm:pt>
+        <dgm:pt modelId="3">
+          <dgm:prSet phldr="1"/>
+        </dgm:pt>
+        <dgm:pt modelId="31">
+          <dgm:prSet phldr="1"/>
+        </dgm:pt>
+        <dgm:pt modelId="4">
+          <dgm:prSet phldr="1"/>
+        </dgm:pt>
+        <dgm:pt modelId="41">
+          <dgm:prSet phldr="1"/>
+        </dgm:pt>
+      </dgm:ptLst>
+      <dgm:cxnLst>
+        <dgm:cxn modelId="5" srcId="0" destId="1" srcOrd="0" destOrd="0"/>
+        <dgm:cxn modelId="6" srcId="0" destId="2" srcOrd="1" destOrd="0"/>
+        <dgm:cxn modelId="7" srcId="0" destId="3" srcOrd="2" destOrd="0"/>
+        <dgm:cxn modelId="8" srcId="0" destId="4" srcOrd="3" destOrd="0"/>
+        <dgm:cxn modelId="13" srcId="1" destId="11" srcOrd="0" destOrd="0"/>
+        <dgm:cxn modelId="23" srcId="2" destId="21" srcOrd="0" destOrd="0"/>
+        <dgm:cxn modelId="33" srcId="3" destId="31" srcOrd="0" destOrd="0"/>
+        <dgm:cxn modelId="43" srcId="4" destId="41" srcOrd="0" destOrd="0"/>
+      </dgm:cxnLst>
+      <dgm:bg/>
+      <dgm:whole/>
+    </dgm:dataModel>
+  </dgm:clrData>
+  <dgm:layoutNode name="linearFlow">
+    <dgm:varLst>
+      <dgm:dir/>
+      <dgm:animLvl val="lvl"/>
+      <dgm:resizeHandles val="exact"/>
+    </dgm:varLst>
+    <dgm:choose name="Name0">
+      <dgm:if name="Name1" func="var" arg="dir" op="equ" val="norm">
+        <dgm:alg type="lin"/>
+      </dgm:if>
+      <dgm:else name="Name2">
+        <dgm:alg type="lin">
+          <dgm:param type="linDir" val="fromR"/>
+        </dgm:alg>
+      </dgm:else>
+    </dgm:choose>
+    <dgm:shape xmlns:r="http://schemas.openxmlformats.org/officeDocument/2006/relationships" r:blip="">
+      <dgm:adjLst/>
+    </dgm:shape>
+    <dgm:presOf/>
+    <dgm:constrLst>
+      <dgm:constr type="w" for="ch" forName="composite" refType="w"/>
+      <dgm:constr type="w" for="ch" ptType="sibTrans" refType="w" refFor="ch" refForName="composite" fact="0.3333"/>
+      <dgm:constr type="w" for="des" forName="parTx"/>
+      <dgm:constr type="h" for="des" forName="parTx" op="equ"/>
+      <dgm:constr type="h" for="des" forName="parSh" op="equ"/>
+      <dgm:constr type="w" for="des" forName="desTx"/>
+      <dgm:constr type="h" for="des" forName="desTx" op="equ"/>
+      <dgm:constr type="w" for="des" forName="parSh"/>
+      <dgm:constr type="primFontSz" for="des" forName="parTx" val="65"/>
+      <dgm:constr type="secFontSz" for="des" forName="desTx" refType="primFontSz" refFor="des" refForName="parTx" op="equ"/>
+      <dgm:constr type="primFontSz" for="des" forName="connTx" refType="primFontSz" refFor="des" refForName="parTx" fact="0.8"/>
+      <dgm:constr type="primFontSz" for="des" forName="connTx" refType="primFontSz" refFor="des" refForName="parTx" op="lte" fact="0.8"/>
+      <dgm:constr type="h" for="des" forName="parTx" refType="primFontSz" refFor="des" refForName="parTx" fact="0.8"/>
+      <dgm:constr type="h" for="des" forName="parSh" refType="primFontSz" refFor="des" refForName="parTx" fact="1.2"/>
+      <dgm:constr type="h" for="des" forName="desTx" refType="primFontSz" refFor="des" refForName="parTx" fact="1.6"/>
+      <dgm:constr type="h" for="des" forName="parSh" refType="h" refFor="des" refForName="parTx" op="lte" fact="1.5"/>
+      <dgm:constr type="h" for="des" forName="parSh" refType="h" refFor="des" refForName="parTx" op="gte" fact="1.5"/>
+    </dgm:constrLst>
+    <dgm:ruleLst>
+      <dgm:rule type="w" for="ch" forName="composite" val="0" fact="NaN" max="NaN"/>
+      <dgm:rule type="primFontSz" for="des" forName="parTx" val="5" fact="NaN" max="NaN"/>
+    </dgm:ruleLst>
+    <dgm:forEach name="Name3" axis="ch" ptType="node">
+      <dgm:layoutNode name="composite">
+        <dgm:alg type="composite"/>
+        <dgm:shape xmlns:r="http://schemas.openxmlformats.org/officeDocument/2006/relationships" r:blip="">
+          <dgm:adjLst/>
+        </dgm:shape>
+        <dgm:presOf/>
+        <dgm:choose name="Name4">
+          <dgm:if name="Name5" func="var" arg="dir" op="equ" val="norm">
+            <dgm:constrLst>
+              <dgm:constr type="h" refType="w" fact="1000"/>
+              <dgm:constr type="l" for="ch" forName="parTx"/>
+              <dgm:constr type="w" for="ch" forName="parTx" refType="w" fact="0.83"/>
+              <dgm:constr type="t" for="ch" forName="parTx"/>
+              <dgm:constr type="l" for="ch" forName="parSh"/>
+              <dgm:constr type="w" for="ch" forName="parSh" refType="w" refFor="ch" refForName="parTx"/>
+              <dgm:constr type="t" for="ch" forName="parSh"/>
+              <dgm:constr type="l" for="ch" forName="desTx" refType="w" fact="0.17"/>
+              <dgm:constr type="w" for="ch" forName="desTx" refType="w" refFor="ch" refForName="parTx"/>
+              <dgm:constr type="t" for="ch" forName="desTx" refType="h" refFor="ch" refForName="parTx"/>
+            </dgm:constrLst>
+          </dgm:if>
+          <dgm:else name="Name6">
+            <dgm:constrLst>
+              <dgm:constr type="h" refType="w" fact="1000"/>
+              <dgm:constr type="l" for="ch" forName="parTx" refType="w" fact="0.17"/>
+              <dgm:constr type="w" for="ch" forName="parTx" refType="w" fact="0.83"/>
+              <dgm:constr type="t" for="ch" forName="parTx"/>
+              <dgm:constr type="l" for="ch" forName="parSh" refType="w" fact="0.15"/>
+              <dgm:constr type="w" for="ch" forName="parSh" refType="w" refFor="ch" refForName="parTx"/>
+              <dgm:constr type="t" for="ch" forName="parSh"/>
+              <dgm:constr type="l" for="ch" forName="desTx"/>
+              <dgm:constr type="w" for="ch" forName="desTx" refType="w" refFor="ch" refForName="parTx"/>
+              <dgm:constr type="t" for="ch" forName="desTx" refType="h" refFor="ch" refForName="parTx"/>
+            </dgm:constrLst>
+          </dgm:else>
+        </dgm:choose>
+        <dgm:ruleLst>
+          <dgm:rule type="h" val="INF" fact="NaN" max="NaN"/>
+        </dgm:ruleLst>
+        <dgm:layoutNode name="parTx">
+          <dgm:varLst>
+            <dgm:chMax val="0"/>
+            <dgm:chPref val="0"/>
+            <dgm:bulletEnabled val="1"/>
+          </dgm:varLst>
+          <dgm:alg type="tx">
+            <dgm:param type="parTxLTRAlign" val="l"/>
+            <dgm:param type="parTxRTLAlign" val="r"/>
+            <dgm:param type="txAnchorVert" val="t"/>
+          </dgm:alg>
+          <dgm:shape xmlns:r="http://schemas.openxmlformats.org/officeDocument/2006/relationships" type="rect" r:blip="" zOrderOff="1" hideGeom="1">
+            <dgm:adjLst>
+              <dgm:adj idx="1" val="0.1"/>
+            </dgm:adjLst>
+          </dgm:shape>
+          <dgm:presOf axis="self" ptType="node"/>
+          <dgm:constrLst>
+            <dgm:constr type="h" refType="w" op="lte" fact="0.4"/>
+            <dgm:constr type="bMarg" refType="primFontSz" fact="0.3"/>
+            <dgm:constr type="h"/>
+          </dgm:constrLst>
+          <dgm:ruleLst>
+            <dgm:rule type="h" val="INF" fact="NaN" max="NaN"/>
+          </dgm:ruleLst>
+        </dgm:layoutNode>
+        <dgm:layoutNode name="parSh">
+          <dgm:alg type="sp"/>
+          <dgm:shape xmlns:r="http://schemas.openxmlformats.org/officeDocument/2006/relationships" type="roundRect" r:blip="">
+            <dgm:adjLst>
+              <dgm:adj idx="1" val="0.1"/>
+            </dgm:adjLst>
+          </dgm:shape>
+          <dgm:presOf axis="self" ptType="node"/>
+          <dgm:constrLst>
+            <dgm:constr type="h"/>
+          </dgm:constrLst>
+          <dgm:ruleLst/>
+        </dgm:layoutNode>
+        <dgm:layoutNode name="desTx" styleLbl="fgAcc1">
+          <dgm:varLst>
+            <dgm:bulletEnabled val="1"/>
+          </dgm:varLst>
+          <dgm:alg type="tx">
+            <dgm:param type="stBulletLvl" val="1"/>
+          </dgm:alg>
+          <dgm:shape xmlns:r="http://schemas.openxmlformats.org/officeDocument/2006/relationships" type="roundRect" r:blip="">
+            <dgm:adjLst>
+              <dgm:adj idx="1" val="0.1"/>
+            </dgm:adjLst>
+          </dgm:shape>
+          <dgm:presOf axis="des" ptType="node"/>
+          <dgm:constrLst>
+            <dgm:constr type="secFontSz" val="65"/>
+            <dgm:constr type="primFontSz" refType="secFontSz"/>
+            <dgm:constr type="h"/>
+          </dgm:constrLst>
+          <dgm:ruleLst>
+            <dgm:rule type="h" val="INF" fact="NaN" max="NaN"/>
+          </dgm:ruleLst>
+        </dgm:layoutNode>
+      </dgm:layoutNode>
+      <dgm:forEach name="sibTransForEach" axis="followSib" ptType="sibTrans" cnt="1">
+        <dgm:layoutNode name="sibTrans">
+          <dgm:alg type="conn">
+            <dgm:param type="begPts" val="auto"/>
+            <dgm:param type="endPts" val="auto"/>
+            <dgm:param type="srcNode" val="parTx"/>
+            <dgm:param type="dstNode" val="parTx"/>
+          </dgm:alg>
+          <dgm:shape xmlns:r="http://schemas.openxmlformats.org/officeDocument/2006/relationships" type="conn" r:blip="">
+            <dgm:adjLst/>
+          </dgm:shape>
+          <dgm:presOf axis="self"/>
+          <dgm:constrLst>
+            <dgm:constr type="h" refType="w" fact="0.62"/>
+            <dgm:constr type="connDist"/>
+            <dgm:constr type="begPad" refType="connDist" fact="0.25"/>
+            <dgm:constr type="endPad" refType="connDist" fact="0.22"/>
+          </dgm:constrLst>
+          <dgm:ruleLst/>
+          <dgm:layoutNode name="connTx">
+            <dgm:alg type="tx">
+              <dgm:param type="autoTxRot" val="grav"/>
+            </dgm:alg>
+            <dgm:shape xmlns:r="http://schemas.openxmlformats.org/officeDocument/2006/relationships" type="conn" r:blip="" hideGeom="1">
+              <dgm:adjLst/>
+            </dgm:shape>
+            <dgm:presOf axis="self"/>
+            <dgm:constrLst>
+              <dgm:constr type="lMarg"/>
+              <dgm:constr type="rMarg"/>
+              <dgm:constr type="tMarg"/>
+              <dgm:constr type="bMarg"/>
+            </dgm:constrLst>
+            <dgm:ruleLst>
+              <dgm:rule type="primFontSz" val="5" fact="NaN" max="NaN"/>
+            </dgm:ruleLst>
+          </dgm:layoutNode>
+        </dgm:layoutNode>
+      </dgm:forEach>
+    </dgm:forEach>
+  </dgm:layoutNode>
+</dgm:layoutDef>
+</file>
+
 <file path=ppt/diagrams/quickStyle1.xml><?xml version="1.0" encoding="utf-8"?>
+<dgm:styleDef xmlns:dgm="http://schemas.openxmlformats.org/drawingml/2006/diagram" xmlns:a="http://schemas.openxmlformats.org/drawingml/2006/main" uniqueId="urn:microsoft.com/office/officeart/2005/8/quickstyle/simple1">
+  <dgm:title val=""/>
+  <dgm:desc val=""/>
+  <dgm:catLst>
+    <dgm:cat type="simple" pri="10100"/>
+  </dgm:catLst>
+  <dgm:scene3d>
+    <a:camera prst="orthographicFront"/>
+    <a:lightRig rig="threePt" dir="t"/>
+  </dgm:scene3d>
+  <dgm:styleLbl name="node0">
+    <dgm:scene3d>
+      <a:camera prst="orthographicFront"/>
+      <a:lightRig rig="threePt" dir="t"/>
+    </dgm:scene3d>
+    <dgm:sp3d/>
+    <dgm:txPr/>
+    <dgm:style>
+      <a:lnRef idx="2">
+        <a:scrgbClr r="0" g="0" b="0"/>
+      </a:lnRef>
+      <a:fillRef idx="1">
+        <a:scrgbClr r="0" g="0" b="0"/>
+      </a:fillRef>
+      <a:effectRef idx="0">
+        <a:scrgbClr r="0" g="0" b="0"/>
+      </a:effectRef>
+      <a:fontRef idx="minor">
+        <a:schemeClr val="lt1"/>
+      </a:fontRef>
+    </dgm:style>
+  </dgm:styleLbl>
+  <dgm:styleLbl name="lnNode1">
+    <dgm:scene3d>
+      <a:camera prst="orthographicFront"/>
+      <a:lightRig rig="threePt" dir="t"/>
+    </dgm:scene3d>
+    <dgm:sp3d/>
+    <dgm:txPr/>
+    <dgm:style>
+      <a:lnRef idx="2">
+        <a:scrgbClr r="0" g="0" b="0"/>
+      </a:lnRef>
+      <a:fillRef idx="1">
+        <a:scrgbClr r="0" g="0" b="0"/>
+      </a:fillRef>
+      <a:effectRef idx="0">
+        <a:scrgbClr r="0" g="0" b="0"/>
+      </a:effectRef>
+      <a:fontRef idx="minor">
+        <a:schemeClr val="lt1"/>
+      </a:fontRef>
+    </dgm:style>
+  </dgm:styleLbl>
+  <dgm:styleLbl name="vennNode1">
+    <dgm:scene3d>
+      <a:camera prst="orthographicFront"/>
+      <a:lightRig rig="threePt" dir="t"/>
+    </dgm:scene3d>
+    <dgm:sp3d/>
+    <dgm:txPr/>
+    <dgm:style>
+      <a:lnRef idx="2">
+        <a:scrgbClr r="0" g="0" b="0"/>
+      </a:lnRef>
+      <a:fillRef idx="1">
+        <a:scrgbClr r="0" g="0" b="0"/>
+      </a:fillRef>
+      <a:effectRef idx="0">
+        <a:scrgbClr r="0" g="0" b="0"/>
+      </a:effectRef>
+      <a:fontRef idx="minor">
+        <a:schemeClr val="tx1"/>
+      </a:fontRef>
+    </dgm:style>
+  </dgm:styleLbl>
+  <dgm:styleLbl name="alignNode1">
+    <dgm:scene3d>
+      <a:camera prst="orthographicFront"/>
+      <a:lightRig rig="threePt" dir="t"/>
+    </dgm:scene3d>
+    <dgm:sp3d/>
+    <dgm:txPr/>
+    <dgm:style>
+      <a:lnRef idx="2">
+        <a:scrgbClr r="0" g="0" b="0"/>
+      </a:lnRef>
+      <a:fillRef idx="1">
+        <a:scrgbClr r="0" g="0" b="0"/>
+      </a:fillRef>
+      <a:effectRef idx="0">
+        <a:scrgbClr r="0" g="0" b="0"/>
+      </a:effectRef>
+      <a:fontRef idx="minor">
+        <a:schemeClr val="lt1"/>
+      </a:fontRef>
+    </dgm:style>
+  </dgm:styleLbl>
+  <dgm:styleLbl name="node1">
+    <dgm:scene3d>
+      <a:camera prst="orthographicFront"/>
+      <a:lightRig rig="threePt" dir="t"/>
+    </dgm:scene3d>
+    <dgm:sp3d/>
+    <dgm:txPr/>
+    <dgm:style>
+      <a:lnRef idx="2">
+        <a:scrgbClr r="0" g="0" b="0"/>
+      </a:lnRef>
+      <a:fillRef idx="1">
+        <a:scrgbClr r="0" g="0" b="0"/>
+      </a:fillRef>
+      <a:effectRef idx="0">
+        <a:scrgbClr r="0" g="0" b="0"/>
+      </a:effectRef>
+      <a:fontRef idx="minor">
+        <a:schemeClr val="lt1"/>
+      </a:fontRef>
+    </dgm:style>
+  </dgm:styleLbl>
+  <dgm:styleLbl name="node2">
+    <dgm:scene3d>
+      <a:camera prst="orthographicFront"/>
+      <a:lightRig rig="threePt" dir="t"/>
+    </dgm:scene3d>
+    <dgm:sp3d/>
+    <dgm:txPr/>
+    <dgm:style>
+      <a:lnRef idx="2">
+        <a:scrgbClr r="0" g="0" b="0"/>
+      </a:lnRef>
+      <a:fillRef idx="1">
+        <a:scrgbClr r="0" g="0" b="0"/>
+      </a:fillRef>
+      <a:effectRef idx="0">
+        <a:scrgbClr r="0" g="0" b="0"/>
+      </a:effectRef>
+      <a:fontRef idx="minor">
+        <a:schemeClr val="lt1"/>
+      </a:fontRef>
+    </dgm:style>
+  </dgm:styleLbl>
+  <dgm:styleLbl name="node3">
+    <dgm:scene3d>
+      <a:camera prst="orthographicFront"/>
+      <a:lightRig rig="threePt" dir="t"/>
+    </dgm:scene3d>
+    <dgm:sp3d/>
+    <dgm:txPr/>
+    <dgm:style>
+      <a:lnRef idx="2">
+        <a:scrgbClr r="0" g="0" b="0"/>
+      </a:lnRef>
+      <a:fillRef idx="1">
+        <a:scrgbClr r="0" g="0" b="0"/>
+      </a:fillRef>
+      <a:effectRef idx="0">
+        <a:scrgbClr r="0" g="0" b="0"/>
+      </a:effectRef>
+      <a:fontRef idx="minor">
+        <a:schemeClr val="lt1"/>
+      </a:fontRef>
+    </dgm:style>
+  </dgm:styleLbl>
+  <dgm:styleLbl name="node4">
+    <dgm:scene3d>
+      <a:camera prst="orthographicFront"/>
+      <a:lightRig rig="threePt" dir="t"/>
+    </dgm:scene3d>
+    <dgm:sp3d/>
+    <dgm:txPr/>
+    <dgm:style>
+      <a:lnRef idx="2">
+        <a:scrgbClr r="0" g="0" b="0"/>
+      </a:lnRef>
+      <a:fillRef idx="1">
+        <a:scrgbClr r="0" g="0" b="0"/>
+      </a:fillRef>
+      <a:effectRef idx="0">
+        <a:scrgbClr r="0" g="0" b="0"/>
+      </a:effectRef>
+      <a:fontRef idx="minor">
+        <a:schemeClr val="lt1"/>
+      </a:fontRef>
+    </dgm:style>
+  </dgm:styleLbl>
+  <dgm:styleLbl name="fgImgPlace1">
+    <dgm:scene3d>
+      <a:camera prst="orthographicFront"/>
+      <a:lightRig rig="threePt" dir="t"/>
+    </dgm:scene3d>
+    <dgm:sp3d/>
+    <dgm:txPr/>
+    <dgm:style>
+      <a:lnRef idx="2">
+        <a:scrgbClr r="0" g="0" b="0"/>
+      </a:lnRef>
+      <a:fillRef idx="1">
+        <a:scrgbClr r="0" g="0" b="0"/>
+      </a:fillRef>
+      <a:effectRef idx="0">
+        <a:scrgbClr r="0" g="0" b="0"/>
+      </a:effectRef>
+      <a:fontRef idx="minor"/>
+    </dgm:style>
+  </dgm:styleLbl>
+  <dgm:styleLbl name="alignImgPlace1">
+    <dgm:scene3d>
+      <a:camera prst="orthographicFront"/>
+      <a:lightRig rig="threePt" dir="t"/>
+    </dgm:scene3d>
+    <dgm:sp3d/>
+    <dgm:txPr/>
+    <dgm:style>
+      <a:lnRef idx="2">
+        <a:scrgbClr r="0" g="0" b="0"/>
+      </a:lnRef>
+      <a:fillRef idx="1">
+        <a:scrgbClr r="0" g="0" b="0"/>
+      </a:fillRef>
+      <a:effectRef idx="0">
+        <a:scrgbClr r="0" g="0" b="0"/>
+      </a:effectRef>
+      <a:fontRef idx="minor"/>
+    </dgm:style>
+  </dgm:styleLbl>
+  <dgm:styleLbl name="bgImgPlace1">
+    <dgm:scene3d>
+      <a:camera prst="orthographicFront"/>
+      <a:lightRig rig="threePt" dir="t"/>
+    </dgm:scene3d>
+    <dgm:sp3d/>
+    <dgm:txPr/>
+    <dgm:style>
+      <a:lnRef idx="2">
+        <a:scrgbClr r="0" g="0" b="0"/>
+      </a:lnRef>
+      <a:fillRef idx="1">
+        <a:scrgbClr r="0" g="0" b="0"/>
+      </a:fillRef>
+      <a:effectRef idx="0">
+        <a:scrgbClr r="0" g="0" b="0"/>
+      </a:effectRef>
+      <a:fontRef idx="minor"/>
+    </dgm:style>
+  </dgm:styleLbl>
+  <dgm:styleLbl name="sibTrans2D1">
+    <dgm:scene3d>
+      <a:camera prst="orthographicFront"/>
+      <a:lightRig rig="threePt" dir="t"/>
+    </dgm:scene3d>
+    <dgm:sp3d/>
+    <dgm:txPr/>
+    <dgm:style>
+      <a:lnRef idx="0">
+        <a:scrgbClr r="0" g="0" b="0"/>
+      </a:lnRef>
+      <a:fillRef idx="1">
+        <a:scrgbClr r="0" g="0" b="0"/>
+      </a:fillRef>
+      <a:effectRef idx="0">
+        <a:scrgbClr r="0" g="0" b="0"/>
+      </a:effectRef>
+      <a:fontRef idx="minor">
+        <a:schemeClr val="lt1"/>
+      </a:fontRef>
+    </dgm:style>
+  </dgm:styleLbl>
+  <dgm:styleLbl name="fgSibTrans2D1">
+    <dgm:scene3d>
+      <a:camera prst="orthographicFront"/>
+      <a:lightRig rig="threePt" dir="t"/>
+    </dgm:scene3d>
+    <dgm:sp3d/>
+    <dgm:txPr/>
+    <dgm:style>
+      <a:lnRef idx="0">
+        <a:scrgbClr r="0" g="0" b="0"/>
+      </a:lnRef>
+      <a:fillRef idx="1">
+        <a:scrgbClr r="0" g="0" b="0"/>
+      </a:fillRef>
+      <a:effectRef idx="0">
+        <a:scrgbClr r="0" g="0" b="0"/>
+      </a:effectRef>
+      <a:fontRef idx="minor">
+        <a:schemeClr val="lt1"/>
+      </a:fontRef>
+    </dgm:style>
+  </dgm:styleLbl>
+  <dgm:styleLbl name="bgSibTrans2D1">
+    <dgm:scene3d>
+      <a:camera prst="orthographicFront"/>
+      <a:lightRig rig="threePt" dir="t"/>
+    </dgm:scene3d>
+    <dgm:sp3d/>
+    <dgm:txPr/>
+    <dgm:style>
+      <a:lnRef idx="0">
+        <a:scrgbClr r="0" g="0" b="0"/>
+      </a:lnRef>
+      <a:fillRef idx="1">
+        <a:scrgbClr r="0" g="0" b="0"/>
+      </a:fillRef>
+      <a:effectRef idx="0">
+        <a:scrgbClr r="0" g="0" b="0"/>
+      </a:effectRef>
+      <a:fontRef idx="minor">
+        <a:schemeClr val="lt1"/>
+      </a:fontRef>
+    </dgm:style>
+  </dgm:styleLbl>
+  <dgm:styleLbl name="sibTrans1D1">
+    <dgm:scene3d>
+      <a:camera prst="orthographicFront"/>
+      <a:lightRig rig="threePt" dir="t"/>
+    </dgm:scene3d>
+    <dgm:sp3d/>
+    <dgm:txPr/>
+    <dgm:style>
+      <a:lnRef idx="1">
+        <a:scrgbClr r="0" g="0" b="0"/>
+      </a:lnRef>
+      <a:fillRef idx="0">
+        <a:scrgbClr r="0" g="0" b="0"/>
+      </a:fillRef>
+      <a:effectRef idx="0">
+        <a:scrgbClr r="0" g="0" b="0"/>
+      </a:effectRef>
+      <a:fontRef idx="minor"/>
+    </dgm:style>
+  </dgm:styleLbl>
+  <dgm:styleLbl name="callout">
+    <dgm:scene3d>
+      <a:camera prst="orthographicFront"/>
+      <a:lightRig rig="threePt" dir="t"/>
+    </dgm:scene3d>
+    <dgm:sp3d/>
+    <dgm:txPr/>
+    <dgm:style>
+      <a:lnRef idx="2">
+        <a:scrgbClr r="0" g="0" b="0"/>
+      </a:lnRef>
+      <a:fillRef idx="1">
+        <a:scrgbClr r="0" g="0" b="0"/>
+      </a:fillRef>
+      <a:effectRef idx="0">
+        <a:scrgbClr r="0" g="0" b="0"/>
+      </a:effectRef>
+      <a:fontRef idx="minor"/>
+    </dgm:style>
+  </dgm:styleLbl>
+  <dgm:styleLbl name="asst0">
+    <dgm:scene3d>
+      <a:camera prst="orthographicFront"/>
+      <a:lightRig rig="threePt" dir="t"/>
+    </dgm:scene3d>
+    <dgm:sp3d/>
+    <dgm:txPr/>
+    <dgm:style>
+      <a:lnRef idx="2">
+        <a:scrgbClr r="0" g="0" b="0"/>
+      </a:lnRef>
+      <a:fillRef idx="1">
+        <a:scrgbClr r="0" g="0" b="0"/>
+      </a:fillRef>
+      <a:effectRef idx="0">
+        <a:scrgbClr r="0" g="0" b="0"/>
+      </a:effectRef>
+      <a:fontRef idx="minor">
+        <a:schemeClr val="lt1"/>
+      </a:fontRef>
+    </dgm:style>
+  </dgm:styleLbl>
+  <dgm:styleLbl name="asst1">
+    <dgm:scene3d>
+      <a:camera prst="orthographicFront"/>
+      <a:lightRig rig="threePt" dir="t"/>
+    </dgm:scene3d>
+    <dgm:sp3d/>
+    <dgm:txPr/>
+    <dgm:style>
+      <a:lnRef idx="2">
+        <a:scrgbClr r="0" g="0" b="0"/>
+      </a:lnRef>
+      <a:fillRef idx="1">
+        <a:scrgbClr r="0" g="0" b="0"/>
+      </a:fillRef>
+      <a:effectRef idx="0">
+        <a:scrgbClr r="0" g="0" b="0"/>
+      </a:effectRef>
+      <a:fontRef idx="minor">
+        <a:schemeClr val="lt1"/>
+      </a:fontRef>
+    </dgm:style>
+  </dgm:styleLbl>
+  <dgm:styleLbl name="asst2">
+    <dgm:scene3d>
+      <a:camera prst="orthographicFront"/>
+      <a:lightRig rig="threePt" dir="t"/>
+    </dgm:scene3d>
+    <dgm:sp3d/>
+    <dgm:txPr/>
+    <dgm:style>
+      <a:lnRef idx="2">
+        <a:scrgbClr r="0" g="0" b="0"/>
+      </a:lnRef>
+      <a:fillRef idx="1">
+        <a:scrgbClr r="0" g="0" b="0"/>
+      </a:fillRef>
+      <a:effectRef idx="0">
+        <a:scrgbClr r="0" g="0" b="0"/>
+      </a:effectRef>
+      <a:fontRef idx="minor">
+        <a:schemeClr val="lt1"/>
+      </a:fontRef>
+    </dgm:style>
+  </dgm:styleLbl>
+  <dgm:styleLbl name="asst3">
+    <dgm:scene3d>
+      <a:camera prst="orthographicFront"/>
+      <a:lightRig rig="threePt" dir="t"/>
+    </dgm:scene3d>
+    <dgm:sp3d/>
+    <dgm:txPr/>
+    <dgm:style>
+      <a:lnRef idx="2">
+        <a:scrgbClr r="0" g="0" b="0"/>
+      </a:lnRef>
+      <a:fillRef idx="1">
+        <a:scrgbClr r="0" g="0" b="0"/>
+      </a:fillRef>
+      <a:effectRef idx="0">
+        <a:scrgbClr r="0" g="0" b="0"/>
+      </a:effectRef>
+      <a:fontRef idx="minor">
+        <a:schemeClr val="lt1"/>
+      </a:fontRef>
+    </dgm:style>
+  </dgm:styleLbl>
+  <dgm:styleLbl name="asst4">
+    <dgm:scene3d>
+      <a:camera prst="orthographicFront"/>
+      <a:lightRig rig="threePt" dir="t"/>
+    </dgm:scene3d>
+    <dgm:sp3d/>
+    <dgm:txPr/>
+    <dgm:style>
+      <a:lnRef idx="2">
+        <a:scrgbClr r="0" g="0" b="0"/>
+      </a:lnRef>
+      <a:fillRef idx="1">
+        <a:scrgbClr r="0" g="0" b="0"/>
+      </a:fillRef>
+      <a:effectRef idx="0">
+        <a:scrgbClr r="0" g="0" b="0"/>
+      </a:effectRef>
+      <a:fontRef idx="minor">
+        <a:schemeClr val="lt1"/>
+      </a:fontRef>
+    </dgm:style>
+  </dgm:styleLbl>
+  <dgm:styleLbl name="parChTrans2D1">
+    <dgm:scene3d>
+      <a:camera prst="orthographicFront"/>
+      <a:lightRig rig="threePt" dir="t"/>
+    </dgm:scene3d>
+    <dgm:sp3d/>
+    <dgm:txPr/>
+    <dgm:style>
+      <a:lnRef idx="2">
+        <a:scrgbClr r="0" g="0" b="0"/>
+      </a:lnRef>
+      <a:fillRef idx="1">
+        <a:scrgbClr r="0" g="0" b="0"/>
+      </a:fillRef>
+      <a:effectRef idx="0">
+        <a:scrgbClr r="0" g="0" b="0"/>
+      </a:effectRef>
+      <a:fontRef idx="minor">
+        <a:schemeClr val="lt1"/>
+      </a:fontRef>
+    </dgm:style>
+  </dgm:styleLbl>
+  <dgm:styleLbl name="parChTrans2D2">
+    <dgm:scene3d>
+      <a:camera prst="orthographicFront"/>
+      <a:lightRig rig="threePt" dir="t"/>
+    </dgm:scene3d>
+    <dgm:sp3d/>
+    <dgm:txPr/>
+    <dgm:style>
+      <a:lnRef idx="2">
+        <a:scrgbClr r="0" g="0" b="0"/>
+      </a:lnRef>
+      <a:fillRef idx="1">
+        <a:scrgbClr r="0" g="0" b="0"/>
+      </a:fillRef>
+      <a:effectRef idx="0">
+        <a:scrgbClr r="0" g="0" b="0"/>
+      </a:effectRef>
+      <a:fontRef idx="minor">
+        <a:schemeClr val="lt1"/>
+      </a:fontRef>
+    </dgm:style>
+  </dgm:styleLbl>
+  <dgm:styleLbl name="parChTrans2D3">
+    <dgm:scene3d>
+      <a:camera prst="orthographicFront"/>
+      <a:lightRig rig="threePt" dir="t"/>
+    </dgm:scene3d>
+    <dgm:sp3d/>
+    <dgm:txPr/>
+    <dgm:style>
+      <a:lnRef idx="2">
+        <a:scrgbClr r="0" g="0" b="0"/>
+      </a:lnRef>
+      <a:fillRef idx="1">
+        <a:scrgbClr r="0" g="0" b="0"/>
+      </a:fillRef>
+      <a:effectRef idx="0">
+        <a:scrgbClr r="0" g="0" b="0"/>
+      </a:effectRef>
+      <a:fontRef idx="minor">
+        <a:schemeClr val="lt1"/>
+      </a:fontRef>
+    </dgm:style>
+  </dgm:styleLbl>
+  <dgm:styleLbl name="parChTrans2D4">
+    <dgm:scene3d>
+      <a:camera prst="orthographicFront"/>
+      <a:lightRig rig="threePt" dir="t"/>
+    </dgm:scene3d>
+    <dgm:sp3d/>
+    <dgm:txPr/>
+    <dgm:style>
+      <a:lnRef idx="2">
+        <a:scrgbClr r="0" g="0" b="0"/>
+      </a:lnRef>
+      <a:fillRef idx="1">
+        <a:scrgbClr r="0" g="0" b="0"/>
+      </a:fillRef>
+      <a:effectRef idx="0">
+        <a:scrgbClr r="0" g="0" b="0"/>
+      </a:effectRef>
+      <a:fontRef idx="minor">
+        <a:schemeClr val="lt1"/>
+      </a:fontRef>
+    </dgm:style>
+  </dgm:styleLbl>
+  <dgm:styleLbl name="parChTrans1D1">
+    <dgm:scene3d>
+      <a:camera prst="orthographicFront"/>
+      <a:lightRig rig="threePt" dir="t"/>
+    </dgm:scene3d>
+    <dgm:sp3d/>
+    <dgm:txPr/>
+    <dgm:style>
+      <a:lnRef idx="2">
+        <a:scrgbClr r="0" g="0" b="0"/>
+      </a:lnRef>
+      <a:fillRef idx="0">
+        <a:scrgbClr r="0" g="0" b="0"/>
+      </a:fillRef>
+      <a:effectRef idx="0">
+        <a:scrgbClr r="0" g="0" b="0"/>
+      </a:effectRef>
+      <a:fontRef idx="minor"/>
+    </dgm:style>
+  </dgm:styleLbl>
+  <dgm:styleLbl name="parChTrans1D2">
+    <dgm:scene3d>
+      <a:camera prst="orthographicFront"/>
+      <a:lightRig rig="threePt" dir="t"/>
+    </dgm:scene3d>
+    <dgm:sp3d/>
+    <dgm:txPr/>
+    <dgm:style>
+      <a:lnRef idx="2">
+        <a:scrgbClr r="0" g="0" b="0"/>
+      </a:lnRef>
+      <a:fillRef idx="0">
+        <a:scrgbClr r="0" g="0" b="0"/>
+      </a:fillRef>
+      <a:effectRef idx="0">
+        <a:scrgbClr r="0" g="0" b="0"/>
+      </a:effectRef>
+      <a:fontRef idx="minor"/>
+    </dgm:style>
+  </dgm:styleLbl>
+  <dgm:styleLbl name="parChTrans1D3">
+    <dgm:scene3d>
+      <a:camera prst="orthographicFront"/>
+      <a:lightRig rig="threePt" dir="t"/>
+    </dgm:scene3d>
+    <dgm:sp3d/>
+    <dgm:txPr/>
+    <dgm:style>
+      <a:lnRef idx="2">
+        <a:scrgbClr r="0" g="0" b="0"/>
+      </a:lnRef>
+      <a:fillRef idx="0">
+        <a:scrgbClr r="0" g="0" b="0"/>
+      </a:fillRef>
+      <a:effectRef idx="0">
+        <a:scrgbClr r="0" g="0" b="0"/>
+      </a:effectRef>
+      <a:fontRef idx="minor"/>
+    </dgm:style>
+  </dgm:styleLbl>
+  <dgm:styleLbl name="parChTrans1D4">
+    <dgm:scene3d>
+      <a:camera prst="orthographicFront"/>
+      <a:lightRig rig="threePt" dir="t"/>
+    </dgm:scene3d>
+    <dgm:sp3d/>
+    <dgm:txPr/>
+    <dgm:style>
+      <a:lnRef idx="2">
+        <a:scrgbClr r="0" g="0" b="0"/>
+      </a:lnRef>
+      <a:fillRef idx="0">
+        <a:scrgbClr r="0" g="0" b="0"/>
+      </a:fillRef>
+      <a:effectRef idx="0">
+        <a:scrgbClr r="0" g="0" b="0"/>
+      </a:effectRef>
+      <a:fontRef idx="minor"/>
+    </dgm:style>
+  </dgm:styleLbl>
+  <dgm:styleLbl name="fgAcc1">
+    <dgm:scene3d>
+      <a:camera prst="orthographicFront"/>
+      <a:lightRig rig="threePt" dir="t"/>
+    </dgm:scene3d>
+    <dgm:sp3d/>
+    <dgm:txPr/>
+    <dgm:style>
+      <a:lnRef idx="2">
+        <a:scrgbClr r="0" g="0" b="0"/>
+      </a:lnRef>
+      <a:fillRef idx="1">
+        <a:scrgbClr r="0" g="0" b="0"/>
+      </a:fillRef>
+      <a:effectRef idx="0">
+        <a:scrgbClr r="0" g="0" b="0"/>
+      </a:effectRef>
+      <a:fontRef idx="minor"/>
+    </dgm:style>
+  </dgm:styleLbl>
+  <dgm:styleLbl name="conFgAcc1">
+    <dgm:scene3d>
+      <a:camera prst="orthographicFront"/>
+      <a:lightRig rig="threePt" dir="t"/>
+    </dgm:scene3d>
+    <dgm:sp3d/>
+    <dgm:txPr/>
+    <dgm:style>
+      <a:lnRef idx="2">
+        <a:scrgbClr r="0" g="0" b="0"/>
+      </a:lnRef>
+      <a:fillRef idx="1">
+        <a:scrgbClr r="0" g="0" b="0"/>
+      </a:fillRef>
+      <a:effectRef idx="0">
+        <a:scrgbClr r="0" g="0" b="0"/>
+      </a:effectRef>
+      <a:fontRef idx="minor"/>
+    </dgm:style>
+  </dgm:styleLbl>
+  <dgm:styleLbl name="alignAcc1">
+    <dgm:scene3d>
+      <a:camera prst="orthographicFront"/>
+      <a:lightRig rig="threePt" dir="t"/>
+    </dgm:scene3d>
+    <dgm:sp3d/>
+    <dgm:txPr/>
+    <dgm:style>
+      <a:lnRef idx="2">
+        <a:scrgbClr r="0" g="0" b="0"/>
+      </a:lnRef>
+      <a:fillRef idx="1">
+        <a:scrgbClr r="0" g="0" b="0"/>
+      </a:fillRef>
+      <a:effectRef idx="0">
+        <a:scrgbClr r="0" g="0" b="0"/>
+      </a:effectRef>
+      <a:fontRef idx="minor"/>
+    </dgm:style>
+  </dgm:styleLbl>
+  <dgm:styleLbl name="trAlignAcc1">
+    <dgm:scene3d>
+      <a:camera prst="orthographicFront"/>
+      <a:lightRig rig="threePt" dir="t"/>
+    </dgm:scene3d>
+    <dgm:sp3d/>
+    <dgm:txPr/>
+    <dgm:style>
+      <a:lnRef idx="1">
+        <a:scrgbClr r="0" g="0" b="0"/>
+      </a:lnRef>
+      <a:fillRef idx="1">
+        <a:scrgbClr r="0" g="0" b="0"/>
+      </a:fillRef>
+      <a:effectRef idx="0">
+        <a:scrgbClr r="0" g="0" b="0"/>
+      </a:effectRef>
+      <a:fontRef idx="minor"/>
+    </dgm:style>
+  </dgm:styleLbl>
+  <dgm:styleLbl name="bgAcc1">
+    <dgm:scene3d>
+      <a:camera prst="orthographicFront"/>
+      <a:lightRig rig="threePt" dir="t"/>
+    </dgm:scene3d>
+    <dgm:sp3d/>
+    <dgm:txPr/>
+    <dgm:style>
+      <a:lnRef idx="2">
+        <a:scrgbClr r="0" g="0" b="0"/>
+      </a:lnRef>
+      <a:fillRef idx="1">
+        <a:scrgbClr r="0" g="0" b="0"/>
+      </a:fillRef>
+      <a:effectRef idx="0">
+        <a:scrgbClr r="0" g="0" b="0"/>
+      </a:effectRef>
+      <a:fontRef idx="minor"/>
+    </dgm:style>
+  </dgm:styleLbl>
+  <dgm:styleLbl name="solidFgAcc1">
+    <dgm:scene3d>
+      <a:camera prst="orthographicFront"/>
+      <a:lightRig rig="threePt" dir="t"/>
+    </dgm:scene3d>
+    <dgm:sp3d/>
+    <dgm:txPr/>
+    <dgm:style>
+      <a:lnRef idx="2">
+        <a:scrgbClr r="0" g="0" b="0"/>
+      </a:lnRef>
+      <a:fillRef idx="1">
+        <a:scrgbClr r="0" g="0" b="0"/>
+      </a:fillRef>
+      <a:effectRef idx="0">
+        <a:scrgbClr r="0" g="0" b="0"/>
+      </a:effectRef>
+      <a:fontRef idx="minor"/>
+    </dgm:style>
+  </dgm:styleLbl>
+  <dgm:styleLbl name="solidAlignAcc1">
+    <dgm:scene3d>
+      <a:camera prst="orthographicFront"/>
+      <a:lightRig rig="threePt" dir="t"/>
+    </dgm:scene3d>
+    <dgm:sp3d/>
+    <dgm:txPr/>
+    <dgm:style>
+      <a:lnRef idx="2">
+        <a:scrgbClr r="0" g="0" b="0"/>
+      </a:lnRef>
+      <a:fillRef idx="1">
+        <a:scrgbClr r="0" g="0" b="0"/>
+      </a:fillRef>
+      <a:effectRef idx="0">
+        <a:scrgbClr r="0" g="0" b="0"/>
+      </a:effectRef>
+      <a:fontRef idx="minor"/>
+    </dgm:style>
+  </dgm:styleLbl>
+  <dgm:styleLbl name="solidBgAcc1">
+    <dgm:scene3d>
+      <a:camera prst="orthographicFront"/>
+      <a:lightRig rig="threePt" dir="t"/>
+    </dgm:scene3d>
+    <dgm:sp3d/>
+    <dgm:txPr/>
+    <dgm:style>
+      <a:lnRef idx="2">
+        <a:scrgbClr r="0" g="0" b="0"/>
+      </a:lnRef>
+      <a:fillRef idx="1">
+        <a:scrgbClr r="0" g="0" b="0"/>
+      </a:fillRef>
+      <a:effectRef idx="0">
+        <a:scrgbClr r="0" g="0" b="0"/>
+      </a:effectRef>
+      <a:fontRef idx="minor"/>
+    </dgm:style>
+  </dgm:styleLbl>
+  <dgm:styleLbl name="fgAccFollowNode1">
+    <dgm:scene3d>
+      <a:camera prst="orthographicFront"/>
+      <a:lightRig rig="threePt" dir="t"/>
+    </dgm:scene3d>
+    <dgm:sp3d/>
+    <dgm:txPr/>
+    <dgm:style>
+      <a:lnRef idx="2">
+        <a:scrgbClr r="0" g="0" b="0"/>
+      </a:lnRef>
+      <a:fillRef idx="1">
+        <a:scrgbClr r="0" g="0" b="0"/>
+      </a:fillRef>
+      <a:effectRef idx="0">
+        <a:scrgbClr r="0" g="0" b="0"/>
+      </a:effectRef>
+      <a:fontRef idx="minor"/>
+    </dgm:style>
+  </dgm:styleLbl>
+  <dgm:styleLbl name="alignAccFollowNode1">
+    <dgm:scene3d>
+      <a:camera prst="orthographicFront"/>
+      <a:lightRig rig="threePt" dir="t"/>
+    </dgm:scene3d>
+    <dgm:sp3d/>
+    <dgm:txPr/>
+    <dgm:style>
+      <a:lnRef idx="2">
+        <a:scrgbClr r="0" g="0" b="0"/>
+      </a:lnRef>
+      <a:fillRef idx="1">
+        <a:scrgbClr r="0" g="0" b="0"/>
+      </a:fillRef>
+      <a:effectRef idx="0">
+        <a:scrgbClr r="0" g="0" b="0"/>
+      </a:effectRef>
+      <a:fontRef idx="minor"/>
+    </dgm:style>
+  </dgm:styleLbl>
+  <dgm:styleLbl name="bgAccFollowNode1">
+    <dgm:scene3d>
+      <a:camera prst="orthographicFront"/>
+      <a:lightRig rig="threePt" dir="t"/>
+    </dgm:scene3d>
+    <dgm:sp3d/>
+    <dgm:txPr/>
+    <dgm:style>
+      <a:lnRef idx="2">
+        <a:scrgbClr r="0" g="0" b="0"/>
+      </a:lnRef>
+      <a:fillRef idx="1">
+        <a:scrgbClr r="0" g="0" b="0"/>
+      </a:fillRef>
+      <a:effectRef idx="0">
+        <a:scrgbClr r="0" g="0" b="0"/>
+      </a:effectRef>
+      <a:fontRef idx="minor"/>
+    </dgm:style>
+  </dgm:styleLbl>
+  <dgm:styleLbl name="fgAcc0">
+    <dgm:scene3d>
+      <a:camera prst="orthographicFront"/>
+      <a:lightRig rig="threePt" dir="t"/>
+    </dgm:scene3d>
+    <dgm:sp3d/>
+    <dgm:txPr/>
+    <dgm:style>
+      <a:lnRef idx="2">
+        <a:scrgbClr r="0" g="0" b="0"/>
+      </a:lnRef>
+      <a:fillRef idx="1">
+        <a:scrgbClr r="0" g="0" b="0"/>
+      </a:fillRef>
+      <a:effectRef idx="0">
+        <a:scrgbClr r="0" g="0" b="0"/>
+      </a:effectRef>
+      <a:fontRef idx="minor"/>
+    </dgm:style>
+  </dgm:styleLbl>
+  <dgm:styleLbl name="fgAcc2">
+    <dgm:scene3d>
+      <a:camera prst="orthographicFront"/>
+      <a:lightRig rig="threePt" dir="t"/>
+    </dgm:scene3d>
+    <dgm:sp3d/>
+    <dgm:txPr/>
+    <dgm:style>
+      <a:lnRef idx="2">
+        <a:scrgbClr r="0" g="0" b="0"/>
+      </a:lnRef>
+      <a:fillRef idx="1">
+        <a:scrgbClr r="0" g="0" b="0"/>
+      </a:fillRef>
+      <a:effectRef idx="0">
+        <a:scrgbClr r="0" g="0" b="0"/>
+      </a:effectRef>
+      <a:fontRef idx="minor"/>
+    </dgm:style>
+  </dgm:styleLbl>
+  <dgm:styleLbl name="fgAcc3">
+    <dgm:scene3d>
+      <a:camera prst="orthographicFront"/>
+      <a:lightRig rig="threePt" dir="t"/>
+    </dgm:scene3d>
+    <dgm:sp3d/>
+    <dgm:txPr/>
+    <dgm:style>
+      <a:lnRef idx="2">
+        <a:scrgbClr r="0" g="0" b="0"/>
+      </a:lnRef>
+      <a:fillRef idx="1">
+        <a:scrgbClr r="0" g="0" b="0"/>
+      </a:fillRef>
+      <a:effectRef idx="0">
+        <a:scrgbClr r="0" g="0" b="0"/>
+      </a:effectRef>
+      <a:fontRef idx="minor"/>
+    </dgm:style>
+  </dgm:styleLbl>
+  <dgm:styleLbl name="fgAcc4">
+    <dgm:scene3d>
+      <a:camera prst="orthographicFront"/>
+      <a:lightRig rig="threePt" dir="t"/>
+    </dgm:scene3d>
+    <dgm:sp3d/>
+    <dgm:txPr/>
+    <dgm:style>
+      <a:lnRef idx="2">
+        <a:scrgbClr r="0" g="0" b="0"/>
+      </a:lnRef>
+      <a:fillRef idx="1">
+        <a:scrgbClr r="0" g="0" b="0"/>
+      </a:fillRef>
+      <a:effectRef idx="0">
+        <a:scrgbClr r="0" g="0" b="0"/>
+      </a:effectRef>
+      <a:fontRef idx="minor"/>
+    </dgm:style>
+  </dgm:styleLbl>
+  <dgm:styleLbl name="bgShp">
+    <dgm:scene3d>
+      <a:camera prst="orthographicFront"/>
+      <a:lightRig rig="threePt" dir="t"/>
+    </dgm:scene3d>
+    <dgm:sp3d/>
+    <dgm:txPr/>
+    <dgm:style>
+      <a:lnRef idx="0">
+        <a:scrgbClr r="0" g="0" b="0"/>
+      </a:lnRef>
+      <a:fillRef idx="1">
+        <a:scrgbClr r="0" g="0" b="0"/>
+      </a:fillRef>
+      <a:effectRef idx="0">
+        <a:scrgbClr r="0" g="0" b="0"/>
+      </a:effectRef>
+      <a:fontRef idx="minor"/>
+    </dgm:style>
+  </dgm:styleLbl>
+  <dgm:styleLbl name="dkBgShp">
+    <dgm:scene3d>
+      <a:camera prst="orthographicFront"/>
+      <a:lightRig rig="threePt" dir="t"/>
+    </dgm:scene3d>
+    <dgm:sp3d/>
+    <dgm:txPr/>
+    <dgm:style>
+      <a:lnRef idx="0">
+        <a:scrgbClr r="0" g="0" b="0"/>
+      </a:lnRef>
+      <a:fillRef idx="1">
+        <a:scrgbClr r="0" g="0" b="0"/>
+      </a:fillRef>
+      <a:effectRef idx="0">
+        <a:scrgbClr r="0" g="0" b="0"/>
+      </a:effectRef>
+      <a:fontRef idx="minor"/>
+    </dgm:style>
+  </dgm:styleLbl>
+  <dgm:styleLbl name="trBgShp">
+    <dgm:scene3d>
+      <a:camera prst="orthographicFront"/>
+      <a:lightRig rig="threePt" dir="t"/>
+    </dgm:scene3d>
+    <dgm:sp3d/>
+    <dgm:txPr/>
+    <dgm:style>
+      <a:lnRef idx="0">
+        <a:scrgbClr r="0" g="0" b="0"/>
+      </a:lnRef>
+      <a:fillRef idx="1">
+        <a:scrgbClr r="0" g="0" b="0"/>
+      </a:fillRef>
+      <a:effectRef idx="0">
+        <a:scrgbClr r="0" g="0" b="0"/>
+      </a:effectRef>
+      <a:fontRef idx="minor"/>
+    </dgm:style>
+  </dgm:styleLbl>
+  <dgm:styleLbl name="fgShp">
+    <dgm:scene3d>
+      <a:camera prst="orthographicFront"/>
+      <a:lightRig rig="threePt" dir="t"/>
+    </dgm:scene3d>
+    <dgm:sp3d/>
+    <dgm:txPr/>
+    <dgm:style>
+      <a:lnRef idx="2">
+        <a:scrgbClr r="0" g="0" b="0"/>
+      </a:lnRef>
+      <a:fillRef idx="1">
+        <a:scrgbClr r="0" g="0" b="0"/>
+      </a:fillRef>
+      <a:effectRef idx="0">
+        <a:scrgbClr r="0" g="0" b="0"/>
+      </a:effectRef>
+      <a:fontRef idx="minor"/>
+    </dgm:style>
+  </dgm:styleLbl>
+  <dgm:styleLbl name="revTx">
+    <dgm:scene3d>
+      <a:camera prst="orthographicFront"/>
+      <a:lightRig rig="threePt" dir="t"/>
+    </dgm:scene3d>
+    <dgm:sp3d/>
+    <dgm:txPr/>
+    <dgm:style>
+      <a:lnRef idx="0">
+        <a:scrgbClr r="0" g="0" b="0"/>
+      </a:lnRef>
+      <a:fillRef idx="0">
+        <a:scrgbClr r="0" g="0" b="0"/>
+      </a:fillRef>
+      <a:effectRef idx="0">
+        <a:scrgbClr r="0" g="0" b="0"/>
+      </a:effectRef>
+      <a:fontRef idx="minor"/>
+    </dgm:style>
+  </dgm:styleLbl>
+</dgm:styleDef>
+</file>
+
+<file path=ppt/diagrams/quickStyle2.xml><?xml version="1.0" encoding="utf-8"?>
 <dgm:styleDef xmlns:dgm="http://schemas.openxmlformats.org/drawingml/2006/diagram" xmlns:a="http://schemas.openxmlformats.org/drawingml/2006/main" uniqueId="urn:microsoft.com/office/officeart/2005/8/quickstyle/simple1">
   <dgm:title val=""/>
   <dgm:desc val=""/>
@@ -3229,7 +6116,7 @@
             <a:fld id="{A32DC80D-291A-4ABB-A78B-0417274A267C}" type="datetime4">
               <a:rPr lang="de-DE"/>
               <a:pPr/>
-              <a:t>25. Mai 2014</a:t>
+              <a:t>26. Mai 2014</a:t>
             </a:fld>
             <a:endParaRPr lang="de-DE"/>
           </a:p>
@@ -3614,7 +6501,7 @@
             <a:fld id="{065B079B-E513-489A-8A1B-D7C78493EA86}" type="datetime4">
               <a:rPr lang="de-DE"/>
               <a:pPr/>
-              <a:t>25. Mai 2014</a:t>
+              <a:t>26. Mai 2014</a:t>
             </a:fld>
             <a:endParaRPr lang="de-DE"/>
           </a:p>
@@ -4250,7 +7137,7 @@
             <a:fld id="{065B079B-E513-489A-8A1B-D7C78493EA86}" type="datetime4">
               <a:rPr lang="de-DE" smtClean="0"/>
               <a:pPr/>
-              <a:t>25. Mai 2014</a:t>
+              <a:t>26. Mai 2014</a:t>
             </a:fld>
             <a:endParaRPr lang="de-DE"/>
           </a:p>
@@ -4689,7 +7576,7 @@
                 <a:tabLst/>
                 <a:defRPr/>
               </a:pPr>
-              <a:t>25.05.2014</a:t>
+              <a:t>26.05.2014</a:t>
             </a:fld>
             <a:r>
               <a:rPr kumimoji="0" lang="de-DE" sz="1000" b="0" i="0" u="none" strike="noStrike" kern="1200" cap="none" spc="0" normalizeH="0" baseline="0" noProof="0" dirty="0" smtClean="0">
@@ -6180,7 +9067,7 @@
                 <a:tabLst/>
                 <a:defRPr/>
               </a:pPr>
-              <a:t>25.05.2014</a:t>
+              <a:t>26.05.2014</a:t>
             </a:fld>
             <a:r>
               <a:rPr kumimoji="0" lang="de-DE" sz="1000" b="0" i="0" u="none" strike="noStrike" kern="1200" cap="none" spc="0" normalizeH="0" baseline="0" noProof="0" dirty="0" smtClean="0">
@@ -7803,28 +10690,85 @@
           <a:p>
             <a:r>
               <a:rPr lang="de-DE" dirty="0" smtClean="0"/>
-              <a:t>Model Training: Train separately for known/unknown customer</a:t>
+              <a:t>Model Training: </a:t>
+            </a:r>
+            <a:r>
+              <a:rPr lang="de-DE" dirty="0" smtClean="0"/>
+              <a:t>Separate Models for known and unknown customer</a:t>
             </a:r>
             <a:endParaRPr lang="en-US" dirty="0"/>
           </a:p>
         </p:txBody>
       </p:sp>
+      <p:graphicFrame>
+        <p:nvGraphicFramePr>
+          <p:cNvPr id="4" name="Content Placeholder 3"/>
+          <p:cNvGraphicFramePr>
+            <a:graphicFrameLocks noGrp="1"/>
+          </p:cNvGraphicFramePr>
+          <p:nvPr>
+            <p:ph idx="1"/>
+            <p:extLst>
+              <p:ext uri="{D42A27DB-BD31-4B8C-83A1-F6EECF244321}">
+                <p14:modId xmlns:p14="http://schemas.microsoft.com/office/powerpoint/2010/main" val="3711246334"/>
+              </p:ext>
+            </p:extLst>
+          </p:nvPr>
+        </p:nvGraphicFramePr>
+        <p:xfrm>
+          <a:off x="971600" y="3284984"/>
+          <a:ext cx="6823569" cy="2808312"/>
+        </p:xfrm>
+        <a:graphic>
+          <a:graphicData uri="http://schemas.openxmlformats.org/drawingml/2006/diagram">
+            <dgm:relIds xmlns:dgm="http://schemas.openxmlformats.org/drawingml/2006/diagram" xmlns:r="http://schemas.openxmlformats.org/officeDocument/2006/relationships" r:dm="rId2" r:lo="rId3" r:qs="rId4" r:cs="rId5"/>
+          </a:graphicData>
+        </a:graphic>
+      </p:graphicFrame>
       <p:sp>
         <p:nvSpPr>
-          <p:cNvPr id="3" name="Content Placeholder 2"/>
-          <p:cNvSpPr>
-            <a:spLocks noGrp="1"/>
-          </p:cNvSpPr>
-          <p:nvPr>
-            <p:ph idx="1"/>
-          </p:nvPr>
+          <p:cNvPr id="5" name="TextBox 4"/>
+          <p:cNvSpPr txBox="1"/>
+          <p:nvPr/>
         </p:nvSpPr>
-        <p:spPr/>
+        <p:spPr>
+          <a:xfrm>
+            <a:off x="323528" y="1640994"/>
+            <a:ext cx="8136904" cy="1323439"/>
+          </a:xfrm>
+          <a:prstGeom prst="rect">
+            <a:avLst/>
+          </a:prstGeom>
+          <a:noFill/>
+        </p:spPr>
         <p:txBody>
-          <a:bodyPr/>
+          <a:bodyPr wrap="square" rtlCol="0">
+            <a:spAutoFit/>
+          </a:bodyPr>
           <a:lstStyle/>
           <a:p>
-            <a:endParaRPr lang="en-US" dirty="0"/>
+            <a:r>
+              <a:rPr lang="de-DE" sz="2000" dirty="0" smtClean="0">
+                <a:latin typeface="+mn-lt"/>
+              </a:rPr>
+              <a:t>Observation: Models use lots of customer related attributes which are not known for new customers yet.</a:t>
+            </a:r>
+          </a:p>
+          <a:p>
+            <a:endParaRPr lang="de-DE" sz="2000" dirty="0">
+              <a:latin typeface="+mn-lt"/>
+            </a:endParaRPr>
+          </a:p>
+          <a:p>
+            <a:r>
+              <a:rPr lang="de-DE" sz="2000" dirty="0" smtClean="0">
+                <a:latin typeface="+mn-lt"/>
+              </a:rPr>
+              <a:t>Idea: Train separate models for known and unknown customers.</a:t>
+            </a:r>
+            <a:endParaRPr lang="en-US" sz="2000" dirty="0">
+              <a:latin typeface="+mn-lt"/>
+            </a:endParaRPr>
           </a:p>
         </p:txBody>
       </p:sp>

--- a/doc/pres-prudsys.pptx
+++ b/doc/pres-prudsys.pptx
@@ -9652,8 +9652,8 @@
         </p:blipFill>
         <p:spPr>
           <a:xfrm>
-            <a:off x="3851920" y="4836880"/>
-            <a:ext cx="1656184" cy="1256416"/>
+            <a:off x="3779912" y="5083274"/>
+            <a:ext cx="1331391" cy="1010021"/>
           </a:xfrm>
           <a:prstGeom prst="rect">
             <a:avLst/>
@@ -10594,8 +10594,36 @@
           <a:p>
             <a:r>
               <a:rPr lang="de-DE" dirty="0" smtClean="0"/>
-              <a:t>Understanding the properties of the problem and its interactions as well as the algorithms used leads to:</a:t>
+              <a:t>Good Feature Engineering involves</a:t>
             </a:r>
+          </a:p>
+          <a:p>
+            <a:pPr marL="342900" indent="-342900">
+              <a:buFont typeface="Arial" pitchFamily="34" charset="0"/>
+              <a:buChar char="•"/>
+            </a:pPr>
+            <a:r>
+              <a:rPr lang="de-DE" dirty="0" smtClean="0"/>
+              <a:t>Understanding the Properties of the Task and their interaction with the strengths and limitations with the classifier used</a:t>
+            </a:r>
+          </a:p>
+          <a:p>
+            <a:pPr marL="342900" indent="-342900">
+              <a:buFont typeface="Arial" pitchFamily="34" charset="0"/>
+              <a:buChar char="•"/>
+            </a:pPr>
+            <a:r>
+              <a:rPr lang="de-DE" dirty="0" smtClean="0"/>
+              <a:t>Experimental Work</a:t>
+            </a:r>
+            <a:endParaRPr lang="de-DE" dirty="0"/>
+          </a:p>
+          <a:p>
+            <a:r>
+              <a:rPr lang="de-DE" dirty="0" smtClean="0"/>
+              <a:t>And led to (inter alia)</a:t>
+            </a:r>
+            <a:endParaRPr lang="de-DE" dirty="0" smtClean="0"/>
           </a:p>
           <a:p>
             <a:pPr marL="342900" indent="-342900">

--- a/doc/pres-prudsys.pptx
+++ b/doc/pres-prudsys.pptx
@@ -5,16 +5,18 @@
     <p:sldMasterId id="2147483648" r:id="rId1"/>
   </p:sldMasterIdLst>
   <p:notesMasterIdLst>
-    <p:notesMasterId r:id="rId6"/>
+    <p:notesMasterId r:id="rId8"/>
   </p:notesMasterIdLst>
   <p:handoutMasterIdLst>
-    <p:handoutMasterId r:id="rId7"/>
+    <p:handoutMasterId r:id="rId9"/>
   </p:handoutMasterIdLst>
   <p:sldIdLst>
     <p:sldId id="256" r:id="rId2"/>
     <p:sldId id="258" r:id="rId3"/>
     <p:sldId id="260" r:id="rId4"/>
     <p:sldId id="259" r:id="rId5"/>
+    <p:sldId id="262" r:id="rId6"/>
+    <p:sldId id="261" r:id="rId7"/>
   </p:sldIdLst>
   <p:sldSz cx="9144000" cy="6858000" type="screen4x3"/>
   <p:notesSz cx="6858000" cy="9144000"/>
@@ -2428,6 +2430,13 @@
         </dgm:presLayoutVars>
       </dgm:prSet>
       <dgm:spPr/>
+      <dgm:t>
+        <a:bodyPr/>
+        <a:lstStyle/>
+        <a:p>
+          <a:endParaRPr lang="en-US"/>
+        </a:p>
+      </dgm:t>
     </dgm:pt>
     <dgm:pt modelId="{60097DF5-3175-4BA0-9C9A-650E86943C57}" type="pres">
       <dgm:prSet presAssocID="{19E1A2AC-DC1C-4066-A138-3B4A94B2C142}" presName="composite" presStyleCnt="0"/>
@@ -2442,10 +2451,24 @@
         </dgm:presLayoutVars>
       </dgm:prSet>
       <dgm:spPr/>
+      <dgm:t>
+        <a:bodyPr/>
+        <a:lstStyle/>
+        <a:p>
+          <a:endParaRPr lang="en-US"/>
+        </a:p>
+      </dgm:t>
     </dgm:pt>
     <dgm:pt modelId="{A90CE6AF-EEB9-4F4C-AF8C-474F968A4847}" type="pres">
       <dgm:prSet presAssocID="{19E1A2AC-DC1C-4066-A138-3B4A94B2C142}" presName="parSh" presStyleLbl="node1" presStyleIdx="0" presStyleCnt="2"/>
       <dgm:spPr/>
+      <dgm:t>
+        <a:bodyPr/>
+        <a:lstStyle/>
+        <a:p>
+          <a:endParaRPr lang="en-US"/>
+        </a:p>
+      </dgm:t>
     </dgm:pt>
     <dgm:pt modelId="{CA062347-00FC-4CFA-BBB5-6843A8858B2D}" type="pres">
       <dgm:prSet presAssocID="{19E1A2AC-DC1C-4066-A138-3B4A94B2C142}" presName="desTx" presStyleLbl="fgAcc1" presStyleIdx="0" presStyleCnt="2">
@@ -2454,14 +2477,35 @@
         </dgm:presLayoutVars>
       </dgm:prSet>
       <dgm:spPr/>
+      <dgm:t>
+        <a:bodyPr/>
+        <a:lstStyle/>
+        <a:p>
+          <a:endParaRPr lang="en-US"/>
+        </a:p>
+      </dgm:t>
     </dgm:pt>
     <dgm:pt modelId="{D770E38D-C360-4F83-B09E-C7842B0B8617}" type="pres">
       <dgm:prSet presAssocID="{BBFA038B-DCAB-48E3-896B-43B5D0F6588D}" presName="sibTrans" presStyleLbl="sibTrans2D1" presStyleIdx="0" presStyleCnt="1"/>
       <dgm:spPr/>
+      <dgm:t>
+        <a:bodyPr/>
+        <a:lstStyle/>
+        <a:p>
+          <a:endParaRPr lang="en-US"/>
+        </a:p>
+      </dgm:t>
     </dgm:pt>
     <dgm:pt modelId="{FD9B6B60-C688-495C-9735-32577F2B2959}" type="pres">
       <dgm:prSet presAssocID="{BBFA038B-DCAB-48E3-896B-43B5D0F6588D}" presName="connTx" presStyleLbl="sibTrans2D1" presStyleIdx="0" presStyleCnt="1"/>
       <dgm:spPr/>
+      <dgm:t>
+        <a:bodyPr/>
+        <a:lstStyle/>
+        <a:p>
+          <a:endParaRPr lang="en-US"/>
+        </a:p>
+      </dgm:t>
     </dgm:pt>
     <dgm:pt modelId="{316BD733-B512-4D45-B1F7-7D2479E315FA}" type="pres">
       <dgm:prSet presAssocID="{6A9F56C7-0414-4B6E-A083-29B7C493A933}" presName="composite" presStyleCnt="0"/>
@@ -2476,10 +2520,24 @@
         </dgm:presLayoutVars>
       </dgm:prSet>
       <dgm:spPr/>
+      <dgm:t>
+        <a:bodyPr/>
+        <a:lstStyle/>
+        <a:p>
+          <a:endParaRPr lang="en-US"/>
+        </a:p>
+      </dgm:t>
     </dgm:pt>
     <dgm:pt modelId="{D91C3E56-5A92-4718-8290-C7D915400D36}" type="pres">
       <dgm:prSet presAssocID="{6A9F56C7-0414-4B6E-A083-29B7C493A933}" presName="parSh" presStyleLbl="node1" presStyleIdx="1" presStyleCnt="2"/>
       <dgm:spPr/>
+      <dgm:t>
+        <a:bodyPr/>
+        <a:lstStyle/>
+        <a:p>
+          <a:endParaRPr lang="en-US"/>
+        </a:p>
+      </dgm:t>
     </dgm:pt>
     <dgm:pt modelId="{2688DCC3-9AF8-4B84-A209-FB186533A77C}" type="pres">
       <dgm:prSet presAssocID="{6A9F56C7-0414-4B6E-A083-29B7C493A933}" presName="desTx" presStyleLbl="fgAcc1" presStyleIdx="1" presStyleCnt="2">
@@ -2488,22 +2546,29 @@
         </dgm:presLayoutVars>
       </dgm:prSet>
       <dgm:spPr/>
+      <dgm:t>
+        <a:bodyPr/>
+        <a:lstStyle/>
+        <a:p>
+          <a:endParaRPr lang="en-US"/>
+        </a:p>
+      </dgm:t>
     </dgm:pt>
   </dgm:ptLst>
   <dgm:cxnLst>
+    <dgm:cxn modelId="{6FC90662-AC61-47C8-8CBB-611CF2603F86}" type="presOf" srcId="{19E1A2AC-DC1C-4066-A138-3B4A94B2C142}" destId="{A90CE6AF-EEB9-4F4C-AF8C-474F968A4847}" srcOrd="1" destOrd="0" presId="urn:microsoft.com/office/officeart/2005/8/layout/process3"/>
+    <dgm:cxn modelId="{757A89D4-194B-4B91-932F-E7DE5808EC1D}" srcId="{6A9F56C7-0414-4B6E-A083-29B7C493A933}" destId="{5D463E45-6AE1-4865-85C5-F8396D2B9102}" srcOrd="0" destOrd="0" parTransId="{2B4219EE-5AAE-4DCF-80D9-604793AF4ED1}" sibTransId="{E0AC2389-1DB1-4EEA-965B-985E1AD5EF6E}"/>
+    <dgm:cxn modelId="{2AE1C5B5-E2B6-4BBF-B618-95A514E58CD1}" type="presOf" srcId="{5D463E45-6AE1-4865-85C5-F8396D2B9102}" destId="{2688DCC3-9AF8-4B84-A209-FB186533A77C}" srcOrd="0" destOrd="0" presId="urn:microsoft.com/office/officeart/2005/8/layout/process3"/>
+    <dgm:cxn modelId="{5BCF6B23-7D4A-4748-AD79-CB93DA96B80F}" type="presOf" srcId="{BBFA038B-DCAB-48E3-896B-43B5D0F6588D}" destId="{D770E38D-C360-4F83-B09E-C7842B0B8617}" srcOrd="0" destOrd="0" presId="urn:microsoft.com/office/officeart/2005/8/layout/process3"/>
+    <dgm:cxn modelId="{8320DE55-7408-4B86-AE4A-2E152D79357B}" type="presOf" srcId="{BBFA038B-DCAB-48E3-896B-43B5D0F6588D}" destId="{FD9B6B60-C688-495C-9735-32577F2B2959}" srcOrd="1" destOrd="0" presId="urn:microsoft.com/office/officeart/2005/8/layout/process3"/>
+    <dgm:cxn modelId="{2955F971-949F-442F-99C9-A07F867349DB}" type="presOf" srcId="{843B984B-DFC2-43AF-BF0B-9B41A5563499}" destId="{CA062347-00FC-4CFA-BBB5-6843A8858B2D}" srcOrd="0" destOrd="0" presId="urn:microsoft.com/office/officeart/2005/8/layout/process3"/>
+    <dgm:cxn modelId="{1F9E0E03-F35B-461F-99E4-B43596F39474}" srcId="{84F71D73-78AE-40DD-929B-039EBEDA3B39}" destId="{6A9F56C7-0414-4B6E-A083-29B7C493A933}" srcOrd="1" destOrd="0" parTransId="{AA8FC098-0358-4507-859D-4CAD01F61BFD}" sibTransId="{FAC94327-2F69-4C0F-B9EE-9244622BDB20}"/>
+    <dgm:cxn modelId="{628F3D61-C425-4D5D-A94D-9B2F8E38C849}" type="presOf" srcId="{6A9F56C7-0414-4B6E-A083-29B7C493A933}" destId="{D91C3E56-5A92-4718-8290-C7D915400D36}" srcOrd="1" destOrd="0" presId="urn:microsoft.com/office/officeart/2005/8/layout/process3"/>
+    <dgm:cxn modelId="{F6EC27B3-CBD2-4546-9350-11322ED09E06}" type="presOf" srcId="{84F71D73-78AE-40DD-929B-039EBEDA3B39}" destId="{EE8108F1-001A-40F8-82EC-BEF8C11E0B9D}" srcOrd="0" destOrd="0" presId="urn:microsoft.com/office/officeart/2005/8/layout/process3"/>
+    <dgm:cxn modelId="{B6A08370-234E-4A56-A1EA-F67A4ABEE5CF}" type="presOf" srcId="{19E1A2AC-DC1C-4066-A138-3B4A94B2C142}" destId="{39F98D1B-FA55-4FD6-B53D-7AD98F6DA676}" srcOrd="0" destOrd="0" presId="urn:microsoft.com/office/officeart/2005/8/layout/process3"/>
+    <dgm:cxn modelId="{57C8769C-6413-466E-AFF6-DA7C59A10AEA}" type="presOf" srcId="{6A9F56C7-0414-4B6E-A083-29B7C493A933}" destId="{78F5E295-D9AF-4A38-8F14-8C491FBAF70F}" srcOrd="0" destOrd="0" presId="urn:microsoft.com/office/officeart/2005/8/layout/process3"/>
     <dgm:cxn modelId="{E15F5AD9-2386-45F1-8F8A-EF1BE3688B6D}" srcId="{84F71D73-78AE-40DD-929B-039EBEDA3B39}" destId="{19E1A2AC-DC1C-4066-A138-3B4A94B2C142}" srcOrd="0" destOrd="0" parTransId="{392A88A7-2EE4-41A6-A93F-CE0E59D9023B}" sibTransId="{BBFA038B-DCAB-48E3-896B-43B5D0F6588D}"/>
-    <dgm:cxn modelId="{6FC90662-AC61-47C8-8CBB-611CF2603F86}" type="presOf" srcId="{19E1A2AC-DC1C-4066-A138-3B4A94B2C142}" destId="{A90CE6AF-EEB9-4F4C-AF8C-474F968A4847}" srcOrd="1" destOrd="0" presId="urn:microsoft.com/office/officeart/2005/8/layout/process3"/>
-    <dgm:cxn modelId="{2AE1C5B5-E2B6-4BBF-B618-95A514E58CD1}" type="presOf" srcId="{5D463E45-6AE1-4865-85C5-F8396D2B9102}" destId="{2688DCC3-9AF8-4B84-A209-FB186533A77C}" srcOrd="0" destOrd="0" presId="urn:microsoft.com/office/officeart/2005/8/layout/process3"/>
-    <dgm:cxn modelId="{1F9E0E03-F35B-461F-99E4-B43596F39474}" srcId="{84F71D73-78AE-40DD-929B-039EBEDA3B39}" destId="{6A9F56C7-0414-4B6E-A083-29B7C493A933}" srcOrd="1" destOrd="0" parTransId="{AA8FC098-0358-4507-859D-4CAD01F61BFD}" sibTransId="{FAC94327-2F69-4C0F-B9EE-9244622BDB20}"/>
-    <dgm:cxn modelId="{57C8769C-6413-466E-AFF6-DA7C59A10AEA}" type="presOf" srcId="{6A9F56C7-0414-4B6E-A083-29B7C493A933}" destId="{78F5E295-D9AF-4A38-8F14-8C491FBAF70F}" srcOrd="0" destOrd="0" presId="urn:microsoft.com/office/officeart/2005/8/layout/process3"/>
-    <dgm:cxn modelId="{2955F971-949F-442F-99C9-A07F867349DB}" type="presOf" srcId="{843B984B-DFC2-43AF-BF0B-9B41A5563499}" destId="{CA062347-00FC-4CFA-BBB5-6843A8858B2D}" srcOrd="0" destOrd="0" presId="urn:microsoft.com/office/officeart/2005/8/layout/process3"/>
-    <dgm:cxn modelId="{757A89D4-194B-4B91-932F-E7DE5808EC1D}" srcId="{6A9F56C7-0414-4B6E-A083-29B7C493A933}" destId="{5D463E45-6AE1-4865-85C5-F8396D2B9102}" srcOrd="0" destOrd="0" parTransId="{2B4219EE-5AAE-4DCF-80D9-604793AF4ED1}" sibTransId="{E0AC2389-1DB1-4EEA-965B-985E1AD5EF6E}"/>
-    <dgm:cxn modelId="{F6EC27B3-CBD2-4546-9350-11322ED09E06}" type="presOf" srcId="{84F71D73-78AE-40DD-929B-039EBEDA3B39}" destId="{EE8108F1-001A-40F8-82EC-BEF8C11E0B9D}" srcOrd="0" destOrd="0" presId="urn:microsoft.com/office/officeart/2005/8/layout/process3"/>
-    <dgm:cxn modelId="{8320DE55-7408-4B86-AE4A-2E152D79357B}" type="presOf" srcId="{BBFA038B-DCAB-48E3-896B-43B5D0F6588D}" destId="{FD9B6B60-C688-495C-9735-32577F2B2959}" srcOrd="1" destOrd="0" presId="urn:microsoft.com/office/officeart/2005/8/layout/process3"/>
-    <dgm:cxn modelId="{628F3D61-C425-4D5D-A94D-9B2F8E38C849}" type="presOf" srcId="{6A9F56C7-0414-4B6E-A083-29B7C493A933}" destId="{D91C3E56-5A92-4718-8290-C7D915400D36}" srcOrd="1" destOrd="0" presId="urn:microsoft.com/office/officeart/2005/8/layout/process3"/>
     <dgm:cxn modelId="{EA2E2885-94DC-4547-AB9C-0AB567966FCD}" srcId="{19E1A2AC-DC1C-4066-A138-3B4A94B2C142}" destId="{843B984B-DFC2-43AF-BF0B-9B41A5563499}" srcOrd="0" destOrd="0" parTransId="{668E962B-B2AC-4B78-9963-76E65BBC8633}" sibTransId="{5A7A0893-19E9-452B-B559-29A217286C3B}"/>
-    <dgm:cxn modelId="{B6A08370-234E-4A56-A1EA-F67A4ABEE5CF}" type="presOf" srcId="{19E1A2AC-DC1C-4066-A138-3B4A94B2C142}" destId="{39F98D1B-FA55-4FD6-B53D-7AD98F6DA676}" srcOrd="0" destOrd="0" presId="urn:microsoft.com/office/officeart/2005/8/layout/process3"/>
-    <dgm:cxn modelId="{5BCF6B23-7D4A-4748-AD79-CB93DA96B80F}" type="presOf" srcId="{BBFA038B-DCAB-48E3-896B-43B5D0F6588D}" destId="{D770E38D-C360-4F83-B09E-C7842B0B8617}" srcOrd="0" destOrd="0" presId="urn:microsoft.com/office/officeart/2005/8/layout/process3"/>
     <dgm:cxn modelId="{D5DF97A1-2053-4B41-B0BA-853251AD1243}" type="presParOf" srcId="{EE8108F1-001A-40F8-82EC-BEF8C11E0B9D}" destId="{60097DF5-3175-4BA0-9C9A-650E86943C57}" srcOrd="0" destOrd="0" presId="urn:microsoft.com/office/officeart/2005/8/layout/process3"/>
     <dgm:cxn modelId="{23D30E82-439A-4C0E-B074-AD699790336C}" type="presParOf" srcId="{60097DF5-3175-4BA0-9C9A-650E86943C57}" destId="{39F98D1B-FA55-4FD6-B53D-7AD98F6DA676}" srcOrd="0" destOrd="0" presId="urn:microsoft.com/office/officeart/2005/8/layout/process3"/>
     <dgm:cxn modelId="{428D9F5C-CFF0-4BEB-8CE7-B085FC310F30}" type="presParOf" srcId="{60097DF5-3175-4BA0-9C9A-650E86943C57}" destId="{A90CE6AF-EEB9-4F4C-AF8C-474F968A4847}" srcOrd="1" destOrd="0" presId="urn:microsoft.com/office/officeart/2005/8/layout/process3"/>
@@ -6116,7 +6181,7 @@
             <a:fld id="{A32DC80D-291A-4ABB-A78B-0417274A267C}" type="datetime4">
               <a:rPr lang="de-DE"/>
               <a:pPr/>
-              <a:t>26. Mai 2014</a:t>
+              <a:t>1. Juni 2014</a:t>
             </a:fld>
             <a:endParaRPr lang="de-DE"/>
           </a:p>
@@ -6501,7 +6566,7 @@
             <a:fld id="{065B079B-E513-489A-8A1B-D7C78493EA86}" type="datetime4">
               <a:rPr lang="de-DE"/>
               <a:pPr/>
-              <a:t>26. Mai 2014</a:t>
+              <a:t>1. Juni 2014</a:t>
             </a:fld>
             <a:endParaRPr lang="de-DE"/>
           </a:p>
@@ -7137,7 +7202,7 @@
             <a:fld id="{065B079B-E513-489A-8A1B-D7C78493EA86}" type="datetime4">
               <a:rPr lang="de-DE" smtClean="0"/>
               <a:pPr/>
-              <a:t>26. Mai 2014</a:t>
+              <a:t>1. Juni 2014</a:t>
             </a:fld>
             <a:endParaRPr lang="de-DE"/>
           </a:p>
@@ -7576,7 +7641,7 @@
                 <a:tabLst/>
                 <a:defRPr/>
               </a:pPr>
-              <a:t>26.05.2014</a:t>
+              <a:t>01.06.2014</a:t>
             </a:fld>
             <a:r>
               <a:rPr kumimoji="0" lang="de-DE" sz="1000" b="0" i="0" u="none" strike="noStrike" kern="1200" cap="none" spc="0" normalizeH="0" baseline="0" noProof="0" dirty="0" smtClean="0">
@@ -9067,7 +9132,7 @@
                 <a:tabLst/>
                 <a:defRPr/>
               </a:pPr>
-              <a:t>26.05.2014</a:t>
+              <a:t>01.06.2014</a:t>
             </a:fld>
             <a:r>
               <a:rPr kumimoji="0" lang="de-DE" sz="1000" b="0" i="0" u="none" strike="noStrike" kern="1200" cap="none" spc="0" normalizeH="0" baseline="0" noProof="0" dirty="0" smtClean="0">
@@ -10623,7 +10688,6 @@
               <a:rPr lang="de-DE" dirty="0" smtClean="0"/>
               <a:t>And led to (inter alia)</a:t>
             </a:r>
-            <a:endParaRPr lang="de-DE" dirty="0" smtClean="0"/>
           </a:p>
           <a:p>
             <a:pPr marL="342900" indent="-342900">
@@ -10718,11 +10782,7 @@
           <a:p>
             <a:r>
               <a:rPr lang="de-DE" dirty="0" smtClean="0"/>
-              <a:t>Model Training: </a:t>
-            </a:r>
-            <a:r>
-              <a:rPr lang="de-DE" dirty="0" smtClean="0"/>
-              <a:t>Separate Models for known and unknown customer</a:t>
+              <a:t>Model Training: Separate Models for known and unknown customer</a:t>
             </a:r>
             <a:endParaRPr lang="en-US" dirty="0"/>
           </a:p>
@@ -10817,6 +10877,433 @@
       </p:par>
     </p:tnLst>
   </p:timing>
+</p:sld>
+</file>
+
+<file path=ppt/slides/slide5.xml><?xml version="1.0" encoding="utf-8"?>
+<p:sld xmlns:a="http://schemas.openxmlformats.org/drawingml/2006/main" xmlns:r="http://schemas.openxmlformats.org/officeDocument/2006/relationships" xmlns:p="http://schemas.openxmlformats.org/presentationml/2006/main">
+  <p:cSld>
+    <p:spTree>
+      <p:nvGrpSpPr>
+        <p:cNvPr id="1" name=""/>
+        <p:cNvGrpSpPr/>
+        <p:nvPr/>
+      </p:nvGrpSpPr>
+      <p:grpSpPr>
+        <a:xfrm>
+          <a:off x="0" y="0"/>
+          <a:ext cx="0" cy="0"/>
+          <a:chOff x="0" y="0"/>
+          <a:chExt cx="0" cy="0"/>
+        </a:xfrm>
+      </p:grpSpPr>
+      <p:sp>
+        <p:nvSpPr>
+          <p:cNvPr id="2" name="Title 1"/>
+          <p:cNvSpPr>
+            <a:spLocks noGrp="1"/>
+          </p:cNvSpPr>
+          <p:nvPr>
+            <p:ph type="title"/>
+          </p:nvPr>
+        </p:nvSpPr>
+        <p:spPr/>
+        <p:txBody>
+          <a:bodyPr/>
+          <a:lstStyle/>
+          <a:p>
+            <a:r>
+              <a:rPr lang="de-DE" dirty="0" smtClean="0"/>
+              <a:t>Algorithms utilized</a:t>
+            </a:r>
+            <a:endParaRPr lang="en-US" dirty="0"/>
+          </a:p>
+        </p:txBody>
+      </p:sp>
+      <p:graphicFrame>
+        <p:nvGraphicFramePr>
+          <p:cNvPr id="4" name="Content Placeholder 3"/>
+          <p:cNvGraphicFramePr>
+            <a:graphicFrameLocks noGrp="1"/>
+          </p:cNvGraphicFramePr>
+          <p:nvPr>
+            <p:ph idx="1"/>
+            <p:extLst>
+              <p:ext uri="{D42A27DB-BD31-4B8C-83A1-F6EECF244321}">
+                <p14:modId xmlns:p14="http://schemas.microsoft.com/office/powerpoint/2010/main" val="1582143367"/>
+              </p:ext>
+            </p:extLst>
+          </p:nvPr>
+        </p:nvGraphicFramePr>
+        <p:xfrm>
+          <a:off x="360363" y="1619250"/>
+          <a:ext cx="8244084" cy="3015509"/>
+        </p:xfrm>
+        <a:graphic>
+          <a:graphicData uri="http://schemas.openxmlformats.org/drawingml/2006/table">
+            <a:tbl>
+              <a:tblPr firstRow="1" bandRow="1">
+                <a:tableStyleId>{073A0DAA-6AF3-43AB-8588-CEC1D06C72B9}</a:tableStyleId>
+              </a:tblPr>
+              <a:tblGrid>
+                <a:gridCol w="3131517"/>
+                <a:gridCol w="2364539"/>
+                <a:gridCol w="2748028"/>
+              </a:tblGrid>
+              <a:tr h="429655">
+                <a:tc>
+                  <a:txBody>
+                    <a:bodyPr/>
+                    <a:lstStyle/>
+                    <a:p>
+                      <a:r>
+                        <a:rPr lang="de-DE" dirty="0" smtClean="0"/>
+                        <a:t>Algorithm</a:t>
+                      </a:r>
+                      <a:endParaRPr lang="en-US" dirty="0"/>
+                    </a:p>
+                  </a:txBody>
+                  <a:tcPr/>
+                </a:tc>
+                <a:tc>
+                  <a:txBody>
+                    <a:bodyPr/>
+                    <a:lstStyle/>
+                    <a:p>
+                      <a:r>
+                        <a:rPr lang="de-DE" dirty="0" smtClean="0"/>
+                        <a:t>Class</a:t>
+                      </a:r>
+                      <a:endParaRPr lang="en-US" dirty="0"/>
+                    </a:p>
+                  </a:txBody>
+                  <a:tcPr/>
+                </a:tc>
+                <a:tc>
+                  <a:txBody>
+                    <a:bodyPr/>
+                    <a:lstStyle/>
+                    <a:p>
+                      <a:r>
+                        <a:rPr lang="de-DE" dirty="0" smtClean="0"/>
+                        <a:t>Accuracy</a:t>
+                      </a:r>
+                      <a:endParaRPr lang="en-US" dirty="0"/>
+                    </a:p>
+                  </a:txBody>
+                  <a:tcPr/>
+                </a:tc>
+              </a:tr>
+              <a:tr h="429655">
+                <a:tc>
+                  <a:txBody>
+                    <a:bodyPr/>
+                    <a:lstStyle/>
+                    <a:p>
+                      <a:r>
+                        <a:rPr lang="de-DE" dirty="0" smtClean="0"/>
+                        <a:t>C5.0</a:t>
+                      </a:r>
+                      <a:endParaRPr lang="en-US" dirty="0"/>
+                    </a:p>
+                  </a:txBody>
+                  <a:tcPr/>
+                </a:tc>
+                <a:tc>
+                  <a:txBody>
+                    <a:bodyPr/>
+                    <a:lstStyle/>
+                    <a:p>
+                      <a:r>
+                        <a:rPr lang="de-DE" dirty="0" smtClean="0"/>
+                        <a:t>Decision Trees</a:t>
+                      </a:r>
+                      <a:endParaRPr lang="en-US" dirty="0"/>
+                    </a:p>
+                  </a:txBody>
+                  <a:tcPr/>
+                </a:tc>
+                <a:tc>
+                  <a:txBody>
+                    <a:bodyPr/>
+                    <a:lstStyle/>
+                    <a:p>
+                      <a:r>
+                        <a:rPr lang="de-DE" dirty="0" smtClean="0"/>
+                        <a:t>68.65253%</a:t>
+                      </a:r>
+                      <a:endParaRPr lang="en-US" dirty="0"/>
+                    </a:p>
+                  </a:txBody>
+                  <a:tcPr/>
+                </a:tc>
+              </a:tr>
+              <a:tr h="446384">
+                <a:tc>
+                  <a:txBody>
+                    <a:bodyPr/>
+                    <a:lstStyle/>
+                    <a:p>
+                      <a:r>
+                        <a:rPr lang="de-DE" dirty="0" smtClean="0"/>
+                        <a:t>Stochastic Gradient Boosting</a:t>
+                      </a:r>
+                      <a:endParaRPr lang="en-US" dirty="0"/>
+                    </a:p>
+                  </a:txBody>
+                  <a:tcPr/>
+                </a:tc>
+                <a:tc>
+                  <a:txBody>
+                    <a:bodyPr/>
+                    <a:lstStyle/>
+                    <a:p>
+                      <a:r>
+                        <a:rPr lang="de-DE" dirty="0" smtClean="0"/>
+                        <a:t>Decision Trees</a:t>
+                      </a:r>
+                      <a:endParaRPr lang="en-US" dirty="0"/>
+                    </a:p>
+                  </a:txBody>
+                  <a:tcPr/>
+                </a:tc>
+                <a:tc>
+                  <a:txBody>
+                    <a:bodyPr/>
+                    <a:lstStyle/>
+                    <a:p>
+                      <a:r>
+                        <a:rPr lang="de-DE" dirty="0" smtClean="0"/>
+                        <a:t>68.53615%</a:t>
+                      </a:r>
+                      <a:endParaRPr lang="en-US" dirty="0"/>
+                    </a:p>
+                  </a:txBody>
+                  <a:tcPr/>
+                </a:tc>
+              </a:tr>
+              <a:tr h="429655">
+                <a:tc>
+                  <a:txBody>
+                    <a:bodyPr/>
+                    <a:lstStyle/>
+                    <a:p>
+                      <a:r>
+                        <a:rPr lang="de-DE" dirty="0" smtClean="0"/>
+                        <a:t>Multivariate Adaptive Regression Splines (MARS)</a:t>
+                      </a:r>
+                      <a:endParaRPr lang="en-US" dirty="0"/>
+                    </a:p>
+                  </a:txBody>
+                  <a:tcPr/>
+                </a:tc>
+                <a:tc>
+                  <a:txBody>
+                    <a:bodyPr/>
+                    <a:lstStyle/>
+                    <a:p>
+                      <a:r>
+                        <a:rPr lang="de-DE" dirty="0" smtClean="0"/>
+                        <a:t>Linear Model++</a:t>
+                      </a:r>
+                      <a:endParaRPr lang="en-US" dirty="0"/>
+                    </a:p>
+                  </a:txBody>
+                  <a:tcPr/>
+                </a:tc>
+                <a:tc>
+                  <a:txBody>
+                    <a:bodyPr/>
+                    <a:lstStyle/>
+                    <a:p>
+                      <a:r>
+                        <a:rPr lang="de-DE" dirty="0" smtClean="0"/>
+                        <a:t>68.18255%</a:t>
+                      </a:r>
+                      <a:endParaRPr lang="en-US" dirty="0"/>
+                    </a:p>
+                  </a:txBody>
+                  <a:tcPr/>
+                </a:tc>
+              </a:tr>
+              <a:tr h="429655">
+                <a:tc>
+                  <a:txBody>
+                    <a:bodyPr/>
+                    <a:lstStyle/>
+                    <a:p>
+                      <a:r>
+                        <a:rPr lang="de-DE" dirty="0" smtClean="0"/>
+                        <a:t>Penalized Discriminant Analysis (PDA)</a:t>
+                      </a:r>
+                      <a:endParaRPr lang="en-US" dirty="0"/>
+                    </a:p>
+                  </a:txBody>
+                  <a:tcPr/>
+                </a:tc>
+                <a:tc>
+                  <a:txBody>
+                    <a:bodyPr/>
+                    <a:lstStyle/>
+                    <a:p>
+                      <a:r>
+                        <a:rPr lang="de-DE" dirty="0" smtClean="0"/>
+                        <a:t>Linear DA</a:t>
+                      </a:r>
+                      <a:endParaRPr lang="en-US" dirty="0"/>
+                    </a:p>
+                  </a:txBody>
+                  <a:tcPr/>
+                </a:tc>
+                <a:tc>
+                  <a:txBody>
+                    <a:bodyPr/>
+                    <a:lstStyle/>
+                    <a:p>
+                      <a:r>
+                        <a:rPr lang="de-DE" dirty="0" smtClean="0"/>
+                        <a:t>67.35556%</a:t>
+                      </a:r>
+                      <a:endParaRPr lang="en-US" dirty="0"/>
+                    </a:p>
+                  </a:txBody>
+                  <a:tcPr/>
+                </a:tc>
+              </a:tr>
+              <a:tr h="429655">
+                <a:tc>
+                  <a:txBody>
+                    <a:bodyPr/>
+                    <a:lstStyle/>
+                    <a:p>
+                      <a:r>
+                        <a:rPr lang="de-DE" dirty="0" smtClean="0"/>
+                        <a:t>Extreme Machine Learning</a:t>
+                      </a:r>
+                      <a:endParaRPr lang="en-US" dirty="0"/>
+                    </a:p>
+                  </a:txBody>
+                  <a:tcPr/>
+                </a:tc>
+                <a:tc>
+                  <a:txBody>
+                    <a:bodyPr/>
+                    <a:lstStyle/>
+                    <a:p>
+                      <a:r>
+                        <a:rPr lang="de-DE" dirty="0" smtClean="0"/>
+                        <a:t>Neural Network</a:t>
+                      </a:r>
+                      <a:endParaRPr lang="en-US" dirty="0"/>
+                    </a:p>
+                  </a:txBody>
+                  <a:tcPr/>
+                </a:tc>
+                <a:tc>
+                  <a:txBody>
+                    <a:bodyPr/>
+                    <a:lstStyle/>
+                    <a:p>
+                      <a:r>
+                        <a:rPr lang="de-DE" dirty="0" smtClean="0"/>
+                        <a:t>67.19302%</a:t>
+                      </a:r>
+                      <a:endParaRPr lang="en-US" dirty="0"/>
+                    </a:p>
+                  </a:txBody>
+                  <a:tcPr/>
+                </a:tc>
+              </a:tr>
+            </a:tbl>
+          </a:graphicData>
+        </a:graphic>
+      </p:graphicFrame>
+    </p:spTree>
+    <p:extLst>
+      <p:ext uri="{BB962C8B-B14F-4D97-AF65-F5344CB8AC3E}">
+        <p14:creationId xmlns:p14="http://schemas.microsoft.com/office/powerpoint/2010/main" val="3847757178"/>
+      </p:ext>
+    </p:extLst>
+  </p:cSld>
+  <p:clrMapOvr>
+    <a:masterClrMapping/>
+  </p:clrMapOvr>
+</p:sld>
+</file>
+
+<file path=ppt/slides/slide6.xml><?xml version="1.0" encoding="utf-8"?>
+<p:sld xmlns:a="http://schemas.openxmlformats.org/drawingml/2006/main" xmlns:r="http://schemas.openxmlformats.org/officeDocument/2006/relationships" xmlns:p="http://schemas.openxmlformats.org/presentationml/2006/main">
+  <p:cSld>
+    <p:spTree>
+      <p:nvGrpSpPr>
+        <p:cNvPr id="1" name=""/>
+        <p:cNvGrpSpPr/>
+        <p:nvPr/>
+      </p:nvGrpSpPr>
+      <p:grpSpPr>
+        <a:xfrm>
+          <a:off x="0" y="0"/>
+          <a:ext cx="0" cy="0"/>
+          <a:chOff x="0" y="0"/>
+          <a:chExt cx="0" cy="0"/>
+        </a:xfrm>
+      </p:grpSpPr>
+      <p:sp>
+        <p:nvSpPr>
+          <p:cNvPr id="2" name="Title 1"/>
+          <p:cNvSpPr>
+            <a:spLocks noGrp="1"/>
+          </p:cNvSpPr>
+          <p:nvPr>
+            <p:ph type="title"/>
+          </p:nvPr>
+        </p:nvSpPr>
+        <p:spPr/>
+        <p:txBody>
+          <a:bodyPr/>
+          <a:lstStyle/>
+          <a:p>
+            <a:r>
+              <a:rPr lang="de-DE" dirty="0" smtClean="0"/>
+              <a:t>The End</a:t>
+            </a:r>
+            <a:endParaRPr lang="en-US" dirty="0"/>
+          </a:p>
+        </p:txBody>
+      </p:sp>
+      <p:sp>
+        <p:nvSpPr>
+          <p:cNvPr id="3" name="Content Placeholder 2"/>
+          <p:cNvSpPr>
+            <a:spLocks noGrp="1"/>
+          </p:cNvSpPr>
+          <p:nvPr>
+            <p:ph idx="1"/>
+          </p:nvPr>
+        </p:nvSpPr>
+        <p:spPr/>
+        <p:txBody>
+          <a:bodyPr/>
+          <a:lstStyle/>
+          <a:p>
+            <a:r>
+              <a:rPr lang="de-DE" dirty="0" smtClean="0"/>
+              <a:t>Thanks for your attention.</a:t>
+            </a:r>
+            <a:endParaRPr lang="en-US" dirty="0"/>
+          </a:p>
+        </p:txBody>
+      </p:sp>
+    </p:spTree>
+    <p:extLst>
+      <p:ext uri="{BB962C8B-B14F-4D97-AF65-F5344CB8AC3E}">
+        <p14:creationId xmlns:p14="http://schemas.microsoft.com/office/powerpoint/2010/main" val="346014335"/>
+      </p:ext>
+    </p:extLst>
+  </p:cSld>
+  <p:clrMapOvr>
+    <a:masterClrMapping/>
+  </p:clrMapOvr>
 </p:sld>
 </file>
 

--- a/doc/pres-prudsys.pptx
+++ b/doc/pres-prudsys.pptx
@@ -11218,6 +11218,36 @@
           </a:graphicData>
         </a:graphic>
       </p:graphicFrame>
+      <p:sp>
+        <p:nvSpPr>
+          <p:cNvPr id="5" name="TextBox 4"/>
+          <p:cNvSpPr txBox="1"/>
+          <p:nvPr/>
+        </p:nvSpPr>
+        <p:spPr>
+          <a:xfrm>
+            <a:off x="467544" y="5373216"/>
+            <a:ext cx="2839239" cy="369332"/>
+          </a:xfrm>
+          <a:prstGeom prst="rect">
+            <a:avLst/>
+          </a:prstGeom>
+          <a:noFill/>
+        </p:spPr>
+        <p:txBody>
+          <a:bodyPr wrap="none" rtlCol="0">
+            <a:spAutoFit/>
+          </a:bodyPr>
+          <a:lstStyle/>
+          <a:p>
+            <a:r>
+              <a:rPr lang="de-DE" dirty="0" smtClean="0"/>
+              <a:t>All algorithms were tuned.</a:t>
+            </a:r>
+            <a:endParaRPr lang="en-US" dirty="0"/>
+          </a:p>
+        </p:txBody>
+      </p:sp>
     </p:spTree>
     <p:extLst>
       <p:ext uri="{BB962C8B-B14F-4D97-AF65-F5344CB8AC3E}">

--- a/doc/pres-prudsys.pptx
+++ b/doc/pres-prudsys.pptx
@@ -13,8 +13,8 @@
   <p:sldIdLst>
     <p:sldId id="256" r:id="rId2"/>
     <p:sldId id="258" r:id="rId3"/>
-    <p:sldId id="260" r:id="rId4"/>
-    <p:sldId id="259" r:id="rId5"/>
+    <p:sldId id="259" r:id="rId4"/>
+    <p:sldId id="260" r:id="rId5"/>
     <p:sldId id="262" r:id="rId6"/>
     <p:sldId id="261" r:id="rId7"/>
   </p:sldIdLst>
@@ -10631,6 +10631,138 @@
           <a:p>
             <a:r>
               <a:rPr lang="de-DE" dirty="0" smtClean="0"/>
+              <a:t>Model Training: Separate Models for known and unknown customer</a:t>
+            </a:r>
+            <a:endParaRPr lang="en-US" dirty="0"/>
+          </a:p>
+        </p:txBody>
+      </p:sp>
+      <p:graphicFrame>
+        <p:nvGraphicFramePr>
+          <p:cNvPr id="4" name="Content Placeholder 3"/>
+          <p:cNvGraphicFramePr>
+            <a:graphicFrameLocks noGrp="1"/>
+          </p:cNvGraphicFramePr>
+          <p:nvPr>
+            <p:ph idx="1"/>
+            <p:extLst>
+              <p:ext uri="{D42A27DB-BD31-4B8C-83A1-F6EECF244321}">
+                <p14:modId xmlns:p14="http://schemas.microsoft.com/office/powerpoint/2010/main" val="3711246334"/>
+              </p:ext>
+            </p:extLst>
+          </p:nvPr>
+        </p:nvGraphicFramePr>
+        <p:xfrm>
+          <a:off x="971600" y="3284984"/>
+          <a:ext cx="6823569" cy="2808312"/>
+        </p:xfrm>
+        <a:graphic>
+          <a:graphicData uri="http://schemas.openxmlformats.org/drawingml/2006/diagram">
+            <dgm:relIds xmlns:dgm="http://schemas.openxmlformats.org/drawingml/2006/diagram" xmlns:r="http://schemas.openxmlformats.org/officeDocument/2006/relationships" r:dm="rId2" r:lo="rId3" r:qs="rId4" r:cs="rId5"/>
+          </a:graphicData>
+        </a:graphic>
+      </p:graphicFrame>
+      <p:sp>
+        <p:nvSpPr>
+          <p:cNvPr id="5" name="TextBox 4"/>
+          <p:cNvSpPr txBox="1"/>
+          <p:nvPr/>
+        </p:nvSpPr>
+        <p:spPr>
+          <a:xfrm>
+            <a:off x="323528" y="1640994"/>
+            <a:ext cx="8136904" cy="1323439"/>
+          </a:xfrm>
+          <a:prstGeom prst="rect">
+            <a:avLst/>
+          </a:prstGeom>
+          <a:noFill/>
+        </p:spPr>
+        <p:txBody>
+          <a:bodyPr wrap="square" rtlCol="0">
+            <a:spAutoFit/>
+          </a:bodyPr>
+          <a:lstStyle/>
+          <a:p>
+            <a:r>
+              <a:rPr lang="de-DE" sz="2000" dirty="0" smtClean="0">
+                <a:latin typeface="+mn-lt"/>
+              </a:rPr>
+              <a:t>Observation: Models use lots of customer related attributes which are not known for new customers yet.</a:t>
+            </a:r>
+          </a:p>
+          <a:p>
+            <a:endParaRPr lang="de-DE" sz="2000" dirty="0">
+              <a:latin typeface="+mn-lt"/>
+            </a:endParaRPr>
+          </a:p>
+          <a:p>
+            <a:r>
+              <a:rPr lang="de-DE" sz="2000" dirty="0" smtClean="0">
+                <a:latin typeface="+mn-lt"/>
+              </a:rPr>
+              <a:t>Idea: Train separate models for known and unknown customers.</a:t>
+            </a:r>
+            <a:endParaRPr lang="en-US" sz="2000" dirty="0">
+              <a:latin typeface="+mn-lt"/>
+            </a:endParaRPr>
+          </a:p>
+        </p:txBody>
+      </p:sp>
+    </p:spTree>
+    <p:extLst>
+      <p:ext uri="{BB962C8B-B14F-4D97-AF65-F5344CB8AC3E}">
+        <p14:creationId xmlns:p14="http://schemas.microsoft.com/office/powerpoint/2010/main" val="3725929812"/>
+      </p:ext>
+    </p:extLst>
+  </p:cSld>
+  <p:clrMapOvr>
+    <a:masterClrMapping/>
+  </p:clrMapOvr>
+  <p:timing>
+    <p:tnLst>
+      <p:par>
+        <p:cTn id="1" dur="indefinite" restart="never" nodeType="tmRoot"/>
+      </p:par>
+    </p:tnLst>
+  </p:timing>
+</p:sld>
+</file>
+
+<file path=ppt/slides/slide4.xml><?xml version="1.0" encoding="utf-8"?>
+<p:sld xmlns:a="http://schemas.openxmlformats.org/drawingml/2006/main" xmlns:r="http://schemas.openxmlformats.org/officeDocument/2006/relationships" xmlns:p="http://schemas.openxmlformats.org/presentationml/2006/main">
+  <p:cSld>
+    <p:spTree>
+      <p:nvGrpSpPr>
+        <p:cNvPr id="1" name=""/>
+        <p:cNvGrpSpPr/>
+        <p:nvPr/>
+      </p:nvGrpSpPr>
+      <p:grpSpPr>
+        <a:xfrm>
+          <a:off x="0" y="0"/>
+          <a:ext cx="0" cy="0"/>
+          <a:chOff x="0" y="0"/>
+          <a:chExt cx="0" cy="0"/>
+        </a:xfrm>
+      </p:grpSpPr>
+      <p:sp>
+        <p:nvSpPr>
+          <p:cNvPr id="2" name="Title 1"/>
+          <p:cNvSpPr>
+            <a:spLocks noGrp="1"/>
+          </p:cNvSpPr>
+          <p:nvPr>
+            <p:ph type="title"/>
+          </p:nvPr>
+        </p:nvSpPr>
+        <p:spPr/>
+        <p:txBody>
+          <a:bodyPr/>
+          <a:lstStyle/>
+          <a:p>
+            <a:r>
+              <a:rPr lang="de-DE" dirty="0" smtClean="0"/>
               <a:t>Feature Engineering</a:t>
             </a:r>
             <a:endParaRPr lang="en-US" dirty="0"/>
@@ -10732,138 +10864,6 @@
     <p:extLst>
       <p:ext uri="{BB962C8B-B14F-4D97-AF65-F5344CB8AC3E}">
         <p14:creationId xmlns:p14="http://schemas.microsoft.com/office/powerpoint/2010/main" val="1148698881"/>
-      </p:ext>
-    </p:extLst>
-  </p:cSld>
-  <p:clrMapOvr>
-    <a:masterClrMapping/>
-  </p:clrMapOvr>
-  <p:timing>
-    <p:tnLst>
-      <p:par>
-        <p:cTn id="1" dur="indefinite" restart="never" nodeType="tmRoot"/>
-      </p:par>
-    </p:tnLst>
-  </p:timing>
-</p:sld>
-</file>
-
-<file path=ppt/slides/slide4.xml><?xml version="1.0" encoding="utf-8"?>
-<p:sld xmlns:a="http://schemas.openxmlformats.org/drawingml/2006/main" xmlns:r="http://schemas.openxmlformats.org/officeDocument/2006/relationships" xmlns:p="http://schemas.openxmlformats.org/presentationml/2006/main">
-  <p:cSld>
-    <p:spTree>
-      <p:nvGrpSpPr>
-        <p:cNvPr id="1" name=""/>
-        <p:cNvGrpSpPr/>
-        <p:nvPr/>
-      </p:nvGrpSpPr>
-      <p:grpSpPr>
-        <a:xfrm>
-          <a:off x="0" y="0"/>
-          <a:ext cx="0" cy="0"/>
-          <a:chOff x="0" y="0"/>
-          <a:chExt cx="0" cy="0"/>
-        </a:xfrm>
-      </p:grpSpPr>
-      <p:sp>
-        <p:nvSpPr>
-          <p:cNvPr id="2" name="Title 1"/>
-          <p:cNvSpPr>
-            <a:spLocks noGrp="1"/>
-          </p:cNvSpPr>
-          <p:nvPr>
-            <p:ph type="title"/>
-          </p:nvPr>
-        </p:nvSpPr>
-        <p:spPr/>
-        <p:txBody>
-          <a:bodyPr/>
-          <a:lstStyle/>
-          <a:p>
-            <a:r>
-              <a:rPr lang="de-DE" dirty="0" smtClean="0"/>
-              <a:t>Model Training: Separate Models for known and unknown customer</a:t>
-            </a:r>
-            <a:endParaRPr lang="en-US" dirty="0"/>
-          </a:p>
-        </p:txBody>
-      </p:sp>
-      <p:graphicFrame>
-        <p:nvGraphicFramePr>
-          <p:cNvPr id="4" name="Content Placeholder 3"/>
-          <p:cNvGraphicFramePr>
-            <a:graphicFrameLocks noGrp="1"/>
-          </p:cNvGraphicFramePr>
-          <p:nvPr>
-            <p:ph idx="1"/>
-            <p:extLst>
-              <p:ext uri="{D42A27DB-BD31-4B8C-83A1-F6EECF244321}">
-                <p14:modId xmlns:p14="http://schemas.microsoft.com/office/powerpoint/2010/main" val="3711246334"/>
-              </p:ext>
-            </p:extLst>
-          </p:nvPr>
-        </p:nvGraphicFramePr>
-        <p:xfrm>
-          <a:off x="971600" y="3284984"/>
-          <a:ext cx="6823569" cy="2808312"/>
-        </p:xfrm>
-        <a:graphic>
-          <a:graphicData uri="http://schemas.openxmlformats.org/drawingml/2006/diagram">
-            <dgm:relIds xmlns:dgm="http://schemas.openxmlformats.org/drawingml/2006/diagram" xmlns:r="http://schemas.openxmlformats.org/officeDocument/2006/relationships" r:dm="rId2" r:lo="rId3" r:qs="rId4" r:cs="rId5"/>
-          </a:graphicData>
-        </a:graphic>
-      </p:graphicFrame>
-      <p:sp>
-        <p:nvSpPr>
-          <p:cNvPr id="5" name="TextBox 4"/>
-          <p:cNvSpPr txBox="1"/>
-          <p:nvPr/>
-        </p:nvSpPr>
-        <p:spPr>
-          <a:xfrm>
-            <a:off x="323528" y="1640994"/>
-            <a:ext cx="8136904" cy="1323439"/>
-          </a:xfrm>
-          <a:prstGeom prst="rect">
-            <a:avLst/>
-          </a:prstGeom>
-          <a:noFill/>
-        </p:spPr>
-        <p:txBody>
-          <a:bodyPr wrap="square" rtlCol="0">
-            <a:spAutoFit/>
-          </a:bodyPr>
-          <a:lstStyle/>
-          <a:p>
-            <a:r>
-              <a:rPr lang="de-DE" sz="2000" dirty="0" smtClean="0">
-                <a:latin typeface="+mn-lt"/>
-              </a:rPr>
-              <a:t>Observation: Models use lots of customer related attributes which are not known for new customers yet.</a:t>
-            </a:r>
-          </a:p>
-          <a:p>
-            <a:endParaRPr lang="de-DE" sz="2000" dirty="0">
-              <a:latin typeface="+mn-lt"/>
-            </a:endParaRPr>
-          </a:p>
-          <a:p>
-            <a:r>
-              <a:rPr lang="de-DE" sz="2000" dirty="0" smtClean="0">
-                <a:latin typeface="+mn-lt"/>
-              </a:rPr>
-              <a:t>Idea: Train separate models for known and unknown customers.</a:t>
-            </a:r>
-            <a:endParaRPr lang="en-US" sz="2000" dirty="0">
-              <a:latin typeface="+mn-lt"/>
-            </a:endParaRPr>
-          </a:p>
-        </p:txBody>
-      </p:sp>
-    </p:spTree>
-    <p:extLst>
-      <p:ext uri="{BB962C8B-B14F-4D97-AF65-F5344CB8AC3E}">
-        <p14:creationId xmlns:p14="http://schemas.microsoft.com/office/powerpoint/2010/main" val="3725929812"/>
       </p:ext>
     </p:extLst>
   </p:cSld>
@@ -11318,7 +11318,7 @@
           <a:p>
             <a:r>
               <a:rPr lang="de-DE" dirty="0" smtClean="0"/>
-              <a:t>Thanks for your attention.</a:t>
+              <a:t>Thanks.</a:t>
             </a:r>
             <a:endParaRPr lang="en-US" dirty="0"/>
           </a:p>

--- a/doc/pres-prudsys.pptx
+++ b/doc/pres-prudsys.pptx
@@ -5,10 +5,10 @@
     <p:sldMasterId id="2147483648" r:id="rId1"/>
   </p:sldMasterIdLst>
   <p:notesMasterIdLst>
-    <p:notesMasterId r:id="rId8"/>
+    <p:notesMasterId r:id="rId9"/>
   </p:notesMasterIdLst>
   <p:handoutMasterIdLst>
-    <p:handoutMasterId r:id="rId9"/>
+    <p:handoutMasterId r:id="rId10"/>
   </p:handoutMasterIdLst>
   <p:sldIdLst>
     <p:sldId id="256" r:id="rId2"/>
@@ -16,7 +16,8 @@
     <p:sldId id="259" r:id="rId4"/>
     <p:sldId id="260" r:id="rId5"/>
     <p:sldId id="262" r:id="rId6"/>
-    <p:sldId id="261" r:id="rId7"/>
+    <p:sldId id="263" r:id="rId7"/>
+    <p:sldId id="261" r:id="rId8"/>
   </p:sldIdLst>
   <p:sldSz cx="9144000" cy="6858000" type="screen4x3"/>
   <p:notesSz cx="6858000" cy="9144000"/>
@@ -2209,21 +2210,21 @@
     </dgm:pt>
   </dgm:ptLst>
   <dgm:cxnLst>
+    <dgm:cxn modelId="{004CFCD9-F4D1-4FC5-904F-EF20D9F4D27A}" type="presOf" srcId="{25C6851C-E80E-429B-84A6-8BAA2C1977F5}" destId="{8485AA87-7A55-40A6-8DD6-7ABFAB47EE33}" srcOrd="0" destOrd="0" presId="urn:microsoft.com/office/officeart/2005/8/layout/process5"/>
+    <dgm:cxn modelId="{12DBF19D-E2C1-4DF8-83DD-6F0229FD962E}" type="presOf" srcId="{BF616858-2975-4F52-825D-3BC51AC7C44B}" destId="{864E56A6-9908-4E74-B951-1FDD023423A9}" srcOrd="0" destOrd="0" presId="urn:microsoft.com/office/officeart/2005/8/layout/process5"/>
+    <dgm:cxn modelId="{35B985BD-068C-4C82-A92A-9A49F38DDEC4}" type="presOf" srcId="{EB00BD1B-7301-428A-8817-3BFF72DB34C9}" destId="{ED8CB579-42AE-411B-9018-46136E6EB0FB}" srcOrd="0" destOrd="0" presId="urn:microsoft.com/office/officeart/2005/8/layout/process5"/>
+    <dgm:cxn modelId="{ACE55A73-1E51-43D8-B8E6-538BDBF66844}" type="presOf" srcId="{174BCD73-6F47-4880-B8F9-22CF9C3D6E51}" destId="{5E6F1F2B-D117-42D3-A2D7-4A49526DFA54}" srcOrd="1" destOrd="0" presId="urn:microsoft.com/office/officeart/2005/8/layout/process5"/>
+    <dgm:cxn modelId="{1135C784-48E3-40C0-8775-20484ED7E245}" type="presOf" srcId="{AE6EA62D-1259-47DC-B9C2-D732FC01A4C0}" destId="{7F36E413-CF9C-420C-8807-4857F82F70AF}" srcOrd="0" destOrd="0" presId="urn:microsoft.com/office/officeart/2005/8/layout/process5"/>
+    <dgm:cxn modelId="{BE45BB5B-12D8-43AE-B6E4-7538E4149147}" srcId="{EB00BD1B-7301-428A-8817-3BFF72DB34C9}" destId="{99E60159-F719-48E5-9EBC-E36EE0F20079}" srcOrd="1" destOrd="0" parTransId="{6290A01A-A9AF-44ED-B1BE-075CD24FBB5A}" sibTransId="{25C6851C-E80E-429B-84A6-8BAA2C1977F5}"/>
+    <dgm:cxn modelId="{E054317A-550B-441E-BB46-804A7E7F3808}" type="presOf" srcId="{AE6EA62D-1259-47DC-B9C2-D732FC01A4C0}" destId="{AB566722-5614-4FF7-B093-89C6233992F7}" srcOrd="1" destOrd="0" presId="urn:microsoft.com/office/officeart/2005/8/layout/process5"/>
+    <dgm:cxn modelId="{DDD45F40-5393-4069-B28D-F13EBA2524AB}" type="presOf" srcId="{CA8D0DFA-92B4-4AC3-B73B-8007921EA258}" destId="{4693E9C8-FB29-4BAC-AD6C-70620E8075D3}" srcOrd="0" destOrd="0" presId="urn:microsoft.com/office/officeart/2005/8/layout/process5"/>
+    <dgm:cxn modelId="{2F121697-DB4F-412E-9435-832545460A03}" srcId="{EB00BD1B-7301-428A-8817-3BFF72DB34C9}" destId="{15F89E0B-4147-4C18-A6D6-9D074BCFE1C5}" srcOrd="0" destOrd="0" parTransId="{69CF8F3F-B9BF-4CE2-85CC-29BE743338AD}" sibTransId="{AE6EA62D-1259-47DC-B9C2-D732FC01A4C0}"/>
+    <dgm:cxn modelId="{8AF6FE36-87BB-4BAE-9437-6EA1FFE3D02D}" type="presOf" srcId="{99E60159-F719-48E5-9EBC-E36EE0F20079}" destId="{4B1B6C31-A6F1-475D-87FC-09A1958D6645}" srcOrd="0" destOrd="0" presId="urn:microsoft.com/office/officeart/2005/8/layout/process5"/>
+    <dgm:cxn modelId="{7549B8E4-462C-45FE-B353-22C60DD54C16}" srcId="{EB00BD1B-7301-428A-8817-3BFF72DB34C9}" destId="{CA8D0DFA-92B4-4AC3-B73B-8007921EA258}" srcOrd="2" destOrd="0" parTransId="{6533984C-AFB6-404C-9101-21723A021D21}" sibTransId="{174BCD73-6F47-4880-B8F9-22CF9C3D6E51}"/>
+    <dgm:cxn modelId="{FF6A9E21-4BDA-43F0-890E-09CDC09097B4}" type="presOf" srcId="{25C6851C-E80E-429B-84A6-8BAA2C1977F5}" destId="{F5D9A138-AC39-4251-927F-C7B9FC860287}" srcOrd="1" destOrd="0" presId="urn:microsoft.com/office/officeart/2005/8/layout/process5"/>
+    <dgm:cxn modelId="{F2C06B11-B30D-4FE8-AEAC-1A71296120B1}" type="presOf" srcId="{174BCD73-6F47-4880-B8F9-22CF9C3D6E51}" destId="{EE542BFE-AEC8-432C-926C-28EEE1B1DD53}" srcOrd="0" destOrd="0" presId="urn:microsoft.com/office/officeart/2005/8/layout/process5"/>
+    <dgm:cxn modelId="{BC1CDD21-D598-4557-B944-AF600D20994B}" type="presOf" srcId="{15F89E0B-4147-4C18-A6D6-9D074BCFE1C5}" destId="{983A1CE5-54B5-42A9-A81E-B560825070E8}" srcOrd="0" destOrd="0" presId="urn:microsoft.com/office/officeart/2005/8/layout/process5"/>
     <dgm:cxn modelId="{63C28DD9-53B9-4877-B598-306F4E6DC740}" srcId="{EB00BD1B-7301-428A-8817-3BFF72DB34C9}" destId="{BF616858-2975-4F52-825D-3BC51AC7C44B}" srcOrd="3" destOrd="0" parTransId="{BA04BEBA-295D-4503-AFE7-24DAA2FCD8D1}" sibTransId="{D33367AC-B01A-4D87-AA55-183B245AB586}"/>
-    <dgm:cxn modelId="{BC1CDD21-D598-4557-B944-AF600D20994B}" type="presOf" srcId="{15F89E0B-4147-4C18-A6D6-9D074BCFE1C5}" destId="{983A1CE5-54B5-42A9-A81E-B560825070E8}" srcOrd="0" destOrd="0" presId="urn:microsoft.com/office/officeart/2005/8/layout/process5"/>
-    <dgm:cxn modelId="{F2C06B11-B30D-4FE8-AEAC-1A71296120B1}" type="presOf" srcId="{174BCD73-6F47-4880-B8F9-22CF9C3D6E51}" destId="{EE542BFE-AEC8-432C-926C-28EEE1B1DD53}" srcOrd="0" destOrd="0" presId="urn:microsoft.com/office/officeart/2005/8/layout/process5"/>
-    <dgm:cxn modelId="{004CFCD9-F4D1-4FC5-904F-EF20D9F4D27A}" type="presOf" srcId="{25C6851C-E80E-429B-84A6-8BAA2C1977F5}" destId="{8485AA87-7A55-40A6-8DD6-7ABFAB47EE33}" srcOrd="0" destOrd="0" presId="urn:microsoft.com/office/officeart/2005/8/layout/process5"/>
-    <dgm:cxn modelId="{2F121697-DB4F-412E-9435-832545460A03}" srcId="{EB00BD1B-7301-428A-8817-3BFF72DB34C9}" destId="{15F89E0B-4147-4C18-A6D6-9D074BCFE1C5}" srcOrd="0" destOrd="0" parTransId="{69CF8F3F-B9BF-4CE2-85CC-29BE743338AD}" sibTransId="{AE6EA62D-1259-47DC-B9C2-D732FC01A4C0}"/>
-    <dgm:cxn modelId="{12DBF19D-E2C1-4DF8-83DD-6F0229FD962E}" type="presOf" srcId="{BF616858-2975-4F52-825D-3BC51AC7C44B}" destId="{864E56A6-9908-4E74-B951-1FDD023423A9}" srcOrd="0" destOrd="0" presId="urn:microsoft.com/office/officeart/2005/8/layout/process5"/>
-    <dgm:cxn modelId="{BE45BB5B-12D8-43AE-B6E4-7538E4149147}" srcId="{EB00BD1B-7301-428A-8817-3BFF72DB34C9}" destId="{99E60159-F719-48E5-9EBC-E36EE0F20079}" srcOrd="1" destOrd="0" parTransId="{6290A01A-A9AF-44ED-B1BE-075CD24FBB5A}" sibTransId="{25C6851C-E80E-429B-84A6-8BAA2C1977F5}"/>
-    <dgm:cxn modelId="{35B985BD-068C-4C82-A92A-9A49F38DDEC4}" type="presOf" srcId="{EB00BD1B-7301-428A-8817-3BFF72DB34C9}" destId="{ED8CB579-42AE-411B-9018-46136E6EB0FB}" srcOrd="0" destOrd="0" presId="urn:microsoft.com/office/officeart/2005/8/layout/process5"/>
-    <dgm:cxn modelId="{1135C784-48E3-40C0-8775-20484ED7E245}" type="presOf" srcId="{AE6EA62D-1259-47DC-B9C2-D732FC01A4C0}" destId="{7F36E413-CF9C-420C-8807-4857F82F70AF}" srcOrd="0" destOrd="0" presId="urn:microsoft.com/office/officeart/2005/8/layout/process5"/>
-    <dgm:cxn modelId="{8AF6FE36-87BB-4BAE-9437-6EA1FFE3D02D}" type="presOf" srcId="{99E60159-F719-48E5-9EBC-E36EE0F20079}" destId="{4B1B6C31-A6F1-475D-87FC-09A1958D6645}" srcOrd="0" destOrd="0" presId="urn:microsoft.com/office/officeart/2005/8/layout/process5"/>
-    <dgm:cxn modelId="{DDD45F40-5393-4069-B28D-F13EBA2524AB}" type="presOf" srcId="{CA8D0DFA-92B4-4AC3-B73B-8007921EA258}" destId="{4693E9C8-FB29-4BAC-AD6C-70620E8075D3}" srcOrd="0" destOrd="0" presId="urn:microsoft.com/office/officeart/2005/8/layout/process5"/>
-    <dgm:cxn modelId="{E054317A-550B-441E-BB46-804A7E7F3808}" type="presOf" srcId="{AE6EA62D-1259-47DC-B9C2-D732FC01A4C0}" destId="{AB566722-5614-4FF7-B093-89C6233992F7}" srcOrd="1" destOrd="0" presId="urn:microsoft.com/office/officeart/2005/8/layout/process5"/>
-    <dgm:cxn modelId="{7549B8E4-462C-45FE-B353-22C60DD54C16}" srcId="{EB00BD1B-7301-428A-8817-3BFF72DB34C9}" destId="{CA8D0DFA-92B4-4AC3-B73B-8007921EA258}" srcOrd="2" destOrd="0" parTransId="{6533984C-AFB6-404C-9101-21723A021D21}" sibTransId="{174BCD73-6F47-4880-B8F9-22CF9C3D6E51}"/>
-    <dgm:cxn modelId="{ACE55A73-1E51-43D8-B8E6-538BDBF66844}" type="presOf" srcId="{174BCD73-6F47-4880-B8F9-22CF9C3D6E51}" destId="{5E6F1F2B-D117-42D3-A2D7-4A49526DFA54}" srcOrd="1" destOrd="0" presId="urn:microsoft.com/office/officeart/2005/8/layout/process5"/>
-    <dgm:cxn modelId="{FF6A9E21-4BDA-43F0-890E-09CDC09097B4}" type="presOf" srcId="{25C6851C-E80E-429B-84A6-8BAA2C1977F5}" destId="{F5D9A138-AC39-4251-927F-C7B9FC860287}" srcOrd="1" destOrd="0" presId="urn:microsoft.com/office/officeart/2005/8/layout/process5"/>
     <dgm:cxn modelId="{E6B550C2-2877-45C0-97F5-EB811EB51CBB}" type="presParOf" srcId="{ED8CB579-42AE-411B-9018-46136E6EB0FB}" destId="{983A1CE5-54B5-42A9-A81E-B560825070E8}" srcOrd="0" destOrd="0" presId="urn:microsoft.com/office/officeart/2005/8/layout/process5"/>
     <dgm:cxn modelId="{E504A654-75FE-4632-B41C-0E20CBB3E010}" type="presParOf" srcId="{ED8CB579-42AE-411B-9018-46136E6EB0FB}" destId="{7F36E413-CF9C-420C-8807-4857F82F70AF}" srcOrd="1" destOrd="0" presId="urn:microsoft.com/office/officeart/2005/8/layout/process5"/>
     <dgm:cxn modelId="{D061CDB1-4549-4229-9EEF-B61A14E2E4CF}" type="presParOf" srcId="{7F36E413-CF9C-420C-8807-4857F82F70AF}" destId="{AB566722-5614-4FF7-B093-89C6233992F7}" srcOrd="0" destOrd="0" presId="urn:microsoft.com/office/officeart/2005/8/layout/process5"/>
@@ -2239,7 +2240,7 @@
   <dgm:whole/>
   <dgm:extLst>
     <a:ext uri="http://schemas.microsoft.com/office/drawing/2008/diagram">
-      <dsp:dataModelExt xmlns:dsp="http://schemas.microsoft.com/office/drawing/2008/diagram" relId="rId6" minVer="http://schemas.openxmlformats.org/drawingml/2006/diagram"/>
+      <dsp:dataModelExt xmlns:dsp="http://schemas.microsoft.com/office/drawing/2008/diagram" xmlns="" relId="rId6" minVer="http://schemas.openxmlformats.org/drawingml/2006/diagram"/>
     </a:ext>
   </dgm:extLst>
 </dgm:dataModel>
@@ -2556,19 +2557,19 @@
     </dgm:pt>
   </dgm:ptLst>
   <dgm:cxnLst>
+    <dgm:cxn modelId="{F6EC27B3-CBD2-4546-9350-11322ED09E06}" type="presOf" srcId="{84F71D73-78AE-40DD-929B-039EBEDA3B39}" destId="{EE8108F1-001A-40F8-82EC-BEF8C11E0B9D}" srcOrd="0" destOrd="0" presId="urn:microsoft.com/office/officeart/2005/8/layout/process3"/>
     <dgm:cxn modelId="{6FC90662-AC61-47C8-8CBB-611CF2603F86}" type="presOf" srcId="{19E1A2AC-DC1C-4066-A138-3B4A94B2C142}" destId="{A90CE6AF-EEB9-4F4C-AF8C-474F968A4847}" srcOrd="1" destOrd="0" presId="urn:microsoft.com/office/officeart/2005/8/layout/process3"/>
-    <dgm:cxn modelId="{757A89D4-194B-4B91-932F-E7DE5808EC1D}" srcId="{6A9F56C7-0414-4B6E-A083-29B7C493A933}" destId="{5D463E45-6AE1-4865-85C5-F8396D2B9102}" srcOrd="0" destOrd="0" parTransId="{2B4219EE-5AAE-4DCF-80D9-604793AF4ED1}" sibTransId="{E0AC2389-1DB1-4EEA-965B-985E1AD5EF6E}"/>
-    <dgm:cxn modelId="{2AE1C5B5-E2B6-4BBF-B618-95A514E58CD1}" type="presOf" srcId="{5D463E45-6AE1-4865-85C5-F8396D2B9102}" destId="{2688DCC3-9AF8-4B84-A209-FB186533A77C}" srcOrd="0" destOrd="0" presId="urn:microsoft.com/office/officeart/2005/8/layout/process3"/>
-    <dgm:cxn modelId="{5BCF6B23-7D4A-4748-AD79-CB93DA96B80F}" type="presOf" srcId="{BBFA038B-DCAB-48E3-896B-43B5D0F6588D}" destId="{D770E38D-C360-4F83-B09E-C7842B0B8617}" srcOrd="0" destOrd="0" presId="urn:microsoft.com/office/officeart/2005/8/layout/process3"/>
-    <dgm:cxn modelId="{8320DE55-7408-4B86-AE4A-2E152D79357B}" type="presOf" srcId="{BBFA038B-DCAB-48E3-896B-43B5D0F6588D}" destId="{FD9B6B60-C688-495C-9735-32577F2B2959}" srcOrd="1" destOrd="0" presId="urn:microsoft.com/office/officeart/2005/8/layout/process3"/>
-    <dgm:cxn modelId="{2955F971-949F-442F-99C9-A07F867349DB}" type="presOf" srcId="{843B984B-DFC2-43AF-BF0B-9B41A5563499}" destId="{CA062347-00FC-4CFA-BBB5-6843A8858B2D}" srcOrd="0" destOrd="0" presId="urn:microsoft.com/office/officeart/2005/8/layout/process3"/>
     <dgm:cxn modelId="{1F9E0E03-F35B-461F-99E4-B43596F39474}" srcId="{84F71D73-78AE-40DD-929B-039EBEDA3B39}" destId="{6A9F56C7-0414-4B6E-A083-29B7C493A933}" srcOrd="1" destOrd="0" parTransId="{AA8FC098-0358-4507-859D-4CAD01F61BFD}" sibTransId="{FAC94327-2F69-4C0F-B9EE-9244622BDB20}"/>
     <dgm:cxn modelId="{628F3D61-C425-4D5D-A94D-9B2F8E38C849}" type="presOf" srcId="{6A9F56C7-0414-4B6E-A083-29B7C493A933}" destId="{D91C3E56-5A92-4718-8290-C7D915400D36}" srcOrd="1" destOrd="0" presId="urn:microsoft.com/office/officeart/2005/8/layout/process3"/>
-    <dgm:cxn modelId="{F6EC27B3-CBD2-4546-9350-11322ED09E06}" type="presOf" srcId="{84F71D73-78AE-40DD-929B-039EBEDA3B39}" destId="{EE8108F1-001A-40F8-82EC-BEF8C11E0B9D}" srcOrd="0" destOrd="0" presId="urn:microsoft.com/office/officeart/2005/8/layout/process3"/>
+    <dgm:cxn modelId="{757A89D4-194B-4B91-932F-E7DE5808EC1D}" srcId="{6A9F56C7-0414-4B6E-A083-29B7C493A933}" destId="{5D463E45-6AE1-4865-85C5-F8396D2B9102}" srcOrd="0" destOrd="0" parTransId="{2B4219EE-5AAE-4DCF-80D9-604793AF4ED1}" sibTransId="{E0AC2389-1DB1-4EEA-965B-985E1AD5EF6E}"/>
     <dgm:cxn modelId="{B6A08370-234E-4A56-A1EA-F67A4ABEE5CF}" type="presOf" srcId="{19E1A2AC-DC1C-4066-A138-3B4A94B2C142}" destId="{39F98D1B-FA55-4FD6-B53D-7AD98F6DA676}" srcOrd="0" destOrd="0" presId="urn:microsoft.com/office/officeart/2005/8/layout/process3"/>
+    <dgm:cxn modelId="{5BCF6B23-7D4A-4748-AD79-CB93DA96B80F}" type="presOf" srcId="{BBFA038B-DCAB-48E3-896B-43B5D0F6588D}" destId="{D770E38D-C360-4F83-B09E-C7842B0B8617}" srcOrd="0" destOrd="0" presId="urn:microsoft.com/office/officeart/2005/8/layout/process3"/>
+    <dgm:cxn modelId="{E15F5AD9-2386-45F1-8F8A-EF1BE3688B6D}" srcId="{84F71D73-78AE-40DD-929B-039EBEDA3B39}" destId="{19E1A2AC-DC1C-4066-A138-3B4A94B2C142}" srcOrd="0" destOrd="0" parTransId="{392A88A7-2EE4-41A6-A93F-CE0E59D9023B}" sibTransId="{BBFA038B-DCAB-48E3-896B-43B5D0F6588D}"/>
     <dgm:cxn modelId="{57C8769C-6413-466E-AFF6-DA7C59A10AEA}" type="presOf" srcId="{6A9F56C7-0414-4B6E-A083-29B7C493A933}" destId="{78F5E295-D9AF-4A38-8F14-8C491FBAF70F}" srcOrd="0" destOrd="0" presId="urn:microsoft.com/office/officeart/2005/8/layout/process3"/>
-    <dgm:cxn modelId="{E15F5AD9-2386-45F1-8F8A-EF1BE3688B6D}" srcId="{84F71D73-78AE-40DD-929B-039EBEDA3B39}" destId="{19E1A2AC-DC1C-4066-A138-3B4A94B2C142}" srcOrd="0" destOrd="0" parTransId="{392A88A7-2EE4-41A6-A93F-CE0E59D9023B}" sibTransId="{BBFA038B-DCAB-48E3-896B-43B5D0F6588D}"/>
     <dgm:cxn modelId="{EA2E2885-94DC-4547-AB9C-0AB567966FCD}" srcId="{19E1A2AC-DC1C-4066-A138-3B4A94B2C142}" destId="{843B984B-DFC2-43AF-BF0B-9B41A5563499}" srcOrd="0" destOrd="0" parTransId="{668E962B-B2AC-4B78-9963-76E65BBC8633}" sibTransId="{5A7A0893-19E9-452B-B559-29A217286C3B}"/>
+    <dgm:cxn modelId="{2955F971-949F-442F-99C9-A07F867349DB}" type="presOf" srcId="{843B984B-DFC2-43AF-BF0B-9B41A5563499}" destId="{CA062347-00FC-4CFA-BBB5-6843A8858B2D}" srcOrd="0" destOrd="0" presId="urn:microsoft.com/office/officeart/2005/8/layout/process3"/>
+    <dgm:cxn modelId="{2AE1C5B5-E2B6-4BBF-B618-95A514E58CD1}" type="presOf" srcId="{5D463E45-6AE1-4865-85C5-F8396D2B9102}" destId="{2688DCC3-9AF8-4B84-A209-FB186533A77C}" srcOrd="0" destOrd="0" presId="urn:microsoft.com/office/officeart/2005/8/layout/process3"/>
+    <dgm:cxn modelId="{8320DE55-7408-4B86-AE4A-2E152D79357B}" type="presOf" srcId="{BBFA038B-DCAB-48E3-896B-43B5D0F6588D}" destId="{FD9B6B60-C688-495C-9735-32577F2B2959}" srcOrd="1" destOrd="0" presId="urn:microsoft.com/office/officeart/2005/8/layout/process3"/>
     <dgm:cxn modelId="{D5DF97A1-2053-4B41-B0BA-853251AD1243}" type="presParOf" srcId="{EE8108F1-001A-40F8-82EC-BEF8C11E0B9D}" destId="{60097DF5-3175-4BA0-9C9A-650E86943C57}" srcOrd="0" destOrd="0" presId="urn:microsoft.com/office/officeart/2005/8/layout/process3"/>
     <dgm:cxn modelId="{23D30E82-439A-4C0E-B074-AD699790336C}" type="presParOf" srcId="{60097DF5-3175-4BA0-9C9A-650E86943C57}" destId="{39F98D1B-FA55-4FD6-B53D-7AD98F6DA676}" srcOrd="0" destOrd="0" presId="urn:microsoft.com/office/officeart/2005/8/layout/process3"/>
     <dgm:cxn modelId="{428D9F5C-CFF0-4BEB-8CE7-B085FC310F30}" type="presParOf" srcId="{60097DF5-3175-4BA0-9C9A-650E86943C57}" destId="{A90CE6AF-EEB9-4F4C-AF8C-474F968A4847}" srcOrd="1" destOrd="0" presId="urn:microsoft.com/office/officeart/2005/8/layout/process3"/>
@@ -2584,7 +2585,7 @@
   <dgm:whole/>
   <dgm:extLst>
     <a:ext uri="http://schemas.microsoft.com/office/drawing/2008/diagram">
-      <dsp:dataModelExt xmlns:dsp="http://schemas.microsoft.com/office/drawing/2008/diagram" relId="rId6" minVer="http://schemas.openxmlformats.org/drawingml/2006/diagram"/>
+      <dsp:dataModelExt xmlns:dsp="http://schemas.microsoft.com/office/drawing/2008/diagram" xmlns="" relId="rId6" minVer="http://schemas.openxmlformats.org/drawingml/2006/diagram"/>
     </a:ext>
   </dgm:extLst>
 </dgm:dataModel>
@@ -6284,7 +6285,7 @@
             <a:fld id="{C7CC2173-B0D1-45F1-9D54-E33B7353DA19}" type="slidenum">
               <a:rPr lang="de-DE"/>
               <a:pPr/>
-              <a:t>‹#›</a:t>
+              <a:t>‹Nr.›</a:t>
             </a:fld>
             <a:endParaRPr lang="de-DE"/>
           </a:p>
@@ -6459,7 +6460,7 @@
     </p:spTree>
     <p:extLst>
       <p:ext uri="{BB962C8B-B14F-4D97-AF65-F5344CB8AC3E}">
-        <p14:creationId xmlns:p14="http://schemas.microsoft.com/office/powerpoint/2010/main" val="3345007041"/>
+        <p14:creationId xmlns:p14="http://schemas.microsoft.com/office/powerpoint/2010/main" xmlns="" val="3345007041"/>
       </p:ext>
     </p:extLst>
   </p:cSld>
@@ -6776,7 +6777,7 @@
             <a:fld id="{C36AA9A4-5D0B-4134-89A6-D8B9DAA4F25C}" type="slidenum">
               <a:rPr lang="de-DE"/>
               <a:pPr/>
-              <a:t>‹#›</a:t>
+              <a:t>‹Nr.›</a:t>
             </a:fld>
             <a:endParaRPr lang="de-DE"/>
           </a:p>
@@ -7000,7 +7001,7 @@
     </p:spTree>
     <p:extLst>
       <p:ext uri="{BB962C8B-B14F-4D97-AF65-F5344CB8AC3E}">
-        <p14:creationId xmlns:p14="http://schemas.microsoft.com/office/powerpoint/2010/main" val="516787406"/>
+        <p14:creationId xmlns:p14="http://schemas.microsoft.com/office/powerpoint/2010/main" xmlns="" val="516787406"/>
       </p:ext>
     </p:extLst>
   </p:cSld>
@@ -7262,7 +7263,7 @@
     </p:spTree>
     <p:extLst>
       <p:ext uri="{BB962C8B-B14F-4D97-AF65-F5344CB8AC3E}">
-        <p14:creationId xmlns:p14="http://schemas.microsoft.com/office/powerpoint/2010/main" val="2520834147"/>
+        <p14:creationId xmlns:p14="http://schemas.microsoft.com/office/powerpoint/2010/main" xmlns="" val="2520834147"/>
       </p:ext>
     </p:extLst>
   </p:cSld>
@@ -7708,7 +7709,7 @@
           <a:blip r:embed="rId3">
             <a:extLst>
               <a:ext uri="{28A0092B-C50C-407E-A947-70E740481C1C}">
-                <a14:useLocalDpi xmlns:a14="http://schemas.microsoft.com/office/drawing/2010/main" val="0"/>
+                <a14:useLocalDpi xmlns:a14="http://schemas.microsoft.com/office/drawing/2010/main" xmlns="" val="0"/>
               </a:ext>
             </a:extLst>
           </a:blip>
@@ -7728,7 +7729,7 @@
           <a:noFill/>
           <a:extLst>
             <a:ext uri="{909E8E84-426E-40DD-AFC4-6F175D3DCCD1}">
-              <a14:hiddenFill xmlns:a14="http://schemas.microsoft.com/office/drawing/2010/main">
+              <a14:hiddenFill xmlns:a14="http://schemas.microsoft.com/office/drawing/2010/main" xmlns="">
                 <a:solidFill>
                   <a:srgbClr val="FFFFFF"/>
                 </a:solidFill>
@@ -9180,7 +9181,7 @@
           <a:blip r:embed="rId11">
             <a:extLst>
               <a:ext uri="{28A0092B-C50C-407E-A947-70E740481C1C}">
-                <a14:useLocalDpi xmlns:a14="http://schemas.microsoft.com/office/drawing/2010/main" val="0"/>
+                <a14:useLocalDpi xmlns:a14="http://schemas.microsoft.com/office/drawing/2010/main" xmlns="" val="0"/>
               </a:ext>
             </a:extLst>
           </a:blip>
@@ -9200,7 +9201,7 @@
           <a:noFill/>
           <a:extLst>
             <a:ext uri="{909E8E84-426E-40DD-AFC4-6F175D3DCCD1}">
-              <a14:hiddenFill xmlns:a14="http://schemas.microsoft.com/office/drawing/2010/main">
+              <a14:hiddenFill xmlns:a14="http://schemas.microsoft.com/office/drawing/2010/main" xmlns="">
                 <a:solidFill>
                   <a:srgbClr val="FFFFFF"/>
                 </a:solidFill>
@@ -9707,7 +9708,7 @@
           <a:blip r:embed="rId3" cstate="print">
             <a:extLst>
               <a:ext uri="{28A0092B-C50C-407E-A947-70E740481C1C}">
-                <a14:useLocalDpi xmlns:a14="http://schemas.microsoft.com/office/drawing/2010/main" val="0"/>
+                <a14:useLocalDpi xmlns:a14="http://schemas.microsoft.com/office/drawing/2010/main" xmlns="" val="0"/>
               </a:ext>
             </a:extLst>
           </a:blip>
@@ -10532,7 +10533,7 @@
             <p:ph idx="1"/>
             <p:extLst>
               <p:ext uri="{D42A27DB-BD31-4B8C-83A1-F6EECF244321}">
-                <p14:modId xmlns:p14="http://schemas.microsoft.com/office/powerpoint/2010/main" val="3071815426"/>
+                <p14:modId xmlns:p14="http://schemas.microsoft.com/office/powerpoint/2010/main" xmlns="" val="3071815426"/>
               </p:ext>
             </p:extLst>
           </p:nvPr>
@@ -10556,10 +10557,10 @@
           <p:nvPr/>
         </p:nvPicPr>
         <p:blipFill>
-          <a:blip r:embed="rId7" cstate="print">
+          <a:blip r:embed="rId6" cstate="print">
             <a:extLst>
               <a:ext uri="{28A0092B-C50C-407E-A947-70E740481C1C}">
-                <a14:useLocalDpi xmlns:a14="http://schemas.microsoft.com/office/drawing/2010/main" val="0"/>
+                <a14:useLocalDpi xmlns:a14="http://schemas.microsoft.com/office/drawing/2010/main" xmlns="" val="0"/>
               </a:ext>
             </a:extLst>
           </a:blip>
@@ -10580,7 +10581,7 @@
     </p:spTree>
     <p:extLst>
       <p:ext uri="{BB962C8B-B14F-4D97-AF65-F5344CB8AC3E}">
-        <p14:creationId xmlns:p14="http://schemas.microsoft.com/office/powerpoint/2010/main" val="1536128924"/>
+        <p14:creationId xmlns:p14="http://schemas.microsoft.com/office/powerpoint/2010/main" xmlns="" val="1536128924"/>
       </p:ext>
     </p:extLst>
   </p:cSld>
@@ -10647,7 +10648,7 @@
             <p:ph idx="1"/>
             <p:extLst>
               <p:ext uri="{D42A27DB-BD31-4B8C-83A1-F6EECF244321}">
-                <p14:modId xmlns:p14="http://schemas.microsoft.com/office/powerpoint/2010/main" val="3711246334"/>
+                <p14:modId xmlns:p14="http://schemas.microsoft.com/office/powerpoint/2010/main" xmlns="" val="3711246334"/>
               </p:ext>
             </p:extLst>
           </p:nvPr>
@@ -10712,7 +10713,7 @@
     </p:spTree>
     <p:extLst>
       <p:ext uri="{BB962C8B-B14F-4D97-AF65-F5344CB8AC3E}">
-        <p14:creationId xmlns:p14="http://schemas.microsoft.com/office/powerpoint/2010/main" val="3725929812"/>
+        <p14:creationId xmlns:p14="http://schemas.microsoft.com/office/powerpoint/2010/main" xmlns="" val="3725929812"/>
       </p:ext>
     </p:extLst>
   </p:cSld>
@@ -10863,7 +10864,7 @@
     </p:spTree>
     <p:extLst>
       <p:ext uri="{BB962C8B-B14F-4D97-AF65-F5344CB8AC3E}">
-        <p14:creationId xmlns:p14="http://schemas.microsoft.com/office/powerpoint/2010/main" val="1148698881"/>
+        <p14:creationId xmlns:p14="http://schemas.microsoft.com/office/powerpoint/2010/main" xmlns="" val="1148698881"/>
       </p:ext>
     </p:extLst>
   </p:cSld>
@@ -10930,7 +10931,7 @@
             <p:ph idx="1"/>
             <p:extLst>
               <p:ext uri="{D42A27DB-BD31-4B8C-83A1-F6EECF244321}">
-                <p14:modId xmlns:p14="http://schemas.microsoft.com/office/powerpoint/2010/main" val="1582143367"/>
+                <p14:modId xmlns:p14="http://schemas.microsoft.com/office/powerpoint/2010/main" xmlns="" val="1582143367"/>
               </p:ext>
             </p:extLst>
           </p:nvPr>
@@ -11251,7 +11252,7 @@
     </p:spTree>
     <p:extLst>
       <p:ext uri="{BB962C8B-B14F-4D97-AF65-F5344CB8AC3E}">
-        <p14:creationId xmlns:p14="http://schemas.microsoft.com/office/powerpoint/2010/main" val="3847757178"/>
+        <p14:creationId xmlns:p14="http://schemas.microsoft.com/office/powerpoint/2010/main" xmlns="" val="3847757178"/>
       </p:ext>
     </p:extLst>
   </p:cSld>
@@ -11262,6 +11263,198 @@
 </file>
 
 <file path=ppt/slides/slide6.xml><?xml version="1.0" encoding="utf-8"?>
+<p:sld xmlns:a="http://schemas.openxmlformats.org/drawingml/2006/main" xmlns:r="http://schemas.openxmlformats.org/officeDocument/2006/relationships" xmlns:p="http://schemas.openxmlformats.org/presentationml/2006/main">
+  <p:cSld>
+    <p:spTree>
+      <p:nvGrpSpPr>
+        <p:cNvPr id="1" name=""/>
+        <p:cNvGrpSpPr/>
+        <p:nvPr/>
+      </p:nvGrpSpPr>
+      <p:grpSpPr>
+        <a:xfrm>
+          <a:off x="0" y="0"/>
+          <a:ext cx="0" cy="0"/>
+          <a:chOff x="0" y="0"/>
+          <a:chExt cx="0" cy="0"/>
+        </a:xfrm>
+      </p:grpSpPr>
+      <p:sp>
+        <p:nvSpPr>
+          <p:cNvPr id="2" name="Titel 1"/>
+          <p:cNvSpPr>
+            <a:spLocks noGrp="1"/>
+          </p:cNvSpPr>
+          <p:nvPr>
+            <p:ph type="title"/>
+          </p:nvPr>
+        </p:nvSpPr>
+        <p:spPr/>
+        <p:txBody>
+          <a:bodyPr/>
+          <a:lstStyle/>
+          <a:p>
+            <a:r>
+              <a:rPr lang="de-DE" dirty="0" smtClean="0"/>
+              <a:t>C5.0 Parameter Tuning – Not </a:t>
+            </a:r>
+            <a:r>
+              <a:rPr lang="de-DE" dirty="0" err="1" smtClean="0"/>
+              <a:t>Enough</a:t>
+            </a:r>
+            <a:r>
+              <a:rPr lang="de-DE" dirty="0" smtClean="0"/>
+              <a:t> Time</a:t>
+            </a:r>
+            <a:endParaRPr lang="de-DE" dirty="0"/>
+          </a:p>
+        </p:txBody>
+      </p:sp>
+      <p:sp>
+        <p:nvSpPr>
+          <p:cNvPr id="3" name="Inhaltsplatzhalter 2"/>
+          <p:cNvSpPr>
+            <a:spLocks noGrp="1"/>
+          </p:cNvSpPr>
+          <p:nvPr>
+            <p:ph idx="1"/>
+          </p:nvPr>
+        </p:nvSpPr>
+        <p:spPr/>
+        <p:txBody>
+          <a:bodyPr/>
+          <a:lstStyle/>
+          <a:p>
+            <a:r>
+              <a:rPr lang="de-DE" dirty="0" smtClean="0"/>
+              <a:t>Final Parameters:</a:t>
+            </a:r>
+          </a:p>
+          <a:p>
+            <a:pPr>
+              <a:buFont typeface="Arial" pitchFamily="34" charset="0"/>
+              <a:buChar char="•"/>
+            </a:pPr>
+            <a:r>
+              <a:rPr lang="de-DE" dirty="0" smtClean="0"/>
+              <a:t>3</a:t>
+            </a:r>
+            <a:r>
+              <a:rPr lang="de-DE" dirty="0" smtClean="0"/>
+              <a:t>0 </a:t>
+            </a:r>
+            <a:r>
+              <a:rPr lang="de-DE" dirty="0" err="1" smtClean="0"/>
+              <a:t>Boosting</a:t>
+            </a:r>
+            <a:r>
+              <a:rPr lang="de-DE" dirty="0" smtClean="0"/>
+              <a:t> </a:t>
+            </a:r>
+            <a:r>
+              <a:rPr lang="de-DE" dirty="0" err="1" smtClean="0"/>
+              <a:t>Iterations</a:t>
+            </a:r>
+            <a:endParaRPr lang="de-DE" dirty="0" smtClean="0"/>
+          </a:p>
+          <a:p>
+            <a:pPr>
+              <a:buFont typeface="Arial" pitchFamily="34" charset="0"/>
+              <a:buChar char="•"/>
+            </a:pPr>
+            <a:r>
+              <a:rPr lang="de-DE" dirty="0" err="1" smtClean="0"/>
+              <a:t>No</a:t>
+            </a:r>
+            <a:r>
+              <a:rPr lang="de-DE" dirty="0" smtClean="0"/>
+              <a:t> </a:t>
+            </a:r>
+            <a:r>
+              <a:rPr lang="de-DE" dirty="0" err="1" smtClean="0"/>
+              <a:t>Winnowing</a:t>
+            </a:r>
+            <a:endParaRPr lang="de-DE" dirty="0" smtClean="0"/>
+          </a:p>
+          <a:p>
+            <a:pPr>
+              <a:buFont typeface="Arial" pitchFamily="34" charset="0"/>
+              <a:buChar char="•"/>
+            </a:pPr>
+            <a:r>
+              <a:rPr lang="de-DE" dirty="0" smtClean="0"/>
+              <a:t>Model=Rules</a:t>
+            </a:r>
+          </a:p>
+          <a:p>
+            <a:pPr>
+              <a:buFont typeface="Arial" pitchFamily="34" charset="0"/>
+              <a:buChar char="•"/>
+            </a:pPr>
+            <a:endParaRPr lang="de-DE" dirty="0" smtClean="0"/>
+          </a:p>
+          <a:p>
+            <a:r>
+              <a:rPr lang="de-DE" dirty="0" err="1" smtClean="0"/>
+              <a:t>Better</a:t>
+            </a:r>
+            <a:r>
+              <a:rPr lang="de-DE" dirty="0" smtClean="0"/>
+              <a:t> Parameters </a:t>
+            </a:r>
+            <a:r>
+              <a:rPr lang="de-DE" dirty="0" err="1" smtClean="0"/>
+              <a:t>found</a:t>
+            </a:r>
+            <a:r>
+              <a:rPr lang="de-DE" dirty="0" smtClean="0"/>
+              <a:t>,</a:t>
+            </a:r>
+          </a:p>
+          <a:p>
+            <a:r>
+              <a:rPr lang="de-DE" dirty="0" smtClean="0"/>
+              <a:t>but time ran out</a:t>
+            </a:r>
+            <a:endParaRPr lang="de-DE" dirty="0"/>
+          </a:p>
+        </p:txBody>
+      </p:sp>
+      <p:pic>
+        <p:nvPicPr>
+          <p:cNvPr id="1027" name="Picture 3" descr="C:\Users\Simon\Downloads\tuning.png"/>
+          <p:cNvPicPr>
+            <a:picLocks noChangeAspect="1" noChangeArrowheads="1"/>
+          </p:cNvPicPr>
+          <p:nvPr/>
+        </p:nvPicPr>
+        <p:blipFill>
+          <a:blip r:embed="rId2"/>
+          <a:srcRect/>
+          <a:stretch>
+            <a:fillRect/>
+          </a:stretch>
+        </p:blipFill>
+        <p:spPr bwMode="auto">
+          <a:xfrm>
+            <a:off x="3500430" y="1500174"/>
+            <a:ext cx="4945829" cy="4798263"/>
+          </a:xfrm>
+          <a:prstGeom prst="rect">
+            <a:avLst/>
+          </a:prstGeom>
+          <a:noFill/>
+        </p:spPr>
+      </p:pic>
+    </p:spTree>
+  </p:cSld>
+  <p:clrMapOvr>
+    <a:masterClrMapping/>
+  </p:clrMapOvr>
+</p:sld>
+</file>
+
+<file path=ppt/slides/slide7.xml><?xml version="1.0" encoding="utf-8"?>
 <p:sld xmlns:a="http://schemas.openxmlformats.org/drawingml/2006/main" xmlns:r="http://schemas.openxmlformats.org/officeDocument/2006/relationships" xmlns:p="http://schemas.openxmlformats.org/presentationml/2006/main">
   <p:cSld>
     <p:spTree>
@@ -11327,7 +11520,7 @@
     </p:spTree>
     <p:extLst>
       <p:ext uri="{BB962C8B-B14F-4D97-AF65-F5344CB8AC3E}">
-        <p14:creationId xmlns:p14="http://schemas.microsoft.com/office/powerpoint/2010/main" val="346014335"/>
+        <p14:creationId xmlns:p14="http://schemas.microsoft.com/office/powerpoint/2010/main" xmlns="" val="346014335"/>
       </p:ext>
     </p:extLst>
   </p:cSld>

--- a/doc/pres-prudsys.pptx
+++ b/doc/pres-prudsys.pptx
@@ -5,19 +5,20 @@
     <p:sldMasterId id="2147483648" r:id="rId1"/>
   </p:sldMasterIdLst>
   <p:notesMasterIdLst>
-    <p:notesMasterId r:id="rId9"/>
+    <p:notesMasterId r:id="rId10"/>
   </p:notesMasterIdLst>
   <p:handoutMasterIdLst>
-    <p:handoutMasterId r:id="rId10"/>
+    <p:handoutMasterId r:id="rId11"/>
   </p:handoutMasterIdLst>
   <p:sldIdLst>
     <p:sldId id="256" r:id="rId2"/>
-    <p:sldId id="258" r:id="rId3"/>
-    <p:sldId id="259" r:id="rId4"/>
-    <p:sldId id="260" r:id="rId5"/>
-    <p:sldId id="262" r:id="rId6"/>
-    <p:sldId id="263" r:id="rId7"/>
-    <p:sldId id="261" r:id="rId8"/>
+    <p:sldId id="264" r:id="rId3"/>
+    <p:sldId id="258" r:id="rId4"/>
+    <p:sldId id="259" r:id="rId5"/>
+    <p:sldId id="260" r:id="rId6"/>
+    <p:sldId id="262" r:id="rId7"/>
+    <p:sldId id="263" r:id="rId8"/>
+    <p:sldId id="261" r:id="rId9"/>
   </p:sldIdLst>
   <p:sldSz cx="9144000" cy="6858000" type="screen4x3"/>
   <p:notesSz cx="6858000" cy="9144000"/>
@@ -2210,21 +2211,21 @@
     </dgm:pt>
   </dgm:ptLst>
   <dgm:cxnLst>
+    <dgm:cxn modelId="{63C28DD9-53B9-4877-B598-306F4E6DC740}" srcId="{EB00BD1B-7301-428A-8817-3BFF72DB34C9}" destId="{BF616858-2975-4F52-825D-3BC51AC7C44B}" srcOrd="3" destOrd="0" parTransId="{BA04BEBA-295D-4503-AFE7-24DAA2FCD8D1}" sibTransId="{D33367AC-B01A-4D87-AA55-183B245AB586}"/>
+    <dgm:cxn modelId="{BC1CDD21-D598-4557-B944-AF600D20994B}" type="presOf" srcId="{15F89E0B-4147-4C18-A6D6-9D074BCFE1C5}" destId="{983A1CE5-54B5-42A9-A81E-B560825070E8}" srcOrd="0" destOrd="0" presId="urn:microsoft.com/office/officeart/2005/8/layout/process5"/>
+    <dgm:cxn modelId="{F2C06B11-B30D-4FE8-AEAC-1A71296120B1}" type="presOf" srcId="{174BCD73-6F47-4880-B8F9-22CF9C3D6E51}" destId="{EE542BFE-AEC8-432C-926C-28EEE1B1DD53}" srcOrd="0" destOrd="0" presId="urn:microsoft.com/office/officeart/2005/8/layout/process5"/>
     <dgm:cxn modelId="{004CFCD9-F4D1-4FC5-904F-EF20D9F4D27A}" type="presOf" srcId="{25C6851C-E80E-429B-84A6-8BAA2C1977F5}" destId="{8485AA87-7A55-40A6-8DD6-7ABFAB47EE33}" srcOrd="0" destOrd="0" presId="urn:microsoft.com/office/officeart/2005/8/layout/process5"/>
+    <dgm:cxn modelId="{2F121697-DB4F-412E-9435-832545460A03}" srcId="{EB00BD1B-7301-428A-8817-3BFF72DB34C9}" destId="{15F89E0B-4147-4C18-A6D6-9D074BCFE1C5}" srcOrd="0" destOrd="0" parTransId="{69CF8F3F-B9BF-4CE2-85CC-29BE743338AD}" sibTransId="{AE6EA62D-1259-47DC-B9C2-D732FC01A4C0}"/>
     <dgm:cxn modelId="{12DBF19D-E2C1-4DF8-83DD-6F0229FD962E}" type="presOf" srcId="{BF616858-2975-4F52-825D-3BC51AC7C44B}" destId="{864E56A6-9908-4E74-B951-1FDD023423A9}" srcOrd="0" destOrd="0" presId="urn:microsoft.com/office/officeart/2005/8/layout/process5"/>
+    <dgm:cxn modelId="{BE45BB5B-12D8-43AE-B6E4-7538E4149147}" srcId="{EB00BD1B-7301-428A-8817-3BFF72DB34C9}" destId="{99E60159-F719-48E5-9EBC-E36EE0F20079}" srcOrd="1" destOrd="0" parTransId="{6290A01A-A9AF-44ED-B1BE-075CD24FBB5A}" sibTransId="{25C6851C-E80E-429B-84A6-8BAA2C1977F5}"/>
     <dgm:cxn modelId="{35B985BD-068C-4C82-A92A-9A49F38DDEC4}" type="presOf" srcId="{EB00BD1B-7301-428A-8817-3BFF72DB34C9}" destId="{ED8CB579-42AE-411B-9018-46136E6EB0FB}" srcOrd="0" destOrd="0" presId="urn:microsoft.com/office/officeart/2005/8/layout/process5"/>
+    <dgm:cxn modelId="{1135C784-48E3-40C0-8775-20484ED7E245}" type="presOf" srcId="{AE6EA62D-1259-47DC-B9C2-D732FC01A4C0}" destId="{7F36E413-CF9C-420C-8807-4857F82F70AF}" srcOrd="0" destOrd="0" presId="urn:microsoft.com/office/officeart/2005/8/layout/process5"/>
+    <dgm:cxn modelId="{8AF6FE36-87BB-4BAE-9437-6EA1FFE3D02D}" type="presOf" srcId="{99E60159-F719-48E5-9EBC-E36EE0F20079}" destId="{4B1B6C31-A6F1-475D-87FC-09A1958D6645}" srcOrd="0" destOrd="0" presId="urn:microsoft.com/office/officeart/2005/8/layout/process5"/>
+    <dgm:cxn modelId="{DDD45F40-5393-4069-B28D-F13EBA2524AB}" type="presOf" srcId="{CA8D0DFA-92B4-4AC3-B73B-8007921EA258}" destId="{4693E9C8-FB29-4BAC-AD6C-70620E8075D3}" srcOrd="0" destOrd="0" presId="urn:microsoft.com/office/officeart/2005/8/layout/process5"/>
+    <dgm:cxn modelId="{E054317A-550B-441E-BB46-804A7E7F3808}" type="presOf" srcId="{AE6EA62D-1259-47DC-B9C2-D732FC01A4C0}" destId="{AB566722-5614-4FF7-B093-89C6233992F7}" srcOrd="1" destOrd="0" presId="urn:microsoft.com/office/officeart/2005/8/layout/process5"/>
+    <dgm:cxn modelId="{7549B8E4-462C-45FE-B353-22C60DD54C16}" srcId="{EB00BD1B-7301-428A-8817-3BFF72DB34C9}" destId="{CA8D0DFA-92B4-4AC3-B73B-8007921EA258}" srcOrd="2" destOrd="0" parTransId="{6533984C-AFB6-404C-9101-21723A021D21}" sibTransId="{174BCD73-6F47-4880-B8F9-22CF9C3D6E51}"/>
     <dgm:cxn modelId="{ACE55A73-1E51-43D8-B8E6-538BDBF66844}" type="presOf" srcId="{174BCD73-6F47-4880-B8F9-22CF9C3D6E51}" destId="{5E6F1F2B-D117-42D3-A2D7-4A49526DFA54}" srcOrd="1" destOrd="0" presId="urn:microsoft.com/office/officeart/2005/8/layout/process5"/>
-    <dgm:cxn modelId="{1135C784-48E3-40C0-8775-20484ED7E245}" type="presOf" srcId="{AE6EA62D-1259-47DC-B9C2-D732FC01A4C0}" destId="{7F36E413-CF9C-420C-8807-4857F82F70AF}" srcOrd="0" destOrd="0" presId="urn:microsoft.com/office/officeart/2005/8/layout/process5"/>
-    <dgm:cxn modelId="{BE45BB5B-12D8-43AE-B6E4-7538E4149147}" srcId="{EB00BD1B-7301-428A-8817-3BFF72DB34C9}" destId="{99E60159-F719-48E5-9EBC-E36EE0F20079}" srcOrd="1" destOrd="0" parTransId="{6290A01A-A9AF-44ED-B1BE-075CD24FBB5A}" sibTransId="{25C6851C-E80E-429B-84A6-8BAA2C1977F5}"/>
-    <dgm:cxn modelId="{E054317A-550B-441E-BB46-804A7E7F3808}" type="presOf" srcId="{AE6EA62D-1259-47DC-B9C2-D732FC01A4C0}" destId="{AB566722-5614-4FF7-B093-89C6233992F7}" srcOrd="1" destOrd="0" presId="urn:microsoft.com/office/officeart/2005/8/layout/process5"/>
-    <dgm:cxn modelId="{DDD45F40-5393-4069-B28D-F13EBA2524AB}" type="presOf" srcId="{CA8D0DFA-92B4-4AC3-B73B-8007921EA258}" destId="{4693E9C8-FB29-4BAC-AD6C-70620E8075D3}" srcOrd="0" destOrd="0" presId="urn:microsoft.com/office/officeart/2005/8/layout/process5"/>
-    <dgm:cxn modelId="{2F121697-DB4F-412E-9435-832545460A03}" srcId="{EB00BD1B-7301-428A-8817-3BFF72DB34C9}" destId="{15F89E0B-4147-4C18-A6D6-9D074BCFE1C5}" srcOrd="0" destOrd="0" parTransId="{69CF8F3F-B9BF-4CE2-85CC-29BE743338AD}" sibTransId="{AE6EA62D-1259-47DC-B9C2-D732FC01A4C0}"/>
-    <dgm:cxn modelId="{8AF6FE36-87BB-4BAE-9437-6EA1FFE3D02D}" type="presOf" srcId="{99E60159-F719-48E5-9EBC-E36EE0F20079}" destId="{4B1B6C31-A6F1-475D-87FC-09A1958D6645}" srcOrd="0" destOrd="0" presId="urn:microsoft.com/office/officeart/2005/8/layout/process5"/>
-    <dgm:cxn modelId="{7549B8E4-462C-45FE-B353-22C60DD54C16}" srcId="{EB00BD1B-7301-428A-8817-3BFF72DB34C9}" destId="{CA8D0DFA-92B4-4AC3-B73B-8007921EA258}" srcOrd="2" destOrd="0" parTransId="{6533984C-AFB6-404C-9101-21723A021D21}" sibTransId="{174BCD73-6F47-4880-B8F9-22CF9C3D6E51}"/>
     <dgm:cxn modelId="{FF6A9E21-4BDA-43F0-890E-09CDC09097B4}" type="presOf" srcId="{25C6851C-E80E-429B-84A6-8BAA2C1977F5}" destId="{F5D9A138-AC39-4251-927F-C7B9FC860287}" srcOrd="1" destOrd="0" presId="urn:microsoft.com/office/officeart/2005/8/layout/process5"/>
-    <dgm:cxn modelId="{F2C06B11-B30D-4FE8-AEAC-1A71296120B1}" type="presOf" srcId="{174BCD73-6F47-4880-B8F9-22CF9C3D6E51}" destId="{EE542BFE-AEC8-432C-926C-28EEE1B1DD53}" srcOrd="0" destOrd="0" presId="urn:microsoft.com/office/officeart/2005/8/layout/process5"/>
-    <dgm:cxn modelId="{BC1CDD21-D598-4557-B944-AF600D20994B}" type="presOf" srcId="{15F89E0B-4147-4C18-A6D6-9D074BCFE1C5}" destId="{983A1CE5-54B5-42A9-A81E-B560825070E8}" srcOrd="0" destOrd="0" presId="urn:microsoft.com/office/officeart/2005/8/layout/process5"/>
-    <dgm:cxn modelId="{63C28DD9-53B9-4877-B598-306F4E6DC740}" srcId="{EB00BD1B-7301-428A-8817-3BFF72DB34C9}" destId="{BF616858-2975-4F52-825D-3BC51AC7C44B}" srcOrd="3" destOrd="0" parTransId="{BA04BEBA-295D-4503-AFE7-24DAA2FCD8D1}" sibTransId="{D33367AC-B01A-4D87-AA55-183B245AB586}"/>
     <dgm:cxn modelId="{E6B550C2-2877-45C0-97F5-EB811EB51CBB}" type="presParOf" srcId="{ED8CB579-42AE-411B-9018-46136E6EB0FB}" destId="{983A1CE5-54B5-42A9-A81E-B560825070E8}" srcOrd="0" destOrd="0" presId="urn:microsoft.com/office/officeart/2005/8/layout/process5"/>
     <dgm:cxn modelId="{E504A654-75FE-4632-B41C-0E20CBB3E010}" type="presParOf" srcId="{ED8CB579-42AE-411B-9018-46136E6EB0FB}" destId="{7F36E413-CF9C-420C-8807-4857F82F70AF}" srcOrd="1" destOrd="0" presId="urn:microsoft.com/office/officeart/2005/8/layout/process5"/>
     <dgm:cxn modelId="{D061CDB1-4549-4229-9EEF-B61A14E2E4CF}" type="presParOf" srcId="{7F36E413-CF9C-420C-8807-4857F82F70AF}" destId="{AB566722-5614-4FF7-B093-89C6233992F7}" srcOrd="0" destOrd="0" presId="urn:microsoft.com/office/officeart/2005/8/layout/process5"/>
@@ -2240,7 +2241,7 @@
   <dgm:whole/>
   <dgm:extLst>
     <a:ext uri="http://schemas.microsoft.com/office/drawing/2008/diagram">
-      <dsp:dataModelExt xmlns:dsp="http://schemas.microsoft.com/office/drawing/2008/diagram" xmlns="" relId="rId6" minVer="http://schemas.openxmlformats.org/drawingml/2006/diagram"/>
+      <dsp:dataModelExt xmlns:dsp="http://schemas.microsoft.com/office/drawing/2008/diagram" relId="rId6" minVer="http://schemas.openxmlformats.org/drawingml/2006/diagram"/>
     </a:ext>
   </dgm:extLst>
 </dgm:dataModel>
@@ -2557,19 +2558,19 @@
     </dgm:pt>
   </dgm:ptLst>
   <dgm:cxnLst>
-    <dgm:cxn modelId="{F6EC27B3-CBD2-4546-9350-11322ED09E06}" type="presOf" srcId="{84F71D73-78AE-40DD-929B-039EBEDA3B39}" destId="{EE8108F1-001A-40F8-82EC-BEF8C11E0B9D}" srcOrd="0" destOrd="0" presId="urn:microsoft.com/office/officeart/2005/8/layout/process3"/>
     <dgm:cxn modelId="{6FC90662-AC61-47C8-8CBB-611CF2603F86}" type="presOf" srcId="{19E1A2AC-DC1C-4066-A138-3B4A94B2C142}" destId="{A90CE6AF-EEB9-4F4C-AF8C-474F968A4847}" srcOrd="1" destOrd="0" presId="urn:microsoft.com/office/officeart/2005/8/layout/process3"/>
+    <dgm:cxn modelId="{757A89D4-194B-4B91-932F-E7DE5808EC1D}" srcId="{6A9F56C7-0414-4B6E-A083-29B7C493A933}" destId="{5D463E45-6AE1-4865-85C5-F8396D2B9102}" srcOrd="0" destOrd="0" parTransId="{2B4219EE-5AAE-4DCF-80D9-604793AF4ED1}" sibTransId="{E0AC2389-1DB1-4EEA-965B-985E1AD5EF6E}"/>
+    <dgm:cxn modelId="{2AE1C5B5-E2B6-4BBF-B618-95A514E58CD1}" type="presOf" srcId="{5D463E45-6AE1-4865-85C5-F8396D2B9102}" destId="{2688DCC3-9AF8-4B84-A209-FB186533A77C}" srcOrd="0" destOrd="0" presId="urn:microsoft.com/office/officeart/2005/8/layout/process3"/>
+    <dgm:cxn modelId="{5BCF6B23-7D4A-4748-AD79-CB93DA96B80F}" type="presOf" srcId="{BBFA038B-DCAB-48E3-896B-43B5D0F6588D}" destId="{D770E38D-C360-4F83-B09E-C7842B0B8617}" srcOrd="0" destOrd="0" presId="urn:microsoft.com/office/officeart/2005/8/layout/process3"/>
+    <dgm:cxn modelId="{8320DE55-7408-4B86-AE4A-2E152D79357B}" type="presOf" srcId="{BBFA038B-DCAB-48E3-896B-43B5D0F6588D}" destId="{FD9B6B60-C688-495C-9735-32577F2B2959}" srcOrd="1" destOrd="0" presId="urn:microsoft.com/office/officeart/2005/8/layout/process3"/>
+    <dgm:cxn modelId="{2955F971-949F-442F-99C9-A07F867349DB}" type="presOf" srcId="{843B984B-DFC2-43AF-BF0B-9B41A5563499}" destId="{CA062347-00FC-4CFA-BBB5-6843A8858B2D}" srcOrd="0" destOrd="0" presId="urn:microsoft.com/office/officeart/2005/8/layout/process3"/>
     <dgm:cxn modelId="{1F9E0E03-F35B-461F-99E4-B43596F39474}" srcId="{84F71D73-78AE-40DD-929B-039EBEDA3B39}" destId="{6A9F56C7-0414-4B6E-A083-29B7C493A933}" srcOrd="1" destOrd="0" parTransId="{AA8FC098-0358-4507-859D-4CAD01F61BFD}" sibTransId="{FAC94327-2F69-4C0F-B9EE-9244622BDB20}"/>
     <dgm:cxn modelId="{628F3D61-C425-4D5D-A94D-9B2F8E38C849}" type="presOf" srcId="{6A9F56C7-0414-4B6E-A083-29B7C493A933}" destId="{D91C3E56-5A92-4718-8290-C7D915400D36}" srcOrd="1" destOrd="0" presId="urn:microsoft.com/office/officeart/2005/8/layout/process3"/>
-    <dgm:cxn modelId="{757A89D4-194B-4B91-932F-E7DE5808EC1D}" srcId="{6A9F56C7-0414-4B6E-A083-29B7C493A933}" destId="{5D463E45-6AE1-4865-85C5-F8396D2B9102}" srcOrd="0" destOrd="0" parTransId="{2B4219EE-5AAE-4DCF-80D9-604793AF4ED1}" sibTransId="{E0AC2389-1DB1-4EEA-965B-985E1AD5EF6E}"/>
+    <dgm:cxn modelId="{F6EC27B3-CBD2-4546-9350-11322ED09E06}" type="presOf" srcId="{84F71D73-78AE-40DD-929B-039EBEDA3B39}" destId="{EE8108F1-001A-40F8-82EC-BEF8C11E0B9D}" srcOrd="0" destOrd="0" presId="urn:microsoft.com/office/officeart/2005/8/layout/process3"/>
     <dgm:cxn modelId="{B6A08370-234E-4A56-A1EA-F67A4ABEE5CF}" type="presOf" srcId="{19E1A2AC-DC1C-4066-A138-3B4A94B2C142}" destId="{39F98D1B-FA55-4FD6-B53D-7AD98F6DA676}" srcOrd="0" destOrd="0" presId="urn:microsoft.com/office/officeart/2005/8/layout/process3"/>
-    <dgm:cxn modelId="{5BCF6B23-7D4A-4748-AD79-CB93DA96B80F}" type="presOf" srcId="{BBFA038B-DCAB-48E3-896B-43B5D0F6588D}" destId="{D770E38D-C360-4F83-B09E-C7842B0B8617}" srcOrd="0" destOrd="0" presId="urn:microsoft.com/office/officeart/2005/8/layout/process3"/>
+    <dgm:cxn modelId="{57C8769C-6413-466E-AFF6-DA7C59A10AEA}" type="presOf" srcId="{6A9F56C7-0414-4B6E-A083-29B7C493A933}" destId="{78F5E295-D9AF-4A38-8F14-8C491FBAF70F}" srcOrd="0" destOrd="0" presId="urn:microsoft.com/office/officeart/2005/8/layout/process3"/>
     <dgm:cxn modelId="{E15F5AD9-2386-45F1-8F8A-EF1BE3688B6D}" srcId="{84F71D73-78AE-40DD-929B-039EBEDA3B39}" destId="{19E1A2AC-DC1C-4066-A138-3B4A94B2C142}" srcOrd="0" destOrd="0" parTransId="{392A88A7-2EE4-41A6-A93F-CE0E59D9023B}" sibTransId="{BBFA038B-DCAB-48E3-896B-43B5D0F6588D}"/>
-    <dgm:cxn modelId="{57C8769C-6413-466E-AFF6-DA7C59A10AEA}" type="presOf" srcId="{6A9F56C7-0414-4B6E-A083-29B7C493A933}" destId="{78F5E295-D9AF-4A38-8F14-8C491FBAF70F}" srcOrd="0" destOrd="0" presId="urn:microsoft.com/office/officeart/2005/8/layout/process3"/>
     <dgm:cxn modelId="{EA2E2885-94DC-4547-AB9C-0AB567966FCD}" srcId="{19E1A2AC-DC1C-4066-A138-3B4A94B2C142}" destId="{843B984B-DFC2-43AF-BF0B-9B41A5563499}" srcOrd="0" destOrd="0" parTransId="{668E962B-B2AC-4B78-9963-76E65BBC8633}" sibTransId="{5A7A0893-19E9-452B-B559-29A217286C3B}"/>
-    <dgm:cxn modelId="{2955F971-949F-442F-99C9-A07F867349DB}" type="presOf" srcId="{843B984B-DFC2-43AF-BF0B-9B41A5563499}" destId="{CA062347-00FC-4CFA-BBB5-6843A8858B2D}" srcOrd="0" destOrd="0" presId="urn:microsoft.com/office/officeart/2005/8/layout/process3"/>
-    <dgm:cxn modelId="{2AE1C5B5-E2B6-4BBF-B618-95A514E58CD1}" type="presOf" srcId="{5D463E45-6AE1-4865-85C5-F8396D2B9102}" destId="{2688DCC3-9AF8-4B84-A209-FB186533A77C}" srcOrd="0" destOrd="0" presId="urn:microsoft.com/office/officeart/2005/8/layout/process3"/>
-    <dgm:cxn modelId="{8320DE55-7408-4B86-AE4A-2E152D79357B}" type="presOf" srcId="{BBFA038B-DCAB-48E3-896B-43B5D0F6588D}" destId="{FD9B6B60-C688-495C-9735-32577F2B2959}" srcOrd="1" destOrd="0" presId="urn:microsoft.com/office/officeart/2005/8/layout/process3"/>
     <dgm:cxn modelId="{D5DF97A1-2053-4B41-B0BA-853251AD1243}" type="presParOf" srcId="{EE8108F1-001A-40F8-82EC-BEF8C11E0B9D}" destId="{60097DF5-3175-4BA0-9C9A-650E86943C57}" srcOrd="0" destOrd="0" presId="urn:microsoft.com/office/officeart/2005/8/layout/process3"/>
     <dgm:cxn modelId="{23D30E82-439A-4C0E-B074-AD699790336C}" type="presParOf" srcId="{60097DF5-3175-4BA0-9C9A-650E86943C57}" destId="{39F98D1B-FA55-4FD6-B53D-7AD98F6DA676}" srcOrd="0" destOrd="0" presId="urn:microsoft.com/office/officeart/2005/8/layout/process3"/>
     <dgm:cxn modelId="{428D9F5C-CFF0-4BEB-8CE7-B085FC310F30}" type="presParOf" srcId="{60097DF5-3175-4BA0-9C9A-650E86943C57}" destId="{A90CE6AF-EEB9-4F4C-AF8C-474F968A4847}" srcOrd="1" destOrd="0" presId="urn:microsoft.com/office/officeart/2005/8/layout/process3"/>
@@ -2585,7 +2586,7 @@
   <dgm:whole/>
   <dgm:extLst>
     <a:ext uri="http://schemas.microsoft.com/office/drawing/2008/diagram">
-      <dsp:dataModelExt xmlns:dsp="http://schemas.microsoft.com/office/drawing/2008/diagram" xmlns="" relId="rId6" minVer="http://schemas.openxmlformats.org/drawingml/2006/diagram"/>
+      <dsp:dataModelExt xmlns:dsp="http://schemas.microsoft.com/office/drawing/2008/diagram" relId="rId6" minVer="http://schemas.openxmlformats.org/drawingml/2006/diagram"/>
     </a:ext>
   </dgm:extLst>
 </dgm:dataModel>
@@ -6182,7 +6183,7 @@
             <a:fld id="{A32DC80D-291A-4ABB-A78B-0417274A267C}" type="datetime4">
               <a:rPr lang="de-DE"/>
               <a:pPr/>
-              <a:t>1. Juni 2014</a:t>
+              <a:t>4. Juni 2014</a:t>
             </a:fld>
             <a:endParaRPr lang="de-DE"/>
           </a:p>
@@ -6285,7 +6286,7 @@
             <a:fld id="{C7CC2173-B0D1-45F1-9D54-E33B7353DA19}" type="slidenum">
               <a:rPr lang="de-DE"/>
               <a:pPr/>
-              <a:t>‹Nr.›</a:t>
+              <a:t>‹#›</a:t>
             </a:fld>
             <a:endParaRPr lang="de-DE"/>
           </a:p>
@@ -6460,7 +6461,7 @@
     </p:spTree>
     <p:extLst>
       <p:ext uri="{BB962C8B-B14F-4D97-AF65-F5344CB8AC3E}">
-        <p14:creationId xmlns:p14="http://schemas.microsoft.com/office/powerpoint/2010/main" xmlns="" val="3345007041"/>
+        <p14:creationId xmlns:p14="http://schemas.microsoft.com/office/powerpoint/2010/main" val="3345007041"/>
       </p:ext>
     </p:extLst>
   </p:cSld>
@@ -6567,7 +6568,7 @@
             <a:fld id="{065B079B-E513-489A-8A1B-D7C78493EA86}" type="datetime4">
               <a:rPr lang="de-DE"/>
               <a:pPr/>
-              <a:t>1. Juni 2014</a:t>
+              <a:t>4. Juni 2014</a:t>
             </a:fld>
             <a:endParaRPr lang="de-DE"/>
           </a:p>
@@ -6777,7 +6778,7 @@
             <a:fld id="{C36AA9A4-5D0B-4134-89A6-D8B9DAA4F25C}" type="slidenum">
               <a:rPr lang="de-DE"/>
               <a:pPr/>
-              <a:t>‹Nr.›</a:t>
+              <a:t>‹#›</a:t>
             </a:fld>
             <a:endParaRPr lang="de-DE"/>
           </a:p>
@@ -7001,7 +7002,7 @@
     </p:spTree>
     <p:extLst>
       <p:ext uri="{BB962C8B-B14F-4D97-AF65-F5344CB8AC3E}">
-        <p14:creationId xmlns:p14="http://schemas.microsoft.com/office/powerpoint/2010/main" xmlns="" val="516787406"/>
+        <p14:creationId xmlns:p14="http://schemas.microsoft.com/office/powerpoint/2010/main" val="516787406"/>
       </p:ext>
     </p:extLst>
   </p:cSld>
@@ -7203,7 +7204,7 @@
             <a:fld id="{065B079B-E513-489A-8A1B-D7C78493EA86}" type="datetime4">
               <a:rPr lang="de-DE" smtClean="0"/>
               <a:pPr/>
-              <a:t>1. Juni 2014</a:t>
+              <a:t>4. Juni 2014</a:t>
             </a:fld>
             <a:endParaRPr lang="de-DE"/>
           </a:p>
@@ -7263,7 +7264,7 @@
     </p:spTree>
     <p:extLst>
       <p:ext uri="{BB962C8B-B14F-4D97-AF65-F5344CB8AC3E}">
-        <p14:creationId xmlns:p14="http://schemas.microsoft.com/office/powerpoint/2010/main" xmlns="" val="2520834147"/>
+        <p14:creationId xmlns:p14="http://schemas.microsoft.com/office/powerpoint/2010/main" val="2520834147"/>
       </p:ext>
     </p:extLst>
   </p:cSld>
@@ -7642,7 +7643,7 @@
                 <a:tabLst/>
                 <a:defRPr/>
               </a:pPr>
-              <a:t>01.06.2014</a:t>
+              <a:t>04.06.2014</a:t>
             </a:fld>
             <a:r>
               <a:rPr kumimoji="0" lang="de-DE" sz="1000" b="0" i="0" u="none" strike="noStrike" kern="1200" cap="none" spc="0" normalizeH="0" baseline="0" noProof="0" dirty="0" smtClean="0">
@@ -7709,7 +7710,7 @@
           <a:blip r:embed="rId3">
             <a:extLst>
               <a:ext uri="{28A0092B-C50C-407E-A947-70E740481C1C}">
-                <a14:useLocalDpi xmlns:a14="http://schemas.microsoft.com/office/drawing/2010/main" xmlns="" val="0"/>
+                <a14:useLocalDpi xmlns:a14="http://schemas.microsoft.com/office/drawing/2010/main" val="0"/>
               </a:ext>
             </a:extLst>
           </a:blip>
@@ -7729,7 +7730,7 @@
           <a:noFill/>
           <a:extLst>
             <a:ext uri="{909E8E84-426E-40DD-AFC4-6F175D3DCCD1}">
-              <a14:hiddenFill xmlns:a14="http://schemas.microsoft.com/office/drawing/2010/main" xmlns="">
+              <a14:hiddenFill xmlns:a14="http://schemas.microsoft.com/office/drawing/2010/main">
                 <a:solidFill>
                   <a:srgbClr val="FFFFFF"/>
                 </a:solidFill>
@@ -9133,7 +9134,7 @@
                 <a:tabLst/>
                 <a:defRPr/>
               </a:pPr>
-              <a:t>01.06.2014</a:t>
+              <a:t>04.06.2014</a:t>
             </a:fld>
             <a:r>
               <a:rPr kumimoji="0" lang="de-DE" sz="1000" b="0" i="0" u="none" strike="noStrike" kern="1200" cap="none" spc="0" normalizeH="0" baseline="0" noProof="0" dirty="0" smtClean="0">
@@ -9181,7 +9182,7 @@
           <a:blip r:embed="rId11">
             <a:extLst>
               <a:ext uri="{28A0092B-C50C-407E-A947-70E740481C1C}">
-                <a14:useLocalDpi xmlns:a14="http://schemas.microsoft.com/office/drawing/2010/main" xmlns="" val="0"/>
+                <a14:useLocalDpi xmlns:a14="http://schemas.microsoft.com/office/drawing/2010/main" val="0"/>
               </a:ext>
             </a:extLst>
           </a:blip>
@@ -9201,7 +9202,7 @@
           <a:noFill/>
           <a:extLst>
             <a:ext uri="{909E8E84-426E-40DD-AFC4-6F175D3DCCD1}">
-              <a14:hiddenFill xmlns:a14="http://schemas.microsoft.com/office/drawing/2010/main" xmlns="">
+              <a14:hiddenFill xmlns:a14="http://schemas.microsoft.com/office/drawing/2010/main">
                 <a:solidFill>
                   <a:srgbClr val="FFFFFF"/>
                 </a:solidFill>
@@ -9708,7 +9709,7 @@
           <a:blip r:embed="rId3" cstate="print">
             <a:extLst>
               <a:ext uri="{28A0092B-C50C-407E-A947-70E740481C1C}">
-                <a14:useLocalDpi xmlns:a14="http://schemas.microsoft.com/office/drawing/2010/main" xmlns="" val="0"/>
+                <a14:useLocalDpi xmlns:a14="http://schemas.microsoft.com/office/drawing/2010/main" val="0"/>
               </a:ext>
             </a:extLst>
           </a:blip>
@@ -9718,8 +9719,8 @@
         </p:blipFill>
         <p:spPr>
           <a:xfrm>
-            <a:off x="3779912" y="5083274"/>
-            <a:ext cx="1331391" cy="1010021"/>
+            <a:off x="7937745" y="6416855"/>
+            <a:ext cx="522687" cy="396521"/>
           </a:xfrm>
           <a:prstGeom prst="rect">
             <a:avLst/>
@@ -9994,7 +9995,7 @@
             </a:pPr>
             <a:r>
               <a:rPr lang="en-US" sz="1800" b="0" dirty="0" smtClean="0"/>
-              <a:t>Prof. Dr. Johannes </a:t>
+              <a:t>Johannes </a:t>
             </a:r>
             <a:r>
               <a:rPr lang="en-US" sz="1800" b="0" dirty="0" err="1" smtClean="0"/>
@@ -10061,16 +10062,16 @@
               </a:lnSpc>
             </a:pPr>
             <a:r>
-              <a:rPr lang="en-US" sz="1800" b="0" dirty="0" smtClean="0"/>
-              <a:t>Dr. </a:t>
-            </a:r>
-            <a:r>
               <a:rPr lang="en-US" sz="1800" b="0" dirty="0" err="1" smtClean="0"/>
               <a:t>Frederik</a:t>
             </a:r>
             <a:r>
               <a:rPr lang="en-US" sz="1800" b="0" dirty="0" smtClean="0"/>
-              <a:t> Janssen</a:t>
+              <a:t> </a:t>
+            </a:r>
+            <a:r>
+              <a:rPr lang="en-US" sz="1800" b="0" dirty="0" smtClean="0"/>
+              <a:t>Janssen</a:t>
             </a:r>
           </a:p>
           <a:p>
@@ -10517,50 +10518,192 @@
           <a:p>
             <a:r>
               <a:rPr lang="de-DE" dirty="0" smtClean="0"/>
-              <a:t>Data Analysis: Missing Delivery Dates</a:t>
+              <a:t>Approach</a:t>
             </a:r>
             <a:endParaRPr lang="en-US" dirty="0"/>
           </a:p>
         </p:txBody>
       </p:sp>
-      <p:graphicFrame>
-        <p:nvGraphicFramePr>
-          <p:cNvPr id="16" name="Content Placeholder 15"/>
-          <p:cNvGraphicFramePr>
-            <a:graphicFrameLocks noGrp="1"/>
-          </p:cNvGraphicFramePr>
-          <p:nvPr>
-            <p:ph idx="1"/>
-            <p:extLst>
-              <p:ext uri="{D42A27DB-BD31-4B8C-83A1-F6EECF244321}">
-                <p14:modId xmlns:p14="http://schemas.microsoft.com/office/powerpoint/2010/main" xmlns="" val="3071815426"/>
-              </p:ext>
-            </p:extLst>
-          </p:nvPr>
-        </p:nvGraphicFramePr>
-        <p:xfrm>
-          <a:off x="4644008" y="1691259"/>
-          <a:ext cx="3851597" cy="4474045"/>
-        </p:xfrm>
-        <a:graphic>
-          <a:graphicData uri="http://schemas.openxmlformats.org/drawingml/2006/diagram">
-            <dgm:relIds xmlns:dgm="http://schemas.openxmlformats.org/drawingml/2006/diagram" xmlns:r="http://schemas.openxmlformats.org/officeDocument/2006/relationships" r:dm="rId2" r:lo="rId3" r:qs="rId4" r:cs="rId5"/>
-          </a:graphicData>
-        </a:graphic>
-      </p:graphicFrame>
+      <mc:AlternateContent xmlns:mc="http://schemas.openxmlformats.org/markup-compatibility/2006">
+        <mc:Choice xmlns:a14="http://schemas.microsoft.com/office/drawing/2010/main" Requires="a14">
+          <p:sp>
+            <p:nvSpPr>
+              <p:cNvPr id="3" name="Content Placeholder 2"/>
+              <p:cNvSpPr>
+                <a:spLocks noGrp="1"/>
+              </p:cNvSpPr>
+              <p:nvPr>
+                <p:ph idx="1"/>
+              </p:nvPr>
+            </p:nvSpPr>
+            <p:spPr>
+              <a:xfrm>
+                <a:off x="360000" y="1620000"/>
+                <a:ext cx="7956416" cy="4479943"/>
+              </a:xfrm>
+            </p:spPr>
+            <p:txBody>
+              <a:bodyPr/>
+              <a:lstStyle/>
+              <a:p>
+                <a:pPr marL="342900" indent="-342900">
+                  <a:buFont typeface="Arial" pitchFamily="34" charset="0"/>
+                  <a:buChar char="•"/>
+                </a:pPr>
+                <a:r>
+                  <a:rPr lang="de-DE" dirty="0" smtClean="0"/>
+                  <a:t>Binary Predictions:</a:t>
+                </a:r>
+                <a14:m>
+                  <m:oMath xmlns:m="http://schemas.openxmlformats.org/officeDocument/2006/math">
+                    <m:r>
+                      <a:rPr lang="de-DE" b="0" i="0" smtClean="0">
+                        <a:latin typeface="Cambria Math"/>
+                      </a:rPr>
+                      <m:t>   </m:t>
+                    </m:r>
+                    <m:r>
+                      <a:rPr lang="de-DE" b="0" i="1" smtClean="0">
+                        <a:latin typeface="Cambria Math"/>
+                      </a:rPr>
+                      <m:t>𝐴𝑐𝑐𝑢𝑟𝑎𝑐𝑦</m:t>
+                    </m:r>
+                    <m:r>
+                      <a:rPr lang="de-DE" b="0" i="1" smtClean="0">
+                        <a:latin typeface="Cambria Math"/>
+                      </a:rPr>
+                      <m:t>=1 − </m:t>
+                    </m:r>
+                    <m:f>
+                      <m:fPr>
+                        <m:ctrlPr>
+                          <a:rPr lang="de-DE" b="0" i="1" smtClean="0">
+                            <a:latin typeface="Cambria Math"/>
+                          </a:rPr>
+                        </m:ctrlPr>
+                      </m:fPr>
+                      <m:num>
+                        <m:r>
+                          <a:rPr lang="de-DE" b="0" i="1" smtClean="0">
+                            <a:latin typeface="Cambria Math"/>
+                          </a:rPr>
+                          <m:t>𝐷𝑀𝐶</m:t>
+                        </m:r>
+                        <m:r>
+                          <a:rPr lang="de-DE" b="0" i="1" smtClean="0">
+                            <a:latin typeface="Cambria Math"/>
+                          </a:rPr>
+                          <m:t> </m:t>
+                        </m:r>
+                        <m:r>
+                          <a:rPr lang="de-DE" b="0" i="1" smtClean="0">
+                            <a:latin typeface="Cambria Math"/>
+                          </a:rPr>
+                          <m:t>𝑆𝑐𝑜𝑟𝑒</m:t>
+                        </m:r>
+                      </m:num>
+                      <m:den>
+                        <m:r>
+                          <a:rPr lang="de-DE" b="0" i="1" smtClean="0">
+                            <a:latin typeface="Cambria Math"/>
+                          </a:rPr>
+                          <m:t>𝑁𝑢𝑚𝑏𝑒𝑟</m:t>
+                        </m:r>
+                        <m:r>
+                          <a:rPr lang="de-DE" b="0" i="1" smtClean="0">
+                            <a:latin typeface="Cambria Math"/>
+                          </a:rPr>
+                          <m:t> </m:t>
+                        </m:r>
+                        <m:r>
+                          <a:rPr lang="de-DE" b="0" i="1" smtClean="0">
+                            <a:latin typeface="Cambria Math"/>
+                          </a:rPr>
+                          <m:t>𝑜𝑓</m:t>
+                        </m:r>
+                        <m:r>
+                          <a:rPr lang="de-DE" b="0" i="1" smtClean="0">
+                            <a:latin typeface="Cambria Math"/>
+                          </a:rPr>
+                          <m:t> </m:t>
+                        </m:r>
+                        <m:r>
+                          <a:rPr lang="de-DE" b="0" i="1" smtClean="0">
+                            <a:latin typeface="Cambria Math"/>
+                          </a:rPr>
+                          <m:t>𝐼𝑛𝑠𝑡𝑎𝑛𝑐𝑒𝑠</m:t>
+                        </m:r>
+                      </m:den>
+                    </m:f>
+                  </m:oMath>
+                </a14:m>
+                <a:endParaRPr lang="en-US" dirty="0" smtClean="0"/>
+              </a:p>
+              <a:p>
+                <a:pPr marL="342900" indent="-342900">
+                  <a:buFont typeface="Arial" pitchFamily="34" charset="0"/>
+                  <a:buChar char="•"/>
+                </a:pPr>
+                <a:r>
+                  <a:rPr lang="de-DE" dirty="0" smtClean="0"/>
+                  <a:t>Internal Test Set:</a:t>
+                </a:r>
+                <a:endParaRPr lang="en-US" dirty="0"/>
+              </a:p>
+            </p:txBody>
+          </p:sp>
+        </mc:Choice>
+        <mc:Fallback>
+          <p:sp>
+            <p:nvSpPr>
+              <p:cNvPr id="3" name="Content Placeholder 2"/>
+              <p:cNvSpPr>
+                <a:spLocks noGrp="1" noRot="1" noChangeAspect="1" noMove="1" noResize="1" noEditPoints="1" noAdjustHandles="1" noChangeArrowheads="1" noChangeShapeType="1" noTextEdit="1"/>
+              </p:cNvSpPr>
+              <p:nvPr>
+                <p:ph idx="1"/>
+              </p:nvPr>
+            </p:nvSpPr>
+            <p:spPr>
+              <a:xfrm>
+                <a:off x="360000" y="1620000"/>
+                <a:ext cx="7956416" cy="4479943"/>
+              </a:xfrm>
+              <a:blipFill rotWithShape="1">
+                <a:blip r:embed="rId2"/>
+                <a:stretch>
+                  <a:fillRect l="-1762"/>
+                </a:stretch>
+              </a:blipFill>
+            </p:spPr>
+            <p:txBody>
+              <a:bodyPr/>
+              <a:lstStyle/>
+              <a:p>
+                <a:r>
+                  <a:rPr lang="en-US">
+                    <a:noFill/>
+                  </a:rPr>
+                  <a:t> </a:t>
+                </a:r>
+              </a:p>
+            </p:txBody>
+          </p:sp>
+        </mc:Fallback>
+      </mc:AlternateContent>
       <p:pic>
         <p:nvPicPr>
-          <p:cNvPr id="18" name="Picture 17"/>
+          <p:cNvPr id="10" name="Picture 9"/>
           <p:cNvPicPr>
             <a:picLocks noChangeAspect="1"/>
           </p:cNvPicPr>
           <p:nvPr/>
         </p:nvPicPr>
         <p:blipFill>
-          <a:blip r:embed="rId6" cstate="print">
+          <a:blip r:embed="rId3" cstate="print">
             <a:extLst>
               <a:ext uri="{28A0092B-C50C-407E-A947-70E740481C1C}">
-                <a14:useLocalDpi xmlns:a14="http://schemas.microsoft.com/office/drawing/2010/main" xmlns="" val="0"/>
+                <a14:useLocalDpi xmlns:a14="http://schemas.microsoft.com/office/drawing/2010/main" val="0"/>
               </a:ext>
             </a:extLst>
           </a:blip>
@@ -10570,8 +10713,8 @@
         </p:blipFill>
         <p:spPr>
           <a:xfrm>
-            <a:off x="216015" y="1196752"/>
-            <a:ext cx="4572009" cy="5486411"/>
+            <a:off x="827583" y="2332878"/>
+            <a:ext cx="7416825" cy="4120458"/>
           </a:xfrm>
           <a:prstGeom prst="rect">
             <a:avLst/>
@@ -10581,7 +10724,7 @@
     </p:spTree>
     <p:extLst>
       <p:ext uri="{BB962C8B-B14F-4D97-AF65-F5344CB8AC3E}">
-        <p14:creationId xmlns:p14="http://schemas.microsoft.com/office/powerpoint/2010/main" xmlns="" val="1536128924"/>
+        <p14:creationId xmlns:p14="http://schemas.microsoft.com/office/powerpoint/2010/main" val="2646396681"/>
       </p:ext>
     </p:extLst>
   </p:cSld>
@@ -10632,6 +10775,121 @@
           <a:p>
             <a:r>
               <a:rPr lang="de-DE" dirty="0" smtClean="0"/>
+              <a:t>Data Analysis: Missing Delivery Dates</a:t>
+            </a:r>
+            <a:endParaRPr lang="en-US" dirty="0"/>
+          </a:p>
+        </p:txBody>
+      </p:sp>
+      <p:graphicFrame>
+        <p:nvGraphicFramePr>
+          <p:cNvPr id="16" name="Content Placeholder 15"/>
+          <p:cNvGraphicFramePr>
+            <a:graphicFrameLocks noGrp="1"/>
+          </p:cNvGraphicFramePr>
+          <p:nvPr>
+            <p:ph idx="1"/>
+            <p:extLst>
+              <p:ext uri="{D42A27DB-BD31-4B8C-83A1-F6EECF244321}">
+                <p14:modId xmlns:p14="http://schemas.microsoft.com/office/powerpoint/2010/main" val="3071815426"/>
+              </p:ext>
+            </p:extLst>
+          </p:nvPr>
+        </p:nvGraphicFramePr>
+        <p:xfrm>
+          <a:off x="4644008" y="1691259"/>
+          <a:ext cx="3851597" cy="4474045"/>
+        </p:xfrm>
+        <a:graphic>
+          <a:graphicData uri="http://schemas.openxmlformats.org/drawingml/2006/diagram">
+            <dgm:relIds xmlns:dgm="http://schemas.openxmlformats.org/drawingml/2006/diagram" xmlns:r="http://schemas.openxmlformats.org/officeDocument/2006/relationships" r:dm="rId2" r:lo="rId3" r:qs="rId4" r:cs="rId5"/>
+          </a:graphicData>
+        </a:graphic>
+      </p:graphicFrame>
+      <p:pic>
+        <p:nvPicPr>
+          <p:cNvPr id="18" name="Picture 17"/>
+          <p:cNvPicPr>
+            <a:picLocks noChangeAspect="1"/>
+          </p:cNvPicPr>
+          <p:nvPr/>
+        </p:nvPicPr>
+        <p:blipFill>
+          <a:blip r:embed="rId7" cstate="print">
+            <a:extLst>
+              <a:ext uri="{28A0092B-C50C-407E-A947-70E740481C1C}">
+                <a14:useLocalDpi xmlns:a14="http://schemas.microsoft.com/office/drawing/2010/main" val="0"/>
+              </a:ext>
+            </a:extLst>
+          </a:blip>
+          <a:stretch>
+            <a:fillRect/>
+          </a:stretch>
+        </p:blipFill>
+        <p:spPr>
+          <a:xfrm>
+            <a:off x="216015" y="1196752"/>
+            <a:ext cx="4572009" cy="5486411"/>
+          </a:xfrm>
+          <a:prstGeom prst="rect">
+            <a:avLst/>
+          </a:prstGeom>
+        </p:spPr>
+      </p:pic>
+    </p:spTree>
+    <p:extLst>
+      <p:ext uri="{BB962C8B-B14F-4D97-AF65-F5344CB8AC3E}">
+        <p14:creationId xmlns:p14="http://schemas.microsoft.com/office/powerpoint/2010/main" val="1536128924"/>
+      </p:ext>
+    </p:extLst>
+  </p:cSld>
+  <p:clrMapOvr>
+    <a:masterClrMapping/>
+  </p:clrMapOvr>
+  <p:timing>
+    <p:tnLst>
+      <p:par>
+        <p:cTn id="1" dur="indefinite" restart="never" nodeType="tmRoot"/>
+      </p:par>
+    </p:tnLst>
+  </p:timing>
+</p:sld>
+</file>
+
+<file path=ppt/slides/slide4.xml><?xml version="1.0" encoding="utf-8"?>
+<p:sld xmlns:a="http://schemas.openxmlformats.org/drawingml/2006/main" xmlns:r="http://schemas.openxmlformats.org/officeDocument/2006/relationships" xmlns:p="http://schemas.openxmlformats.org/presentationml/2006/main">
+  <p:cSld>
+    <p:spTree>
+      <p:nvGrpSpPr>
+        <p:cNvPr id="1" name=""/>
+        <p:cNvGrpSpPr/>
+        <p:nvPr/>
+      </p:nvGrpSpPr>
+      <p:grpSpPr>
+        <a:xfrm>
+          <a:off x="0" y="0"/>
+          <a:ext cx="0" cy="0"/>
+          <a:chOff x="0" y="0"/>
+          <a:chExt cx="0" cy="0"/>
+        </a:xfrm>
+      </p:grpSpPr>
+      <p:sp>
+        <p:nvSpPr>
+          <p:cNvPr id="2" name="Title 1"/>
+          <p:cNvSpPr>
+            <a:spLocks noGrp="1"/>
+          </p:cNvSpPr>
+          <p:nvPr>
+            <p:ph type="title"/>
+          </p:nvPr>
+        </p:nvSpPr>
+        <p:spPr/>
+        <p:txBody>
+          <a:bodyPr/>
+          <a:lstStyle/>
+          <a:p>
+            <a:r>
+              <a:rPr lang="de-DE" dirty="0" smtClean="0"/>
               <a:t>Model Training: Separate Models for known and unknown customer</a:t>
             </a:r>
             <a:endParaRPr lang="en-US" dirty="0"/>
@@ -10648,7 +10906,7 @@
             <p:ph idx="1"/>
             <p:extLst>
               <p:ext uri="{D42A27DB-BD31-4B8C-83A1-F6EECF244321}">
-                <p14:modId xmlns:p14="http://schemas.microsoft.com/office/powerpoint/2010/main" xmlns="" val="3711246334"/>
+                <p14:modId xmlns:p14="http://schemas.microsoft.com/office/powerpoint/2010/main" val="3711246334"/>
               </p:ext>
             </p:extLst>
           </p:nvPr>
@@ -10713,7 +10971,7 @@
     </p:spTree>
     <p:extLst>
       <p:ext uri="{BB962C8B-B14F-4D97-AF65-F5344CB8AC3E}">
-        <p14:creationId xmlns:p14="http://schemas.microsoft.com/office/powerpoint/2010/main" xmlns="" val="3725929812"/>
+        <p14:creationId xmlns:p14="http://schemas.microsoft.com/office/powerpoint/2010/main" val="3725929812"/>
       </p:ext>
     </p:extLst>
   </p:cSld>
@@ -10730,7 +10988,7 @@
 </p:sld>
 </file>
 
-<file path=ppt/slides/slide4.xml><?xml version="1.0" encoding="utf-8"?>
+<file path=ppt/slides/slide5.xml><?xml version="1.0" encoding="utf-8"?>
 <p:sld xmlns:a="http://schemas.openxmlformats.org/drawingml/2006/main" xmlns:r="http://schemas.openxmlformats.org/officeDocument/2006/relationships" xmlns:p="http://schemas.openxmlformats.org/presentationml/2006/main">
   <p:cSld>
     <p:spTree>
@@ -10864,7 +11122,7 @@
     </p:spTree>
     <p:extLst>
       <p:ext uri="{BB962C8B-B14F-4D97-AF65-F5344CB8AC3E}">
-        <p14:creationId xmlns:p14="http://schemas.microsoft.com/office/powerpoint/2010/main" xmlns="" val="1148698881"/>
+        <p14:creationId xmlns:p14="http://schemas.microsoft.com/office/powerpoint/2010/main" val="1148698881"/>
       </p:ext>
     </p:extLst>
   </p:cSld>
@@ -10881,7 +11139,7 @@
 </p:sld>
 </file>
 
-<file path=ppt/slides/slide5.xml><?xml version="1.0" encoding="utf-8"?>
+<file path=ppt/slides/slide6.xml><?xml version="1.0" encoding="utf-8"?>
 <p:sld xmlns:a="http://schemas.openxmlformats.org/drawingml/2006/main" xmlns:r="http://schemas.openxmlformats.org/officeDocument/2006/relationships" xmlns:p="http://schemas.openxmlformats.org/presentationml/2006/main">
   <p:cSld>
     <p:spTree>
@@ -10931,7 +11189,7 @@
             <p:ph idx="1"/>
             <p:extLst>
               <p:ext uri="{D42A27DB-BD31-4B8C-83A1-F6EECF244321}">
-                <p14:modId xmlns:p14="http://schemas.microsoft.com/office/powerpoint/2010/main" xmlns="" val="1582143367"/>
+                <p14:modId xmlns:p14="http://schemas.microsoft.com/office/powerpoint/2010/main" val="1582143367"/>
               </p:ext>
             </p:extLst>
           </p:nvPr>
@@ -11252,17 +11510,24 @@
     </p:spTree>
     <p:extLst>
       <p:ext uri="{BB962C8B-B14F-4D97-AF65-F5344CB8AC3E}">
-        <p14:creationId xmlns:p14="http://schemas.microsoft.com/office/powerpoint/2010/main" xmlns="" val="3847757178"/>
+        <p14:creationId xmlns:p14="http://schemas.microsoft.com/office/powerpoint/2010/main" val="3847757178"/>
       </p:ext>
     </p:extLst>
   </p:cSld>
   <p:clrMapOvr>
     <a:masterClrMapping/>
   </p:clrMapOvr>
+  <p:timing>
+    <p:tnLst>
+      <p:par>
+        <p:cTn id="1" dur="indefinite" restart="never" nodeType="tmRoot"/>
+      </p:par>
+    </p:tnLst>
+  </p:timing>
 </p:sld>
 </file>
 
-<file path=ppt/slides/slide6.xml><?xml version="1.0" encoding="utf-8"?>
+<file path=ppt/slides/slide7.xml><?xml version="1.0" encoding="utf-8"?>
 <p:sld xmlns:a="http://schemas.openxmlformats.org/drawingml/2006/main" xmlns:r="http://schemas.openxmlformats.org/officeDocument/2006/relationships" xmlns:p="http://schemas.openxmlformats.org/presentationml/2006/main">
   <p:cSld>
     <p:spTree>
@@ -11337,11 +11602,7 @@
             </a:pPr>
             <a:r>
               <a:rPr lang="de-DE" dirty="0" smtClean="0"/>
-              <a:t>3</a:t>
-            </a:r>
-            <a:r>
-              <a:rPr lang="de-DE" dirty="0" smtClean="0"/>
-              <a:t>0 </a:t>
+              <a:t>30 </a:t>
             </a:r>
             <a:r>
               <a:rPr lang="de-DE" dirty="0" err="1" smtClean="0"/>
@@ -11451,10 +11712,17 @@
   <p:clrMapOvr>
     <a:masterClrMapping/>
   </p:clrMapOvr>
+  <p:timing>
+    <p:tnLst>
+      <p:par>
+        <p:cTn id="1" dur="indefinite" restart="never" nodeType="tmRoot"/>
+      </p:par>
+    </p:tnLst>
+  </p:timing>
 </p:sld>
 </file>
 
-<file path=ppt/slides/slide7.xml><?xml version="1.0" encoding="utf-8"?>
+<file path=ppt/slides/slide8.xml><?xml version="1.0" encoding="utf-8"?>
 <p:sld xmlns:a="http://schemas.openxmlformats.org/drawingml/2006/main" xmlns:r="http://schemas.openxmlformats.org/officeDocument/2006/relationships" xmlns:p="http://schemas.openxmlformats.org/presentationml/2006/main">
   <p:cSld>
     <p:spTree>
@@ -11520,13 +11788,20 @@
     </p:spTree>
     <p:extLst>
       <p:ext uri="{BB962C8B-B14F-4D97-AF65-F5344CB8AC3E}">
-        <p14:creationId xmlns:p14="http://schemas.microsoft.com/office/powerpoint/2010/main" xmlns="" val="346014335"/>
+        <p14:creationId xmlns:p14="http://schemas.microsoft.com/office/powerpoint/2010/main" val="346014335"/>
       </p:ext>
     </p:extLst>
   </p:cSld>
   <p:clrMapOvr>
     <a:masterClrMapping/>
   </p:clrMapOvr>
+  <p:timing>
+    <p:tnLst>
+      <p:par>
+        <p:cTn id="1" dur="indefinite" restart="never" nodeType="tmRoot"/>
+      </p:par>
+    </p:tnLst>
+  </p:timing>
 </p:sld>
 </file>
 

--- a/doc/pres-prudsys.pptx
+++ b/doc/pres-prudsys.pptx
@@ -2211,21 +2211,21 @@
     </dgm:pt>
   </dgm:ptLst>
   <dgm:cxnLst>
+    <dgm:cxn modelId="{004CFCD9-F4D1-4FC5-904F-EF20D9F4D27A}" type="presOf" srcId="{25C6851C-E80E-429B-84A6-8BAA2C1977F5}" destId="{8485AA87-7A55-40A6-8DD6-7ABFAB47EE33}" srcOrd="0" destOrd="0" presId="urn:microsoft.com/office/officeart/2005/8/layout/process5"/>
+    <dgm:cxn modelId="{12DBF19D-E2C1-4DF8-83DD-6F0229FD962E}" type="presOf" srcId="{BF616858-2975-4F52-825D-3BC51AC7C44B}" destId="{864E56A6-9908-4E74-B951-1FDD023423A9}" srcOrd="0" destOrd="0" presId="urn:microsoft.com/office/officeart/2005/8/layout/process5"/>
+    <dgm:cxn modelId="{35B985BD-068C-4C82-A92A-9A49F38DDEC4}" type="presOf" srcId="{EB00BD1B-7301-428A-8817-3BFF72DB34C9}" destId="{ED8CB579-42AE-411B-9018-46136E6EB0FB}" srcOrd="0" destOrd="0" presId="urn:microsoft.com/office/officeart/2005/8/layout/process5"/>
+    <dgm:cxn modelId="{ACE55A73-1E51-43D8-B8E6-538BDBF66844}" type="presOf" srcId="{174BCD73-6F47-4880-B8F9-22CF9C3D6E51}" destId="{5E6F1F2B-D117-42D3-A2D7-4A49526DFA54}" srcOrd="1" destOrd="0" presId="urn:microsoft.com/office/officeart/2005/8/layout/process5"/>
+    <dgm:cxn modelId="{1135C784-48E3-40C0-8775-20484ED7E245}" type="presOf" srcId="{AE6EA62D-1259-47DC-B9C2-D732FC01A4C0}" destId="{7F36E413-CF9C-420C-8807-4857F82F70AF}" srcOrd="0" destOrd="0" presId="urn:microsoft.com/office/officeart/2005/8/layout/process5"/>
+    <dgm:cxn modelId="{BE45BB5B-12D8-43AE-B6E4-7538E4149147}" srcId="{EB00BD1B-7301-428A-8817-3BFF72DB34C9}" destId="{99E60159-F719-48E5-9EBC-E36EE0F20079}" srcOrd="1" destOrd="0" parTransId="{6290A01A-A9AF-44ED-B1BE-075CD24FBB5A}" sibTransId="{25C6851C-E80E-429B-84A6-8BAA2C1977F5}"/>
+    <dgm:cxn modelId="{E054317A-550B-441E-BB46-804A7E7F3808}" type="presOf" srcId="{AE6EA62D-1259-47DC-B9C2-D732FC01A4C0}" destId="{AB566722-5614-4FF7-B093-89C6233992F7}" srcOrd="1" destOrd="0" presId="urn:microsoft.com/office/officeart/2005/8/layout/process5"/>
+    <dgm:cxn modelId="{DDD45F40-5393-4069-B28D-F13EBA2524AB}" type="presOf" srcId="{CA8D0DFA-92B4-4AC3-B73B-8007921EA258}" destId="{4693E9C8-FB29-4BAC-AD6C-70620E8075D3}" srcOrd="0" destOrd="0" presId="urn:microsoft.com/office/officeart/2005/8/layout/process5"/>
+    <dgm:cxn modelId="{2F121697-DB4F-412E-9435-832545460A03}" srcId="{EB00BD1B-7301-428A-8817-3BFF72DB34C9}" destId="{15F89E0B-4147-4C18-A6D6-9D074BCFE1C5}" srcOrd="0" destOrd="0" parTransId="{69CF8F3F-B9BF-4CE2-85CC-29BE743338AD}" sibTransId="{AE6EA62D-1259-47DC-B9C2-D732FC01A4C0}"/>
+    <dgm:cxn modelId="{8AF6FE36-87BB-4BAE-9437-6EA1FFE3D02D}" type="presOf" srcId="{99E60159-F719-48E5-9EBC-E36EE0F20079}" destId="{4B1B6C31-A6F1-475D-87FC-09A1958D6645}" srcOrd="0" destOrd="0" presId="urn:microsoft.com/office/officeart/2005/8/layout/process5"/>
+    <dgm:cxn modelId="{7549B8E4-462C-45FE-B353-22C60DD54C16}" srcId="{EB00BD1B-7301-428A-8817-3BFF72DB34C9}" destId="{CA8D0DFA-92B4-4AC3-B73B-8007921EA258}" srcOrd="2" destOrd="0" parTransId="{6533984C-AFB6-404C-9101-21723A021D21}" sibTransId="{174BCD73-6F47-4880-B8F9-22CF9C3D6E51}"/>
+    <dgm:cxn modelId="{FF6A9E21-4BDA-43F0-890E-09CDC09097B4}" type="presOf" srcId="{25C6851C-E80E-429B-84A6-8BAA2C1977F5}" destId="{F5D9A138-AC39-4251-927F-C7B9FC860287}" srcOrd="1" destOrd="0" presId="urn:microsoft.com/office/officeart/2005/8/layout/process5"/>
+    <dgm:cxn modelId="{F2C06B11-B30D-4FE8-AEAC-1A71296120B1}" type="presOf" srcId="{174BCD73-6F47-4880-B8F9-22CF9C3D6E51}" destId="{EE542BFE-AEC8-432C-926C-28EEE1B1DD53}" srcOrd="0" destOrd="0" presId="urn:microsoft.com/office/officeart/2005/8/layout/process5"/>
+    <dgm:cxn modelId="{BC1CDD21-D598-4557-B944-AF600D20994B}" type="presOf" srcId="{15F89E0B-4147-4C18-A6D6-9D074BCFE1C5}" destId="{983A1CE5-54B5-42A9-A81E-B560825070E8}" srcOrd="0" destOrd="0" presId="urn:microsoft.com/office/officeart/2005/8/layout/process5"/>
     <dgm:cxn modelId="{63C28DD9-53B9-4877-B598-306F4E6DC740}" srcId="{EB00BD1B-7301-428A-8817-3BFF72DB34C9}" destId="{BF616858-2975-4F52-825D-3BC51AC7C44B}" srcOrd="3" destOrd="0" parTransId="{BA04BEBA-295D-4503-AFE7-24DAA2FCD8D1}" sibTransId="{D33367AC-B01A-4D87-AA55-183B245AB586}"/>
-    <dgm:cxn modelId="{BC1CDD21-D598-4557-B944-AF600D20994B}" type="presOf" srcId="{15F89E0B-4147-4C18-A6D6-9D074BCFE1C5}" destId="{983A1CE5-54B5-42A9-A81E-B560825070E8}" srcOrd="0" destOrd="0" presId="urn:microsoft.com/office/officeart/2005/8/layout/process5"/>
-    <dgm:cxn modelId="{F2C06B11-B30D-4FE8-AEAC-1A71296120B1}" type="presOf" srcId="{174BCD73-6F47-4880-B8F9-22CF9C3D6E51}" destId="{EE542BFE-AEC8-432C-926C-28EEE1B1DD53}" srcOrd="0" destOrd="0" presId="urn:microsoft.com/office/officeart/2005/8/layout/process5"/>
-    <dgm:cxn modelId="{004CFCD9-F4D1-4FC5-904F-EF20D9F4D27A}" type="presOf" srcId="{25C6851C-E80E-429B-84A6-8BAA2C1977F5}" destId="{8485AA87-7A55-40A6-8DD6-7ABFAB47EE33}" srcOrd="0" destOrd="0" presId="urn:microsoft.com/office/officeart/2005/8/layout/process5"/>
-    <dgm:cxn modelId="{2F121697-DB4F-412E-9435-832545460A03}" srcId="{EB00BD1B-7301-428A-8817-3BFF72DB34C9}" destId="{15F89E0B-4147-4C18-A6D6-9D074BCFE1C5}" srcOrd="0" destOrd="0" parTransId="{69CF8F3F-B9BF-4CE2-85CC-29BE743338AD}" sibTransId="{AE6EA62D-1259-47DC-B9C2-D732FC01A4C0}"/>
-    <dgm:cxn modelId="{12DBF19D-E2C1-4DF8-83DD-6F0229FD962E}" type="presOf" srcId="{BF616858-2975-4F52-825D-3BC51AC7C44B}" destId="{864E56A6-9908-4E74-B951-1FDD023423A9}" srcOrd="0" destOrd="0" presId="urn:microsoft.com/office/officeart/2005/8/layout/process5"/>
-    <dgm:cxn modelId="{BE45BB5B-12D8-43AE-B6E4-7538E4149147}" srcId="{EB00BD1B-7301-428A-8817-3BFF72DB34C9}" destId="{99E60159-F719-48E5-9EBC-E36EE0F20079}" srcOrd="1" destOrd="0" parTransId="{6290A01A-A9AF-44ED-B1BE-075CD24FBB5A}" sibTransId="{25C6851C-E80E-429B-84A6-8BAA2C1977F5}"/>
-    <dgm:cxn modelId="{35B985BD-068C-4C82-A92A-9A49F38DDEC4}" type="presOf" srcId="{EB00BD1B-7301-428A-8817-3BFF72DB34C9}" destId="{ED8CB579-42AE-411B-9018-46136E6EB0FB}" srcOrd="0" destOrd="0" presId="urn:microsoft.com/office/officeart/2005/8/layout/process5"/>
-    <dgm:cxn modelId="{1135C784-48E3-40C0-8775-20484ED7E245}" type="presOf" srcId="{AE6EA62D-1259-47DC-B9C2-D732FC01A4C0}" destId="{7F36E413-CF9C-420C-8807-4857F82F70AF}" srcOrd="0" destOrd="0" presId="urn:microsoft.com/office/officeart/2005/8/layout/process5"/>
-    <dgm:cxn modelId="{8AF6FE36-87BB-4BAE-9437-6EA1FFE3D02D}" type="presOf" srcId="{99E60159-F719-48E5-9EBC-E36EE0F20079}" destId="{4B1B6C31-A6F1-475D-87FC-09A1958D6645}" srcOrd="0" destOrd="0" presId="urn:microsoft.com/office/officeart/2005/8/layout/process5"/>
-    <dgm:cxn modelId="{DDD45F40-5393-4069-B28D-F13EBA2524AB}" type="presOf" srcId="{CA8D0DFA-92B4-4AC3-B73B-8007921EA258}" destId="{4693E9C8-FB29-4BAC-AD6C-70620E8075D3}" srcOrd="0" destOrd="0" presId="urn:microsoft.com/office/officeart/2005/8/layout/process5"/>
-    <dgm:cxn modelId="{E054317A-550B-441E-BB46-804A7E7F3808}" type="presOf" srcId="{AE6EA62D-1259-47DC-B9C2-D732FC01A4C0}" destId="{AB566722-5614-4FF7-B093-89C6233992F7}" srcOrd="1" destOrd="0" presId="urn:microsoft.com/office/officeart/2005/8/layout/process5"/>
-    <dgm:cxn modelId="{7549B8E4-462C-45FE-B353-22C60DD54C16}" srcId="{EB00BD1B-7301-428A-8817-3BFF72DB34C9}" destId="{CA8D0DFA-92B4-4AC3-B73B-8007921EA258}" srcOrd="2" destOrd="0" parTransId="{6533984C-AFB6-404C-9101-21723A021D21}" sibTransId="{174BCD73-6F47-4880-B8F9-22CF9C3D6E51}"/>
-    <dgm:cxn modelId="{ACE55A73-1E51-43D8-B8E6-538BDBF66844}" type="presOf" srcId="{174BCD73-6F47-4880-B8F9-22CF9C3D6E51}" destId="{5E6F1F2B-D117-42D3-A2D7-4A49526DFA54}" srcOrd="1" destOrd="0" presId="urn:microsoft.com/office/officeart/2005/8/layout/process5"/>
-    <dgm:cxn modelId="{FF6A9E21-4BDA-43F0-890E-09CDC09097B4}" type="presOf" srcId="{25C6851C-E80E-429B-84A6-8BAA2C1977F5}" destId="{F5D9A138-AC39-4251-927F-C7B9FC860287}" srcOrd="1" destOrd="0" presId="urn:microsoft.com/office/officeart/2005/8/layout/process5"/>
     <dgm:cxn modelId="{E6B550C2-2877-45C0-97F5-EB811EB51CBB}" type="presParOf" srcId="{ED8CB579-42AE-411B-9018-46136E6EB0FB}" destId="{983A1CE5-54B5-42A9-A81E-B560825070E8}" srcOrd="0" destOrd="0" presId="urn:microsoft.com/office/officeart/2005/8/layout/process5"/>
     <dgm:cxn modelId="{E504A654-75FE-4632-B41C-0E20CBB3E010}" type="presParOf" srcId="{ED8CB579-42AE-411B-9018-46136E6EB0FB}" destId="{7F36E413-CF9C-420C-8807-4857F82F70AF}" srcOrd="1" destOrd="0" presId="urn:microsoft.com/office/officeart/2005/8/layout/process5"/>
     <dgm:cxn modelId="{D061CDB1-4549-4229-9EEF-B61A14E2E4CF}" type="presParOf" srcId="{7F36E413-CF9C-420C-8807-4857F82F70AF}" destId="{AB566722-5614-4FF7-B093-89C6233992F7}" srcOrd="0" destOrd="0" presId="urn:microsoft.com/office/officeart/2005/8/layout/process5"/>
@@ -2241,7 +2241,7 @@
   <dgm:whole/>
   <dgm:extLst>
     <a:ext uri="http://schemas.microsoft.com/office/drawing/2008/diagram">
-      <dsp:dataModelExt xmlns:dsp="http://schemas.microsoft.com/office/drawing/2008/diagram" relId="rId6" minVer="http://schemas.openxmlformats.org/drawingml/2006/diagram"/>
+      <dsp:dataModelExt xmlns:dsp="http://schemas.microsoft.com/office/drawing/2008/diagram" xmlns="" relId="rId6" minVer="http://schemas.openxmlformats.org/drawingml/2006/diagram"/>
     </a:ext>
   </dgm:extLst>
 </dgm:dataModel>
@@ -2558,19 +2558,19 @@
     </dgm:pt>
   </dgm:ptLst>
   <dgm:cxnLst>
+    <dgm:cxn modelId="{F6EC27B3-CBD2-4546-9350-11322ED09E06}" type="presOf" srcId="{84F71D73-78AE-40DD-929B-039EBEDA3B39}" destId="{EE8108F1-001A-40F8-82EC-BEF8C11E0B9D}" srcOrd="0" destOrd="0" presId="urn:microsoft.com/office/officeart/2005/8/layout/process3"/>
     <dgm:cxn modelId="{6FC90662-AC61-47C8-8CBB-611CF2603F86}" type="presOf" srcId="{19E1A2AC-DC1C-4066-A138-3B4A94B2C142}" destId="{A90CE6AF-EEB9-4F4C-AF8C-474F968A4847}" srcOrd="1" destOrd="0" presId="urn:microsoft.com/office/officeart/2005/8/layout/process3"/>
-    <dgm:cxn modelId="{757A89D4-194B-4B91-932F-E7DE5808EC1D}" srcId="{6A9F56C7-0414-4B6E-A083-29B7C493A933}" destId="{5D463E45-6AE1-4865-85C5-F8396D2B9102}" srcOrd="0" destOrd="0" parTransId="{2B4219EE-5AAE-4DCF-80D9-604793AF4ED1}" sibTransId="{E0AC2389-1DB1-4EEA-965B-985E1AD5EF6E}"/>
-    <dgm:cxn modelId="{2AE1C5B5-E2B6-4BBF-B618-95A514E58CD1}" type="presOf" srcId="{5D463E45-6AE1-4865-85C5-F8396D2B9102}" destId="{2688DCC3-9AF8-4B84-A209-FB186533A77C}" srcOrd="0" destOrd="0" presId="urn:microsoft.com/office/officeart/2005/8/layout/process3"/>
-    <dgm:cxn modelId="{5BCF6B23-7D4A-4748-AD79-CB93DA96B80F}" type="presOf" srcId="{BBFA038B-DCAB-48E3-896B-43B5D0F6588D}" destId="{D770E38D-C360-4F83-B09E-C7842B0B8617}" srcOrd="0" destOrd="0" presId="urn:microsoft.com/office/officeart/2005/8/layout/process3"/>
-    <dgm:cxn modelId="{8320DE55-7408-4B86-AE4A-2E152D79357B}" type="presOf" srcId="{BBFA038B-DCAB-48E3-896B-43B5D0F6588D}" destId="{FD9B6B60-C688-495C-9735-32577F2B2959}" srcOrd="1" destOrd="0" presId="urn:microsoft.com/office/officeart/2005/8/layout/process3"/>
-    <dgm:cxn modelId="{2955F971-949F-442F-99C9-A07F867349DB}" type="presOf" srcId="{843B984B-DFC2-43AF-BF0B-9B41A5563499}" destId="{CA062347-00FC-4CFA-BBB5-6843A8858B2D}" srcOrd="0" destOrd="0" presId="urn:microsoft.com/office/officeart/2005/8/layout/process3"/>
     <dgm:cxn modelId="{1F9E0E03-F35B-461F-99E4-B43596F39474}" srcId="{84F71D73-78AE-40DD-929B-039EBEDA3B39}" destId="{6A9F56C7-0414-4B6E-A083-29B7C493A933}" srcOrd="1" destOrd="0" parTransId="{AA8FC098-0358-4507-859D-4CAD01F61BFD}" sibTransId="{FAC94327-2F69-4C0F-B9EE-9244622BDB20}"/>
     <dgm:cxn modelId="{628F3D61-C425-4D5D-A94D-9B2F8E38C849}" type="presOf" srcId="{6A9F56C7-0414-4B6E-A083-29B7C493A933}" destId="{D91C3E56-5A92-4718-8290-C7D915400D36}" srcOrd="1" destOrd="0" presId="urn:microsoft.com/office/officeart/2005/8/layout/process3"/>
-    <dgm:cxn modelId="{F6EC27B3-CBD2-4546-9350-11322ED09E06}" type="presOf" srcId="{84F71D73-78AE-40DD-929B-039EBEDA3B39}" destId="{EE8108F1-001A-40F8-82EC-BEF8C11E0B9D}" srcOrd="0" destOrd="0" presId="urn:microsoft.com/office/officeart/2005/8/layout/process3"/>
+    <dgm:cxn modelId="{757A89D4-194B-4B91-932F-E7DE5808EC1D}" srcId="{6A9F56C7-0414-4B6E-A083-29B7C493A933}" destId="{5D463E45-6AE1-4865-85C5-F8396D2B9102}" srcOrd="0" destOrd="0" parTransId="{2B4219EE-5AAE-4DCF-80D9-604793AF4ED1}" sibTransId="{E0AC2389-1DB1-4EEA-965B-985E1AD5EF6E}"/>
     <dgm:cxn modelId="{B6A08370-234E-4A56-A1EA-F67A4ABEE5CF}" type="presOf" srcId="{19E1A2AC-DC1C-4066-A138-3B4A94B2C142}" destId="{39F98D1B-FA55-4FD6-B53D-7AD98F6DA676}" srcOrd="0" destOrd="0" presId="urn:microsoft.com/office/officeart/2005/8/layout/process3"/>
+    <dgm:cxn modelId="{5BCF6B23-7D4A-4748-AD79-CB93DA96B80F}" type="presOf" srcId="{BBFA038B-DCAB-48E3-896B-43B5D0F6588D}" destId="{D770E38D-C360-4F83-B09E-C7842B0B8617}" srcOrd="0" destOrd="0" presId="urn:microsoft.com/office/officeart/2005/8/layout/process3"/>
+    <dgm:cxn modelId="{E15F5AD9-2386-45F1-8F8A-EF1BE3688B6D}" srcId="{84F71D73-78AE-40DD-929B-039EBEDA3B39}" destId="{19E1A2AC-DC1C-4066-A138-3B4A94B2C142}" srcOrd="0" destOrd="0" parTransId="{392A88A7-2EE4-41A6-A93F-CE0E59D9023B}" sibTransId="{BBFA038B-DCAB-48E3-896B-43B5D0F6588D}"/>
     <dgm:cxn modelId="{57C8769C-6413-466E-AFF6-DA7C59A10AEA}" type="presOf" srcId="{6A9F56C7-0414-4B6E-A083-29B7C493A933}" destId="{78F5E295-D9AF-4A38-8F14-8C491FBAF70F}" srcOrd="0" destOrd="0" presId="urn:microsoft.com/office/officeart/2005/8/layout/process3"/>
-    <dgm:cxn modelId="{E15F5AD9-2386-45F1-8F8A-EF1BE3688B6D}" srcId="{84F71D73-78AE-40DD-929B-039EBEDA3B39}" destId="{19E1A2AC-DC1C-4066-A138-3B4A94B2C142}" srcOrd="0" destOrd="0" parTransId="{392A88A7-2EE4-41A6-A93F-CE0E59D9023B}" sibTransId="{BBFA038B-DCAB-48E3-896B-43B5D0F6588D}"/>
     <dgm:cxn modelId="{EA2E2885-94DC-4547-AB9C-0AB567966FCD}" srcId="{19E1A2AC-DC1C-4066-A138-3B4A94B2C142}" destId="{843B984B-DFC2-43AF-BF0B-9B41A5563499}" srcOrd="0" destOrd="0" parTransId="{668E962B-B2AC-4B78-9963-76E65BBC8633}" sibTransId="{5A7A0893-19E9-452B-B559-29A217286C3B}"/>
+    <dgm:cxn modelId="{2955F971-949F-442F-99C9-A07F867349DB}" type="presOf" srcId="{843B984B-DFC2-43AF-BF0B-9B41A5563499}" destId="{CA062347-00FC-4CFA-BBB5-6843A8858B2D}" srcOrd="0" destOrd="0" presId="urn:microsoft.com/office/officeart/2005/8/layout/process3"/>
+    <dgm:cxn modelId="{2AE1C5B5-E2B6-4BBF-B618-95A514E58CD1}" type="presOf" srcId="{5D463E45-6AE1-4865-85C5-F8396D2B9102}" destId="{2688DCC3-9AF8-4B84-A209-FB186533A77C}" srcOrd="0" destOrd="0" presId="urn:microsoft.com/office/officeart/2005/8/layout/process3"/>
+    <dgm:cxn modelId="{8320DE55-7408-4B86-AE4A-2E152D79357B}" type="presOf" srcId="{BBFA038B-DCAB-48E3-896B-43B5D0F6588D}" destId="{FD9B6B60-C688-495C-9735-32577F2B2959}" srcOrd="1" destOrd="0" presId="urn:microsoft.com/office/officeart/2005/8/layout/process3"/>
     <dgm:cxn modelId="{D5DF97A1-2053-4B41-B0BA-853251AD1243}" type="presParOf" srcId="{EE8108F1-001A-40F8-82EC-BEF8C11E0B9D}" destId="{60097DF5-3175-4BA0-9C9A-650E86943C57}" srcOrd="0" destOrd="0" presId="urn:microsoft.com/office/officeart/2005/8/layout/process3"/>
     <dgm:cxn modelId="{23D30E82-439A-4C0E-B074-AD699790336C}" type="presParOf" srcId="{60097DF5-3175-4BA0-9C9A-650E86943C57}" destId="{39F98D1B-FA55-4FD6-B53D-7AD98F6DA676}" srcOrd="0" destOrd="0" presId="urn:microsoft.com/office/officeart/2005/8/layout/process3"/>
     <dgm:cxn modelId="{428D9F5C-CFF0-4BEB-8CE7-B085FC310F30}" type="presParOf" srcId="{60097DF5-3175-4BA0-9C9A-650E86943C57}" destId="{A90CE6AF-EEB9-4F4C-AF8C-474F968A4847}" srcOrd="1" destOrd="0" presId="urn:microsoft.com/office/officeart/2005/8/layout/process3"/>
@@ -2586,7 +2586,7 @@
   <dgm:whole/>
   <dgm:extLst>
     <a:ext uri="http://schemas.microsoft.com/office/drawing/2008/diagram">
-      <dsp:dataModelExt xmlns:dsp="http://schemas.microsoft.com/office/drawing/2008/diagram" relId="rId6" minVer="http://schemas.openxmlformats.org/drawingml/2006/diagram"/>
+      <dsp:dataModelExt xmlns:dsp="http://schemas.microsoft.com/office/drawing/2008/diagram" xmlns="" relId="rId6" minVer="http://schemas.openxmlformats.org/drawingml/2006/diagram"/>
     </a:ext>
   </dgm:extLst>
 </dgm:dataModel>
@@ -6286,7 +6286,7 @@
             <a:fld id="{C7CC2173-B0D1-45F1-9D54-E33B7353DA19}" type="slidenum">
               <a:rPr lang="de-DE"/>
               <a:pPr/>
-              <a:t>‹#›</a:t>
+              <a:t>‹Nr.›</a:t>
             </a:fld>
             <a:endParaRPr lang="de-DE"/>
           </a:p>
@@ -6461,7 +6461,7 @@
     </p:spTree>
     <p:extLst>
       <p:ext uri="{BB962C8B-B14F-4D97-AF65-F5344CB8AC3E}">
-        <p14:creationId xmlns:p14="http://schemas.microsoft.com/office/powerpoint/2010/main" val="3345007041"/>
+        <p14:creationId xmlns:p14="http://schemas.microsoft.com/office/powerpoint/2010/main" xmlns="" val="3345007041"/>
       </p:ext>
     </p:extLst>
   </p:cSld>
@@ -6778,7 +6778,7 @@
             <a:fld id="{C36AA9A4-5D0B-4134-89A6-D8B9DAA4F25C}" type="slidenum">
               <a:rPr lang="de-DE"/>
               <a:pPr/>
-              <a:t>‹#›</a:t>
+              <a:t>‹Nr.›</a:t>
             </a:fld>
             <a:endParaRPr lang="de-DE"/>
           </a:p>
@@ -7002,7 +7002,7 @@
     </p:spTree>
     <p:extLst>
       <p:ext uri="{BB962C8B-B14F-4D97-AF65-F5344CB8AC3E}">
-        <p14:creationId xmlns:p14="http://schemas.microsoft.com/office/powerpoint/2010/main" val="516787406"/>
+        <p14:creationId xmlns:p14="http://schemas.microsoft.com/office/powerpoint/2010/main" xmlns="" val="516787406"/>
       </p:ext>
     </p:extLst>
   </p:cSld>
@@ -7264,7 +7264,7 @@
     </p:spTree>
     <p:extLst>
       <p:ext uri="{BB962C8B-B14F-4D97-AF65-F5344CB8AC3E}">
-        <p14:creationId xmlns:p14="http://schemas.microsoft.com/office/powerpoint/2010/main" val="2520834147"/>
+        <p14:creationId xmlns:p14="http://schemas.microsoft.com/office/powerpoint/2010/main" xmlns="" val="2520834147"/>
       </p:ext>
     </p:extLst>
   </p:cSld>
@@ -7710,7 +7710,7 @@
           <a:blip r:embed="rId3">
             <a:extLst>
               <a:ext uri="{28A0092B-C50C-407E-A947-70E740481C1C}">
-                <a14:useLocalDpi xmlns:a14="http://schemas.microsoft.com/office/drawing/2010/main" val="0"/>
+                <a14:useLocalDpi xmlns:a14="http://schemas.microsoft.com/office/drawing/2010/main" xmlns="" val="0"/>
               </a:ext>
             </a:extLst>
           </a:blip>
@@ -7730,7 +7730,7 @@
           <a:noFill/>
           <a:extLst>
             <a:ext uri="{909E8E84-426E-40DD-AFC4-6F175D3DCCD1}">
-              <a14:hiddenFill xmlns:a14="http://schemas.microsoft.com/office/drawing/2010/main">
+              <a14:hiddenFill xmlns:a14="http://schemas.microsoft.com/office/drawing/2010/main" xmlns="">
                 <a:solidFill>
                   <a:srgbClr val="FFFFFF"/>
                 </a:solidFill>
@@ -9182,7 +9182,7 @@
           <a:blip r:embed="rId11">
             <a:extLst>
               <a:ext uri="{28A0092B-C50C-407E-A947-70E740481C1C}">
-                <a14:useLocalDpi xmlns:a14="http://schemas.microsoft.com/office/drawing/2010/main" val="0"/>
+                <a14:useLocalDpi xmlns:a14="http://schemas.microsoft.com/office/drawing/2010/main" xmlns="" val="0"/>
               </a:ext>
             </a:extLst>
           </a:blip>
@@ -9202,7 +9202,7 @@
           <a:noFill/>
           <a:extLst>
             <a:ext uri="{909E8E84-426E-40DD-AFC4-6F175D3DCCD1}">
-              <a14:hiddenFill xmlns:a14="http://schemas.microsoft.com/office/drawing/2010/main">
+              <a14:hiddenFill xmlns:a14="http://schemas.microsoft.com/office/drawing/2010/main" xmlns="">
                 <a:solidFill>
                   <a:srgbClr val="FFFFFF"/>
                 </a:solidFill>
@@ -9709,7 +9709,7 @@
           <a:blip r:embed="rId3" cstate="print">
             <a:extLst>
               <a:ext uri="{28A0092B-C50C-407E-A947-70E740481C1C}">
-                <a14:useLocalDpi xmlns:a14="http://schemas.microsoft.com/office/drawing/2010/main" val="0"/>
+                <a14:useLocalDpi xmlns:a14="http://schemas.microsoft.com/office/drawing/2010/main" xmlns="" val="0"/>
               </a:ext>
             </a:extLst>
           </a:blip>
@@ -10067,11 +10067,7 @@
             </a:r>
             <a:r>
               <a:rPr lang="en-US" sz="1800" b="0" dirty="0" smtClean="0"/>
-              <a:t> </a:t>
-            </a:r>
-            <a:r>
-              <a:rPr lang="en-US" sz="1800" b="0" dirty="0" smtClean="0"/>
-              <a:t>Janssen</a:t>
+              <a:t> Janssen</a:t>
             </a:r>
           </a:p>
           <a:p>
@@ -10525,7 +10521,7 @@
         </p:txBody>
       </p:sp>
       <mc:AlternateContent xmlns:mc="http://schemas.openxmlformats.org/markup-compatibility/2006">
-        <mc:Choice xmlns:a14="http://schemas.microsoft.com/office/drawing/2010/main" Requires="a14">
+        <mc:Choice xmlns:a14="http://schemas.microsoft.com/office/drawing/2010/main" xmlns="" Requires="a14">
           <p:sp>
             <p:nvSpPr>
               <p:cNvPr id="3" name="Content Placeholder 2"/>
@@ -10703,7 +10699,7 @@
           <a:blip r:embed="rId3" cstate="print">
             <a:extLst>
               <a:ext uri="{28A0092B-C50C-407E-A947-70E740481C1C}">
-                <a14:useLocalDpi xmlns:a14="http://schemas.microsoft.com/office/drawing/2010/main" val="0"/>
+                <a14:useLocalDpi xmlns:a14="http://schemas.microsoft.com/office/drawing/2010/main" xmlns="" val="0"/>
               </a:ext>
             </a:extLst>
           </a:blip>
@@ -10724,7 +10720,7 @@
     </p:spTree>
     <p:extLst>
       <p:ext uri="{BB962C8B-B14F-4D97-AF65-F5344CB8AC3E}">
-        <p14:creationId xmlns:p14="http://schemas.microsoft.com/office/powerpoint/2010/main" val="2646396681"/>
+        <p14:creationId xmlns:p14="http://schemas.microsoft.com/office/powerpoint/2010/main" xmlns="" val="2646396681"/>
       </p:ext>
     </p:extLst>
   </p:cSld>
@@ -10791,7 +10787,7 @@
             <p:ph idx="1"/>
             <p:extLst>
               <p:ext uri="{D42A27DB-BD31-4B8C-83A1-F6EECF244321}">
-                <p14:modId xmlns:p14="http://schemas.microsoft.com/office/powerpoint/2010/main" val="3071815426"/>
+                <p14:modId xmlns:p14="http://schemas.microsoft.com/office/powerpoint/2010/main" xmlns="" val="3071815426"/>
               </p:ext>
             </p:extLst>
           </p:nvPr>
@@ -10815,10 +10811,10 @@
           <p:nvPr/>
         </p:nvPicPr>
         <p:blipFill>
-          <a:blip r:embed="rId7" cstate="print">
+          <a:blip r:embed="rId6" cstate="print">
             <a:extLst>
               <a:ext uri="{28A0092B-C50C-407E-A947-70E740481C1C}">
-                <a14:useLocalDpi xmlns:a14="http://schemas.microsoft.com/office/drawing/2010/main" val="0"/>
+                <a14:useLocalDpi xmlns:a14="http://schemas.microsoft.com/office/drawing/2010/main" xmlns="" val="0"/>
               </a:ext>
             </a:extLst>
           </a:blip>
@@ -10839,7 +10835,7 @@
     </p:spTree>
     <p:extLst>
       <p:ext uri="{BB962C8B-B14F-4D97-AF65-F5344CB8AC3E}">
-        <p14:creationId xmlns:p14="http://schemas.microsoft.com/office/powerpoint/2010/main" val="1536128924"/>
+        <p14:creationId xmlns:p14="http://schemas.microsoft.com/office/powerpoint/2010/main" xmlns="" val="1536128924"/>
       </p:ext>
     </p:extLst>
   </p:cSld>
@@ -10906,7 +10902,7 @@
             <p:ph idx="1"/>
             <p:extLst>
               <p:ext uri="{D42A27DB-BD31-4B8C-83A1-F6EECF244321}">
-                <p14:modId xmlns:p14="http://schemas.microsoft.com/office/powerpoint/2010/main" val="3711246334"/>
+                <p14:modId xmlns:p14="http://schemas.microsoft.com/office/powerpoint/2010/main" xmlns="" val="3711246334"/>
               </p:ext>
             </p:extLst>
           </p:nvPr>
@@ -10971,7 +10967,7 @@
     </p:spTree>
     <p:extLst>
       <p:ext uri="{BB962C8B-B14F-4D97-AF65-F5344CB8AC3E}">
-        <p14:creationId xmlns:p14="http://schemas.microsoft.com/office/powerpoint/2010/main" val="3725929812"/>
+        <p14:creationId xmlns:p14="http://schemas.microsoft.com/office/powerpoint/2010/main" xmlns="" val="3725929812"/>
       </p:ext>
     </p:extLst>
   </p:cSld>
@@ -11122,7 +11118,7 @@
     </p:spTree>
     <p:extLst>
       <p:ext uri="{BB962C8B-B14F-4D97-AF65-F5344CB8AC3E}">
-        <p14:creationId xmlns:p14="http://schemas.microsoft.com/office/powerpoint/2010/main" val="1148698881"/>
+        <p14:creationId xmlns:p14="http://schemas.microsoft.com/office/powerpoint/2010/main" xmlns="" val="1148698881"/>
       </p:ext>
     </p:extLst>
   </p:cSld>
@@ -11189,7 +11185,7 @@
             <p:ph idx="1"/>
             <p:extLst>
               <p:ext uri="{D42A27DB-BD31-4B8C-83A1-F6EECF244321}">
-                <p14:modId xmlns:p14="http://schemas.microsoft.com/office/powerpoint/2010/main" val="1582143367"/>
+                <p14:modId xmlns:p14="http://schemas.microsoft.com/office/powerpoint/2010/main" xmlns="" val="1582143367"/>
               </p:ext>
             </p:extLst>
           </p:nvPr>
@@ -11510,7 +11506,7 @@
     </p:spTree>
     <p:extLst>
       <p:ext uri="{BB962C8B-B14F-4D97-AF65-F5344CB8AC3E}">
-        <p14:creationId xmlns:p14="http://schemas.microsoft.com/office/powerpoint/2010/main" val="3847757178"/>
+        <p14:creationId xmlns:p14="http://schemas.microsoft.com/office/powerpoint/2010/main" xmlns="" val="3847757178"/>
       </p:ext>
     </p:extLst>
   </p:cSld>
@@ -11602,7 +11598,7 @@
             </a:pPr>
             <a:r>
               <a:rPr lang="de-DE" dirty="0" smtClean="0"/>
-              <a:t>30 </a:t>
+              <a:t>45 </a:t>
             </a:r>
             <a:r>
               <a:rPr lang="de-DE" dirty="0" err="1" smtClean="0"/>
@@ -11656,26 +11652,50 @@
           </a:p>
           <a:p>
             <a:r>
+              <a:rPr lang="de-DE" dirty="0" smtClean="0"/>
+              <a:t>More </a:t>
+            </a:r>
+            <a:r>
               <a:rPr lang="de-DE" dirty="0" err="1" smtClean="0"/>
-              <a:t>Better</a:t>
+              <a:t>Boosting</a:t>
             </a:r>
             <a:r>
               <a:rPr lang="de-DE" dirty="0" smtClean="0"/>
-              <a:t> Parameters </a:t>
+              <a:t> </a:t>
             </a:r>
             <a:r>
               <a:rPr lang="de-DE" dirty="0" err="1" smtClean="0"/>
-              <a:t>found</a:t>
-            </a:r>
-            <a:r>
-              <a:rPr lang="de-DE" dirty="0" smtClean="0"/>
-              <a:t>,</a:t>
-            </a:r>
+              <a:t>Iterations</a:t>
+            </a:r>
+            <a:endParaRPr lang="de-DE" dirty="0" smtClean="0"/>
           </a:p>
           <a:p>
             <a:r>
               <a:rPr lang="de-DE" dirty="0" smtClean="0"/>
-              <a:t>but time ran out</a:t>
+              <a:t>= </a:t>
+            </a:r>
+            <a:r>
+              <a:rPr lang="de-DE" dirty="0" err="1" smtClean="0"/>
+              <a:t>better</a:t>
+            </a:r>
+            <a:r>
+              <a:rPr lang="de-DE" dirty="0" smtClean="0"/>
+              <a:t>, but not </a:t>
+            </a:r>
+            <a:r>
+              <a:rPr lang="de-DE" dirty="0" err="1" smtClean="0"/>
+              <a:t>enough</a:t>
+            </a:r>
+            <a:r>
+              <a:rPr lang="de-DE" dirty="0" smtClean="0"/>
+              <a:t/>
+            </a:r>
+            <a:br>
+              <a:rPr lang="de-DE" dirty="0" smtClean="0"/>
+            </a:br>
+            <a:r>
+              <a:rPr lang="de-DE" dirty="0" smtClean="0"/>
+              <a:t>time</a:t>
             </a:r>
             <a:endParaRPr lang="de-DE" dirty="0"/>
           </a:p>
@@ -11683,7 +11703,7 @@
       </p:sp>
       <p:pic>
         <p:nvPicPr>
-          <p:cNvPr id="1027" name="Picture 3" descr="C:\Users\Simon\Downloads\tuning.png"/>
+          <p:cNvPr id="1026" name="Picture 2"/>
           <p:cNvPicPr>
             <a:picLocks noChangeAspect="1" noChangeArrowheads="1"/>
           </p:cNvPicPr>
@@ -11698,13 +11718,20 @@
         </p:blipFill>
         <p:spPr bwMode="auto">
           <a:xfrm>
-            <a:off x="3500430" y="1500174"/>
-            <a:ext cx="4945829" cy="4798263"/>
+            <a:off x="3428992" y="1620000"/>
+            <a:ext cx="4914900" cy="4737958"/>
           </a:xfrm>
           <a:prstGeom prst="rect">
             <a:avLst/>
           </a:prstGeom>
           <a:noFill/>
+          <a:ln w="9525">
+            <a:noFill/>
+            <a:miter lim="800000"/>
+            <a:headEnd/>
+            <a:tailEnd/>
+          </a:ln>
+          <a:effectLst/>
         </p:spPr>
       </p:pic>
     </p:spTree>
@@ -11788,7 +11815,7 @@
     </p:spTree>
     <p:extLst>
       <p:ext uri="{BB962C8B-B14F-4D97-AF65-F5344CB8AC3E}">
-        <p14:creationId xmlns:p14="http://schemas.microsoft.com/office/powerpoint/2010/main" val="346014335"/>
+        <p14:creationId xmlns:p14="http://schemas.microsoft.com/office/powerpoint/2010/main" xmlns="" val="346014335"/>
       </p:ext>
     </p:extLst>
   </p:cSld>

--- a/doc/pres-prudsys.pptx
+++ b/doc/pres-prudsys.pptx
@@ -11046,8 +11046,9 @@
           <a:p>
             <a:r>
               <a:rPr lang="de-DE" dirty="0" smtClean="0"/>
-              <a:t>Good Feature Engineering involves</a:t>
-            </a:r>
+              <a:t>Features:</a:t>
+            </a:r>
+            <a:endParaRPr lang="de-DE" dirty="0" smtClean="0"/>
           </a:p>
           <a:p>
             <a:pPr marL="342900" indent="-342900">
@@ -11056,7 +11057,7 @@
             </a:pPr>
             <a:r>
               <a:rPr lang="de-DE" dirty="0" smtClean="0"/>
-              <a:t>Understanding the Properties of the Task and their interaction with the strengths and limitations with the classifier used</a:t>
+              <a:t>Laplacian smoothed Return Rates (per Customer, Item, Manufacturer)</a:t>
             </a:r>
           </a:p>
           <a:p>
@@ -11065,15 +11066,36 @@
               <a:buChar char="•"/>
             </a:pPr>
             <a:r>
+              <a:rPr lang="de-DE" dirty="0" err="1" smtClean="0"/>
+              <a:t>Discretized</a:t>
+            </a:r>
+            <a:r>
               <a:rPr lang="de-DE" dirty="0" smtClean="0"/>
-              <a:t>Experimental Work</a:t>
-            </a:r>
-            <a:endParaRPr lang="de-DE" dirty="0"/>
-          </a:p>
-          <a:p>
+              <a:t> </a:t>
+            </a:r>
             <a:r>
               <a:rPr lang="de-DE" dirty="0" smtClean="0"/>
-              <a:t>And led to (inter alia)</a:t>
+              <a:t>Attributes</a:t>
+            </a:r>
+            <a:r>
+              <a:rPr lang="de-DE" dirty="0" smtClean="0"/>
+              <a:t>, i.e</a:t>
+            </a:r>
+            <a:r>
+              <a:rPr lang="de-DE" dirty="0" smtClean="0"/>
+              <a:t>. </a:t>
+            </a:r>
+            <a:r>
+              <a:rPr lang="de-DE" dirty="0" smtClean="0"/>
+              <a:t>Price:</a:t>
+            </a:r>
+            <a:r>
+              <a:rPr lang="de-DE" dirty="0" smtClean="0"/>
+              <a:t> </a:t>
+            </a:r>
+            <a:r>
+              <a:rPr lang="de-DE" dirty="0" smtClean="0"/>
+              <a:t>[0, 10), [10, 20), [20, 30)</a:t>
             </a:r>
           </a:p>
           <a:p>
@@ -11083,8 +11105,13 @@
             </a:pPr>
             <a:r>
               <a:rPr lang="de-DE" dirty="0" smtClean="0"/>
-              <a:t>Laplacian smoothed Return Rates (per Customer, Item, Manufacturer)</a:t>
-            </a:r>
+              <a:t>Clustering of ItemIDs, i.e. Into Summer/Fall/Winter </a:t>
+            </a:r>
+            <a:r>
+              <a:rPr lang="de-DE" dirty="0" err="1" smtClean="0"/>
+              <a:t>Collections</a:t>
+            </a:r>
+            <a:endParaRPr lang="de-DE" dirty="0" smtClean="0"/>
           </a:p>
           <a:p>
             <a:pPr marL="342900" indent="-342900">
@@ -11093,8 +11120,36 @@
             </a:pPr>
             <a:r>
               <a:rPr lang="de-DE" dirty="0" smtClean="0"/>
-              <a:t>Discretized Price Attributes, i.e. [0, 10), [10, 20), [20, 30)</a:t>
-            </a:r>
+              <a:t>Customer Attributes, i.e. </a:t>
+            </a:r>
+            <a:r>
+              <a:rPr lang="de-DE" dirty="0" err="1" smtClean="0"/>
+              <a:t>Favourite</a:t>
+            </a:r>
+            <a:r>
+              <a:rPr lang="de-DE" dirty="0" smtClean="0"/>
+              <a:t> Color / Size / Money </a:t>
+            </a:r>
+            <a:r>
+              <a:rPr lang="de-DE" dirty="0" err="1" smtClean="0"/>
+              <a:t>spent</a:t>
+            </a:r>
+            <a:endParaRPr lang="de-DE" dirty="0" smtClean="0"/>
+          </a:p>
+          <a:p>
+            <a:r>
+              <a:rPr lang="de-DE" dirty="0" smtClean="0"/>
+              <a:t>Feature </a:t>
+            </a:r>
+            <a:r>
+              <a:rPr lang="de-DE" dirty="0" err="1" smtClean="0"/>
+              <a:t>Selection</a:t>
+            </a:r>
+            <a:r>
+              <a:rPr lang="de-DE" dirty="0" smtClean="0"/>
+              <a:t>:</a:t>
+            </a:r>
+            <a:endParaRPr lang="de-DE" dirty="0" smtClean="0"/>
           </a:p>
           <a:p>
             <a:pPr marL="342900" indent="-342900">
@@ -11102,9 +11157,101 @@
               <a:buChar char="•"/>
             </a:pPr>
             <a:r>
+              <a:rPr lang="de-DE" dirty="0" err="1" smtClean="0"/>
+              <a:t>Greedy</a:t>
+            </a:r>
+            <a:r>
               <a:rPr lang="de-DE" dirty="0" smtClean="0"/>
-              <a:t>Clustering of ItemIDs, i.e. Into Summer/Fall/Winter Collections</a:t>
-            </a:r>
+              <a:t> </a:t>
+            </a:r>
+            <a:r>
+              <a:rPr lang="de-DE" dirty="0" err="1" smtClean="0"/>
+              <a:t>Selection</a:t>
+            </a:r>
+            <a:r>
+              <a:rPr lang="de-DE" dirty="0" smtClean="0"/>
+              <a:t> (</a:t>
+            </a:r>
+            <a:r>
+              <a:rPr lang="de-DE" dirty="0" err="1" smtClean="0"/>
+              <a:t>leave</a:t>
+            </a:r>
+            <a:r>
+              <a:rPr lang="de-DE" dirty="0" smtClean="0"/>
+              <a:t> </a:t>
+            </a:r>
+            <a:r>
+              <a:rPr lang="de-DE" dirty="0" err="1" smtClean="0"/>
+              <a:t>one</a:t>
+            </a:r>
+            <a:r>
+              <a:rPr lang="de-DE" dirty="0" smtClean="0"/>
+              <a:t> out, </a:t>
+            </a:r>
+            <a:r>
+              <a:rPr lang="de-DE" dirty="0" err="1" smtClean="0"/>
+              <a:t>try</a:t>
+            </a:r>
+            <a:r>
+              <a:rPr lang="de-DE" dirty="0" smtClean="0"/>
+              <a:t>, </a:t>
+            </a:r>
+            <a:r>
+              <a:rPr lang="de-DE" dirty="0" err="1" smtClean="0"/>
+              <a:t>if</a:t>
+            </a:r>
+            <a:r>
+              <a:rPr lang="de-DE" dirty="0" smtClean="0"/>
+              <a:t> </a:t>
+            </a:r>
+            <a:r>
+              <a:rPr lang="de-DE" dirty="0" err="1" smtClean="0"/>
+              <a:t>better</a:t>
+            </a:r>
+            <a:r>
+              <a:rPr lang="de-DE" dirty="0" smtClean="0"/>
+              <a:t>, </a:t>
+            </a:r>
+            <a:r>
+              <a:rPr lang="de-DE" dirty="0" err="1" smtClean="0"/>
+              <a:t>keep</a:t>
+            </a:r>
+            <a:r>
+              <a:rPr lang="de-DE" dirty="0" smtClean="0"/>
+              <a:t> out)</a:t>
+            </a:r>
+            <a:endParaRPr lang="de-DE" dirty="0" smtClean="0"/>
+          </a:p>
+          <a:p>
+            <a:pPr marL="342900" indent="-342900">
+              <a:buFont typeface="Arial" pitchFamily="34" charset="0"/>
+              <a:buChar char="•"/>
+            </a:pPr>
+            <a:r>
+              <a:rPr lang="de-DE" dirty="0" err="1" smtClean="0"/>
+              <a:t>Discretized</a:t>
+            </a:r>
+            <a:r>
+              <a:rPr lang="de-DE" dirty="0" smtClean="0"/>
+              <a:t> Attributes </a:t>
+            </a:r>
+            <a:r>
+              <a:rPr lang="de-DE" dirty="0" err="1" smtClean="0"/>
+              <a:t>over</a:t>
+            </a:r>
+            <a:r>
+              <a:rPr lang="de-DE" dirty="0" smtClean="0"/>
+              <a:t> </a:t>
+            </a:r>
+            <a:r>
+              <a:rPr lang="de-DE" dirty="0" err="1" smtClean="0"/>
+              <a:t>Numerical</a:t>
+            </a:r>
+            <a:r>
+              <a:rPr lang="de-DE" dirty="0" smtClean="0"/>
+              <a:t> Attributes</a:t>
+            </a:r>
+            <a:endParaRPr lang="de-DE" dirty="0" smtClean="0"/>
           </a:p>
           <a:p>
             <a:pPr marL="342900" indent="-342900">

--- a/doc/pres-prudsys.pptx
+++ b/doc/pres-prudsys.pptx
@@ -2211,21 +2211,21 @@
     </dgm:pt>
   </dgm:ptLst>
   <dgm:cxnLst>
+    <dgm:cxn modelId="{63C28DD9-53B9-4877-B598-306F4E6DC740}" srcId="{EB00BD1B-7301-428A-8817-3BFF72DB34C9}" destId="{BF616858-2975-4F52-825D-3BC51AC7C44B}" srcOrd="3" destOrd="0" parTransId="{BA04BEBA-295D-4503-AFE7-24DAA2FCD8D1}" sibTransId="{D33367AC-B01A-4D87-AA55-183B245AB586}"/>
+    <dgm:cxn modelId="{BC1CDD21-D598-4557-B944-AF600D20994B}" type="presOf" srcId="{15F89E0B-4147-4C18-A6D6-9D074BCFE1C5}" destId="{983A1CE5-54B5-42A9-A81E-B560825070E8}" srcOrd="0" destOrd="0" presId="urn:microsoft.com/office/officeart/2005/8/layout/process5"/>
+    <dgm:cxn modelId="{F2C06B11-B30D-4FE8-AEAC-1A71296120B1}" type="presOf" srcId="{174BCD73-6F47-4880-B8F9-22CF9C3D6E51}" destId="{EE542BFE-AEC8-432C-926C-28EEE1B1DD53}" srcOrd="0" destOrd="0" presId="urn:microsoft.com/office/officeart/2005/8/layout/process5"/>
     <dgm:cxn modelId="{004CFCD9-F4D1-4FC5-904F-EF20D9F4D27A}" type="presOf" srcId="{25C6851C-E80E-429B-84A6-8BAA2C1977F5}" destId="{8485AA87-7A55-40A6-8DD6-7ABFAB47EE33}" srcOrd="0" destOrd="0" presId="urn:microsoft.com/office/officeart/2005/8/layout/process5"/>
+    <dgm:cxn modelId="{2F121697-DB4F-412E-9435-832545460A03}" srcId="{EB00BD1B-7301-428A-8817-3BFF72DB34C9}" destId="{15F89E0B-4147-4C18-A6D6-9D074BCFE1C5}" srcOrd="0" destOrd="0" parTransId="{69CF8F3F-B9BF-4CE2-85CC-29BE743338AD}" sibTransId="{AE6EA62D-1259-47DC-B9C2-D732FC01A4C0}"/>
     <dgm:cxn modelId="{12DBF19D-E2C1-4DF8-83DD-6F0229FD962E}" type="presOf" srcId="{BF616858-2975-4F52-825D-3BC51AC7C44B}" destId="{864E56A6-9908-4E74-B951-1FDD023423A9}" srcOrd="0" destOrd="0" presId="urn:microsoft.com/office/officeart/2005/8/layout/process5"/>
+    <dgm:cxn modelId="{BE45BB5B-12D8-43AE-B6E4-7538E4149147}" srcId="{EB00BD1B-7301-428A-8817-3BFF72DB34C9}" destId="{99E60159-F719-48E5-9EBC-E36EE0F20079}" srcOrd="1" destOrd="0" parTransId="{6290A01A-A9AF-44ED-B1BE-075CD24FBB5A}" sibTransId="{25C6851C-E80E-429B-84A6-8BAA2C1977F5}"/>
     <dgm:cxn modelId="{35B985BD-068C-4C82-A92A-9A49F38DDEC4}" type="presOf" srcId="{EB00BD1B-7301-428A-8817-3BFF72DB34C9}" destId="{ED8CB579-42AE-411B-9018-46136E6EB0FB}" srcOrd="0" destOrd="0" presId="urn:microsoft.com/office/officeart/2005/8/layout/process5"/>
+    <dgm:cxn modelId="{1135C784-48E3-40C0-8775-20484ED7E245}" type="presOf" srcId="{AE6EA62D-1259-47DC-B9C2-D732FC01A4C0}" destId="{7F36E413-CF9C-420C-8807-4857F82F70AF}" srcOrd="0" destOrd="0" presId="urn:microsoft.com/office/officeart/2005/8/layout/process5"/>
+    <dgm:cxn modelId="{8AF6FE36-87BB-4BAE-9437-6EA1FFE3D02D}" type="presOf" srcId="{99E60159-F719-48E5-9EBC-E36EE0F20079}" destId="{4B1B6C31-A6F1-475D-87FC-09A1958D6645}" srcOrd="0" destOrd="0" presId="urn:microsoft.com/office/officeart/2005/8/layout/process5"/>
+    <dgm:cxn modelId="{DDD45F40-5393-4069-B28D-F13EBA2524AB}" type="presOf" srcId="{CA8D0DFA-92B4-4AC3-B73B-8007921EA258}" destId="{4693E9C8-FB29-4BAC-AD6C-70620E8075D3}" srcOrd="0" destOrd="0" presId="urn:microsoft.com/office/officeart/2005/8/layout/process5"/>
+    <dgm:cxn modelId="{E054317A-550B-441E-BB46-804A7E7F3808}" type="presOf" srcId="{AE6EA62D-1259-47DC-B9C2-D732FC01A4C0}" destId="{AB566722-5614-4FF7-B093-89C6233992F7}" srcOrd="1" destOrd="0" presId="urn:microsoft.com/office/officeart/2005/8/layout/process5"/>
+    <dgm:cxn modelId="{7549B8E4-462C-45FE-B353-22C60DD54C16}" srcId="{EB00BD1B-7301-428A-8817-3BFF72DB34C9}" destId="{CA8D0DFA-92B4-4AC3-B73B-8007921EA258}" srcOrd="2" destOrd="0" parTransId="{6533984C-AFB6-404C-9101-21723A021D21}" sibTransId="{174BCD73-6F47-4880-B8F9-22CF9C3D6E51}"/>
     <dgm:cxn modelId="{ACE55A73-1E51-43D8-B8E6-538BDBF66844}" type="presOf" srcId="{174BCD73-6F47-4880-B8F9-22CF9C3D6E51}" destId="{5E6F1F2B-D117-42D3-A2D7-4A49526DFA54}" srcOrd="1" destOrd="0" presId="urn:microsoft.com/office/officeart/2005/8/layout/process5"/>
-    <dgm:cxn modelId="{1135C784-48E3-40C0-8775-20484ED7E245}" type="presOf" srcId="{AE6EA62D-1259-47DC-B9C2-D732FC01A4C0}" destId="{7F36E413-CF9C-420C-8807-4857F82F70AF}" srcOrd="0" destOrd="0" presId="urn:microsoft.com/office/officeart/2005/8/layout/process5"/>
-    <dgm:cxn modelId="{BE45BB5B-12D8-43AE-B6E4-7538E4149147}" srcId="{EB00BD1B-7301-428A-8817-3BFF72DB34C9}" destId="{99E60159-F719-48E5-9EBC-E36EE0F20079}" srcOrd="1" destOrd="0" parTransId="{6290A01A-A9AF-44ED-B1BE-075CD24FBB5A}" sibTransId="{25C6851C-E80E-429B-84A6-8BAA2C1977F5}"/>
-    <dgm:cxn modelId="{E054317A-550B-441E-BB46-804A7E7F3808}" type="presOf" srcId="{AE6EA62D-1259-47DC-B9C2-D732FC01A4C0}" destId="{AB566722-5614-4FF7-B093-89C6233992F7}" srcOrd="1" destOrd="0" presId="urn:microsoft.com/office/officeart/2005/8/layout/process5"/>
-    <dgm:cxn modelId="{DDD45F40-5393-4069-B28D-F13EBA2524AB}" type="presOf" srcId="{CA8D0DFA-92B4-4AC3-B73B-8007921EA258}" destId="{4693E9C8-FB29-4BAC-AD6C-70620E8075D3}" srcOrd="0" destOrd="0" presId="urn:microsoft.com/office/officeart/2005/8/layout/process5"/>
-    <dgm:cxn modelId="{2F121697-DB4F-412E-9435-832545460A03}" srcId="{EB00BD1B-7301-428A-8817-3BFF72DB34C9}" destId="{15F89E0B-4147-4C18-A6D6-9D074BCFE1C5}" srcOrd="0" destOrd="0" parTransId="{69CF8F3F-B9BF-4CE2-85CC-29BE743338AD}" sibTransId="{AE6EA62D-1259-47DC-B9C2-D732FC01A4C0}"/>
-    <dgm:cxn modelId="{8AF6FE36-87BB-4BAE-9437-6EA1FFE3D02D}" type="presOf" srcId="{99E60159-F719-48E5-9EBC-E36EE0F20079}" destId="{4B1B6C31-A6F1-475D-87FC-09A1958D6645}" srcOrd="0" destOrd="0" presId="urn:microsoft.com/office/officeart/2005/8/layout/process5"/>
-    <dgm:cxn modelId="{7549B8E4-462C-45FE-B353-22C60DD54C16}" srcId="{EB00BD1B-7301-428A-8817-3BFF72DB34C9}" destId="{CA8D0DFA-92B4-4AC3-B73B-8007921EA258}" srcOrd="2" destOrd="0" parTransId="{6533984C-AFB6-404C-9101-21723A021D21}" sibTransId="{174BCD73-6F47-4880-B8F9-22CF9C3D6E51}"/>
     <dgm:cxn modelId="{FF6A9E21-4BDA-43F0-890E-09CDC09097B4}" type="presOf" srcId="{25C6851C-E80E-429B-84A6-8BAA2C1977F5}" destId="{F5D9A138-AC39-4251-927F-C7B9FC860287}" srcOrd="1" destOrd="0" presId="urn:microsoft.com/office/officeart/2005/8/layout/process5"/>
-    <dgm:cxn modelId="{F2C06B11-B30D-4FE8-AEAC-1A71296120B1}" type="presOf" srcId="{174BCD73-6F47-4880-B8F9-22CF9C3D6E51}" destId="{EE542BFE-AEC8-432C-926C-28EEE1B1DD53}" srcOrd="0" destOrd="0" presId="urn:microsoft.com/office/officeart/2005/8/layout/process5"/>
-    <dgm:cxn modelId="{BC1CDD21-D598-4557-B944-AF600D20994B}" type="presOf" srcId="{15F89E0B-4147-4C18-A6D6-9D074BCFE1C5}" destId="{983A1CE5-54B5-42A9-A81E-B560825070E8}" srcOrd="0" destOrd="0" presId="urn:microsoft.com/office/officeart/2005/8/layout/process5"/>
-    <dgm:cxn modelId="{63C28DD9-53B9-4877-B598-306F4E6DC740}" srcId="{EB00BD1B-7301-428A-8817-3BFF72DB34C9}" destId="{BF616858-2975-4F52-825D-3BC51AC7C44B}" srcOrd="3" destOrd="0" parTransId="{BA04BEBA-295D-4503-AFE7-24DAA2FCD8D1}" sibTransId="{D33367AC-B01A-4D87-AA55-183B245AB586}"/>
     <dgm:cxn modelId="{E6B550C2-2877-45C0-97F5-EB811EB51CBB}" type="presParOf" srcId="{ED8CB579-42AE-411B-9018-46136E6EB0FB}" destId="{983A1CE5-54B5-42A9-A81E-B560825070E8}" srcOrd="0" destOrd="0" presId="urn:microsoft.com/office/officeart/2005/8/layout/process5"/>
     <dgm:cxn modelId="{E504A654-75FE-4632-B41C-0E20CBB3E010}" type="presParOf" srcId="{ED8CB579-42AE-411B-9018-46136E6EB0FB}" destId="{7F36E413-CF9C-420C-8807-4857F82F70AF}" srcOrd="1" destOrd="0" presId="urn:microsoft.com/office/officeart/2005/8/layout/process5"/>
     <dgm:cxn modelId="{D061CDB1-4549-4229-9EEF-B61A14E2E4CF}" type="presParOf" srcId="{7F36E413-CF9C-420C-8807-4857F82F70AF}" destId="{AB566722-5614-4FF7-B093-89C6233992F7}" srcOrd="0" destOrd="0" presId="urn:microsoft.com/office/officeart/2005/8/layout/process5"/>
@@ -2241,7 +2241,7 @@
   <dgm:whole/>
   <dgm:extLst>
     <a:ext uri="http://schemas.microsoft.com/office/drawing/2008/diagram">
-      <dsp:dataModelExt xmlns:dsp="http://schemas.microsoft.com/office/drawing/2008/diagram" xmlns="" relId="rId6" minVer="http://schemas.openxmlformats.org/drawingml/2006/diagram"/>
+      <dsp:dataModelExt xmlns:dsp="http://schemas.microsoft.com/office/drawing/2008/diagram" relId="rId6" minVer="http://schemas.openxmlformats.org/drawingml/2006/diagram"/>
     </a:ext>
   </dgm:extLst>
 </dgm:dataModel>
@@ -2558,19 +2558,19 @@
     </dgm:pt>
   </dgm:ptLst>
   <dgm:cxnLst>
-    <dgm:cxn modelId="{F6EC27B3-CBD2-4546-9350-11322ED09E06}" type="presOf" srcId="{84F71D73-78AE-40DD-929B-039EBEDA3B39}" destId="{EE8108F1-001A-40F8-82EC-BEF8C11E0B9D}" srcOrd="0" destOrd="0" presId="urn:microsoft.com/office/officeart/2005/8/layout/process3"/>
     <dgm:cxn modelId="{6FC90662-AC61-47C8-8CBB-611CF2603F86}" type="presOf" srcId="{19E1A2AC-DC1C-4066-A138-3B4A94B2C142}" destId="{A90CE6AF-EEB9-4F4C-AF8C-474F968A4847}" srcOrd="1" destOrd="0" presId="urn:microsoft.com/office/officeart/2005/8/layout/process3"/>
+    <dgm:cxn modelId="{757A89D4-194B-4B91-932F-E7DE5808EC1D}" srcId="{6A9F56C7-0414-4B6E-A083-29B7C493A933}" destId="{5D463E45-6AE1-4865-85C5-F8396D2B9102}" srcOrd="0" destOrd="0" parTransId="{2B4219EE-5AAE-4DCF-80D9-604793AF4ED1}" sibTransId="{E0AC2389-1DB1-4EEA-965B-985E1AD5EF6E}"/>
+    <dgm:cxn modelId="{2AE1C5B5-E2B6-4BBF-B618-95A514E58CD1}" type="presOf" srcId="{5D463E45-6AE1-4865-85C5-F8396D2B9102}" destId="{2688DCC3-9AF8-4B84-A209-FB186533A77C}" srcOrd="0" destOrd="0" presId="urn:microsoft.com/office/officeart/2005/8/layout/process3"/>
+    <dgm:cxn modelId="{5BCF6B23-7D4A-4748-AD79-CB93DA96B80F}" type="presOf" srcId="{BBFA038B-DCAB-48E3-896B-43B5D0F6588D}" destId="{D770E38D-C360-4F83-B09E-C7842B0B8617}" srcOrd="0" destOrd="0" presId="urn:microsoft.com/office/officeart/2005/8/layout/process3"/>
+    <dgm:cxn modelId="{8320DE55-7408-4B86-AE4A-2E152D79357B}" type="presOf" srcId="{BBFA038B-DCAB-48E3-896B-43B5D0F6588D}" destId="{FD9B6B60-C688-495C-9735-32577F2B2959}" srcOrd="1" destOrd="0" presId="urn:microsoft.com/office/officeart/2005/8/layout/process3"/>
+    <dgm:cxn modelId="{2955F971-949F-442F-99C9-A07F867349DB}" type="presOf" srcId="{843B984B-DFC2-43AF-BF0B-9B41A5563499}" destId="{CA062347-00FC-4CFA-BBB5-6843A8858B2D}" srcOrd="0" destOrd="0" presId="urn:microsoft.com/office/officeart/2005/8/layout/process3"/>
     <dgm:cxn modelId="{1F9E0E03-F35B-461F-99E4-B43596F39474}" srcId="{84F71D73-78AE-40DD-929B-039EBEDA3B39}" destId="{6A9F56C7-0414-4B6E-A083-29B7C493A933}" srcOrd="1" destOrd="0" parTransId="{AA8FC098-0358-4507-859D-4CAD01F61BFD}" sibTransId="{FAC94327-2F69-4C0F-B9EE-9244622BDB20}"/>
     <dgm:cxn modelId="{628F3D61-C425-4D5D-A94D-9B2F8E38C849}" type="presOf" srcId="{6A9F56C7-0414-4B6E-A083-29B7C493A933}" destId="{D91C3E56-5A92-4718-8290-C7D915400D36}" srcOrd="1" destOrd="0" presId="urn:microsoft.com/office/officeart/2005/8/layout/process3"/>
-    <dgm:cxn modelId="{757A89D4-194B-4B91-932F-E7DE5808EC1D}" srcId="{6A9F56C7-0414-4B6E-A083-29B7C493A933}" destId="{5D463E45-6AE1-4865-85C5-F8396D2B9102}" srcOrd="0" destOrd="0" parTransId="{2B4219EE-5AAE-4DCF-80D9-604793AF4ED1}" sibTransId="{E0AC2389-1DB1-4EEA-965B-985E1AD5EF6E}"/>
+    <dgm:cxn modelId="{F6EC27B3-CBD2-4546-9350-11322ED09E06}" type="presOf" srcId="{84F71D73-78AE-40DD-929B-039EBEDA3B39}" destId="{EE8108F1-001A-40F8-82EC-BEF8C11E0B9D}" srcOrd="0" destOrd="0" presId="urn:microsoft.com/office/officeart/2005/8/layout/process3"/>
     <dgm:cxn modelId="{B6A08370-234E-4A56-A1EA-F67A4ABEE5CF}" type="presOf" srcId="{19E1A2AC-DC1C-4066-A138-3B4A94B2C142}" destId="{39F98D1B-FA55-4FD6-B53D-7AD98F6DA676}" srcOrd="0" destOrd="0" presId="urn:microsoft.com/office/officeart/2005/8/layout/process3"/>
-    <dgm:cxn modelId="{5BCF6B23-7D4A-4748-AD79-CB93DA96B80F}" type="presOf" srcId="{BBFA038B-DCAB-48E3-896B-43B5D0F6588D}" destId="{D770E38D-C360-4F83-B09E-C7842B0B8617}" srcOrd="0" destOrd="0" presId="urn:microsoft.com/office/officeart/2005/8/layout/process3"/>
+    <dgm:cxn modelId="{57C8769C-6413-466E-AFF6-DA7C59A10AEA}" type="presOf" srcId="{6A9F56C7-0414-4B6E-A083-29B7C493A933}" destId="{78F5E295-D9AF-4A38-8F14-8C491FBAF70F}" srcOrd="0" destOrd="0" presId="urn:microsoft.com/office/officeart/2005/8/layout/process3"/>
     <dgm:cxn modelId="{E15F5AD9-2386-45F1-8F8A-EF1BE3688B6D}" srcId="{84F71D73-78AE-40DD-929B-039EBEDA3B39}" destId="{19E1A2AC-DC1C-4066-A138-3B4A94B2C142}" srcOrd="0" destOrd="0" parTransId="{392A88A7-2EE4-41A6-A93F-CE0E59D9023B}" sibTransId="{BBFA038B-DCAB-48E3-896B-43B5D0F6588D}"/>
-    <dgm:cxn modelId="{57C8769C-6413-466E-AFF6-DA7C59A10AEA}" type="presOf" srcId="{6A9F56C7-0414-4B6E-A083-29B7C493A933}" destId="{78F5E295-D9AF-4A38-8F14-8C491FBAF70F}" srcOrd="0" destOrd="0" presId="urn:microsoft.com/office/officeart/2005/8/layout/process3"/>
     <dgm:cxn modelId="{EA2E2885-94DC-4547-AB9C-0AB567966FCD}" srcId="{19E1A2AC-DC1C-4066-A138-3B4A94B2C142}" destId="{843B984B-DFC2-43AF-BF0B-9B41A5563499}" srcOrd="0" destOrd="0" parTransId="{668E962B-B2AC-4B78-9963-76E65BBC8633}" sibTransId="{5A7A0893-19E9-452B-B559-29A217286C3B}"/>
-    <dgm:cxn modelId="{2955F971-949F-442F-99C9-A07F867349DB}" type="presOf" srcId="{843B984B-DFC2-43AF-BF0B-9B41A5563499}" destId="{CA062347-00FC-4CFA-BBB5-6843A8858B2D}" srcOrd="0" destOrd="0" presId="urn:microsoft.com/office/officeart/2005/8/layout/process3"/>
-    <dgm:cxn modelId="{2AE1C5B5-E2B6-4BBF-B618-95A514E58CD1}" type="presOf" srcId="{5D463E45-6AE1-4865-85C5-F8396D2B9102}" destId="{2688DCC3-9AF8-4B84-A209-FB186533A77C}" srcOrd="0" destOrd="0" presId="urn:microsoft.com/office/officeart/2005/8/layout/process3"/>
-    <dgm:cxn modelId="{8320DE55-7408-4B86-AE4A-2E152D79357B}" type="presOf" srcId="{BBFA038B-DCAB-48E3-896B-43B5D0F6588D}" destId="{FD9B6B60-C688-495C-9735-32577F2B2959}" srcOrd="1" destOrd="0" presId="urn:microsoft.com/office/officeart/2005/8/layout/process3"/>
     <dgm:cxn modelId="{D5DF97A1-2053-4B41-B0BA-853251AD1243}" type="presParOf" srcId="{EE8108F1-001A-40F8-82EC-BEF8C11E0B9D}" destId="{60097DF5-3175-4BA0-9C9A-650E86943C57}" srcOrd="0" destOrd="0" presId="urn:microsoft.com/office/officeart/2005/8/layout/process3"/>
     <dgm:cxn modelId="{23D30E82-439A-4C0E-B074-AD699790336C}" type="presParOf" srcId="{60097DF5-3175-4BA0-9C9A-650E86943C57}" destId="{39F98D1B-FA55-4FD6-B53D-7AD98F6DA676}" srcOrd="0" destOrd="0" presId="urn:microsoft.com/office/officeart/2005/8/layout/process3"/>
     <dgm:cxn modelId="{428D9F5C-CFF0-4BEB-8CE7-B085FC310F30}" type="presParOf" srcId="{60097DF5-3175-4BA0-9C9A-650E86943C57}" destId="{A90CE6AF-EEB9-4F4C-AF8C-474F968A4847}" srcOrd="1" destOrd="0" presId="urn:microsoft.com/office/officeart/2005/8/layout/process3"/>
@@ -2586,7 +2586,7 @@
   <dgm:whole/>
   <dgm:extLst>
     <a:ext uri="http://schemas.microsoft.com/office/drawing/2008/diagram">
-      <dsp:dataModelExt xmlns:dsp="http://schemas.microsoft.com/office/drawing/2008/diagram" xmlns="" relId="rId6" minVer="http://schemas.openxmlformats.org/drawingml/2006/diagram"/>
+      <dsp:dataModelExt xmlns:dsp="http://schemas.microsoft.com/office/drawing/2008/diagram" relId="rId6" minVer="http://schemas.openxmlformats.org/drawingml/2006/diagram"/>
     </a:ext>
   </dgm:extLst>
 </dgm:dataModel>
@@ -6183,7 +6183,7 @@
             <a:fld id="{A32DC80D-291A-4ABB-A78B-0417274A267C}" type="datetime4">
               <a:rPr lang="de-DE"/>
               <a:pPr/>
-              <a:t>4. Juni 2014</a:t>
+              <a:t>5. Juni 2014</a:t>
             </a:fld>
             <a:endParaRPr lang="de-DE"/>
           </a:p>
@@ -6286,7 +6286,7 @@
             <a:fld id="{C7CC2173-B0D1-45F1-9D54-E33B7353DA19}" type="slidenum">
               <a:rPr lang="de-DE"/>
               <a:pPr/>
-              <a:t>‹Nr.›</a:t>
+              <a:t>‹#›</a:t>
             </a:fld>
             <a:endParaRPr lang="de-DE"/>
           </a:p>
@@ -6461,7 +6461,7 @@
     </p:spTree>
     <p:extLst>
       <p:ext uri="{BB962C8B-B14F-4D97-AF65-F5344CB8AC3E}">
-        <p14:creationId xmlns:p14="http://schemas.microsoft.com/office/powerpoint/2010/main" xmlns="" val="3345007041"/>
+        <p14:creationId xmlns:p14="http://schemas.microsoft.com/office/powerpoint/2010/main" val="3345007041"/>
       </p:ext>
     </p:extLst>
   </p:cSld>
@@ -6568,7 +6568,7 @@
             <a:fld id="{065B079B-E513-489A-8A1B-D7C78493EA86}" type="datetime4">
               <a:rPr lang="de-DE"/>
               <a:pPr/>
-              <a:t>4. Juni 2014</a:t>
+              <a:t>5. Juni 2014</a:t>
             </a:fld>
             <a:endParaRPr lang="de-DE"/>
           </a:p>
@@ -6778,7 +6778,7 @@
             <a:fld id="{C36AA9A4-5D0B-4134-89A6-D8B9DAA4F25C}" type="slidenum">
               <a:rPr lang="de-DE"/>
               <a:pPr/>
-              <a:t>‹Nr.›</a:t>
+              <a:t>‹#›</a:t>
             </a:fld>
             <a:endParaRPr lang="de-DE"/>
           </a:p>
@@ -7002,7 +7002,7 @@
     </p:spTree>
     <p:extLst>
       <p:ext uri="{BB962C8B-B14F-4D97-AF65-F5344CB8AC3E}">
-        <p14:creationId xmlns:p14="http://schemas.microsoft.com/office/powerpoint/2010/main" xmlns="" val="516787406"/>
+        <p14:creationId xmlns:p14="http://schemas.microsoft.com/office/powerpoint/2010/main" val="516787406"/>
       </p:ext>
     </p:extLst>
   </p:cSld>
@@ -7204,7 +7204,7 @@
             <a:fld id="{065B079B-E513-489A-8A1B-D7C78493EA86}" type="datetime4">
               <a:rPr lang="de-DE" smtClean="0"/>
               <a:pPr/>
-              <a:t>4. Juni 2014</a:t>
+              <a:t>5. Juni 2014</a:t>
             </a:fld>
             <a:endParaRPr lang="de-DE"/>
           </a:p>
@@ -7264,7 +7264,7 @@
     </p:spTree>
     <p:extLst>
       <p:ext uri="{BB962C8B-B14F-4D97-AF65-F5344CB8AC3E}">
-        <p14:creationId xmlns:p14="http://schemas.microsoft.com/office/powerpoint/2010/main" xmlns="" val="2520834147"/>
+        <p14:creationId xmlns:p14="http://schemas.microsoft.com/office/powerpoint/2010/main" val="2520834147"/>
       </p:ext>
     </p:extLst>
   </p:cSld>
@@ -7643,7 +7643,7 @@
                 <a:tabLst/>
                 <a:defRPr/>
               </a:pPr>
-              <a:t>04.06.2014</a:t>
+              <a:t>05.06.2014</a:t>
             </a:fld>
             <a:r>
               <a:rPr kumimoji="0" lang="de-DE" sz="1000" b="0" i="0" u="none" strike="noStrike" kern="1200" cap="none" spc="0" normalizeH="0" baseline="0" noProof="0" dirty="0" smtClean="0">
@@ -7710,7 +7710,7 @@
           <a:blip r:embed="rId3">
             <a:extLst>
               <a:ext uri="{28A0092B-C50C-407E-A947-70E740481C1C}">
-                <a14:useLocalDpi xmlns:a14="http://schemas.microsoft.com/office/drawing/2010/main" xmlns="" val="0"/>
+                <a14:useLocalDpi xmlns:a14="http://schemas.microsoft.com/office/drawing/2010/main" val="0"/>
               </a:ext>
             </a:extLst>
           </a:blip>
@@ -7730,7 +7730,7 @@
           <a:noFill/>
           <a:extLst>
             <a:ext uri="{909E8E84-426E-40DD-AFC4-6F175D3DCCD1}">
-              <a14:hiddenFill xmlns:a14="http://schemas.microsoft.com/office/drawing/2010/main" xmlns="">
+              <a14:hiddenFill xmlns:a14="http://schemas.microsoft.com/office/drawing/2010/main">
                 <a:solidFill>
                   <a:srgbClr val="FFFFFF"/>
                 </a:solidFill>
@@ -9134,7 +9134,7 @@
                 <a:tabLst/>
                 <a:defRPr/>
               </a:pPr>
-              <a:t>04.06.2014</a:t>
+              <a:t>05.06.2014</a:t>
             </a:fld>
             <a:r>
               <a:rPr kumimoji="0" lang="de-DE" sz="1000" b="0" i="0" u="none" strike="noStrike" kern="1200" cap="none" spc="0" normalizeH="0" baseline="0" noProof="0" dirty="0" smtClean="0">
@@ -9182,7 +9182,7 @@
           <a:blip r:embed="rId11">
             <a:extLst>
               <a:ext uri="{28A0092B-C50C-407E-A947-70E740481C1C}">
-                <a14:useLocalDpi xmlns:a14="http://schemas.microsoft.com/office/drawing/2010/main" xmlns="" val="0"/>
+                <a14:useLocalDpi xmlns:a14="http://schemas.microsoft.com/office/drawing/2010/main" val="0"/>
               </a:ext>
             </a:extLst>
           </a:blip>
@@ -9202,7 +9202,7 @@
           <a:noFill/>
           <a:extLst>
             <a:ext uri="{909E8E84-426E-40DD-AFC4-6F175D3DCCD1}">
-              <a14:hiddenFill xmlns:a14="http://schemas.microsoft.com/office/drawing/2010/main" xmlns="">
+              <a14:hiddenFill xmlns:a14="http://schemas.microsoft.com/office/drawing/2010/main">
                 <a:solidFill>
                   <a:srgbClr val="FFFFFF"/>
                 </a:solidFill>
@@ -9709,7 +9709,7 @@
           <a:blip r:embed="rId3" cstate="print">
             <a:extLst>
               <a:ext uri="{28A0092B-C50C-407E-A947-70E740481C1C}">
-                <a14:useLocalDpi xmlns:a14="http://schemas.microsoft.com/office/drawing/2010/main" xmlns="" val="0"/>
+                <a14:useLocalDpi xmlns:a14="http://schemas.microsoft.com/office/drawing/2010/main" val="0"/>
               </a:ext>
             </a:extLst>
           </a:blip>
@@ -10520,8 +10520,8 @@
           </a:p>
         </p:txBody>
       </p:sp>
-      <mc:AlternateContent xmlns:mc="http://schemas.openxmlformats.org/markup-compatibility/2006">
-        <mc:Choice xmlns:a14="http://schemas.microsoft.com/office/drawing/2010/main" xmlns="" Requires="a14">
+      <mc:AlternateContent xmlns:mc="http://schemas.openxmlformats.org/markup-compatibility/2006" xmlns:a14="http://schemas.microsoft.com/office/drawing/2010/main">
+        <mc:Choice Requires="a14">
           <p:sp>
             <p:nvSpPr>
               <p:cNvPr id="3" name="Content Placeholder 2"/>
@@ -10649,7 +10649,7 @@
             </p:txBody>
           </p:sp>
         </mc:Choice>
-        <mc:Fallback>
+        <mc:Fallback xmlns="">
           <p:sp>
             <p:nvSpPr>
               <p:cNvPr id="3" name="Content Placeholder 2"/>
@@ -10699,7 +10699,7 @@
           <a:blip r:embed="rId3" cstate="print">
             <a:extLst>
               <a:ext uri="{28A0092B-C50C-407E-A947-70E740481C1C}">
-                <a14:useLocalDpi xmlns:a14="http://schemas.microsoft.com/office/drawing/2010/main" xmlns="" val="0"/>
+                <a14:useLocalDpi xmlns:a14="http://schemas.microsoft.com/office/drawing/2010/main" val="0"/>
               </a:ext>
             </a:extLst>
           </a:blip>
@@ -10720,7 +10720,7 @@
     </p:spTree>
     <p:extLst>
       <p:ext uri="{BB962C8B-B14F-4D97-AF65-F5344CB8AC3E}">
-        <p14:creationId xmlns:p14="http://schemas.microsoft.com/office/powerpoint/2010/main" xmlns="" val="2646396681"/>
+        <p14:creationId xmlns:p14="http://schemas.microsoft.com/office/powerpoint/2010/main" val="2646396681"/>
       </p:ext>
     </p:extLst>
   </p:cSld>
@@ -10787,7 +10787,7 @@
             <p:ph idx="1"/>
             <p:extLst>
               <p:ext uri="{D42A27DB-BD31-4B8C-83A1-F6EECF244321}">
-                <p14:modId xmlns:p14="http://schemas.microsoft.com/office/powerpoint/2010/main" xmlns="" val="3071815426"/>
+                <p14:modId xmlns:p14="http://schemas.microsoft.com/office/powerpoint/2010/main" val="3071815426"/>
               </p:ext>
             </p:extLst>
           </p:nvPr>
@@ -10811,10 +10811,10 @@
           <p:nvPr/>
         </p:nvPicPr>
         <p:blipFill>
-          <a:blip r:embed="rId6" cstate="print">
+          <a:blip r:embed="rId7" cstate="print">
             <a:extLst>
               <a:ext uri="{28A0092B-C50C-407E-A947-70E740481C1C}">
-                <a14:useLocalDpi xmlns:a14="http://schemas.microsoft.com/office/drawing/2010/main" xmlns="" val="0"/>
+                <a14:useLocalDpi xmlns:a14="http://schemas.microsoft.com/office/drawing/2010/main" val="0"/>
               </a:ext>
             </a:extLst>
           </a:blip>
@@ -10835,7 +10835,7 @@
     </p:spTree>
     <p:extLst>
       <p:ext uri="{BB962C8B-B14F-4D97-AF65-F5344CB8AC3E}">
-        <p14:creationId xmlns:p14="http://schemas.microsoft.com/office/powerpoint/2010/main" xmlns="" val="1536128924"/>
+        <p14:creationId xmlns:p14="http://schemas.microsoft.com/office/powerpoint/2010/main" val="1536128924"/>
       </p:ext>
     </p:extLst>
   </p:cSld>
@@ -10902,7 +10902,7 @@
             <p:ph idx="1"/>
             <p:extLst>
               <p:ext uri="{D42A27DB-BD31-4B8C-83A1-F6EECF244321}">
-                <p14:modId xmlns:p14="http://schemas.microsoft.com/office/powerpoint/2010/main" xmlns="" val="3711246334"/>
+                <p14:modId xmlns:p14="http://schemas.microsoft.com/office/powerpoint/2010/main" val="3711246334"/>
               </p:ext>
             </p:extLst>
           </p:nvPr>
@@ -10967,7 +10967,7 @@
     </p:spTree>
     <p:extLst>
       <p:ext uri="{BB962C8B-B14F-4D97-AF65-F5344CB8AC3E}">
-        <p14:creationId xmlns:p14="http://schemas.microsoft.com/office/powerpoint/2010/main" xmlns="" val="3725929812"/>
+        <p14:creationId xmlns:p14="http://schemas.microsoft.com/office/powerpoint/2010/main" val="3725929812"/>
       </p:ext>
     </p:extLst>
   </p:cSld>
@@ -11048,6 +11048,44 @@
               <a:rPr lang="de-DE" dirty="0" smtClean="0"/>
               <a:t>Features:</a:t>
             </a:r>
+          </a:p>
+          <a:p>
+            <a:pPr marL="342900" indent="-342900">
+              <a:buFont typeface="Arial" pitchFamily="34" charset="0"/>
+              <a:buChar char="•"/>
+            </a:pPr>
+            <a:r>
+              <a:rPr lang="de-DE" dirty="0" smtClean="0"/>
+              <a:t>Laplacian smoothed Return Rates (per Customer, Item, Manufacturer)</a:t>
+            </a:r>
+          </a:p>
+          <a:p>
+            <a:pPr marL="342900" indent="-342900">
+              <a:buFont typeface="Arial" pitchFamily="34" charset="0"/>
+              <a:buChar char="•"/>
+            </a:pPr>
+            <a:r>
+              <a:rPr lang="de-DE" dirty="0" err="1" smtClean="0"/>
+              <a:t>Discretized</a:t>
+            </a:r>
+            <a:r>
+              <a:rPr lang="de-DE" dirty="0" smtClean="0"/>
+              <a:t> Attributes, i.e. Price: [0, 10), [10, 20), [20, 30)</a:t>
+            </a:r>
+          </a:p>
+          <a:p>
+            <a:pPr marL="342900" indent="-342900">
+              <a:buFont typeface="Arial" pitchFamily="34" charset="0"/>
+              <a:buChar char="•"/>
+            </a:pPr>
+            <a:r>
+              <a:rPr lang="de-DE" dirty="0" smtClean="0"/>
+              <a:t>Clustering of ItemIDs, i.e. Into Summer/Fall/Winter </a:t>
+            </a:r>
+            <a:r>
+              <a:rPr lang="de-DE" dirty="0" err="1" smtClean="0"/>
+              <a:t>Collections</a:t>
+            </a:r>
             <a:endParaRPr lang="de-DE" dirty="0" smtClean="0"/>
           </a:p>
           <a:p>
@@ -11057,7 +11095,34 @@
             </a:pPr>
             <a:r>
               <a:rPr lang="de-DE" dirty="0" smtClean="0"/>
-              <a:t>Laplacian smoothed Return Rates (per Customer, Item, Manufacturer)</a:t>
+              <a:t>Customer Attributes, i.e. </a:t>
+            </a:r>
+            <a:r>
+              <a:rPr lang="de-DE" dirty="0" err="1" smtClean="0"/>
+              <a:t>Favourite</a:t>
+            </a:r>
+            <a:r>
+              <a:rPr lang="de-DE" dirty="0" smtClean="0"/>
+              <a:t> Color / Size / Money </a:t>
+            </a:r>
+            <a:r>
+              <a:rPr lang="de-DE" dirty="0" err="1" smtClean="0"/>
+              <a:t>spent</a:t>
+            </a:r>
+            <a:endParaRPr lang="de-DE" dirty="0" smtClean="0"/>
+          </a:p>
+          <a:p>
+            <a:r>
+              <a:rPr lang="de-DE" dirty="0" smtClean="0"/>
+              <a:t>Feature </a:t>
+            </a:r>
+            <a:r>
+              <a:rPr lang="de-DE" dirty="0" err="1" smtClean="0"/>
+              <a:t>Selection</a:t>
+            </a:r>
+            <a:r>
+              <a:rPr lang="de-DE" dirty="0" smtClean="0"/>
+              <a:t>:</a:t>
             </a:r>
           </a:p>
           <a:p>
@@ -11067,35 +11132,67 @@
             </a:pPr>
             <a:r>
               <a:rPr lang="de-DE" dirty="0" err="1" smtClean="0"/>
-              <a:t>Discretized</a:t>
+              <a:t>Greedy</a:t>
             </a:r>
             <a:r>
               <a:rPr lang="de-DE" dirty="0" smtClean="0"/>
               <a:t> </a:t>
             </a:r>
             <a:r>
+              <a:rPr lang="de-DE" dirty="0" err="1" smtClean="0"/>
+              <a:t>Selection</a:t>
+            </a:r>
+            <a:r>
               <a:rPr lang="de-DE" dirty="0" smtClean="0"/>
-              <a:t>Attributes</a:t>
-            </a:r>
-            <a:r>
-              <a:rPr lang="de-DE" dirty="0" smtClean="0"/>
-              <a:t>, i.e</a:t>
-            </a:r>
-            <a:r>
-              <a:rPr lang="de-DE" dirty="0" smtClean="0"/>
-              <a:t>. </a:t>
-            </a:r>
-            <a:r>
-              <a:rPr lang="de-DE" dirty="0" smtClean="0"/>
-              <a:t>Price:</a:t>
+              <a:t> (</a:t>
+            </a:r>
+            <a:r>
+              <a:rPr lang="de-DE" dirty="0" err="1" smtClean="0"/>
+              <a:t>leave</a:t>
             </a:r>
             <a:r>
               <a:rPr lang="de-DE" dirty="0" smtClean="0"/>
               <a:t> </a:t>
             </a:r>
             <a:r>
+              <a:rPr lang="de-DE" dirty="0" err="1" smtClean="0"/>
+              <a:t>one</a:t>
+            </a:r>
+            <a:r>
               <a:rPr lang="de-DE" dirty="0" smtClean="0"/>
-              <a:t>[0, 10), [10, 20), [20, 30)</a:t>
+              <a:t> out, </a:t>
+            </a:r>
+            <a:r>
+              <a:rPr lang="de-DE" dirty="0" err="1" smtClean="0"/>
+              <a:t>try</a:t>
+            </a:r>
+            <a:r>
+              <a:rPr lang="de-DE" dirty="0" smtClean="0"/>
+              <a:t>, </a:t>
+            </a:r>
+            <a:r>
+              <a:rPr lang="de-DE" dirty="0" err="1" smtClean="0"/>
+              <a:t>if</a:t>
+            </a:r>
+            <a:r>
+              <a:rPr lang="de-DE" dirty="0" smtClean="0"/>
+              <a:t> </a:t>
+            </a:r>
+            <a:r>
+              <a:rPr lang="de-DE" dirty="0" err="1" smtClean="0"/>
+              <a:t>better</a:t>
+            </a:r>
+            <a:r>
+              <a:rPr lang="de-DE" dirty="0" smtClean="0"/>
+              <a:t>, </a:t>
+            </a:r>
+            <a:r>
+              <a:rPr lang="de-DE" dirty="0" err="1" smtClean="0"/>
+              <a:t>keep</a:t>
+            </a:r>
+            <a:r>
+              <a:rPr lang="de-DE" dirty="0" smtClean="0"/>
+              <a:t> out)</a:t>
             </a:r>
           </a:p>
           <a:p>
@@ -11104,61 +11201,16 @@
               <a:buChar char="•"/>
             </a:pPr>
             <a:r>
+              <a:rPr lang="de-DE" dirty="0" err="1" smtClean="0"/>
+              <a:t>Discretized</a:t>
+            </a:r>
+            <a:r>
               <a:rPr lang="de-DE" dirty="0" smtClean="0"/>
-              <a:t>Clustering of ItemIDs, i.e. Into Summer/Fall/Winter </a:t>
+              <a:t> Attributes </a:t>
             </a:r>
             <a:r>
               <a:rPr lang="de-DE" dirty="0" err="1" smtClean="0"/>
-              <a:t>Collections</a:t>
-            </a:r>
-            <a:endParaRPr lang="de-DE" dirty="0" smtClean="0"/>
-          </a:p>
-          <a:p>
-            <a:pPr marL="342900" indent="-342900">
-              <a:buFont typeface="Arial" pitchFamily="34" charset="0"/>
-              <a:buChar char="•"/>
-            </a:pPr>
-            <a:r>
-              <a:rPr lang="de-DE" dirty="0" smtClean="0"/>
-              <a:t>Customer Attributes, i.e. </a:t>
-            </a:r>
-            <a:r>
-              <a:rPr lang="de-DE" dirty="0" err="1" smtClean="0"/>
-              <a:t>Favourite</a:t>
-            </a:r>
-            <a:r>
-              <a:rPr lang="de-DE" dirty="0" smtClean="0"/>
-              <a:t> Color / Size / Money </a:t>
-            </a:r>
-            <a:r>
-              <a:rPr lang="de-DE" dirty="0" err="1" smtClean="0"/>
-              <a:t>spent</a:t>
-            </a:r>
-            <a:endParaRPr lang="de-DE" dirty="0" smtClean="0"/>
-          </a:p>
-          <a:p>
-            <a:r>
-              <a:rPr lang="de-DE" dirty="0" smtClean="0"/>
-              <a:t>Feature </a:t>
-            </a:r>
-            <a:r>
-              <a:rPr lang="de-DE" dirty="0" err="1" smtClean="0"/>
-              <a:t>Selection</a:t>
-            </a:r>
-            <a:r>
-              <a:rPr lang="de-DE" dirty="0" smtClean="0"/>
-              <a:t>:</a:t>
-            </a:r>
-            <a:endParaRPr lang="de-DE" dirty="0" smtClean="0"/>
-          </a:p>
-          <a:p>
-            <a:pPr marL="342900" indent="-342900">
-              <a:buFont typeface="Arial" pitchFamily="34" charset="0"/>
-              <a:buChar char="•"/>
-            </a:pPr>
-            <a:r>
-              <a:rPr lang="de-DE" dirty="0" err="1" smtClean="0"/>
-              <a:t>Greedy</a:t>
+              <a:t>over</a:t>
             </a:r>
             <a:r>
               <a:rPr lang="de-DE" dirty="0" smtClean="0"/>
@@ -11166,92 +11218,12 @@
             </a:r>
             <a:r>
               <a:rPr lang="de-DE" dirty="0" err="1" smtClean="0"/>
-              <a:t>Selection</a:t>
-            </a:r>
-            <a:r>
-              <a:rPr lang="de-DE" dirty="0" smtClean="0"/>
-              <a:t> (</a:t>
-            </a:r>
-            <a:r>
-              <a:rPr lang="de-DE" dirty="0" err="1" smtClean="0"/>
-              <a:t>leave</a:t>
-            </a:r>
-            <a:r>
-              <a:rPr lang="de-DE" dirty="0" smtClean="0"/>
-              <a:t> </a:t>
-            </a:r>
-            <a:r>
-              <a:rPr lang="de-DE" dirty="0" err="1" smtClean="0"/>
-              <a:t>one</a:t>
-            </a:r>
-            <a:r>
-              <a:rPr lang="de-DE" dirty="0" smtClean="0"/>
-              <a:t> out, </a:t>
-            </a:r>
-            <a:r>
-              <a:rPr lang="de-DE" dirty="0" err="1" smtClean="0"/>
-              <a:t>try</a:t>
-            </a:r>
-            <a:r>
-              <a:rPr lang="de-DE" dirty="0" smtClean="0"/>
-              <a:t>, </a:t>
-            </a:r>
-            <a:r>
-              <a:rPr lang="de-DE" dirty="0" err="1" smtClean="0"/>
-              <a:t>if</a:t>
-            </a:r>
-            <a:r>
-              <a:rPr lang="de-DE" dirty="0" smtClean="0"/>
-              <a:t> </a:t>
-            </a:r>
-            <a:r>
-              <a:rPr lang="de-DE" dirty="0" err="1" smtClean="0"/>
-              <a:t>better</a:t>
-            </a:r>
-            <a:r>
-              <a:rPr lang="de-DE" dirty="0" smtClean="0"/>
-              <a:t>, </a:t>
-            </a:r>
-            <a:r>
-              <a:rPr lang="de-DE" dirty="0" err="1" smtClean="0"/>
-              <a:t>keep</a:t>
-            </a:r>
-            <a:r>
-              <a:rPr lang="de-DE" dirty="0" smtClean="0"/>
-              <a:t> out)</a:t>
-            </a:r>
-            <a:endParaRPr lang="de-DE" dirty="0" smtClean="0"/>
-          </a:p>
-          <a:p>
-            <a:pPr marL="342900" indent="-342900">
-              <a:buFont typeface="Arial" pitchFamily="34" charset="0"/>
-              <a:buChar char="•"/>
-            </a:pPr>
-            <a:r>
-              <a:rPr lang="de-DE" dirty="0" err="1" smtClean="0"/>
-              <a:t>Discretized</a:t>
-            </a:r>
-            <a:r>
-              <a:rPr lang="de-DE" dirty="0" smtClean="0"/>
-              <a:t> Attributes </a:t>
-            </a:r>
-            <a:r>
-              <a:rPr lang="de-DE" dirty="0" err="1" smtClean="0"/>
-              <a:t>over</a:t>
-            </a:r>
-            <a:r>
-              <a:rPr lang="de-DE" dirty="0" smtClean="0"/>
-              <a:t> </a:t>
-            </a:r>
-            <a:r>
-              <a:rPr lang="de-DE" dirty="0" err="1" smtClean="0"/>
               <a:t>Numerical</a:t>
             </a:r>
             <a:r>
               <a:rPr lang="de-DE" dirty="0" smtClean="0"/>
               <a:t> Attributes</a:t>
             </a:r>
-            <a:endParaRPr lang="de-DE" dirty="0" smtClean="0"/>
           </a:p>
           <a:p>
             <a:pPr marL="342900" indent="-342900">
@@ -11265,7 +11237,7 @@
     </p:spTree>
     <p:extLst>
       <p:ext uri="{BB962C8B-B14F-4D97-AF65-F5344CB8AC3E}">
-        <p14:creationId xmlns:p14="http://schemas.microsoft.com/office/powerpoint/2010/main" xmlns="" val="1148698881"/>
+        <p14:creationId xmlns:p14="http://schemas.microsoft.com/office/powerpoint/2010/main" val="1148698881"/>
       </p:ext>
     </p:extLst>
   </p:cSld>
@@ -11332,7 +11304,7 @@
             <p:ph idx="1"/>
             <p:extLst>
               <p:ext uri="{D42A27DB-BD31-4B8C-83A1-F6EECF244321}">
-                <p14:modId xmlns:p14="http://schemas.microsoft.com/office/powerpoint/2010/main" xmlns="" val="1582143367"/>
+                <p14:modId xmlns:p14="http://schemas.microsoft.com/office/powerpoint/2010/main" val="547801802"/>
               </p:ext>
             </p:extLst>
           </p:nvPr>
@@ -11462,7 +11434,11 @@
                     <a:p>
                       <a:r>
                         <a:rPr lang="de-DE" dirty="0" smtClean="0"/>
-                        <a:t>Decision Trees</a:t>
+                        <a:t>Decision </a:t>
+                      </a:r>
+                      <a:r>
+                        <a:rPr lang="de-DE" dirty="0" smtClean="0"/>
+                        <a:t>Trees</a:t>
                       </a:r>
                       <a:endParaRPr lang="en-US" dirty="0"/>
                     </a:p>
@@ -11653,7 +11629,7 @@
     </p:spTree>
     <p:extLst>
       <p:ext uri="{BB962C8B-B14F-4D97-AF65-F5344CB8AC3E}">
-        <p14:creationId xmlns:p14="http://schemas.microsoft.com/office/powerpoint/2010/main" xmlns="" val="3847757178"/>
+        <p14:creationId xmlns:p14="http://schemas.microsoft.com/office/powerpoint/2010/main" val="3847757178"/>
       </p:ext>
     </p:extLst>
   </p:cSld>
@@ -11718,169 +11694,71 @@
           </a:p>
         </p:txBody>
       </p:sp>
-      <p:sp>
-        <p:nvSpPr>
-          <p:cNvPr id="3" name="Inhaltsplatzhalter 2"/>
-          <p:cNvSpPr>
-            <a:spLocks noGrp="1"/>
-          </p:cNvSpPr>
+      <p:pic>
+        <p:nvPicPr>
+          <p:cNvPr id="15" name="Content Placeholder 14"/>
+          <p:cNvPicPr>
+            <a:picLocks noGrp="1" noChangeAspect="1"/>
+          </p:cNvPicPr>
           <p:nvPr>
             <p:ph idx="1"/>
           </p:nvPr>
-        </p:nvSpPr>
-        <p:spPr/>
-        <p:txBody>
-          <a:bodyPr/>
-          <a:lstStyle/>
-          <a:p>
-            <a:r>
-              <a:rPr lang="de-DE" dirty="0" smtClean="0"/>
-              <a:t>Final Parameters:</a:t>
-            </a:r>
-          </a:p>
-          <a:p>
-            <a:pPr>
-              <a:buFont typeface="Arial" pitchFamily="34" charset="0"/>
-              <a:buChar char="•"/>
-            </a:pPr>
-            <a:r>
-              <a:rPr lang="de-DE" dirty="0" smtClean="0"/>
-              <a:t>45 </a:t>
-            </a:r>
-            <a:r>
-              <a:rPr lang="de-DE" dirty="0" err="1" smtClean="0"/>
-              <a:t>Boosting</a:t>
-            </a:r>
-            <a:r>
-              <a:rPr lang="de-DE" dirty="0" smtClean="0"/>
-              <a:t> </a:t>
-            </a:r>
-            <a:r>
-              <a:rPr lang="de-DE" dirty="0" err="1" smtClean="0"/>
-              <a:t>Iterations</a:t>
-            </a:r>
-            <a:endParaRPr lang="de-DE" dirty="0" smtClean="0"/>
-          </a:p>
-          <a:p>
-            <a:pPr>
-              <a:buFont typeface="Arial" pitchFamily="34" charset="0"/>
-              <a:buChar char="•"/>
-            </a:pPr>
-            <a:r>
-              <a:rPr lang="de-DE" dirty="0" err="1" smtClean="0"/>
-              <a:t>No</a:t>
-            </a:r>
-            <a:r>
-              <a:rPr lang="de-DE" dirty="0" smtClean="0"/>
-              <a:t> </a:t>
-            </a:r>
-            <a:r>
-              <a:rPr lang="de-DE" dirty="0" err="1" smtClean="0"/>
-              <a:t>Winnowing</a:t>
-            </a:r>
-            <a:endParaRPr lang="de-DE" dirty="0" smtClean="0"/>
-          </a:p>
-          <a:p>
-            <a:pPr>
-              <a:buFont typeface="Arial" pitchFamily="34" charset="0"/>
-              <a:buChar char="•"/>
-            </a:pPr>
-            <a:r>
-              <a:rPr lang="de-DE" dirty="0" smtClean="0"/>
-              <a:t>Model=Rules</a:t>
-            </a:r>
-          </a:p>
-          <a:p>
-            <a:pPr>
-              <a:buFont typeface="Arial" pitchFamily="34" charset="0"/>
-              <a:buChar char="•"/>
-            </a:pPr>
-            <a:endParaRPr lang="de-DE" dirty="0" smtClean="0"/>
-          </a:p>
-          <a:p>
-            <a:r>
-              <a:rPr lang="de-DE" dirty="0" smtClean="0"/>
-              <a:t>More </a:t>
-            </a:r>
-            <a:r>
-              <a:rPr lang="de-DE" dirty="0" err="1" smtClean="0"/>
-              <a:t>Boosting</a:t>
-            </a:r>
-            <a:r>
-              <a:rPr lang="de-DE" dirty="0" smtClean="0"/>
-              <a:t> </a:t>
-            </a:r>
-            <a:r>
-              <a:rPr lang="de-DE" dirty="0" err="1" smtClean="0"/>
-              <a:t>Iterations</a:t>
-            </a:r>
-            <a:endParaRPr lang="de-DE" dirty="0" smtClean="0"/>
-          </a:p>
-          <a:p>
-            <a:r>
-              <a:rPr lang="de-DE" dirty="0" smtClean="0"/>
-              <a:t>= </a:t>
-            </a:r>
-            <a:r>
-              <a:rPr lang="de-DE" dirty="0" err="1" smtClean="0"/>
-              <a:t>better</a:t>
-            </a:r>
-            <a:r>
-              <a:rPr lang="de-DE" dirty="0" smtClean="0"/>
-              <a:t>, but not </a:t>
-            </a:r>
-            <a:r>
-              <a:rPr lang="de-DE" dirty="0" err="1" smtClean="0"/>
-              <a:t>enough</a:t>
-            </a:r>
-            <a:r>
-              <a:rPr lang="de-DE" dirty="0" smtClean="0"/>
-              <a:t/>
-            </a:r>
-            <a:br>
-              <a:rPr lang="de-DE" dirty="0" smtClean="0"/>
-            </a:br>
-            <a:r>
-              <a:rPr lang="de-DE" dirty="0" smtClean="0"/>
-              <a:t>time</a:t>
-            </a:r>
-            <a:endParaRPr lang="de-DE" dirty="0"/>
-          </a:p>
-        </p:txBody>
-      </p:sp>
-      <p:pic>
-        <p:nvPicPr>
-          <p:cNvPr id="1026" name="Picture 2"/>
-          <p:cNvPicPr>
-            <a:picLocks noChangeAspect="1" noChangeArrowheads="1"/>
-          </p:cNvPicPr>
-          <p:nvPr/>
         </p:nvPicPr>
         <p:blipFill>
-          <a:blip r:embed="rId2"/>
-          <a:srcRect/>
+          <a:blip r:embed="rId2" cstate="print">
+            <a:extLst>
+              <a:ext uri="{28A0092B-C50C-407E-A947-70E740481C1C}">
+                <a14:useLocalDpi xmlns:a14="http://schemas.microsoft.com/office/drawing/2010/main" val="0"/>
+              </a:ext>
+            </a:extLst>
+          </a:blip>
           <a:stretch>
             <a:fillRect/>
           </a:stretch>
         </p:blipFill>
-        <p:spPr bwMode="auto">
+        <p:spPr>
           <a:xfrm>
-            <a:off x="3428992" y="1620000"/>
-            <a:ext cx="4914900" cy="4737958"/>
+            <a:off x="395536" y="1412776"/>
+            <a:ext cx="6416355" cy="4990499"/>
+          </a:xfrm>
+        </p:spPr>
+      </p:pic>
+      <p:sp>
+        <p:nvSpPr>
+          <p:cNvPr id="16" name="TextBox 15"/>
+          <p:cNvSpPr txBox="1"/>
+          <p:nvPr/>
+        </p:nvSpPr>
+        <p:spPr>
+          <a:xfrm>
+            <a:off x="6556330" y="3430741"/>
+            <a:ext cx="2480166" cy="646331"/>
           </a:xfrm>
           <a:prstGeom prst="rect">
             <a:avLst/>
           </a:prstGeom>
           <a:noFill/>
-          <a:ln w="9525">
-            <a:noFill/>
-            <a:miter lim="800000"/>
-            <a:headEnd/>
-            <a:tailEnd/>
-          </a:ln>
-          <a:effectLst/>
         </p:spPr>
-      </p:pic>
+        <p:txBody>
+          <a:bodyPr wrap="none" rtlCol="0">
+            <a:spAutoFit/>
+          </a:bodyPr>
+          <a:lstStyle/>
+          <a:p>
+            <a:r>
+              <a:rPr lang="de-DE" dirty="0" smtClean="0"/>
+              <a:t>Better results doable,</a:t>
+            </a:r>
+          </a:p>
+          <a:p>
+            <a:r>
+              <a:rPr lang="de-DE" dirty="0" smtClean="0"/>
+              <a:t>but deadline was tight.</a:t>
+            </a:r>
+            <a:endParaRPr lang="en-US" dirty="0"/>
+          </a:p>
+        </p:txBody>
+      </p:sp>
     </p:spTree>
   </p:cSld>
   <p:clrMapOvr>
@@ -11962,7 +11840,7 @@
     </p:spTree>
     <p:extLst>
       <p:ext uri="{BB962C8B-B14F-4D97-AF65-F5344CB8AC3E}">
-        <p14:creationId xmlns:p14="http://schemas.microsoft.com/office/powerpoint/2010/main" xmlns="" val="346014335"/>
+        <p14:creationId xmlns:p14="http://schemas.microsoft.com/office/powerpoint/2010/main" val="346014335"/>
       </p:ext>
     </p:extLst>
   </p:cSld>

--- a/doc/pres-prudsys.pptx
+++ b/doc/pres-prudsys.pptx
@@ -11694,35 +11694,6 @@
           </a:p>
         </p:txBody>
       </p:sp>
-      <p:pic>
-        <p:nvPicPr>
-          <p:cNvPr id="15" name="Content Placeholder 14"/>
-          <p:cNvPicPr>
-            <a:picLocks noGrp="1" noChangeAspect="1"/>
-          </p:cNvPicPr>
-          <p:nvPr>
-            <p:ph idx="1"/>
-          </p:nvPr>
-        </p:nvPicPr>
-        <p:blipFill>
-          <a:blip r:embed="rId2" cstate="print">
-            <a:extLst>
-              <a:ext uri="{28A0092B-C50C-407E-A947-70E740481C1C}">
-                <a14:useLocalDpi xmlns:a14="http://schemas.microsoft.com/office/drawing/2010/main" val="0"/>
-              </a:ext>
-            </a:extLst>
-          </a:blip>
-          <a:stretch>
-            <a:fillRect/>
-          </a:stretch>
-        </p:blipFill>
-        <p:spPr>
-          <a:xfrm>
-            <a:off x="395536" y="1412776"/>
-            <a:ext cx="6416355" cy="4990499"/>
-          </a:xfrm>
-        </p:spPr>
-      </p:pic>
       <p:sp>
         <p:nvSpPr>
           <p:cNvPr id="16" name="TextBox 15"/>
@@ -11759,6 +11730,35 @@
           </a:p>
         </p:txBody>
       </p:sp>
+      <p:pic>
+        <p:nvPicPr>
+          <p:cNvPr id="18" name="Content Placeholder 17"/>
+          <p:cNvPicPr>
+            <a:picLocks noGrp="1" noChangeAspect="1"/>
+          </p:cNvPicPr>
+          <p:nvPr>
+            <p:ph idx="1"/>
+          </p:nvPr>
+        </p:nvPicPr>
+        <p:blipFill>
+          <a:blip r:embed="rId2" cstate="print">
+            <a:extLst>
+              <a:ext uri="{28A0092B-C50C-407E-A947-70E740481C1C}">
+                <a14:useLocalDpi xmlns:a14="http://schemas.microsoft.com/office/drawing/2010/main" val="0"/>
+              </a:ext>
+            </a:extLst>
+          </a:blip>
+          <a:stretch>
+            <a:fillRect/>
+          </a:stretch>
+        </p:blipFill>
+        <p:spPr>
+          <a:xfrm>
+            <a:off x="251520" y="1412775"/>
+            <a:ext cx="6304810" cy="4903741"/>
+          </a:xfrm>
+        </p:spPr>
+      </p:pic>
     </p:spTree>
   </p:cSld>
   <p:clrMapOvr>

--- a/doc/pres-prudsys.pptx
+++ b/doc/pres-prudsys.pptx
@@ -151,6 +151,753 @@
 </file>
 
 <file path=ppt/diagrams/colors1.xml><?xml version="1.0" encoding="utf-8"?>
+<dgm:colorsDef xmlns:dgm="http://schemas.openxmlformats.org/drawingml/2006/diagram" xmlns:a="http://schemas.openxmlformats.org/drawingml/2006/main" uniqueId="urn:microsoft.com/office/officeart/2005/8/colors/accent1_2">
+  <dgm:title val=""/>
+  <dgm:desc val=""/>
+  <dgm:catLst>
+    <dgm:cat type="accent1" pri="11200"/>
+  </dgm:catLst>
+  <dgm:styleLbl name="node0">
+    <dgm:fillClrLst meth="repeat">
+      <a:schemeClr val="accent1"/>
+    </dgm:fillClrLst>
+    <dgm:linClrLst meth="repeat">
+      <a:schemeClr val="lt1"/>
+    </dgm:linClrLst>
+    <dgm:effectClrLst/>
+    <dgm:txLinClrLst/>
+    <dgm:txFillClrLst/>
+    <dgm:txEffectClrLst/>
+  </dgm:styleLbl>
+  <dgm:styleLbl name="alignNode1">
+    <dgm:fillClrLst meth="repeat">
+      <a:schemeClr val="accent1"/>
+    </dgm:fillClrLst>
+    <dgm:linClrLst meth="repeat">
+      <a:schemeClr val="accent1"/>
+    </dgm:linClrLst>
+    <dgm:effectClrLst/>
+    <dgm:txLinClrLst/>
+    <dgm:txFillClrLst/>
+    <dgm:txEffectClrLst/>
+  </dgm:styleLbl>
+  <dgm:styleLbl name="node1">
+    <dgm:fillClrLst meth="repeat">
+      <a:schemeClr val="accent1"/>
+    </dgm:fillClrLst>
+    <dgm:linClrLst meth="repeat">
+      <a:schemeClr val="lt1"/>
+    </dgm:linClrLst>
+    <dgm:effectClrLst/>
+    <dgm:txLinClrLst/>
+    <dgm:txFillClrLst/>
+    <dgm:txEffectClrLst/>
+  </dgm:styleLbl>
+  <dgm:styleLbl name="lnNode1">
+    <dgm:fillClrLst meth="repeat">
+      <a:schemeClr val="accent1"/>
+    </dgm:fillClrLst>
+    <dgm:linClrLst meth="repeat">
+      <a:schemeClr val="lt1"/>
+    </dgm:linClrLst>
+    <dgm:effectClrLst/>
+    <dgm:txLinClrLst/>
+    <dgm:txFillClrLst/>
+    <dgm:txEffectClrLst/>
+  </dgm:styleLbl>
+  <dgm:styleLbl name="vennNode1">
+    <dgm:fillClrLst meth="repeat">
+      <a:schemeClr val="accent1">
+        <a:alpha val="50000"/>
+      </a:schemeClr>
+    </dgm:fillClrLst>
+    <dgm:linClrLst meth="repeat">
+      <a:schemeClr val="lt1"/>
+    </dgm:linClrLst>
+    <dgm:effectClrLst/>
+    <dgm:txLinClrLst/>
+    <dgm:txFillClrLst/>
+    <dgm:txEffectClrLst/>
+  </dgm:styleLbl>
+  <dgm:styleLbl name="node2">
+    <dgm:fillClrLst meth="repeat">
+      <a:schemeClr val="accent1"/>
+    </dgm:fillClrLst>
+    <dgm:linClrLst meth="repeat">
+      <a:schemeClr val="lt1"/>
+    </dgm:linClrLst>
+    <dgm:effectClrLst/>
+    <dgm:txLinClrLst/>
+    <dgm:txFillClrLst/>
+    <dgm:txEffectClrLst/>
+  </dgm:styleLbl>
+  <dgm:styleLbl name="node3">
+    <dgm:fillClrLst meth="repeat">
+      <a:schemeClr val="accent1"/>
+    </dgm:fillClrLst>
+    <dgm:linClrLst meth="repeat">
+      <a:schemeClr val="lt1"/>
+    </dgm:linClrLst>
+    <dgm:effectClrLst/>
+    <dgm:txLinClrLst/>
+    <dgm:txFillClrLst/>
+    <dgm:txEffectClrLst/>
+  </dgm:styleLbl>
+  <dgm:styleLbl name="node4">
+    <dgm:fillClrLst meth="repeat">
+      <a:schemeClr val="accent1"/>
+    </dgm:fillClrLst>
+    <dgm:linClrLst meth="repeat">
+      <a:schemeClr val="lt1"/>
+    </dgm:linClrLst>
+    <dgm:effectClrLst/>
+    <dgm:txLinClrLst/>
+    <dgm:txFillClrLst/>
+    <dgm:txEffectClrLst/>
+  </dgm:styleLbl>
+  <dgm:styleLbl name="fgImgPlace1">
+    <dgm:fillClrLst meth="repeat">
+      <a:schemeClr val="accent1">
+        <a:tint val="50000"/>
+      </a:schemeClr>
+    </dgm:fillClrLst>
+    <dgm:linClrLst meth="repeat">
+      <a:schemeClr val="lt1"/>
+    </dgm:linClrLst>
+    <dgm:effectClrLst/>
+    <dgm:txLinClrLst/>
+    <dgm:txFillClrLst meth="repeat">
+      <a:schemeClr val="lt1"/>
+    </dgm:txFillClrLst>
+    <dgm:txEffectClrLst/>
+  </dgm:styleLbl>
+  <dgm:styleLbl name="alignImgPlace1">
+    <dgm:fillClrLst meth="repeat">
+      <a:schemeClr val="accent1">
+        <a:tint val="50000"/>
+      </a:schemeClr>
+    </dgm:fillClrLst>
+    <dgm:linClrLst meth="repeat">
+      <a:schemeClr val="lt1"/>
+    </dgm:linClrLst>
+    <dgm:effectClrLst/>
+    <dgm:txLinClrLst/>
+    <dgm:txFillClrLst meth="repeat">
+      <a:schemeClr val="lt1"/>
+    </dgm:txFillClrLst>
+    <dgm:txEffectClrLst/>
+  </dgm:styleLbl>
+  <dgm:styleLbl name="bgImgPlace1">
+    <dgm:fillClrLst meth="repeat">
+      <a:schemeClr val="accent1">
+        <a:tint val="50000"/>
+      </a:schemeClr>
+    </dgm:fillClrLst>
+    <dgm:linClrLst meth="repeat">
+      <a:schemeClr val="lt1"/>
+    </dgm:linClrLst>
+    <dgm:effectClrLst/>
+    <dgm:txLinClrLst/>
+    <dgm:txFillClrLst meth="repeat">
+      <a:schemeClr val="lt1"/>
+    </dgm:txFillClrLst>
+    <dgm:txEffectClrLst/>
+  </dgm:styleLbl>
+  <dgm:styleLbl name="sibTrans2D1">
+    <dgm:fillClrLst meth="repeat">
+      <a:schemeClr val="accent1">
+        <a:tint val="60000"/>
+      </a:schemeClr>
+    </dgm:fillClrLst>
+    <dgm:linClrLst meth="repeat">
+      <a:schemeClr val="accent1">
+        <a:tint val="60000"/>
+      </a:schemeClr>
+    </dgm:linClrLst>
+    <dgm:effectClrLst/>
+    <dgm:txLinClrLst/>
+    <dgm:txFillClrLst/>
+    <dgm:txEffectClrLst/>
+  </dgm:styleLbl>
+  <dgm:styleLbl name="fgSibTrans2D1">
+    <dgm:fillClrLst meth="repeat">
+      <a:schemeClr val="accent1">
+        <a:tint val="60000"/>
+      </a:schemeClr>
+    </dgm:fillClrLst>
+    <dgm:linClrLst meth="repeat">
+      <a:schemeClr val="accent1">
+        <a:tint val="60000"/>
+      </a:schemeClr>
+    </dgm:linClrLst>
+    <dgm:effectClrLst/>
+    <dgm:txLinClrLst/>
+    <dgm:txFillClrLst/>
+    <dgm:txEffectClrLst/>
+  </dgm:styleLbl>
+  <dgm:styleLbl name="bgSibTrans2D1">
+    <dgm:fillClrLst meth="repeat">
+      <a:schemeClr val="accent1">
+        <a:tint val="60000"/>
+      </a:schemeClr>
+    </dgm:fillClrLst>
+    <dgm:linClrLst meth="repeat">
+      <a:schemeClr val="accent1">
+        <a:tint val="60000"/>
+      </a:schemeClr>
+    </dgm:linClrLst>
+    <dgm:effectClrLst/>
+    <dgm:txLinClrLst/>
+    <dgm:txFillClrLst/>
+    <dgm:txEffectClrLst/>
+  </dgm:styleLbl>
+  <dgm:styleLbl name="sibTrans1D1">
+    <dgm:fillClrLst meth="repeat">
+      <a:schemeClr val="accent1"/>
+    </dgm:fillClrLst>
+    <dgm:linClrLst meth="repeat">
+      <a:schemeClr val="accent1"/>
+    </dgm:linClrLst>
+    <dgm:effectClrLst/>
+    <dgm:txLinClrLst/>
+    <dgm:txFillClrLst meth="repeat">
+      <a:schemeClr val="tx1"/>
+    </dgm:txFillClrLst>
+    <dgm:txEffectClrLst/>
+  </dgm:styleLbl>
+  <dgm:styleLbl name="callout">
+    <dgm:fillClrLst meth="repeat">
+      <a:schemeClr val="accent1"/>
+    </dgm:fillClrLst>
+    <dgm:linClrLst meth="repeat">
+      <a:schemeClr val="accent1">
+        <a:tint val="50000"/>
+      </a:schemeClr>
+    </dgm:linClrLst>
+    <dgm:effectClrLst/>
+    <dgm:txLinClrLst/>
+    <dgm:txFillClrLst meth="repeat">
+      <a:schemeClr val="tx1"/>
+    </dgm:txFillClrLst>
+    <dgm:txEffectClrLst/>
+  </dgm:styleLbl>
+  <dgm:styleLbl name="asst0">
+    <dgm:fillClrLst meth="repeat">
+      <a:schemeClr val="accent1"/>
+    </dgm:fillClrLst>
+    <dgm:linClrLst meth="repeat">
+      <a:schemeClr val="lt1"/>
+    </dgm:linClrLst>
+    <dgm:effectClrLst/>
+    <dgm:txLinClrLst/>
+    <dgm:txFillClrLst/>
+    <dgm:txEffectClrLst/>
+  </dgm:styleLbl>
+  <dgm:styleLbl name="asst1">
+    <dgm:fillClrLst meth="repeat">
+      <a:schemeClr val="accent1"/>
+    </dgm:fillClrLst>
+    <dgm:linClrLst meth="repeat">
+      <a:schemeClr val="lt1"/>
+    </dgm:linClrLst>
+    <dgm:effectClrLst/>
+    <dgm:txLinClrLst/>
+    <dgm:txFillClrLst/>
+    <dgm:txEffectClrLst/>
+  </dgm:styleLbl>
+  <dgm:styleLbl name="asst2">
+    <dgm:fillClrLst meth="repeat">
+      <a:schemeClr val="accent1"/>
+    </dgm:fillClrLst>
+    <dgm:linClrLst meth="repeat">
+      <a:schemeClr val="lt1"/>
+    </dgm:linClrLst>
+    <dgm:effectClrLst/>
+    <dgm:txLinClrLst/>
+    <dgm:txFillClrLst/>
+    <dgm:txEffectClrLst/>
+  </dgm:styleLbl>
+  <dgm:styleLbl name="asst3">
+    <dgm:fillClrLst meth="repeat">
+      <a:schemeClr val="accent1"/>
+    </dgm:fillClrLst>
+    <dgm:linClrLst meth="repeat">
+      <a:schemeClr val="lt1"/>
+    </dgm:linClrLst>
+    <dgm:effectClrLst/>
+    <dgm:txLinClrLst/>
+    <dgm:txFillClrLst/>
+    <dgm:txEffectClrLst/>
+  </dgm:styleLbl>
+  <dgm:styleLbl name="asst4">
+    <dgm:fillClrLst meth="repeat">
+      <a:schemeClr val="accent1"/>
+    </dgm:fillClrLst>
+    <dgm:linClrLst meth="repeat">
+      <a:schemeClr val="lt1"/>
+    </dgm:linClrLst>
+    <dgm:effectClrLst/>
+    <dgm:txLinClrLst/>
+    <dgm:txFillClrLst/>
+    <dgm:txEffectClrLst/>
+  </dgm:styleLbl>
+  <dgm:styleLbl name="parChTrans2D1">
+    <dgm:fillClrLst meth="repeat">
+      <a:schemeClr val="accent1">
+        <a:tint val="60000"/>
+      </a:schemeClr>
+    </dgm:fillClrLst>
+    <dgm:linClrLst meth="repeat">
+      <a:schemeClr val="accent1">
+        <a:tint val="60000"/>
+      </a:schemeClr>
+    </dgm:linClrLst>
+    <dgm:effectClrLst/>
+    <dgm:txLinClrLst/>
+    <dgm:txFillClrLst meth="repeat">
+      <a:schemeClr val="lt1"/>
+    </dgm:txFillClrLst>
+    <dgm:txEffectClrLst/>
+  </dgm:styleLbl>
+  <dgm:styleLbl name="parChTrans2D2">
+    <dgm:fillClrLst meth="repeat">
+      <a:schemeClr val="accent1"/>
+    </dgm:fillClrLst>
+    <dgm:linClrLst meth="repeat">
+      <a:schemeClr val="accent1"/>
+    </dgm:linClrLst>
+    <dgm:effectClrLst/>
+    <dgm:txLinClrLst/>
+    <dgm:txFillClrLst meth="repeat">
+      <a:schemeClr val="lt1"/>
+    </dgm:txFillClrLst>
+    <dgm:txEffectClrLst/>
+  </dgm:styleLbl>
+  <dgm:styleLbl name="parChTrans2D3">
+    <dgm:fillClrLst meth="repeat">
+      <a:schemeClr val="accent1"/>
+    </dgm:fillClrLst>
+    <dgm:linClrLst meth="repeat">
+      <a:schemeClr val="accent1"/>
+    </dgm:linClrLst>
+    <dgm:effectClrLst/>
+    <dgm:txLinClrLst/>
+    <dgm:txFillClrLst meth="repeat">
+      <a:schemeClr val="lt1"/>
+    </dgm:txFillClrLst>
+    <dgm:txEffectClrLst/>
+  </dgm:styleLbl>
+  <dgm:styleLbl name="parChTrans2D4">
+    <dgm:fillClrLst meth="repeat">
+      <a:schemeClr val="accent1"/>
+    </dgm:fillClrLst>
+    <dgm:linClrLst meth="repeat">
+      <a:schemeClr val="accent1"/>
+    </dgm:linClrLst>
+    <dgm:effectClrLst/>
+    <dgm:txLinClrLst/>
+    <dgm:txFillClrLst meth="repeat">
+      <a:schemeClr val="lt1"/>
+    </dgm:txFillClrLst>
+    <dgm:txEffectClrLst/>
+  </dgm:styleLbl>
+  <dgm:styleLbl name="parChTrans1D1">
+    <dgm:fillClrLst meth="repeat">
+      <a:schemeClr val="accent1"/>
+    </dgm:fillClrLst>
+    <dgm:linClrLst meth="repeat">
+      <a:schemeClr val="accent1">
+        <a:shade val="60000"/>
+      </a:schemeClr>
+    </dgm:linClrLst>
+    <dgm:effectClrLst/>
+    <dgm:txLinClrLst/>
+    <dgm:txFillClrLst meth="repeat">
+      <a:schemeClr val="tx1"/>
+    </dgm:txFillClrLst>
+    <dgm:txEffectClrLst/>
+  </dgm:styleLbl>
+  <dgm:styleLbl name="parChTrans1D2">
+    <dgm:fillClrLst meth="repeat">
+      <a:schemeClr val="accent1"/>
+    </dgm:fillClrLst>
+    <dgm:linClrLst meth="repeat">
+      <a:schemeClr val="accent1">
+        <a:shade val="60000"/>
+      </a:schemeClr>
+    </dgm:linClrLst>
+    <dgm:effectClrLst/>
+    <dgm:txLinClrLst/>
+    <dgm:txFillClrLst meth="repeat">
+      <a:schemeClr val="tx1"/>
+    </dgm:txFillClrLst>
+    <dgm:txEffectClrLst/>
+  </dgm:styleLbl>
+  <dgm:styleLbl name="parChTrans1D3">
+    <dgm:fillClrLst meth="repeat">
+      <a:schemeClr val="accent1"/>
+    </dgm:fillClrLst>
+    <dgm:linClrLst meth="repeat">
+      <a:schemeClr val="accent1">
+        <a:shade val="80000"/>
+      </a:schemeClr>
+    </dgm:linClrLst>
+    <dgm:effectClrLst/>
+    <dgm:txLinClrLst/>
+    <dgm:txFillClrLst meth="repeat">
+      <a:schemeClr val="tx1"/>
+    </dgm:txFillClrLst>
+    <dgm:txEffectClrLst/>
+  </dgm:styleLbl>
+  <dgm:styleLbl name="parChTrans1D4">
+    <dgm:fillClrLst meth="repeat">
+      <a:schemeClr val="accent1"/>
+    </dgm:fillClrLst>
+    <dgm:linClrLst meth="repeat">
+      <a:schemeClr val="accent1">
+        <a:shade val="80000"/>
+      </a:schemeClr>
+    </dgm:linClrLst>
+    <dgm:effectClrLst/>
+    <dgm:txLinClrLst/>
+    <dgm:txFillClrLst meth="repeat">
+      <a:schemeClr val="tx1"/>
+    </dgm:txFillClrLst>
+    <dgm:txEffectClrLst/>
+  </dgm:styleLbl>
+  <dgm:styleLbl name="fgAcc1">
+    <dgm:fillClrLst meth="repeat">
+      <a:schemeClr val="lt1">
+        <a:alpha val="90000"/>
+      </a:schemeClr>
+    </dgm:fillClrLst>
+    <dgm:linClrLst meth="repeat">
+      <a:schemeClr val="accent1"/>
+    </dgm:linClrLst>
+    <dgm:effectClrLst/>
+    <dgm:txLinClrLst/>
+    <dgm:txFillClrLst meth="repeat">
+      <a:schemeClr val="dk1"/>
+    </dgm:txFillClrLst>
+    <dgm:txEffectClrLst/>
+  </dgm:styleLbl>
+  <dgm:styleLbl name="conFgAcc1">
+    <dgm:fillClrLst meth="repeat">
+      <a:schemeClr val="lt1">
+        <a:alpha val="90000"/>
+      </a:schemeClr>
+    </dgm:fillClrLst>
+    <dgm:linClrLst meth="repeat">
+      <a:schemeClr val="accent1"/>
+    </dgm:linClrLst>
+    <dgm:effectClrLst/>
+    <dgm:txLinClrLst/>
+    <dgm:txFillClrLst meth="repeat">
+      <a:schemeClr val="dk1"/>
+    </dgm:txFillClrLst>
+    <dgm:txEffectClrLst/>
+  </dgm:styleLbl>
+  <dgm:styleLbl name="alignAcc1">
+    <dgm:fillClrLst meth="repeat">
+      <a:schemeClr val="lt1">
+        <a:alpha val="90000"/>
+      </a:schemeClr>
+    </dgm:fillClrLst>
+    <dgm:linClrLst meth="repeat">
+      <a:schemeClr val="accent1"/>
+    </dgm:linClrLst>
+    <dgm:effectClrLst/>
+    <dgm:txLinClrLst/>
+    <dgm:txFillClrLst meth="repeat">
+      <a:schemeClr val="dk1"/>
+    </dgm:txFillClrLst>
+    <dgm:txEffectClrLst/>
+  </dgm:styleLbl>
+  <dgm:styleLbl name="trAlignAcc1">
+    <dgm:fillClrLst meth="repeat">
+      <a:schemeClr val="lt1">
+        <a:alpha val="40000"/>
+      </a:schemeClr>
+    </dgm:fillClrLst>
+    <dgm:linClrLst meth="repeat">
+      <a:schemeClr val="accent1"/>
+    </dgm:linClrLst>
+    <dgm:effectClrLst/>
+    <dgm:txLinClrLst/>
+    <dgm:txFillClrLst meth="repeat">
+      <a:schemeClr val="dk1"/>
+    </dgm:txFillClrLst>
+    <dgm:txEffectClrLst/>
+  </dgm:styleLbl>
+  <dgm:styleLbl name="bgAcc1">
+    <dgm:fillClrLst meth="repeat">
+      <a:schemeClr val="lt1">
+        <a:alpha val="90000"/>
+      </a:schemeClr>
+    </dgm:fillClrLst>
+    <dgm:linClrLst meth="repeat">
+      <a:schemeClr val="accent1"/>
+    </dgm:linClrLst>
+    <dgm:effectClrLst/>
+    <dgm:txLinClrLst/>
+    <dgm:txFillClrLst meth="repeat">
+      <a:schemeClr val="dk1"/>
+    </dgm:txFillClrLst>
+    <dgm:txEffectClrLst/>
+  </dgm:styleLbl>
+  <dgm:styleLbl name="solidFgAcc1">
+    <dgm:fillClrLst meth="repeat">
+      <a:schemeClr val="lt1"/>
+    </dgm:fillClrLst>
+    <dgm:linClrLst meth="repeat">
+      <a:schemeClr val="accent1"/>
+    </dgm:linClrLst>
+    <dgm:effectClrLst/>
+    <dgm:txLinClrLst/>
+    <dgm:txFillClrLst meth="repeat">
+      <a:schemeClr val="dk1"/>
+    </dgm:txFillClrLst>
+    <dgm:txEffectClrLst/>
+  </dgm:styleLbl>
+  <dgm:styleLbl name="solidAlignAcc1">
+    <dgm:fillClrLst meth="repeat">
+      <a:schemeClr val="lt1"/>
+    </dgm:fillClrLst>
+    <dgm:linClrLst meth="repeat">
+      <a:schemeClr val="accent1"/>
+    </dgm:linClrLst>
+    <dgm:effectClrLst/>
+    <dgm:txLinClrLst/>
+    <dgm:txFillClrLst meth="repeat">
+      <a:schemeClr val="dk1"/>
+    </dgm:txFillClrLst>
+    <dgm:txEffectClrLst/>
+  </dgm:styleLbl>
+  <dgm:styleLbl name="solidBgAcc1">
+    <dgm:fillClrLst meth="repeat">
+      <a:schemeClr val="lt1"/>
+    </dgm:fillClrLst>
+    <dgm:linClrLst meth="repeat">
+      <a:schemeClr val="accent1"/>
+    </dgm:linClrLst>
+    <dgm:effectClrLst/>
+    <dgm:txLinClrLst/>
+    <dgm:txFillClrLst meth="repeat">
+      <a:schemeClr val="dk1"/>
+    </dgm:txFillClrLst>
+    <dgm:txEffectClrLst/>
+  </dgm:styleLbl>
+  <dgm:styleLbl name="fgAccFollowNode1">
+    <dgm:fillClrLst meth="repeat">
+      <a:schemeClr val="accent1">
+        <a:alpha val="90000"/>
+        <a:tint val="40000"/>
+      </a:schemeClr>
+    </dgm:fillClrLst>
+    <dgm:linClrLst meth="repeat">
+      <a:schemeClr val="accent1">
+        <a:alpha val="90000"/>
+        <a:tint val="40000"/>
+      </a:schemeClr>
+    </dgm:linClrLst>
+    <dgm:effectClrLst/>
+    <dgm:txLinClrLst/>
+    <dgm:txFillClrLst meth="repeat">
+      <a:schemeClr val="dk1"/>
+    </dgm:txFillClrLst>
+    <dgm:txEffectClrLst/>
+  </dgm:styleLbl>
+  <dgm:styleLbl name="alignAccFollowNode1">
+    <dgm:fillClrLst meth="repeat">
+      <a:schemeClr val="accent1">
+        <a:alpha val="90000"/>
+        <a:tint val="40000"/>
+      </a:schemeClr>
+    </dgm:fillClrLst>
+    <dgm:linClrLst meth="repeat">
+      <a:schemeClr val="accent1">
+        <a:alpha val="90000"/>
+        <a:tint val="40000"/>
+      </a:schemeClr>
+    </dgm:linClrLst>
+    <dgm:effectClrLst/>
+    <dgm:txLinClrLst/>
+    <dgm:txFillClrLst meth="repeat">
+      <a:schemeClr val="dk1"/>
+    </dgm:txFillClrLst>
+    <dgm:txEffectClrLst/>
+  </dgm:styleLbl>
+  <dgm:styleLbl name="bgAccFollowNode1">
+    <dgm:fillClrLst meth="repeat">
+      <a:schemeClr val="accent1">
+        <a:alpha val="90000"/>
+        <a:tint val="40000"/>
+      </a:schemeClr>
+    </dgm:fillClrLst>
+    <dgm:linClrLst meth="repeat">
+      <a:schemeClr val="accent1">
+        <a:alpha val="90000"/>
+        <a:tint val="40000"/>
+      </a:schemeClr>
+    </dgm:linClrLst>
+    <dgm:effectClrLst/>
+    <dgm:txLinClrLst/>
+    <dgm:txFillClrLst meth="repeat">
+      <a:schemeClr val="dk1"/>
+    </dgm:txFillClrLst>
+    <dgm:txEffectClrLst/>
+  </dgm:styleLbl>
+  <dgm:styleLbl name="fgAcc0">
+    <dgm:fillClrLst meth="repeat">
+      <a:schemeClr val="lt1">
+        <a:alpha val="90000"/>
+      </a:schemeClr>
+    </dgm:fillClrLst>
+    <dgm:linClrLst meth="repeat">
+      <a:schemeClr val="accent1"/>
+    </dgm:linClrLst>
+    <dgm:effectClrLst/>
+    <dgm:txLinClrLst/>
+    <dgm:txFillClrLst meth="repeat">
+      <a:schemeClr val="dk1"/>
+    </dgm:txFillClrLst>
+    <dgm:txEffectClrLst/>
+  </dgm:styleLbl>
+  <dgm:styleLbl name="fgAcc2">
+    <dgm:fillClrLst meth="repeat">
+      <a:schemeClr val="lt1">
+        <a:alpha val="90000"/>
+      </a:schemeClr>
+    </dgm:fillClrLst>
+    <dgm:linClrLst meth="repeat">
+      <a:schemeClr val="accent1"/>
+    </dgm:linClrLst>
+    <dgm:effectClrLst/>
+    <dgm:txLinClrLst/>
+    <dgm:txFillClrLst meth="repeat">
+      <a:schemeClr val="dk1"/>
+    </dgm:txFillClrLst>
+    <dgm:txEffectClrLst/>
+  </dgm:styleLbl>
+  <dgm:styleLbl name="fgAcc3">
+    <dgm:fillClrLst meth="repeat">
+      <a:schemeClr val="lt1">
+        <a:alpha val="90000"/>
+      </a:schemeClr>
+    </dgm:fillClrLst>
+    <dgm:linClrLst meth="repeat">
+      <a:schemeClr val="accent1"/>
+    </dgm:linClrLst>
+    <dgm:effectClrLst/>
+    <dgm:txLinClrLst/>
+    <dgm:txFillClrLst meth="repeat">
+      <a:schemeClr val="dk1"/>
+    </dgm:txFillClrLst>
+    <dgm:txEffectClrLst/>
+  </dgm:styleLbl>
+  <dgm:styleLbl name="fgAcc4">
+    <dgm:fillClrLst meth="repeat">
+      <a:schemeClr val="lt1">
+        <a:alpha val="90000"/>
+      </a:schemeClr>
+    </dgm:fillClrLst>
+    <dgm:linClrLst meth="repeat">
+      <a:schemeClr val="accent1"/>
+    </dgm:linClrLst>
+    <dgm:effectClrLst/>
+    <dgm:txLinClrLst/>
+    <dgm:txFillClrLst meth="repeat">
+      <a:schemeClr val="dk1"/>
+    </dgm:txFillClrLst>
+    <dgm:txEffectClrLst/>
+  </dgm:styleLbl>
+  <dgm:styleLbl name="bgShp">
+    <dgm:fillClrLst meth="repeat">
+      <a:schemeClr val="accent1">
+        <a:tint val="40000"/>
+      </a:schemeClr>
+    </dgm:fillClrLst>
+    <dgm:linClrLst meth="repeat">
+      <a:schemeClr val="accent1"/>
+    </dgm:linClrLst>
+    <dgm:effectClrLst/>
+    <dgm:txLinClrLst/>
+    <dgm:txFillClrLst meth="repeat">
+      <a:schemeClr val="dk1"/>
+    </dgm:txFillClrLst>
+    <dgm:txEffectClrLst/>
+  </dgm:styleLbl>
+  <dgm:styleLbl name="dkBgShp">
+    <dgm:fillClrLst meth="repeat">
+      <a:schemeClr val="accent1">
+        <a:shade val="80000"/>
+      </a:schemeClr>
+    </dgm:fillClrLst>
+    <dgm:linClrLst meth="repeat">
+      <a:schemeClr val="accent1"/>
+    </dgm:linClrLst>
+    <dgm:effectClrLst/>
+    <dgm:txLinClrLst/>
+    <dgm:txFillClrLst meth="repeat">
+      <a:schemeClr val="lt1"/>
+    </dgm:txFillClrLst>
+    <dgm:txEffectClrLst/>
+  </dgm:styleLbl>
+  <dgm:styleLbl name="trBgShp">
+    <dgm:fillClrLst meth="repeat">
+      <a:schemeClr val="accent1">
+        <a:tint val="50000"/>
+        <a:alpha val="40000"/>
+      </a:schemeClr>
+    </dgm:fillClrLst>
+    <dgm:linClrLst meth="repeat">
+      <a:schemeClr val="accent1"/>
+    </dgm:linClrLst>
+    <dgm:effectClrLst/>
+    <dgm:txLinClrLst/>
+    <dgm:txFillClrLst meth="repeat">
+      <a:schemeClr val="lt1"/>
+    </dgm:txFillClrLst>
+    <dgm:txEffectClrLst/>
+  </dgm:styleLbl>
+  <dgm:styleLbl name="fgShp">
+    <dgm:fillClrLst meth="repeat">
+      <a:schemeClr val="accent1">
+        <a:tint val="60000"/>
+      </a:schemeClr>
+    </dgm:fillClrLst>
+    <dgm:linClrLst meth="repeat">
+      <a:schemeClr val="lt1"/>
+    </dgm:linClrLst>
+    <dgm:effectClrLst/>
+    <dgm:txLinClrLst/>
+    <dgm:txFillClrLst meth="repeat">
+      <a:schemeClr val="dk1"/>
+    </dgm:txFillClrLst>
+    <dgm:txEffectClrLst/>
+  </dgm:styleLbl>
+  <dgm:styleLbl name="revTx">
+    <dgm:fillClrLst meth="repeat">
+      <a:schemeClr val="lt1">
+        <a:alpha val="0"/>
+      </a:schemeClr>
+    </dgm:fillClrLst>
+    <dgm:linClrLst meth="repeat">
+      <a:schemeClr val="dk1">
+        <a:alpha val="0"/>
+      </a:schemeClr>
+    </dgm:linClrLst>
+    <dgm:effectClrLst/>
+    <dgm:txLinClrLst/>
+    <dgm:txFillClrLst meth="repeat">
+      <a:schemeClr val="tx1"/>
+    </dgm:txFillClrLst>
+    <dgm:txEffectClrLst/>
+  </dgm:styleLbl>
+</dgm:colorsDef>
+</file>
+
+<file path=ppt/diagrams/colors2.xml><?xml version="1.0" encoding="utf-8"?>
 <dgm:colorsDef xmlns:dgm="http://schemas.openxmlformats.org/drawingml/2006/diagram" xmlns:a="http://schemas.openxmlformats.org/drawingml/2006/main" uniqueId="urn:microsoft.com/office/officeart/2005/8/colors/accent4_5">
   <dgm:title val=""/>
   <dgm:desc val=""/>
@@ -1030,7 +1777,7 @@
 </dgm:colorsDef>
 </file>
 
-<file path=ppt/diagrams/colors2.xml><?xml version="1.0" encoding="utf-8"?>
+<file path=ppt/diagrams/colors3.xml><?xml version="1.0" encoding="utf-8"?>
 <dgm:colorsDef xmlns:dgm="http://schemas.openxmlformats.org/drawingml/2006/diagram" xmlns:a="http://schemas.openxmlformats.org/drawingml/2006/main" uniqueId="urn:microsoft.com/office/officeart/2005/8/colors/accent4_3">
   <dgm:title val=""/>
   <dgm:desc val=""/>
@@ -1906,6 +2653,476 @@
 </file>
 
 <file path=ppt/diagrams/data1.xml><?xml version="1.0" encoding="utf-8"?>
+<dgm:dataModel xmlns:dgm="http://schemas.openxmlformats.org/drawingml/2006/diagram" xmlns:a="http://schemas.openxmlformats.org/drawingml/2006/main">
+  <dgm:ptLst>
+    <dgm:pt modelId="{0AB31669-45BB-4AD8-A85D-1E6CA8E3350A}" type="doc">
+      <dgm:prSet loTypeId="urn:microsoft.com/office/officeart/2005/8/layout/matrix3" loCatId="matrix" qsTypeId="urn:microsoft.com/office/officeart/2005/8/quickstyle/simple1" qsCatId="simple" csTypeId="urn:microsoft.com/office/officeart/2005/8/colors/accent1_2" csCatId="accent1" phldr="1"/>
+      <dgm:spPr/>
+      <dgm:t>
+        <a:bodyPr/>
+        <a:lstStyle/>
+        <a:p>
+          <a:endParaRPr lang="de-DE"/>
+        </a:p>
+      </dgm:t>
+    </dgm:pt>
+    <dgm:pt modelId="{6664E53C-9F9E-49CC-9F8F-E8A789356998}">
+      <dgm:prSet/>
+      <dgm:spPr/>
+      <dgm:t>
+        <a:bodyPr/>
+        <a:lstStyle/>
+        <a:p>
+          <a:pPr rtl="0"/>
+          <a:r>
+            <a:rPr lang="de-DE" b="1" dirty="0" smtClean="0"/>
+            <a:t>Simon Holthausen, Der </a:t>
+          </a:r>
+          <a:r>
+            <a:rPr lang="de-DE" b="1" dirty="0" err="1" smtClean="0"/>
+            <a:t>Bubu</a:t>
+          </a:r>
+          <a:r>
+            <a:rPr lang="de-DE" b="1" dirty="0" smtClean="0"/>
+            <a:t>, Der </a:t>
+          </a:r>
+          <a:r>
+            <a:rPr lang="de-DE" b="1" dirty="0" err="1" smtClean="0"/>
+            <a:t>Fabi</a:t>
+          </a:r>
+          <a:r>
+            <a:rPr lang="de-DE" b="1" dirty="0" smtClean="0"/>
+            <a:t>, Der </a:t>
+          </a:r>
+          <a:r>
+            <a:rPr lang="de-DE" b="1" dirty="0" err="1" smtClean="0"/>
+            <a:t>Blablubber</a:t>
+          </a:r>
+          <a:r>
+            <a:rPr lang="de-DE" b="1" dirty="0" smtClean="0"/>
+            <a:t>, </a:t>
+          </a:r>
+          <a:r>
+            <a:rPr lang="de-DE" b="1" dirty="0" err="1" smtClean="0"/>
+            <a:t>etc</a:t>
+          </a:r>
+          <a:endParaRPr lang="de-DE" dirty="0"/>
+        </a:p>
+      </dgm:t>
+    </dgm:pt>
+    <dgm:pt modelId="{311D7C74-1DB8-48FD-99BC-14C0559DE296}" type="parTrans" cxnId="{53F0B771-D35D-4DCF-B9C7-76BD52E52DAE}">
+      <dgm:prSet/>
+      <dgm:spPr/>
+      <dgm:t>
+        <a:bodyPr/>
+        <a:lstStyle/>
+        <a:p>
+          <a:endParaRPr lang="de-DE"/>
+        </a:p>
+      </dgm:t>
+    </dgm:pt>
+    <dgm:pt modelId="{627210B7-BD10-428D-BDAA-0459F8B883FC}" type="sibTrans" cxnId="{53F0B771-D35D-4DCF-B9C7-76BD52E52DAE}">
+      <dgm:prSet/>
+      <dgm:spPr/>
+      <dgm:t>
+        <a:bodyPr/>
+        <a:lstStyle/>
+        <a:p>
+          <a:endParaRPr lang="de-DE"/>
+        </a:p>
+      </dgm:t>
+    </dgm:pt>
+    <dgm:pt modelId="{E78AF096-C54A-498F-A781-424A99346EFD}">
+      <dgm:prSet/>
+      <dgm:spPr/>
+      <dgm:t>
+        <a:bodyPr/>
+        <a:lstStyle/>
+        <a:p>
+          <a:pPr rtl="0"/>
+          <a:endParaRPr lang="en-US" b="0" dirty="0"/>
+        </a:p>
+      </dgm:t>
+    </dgm:pt>
+    <dgm:pt modelId="{F4EC4CD2-ED1A-41DC-9D96-CAFCBAC60630}" type="parTrans" cxnId="{1670D461-4396-43C9-8677-27E84CE3FD7A}">
+      <dgm:prSet/>
+      <dgm:spPr/>
+      <dgm:t>
+        <a:bodyPr/>
+        <a:lstStyle/>
+        <a:p>
+          <a:endParaRPr lang="de-DE"/>
+        </a:p>
+      </dgm:t>
+    </dgm:pt>
+    <dgm:pt modelId="{2BFEA4FF-EF80-4643-A1CB-524002EDFC95}" type="sibTrans" cxnId="{1670D461-4396-43C9-8677-27E84CE3FD7A}">
+      <dgm:prSet/>
+      <dgm:spPr/>
+      <dgm:t>
+        <a:bodyPr/>
+        <a:lstStyle/>
+        <a:p>
+          <a:endParaRPr lang="de-DE"/>
+        </a:p>
+      </dgm:t>
+    </dgm:pt>
+    <dgm:pt modelId="{A5F6CFDE-8ED4-4FFD-93E9-BF8F9615E539}">
+      <dgm:prSet/>
+      <dgm:spPr/>
+      <dgm:t>
+        <a:bodyPr/>
+        <a:lstStyle/>
+        <a:p>
+          <a:pPr rtl="0"/>
+          <a:r>
+            <a:rPr lang="en-US" b="0" dirty="0" smtClean="0"/>
+            <a:t>Igor </a:t>
+          </a:r>
+          <a:r>
+            <a:rPr lang="en-US" b="0" dirty="0" err="1" smtClean="0"/>
+            <a:t>Achieser</a:t>
+          </a:r>
+          <a:endParaRPr lang="en-US" b="0" dirty="0"/>
+        </a:p>
+      </dgm:t>
+    </dgm:pt>
+    <dgm:pt modelId="{07F75C59-28DA-4899-9CAD-9DDB68ED7EF6}" type="parTrans" cxnId="{502283F2-6396-4285-89D8-C63CDA8EAC86}">
+      <dgm:prSet/>
+      <dgm:spPr/>
+      <dgm:t>
+        <a:bodyPr/>
+        <a:lstStyle/>
+        <a:p>
+          <a:endParaRPr lang="de-DE"/>
+        </a:p>
+      </dgm:t>
+    </dgm:pt>
+    <dgm:pt modelId="{F7A55F9A-E74E-47FE-80B6-AD4E3816D037}" type="sibTrans" cxnId="{502283F2-6396-4285-89D8-C63CDA8EAC86}">
+      <dgm:prSet/>
+      <dgm:spPr/>
+      <dgm:t>
+        <a:bodyPr/>
+        <a:lstStyle/>
+        <a:p>
+          <a:endParaRPr lang="de-DE"/>
+        </a:p>
+      </dgm:t>
+    </dgm:pt>
+    <dgm:pt modelId="{7BDCB649-B1C5-4FC2-AF64-3767CE7AC2B8}">
+      <dgm:prSet/>
+      <dgm:spPr/>
+      <dgm:t>
+        <a:bodyPr/>
+        <a:lstStyle/>
+        <a:p>
+          <a:pPr rtl="0"/>
+          <a:r>
+            <a:rPr lang="en-US" b="0" dirty="0" smtClean="0"/>
+            <a:t>Marc-André </a:t>
+          </a:r>
+          <a:r>
+            <a:rPr lang="en-US" b="0" dirty="0" err="1" smtClean="0"/>
+            <a:t>Bär</a:t>
+          </a:r>
+          <a:endParaRPr lang="en-US" b="0" dirty="0"/>
+        </a:p>
+      </dgm:t>
+    </dgm:pt>
+    <dgm:pt modelId="{CB0A7A21-35C0-4579-BBAD-D64672B35839}" type="parTrans" cxnId="{7F6B6A69-957D-482E-A29F-FAC14486F2B6}">
+      <dgm:prSet/>
+      <dgm:spPr/>
+      <dgm:t>
+        <a:bodyPr/>
+        <a:lstStyle/>
+        <a:p>
+          <a:endParaRPr lang="de-DE"/>
+        </a:p>
+      </dgm:t>
+    </dgm:pt>
+    <dgm:pt modelId="{9F48BB50-A56C-4901-A3C0-830879612EB4}" type="sibTrans" cxnId="{7F6B6A69-957D-482E-A29F-FAC14486F2B6}">
+      <dgm:prSet/>
+      <dgm:spPr/>
+      <dgm:t>
+        <a:bodyPr/>
+        <a:lstStyle/>
+        <a:p>
+          <a:endParaRPr lang="de-DE"/>
+        </a:p>
+      </dgm:t>
+    </dgm:pt>
+    <dgm:pt modelId="{AADE1167-4C94-4CFF-89F3-B38D55A15922}">
+      <dgm:prSet/>
+      <dgm:spPr/>
+    </dgm:pt>
+    <dgm:pt modelId="{1F38AC0C-0700-4851-889E-AB87A5D03606}" type="parTrans" cxnId="{A09DB4DB-5CF2-4615-AE38-19433A58246E}">
+      <dgm:prSet/>
+      <dgm:spPr/>
+      <dgm:t>
+        <a:bodyPr/>
+        <a:lstStyle/>
+        <a:p>
+          <a:endParaRPr lang="de-DE"/>
+        </a:p>
+      </dgm:t>
+    </dgm:pt>
+    <dgm:pt modelId="{E6A7B9D6-EB56-4B2A-9DFE-8B4DEDFA46FF}" type="sibTrans" cxnId="{A09DB4DB-5CF2-4615-AE38-19433A58246E}">
+      <dgm:prSet/>
+      <dgm:spPr/>
+      <dgm:t>
+        <a:bodyPr/>
+        <a:lstStyle/>
+        <a:p>
+          <a:endParaRPr lang="de-DE"/>
+        </a:p>
+      </dgm:t>
+    </dgm:pt>
+    <dgm:pt modelId="{F8583F4E-1EC8-4C25-A0A3-868AC4C798C9}">
+      <dgm:prSet/>
+      <dgm:spPr/>
+    </dgm:pt>
+    <dgm:pt modelId="{A163BF03-8EAC-4FDB-930C-EFB9016DBBEA}" type="parTrans" cxnId="{5D682989-DF72-46C3-BFE4-371C6C5F43E9}">
+      <dgm:prSet/>
+      <dgm:spPr/>
+      <dgm:t>
+        <a:bodyPr/>
+        <a:lstStyle/>
+        <a:p>
+          <a:endParaRPr lang="de-DE"/>
+        </a:p>
+      </dgm:t>
+    </dgm:pt>
+    <dgm:pt modelId="{51E81C61-1CDE-43E5-933A-FB8F7BD46F38}" type="sibTrans" cxnId="{5D682989-DF72-46C3-BFE4-371C6C5F43E9}">
+      <dgm:prSet/>
+      <dgm:spPr/>
+      <dgm:t>
+        <a:bodyPr/>
+        <a:lstStyle/>
+        <a:p>
+          <a:endParaRPr lang="de-DE"/>
+        </a:p>
+      </dgm:t>
+    </dgm:pt>
+    <dgm:pt modelId="{F87A924F-72EF-4744-817D-E372AC69FC37}">
+      <dgm:prSet/>
+      <dgm:spPr/>
+    </dgm:pt>
+    <dgm:pt modelId="{940A1C66-046F-4721-8F3F-1AF5E5A41CB6}" type="parTrans" cxnId="{DB758F07-966C-46A4-8F6A-66D9FEC5A92D}">
+      <dgm:prSet/>
+      <dgm:spPr/>
+      <dgm:t>
+        <a:bodyPr/>
+        <a:lstStyle/>
+        <a:p>
+          <a:endParaRPr lang="de-DE"/>
+        </a:p>
+      </dgm:t>
+    </dgm:pt>
+    <dgm:pt modelId="{7CB0011F-53E0-4050-82CE-E03CDC300EE9}" type="sibTrans" cxnId="{DB758F07-966C-46A4-8F6A-66D9FEC5A92D}">
+      <dgm:prSet/>
+      <dgm:spPr/>
+      <dgm:t>
+        <a:bodyPr/>
+        <a:lstStyle/>
+        <a:p>
+          <a:endParaRPr lang="de-DE"/>
+        </a:p>
+      </dgm:t>
+    </dgm:pt>
+    <dgm:pt modelId="{9DC9794A-7BF4-44B9-A00A-754F2728B1C9}">
+      <dgm:prSet/>
+      <dgm:spPr/>
+    </dgm:pt>
+    <dgm:pt modelId="{D0547CDF-D860-42A2-BB7F-E8C31214AF34}" type="parTrans" cxnId="{57AD9949-1AB0-4939-8216-5D1238BAE123}">
+      <dgm:prSet/>
+      <dgm:spPr/>
+      <dgm:t>
+        <a:bodyPr/>
+        <a:lstStyle/>
+        <a:p>
+          <a:endParaRPr lang="de-DE"/>
+        </a:p>
+      </dgm:t>
+    </dgm:pt>
+    <dgm:pt modelId="{A65F0180-34D8-43D4-96CE-56BA85EFC8B5}" type="sibTrans" cxnId="{57AD9949-1AB0-4939-8216-5D1238BAE123}">
+      <dgm:prSet/>
+      <dgm:spPr/>
+      <dgm:t>
+        <a:bodyPr/>
+        <a:lstStyle/>
+        <a:p>
+          <a:endParaRPr lang="de-DE"/>
+        </a:p>
+      </dgm:t>
+    </dgm:pt>
+    <dgm:pt modelId="{EADC2ABF-2C8C-448A-A447-75D3492676D7}">
+      <dgm:prSet/>
+      <dgm:spPr/>
+    </dgm:pt>
+    <dgm:pt modelId="{CD9DE449-17B8-4B9C-AFE8-01C3341702DC}" type="parTrans" cxnId="{4D94BFC7-D83F-447E-8A17-6037A698590B}">
+      <dgm:prSet/>
+      <dgm:spPr/>
+      <dgm:t>
+        <a:bodyPr/>
+        <a:lstStyle/>
+        <a:p>
+          <a:endParaRPr lang="de-DE"/>
+        </a:p>
+      </dgm:t>
+    </dgm:pt>
+    <dgm:pt modelId="{2F266619-3758-48A4-9578-BBD976097F68}" type="sibTrans" cxnId="{4D94BFC7-D83F-447E-8A17-6037A698590B}">
+      <dgm:prSet/>
+      <dgm:spPr/>
+      <dgm:t>
+        <a:bodyPr/>
+        <a:lstStyle/>
+        <a:p>
+          <a:endParaRPr lang="de-DE"/>
+        </a:p>
+      </dgm:t>
+    </dgm:pt>
+    <dgm:pt modelId="{6100C780-ABC7-4CD1-BB90-962B32EF5578}">
+      <dgm:prSet/>
+      <dgm:spPr/>
+    </dgm:pt>
+    <dgm:pt modelId="{AF04F746-964B-45B1-8ED8-54995DD411D9}" type="parTrans" cxnId="{639D3601-37CE-473D-AEAA-753AAFFD57CD}">
+      <dgm:prSet/>
+      <dgm:spPr/>
+      <dgm:t>
+        <a:bodyPr/>
+        <a:lstStyle/>
+        <a:p>
+          <a:endParaRPr lang="de-DE"/>
+        </a:p>
+      </dgm:t>
+    </dgm:pt>
+    <dgm:pt modelId="{C2C77C2D-A8B0-498E-936C-38EEB10B90E3}" type="sibTrans" cxnId="{639D3601-37CE-473D-AEAA-753AAFFD57CD}">
+      <dgm:prSet/>
+      <dgm:spPr/>
+      <dgm:t>
+        <a:bodyPr/>
+        <a:lstStyle/>
+        <a:p>
+          <a:endParaRPr lang="de-DE"/>
+        </a:p>
+      </dgm:t>
+    </dgm:pt>
+    <dgm:pt modelId="{A333B8F3-B295-45C3-BE87-EFC6AFD5DB93}">
+      <dgm:prSet/>
+      <dgm:spPr/>
+    </dgm:pt>
+    <dgm:pt modelId="{D52469C0-27CA-403C-B1A8-090DBDFFAF00}" type="parTrans" cxnId="{AF770CDE-9732-4F83-AA26-77F113EC1D38}">
+      <dgm:prSet/>
+      <dgm:spPr/>
+      <dgm:t>
+        <a:bodyPr/>
+        <a:lstStyle/>
+        <a:p>
+          <a:endParaRPr lang="de-DE"/>
+        </a:p>
+      </dgm:t>
+    </dgm:pt>
+    <dgm:pt modelId="{03F0DFAB-FB5A-4AC5-9EC9-E77DBCC07BE1}" type="sibTrans" cxnId="{AF770CDE-9732-4F83-AA26-77F113EC1D38}">
+      <dgm:prSet/>
+      <dgm:spPr/>
+      <dgm:t>
+        <a:bodyPr/>
+        <a:lstStyle/>
+        <a:p>
+          <a:endParaRPr lang="de-DE"/>
+        </a:p>
+      </dgm:t>
+    </dgm:pt>
+    <dgm:pt modelId="{5D65A7D7-54F0-409E-83F3-A39C42928CCD}" type="pres">
+      <dgm:prSet presAssocID="{0AB31669-45BB-4AD8-A85D-1E6CA8E3350A}" presName="matrix" presStyleCnt="0">
+        <dgm:presLayoutVars>
+          <dgm:chMax val="1"/>
+          <dgm:dir/>
+          <dgm:resizeHandles val="exact"/>
+        </dgm:presLayoutVars>
+      </dgm:prSet>
+      <dgm:spPr/>
+    </dgm:pt>
+    <dgm:pt modelId="{41380682-37FB-48BA-8B0B-38ED942161FD}" type="pres">
+      <dgm:prSet presAssocID="{0AB31669-45BB-4AD8-A85D-1E6CA8E3350A}" presName="diamond" presStyleLbl="bgShp" presStyleIdx="0" presStyleCnt="1"/>
+      <dgm:spPr/>
+    </dgm:pt>
+    <dgm:pt modelId="{3974E928-E0C3-422B-8A89-C9357C4ED63F}" type="pres">
+      <dgm:prSet presAssocID="{0AB31669-45BB-4AD8-A85D-1E6CA8E3350A}" presName="quad1" presStyleLbl="node1" presStyleIdx="0" presStyleCnt="4" custScaleX="198716" custLinFactX="-4745" custLinFactNeighborX="-100000" custLinFactNeighborY="-1970">
+        <dgm:presLayoutVars>
+          <dgm:chMax val="0"/>
+          <dgm:chPref val="0"/>
+          <dgm:bulletEnabled val="1"/>
+        </dgm:presLayoutVars>
+      </dgm:prSet>
+      <dgm:spPr/>
+      <dgm:t>
+        <a:bodyPr/>
+        <a:lstStyle/>
+        <a:p>
+          <a:endParaRPr lang="de-DE"/>
+        </a:p>
+      </dgm:t>
+    </dgm:pt>
+    <dgm:pt modelId="{1855415B-4D5F-46A4-96B6-F1480C31EF87}" type="pres">
+      <dgm:prSet presAssocID="{0AB31669-45BB-4AD8-A85D-1E6CA8E3350A}" presName="quad2" presStyleLbl="node1" presStyleIdx="1" presStyleCnt="4" custScaleX="198716" custLinFactX="6786" custLinFactNeighborX="100000" custLinFactNeighborY="-1970">
+        <dgm:presLayoutVars>
+          <dgm:chMax val="0"/>
+          <dgm:chPref val="0"/>
+          <dgm:bulletEnabled val="1"/>
+        </dgm:presLayoutVars>
+      </dgm:prSet>
+      <dgm:spPr/>
+    </dgm:pt>
+    <dgm:pt modelId="{D484FF22-98C9-40CD-BCAB-4628D7940ABC}" type="pres">
+      <dgm:prSet presAssocID="{0AB31669-45BB-4AD8-A85D-1E6CA8E3350A}" presName="quad3" presStyleLbl="node1" presStyleIdx="2" presStyleCnt="4" custScaleX="198716" custLinFactX="-4745" custLinFactNeighborX="-100000" custLinFactNeighborY="-3130">
+        <dgm:presLayoutVars>
+          <dgm:chMax val="0"/>
+          <dgm:chPref val="0"/>
+          <dgm:bulletEnabled val="1"/>
+        </dgm:presLayoutVars>
+      </dgm:prSet>
+      <dgm:spPr/>
+    </dgm:pt>
+    <dgm:pt modelId="{BEE99ED4-0B63-4E01-B455-7B82426C8B55}" type="pres">
+      <dgm:prSet presAssocID="{0AB31669-45BB-4AD8-A85D-1E6CA8E3350A}" presName="quad4" presStyleLbl="node1" presStyleIdx="3" presStyleCnt="4" custScaleX="198716" custLinFactX="6786" custLinFactNeighborX="100000" custLinFactNeighborY="-3130">
+        <dgm:presLayoutVars>
+          <dgm:chMax val="0"/>
+          <dgm:chPref val="0"/>
+          <dgm:bulletEnabled val="1"/>
+        </dgm:presLayoutVars>
+      </dgm:prSet>
+      <dgm:spPr/>
+    </dgm:pt>
+  </dgm:ptLst>
+  <dgm:cxnLst>
+    <dgm:cxn modelId="{53F0B771-D35D-4DCF-B9C7-76BD52E52DAE}" srcId="{0AB31669-45BB-4AD8-A85D-1E6CA8E3350A}" destId="{6664E53C-9F9E-49CC-9F8F-E8A789356998}" srcOrd="0" destOrd="0" parTransId="{311D7C74-1DB8-48FD-99BC-14C0559DE296}" sibTransId="{627210B7-BD10-428D-BDAA-0459F8B883FC}"/>
+    <dgm:cxn modelId="{5D682989-DF72-46C3-BFE4-371C6C5F43E9}" srcId="{0AB31669-45BB-4AD8-A85D-1E6CA8E3350A}" destId="{F8583F4E-1EC8-4C25-A0A3-868AC4C798C9}" srcOrd="5" destOrd="0" parTransId="{A163BF03-8EAC-4FDB-930C-EFB9016DBBEA}" sibTransId="{51E81C61-1CDE-43E5-933A-FB8F7BD46F38}"/>
+    <dgm:cxn modelId="{AD5A13AA-2462-47DC-A1EC-7B9498968257}" type="presOf" srcId="{7BDCB649-B1C5-4FC2-AF64-3767CE7AC2B8}" destId="{BEE99ED4-0B63-4E01-B455-7B82426C8B55}" srcOrd="0" destOrd="0" presId="urn:microsoft.com/office/officeart/2005/8/layout/matrix3"/>
+    <dgm:cxn modelId="{AF770CDE-9732-4F83-AA26-77F113EC1D38}" srcId="{0AB31669-45BB-4AD8-A85D-1E6CA8E3350A}" destId="{A333B8F3-B295-45C3-BE87-EFC6AFD5DB93}" srcOrd="10" destOrd="0" parTransId="{D52469C0-27CA-403C-B1A8-090DBDFFAF00}" sibTransId="{03F0DFAB-FB5A-4AC5-9EC9-E77DBCC07BE1}"/>
+    <dgm:cxn modelId="{A09DB4DB-5CF2-4615-AE38-19433A58246E}" srcId="{0AB31669-45BB-4AD8-A85D-1E6CA8E3350A}" destId="{AADE1167-4C94-4CFF-89F3-B38D55A15922}" srcOrd="4" destOrd="0" parTransId="{1F38AC0C-0700-4851-889E-AB87A5D03606}" sibTransId="{E6A7B9D6-EB56-4B2A-9DFE-8B4DEDFA46FF}"/>
+    <dgm:cxn modelId="{7F6B6A69-957D-482E-A29F-FAC14486F2B6}" srcId="{0AB31669-45BB-4AD8-A85D-1E6CA8E3350A}" destId="{7BDCB649-B1C5-4FC2-AF64-3767CE7AC2B8}" srcOrd="3" destOrd="0" parTransId="{CB0A7A21-35C0-4579-BBAD-D64672B35839}" sibTransId="{9F48BB50-A56C-4901-A3C0-830879612EB4}"/>
+    <dgm:cxn modelId="{1670D461-4396-43C9-8677-27E84CE3FD7A}" srcId="{0AB31669-45BB-4AD8-A85D-1E6CA8E3350A}" destId="{E78AF096-C54A-498F-A781-424A99346EFD}" srcOrd="1" destOrd="0" parTransId="{F4EC4CD2-ED1A-41DC-9D96-CAFCBAC60630}" sibTransId="{2BFEA4FF-EF80-4643-A1CB-524002EDFC95}"/>
+    <dgm:cxn modelId="{E127B3B4-4CA8-45CF-900F-5E18CC8DA4D0}" type="presOf" srcId="{E78AF096-C54A-498F-A781-424A99346EFD}" destId="{1855415B-4D5F-46A4-96B6-F1480C31EF87}" srcOrd="0" destOrd="0" presId="urn:microsoft.com/office/officeart/2005/8/layout/matrix3"/>
+    <dgm:cxn modelId="{639D3601-37CE-473D-AEAA-753AAFFD57CD}" srcId="{0AB31669-45BB-4AD8-A85D-1E6CA8E3350A}" destId="{6100C780-ABC7-4CD1-BB90-962B32EF5578}" srcOrd="9" destOrd="0" parTransId="{AF04F746-964B-45B1-8ED8-54995DD411D9}" sibTransId="{C2C77C2D-A8B0-498E-936C-38EEB10B90E3}"/>
+    <dgm:cxn modelId="{DB758F07-966C-46A4-8F6A-66D9FEC5A92D}" srcId="{0AB31669-45BB-4AD8-A85D-1E6CA8E3350A}" destId="{F87A924F-72EF-4744-817D-E372AC69FC37}" srcOrd="6" destOrd="0" parTransId="{940A1C66-046F-4721-8F3F-1AF5E5A41CB6}" sibTransId="{7CB0011F-53E0-4050-82CE-E03CDC300EE9}"/>
+    <dgm:cxn modelId="{96087256-38D2-45A7-A663-45B822700542}" type="presOf" srcId="{0AB31669-45BB-4AD8-A85D-1E6CA8E3350A}" destId="{5D65A7D7-54F0-409E-83F3-A39C42928CCD}" srcOrd="0" destOrd="0" presId="urn:microsoft.com/office/officeart/2005/8/layout/matrix3"/>
+    <dgm:cxn modelId="{B1E304C8-977B-479B-B3AA-19EF81B21647}" type="presOf" srcId="{A5F6CFDE-8ED4-4FFD-93E9-BF8F9615E539}" destId="{D484FF22-98C9-40CD-BCAB-4628D7940ABC}" srcOrd="0" destOrd="0" presId="urn:microsoft.com/office/officeart/2005/8/layout/matrix3"/>
+    <dgm:cxn modelId="{502283F2-6396-4285-89D8-C63CDA8EAC86}" srcId="{0AB31669-45BB-4AD8-A85D-1E6CA8E3350A}" destId="{A5F6CFDE-8ED4-4FFD-93E9-BF8F9615E539}" srcOrd="2" destOrd="0" parTransId="{07F75C59-28DA-4899-9CAD-9DDB68ED7EF6}" sibTransId="{F7A55F9A-E74E-47FE-80B6-AD4E3816D037}"/>
+    <dgm:cxn modelId="{4D94BFC7-D83F-447E-8A17-6037A698590B}" srcId="{0AB31669-45BB-4AD8-A85D-1E6CA8E3350A}" destId="{EADC2ABF-2C8C-448A-A447-75D3492676D7}" srcOrd="8" destOrd="0" parTransId="{CD9DE449-17B8-4B9C-AFE8-01C3341702DC}" sibTransId="{2F266619-3758-48A4-9578-BBD976097F68}"/>
+    <dgm:cxn modelId="{57AD9949-1AB0-4939-8216-5D1238BAE123}" srcId="{0AB31669-45BB-4AD8-A85D-1E6CA8E3350A}" destId="{9DC9794A-7BF4-44B9-A00A-754F2728B1C9}" srcOrd="7" destOrd="0" parTransId="{D0547CDF-D860-42A2-BB7F-E8C31214AF34}" sibTransId="{A65F0180-34D8-43D4-96CE-56BA85EFC8B5}"/>
+    <dgm:cxn modelId="{DF7CDC72-C129-4992-83C8-FC39DCD2CF55}" type="presOf" srcId="{6664E53C-9F9E-49CC-9F8F-E8A789356998}" destId="{3974E928-E0C3-422B-8A89-C9357C4ED63F}" srcOrd="0" destOrd="0" presId="urn:microsoft.com/office/officeart/2005/8/layout/matrix3"/>
+    <dgm:cxn modelId="{369140BE-6E93-4DAB-82FA-A6B2326B7EB4}" type="presParOf" srcId="{5D65A7D7-54F0-409E-83F3-A39C42928CCD}" destId="{41380682-37FB-48BA-8B0B-38ED942161FD}" srcOrd="0" destOrd="0" presId="urn:microsoft.com/office/officeart/2005/8/layout/matrix3"/>
+    <dgm:cxn modelId="{3C718340-115C-4CB4-820F-AC749F2874C0}" type="presParOf" srcId="{5D65A7D7-54F0-409E-83F3-A39C42928CCD}" destId="{3974E928-E0C3-422B-8A89-C9357C4ED63F}" srcOrd="1" destOrd="0" presId="urn:microsoft.com/office/officeart/2005/8/layout/matrix3"/>
+    <dgm:cxn modelId="{94E29429-BA2A-49F8-9CDF-FF5301E9680F}" type="presParOf" srcId="{5D65A7D7-54F0-409E-83F3-A39C42928CCD}" destId="{1855415B-4D5F-46A4-96B6-F1480C31EF87}" srcOrd="2" destOrd="0" presId="urn:microsoft.com/office/officeart/2005/8/layout/matrix3"/>
+    <dgm:cxn modelId="{BAE6EE5E-2A83-4BC1-AE75-5915DDFB36A2}" type="presParOf" srcId="{5D65A7D7-54F0-409E-83F3-A39C42928CCD}" destId="{D484FF22-98C9-40CD-BCAB-4628D7940ABC}" srcOrd="3" destOrd="0" presId="urn:microsoft.com/office/officeart/2005/8/layout/matrix3"/>
+    <dgm:cxn modelId="{D42B00F3-D107-467C-BE22-196D2B410CEA}" type="presParOf" srcId="{5D65A7D7-54F0-409E-83F3-A39C42928CCD}" destId="{BEE99ED4-0B63-4E01-B455-7B82426C8B55}" srcOrd="4" destOrd="0" presId="urn:microsoft.com/office/officeart/2005/8/layout/matrix3"/>
+  </dgm:cxnLst>
+  <dgm:bg/>
+  <dgm:whole/>
+</dgm:dataModel>
+</file>
+
+<file path=ppt/diagrams/data2.xml><?xml version="1.0" encoding="utf-8"?>
 <dgm:dataModel xmlns:dgm="http://schemas.openxmlformats.org/drawingml/2006/diagram" xmlns:a="http://schemas.openxmlformats.org/drawingml/2006/main">
   <dgm:ptLst>
     <dgm:pt modelId="{EB00BD1B-7301-428A-8817-3BFF72DB34C9}" type="doc">
@@ -2211,21 +3428,21 @@
     </dgm:pt>
   </dgm:ptLst>
   <dgm:cxnLst>
+    <dgm:cxn modelId="{004CFCD9-F4D1-4FC5-904F-EF20D9F4D27A}" type="presOf" srcId="{25C6851C-E80E-429B-84A6-8BAA2C1977F5}" destId="{8485AA87-7A55-40A6-8DD6-7ABFAB47EE33}" srcOrd="0" destOrd="0" presId="urn:microsoft.com/office/officeart/2005/8/layout/process5"/>
+    <dgm:cxn modelId="{12DBF19D-E2C1-4DF8-83DD-6F0229FD962E}" type="presOf" srcId="{BF616858-2975-4F52-825D-3BC51AC7C44B}" destId="{864E56A6-9908-4E74-B951-1FDD023423A9}" srcOrd="0" destOrd="0" presId="urn:microsoft.com/office/officeart/2005/8/layout/process5"/>
+    <dgm:cxn modelId="{35B985BD-068C-4C82-A92A-9A49F38DDEC4}" type="presOf" srcId="{EB00BD1B-7301-428A-8817-3BFF72DB34C9}" destId="{ED8CB579-42AE-411B-9018-46136E6EB0FB}" srcOrd="0" destOrd="0" presId="urn:microsoft.com/office/officeart/2005/8/layout/process5"/>
+    <dgm:cxn modelId="{ACE55A73-1E51-43D8-B8E6-538BDBF66844}" type="presOf" srcId="{174BCD73-6F47-4880-B8F9-22CF9C3D6E51}" destId="{5E6F1F2B-D117-42D3-A2D7-4A49526DFA54}" srcOrd="1" destOrd="0" presId="urn:microsoft.com/office/officeart/2005/8/layout/process5"/>
+    <dgm:cxn modelId="{1135C784-48E3-40C0-8775-20484ED7E245}" type="presOf" srcId="{AE6EA62D-1259-47DC-B9C2-D732FC01A4C0}" destId="{7F36E413-CF9C-420C-8807-4857F82F70AF}" srcOrd="0" destOrd="0" presId="urn:microsoft.com/office/officeart/2005/8/layout/process5"/>
+    <dgm:cxn modelId="{BE45BB5B-12D8-43AE-B6E4-7538E4149147}" srcId="{EB00BD1B-7301-428A-8817-3BFF72DB34C9}" destId="{99E60159-F719-48E5-9EBC-E36EE0F20079}" srcOrd="1" destOrd="0" parTransId="{6290A01A-A9AF-44ED-B1BE-075CD24FBB5A}" sibTransId="{25C6851C-E80E-429B-84A6-8BAA2C1977F5}"/>
+    <dgm:cxn modelId="{E054317A-550B-441E-BB46-804A7E7F3808}" type="presOf" srcId="{AE6EA62D-1259-47DC-B9C2-D732FC01A4C0}" destId="{AB566722-5614-4FF7-B093-89C6233992F7}" srcOrd="1" destOrd="0" presId="urn:microsoft.com/office/officeart/2005/8/layout/process5"/>
+    <dgm:cxn modelId="{DDD45F40-5393-4069-B28D-F13EBA2524AB}" type="presOf" srcId="{CA8D0DFA-92B4-4AC3-B73B-8007921EA258}" destId="{4693E9C8-FB29-4BAC-AD6C-70620E8075D3}" srcOrd="0" destOrd="0" presId="urn:microsoft.com/office/officeart/2005/8/layout/process5"/>
+    <dgm:cxn modelId="{2F121697-DB4F-412E-9435-832545460A03}" srcId="{EB00BD1B-7301-428A-8817-3BFF72DB34C9}" destId="{15F89E0B-4147-4C18-A6D6-9D074BCFE1C5}" srcOrd="0" destOrd="0" parTransId="{69CF8F3F-B9BF-4CE2-85CC-29BE743338AD}" sibTransId="{AE6EA62D-1259-47DC-B9C2-D732FC01A4C0}"/>
+    <dgm:cxn modelId="{8AF6FE36-87BB-4BAE-9437-6EA1FFE3D02D}" type="presOf" srcId="{99E60159-F719-48E5-9EBC-E36EE0F20079}" destId="{4B1B6C31-A6F1-475D-87FC-09A1958D6645}" srcOrd="0" destOrd="0" presId="urn:microsoft.com/office/officeart/2005/8/layout/process5"/>
+    <dgm:cxn modelId="{7549B8E4-462C-45FE-B353-22C60DD54C16}" srcId="{EB00BD1B-7301-428A-8817-3BFF72DB34C9}" destId="{CA8D0DFA-92B4-4AC3-B73B-8007921EA258}" srcOrd="2" destOrd="0" parTransId="{6533984C-AFB6-404C-9101-21723A021D21}" sibTransId="{174BCD73-6F47-4880-B8F9-22CF9C3D6E51}"/>
+    <dgm:cxn modelId="{FF6A9E21-4BDA-43F0-890E-09CDC09097B4}" type="presOf" srcId="{25C6851C-E80E-429B-84A6-8BAA2C1977F5}" destId="{F5D9A138-AC39-4251-927F-C7B9FC860287}" srcOrd="1" destOrd="0" presId="urn:microsoft.com/office/officeart/2005/8/layout/process5"/>
+    <dgm:cxn modelId="{F2C06B11-B30D-4FE8-AEAC-1A71296120B1}" type="presOf" srcId="{174BCD73-6F47-4880-B8F9-22CF9C3D6E51}" destId="{EE542BFE-AEC8-432C-926C-28EEE1B1DD53}" srcOrd="0" destOrd="0" presId="urn:microsoft.com/office/officeart/2005/8/layout/process5"/>
+    <dgm:cxn modelId="{BC1CDD21-D598-4557-B944-AF600D20994B}" type="presOf" srcId="{15F89E0B-4147-4C18-A6D6-9D074BCFE1C5}" destId="{983A1CE5-54B5-42A9-A81E-B560825070E8}" srcOrd="0" destOrd="0" presId="urn:microsoft.com/office/officeart/2005/8/layout/process5"/>
     <dgm:cxn modelId="{63C28DD9-53B9-4877-B598-306F4E6DC740}" srcId="{EB00BD1B-7301-428A-8817-3BFF72DB34C9}" destId="{BF616858-2975-4F52-825D-3BC51AC7C44B}" srcOrd="3" destOrd="0" parTransId="{BA04BEBA-295D-4503-AFE7-24DAA2FCD8D1}" sibTransId="{D33367AC-B01A-4D87-AA55-183B245AB586}"/>
-    <dgm:cxn modelId="{BC1CDD21-D598-4557-B944-AF600D20994B}" type="presOf" srcId="{15F89E0B-4147-4C18-A6D6-9D074BCFE1C5}" destId="{983A1CE5-54B5-42A9-A81E-B560825070E8}" srcOrd="0" destOrd="0" presId="urn:microsoft.com/office/officeart/2005/8/layout/process5"/>
-    <dgm:cxn modelId="{F2C06B11-B30D-4FE8-AEAC-1A71296120B1}" type="presOf" srcId="{174BCD73-6F47-4880-B8F9-22CF9C3D6E51}" destId="{EE542BFE-AEC8-432C-926C-28EEE1B1DD53}" srcOrd="0" destOrd="0" presId="urn:microsoft.com/office/officeart/2005/8/layout/process5"/>
-    <dgm:cxn modelId="{004CFCD9-F4D1-4FC5-904F-EF20D9F4D27A}" type="presOf" srcId="{25C6851C-E80E-429B-84A6-8BAA2C1977F5}" destId="{8485AA87-7A55-40A6-8DD6-7ABFAB47EE33}" srcOrd="0" destOrd="0" presId="urn:microsoft.com/office/officeart/2005/8/layout/process5"/>
-    <dgm:cxn modelId="{2F121697-DB4F-412E-9435-832545460A03}" srcId="{EB00BD1B-7301-428A-8817-3BFF72DB34C9}" destId="{15F89E0B-4147-4C18-A6D6-9D074BCFE1C5}" srcOrd="0" destOrd="0" parTransId="{69CF8F3F-B9BF-4CE2-85CC-29BE743338AD}" sibTransId="{AE6EA62D-1259-47DC-B9C2-D732FC01A4C0}"/>
-    <dgm:cxn modelId="{12DBF19D-E2C1-4DF8-83DD-6F0229FD962E}" type="presOf" srcId="{BF616858-2975-4F52-825D-3BC51AC7C44B}" destId="{864E56A6-9908-4E74-B951-1FDD023423A9}" srcOrd="0" destOrd="0" presId="urn:microsoft.com/office/officeart/2005/8/layout/process5"/>
-    <dgm:cxn modelId="{BE45BB5B-12D8-43AE-B6E4-7538E4149147}" srcId="{EB00BD1B-7301-428A-8817-3BFF72DB34C9}" destId="{99E60159-F719-48E5-9EBC-E36EE0F20079}" srcOrd="1" destOrd="0" parTransId="{6290A01A-A9AF-44ED-B1BE-075CD24FBB5A}" sibTransId="{25C6851C-E80E-429B-84A6-8BAA2C1977F5}"/>
-    <dgm:cxn modelId="{35B985BD-068C-4C82-A92A-9A49F38DDEC4}" type="presOf" srcId="{EB00BD1B-7301-428A-8817-3BFF72DB34C9}" destId="{ED8CB579-42AE-411B-9018-46136E6EB0FB}" srcOrd="0" destOrd="0" presId="urn:microsoft.com/office/officeart/2005/8/layout/process5"/>
-    <dgm:cxn modelId="{1135C784-48E3-40C0-8775-20484ED7E245}" type="presOf" srcId="{AE6EA62D-1259-47DC-B9C2-D732FC01A4C0}" destId="{7F36E413-CF9C-420C-8807-4857F82F70AF}" srcOrd="0" destOrd="0" presId="urn:microsoft.com/office/officeart/2005/8/layout/process5"/>
-    <dgm:cxn modelId="{8AF6FE36-87BB-4BAE-9437-6EA1FFE3D02D}" type="presOf" srcId="{99E60159-F719-48E5-9EBC-E36EE0F20079}" destId="{4B1B6C31-A6F1-475D-87FC-09A1958D6645}" srcOrd="0" destOrd="0" presId="urn:microsoft.com/office/officeart/2005/8/layout/process5"/>
-    <dgm:cxn modelId="{DDD45F40-5393-4069-B28D-F13EBA2524AB}" type="presOf" srcId="{CA8D0DFA-92B4-4AC3-B73B-8007921EA258}" destId="{4693E9C8-FB29-4BAC-AD6C-70620E8075D3}" srcOrd="0" destOrd="0" presId="urn:microsoft.com/office/officeart/2005/8/layout/process5"/>
-    <dgm:cxn modelId="{E054317A-550B-441E-BB46-804A7E7F3808}" type="presOf" srcId="{AE6EA62D-1259-47DC-B9C2-D732FC01A4C0}" destId="{AB566722-5614-4FF7-B093-89C6233992F7}" srcOrd="1" destOrd="0" presId="urn:microsoft.com/office/officeart/2005/8/layout/process5"/>
-    <dgm:cxn modelId="{7549B8E4-462C-45FE-B353-22C60DD54C16}" srcId="{EB00BD1B-7301-428A-8817-3BFF72DB34C9}" destId="{CA8D0DFA-92B4-4AC3-B73B-8007921EA258}" srcOrd="2" destOrd="0" parTransId="{6533984C-AFB6-404C-9101-21723A021D21}" sibTransId="{174BCD73-6F47-4880-B8F9-22CF9C3D6E51}"/>
-    <dgm:cxn modelId="{ACE55A73-1E51-43D8-B8E6-538BDBF66844}" type="presOf" srcId="{174BCD73-6F47-4880-B8F9-22CF9C3D6E51}" destId="{5E6F1F2B-D117-42D3-A2D7-4A49526DFA54}" srcOrd="1" destOrd="0" presId="urn:microsoft.com/office/officeart/2005/8/layout/process5"/>
-    <dgm:cxn modelId="{FF6A9E21-4BDA-43F0-890E-09CDC09097B4}" type="presOf" srcId="{25C6851C-E80E-429B-84A6-8BAA2C1977F5}" destId="{F5D9A138-AC39-4251-927F-C7B9FC860287}" srcOrd="1" destOrd="0" presId="urn:microsoft.com/office/officeart/2005/8/layout/process5"/>
     <dgm:cxn modelId="{E6B550C2-2877-45C0-97F5-EB811EB51CBB}" type="presParOf" srcId="{ED8CB579-42AE-411B-9018-46136E6EB0FB}" destId="{983A1CE5-54B5-42A9-A81E-B560825070E8}" srcOrd="0" destOrd="0" presId="urn:microsoft.com/office/officeart/2005/8/layout/process5"/>
     <dgm:cxn modelId="{E504A654-75FE-4632-B41C-0E20CBB3E010}" type="presParOf" srcId="{ED8CB579-42AE-411B-9018-46136E6EB0FB}" destId="{7F36E413-CF9C-420C-8807-4857F82F70AF}" srcOrd="1" destOrd="0" presId="urn:microsoft.com/office/officeart/2005/8/layout/process5"/>
     <dgm:cxn modelId="{D061CDB1-4549-4229-9EEF-B61A14E2E4CF}" type="presParOf" srcId="{7F36E413-CF9C-420C-8807-4857F82F70AF}" destId="{AB566722-5614-4FF7-B093-89C6233992F7}" srcOrd="0" destOrd="0" presId="urn:microsoft.com/office/officeart/2005/8/layout/process5"/>
@@ -2241,13 +3458,13 @@
   <dgm:whole/>
   <dgm:extLst>
     <a:ext uri="http://schemas.microsoft.com/office/drawing/2008/diagram">
-      <dsp:dataModelExt xmlns:dsp="http://schemas.microsoft.com/office/drawing/2008/diagram" relId="rId6" minVer="http://schemas.openxmlformats.org/drawingml/2006/diagram"/>
+      <dsp:dataModelExt xmlns:dsp="http://schemas.microsoft.com/office/drawing/2008/diagram" xmlns="" relId="rId6" minVer="http://schemas.openxmlformats.org/drawingml/2006/diagram"/>
     </a:ext>
   </dgm:extLst>
 </dgm:dataModel>
 </file>
 
-<file path=ppt/diagrams/data2.xml><?xml version="1.0" encoding="utf-8"?>
+<file path=ppt/diagrams/data3.xml><?xml version="1.0" encoding="utf-8"?>
 <dgm:dataModel xmlns:dgm="http://schemas.openxmlformats.org/drawingml/2006/diagram" xmlns:a="http://schemas.openxmlformats.org/drawingml/2006/main">
   <dgm:ptLst>
     <dgm:pt modelId="{84F71D73-78AE-40DD-929B-039EBEDA3B39}" type="doc">
@@ -2558,19 +3775,19 @@
     </dgm:pt>
   </dgm:ptLst>
   <dgm:cxnLst>
+    <dgm:cxn modelId="{F6EC27B3-CBD2-4546-9350-11322ED09E06}" type="presOf" srcId="{84F71D73-78AE-40DD-929B-039EBEDA3B39}" destId="{EE8108F1-001A-40F8-82EC-BEF8C11E0B9D}" srcOrd="0" destOrd="0" presId="urn:microsoft.com/office/officeart/2005/8/layout/process3"/>
     <dgm:cxn modelId="{6FC90662-AC61-47C8-8CBB-611CF2603F86}" type="presOf" srcId="{19E1A2AC-DC1C-4066-A138-3B4A94B2C142}" destId="{A90CE6AF-EEB9-4F4C-AF8C-474F968A4847}" srcOrd="1" destOrd="0" presId="urn:microsoft.com/office/officeart/2005/8/layout/process3"/>
-    <dgm:cxn modelId="{757A89D4-194B-4B91-932F-E7DE5808EC1D}" srcId="{6A9F56C7-0414-4B6E-A083-29B7C493A933}" destId="{5D463E45-6AE1-4865-85C5-F8396D2B9102}" srcOrd="0" destOrd="0" parTransId="{2B4219EE-5AAE-4DCF-80D9-604793AF4ED1}" sibTransId="{E0AC2389-1DB1-4EEA-965B-985E1AD5EF6E}"/>
-    <dgm:cxn modelId="{2AE1C5B5-E2B6-4BBF-B618-95A514E58CD1}" type="presOf" srcId="{5D463E45-6AE1-4865-85C5-F8396D2B9102}" destId="{2688DCC3-9AF8-4B84-A209-FB186533A77C}" srcOrd="0" destOrd="0" presId="urn:microsoft.com/office/officeart/2005/8/layout/process3"/>
-    <dgm:cxn modelId="{5BCF6B23-7D4A-4748-AD79-CB93DA96B80F}" type="presOf" srcId="{BBFA038B-DCAB-48E3-896B-43B5D0F6588D}" destId="{D770E38D-C360-4F83-B09E-C7842B0B8617}" srcOrd="0" destOrd="0" presId="urn:microsoft.com/office/officeart/2005/8/layout/process3"/>
-    <dgm:cxn modelId="{8320DE55-7408-4B86-AE4A-2E152D79357B}" type="presOf" srcId="{BBFA038B-DCAB-48E3-896B-43B5D0F6588D}" destId="{FD9B6B60-C688-495C-9735-32577F2B2959}" srcOrd="1" destOrd="0" presId="urn:microsoft.com/office/officeart/2005/8/layout/process3"/>
-    <dgm:cxn modelId="{2955F971-949F-442F-99C9-A07F867349DB}" type="presOf" srcId="{843B984B-DFC2-43AF-BF0B-9B41A5563499}" destId="{CA062347-00FC-4CFA-BBB5-6843A8858B2D}" srcOrd="0" destOrd="0" presId="urn:microsoft.com/office/officeart/2005/8/layout/process3"/>
     <dgm:cxn modelId="{1F9E0E03-F35B-461F-99E4-B43596F39474}" srcId="{84F71D73-78AE-40DD-929B-039EBEDA3B39}" destId="{6A9F56C7-0414-4B6E-A083-29B7C493A933}" srcOrd="1" destOrd="0" parTransId="{AA8FC098-0358-4507-859D-4CAD01F61BFD}" sibTransId="{FAC94327-2F69-4C0F-B9EE-9244622BDB20}"/>
     <dgm:cxn modelId="{628F3D61-C425-4D5D-A94D-9B2F8E38C849}" type="presOf" srcId="{6A9F56C7-0414-4B6E-A083-29B7C493A933}" destId="{D91C3E56-5A92-4718-8290-C7D915400D36}" srcOrd="1" destOrd="0" presId="urn:microsoft.com/office/officeart/2005/8/layout/process3"/>
-    <dgm:cxn modelId="{F6EC27B3-CBD2-4546-9350-11322ED09E06}" type="presOf" srcId="{84F71D73-78AE-40DD-929B-039EBEDA3B39}" destId="{EE8108F1-001A-40F8-82EC-BEF8C11E0B9D}" srcOrd="0" destOrd="0" presId="urn:microsoft.com/office/officeart/2005/8/layout/process3"/>
+    <dgm:cxn modelId="{757A89D4-194B-4B91-932F-E7DE5808EC1D}" srcId="{6A9F56C7-0414-4B6E-A083-29B7C493A933}" destId="{5D463E45-6AE1-4865-85C5-F8396D2B9102}" srcOrd="0" destOrd="0" parTransId="{2B4219EE-5AAE-4DCF-80D9-604793AF4ED1}" sibTransId="{E0AC2389-1DB1-4EEA-965B-985E1AD5EF6E}"/>
     <dgm:cxn modelId="{B6A08370-234E-4A56-A1EA-F67A4ABEE5CF}" type="presOf" srcId="{19E1A2AC-DC1C-4066-A138-3B4A94B2C142}" destId="{39F98D1B-FA55-4FD6-B53D-7AD98F6DA676}" srcOrd="0" destOrd="0" presId="urn:microsoft.com/office/officeart/2005/8/layout/process3"/>
+    <dgm:cxn modelId="{5BCF6B23-7D4A-4748-AD79-CB93DA96B80F}" type="presOf" srcId="{BBFA038B-DCAB-48E3-896B-43B5D0F6588D}" destId="{D770E38D-C360-4F83-B09E-C7842B0B8617}" srcOrd="0" destOrd="0" presId="urn:microsoft.com/office/officeart/2005/8/layout/process3"/>
+    <dgm:cxn modelId="{E15F5AD9-2386-45F1-8F8A-EF1BE3688B6D}" srcId="{84F71D73-78AE-40DD-929B-039EBEDA3B39}" destId="{19E1A2AC-DC1C-4066-A138-3B4A94B2C142}" srcOrd="0" destOrd="0" parTransId="{392A88A7-2EE4-41A6-A93F-CE0E59D9023B}" sibTransId="{BBFA038B-DCAB-48E3-896B-43B5D0F6588D}"/>
     <dgm:cxn modelId="{57C8769C-6413-466E-AFF6-DA7C59A10AEA}" type="presOf" srcId="{6A9F56C7-0414-4B6E-A083-29B7C493A933}" destId="{78F5E295-D9AF-4A38-8F14-8C491FBAF70F}" srcOrd="0" destOrd="0" presId="urn:microsoft.com/office/officeart/2005/8/layout/process3"/>
-    <dgm:cxn modelId="{E15F5AD9-2386-45F1-8F8A-EF1BE3688B6D}" srcId="{84F71D73-78AE-40DD-929B-039EBEDA3B39}" destId="{19E1A2AC-DC1C-4066-A138-3B4A94B2C142}" srcOrd="0" destOrd="0" parTransId="{392A88A7-2EE4-41A6-A93F-CE0E59D9023B}" sibTransId="{BBFA038B-DCAB-48E3-896B-43B5D0F6588D}"/>
     <dgm:cxn modelId="{EA2E2885-94DC-4547-AB9C-0AB567966FCD}" srcId="{19E1A2AC-DC1C-4066-A138-3B4A94B2C142}" destId="{843B984B-DFC2-43AF-BF0B-9B41A5563499}" srcOrd="0" destOrd="0" parTransId="{668E962B-B2AC-4B78-9963-76E65BBC8633}" sibTransId="{5A7A0893-19E9-452B-B559-29A217286C3B}"/>
+    <dgm:cxn modelId="{2955F971-949F-442F-99C9-A07F867349DB}" type="presOf" srcId="{843B984B-DFC2-43AF-BF0B-9B41A5563499}" destId="{CA062347-00FC-4CFA-BBB5-6843A8858B2D}" srcOrd="0" destOrd="0" presId="urn:microsoft.com/office/officeart/2005/8/layout/process3"/>
+    <dgm:cxn modelId="{2AE1C5B5-E2B6-4BBF-B618-95A514E58CD1}" type="presOf" srcId="{5D463E45-6AE1-4865-85C5-F8396D2B9102}" destId="{2688DCC3-9AF8-4B84-A209-FB186533A77C}" srcOrd="0" destOrd="0" presId="urn:microsoft.com/office/officeart/2005/8/layout/process3"/>
+    <dgm:cxn modelId="{8320DE55-7408-4B86-AE4A-2E152D79357B}" type="presOf" srcId="{BBFA038B-DCAB-48E3-896B-43B5D0F6588D}" destId="{FD9B6B60-C688-495C-9735-32577F2B2959}" srcOrd="1" destOrd="0" presId="urn:microsoft.com/office/officeart/2005/8/layout/process3"/>
     <dgm:cxn modelId="{D5DF97A1-2053-4B41-B0BA-853251AD1243}" type="presParOf" srcId="{EE8108F1-001A-40F8-82EC-BEF8C11E0B9D}" destId="{60097DF5-3175-4BA0-9C9A-650E86943C57}" srcOrd="0" destOrd="0" presId="urn:microsoft.com/office/officeart/2005/8/layout/process3"/>
     <dgm:cxn modelId="{23D30E82-439A-4C0E-B074-AD699790336C}" type="presParOf" srcId="{60097DF5-3175-4BA0-9C9A-650E86943C57}" destId="{39F98D1B-FA55-4FD6-B53D-7AD98F6DA676}" srcOrd="0" destOrd="0" presId="urn:microsoft.com/office/officeart/2005/8/layout/process3"/>
     <dgm:cxn modelId="{428D9F5C-CFF0-4BEB-8CE7-B085FC310F30}" type="presParOf" srcId="{60097DF5-3175-4BA0-9C9A-650E86943C57}" destId="{A90CE6AF-EEB9-4F4C-AF8C-474F968A4847}" srcOrd="1" destOrd="0" presId="urn:microsoft.com/office/officeart/2005/8/layout/process3"/>
@@ -2586,7 +3803,7 @@
   <dgm:whole/>
   <dgm:extLst>
     <a:ext uri="http://schemas.microsoft.com/office/drawing/2008/diagram">
-      <dsp:dataModelExt xmlns:dsp="http://schemas.microsoft.com/office/drawing/2008/diagram" relId="rId6" minVer="http://schemas.openxmlformats.org/drawingml/2006/diagram"/>
+      <dsp:dataModelExt xmlns:dsp="http://schemas.microsoft.com/office/drawing/2008/diagram" xmlns="" relId="rId6" minVer="http://schemas.openxmlformats.org/drawingml/2006/diagram"/>
     </a:ext>
   </dgm:extLst>
 </dgm:dataModel>
@@ -3527,6 +4744,225 @@
 </file>
 
 <file path=ppt/diagrams/layout1.xml><?xml version="1.0" encoding="utf-8"?>
+<dgm:layoutDef xmlns:dgm="http://schemas.openxmlformats.org/drawingml/2006/diagram" xmlns:a="http://schemas.openxmlformats.org/drawingml/2006/main" uniqueId="urn:microsoft.com/office/officeart/2005/8/layout/matrix3">
+  <dgm:title val=""/>
+  <dgm:desc val=""/>
+  <dgm:catLst>
+    <dgm:cat type="matrix" pri="1000"/>
+    <dgm:cat type="convert" pri="18000"/>
+  </dgm:catLst>
+  <dgm:sampData>
+    <dgm:dataModel>
+      <dgm:ptLst>
+        <dgm:pt modelId="0" type="doc"/>
+        <dgm:pt modelId="1">
+          <dgm:prSet phldr="1"/>
+        </dgm:pt>
+        <dgm:pt modelId="2">
+          <dgm:prSet phldr="1"/>
+        </dgm:pt>
+        <dgm:pt modelId="3">
+          <dgm:prSet phldr="1"/>
+        </dgm:pt>
+        <dgm:pt modelId="4">
+          <dgm:prSet phldr="1"/>
+        </dgm:pt>
+      </dgm:ptLst>
+      <dgm:cxnLst>
+        <dgm:cxn modelId="5" srcId="0" destId="1" srcOrd="0" destOrd="0"/>
+        <dgm:cxn modelId="6" srcId="0" destId="2" srcOrd="1" destOrd="0"/>
+        <dgm:cxn modelId="7" srcId="0" destId="3" srcOrd="0" destOrd="0"/>
+        <dgm:cxn modelId="8" srcId="0" destId="4" srcOrd="1" destOrd="0"/>
+      </dgm:cxnLst>
+      <dgm:bg/>
+      <dgm:whole/>
+    </dgm:dataModel>
+  </dgm:sampData>
+  <dgm:styleData useDef="1">
+    <dgm:dataModel>
+      <dgm:ptLst/>
+      <dgm:bg/>
+      <dgm:whole/>
+    </dgm:dataModel>
+  </dgm:styleData>
+  <dgm:clrData useDef="1">
+    <dgm:dataModel>
+      <dgm:ptLst/>
+      <dgm:bg/>
+      <dgm:whole/>
+    </dgm:dataModel>
+  </dgm:clrData>
+  <dgm:layoutNode name="matrix">
+    <dgm:varLst>
+      <dgm:chMax val="1"/>
+      <dgm:dir/>
+      <dgm:resizeHandles val="exact"/>
+    </dgm:varLst>
+    <dgm:alg type="composite">
+      <dgm:param type="ar" val="1"/>
+    </dgm:alg>
+    <dgm:shape xmlns:r="http://schemas.openxmlformats.org/officeDocument/2006/relationships" r:blip="">
+      <dgm:adjLst/>
+    </dgm:shape>
+    <dgm:presOf/>
+    <dgm:choose name="Name0">
+      <dgm:if name="Name1" func="var" arg="dir" op="equ" val="norm">
+        <dgm:constrLst>
+          <dgm:constr type="w" for="ch" forName="diamond" refType="w"/>
+          <dgm:constr type="h" for="ch" forName="diamond" refType="h"/>
+          <dgm:constr type="w" for="ch" forName="quad1" refType="w" fact="0.39"/>
+          <dgm:constr type="h" for="ch" forName="quad1" refType="h" fact="0.39"/>
+          <dgm:constr type="ctrX" for="ch" forName="quad1" refType="w" fact="0.29"/>
+          <dgm:constr type="ctrY" for="ch" forName="quad1" refType="h" fact="0.29"/>
+          <dgm:constr type="w" for="ch" forName="quad2" refType="w" fact="0.39"/>
+          <dgm:constr type="h" for="ch" forName="quad2" refType="h" fact="0.39"/>
+          <dgm:constr type="ctrX" for="ch" forName="quad2" refType="w" fact="0.71"/>
+          <dgm:constr type="ctrY" for="ch" forName="quad2" refType="h" fact="0.29"/>
+          <dgm:constr type="w" for="ch" forName="quad3" refType="w" fact="0.39"/>
+          <dgm:constr type="h" for="ch" forName="quad3" refType="h" fact="0.39"/>
+          <dgm:constr type="ctrX" for="ch" forName="quad3" refType="w" fact="0.29"/>
+          <dgm:constr type="ctrY" for="ch" forName="quad3" refType="h" fact="0.71"/>
+          <dgm:constr type="w" for="ch" forName="quad4" refType="w" fact="0.39"/>
+          <dgm:constr type="h" for="ch" forName="quad4" refType="h" fact="0.39"/>
+          <dgm:constr type="ctrX" for="ch" forName="quad4" refType="w" fact="0.71"/>
+          <dgm:constr type="ctrY" for="ch" forName="quad4" refType="h" fact="0.71"/>
+          <dgm:constr type="primFontSz" for="des" ptType="node" op="equ" val="65"/>
+        </dgm:constrLst>
+      </dgm:if>
+      <dgm:else name="Name2">
+        <dgm:constrLst>
+          <dgm:constr type="w" for="ch" forName="diamond" refType="w"/>
+          <dgm:constr type="h" for="ch" forName="diamond" refType="h"/>
+          <dgm:constr type="w" for="ch" forName="quad1" refType="w" fact="0.39"/>
+          <dgm:constr type="h" for="ch" forName="quad1" refType="h" fact="0.39"/>
+          <dgm:constr type="ctrX" for="ch" forName="quad1" refType="w" fact="0.71"/>
+          <dgm:constr type="ctrY" for="ch" forName="quad1" refType="h" fact="0.29"/>
+          <dgm:constr type="w" for="ch" forName="quad2" refType="w" fact="0.39"/>
+          <dgm:constr type="h" for="ch" forName="quad2" refType="h" fact="0.39"/>
+          <dgm:constr type="ctrX" for="ch" forName="quad2" refType="w" fact="0.29"/>
+          <dgm:constr type="ctrY" for="ch" forName="quad2" refType="h" fact="0.29"/>
+          <dgm:constr type="w" for="ch" forName="quad3" refType="w" fact="0.39"/>
+          <dgm:constr type="h" for="ch" forName="quad3" refType="h" fact="0.39"/>
+          <dgm:constr type="ctrX" for="ch" forName="quad3" refType="w" fact="0.71"/>
+          <dgm:constr type="ctrY" for="ch" forName="quad3" refType="h" fact="0.71"/>
+          <dgm:constr type="w" for="ch" forName="quad4" refType="w" fact="0.39"/>
+          <dgm:constr type="h" for="ch" forName="quad4" refType="h" fact="0.39"/>
+          <dgm:constr type="ctrX" for="ch" forName="quad4" refType="w" fact="0.29"/>
+          <dgm:constr type="ctrY" for="ch" forName="quad4" refType="h" fact="0.71"/>
+          <dgm:constr type="primFontSz" for="des" ptType="node" op="equ" val="65"/>
+        </dgm:constrLst>
+      </dgm:else>
+    </dgm:choose>
+    <dgm:ruleLst/>
+    <dgm:choose name="Name3">
+      <dgm:if name="Name4" axis="ch" ptType="node" func="cnt" op="gte" val="1">
+        <dgm:layoutNode name="diamond" styleLbl="bgShp">
+          <dgm:alg type="sp"/>
+          <dgm:shape xmlns:r="http://schemas.openxmlformats.org/officeDocument/2006/relationships" type="diamond" r:blip="">
+            <dgm:adjLst/>
+          </dgm:shape>
+          <dgm:presOf/>
+          <dgm:constrLst>
+            <dgm:constr type="w" refType="h" op="equ"/>
+          </dgm:constrLst>
+          <dgm:ruleLst/>
+        </dgm:layoutNode>
+        <dgm:layoutNode name="quad1">
+          <dgm:varLst>
+            <dgm:chMax val="0"/>
+            <dgm:chPref val="0"/>
+            <dgm:bulletEnabled val="1"/>
+          </dgm:varLst>
+          <dgm:alg type="tx"/>
+          <dgm:shape xmlns:r="http://schemas.openxmlformats.org/officeDocument/2006/relationships" type="roundRect" r:blip="">
+            <dgm:adjLst/>
+          </dgm:shape>
+          <dgm:presOf axis="ch desOrSelf" ptType="node node" st="1 1" cnt="1 0"/>
+          <dgm:constrLst>
+            <dgm:constr type="w" refType="h" op="equ"/>
+            <dgm:constr type="tMarg" refType="primFontSz" fact="0.3"/>
+            <dgm:constr type="bMarg" refType="primFontSz" fact="0.3"/>
+            <dgm:constr type="lMarg" refType="primFontSz" fact="0.3"/>
+            <dgm:constr type="rMarg" refType="primFontSz" fact="0.3"/>
+          </dgm:constrLst>
+          <dgm:ruleLst>
+            <dgm:rule type="primFontSz" val="5" fact="NaN" max="NaN"/>
+          </dgm:ruleLst>
+        </dgm:layoutNode>
+        <dgm:layoutNode name="quad2">
+          <dgm:varLst>
+            <dgm:chMax val="0"/>
+            <dgm:chPref val="0"/>
+            <dgm:bulletEnabled val="1"/>
+          </dgm:varLst>
+          <dgm:alg type="tx"/>
+          <dgm:shape xmlns:r="http://schemas.openxmlformats.org/officeDocument/2006/relationships" type="roundRect" r:blip="">
+            <dgm:adjLst/>
+          </dgm:shape>
+          <dgm:presOf axis="ch desOrSelf" ptType="node node" st="2 1" cnt="1 0"/>
+          <dgm:constrLst>
+            <dgm:constr type="w" refType="h" op="equ"/>
+            <dgm:constr type="tMarg" refType="primFontSz" fact="0.3"/>
+            <dgm:constr type="bMarg" refType="primFontSz" fact="0.3"/>
+            <dgm:constr type="lMarg" refType="primFontSz" fact="0.3"/>
+            <dgm:constr type="rMarg" refType="primFontSz" fact="0.3"/>
+          </dgm:constrLst>
+          <dgm:ruleLst>
+            <dgm:rule type="primFontSz" val="5" fact="NaN" max="NaN"/>
+          </dgm:ruleLst>
+        </dgm:layoutNode>
+        <dgm:layoutNode name="quad3">
+          <dgm:varLst>
+            <dgm:chMax val="0"/>
+            <dgm:chPref val="0"/>
+            <dgm:bulletEnabled val="1"/>
+          </dgm:varLst>
+          <dgm:alg type="tx"/>
+          <dgm:shape xmlns:r="http://schemas.openxmlformats.org/officeDocument/2006/relationships" type="roundRect" r:blip="">
+            <dgm:adjLst/>
+          </dgm:shape>
+          <dgm:presOf axis="ch desOrSelf" ptType="node node" st="3 1" cnt="1 0"/>
+          <dgm:constrLst>
+            <dgm:constr type="w" refType="h" op="equ"/>
+            <dgm:constr type="tMarg" refType="primFontSz" fact="0.3"/>
+            <dgm:constr type="bMarg" refType="primFontSz" fact="0.3"/>
+            <dgm:constr type="lMarg" refType="primFontSz" fact="0.3"/>
+            <dgm:constr type="rMarg" refType="primFontSz" fact="0.3"/>
+          </dgm:constrLst>
+          <dgm:ruleLst>
+            <dgm:rule type="primFontSz" val="5" fact="NaN" max="NaN"/>
+          </dgm:ruleLst>
+        </dgm:layoutNode>
+        <dgm:layoutNode name="quad4">
+          <dgm:varLst>
+            <dgm:chMax val="0"/>
+            <dgm:chPref val="0"/>
+            <dgm:bulletEnabled val="1"/>
+          </dgm:varLst>
+          <dgm:alg type="tx"/>
+          <dgm:shape xmlns:r="http://schemas.openxmlformats.org/officeDocument/2006/relationships" type="roundRect" r:blip="">
+            <dgm:adjLst/>
+          </dgm:shape>
+          <dgm:presOf axis="ch desOrSelf" ptType="node node" st="4 1" cnt="1 0"/>
+          <dgm:constrLst>
+            <dgm:constr type="w" refType="h" op="equ"/>
+            <dgm:constr type="tMarg" refType="primFontSz" fact="0.3"/>
+            <dgm:constr type="bMarg" refType="primFontSz" fact="0.3"/>
+            <dgm:constr type="lMarg" refType="primFontSz" fact="0.3"/>
+            <dgm:constr type="rMarg" refType="primFontSz" fact="0.3"/>
+          </dgm:constrLst>
+          <dgm:ruleLst>
+            <dgm:rule type="primFontSz" val="5" fact="NaN" max="NaN"/>
+          </dgm:ruleLst>
+        </dgm:layoutNode>
+      </dgm:if>
+      <dgm:else name="Name5"/>
+    </dgm:choose>
+  </dgm:layoutNode>
+</dgm:layoutDef>
+</file>
+
+<file path=ppt/diagrams/layout2.xml><?xml version="1.0" encoding="utf-8"?>
 <dgm:layoutDef xmlns:dgm="http://schemas.openxmlformats.org/drawingml/2006/diagram" xmlns:a="http://schemas.openxmlformats.org/drawingml/2006/main" uniqueId="urn:microsoft.com/office/officeart/2005/8/layout/process5">
   <dgm:title val=""/>
   <dgm:desc val=""/>
@@ -3697,7 +5133,7 @@
 </dgm:layoutDef>
 </file>
 
-<file path=ppt/diagrams/layout2.xml><?xml version="1.0" encoding="utf-8"?>
+<file path=ppt/diagrams/layout3.xml><?xml version="1.0" encoding="utf-8"?>
 <dgm:layoutDef xmlns:dgm="http://schemas.openxmlformats.org/drawingml/2006/diagram" xmlns:a="http://schemas.openxmlformats.org/drawingml/2006/main" uniqueId="urn:microsoft.com/office/officeart/2005/8/layout/process3">
   <dgm:title val=""/>
   <dgm:desc val=""/>
@@ -6066,6 +7502,1040 @@
 </dgm:styleDef>
 </file>
 
+<file path=ppt/diagrams/quickStyle3.xml><?xml version="1.0" encoding="utf-8"?>
+<dgm:styleDef xmlns:dgm="http://schemas.openxmlformats.org/drawingml/2006/diagram" xmlns:a="http://schemas.openxmlformats.org/drawingml/2006/main" uniqueId="urn:microsoft.com/office/officeart/2005/8/quickstyle/simple1">
+  <dgm:title val=""/>
+  <dgm:desc val=""/>
+  <dgm:catLst>
+    <dgm:cat type="simple" pri="10100"/>
+  </dgm:catLst>
+  <dgm:scene3d>
+    <a:camera prst="orthographicFront"/>
+    <a:lightRig rig="threePt" dir="t"/>
+  </dgm:scene3d>
+  <dgm:styleLbl name="node0">
+    <dgm:scene3d>
+      <a:camera prst="orthographicFront"/>
+      <a:lightRig rig="threePt" dir="t"/>
+    </dgm:scene3d>
+    <dgm:sp3d/>
+    <dgm:txPr/>
+    <dgm:style>
+      <a:lnRef idx="2">
+        <a:scrgbClr r="0" g="0" b="0"/>
+      </a:lnRef>
+      <a:fillRef idx="1">
+        <a:scrgbClr r="0" g="0" b="0"/>
+      </a:fillRef>
+      <a:effectRef idx="0">
+        <a:scrgbClr r="0" g="0" b="0"/>
+      </a:effectRef>
+      <a:fontRef idx="minor">
+        <a:schemeClr val="lt1"/>
+      </a:fontRef>
+    </dgm:style>
+  </dgm:styleLbl>
+  <dgm:styleLbl name="lnNode1">
+    <dgm:scene3d>
+      <a:camera prst="orthographicFront"/>
+      <a:lightRig rig="threePt" dir="t"/>
+    </dgm:scene3d>
+    <dgm:sp3d/>
+    <dgm:txPr/>
+    <dgm:style>
+      <a:lnRef idx="2">
+        <a:scrgbClr r="0" g="0" b="0"/>
+      </a:lnRef>
+      <a:fillRef idx="1">
+        <a:scrgbClr r="0" g="0" b="0"/>
+      </a:fillRef>
+      <a:effectRef idx="0">
+        <a:scrgbClr r="0" g="0" b="0"/>
+      </a:effectRef>
+      <a:fontRef idx="minor">
+        <a:schemeClr val="lt1"/>
+      </a:fontRef>
+    </dgm:style>
+  </dgm:styleLbl>
+  <dgm:styleLbl name="vennNode1">
+    <dgm:scene3d>
+      <a:camera prst="orthographicFront"/>
+      <a:lightRig rig="threePt" dir="t"/>
+    </dgm:scene3d>
+    <dgm:sp3d/>
+    <dgm:txPr/>
+    <dgm:style>
+      <a:lnRef idx="2">
+        <a:scrgbClr r="0" g="0" b="0"/>
+      </a:lnRef>
+      <a:fillRef idx="1">
+        <a:scrgbClr r="0" g="0" b="0"/>
+      </a:fillRef>
+      <a:effectRef idx="0">
+        <a:scrgbClr r="0" g="0" b="0"/>
+      </a:effectRef>
+      <a:fontRef idx="minor">
+        <a:schemeClr val="tx1"/>
+      </a:fontRef>
+    </dgm:style>
+  </dgm:styleLbl>
+  <dgm:styleLbl name="alignNode1">
+    <dgm:scene3d>
+      <a:camera prst="orthographicFront"/>
+      <a:lightRig rig="threePt" dir="t"/>
+    </dgm:scene3d>
+    <dgm:sp3d/>
+    <dgm:txPr/>
+    <dgm:style>
+      <a:lnRef idx="2">
+        <a:scrgbClr r="0" g="0" b="0"/>
+      </a:lnRef>
+      <a:fillRef idx="1">
+        <a:scrgbClr r="0" g="0" b="0"/>
+      </a:fillRef>
+      <a:effectRef idx="0">
+        <a:scrgbClr r="0" g="0" b="0"/>
+      </a:effectRef>
+      <a:fontRef idx="minor">
+        <a:schemeClr val="lt1"/>
+      </a:fontRef>
+    </dgm:style>
+  </dgm:styleLbl>
+  <dgm:styleLbl name="node1">
+    <dgm:scene3d>
+      <a:camera prst="orthographicFront"/>
+      <a:lightRig rig="threePt" dir="t"/>
+    </dgm:scene3d>
+    <dgm:sp3d/>
+    <dgm:txPr/>
+    <dgm:style>
+      <a:lnRef idx="2">
+        <a:scrgbClr r="0" g="0" b="0"/>
+      </a:lnRef>
+      <a:fillRef idx="1">
+        <a:scrgbClr r="0" g="0" b="0"/>
+      </a:fillRef>
+      <a:effectRef idx="0">
+        <a:scrgbClr r="0" g="0" b="0"/>
+      </a:effectRef>
+      <a:fontRef idx="minor">
+        <a:schemeClr val="lt1"/>
+      </a:fontRef>
+    </dgm:style>
+  </dgm:styleLbl>
+  <dgm:styleLbl name="node2">
+    <dgm:scene3d>
+      <a:camera prst="orthographicFront"/>
+      <a:lightRig rig="threePt" dir="t"/>
+    </dgm:scene3d>
+    <dgm:sp3d/>
+    <dgm:txPr/>
+    <dgm:style>
+      <a:lnRef idx="2">
+        <a:scrgbClr r="0" g="0" b="0"/>
+      </a:lnRef>
+      <a:fillRef idx="1">
+        <a:scrgbClr r="0" g="0" b="0"/>
+      </a:fillRef>
+      <a:effectRef idx="0">
+        <a:scrgbClr r="0" g="0" b="0"/>
+      </a:effectRef>
+      <a:fontRef idx="minor">
+        <a:schemeClr val="lt1"/>
+      </a:fontRef>
+    </dgm:style>
+  </dgm:styleLbl>
+  <dgm:styleLbl name="node3">
+    <dgm:scene3d>
+      <a:camera prst="orthographicFront"/>
+      <a:lightRig rig="threePt" dir="t"/>
+    </dgm:scene3d>
+    <dgm:sp3d/>
+    <dgm:txPr/>
+    <dgm:style>
+      <a:lnRef idx="2">
+        <a:scrgbClr r="0" g="0" b="0"/>
+      </a:lnRef>
+      <a:fillRef idx="1">
+        <a:scrgbClr r="0" g="0" b="0"/>
+      </a:fillRef>
+      <a:effectRef idx="0">
+        <a:scrgbClr r="0" g="0" b="0"/>
+      </a:effectRef>
+      <a:fontRef idx="minor">
+        <a:schemeClr val="lt1"/>
+      </a:fontRef>
+    </dgm:style>
+  </dgm:styleLbl>
+  <dgm:styleLbl name="node4">
+    <dgm:scene3d>
+      <a:camera prst="orthographicFront"/>
+      <a:lightRig rig="threePt" dir="t"/>
+    </dgm:scene3d>
+    <dgm:sp3d/>
+    <dgm:txPr/>
+    <dgm:style>
+      <a:lnRef idx="2">
+        <a:scrgbClr r="0" g="0" b="0"/>
+      </a:lnRef>
+      <a:fillRef idx="1">
+        <a:scrgbClr r="0" g="0" b="0"/>
+      </a:fillRef>
+      <a:effectRef idx="0">
+        <a:scrgbClr r="0" g="0" b="0"/>
+      </a:effectRef>
+      <a:fontRef idx="minor">
+        <a:schemeClr val="lt1"/>
+      </a:fontRef>
+    </dgm:style>
+  </dgm:styleLbl>
+  <dgm:styleLbl name="fgImgPlace1">
+    <dgm:scene3d>
+      <a:camera prst="orthographicFront"/>
+      <a:lightRig rig="threePt" dir="t"/>
+    </dgm:scene3d>
+    <dgm:sp3d/>
+    <dgm:txPr/>
+    <dgm:style>
+      <a:lnRef idx="2">
+        <a:scrgbClr r="0" g="0" b="0"/>
+      </a:lnRef>
+      <a:fillRef idx="1">
+        <a:scrgbClr r="0" g="0" b="0"/>
+      </a:fillRef>
+      <a:effectRef idx="0">
+        <a:scrgbClr r="0" g="0" b="0"/>
+      </a:effectRef>
+      <a:fontRef idx="minor"/>
+    </dgm:style>
+  </dgm:styleLbl>
+  <dgm:styleLbl name="alignImgPlace1">
+    <dgm:scene3d>
+      <a:camera prst="orthographicFront"/>
+      <a:lightRig rig="threePt" dir="t"/>
+    </dgm:scene3d>
+    <dgm:sp3d/>
+    <dgm:txPr/>
+    <dgm:style>
+      <a:lnRef idx="2">
+        <a:scrgbClr r="0" g="0" b="0"/>
+      </a:lnRef>
+      <a:fillRef idx="1">
+        <a:scrgbClr r="0" g="0" b="0"/>
+      </a:fillRef>
+      <a:effectRef idx="0">
+        <a:scrgbClr r="0" g="0" b="0"/>
+      </a:effectRef>
+      <a:fontRef idx="minor"/>
+    </dgm:style>
+  </dgm:styleLbl>
+  <dgm:styleLbl name="bgImgPlace1">
+    <dgm:scene3d>
+      <a:camera prst="orthographicFront"/>
+      <a:lightRig rig="threePt" dir="t"/>
+    </dgm:scene3d>
+    <dgm:sp3d/>
+    <dgm:txPr/>
+    <dgm:style>
+      <a:lnRef idx="2">
+        <a:scrgbClr r="0" g="0" b="0"/>
+      </a:lnRef>
+      <a:fillRef idx="1">
+        <a:scrgbClr r="0" g="0" b="0"/>
+      </a:fillRef>
+      <a:effectRef idx="0">
+        <a:scrgbClr r="0" g="0" b="0"/>
+      </a:effectRef>
+      <a:fontRef idx="minor"/>
+    </dgm:style>
+  </dgm:styleLbl>
+  <dgm:styleLbl name="sibTrans2D1">
+    <dgm:scene3d>
+      <a:camera prst="orthographicFront"/>
+      <a:lightRig rig="threePt" dir="t"/>
+    </dgm:scene3d>
+    <dgm:sp3d/>
+    <dgm:txPr/>
+    <dgm:style>
+      <a:lnRef idx="0">
+        <a:scrgbClr r="0" g="0" b="0"/>
+      </a:lnRef>
+      <a:fillRef idx="1">
+        <a:scrgbClr r="0" g="0" b="0"/>
+      </a:fillRef>
+      <a:effectRef idx="0">
+        <a:scrgbClr r="0" g="0" b="0"/>
+      </a:effectRef>
+      <a:fontRef idx="minor">
+        <a:schemeClr val="lt1"/>
+      </a:fontRef>
+    </dgm:style>
+  </dgm:styleLbl>
+  <dgm:styleLbl name="fgSibTrans2D1">
+    <dgm:scene3d>
+      <a:camera prst="orthographicFront"/>
+      <a:lightRig rig="threePt" dir="t"/>
+    </dgm:scene3d>
+    <dgm:sp3d/>
+    <dgm:txPr/>
+    <dgm:style>
+      <a:lnRef idx="0">
+        <a:scrgbClr r="0" g="0" b="0"/>
+      </a:lnRef>
+      <a:fillRef idx="1">
+        <a:scrgbClr r="0" g="0" b="0"/>
+      </a:fillRef>
+      <a:effectRef idx="0">
+        <a:scrgbClr r="0" g="0" b="0"/>
+      </a:effectRef>
+      <a:fontRef idx="minor">
+        <a:schemeClr val="lt1"/>
+      </a:fontRef>
+    </dgm:style>
+  </dgm:styleLbl>
+  <dgm:styleLbl name="bgSibTrans2D1">
+    <dgm:scene3d>
+      <a:camera prst="orthographicFront"/>
+      <a:lightRig rig="threePt" dir="t"/>
+    </dgm:scene3d>
+    <dgm:sp3d/>
+    <dgm:txPr/>
+    <dgm:style>
+      <a:lnRef idx="0">
+        <a:scrgbClr r="0" g="0" b="0"/>
+      </a:lnRef>
+      <a:fillRef idx="1">
+        <a:scrgbClr r="0" g="0" b="0"/>
+      </a:fillRef>
+      <a:effectRef idx="0">
+        <a:scrgbClr r="0" g="0" b="0"/>
+      </a:effectRef>
+      <a:fontRef idx="minor">
+        <a:schemeClr val="lt1"/>
+      </a:fontRef>
+    </dgm:style>
+  </dgm:styleLbl>
+  <dgm:styleLbl name="sibTrans1D1">
+    <dgm:scene3d>
+      <a:camera prst="orthographicFront"/>
+      <a:lightRig rig="threePt" dir="t"/>
+    </dgm:scene3d>
+    <dgm:sp3d/>
+    <dgm:txPr/>
+    <dgm:style>
+      <a:lnRef idx="1">
+        <a:scrgbClr r="0" g="0" b="0"/>
+      </a:lnRef>
+      <a:fillRef idx="0">
+        <a:scrgbClr r="0" g="0" b="0"/>
+      </a:fillRef>
+      <a:effectRef idx="0">
+        <a:scrgbClr r="0" g="0" b="0"/>
+      </a:effectRef>
+      <a:fontRef idx="minor"/>
+    </dgm:style>
+  </dgm:styleLbl>
+  <dgm:styleLbl name="callout">
+    <dgm:scene3d>
+      <a:camera prst="orthographicFront"/>
+      <a:lightRig rig="threePt" dir="t"/>
+    </dgm:scene3d>
+    <dgm:sp3d/>
+    <dgm:txPr/>
+    <dgm:style>
+      <a:lnRef idx="2">
+        <a:scrgbClr r="0" g="0" b="0"/>
+      </a:lnRef>
+      <a:fillRef idx="1">
+        <a:scrgbClr r="0" g="0" b="0"/>
+      </a:fillRef>
+      <a:effectRef idx="0">
+        <a:scrgbClr r="0" g="0" b="0"/>
+      </a:effectRef>
+      <a:fontRef idx="minor"/>
+    </dgm:style>
+  </dgm:styleLbl>
+  <dgm:styleLbl name="asst0">
+    <dgm:scene3d>
+      <a:camera prst="orthographicFront"/>
+      <a:lightRig rig="threePt" dir="t"/>
+    </dgm:scene3d>
+    <dgm:sp3d/>
+    <dgm:txPr/>
+    <dgm:style>
+      <a:lnRef idx="2">
+        <a:scrgbClr r="0" g="0" b="0"/>
+      </a:lnRef>
+      <a:fillRef idx="1">
+        <a:scrgbClr r="0" g="0" b="0"/>
+      </a:fillRef>
+      <a:effectRef idx="0">
+        <a:scrgbClr r="0" g="0" b="0"/>
+      </a:effectRef>
+      <a:fontRef idx="minor">
+        <a:schemeClr val="lt1"/>
+      </a:fontRef>
+    </dgm:style>
+  </dgm:styleLbl>
+  <dgm:styleLbl name="asst1">
+    <dgm:scene3d>
+      <a:camera prst="orthographicFront"/>
+      <a:lightRig rig="threePt" dir="t"/>
+    </dgm:scene3d>
+    <dgm:sp3d/>
+    <dgm:txPr/>
+    <dgm:style>
+      <a:lnRef idx="2">
+        <a:scrgbClr r="0" g="0" b="0"/>
+      </a:lnRef>
+      <a:fillRef idx="1">
+        <a:scrgbClr r="0" g="0" b="0"/>
+      </a:fillRef>
+      <a:effectRef idx="0">
+        <a:scrgbClr r="0" g="0" b="0"/>
+      </a:effectRef>
+      <a:fontRef idx="minor">
+        <a:schemeClr val="lt1"/>
+      </a:fontRef>
+    </dgm:style>
+  </dgm:styleLbl>
+  <dgm:styleLbl name="asst2">
+    <dgm:scene3d>
+      <a:camera prst="orthographicFront"/>
+      <a:lightRig rig="threePt" dir="t"/>
+    </dgm:scene3d>
+    <dgm:sp3d/>
+    <dgm:txPr/>
+    <dgm:style>
+      <a:lnRef idx="2">
+        <a:scrgbClr r="0" g="0" b="0"/>
+      </a:lnRef>
+      <a:fillRef idx="1">
+        <a:scrgbClr r="0" g="0" b="0"/>
+      </a:fillRef>
+      <a:effectRef idx="0">
+        <a:scrgbClr r="0" g="0" b="0"/>
+      </a:effectRef>
+      <a:fontRef idx="minor">
+        <a:schemeClr val="lt1"/>
+      </a:fontRef>
+    </dgm:style>
+  </dgm:styleLbl>
+  <dgm:styleLbl name="asst3">
+    <dgm:scene3d>
+      <a:camera prst="orthographicFront"/>
+      <a:lightRig rig="threePt" dir="t"/>
+    </dgm:scene3d>
+    <dgm:sp3d/>
+    <dgm:txPr/>
+    <dgm:style>
+      <a:lnRef idx="2">
+        <a:scrgbClr r="0" g="0" b="0"/>
+      </a:lnRef>
+      <a:fillRef idx="1">
+        <a:scrgbClr r="0" g="0" b="0"/>
+      </a:fillRef>
+      <a:effectRef idx="0">
+        <a:scrgbClr r="0" g="0" b="0"/>
+      </a:effectRef>
+      <a:fontRef idx="minor">
+        <a:schemeClr val="lt1"/>
+      </a:fontRef>
+    </dgm:style>
+  </dgm:styleLbl>
+  <dgm:styleLbl name="asst4">
+    <dgm:scene3d>
+      <a:camera prst="orthographicFront"/>
+      <a:lightRig rig="threePt" dir="t"/>
+    </dgm:scene3d>
+    <dgm:sp3d/>
+    <dgm:txPr/>
+    <dgm:style>
+      <a:lnRef idx="2">
+        <a:scrgbClr r="0" g="0" b="0"/>
+      </a:lnRef>
+      <a:fillRef idx="1">
+        <a:scrgbClr r="0" g="0" b="0"/>
+      </a:fillRef>
+      <a:effectRef idx="0">
+        <a:scrgbClr r="0" g="0" b="0"/>
+      </a:effectRef>
+      <a:fontRef idx="minor">
+        <a:schemeClr val="lt1"/>
+      </a:fontRef>
+    </dgm:style>
+  </dgm:styleLbl>
+  <dgm:styleLbl name="parChTrans2D1">
+    <dgm:scene3d>
+      <a:camera prst="orthographicFront"/>
+      <a:lightRig rig="threePt" dir="t"/>
+    </dgm:scene3d>
+    <dgm:sp3d/>
+    <dgm:txPr/>
+    <dgm:style>
+      <a:lnRef idx="2">
+        <a:scrgbClr r="0" g="0" b="0"/>
+      </a:lnRef>
+      <a:fillRef idx="1">
+        <a:scrgbClr r="0" g="0" b="0"/>
+      </a:fillRef>
+      <a:effectRef idx="0">
+        <a:scrgbClr r="0" g="0" b="0"/>
+      </a:effectRef>
+      <a:fontRef idx="minor">
+        <a:schemeClr val="lt1"/>
+      </a:fontRef>
+    </dgm:style>
+  </dgm:styleLbl>
+  <dgm:styleLbl name="parChTrans2D2">
+    <dgm:scene3d>
+      <a:camera prst="orthographicFront"/>
+      <a:lightRig rig="threePt" dir="t"/>
+    </dgm:scene3d>
+    <dgm:sp3d/>
+    <dgm:txPr/>
+    <dgm:style>
+      <a:lnRef idx="2">
+        <a:scrgbClr r="0" g="0" b="0"/>
+      </a:lnRef>
+      <a:fillRef idx="1">
+        <a:scrgbClr r="0" g="0" b="0"/>
+      </a:fillRef>
+      <a:effectRef idx="0">
+        <a:scrgbClr r="0" g="0" b="0"/>
+      </a:effectRef>
+      <a:fontRef idx="minor">
+        <a:schemeClr val="lt1"/>
+      </a:fontRef>
+    </dgm:style>
+  </dgm:styleLbl>
+  <dgm:styleLbl name="parChTrans2D3">
+    <dgm:scene3d>
+      <a:camera prst="orthographicFront"/>
+      <a:lightRig rig="threePt" dir="t"/>
+    </dgm:scene3d>
+    <dgm:sp3d/>
+    <dgm:txPr/>
+    <dgm:style>
+      <a:lnRef idx="2">
+        <a:scrgbClr r="0" g="0" b="0"/>
+      </a:lnRef>
+      <a:fillRef idx="1">
+        <a:scrgbClr r="0" g="0" b="0"/>
+      </a:fillRef>
+      <a:effectRef idx="0">
+        <a:scrgbClr r="0" g="0" b="0"/>
+      </a:effectRef>
+      <a:fontRef idx="minor">
+        <a:schemeClr val="lt1"/>
+      </a:fontRef>
+    </dgm:style>
+  </dgm:styleLbl>
+  <dgm:styleLbl name="parChTrans2D4">
+    <dgm:scene3d>
+      <a:camera prst="orthographicFront"/>
+      <a:lightRig rig="threePt" dir="t"/>
+    </dgm:scene3d>
+    <dgm:sp3d/>
+    <dgm:txPr/>
+    <dgm:style>
+      <a:lnRef idx="2">
+        <a:scrgbClr r="0" g="0" b="0"/>
+      </a:lnRef>
+      <a:fillRef idx="1">
+        <a:scrgbClr r="0" g="0" b="0"/>
+      </a:fillRef>
+      <a:effectRef idx="0">
+        <a:scrgbClr r="0" g="0" b="0"/>
+      </a:effectRef>
+      <a:fontRef idx="minor">
+        <a:schemeClr val="lt1"/>
+      </a:fontRef>
+    </dgm:style>
+  </dgm:styleLbl>
+  <dgm:styleLbl name="parChTrans1D1">
+    <dgm:scene3d>
+      <a:camera prst="orthographicFront"/>
+      <a:lightRig rig="threePt" dir="t"/>
+    </dgm:scene3d>
+    <dgm:sp3d/>
+    <dgm:txPr/>
+    <dgm:style>
+      <a:lnRef idx="2">
+        <a:scrgbClr r="0" g="0" b="0"/>
+      </a:lnRef>
+      <a:fillRef idx="0">
+        <a:scrgbClr r="0" g="0" b="0"/>
+      </a:fillRef>
+      <a:effectRef idx="0">
+        <a:scrgbClr r="0" g="0" b="0"/>
+      </a:effectRef>
+      <a:fontRef idx="minor"/>
+    </dgm:style>
+  </dgm:styleLbl>
+  <dgm:styleLbl name="parChTrans1D2">
+    <dgm:scene3d>
+      <a:camera prst="orthographicFront"/>
+      <a:lightRig rig="threePt" dir="t"/>
+    </dgm:scene3d>
+    <dgm:sp3d/>
+    <dgm:txPr/>
+    <dgm:style>
+      <a:lnRef idx="2">
+        <a:scrgbClr r="0" g="0" b="0"/>
+      </a:lnRef>
+      <a:fillRef idx="0">
+        <a:scrgbClr r="0" g="0" b="0"/>
+      </a:fillRef>
+      <a:effectRef idx="0">
+        <a:scrgbClr r="0" g="0" b="0"/>
+      </a:effectRef>
+      <a:fontRef idx="minor"/>
+    </dgm:style>
+  </dgm:styleLbl>
+  <dgm:styleLbl name="parChTrans1D3">
+    <dgm:scene3d>
+      <a:camera prst="orthographicFront"/>
+      <a:lightRig rig="threePt" dir="t"/>
+    </dgm:scene3d>
+    <dgm:sp3d/>
+    <dgm:txPr/>
+    <dgm:style>
+      <a:lnRef idx="2">
+        <a:scrgbClr r="0" g="0" b="0"/>
+      </a:lnRef>
+      <a:fillRef idx="0">
+        <a:scrgbClr r="0" g="0" b="0"/>
+      </a:fillRef>
+      <a:effectRef idx="0">
+        <a:scrgbClr r="0" g="0" b="0"/>
+      </a:effectRef>
+      <a:fontRef idx="minor"/>
+    </dgm:style>
+  </dgm:styleLbl>
+  <dgm:styleLbl name="parChTrans1D4">
+    <dgm:scene3d>
+      <a:camera prst="orthographicFront"/>
+      <a:lightRig rig="threePt" dir="t"/>
+    </dgm:scene3d>
+    <dgm:sp3d/>
+    <dgm:txPr/>
+    <dgm:style>
+      <a:lnRef idx="2">
+        <a:scrgbClr r="0" g="0" b="0"/>
+      </a:lnRef>
+      <a:fillRef idx="0">
+        <a:scrgbClr r="0" g="0" b="0"/>
+      </a:fillRef>
+      <a:effectRef idx="0">
+        <a:scrgbClr r="0" g="0" b="0"/>
+      </a:effectRef>
+      <a:fontRef idx="minor"/>
+    </dgm:style>
+  </dgm:styleLbl>
+  <dgm:styleLbl name="fgAcc1">
+    <dgm:scene3d>
+      <a:camera prst="orthographicFront"/>
+      <a:lightRig rig="threePt" dir="t"/>
+    </dgm:scene3d>
+    <dgm:sp3d/>
+    <dgm:txPr/>
+    <dgm:style>
+      <a:lnRef idx="2">
+        <a:scrgbClr r="0" g="0" b="0"/>
+      </a:lnRef>
+      <a:fillRef idx="1">
+        <a:scrgbClr r="0" g="0" b="0"/>
+      </a:fillRef>
+      <a:effectRef idx="0">
+        <a:scrgbClr r="0" g="0" b="0"/>
+      </a:effectRef>
+      <a:fontRef idx="minor"/>
+    </dgm:style>
+  </dgm:styleLbl>
+  <dgm:styleLbl name="conFgAcc1">
+    <dgm:scene3d>
+      <a:camera prst="orthographicFront"/>
+      <a:lightRig rig="threePt" dir="t"/>
+    </dgm:scene3d>
+    <dgm:sp3d/>
+    <dgm:txPr/>
+    <dgm:style>
+      <a:lnRef idx="2">
+        <a:scrgbClr r="0" g="0" b="0"/>
+      </a:lnRef>
+      <a:fillRef idx="1">
+        <a:scrgbClr r="0" g="0" b="0"/>
+      </a:fillRef>
+      <a:effectRef idx="0">
+        <a:scrgbClr r="0" g="0" b="0"/>
+      </a:effectRef>
+      <a:fontRef idx="minor"/>
+    </dgm:style>
+  </dgm:styleLbl>
+  <dgm:styleLbl name="alignAcc1">
+    <dgm:scene3d>
+      <a:camera prst="orthographicFront"/>
+      <a:lightRig rig="threePt" dir="t"/>
+    </dgm:scene3d>
+    <dgm:sp3d/>
+    <dgm:txPr/>
+    <dgm:style>
+      <a:lnRef idx="2">
+        <a:scrgbClr r="0" g="0" b="0"/>
+      </a:lnRef>
+      <a:fillRef idx="1">
+        <a:scrgbClr r="0" g="0" b="0"/>
+      </a:fillRef>
+      <a:effectRef idx="0">
+        <a:scrgbClr r="0" g="0" b="0"/>
+      </a:effectRef>
+      <a:fontRef idx="minor"/>
+    </dgm:style>
+  </dgm:styleLbl>
+  <dgm:styleLbl name="trAlignAcc1">
+    <dgm:scene3d>
+      <a:camera prst="orthographicFront"/>
+      <a:lightRig rig="threePt" dir="t"/>
+    </dgm:scene3d>
+    <dgm:sp3d/>
+    <dgm:txPr/>
+    <dgm:style>
+      <a:lnRef idx="1">
+        <a:scrgbClr r="0" g="0" b="0"/>
+      </a:lnRef>
+      <a:fillRef idx="1">
+        <a:scrgbClr r="0" g="0" b="0"/>
+      </a:fillRef>
+      <a:effectRef idx="0">
+        <a:scrgbClr r="0" g="0" b="0"/>
+      </a:effectRef>
+      <a:fontRef idx="minor"/>
+    </dgm:style>
+  </dgm:styleLbl>
+  <dgm:styleLbl name="bgAcc1">
+    <dgm:scene3d>
+      <a:camera prst="orthographicFront"/>
+      <a:lightRig rig="threePt" dir="t"/>
+    </dgm:scene3d>
+    <dgm:sp3d/>
+    <dgm:txPr/>
+    <dgm:style>
+      <a:lnRef idx="2">
+        <a:scrgbClr r="0" g="0" b="0"/>
+      </a:lnRef>
+      <a:fillRef idx="1">
+        <a:scrgbClr r="0" g="0" b="0"/>
+      </a:fillRef>
+      <a:effectRef idx="0">
+        <a:scrgbClr r="0" g="0" b="0"/>
+      </a:effectRef>
+      <a:fontRef idx="minor"/>
+    </dgm:style>
+  </dgm:styleLbl>
+  <dgm:styleLbl name="solidFgAcc1">
+    <dgm:scene3d>
+      <a:camera prst="orthographicFront"/>
+      <a:lightRig rig="threePt" dir="t"/>
+    </dgm:scene3d>
+    <dgm:sp3d/>
+    <dgm:txPr/>
+    <dgm:style>
+      <a:lnRef idx="2">
+        <a:scrgbClr r="0" g="0" b="0"/>
+      </a:lnRef>
+      <a:fillRef idx="1">
+        <a:scrgbClr r="0" g="0" b="0"/>
+      </a:fillRef>
+      <a:effectRef idx="0">
+        <a:scrgbClr r="0" g="0" b="0"/>
+      </a:effectRef>
+      <a:fontRef idx="minor"/>
+    </dgm:style>
+  </dgm:styleLbl>
+  <dgm:styleLbl name="solidAlignAcc1">
+    <dgm:scene3d>
+      <a:camera prst="orthographicFront"/>
+      <a:lightRig rig="threePt" dir="t"/>
+    </dgm:scene3d>
+    <dgm:sp3d/>
+    <dgm:txPr/>
+    <dgm:style>
+      <a:lnRef idx="2">
+        <a:scrgbClr r="0" g="0" b="0"/>
+      </a:lnRef>
+      <a:fillRef idx="1">
+        <a:scrgbClr r="0" g="0" b="0"/>
+      </a:fillRef>
+      <a:effectRef idx="0">
+        <a:scrgbClr r="0" g="0" b="0"/>
+      </a:effectRef>
+      <a:fontRef idx="minor"/>
+    </dgm:style>
+  </dgm:styleLbl>
+  <dgm:styleLbl name="solidBgAcc1">
+    <dgm:scene3d>
+      <a:camera prst="orthographicFront"/>
+      <a:lightRig rig="threePt" dir="t"/>
+    </dgm:scene3d>
+    <dgm:sp3d/>
+    <dgm:txPr/>
+    <dgm:style>
+      <a:lnRef idx="2">
+        <a:scrgbClr r="0" g="0" b="0"/>
+      </a:lnRef>
+      <a:fillRef idx="1">
+        <a:scrgbClr r="0" g="0" b="0"/>
+      </a:fillRef>
+      <a:effectRef idx="0">
+        <a:scrgbClr r="0" g="0" b="0"/>
+      </a:effectRef>
+      <a:fontRef idx="minor"/>
+    </dgm:style>
+  </dgm:styleLbl>
+  <dgm:styleLbl name="fgAccFollowNode1">
+    <dgm:scene3d>
+      <a:camera prst="orthographicFront"/>
+      <a:lightRig rig="threePt" dir="t"/>
+    </dgm:scene3d>
+    <dgm:sp3d/>
+    <dgm:txPr/>
+    <dgm:style>
+      <a:lnRef idx="2">
+        <a:scrgbClr r="0" g="0" b="0"/>
+      </a:lnRef>
+      <a:fillRef idx="1">
+        <a:scrgbClr r="0" g="0" b="0"/>
+      </a:fillRef>
+      <a:effectRef idx="0">
+        <a:scrgbClr r="0" g="0" b="0"/>
+      </a:effectRef>
+      <a:fontRef idx="minor"/>
+    </dgm:style>
+  </dgm:styleLbl>
+  <dgm:styleLbl name="alignAccFollowNode1">
+    <dgm:scene3d>
+      <a:camera prst="orthographicFront"/>
+      <a:lightRig rig="threePt" dir="t"/>
+    </dgm:scene3d>
+    <dgm:sp3d/>
+    <dgm:txPr/>
+    <dgm:style>
+      <a:lnRef idx="2">
+        <a:scrgbClr r="0" g="0" b="0"/>
+      </a:lnRef>
+      <a:fillRef idx="1">
+        <a:scrgbClr r="0" g="0" b="0"/>
+      </a:fillRef>
+      <a:effectRef idx="0">
+        <a:scrgbClr r="0" g="0" b="0"/>
+      </a:effectRef>
+      <a:fontRef idx="minor"/>
+    </dgm:style>
+  </dgm:styleLbl>
+  <dgm:styleLbl name="bgAccFollowNode1">
+    <dgm:scene3d>
+      <a:camera prst="orthographicFront"/>
+      <a:lightRig rig="threePt" dir="t"/>
+    </dgm:scene3d>
+    <dgm:sp3d/>
+    <dgm:txPr/>
+    <dgm:style>
+      <a:lnRef idx="2">
+        <a:scrgbClr r="0" g="0" b="0"/>
+      </a:lnRef>
+      <a:fillRef idx="1">
+        <a:scrgbClr r="0" g="0" b="0"/>
+      </a:fillRef>
+      <a:effectRef idx="0">
+        <a:scrgbClr r="0" g="0" b="0"/>
+      </a:effectRef>
+      <a:fontRef idx="minor"/>
+    </dgm:style>
+  </dgm:styleLbl>
+  <dgm:styleLbl name="fgAcc0">
+    <dgm:scene3d>
+      <a:camera prst="orthographicFront"/>
+      <a:lightRig rig="threePt" dir="t"/>
+    </dgm:scene3d>
+    <dgm:sp3d/>
+    <dgm:txPr/>
+    <dgm:style>
+      <a:lnRef idx="2">
+        <a:scrgbClr r="0" g="0" b="0"/>
+      </a:lnRef>
+      <a:fillRef idx="1">
+        <a:scrgbClr r="0" g="0" b="0"/>
+      </a:fillRef>
+      <a:effectRef idx="0">
+        <a:scrgbClr r="0" g="0" b="0"/>
+      </a:effectRef>
+      <a:fontRef idx="minor"/>
+    </dgm:style>
+  </dgm:styleLbl>
+  <dgm:styleLbl name="fgAcc2">
+    <dgm:scene3d>
+      <a:camera prst="orthographicFront"/>
+      <a:lightRig rig="threePt" dir="t"/>
+    </dgm:scene3d>
+    <dgm:sp3d/>
+    <dgm:txPr/>
+    <dgm:style>
+      <a:lnRef idx="2">
+        <a:scrgbClr r="0" g="0" b="0"/>
+      </a:lnRef>
+      <a:fillRef idx="1">
+        <a:scrgbClr r="0" g="0" b="0"/>
+      </a:fillRef>
+      <a:effectRef idx="0">
+        <a:scrgbClr r="0" g="0" b="0"/>
+      </a:effectRef>
+      <a:fontRef idx="minor"/>
+    </dgm:style>
+  </dgm:styleLbl>
+  <dgm:styleLbl name="fgAcc3">
+    <dgm:scene3d>
+      <a:camera prst="orthographicFront"/>
+      <a:lightRig rig="threePt" dir="t"/>
+    </dgm:scene3d>
+    <dgm:sp3d/>
+    <dgm:txPr/>
+    <dgm:style>
+      <a:lnRef idx="2">
+        <a:scrgbClr r="0" g="0" b="0"/>
+      </a:lnRef>
+      <a:fillRef idx="1">
+        <a:scrgbClr r="0" g="0" b="0"/>
+      </a:fillRef>
+      <a:effectRef idx="0">
+        <a:scrgbClr r="0" g="0" b="0"/>
+      </a:effectRef>
+      <a:fontRef idx="minor"/>
+    </dgm:style>
+  </dgm:styleLbl>
+  <dgm:styleLbl name="fgAcc4">
+    <dgm:scene3d>
+      <a:camera prst="orthographicFront"/>
+      <a:lightRig rig="threePt" dir="t"/>
+    </dgm:scene3d>
+    <dgm:sp3d/>
+    <dgm:txPr/>
+    <dgm:style>
+      <a:lnRef idx="2">
+        <a:scrgbClr r="0" g="0" b="0"/>
+      </a:lnRef>
+      <a:fillRef idx="1">
+        <a:scrgbClr r="0" g="0" b="0"/>
+      </a:fillRef>
+      <a:effectRef idx="0">
+        <a:scrgbClr r="0" g="0" b="0"/>
+      </a:effectRef>
+      <a:fontRef idx="minor"/>
+    </dgm:style>
+  </dgm:styleLbl>
+  <dgm:styleLbl name="bgShp">
+    <dgm:scene3d>
+      <a:camera prst="orthographicFront"/>
+      <a:lightRig rig="threePt" dir="t"/>
+    </dgm:scene3d>
+    <dgm:sp3d/>
+    <dgm:txPr/>
+    <dgm:style>
+      <a:lnRef idx="0">
+        <a:scrgbClr r="0" g="0" b="0"/>
+      </a:lnRef>
+      <a:fillRef idx="1">
+        <a:scrgbClr r="0" g="0" b="0"/>
+      </a:fillRef>
+      <a:effectRef idx="0">
+        <a:scrgbClr r="0" g="0" b="0"/>
+      </a:effectRef>
+      <a:fontRef idx="minor"/>
+    </dgm:style>
+  </dgm:styleLbl>
+  <dgm:styleLbl name="dkBgShp">
+    <dgm:scene3d>
+      <a:camera prst="orthographicFront"/>
+      <a:lightRig rig="threePt" dir="t"/>
+    </dgm:scene3d>
+    <dgm:sp3d/>
+    <dgm:txPr/>
+    <dgm:style>
+      <a:lnRef idx="0">
+        <a:scrgbClr r="0" g="0" b="0"/>
+      </a:lnRef>
+      <a:fillRef idx="1">
+        <a:scrgbClr r="0" g="0" b="0"/>
+      </a:fillRef>
+      <a:effectRef idx="0">
+        <a:scrgbClr r="0" g="0" b="0"/>
+      </a:effectRef>
+      <a:fontRef idx="minor"/>
+    </dgm:style>
+  </dgm:styleLbl>
+  <dgm:styleLbl name="trBgShp">
+    <dgm:scene3d>
+      <a:camera prst="orthographicFront"/>
+      <a:lightRig rig="threePt" dir="t"/>
+    </dgm:scene3d>
+    <dgm:sp3d/>
+    <dgm:txPr/>
+    <dgm:style>
+      <a:lnRef idx="0">
+        <a:scrgbClr r="0" g="0" b="0"/>
+      </a:lnRef>
+      <a:fillRef idx="1">
+        <a:scrgbClr r="0" g="0" b="0"/>
+      </a:fillRef>
+      <a:effectRef idx="0">
+        <a:scrgbClr r="0" g="0" b="0"/>
+      </a:effectRef>
+      <a:fontRef idx="minor"/>
+    </dgm:style>
+  </dgm:styleLbl>
+  <dgm:styleLbl name="fgShp">
+    <dgm:scene3d>
+      <a:camera prst="orthographicFront"/>
+      <a:lightRig rig="threePt" dir="t"/>
+    </dgm:scene3d>
+    <dgm:sp3d/>
+    <dgm:txPr/>
+    <dgm:style>
+      <a:lnRef idx="2">
+        <a:scrgbClr r="0" g="0" b="0"/>
+      </a:lnRef>
+      <a:fillRef idx="1">
+        <a:scrgbClr r="0" g="0" b="0"/>
+      </a:fillRef>
+      <a:effectRef idx="0">
+        <a:scrgbClr r="0" g="0" b="0"/>
+      </a:effectRef>
+      <a:fontRef idx="minor"/>
+    </dgm:style>
+  </dgm:styleLbl>
+  <dgm:styleLbl name="revTx">
+    <dgm:scene3d>
+      <a:camera prst="orthographicFront"/>
+      <a:lightRig rig="threePt" dir="t"/>
+    </dgm:scene3d>
+    <dgm:sp3d/>
+    <dgm:txPr/>
+    <dgm:style>
+      <a:lnRef idx="0">
+        <a:scrgbClr r="0" g="0" b="0"/>
+      </a:lnRef>
+      <a:fillRef idx="0">
+        <a:scrgbClr r="0" g="0" b="0"/>
+      </a:fillRef>
+      <a:effectRef idx="0">
+        <a:scrgbClr r="0" g="0" b="0"/>
+      </a:effectRef>
+      <a:fontRef idx="minor"/>
+    </dgm:style>
+  </dgm:styleLbl>
+</dgm:styleDef>
+</file>
+
 <file path=ppt/handoutMasters/handoutMaster1.xml><?xml version="1.0" encoding="utf-8"?>
 <p:handoutMaster xmlns:a="http://schemas.openxmlformats.org/drawingml/2006/main" xmlns:r="http://schemas.openxmlformats.org/officeDocument/2006/relationships" xmlns:p="http://schemas.openxmlformats.org/presentationml/2006/main">
   <p:cSld>
@@ -6286,7 +8756,7 @@
             <a:fld id="{C7CC2173-B0D1-45F1-9D54-E33B7353DA19}" type="slidenum">
               <a:rPr lang="de-DE"/>
               <a:pPr/>
-              <a:t>‹#›</a:t>
+              <a:t>‹Nr.›</a:t>
             </a:fld>
             <a:endParaRPr lang="de-DE"/>
           </a:p>
@@ -6461,7 +8931,7 @@
     </p:spTree>
     <p:extLst>
       <p:ext uri="{BB962C8B-B14F-4D97-AF65-F5344CB8AC3E}">
-        <p14:creationId xmlns:p14="http://schemas.microsoft.com/office/powerpoint/2010/main" val="3345007041"/>
+        <p14:creationId xmlns:p14="http://schemas.microsoft.com/office/powerpoint/2010/main" xmlns="" val="3345007041"/>
       </p:ext>
     </p:extLst>
   </p:cSld>
@@ -6778,7 +9248,7 @@
             <a:fld id="{C36AA9A4-5D0B-4134-89A6-D8B9DAA4F25C}" type="slidenum">
               <a:rPr lang="de-DE"/>
               <a:pPr/>
-              <a:t>‹#›</a:t>
+              <a:t>‹Nr.›</a:t>
             </a:fld>
             <a:endParaRPr lang="de-DE"/>
           </a:p>
@@ -7002,7 +9472,7 @@
     </p:spTree>
     <p:extLst>
       <p:ext uri="{BB962C8B-B14F-4D97-AF65-F5344CB8AC3E}">
-        <p14:creationId xmlns:p14="http://schemas.microsoft.com/office/powerpoint/2010/main" val="516787406"/>
+        <p14:creationId xmlns:p14="http://schemas.microsoft.com/office/powerpoint/2010/main" xmlns="" val="516787406"/>
       </p:ext>
     </p:extLst>
   </p:cSld>
@@ -7264,7 +9734,7 @@
     </p:spTree>
     <p:extLst>
       <p:ext uri="{BB962C8B-B14F-4D97-AF65-F5344CB8AC3E}">
-        <p14:creationId xmlns:p14="http://schemas.microsoft.com/office/powerpoint/2010/main" val="2520834147"/>
+        <p14:creationId xmlns:p14="http://schemas.microsoft.com/office/powerpoint/2010/main" xmlns="" val="2520834147"/>
       </p:ext>
     </p:extLst>
   </p:cSld>
@@ -7710,7 +10180,7 @@
           <a:blip r:embed="rId3">
             <a:extLst>
               <a:ext uri="{28A0092B-C50C-407E-A947-70E740481C1C}">
-                <a14:useLocalDpi xmlns:a14="http://schemas.microsoft.com/office/drawing/2010/main" val="0"/>
+                <a14:useLocalDpi xmlns:a14="http://schemas.microsoft.com/office/drawing/2010/main" xmlns="" val="0"/>
               </a:ext>
             </a:extLst>
           </a:blip>
@@ -7730,7 +10200,7 @@
           <a:noFill/>
           <a:extLst>
             <a:ext uri="{909E8E84-426E-40DD-AFC4-6F175D3DCCD1}">
-              <a14:hiddenFill xmlns:a14="http://schemas.microsoft.com/office/drawing/2010/main">
+              <a14:hiddenFill xmlns:a14="http://schemas.microsoft.com/office/drawing/2010/main" xmlns="">
                 <a:solidFill>
                   <a:srgbClr val="FFFFFF"/>
                 </a:solidFill>
@@ -9182,7 +11652,7 @@
           <a:blip r:embed="rId11">
             <a:extLst>
               <a:ext uri="{28A0092B-C50C-407E-A947-70E740481C1C}">
-                <a14:useLocalDpi xmlns:a14="http://schemas.microsoft.com/office/drawing/2010/main" val="0"/>
+                <a14:useLocalDpi xmlns:a14="http://schemas.microsoft.com/office/drawing/2010/main" xmlns="" val="0"/>
               </a:ext>
             </a:extLst>
           </a:blip>
@@ -9202,7 +11672,7 @@
           <a:noFill/>
           <a:extLst>
             <a:ext uri="{909E8E84-426E-40DD-AFC4-6F175D3DCCD1}">
-              <a14:hiddenFill xmlns:a14="http://schemas.microsoft.com/office/drawing/2010/main">
+              <a14:hiddenFill xmlns:a14="http://schemas.microsoft.com/office/drawing/2010/main" xmlns="">
                 <a:solidFill>
                   <a:srgbClr val="FFFFFF"/>
                 </a:solidFill>
@@ -9709,7 +12179,7 @@
           <a:blip r:embed="rId3" cstate="print">
             <a:extLst>
               <a:ext uri="{28A0092B-C50C-407E-A947-70E740481C1C}">
-                <a14:useLocalDpi xmlns:a14="http://schemas.microsoft.com/office/drawing/2010/main" val="0"/>
+                <a14:useLocalDpi xmlns:a14="http://schemas.microsoft.com/office/drawing/2010/main" xmlns="" val="0"/>
               </a:ext>
             </a:extLst>
           </a:blip>
@@ -9727,371 +12197,22 @@
           </a:prstGeom>
         </p:spPr>
       </p:pic>
-      <p:sp>
-        <p:nvSpPr>
-          <p:cNvPr id="8" name="Content Placeholder 3"/>
-          <p:cNvSpPr txBox="1">
-            <a:spLocks/>
-          </p:cNvSpPr>
+      <p:graphicFrame>
+        <p:nvGraphicFramePr>
+          <p:cNvPr id="7" name="Diagramm 6"/>
+          <p:cNvGraphicFramePr/>
           <p:nvPr/>
-        </p:nvSpPr>
-        <p:spPr bwMode="auto">
-          <a:xfrm>
-            <a:off x="358775" y="2276872"/>
-            <a:ext cx="3421137" cy="3672408"/>
-          </a:xfrm>
-          <a:prstGeom prst="rect">
-            <a:avLst/>
-          </a:prstGeom>
-          <a:noFill/>
-          <a:ln w="9525">
-            <a:noFill/>
-            <a:miter lim="800000"/>
-            <a:headEnd/>
-            <a:tailEnd/>
-          </a:ln>
-          <a:effectLst/>
-        </p:spPr>
-        <p:txBody>
-          <a:bodyPr vert="horz" wrap="square" lIns="0" tIns="0" rIns="0" bIns="0" numCol="1" anchor="t" anchorCtr="0" compatLnSpc="1">
-            <a:prstTxWarp prst="textNoShape">
-              <a:avLst/>
-            </a:prstTxWarp>
-          </a:bodyPr>
-          <a:lstStyle>
-            <a:lvl1pPr marL="0" indent="0" algn="l" rtl="0" eaLnBrk="1" fontAlgn="base" hangingPunct="1">
-              <a:lnSpc>
-                <a:spcPct val="130000"/>
-              </a:lnSpc>
-              <a:spcBef>
-                <a:spcPct val="0"/>
-              </a:spcBef>
-              <a:spcAft>
-                <a:spcPts val="230"/>
-              </a:spcAft>
-              <a:buFont typeface="Wingdings" pitchFamily="2" charset="2"/>
-              <a:buNone/>
-              <a:defRPr sz="2000" b="1">
-                <a:solidFill>
-                  <a:schemeClr val="tx1"/>
-                </a:solidFill>
-                <a:latin typeface="+mn-lt"/>
-                <a:ea typeface="+mn-ea"/>
-                <a:cs typeface="Tahoma" pitchFamily="34" charset="0"/>
-              </a:defRPr>
-            </a:lvl1pPr>
-            <a:lvl2pPr marL="179388" indent="-177800" algn="l" rtl="0" eaLnBrk="1" fontAlgn="base" hangingPunct="1">
-              <a:lnSpc>
-                <a:spcPct val="130000"/>
-              </a:lnSpc>
-              <a:spcBef>
-                <a:spcPts val="200"/>
-              </a:spcBef>
-              <a:spcAft>
-                <a:spcPts val="230"/>
-              </a:spcAft>
-              <a:buFont typeface="Wingdings" pitchFamily="2" charset="2"/>
-              <a:buChar char="§"/>
-              <a:defRPr sz="2000">
-                <a:solidFill>
-                  <a:schemeClr val="tx1"/>
-                </a:solidFill>
-                <a:latin typeface="+mn-lt"/>
-                <a:cs typeface="Tahoma" pitchFamily="34" charset="0"/>
-              </a:defRPr>
-            </a:lvl2pPr>
-            <a:lvl3pPr marL="538163" indent="-187325" algn="l" rtl="0" eaLnBrk="1" fontAlgn="base" hangingPunct="1">
-              <a:lnSpc>
-                <a:spcPct val="130000"/>
-              </a:lnSpc>
-              <a:spcBef>
-                <a:spcPts val="200"/>
-              </a:spcBef>
-              <a:spcAft>
-                <a:spcPts val="230"/>
-              </a:spcAft>
-              <a:buFont typeface="Wingdings" pitchFamily="2" charset="2"/>
-              <a:buChar char="§"/>
-              <a:defRPr>
-                <a:solidFill>
-                  <a:schemeClr val="tx1"/>
-                </a:solidFill>
-                <a:latin typeface="+mn-lt"/>
-                <a:cs typeface="Tahoma" pitchFamily="34" charset="0"/>
-              </a:defRPr>
-            </a:lvl3pPr>
-            <a:lvl4pPr marL="717550" indent="-173038" algn="l" rtl="0" eaLnBrk="1" fontAlgn="base" hangingPunct="1">
-              <a:lnSpc>
-                <a:spcPct val="130000"/>
-              </a:lnSpc>
-              <a:spcBef>
-                <a:spcPts val="200"/>
-              </a:spcBef>
-              <a:spcAft>
-                <a:spcPts val="230"/>
-              </a:spcAft>
-              <a:buFont typeface="Wingdings" pitchFamily="2" charset="2"/>
-              <a:buChar char="§"/>
-              <a:defRPr sz="1600">
-                <a:solidFill>
-                  <a:schemeClr val="tx1"/>
-                </a:solidFill>
-                <a:latin typeface="+mn-lt"/>
-                <a:cs typeface="Tahoma" pitchFamily="34" charset="0"/>
-              </a:defRPr>
-            </a:lvl4pPr>
-            <a:lvl5pPr marL="908050" indent="-188913" algn="l" rtl="0" eaLnBrk="1" fontAlgn="base" hangingPunct="1">
-              <a:lnSpc>
-                <a:spcPct val="130000"/>
-              </a:lnSpc>
-              <a:spcBef>
-                <a:spcPts val="200"/>
-              </a:spcBef>
-              <a:spcAft>
-                <a:spcPts val="230"/>
-              </a:spcAft>
-              <a:buFont typeface="Wingdings" pitchFamily="2" charset="2"/>
-              <a:buChar char="§"/>
-              <a:defRPr sz="1600">
-                <a:solidFill>
-                  <a:schemeClr val="tx1"/>
-                </a:solidFill>
-                <a:latin typeface="+mn-lt"/>
-                <a:cs typeface="Tahoma" pitchFamily="34" charset="0"/>
-              </a:defRPr>
-            </a:lvl5pPr>
-            <a:lvl6pPr marL="1365250" indent="-188913" algn="l" rtl="0" eaLnBrk="1" fontAlgn="base" hangingPunct="1">
-              <a:spcBef>
-                <a:spcPct val="20000"/>
-              </a:spcBef>
-              <a:spcAft>
-                <a:spcPct val="0"/>
-              </a:spcAft>
-              <a:buFont typeface="Wingdings" pitchFamily="2" charset="2"/>
-              <a:buChar char="§"/>
-              <a:defRPr sz="1600">
-                <a:solidFill>
-                  <a:schemeClr val="tx1"/>
-                </a:solidFill>
-                <a:latin typeface="+mn-lt"/>
-              </a:defRPr>
-            </a:lvl6pPr>
-            <a:lvl7pPr marL="1822450" indent="-188913" algn="l" rtl="0" eaLnBrk="1" fontAlgn="base" hangingPunct="1">
-              <a:spcBef>
-                <a:spcPct val="20000"/>
-              </a:spcBef>
-              <a:spcAft>
-                <a:spcPct val="0"/>
-              </a:spcAft>
-              <a:buFont typeface="Wingdings" pitchFamily="2" charset="2"/>
-              <a:buChar char="§"/>
-              <a:defRPr sz="1600">
-                <a:solidFill>
-                  <a:schemeClr val="tx1"/>
-                </a:solidFill>
-                <a:latin typeface="+mn-lt"/>
-              </a:defRPr>
-            </a:lvl7pPr>
-            <a:lvl8pPr marL="2279650" indent="-188913" algn="l" rtl="0" eaLnBrk="1" fontAlgn="base" hangingPunct="1">
-              <a:spcBef>
-                <a:spcPct val="20000"/>
-              </a:spcBef>
-              <a:spcAft>
-                <a:spcPct val="0"/>
-              </a:spcAft>
-              <a:buFont typeface="Wingdings" pitchFamily="2" charset="2"/>
-              <a:buChar char="§"/>
-              <a:defRPr sz="1600">
-                <a:solidFill>
-                  <a:schemeClr val="tx1"/>
-                </a:solidFill>
-                <a:latin typeface="+mn-lt"/>
-              </a:defRPr>
-            </a:lvl8pPr>
-            <a:lvl9pPr marL="2736850" indent="-188913" algn="l" rtl="0" eaLnBrk="1" fontAlgn="base" hangingPunct="1">
-              <a:spcBef>
-                <a:spcPct val="20000"/>
-              </a:spcBef>
-              <a:spcAft>
-                <a:spcPct val="0"/>
-              </a:spcAft>
-              <a:buFont typeface="Wingdings" pitchFamily="2" charset="2"/>
-              <a:buChar char="§"/>
-              <a:defRPr sz="1600">
-                <a:solidFill>
-                  <a:schemeClr val="tx1"/>
-                </a:solidFill>
-                <a:latin typeface="+mn-lt"/>
-              </a:defRPr>
-            </a:lvl9pPr>
-          </a:lstStyle>
-          <a:p>
-            <a:pPr>
-              <a:lnSpc>
-                <a:spcPct val="100000"/>
-              </a:lnSpc>
-            </a:pPr>
-            <a:r>
-              <a:rPr lang="de-DE" sz="1800" dirty="0" smtClean="0"/>
-              <a:t>A team effort:</a:t>
-            </a:r>
-          </a:p>
-          <a:p>
-            <a:pPr>
-              <a:lnSpc>
-                <a:spcPct val="100000"/>
-              </a:lnSpc>
-            </a:pPr>
-            <a:endParaRPr lang="en-US" sz="1800" b="0" dirty="0" smtClean="0"/>
-          </a:p>
-          <a:p>
-            <a:pPr>
-              <a:lnSpc>
-                <a:spcPct val="100000"/>
-              </a:lnSpc>
-            </a:pPr>
-            <a:r>
-              <a:rPr lang="en-US" sz="1800" b="0" dirty="0" smtClean="0"/>
-              <a:t>Igor </a:t>
-            </a:r>
-            <a:r>
-              <a:rPr lang="en-US" sz="1800" b="0" dirty="0" err="1" smtClean="0"/>
-              <a:t>Achieser</a:t>
-            </a:r>
-            <a:endParaRPr lang="en-US" sz="1800" b="0" dirty="0" smtClean="0"/>
-          </a:p>
-          <a:p>
-            <a:pPr>
-              <a:lnSpc>
-                <a:spcPct val="100000"/>
-              </a:lnSpc>
-            </a:pPr>
-            <a:r>
-              <a:rPr lang="en-US" sz="1800" b="0" dirty="0" smtClean="0"/>
-              <a:t>Marc-André </a:t>
-            </a:r>
-            <a:r>
-              <a:rPr lang="en-US" sz="1800" b="0" dirty="0" err="1" smtClean="0"/>
-              <a:t>Bär</a:t>
-            </a:r>
-            <a:endParaRPr lang="en-US" sz="1800" b="0" dirty="0" smtClean="0"/>
-          </a:p>
-          <a:p>
-            <a:pPr>
-              <a:lnSpc>
-                <a:spcPct val="100000"/>
-              </a:lnSpc>
-            </a:pPr>
-            <a:r>
-              <a:rPr lang="en-US" sz="1800" b="0" dirty="0" smtClean="0"/>
-              <a:t>Markus Brandt</a:t>
-            </a:r>
-          </a:p>
-          <a:p>
-            <a:pPr>
-              <a:lnSpc>
-                <a:spcPct val="100000"/>
-              </a:lnSpc>
-            </a:pPr>
-            <a:r>
-              <a:rPr lang="en-US" sz="1800" b="0" dirty="0" smtClean="0"/>
-              <a:t>Johannes </a:t>
-            </a:r>
-            <a:r>
-              <a:rPr lang="en-US" sz="1800" b="0" dirty="0" err="1" smtClean="0"/>
-              <a:t>Fürnkranz</a:t>
-            </a:r>
-            <a:endParaRPr lang="en-US" sz="1800" b="0" dirty="0" smtClean="0"/>
-          </a:p>
-          <a:p>
-            <a:pPr>
-              <a:lnSpc>
-                <a:spcPct val="100000"/>
-              </a:lnSpc>
-            </a:pPr>
-            <a:r>
-              <a:rPr lang="en-US" sz="1800" b="0" dirty="0" smtClean="0"/>
-              <a:t>Fabian </a:t>
-            </a:r>
-            <a:r>
-              <a:rPr lang="en-US" sz="1800" b="0" dirty="0" err="1" smtClean="0"/>
-              <a:t>Hirschmann</a:t>
-            </a:r>
-            <a:endParaRPr lang="en-US" sz="1800" b="0" dirty="0" smtClean="0"/>
-          </a:p>
-          <a:p>
-            <a:pPr>
-              <a:lnSpc>
-                <a:spcPct val="100000"/>
-              </a:lnSpc>
-            </a:pPr>
-            <a:r>
-              <a:rPr lang="en-US" sz="1800" b="0" dirty="0" smtClean="0"/>
-              <a:t>Simon </a:t>
-            </a:r>
-            <a:r>
-              <a:rPr lang="en-US" sz="1800" b="0" dirty="0" err="1" smtClean="0"/>
-              <a:t>Holthausen</a:t>
-            </a:r>
-            <a:endParaRPr lang="en-US" sz="1800" b="0" dirty="0" smtClean="0"/>
-          </a:p>
-          <a:p>
-            <a:pPr>
-              <a:lnSpc>
-                <a:spcPct val="100000"/>
-              </a:lnSpc>
-            </a:pPr>
-            <a:r>
-              <a:rPr lang="en-US" sz="1800" b="0" dirty="0" err="1" smtClean="0"/>
-              <a:t>Patryk</a:t>
-            </a:r>
-            <a:r>
-              <a:rPr lang="en-US" sz="1800" b="0" dirty="0" smtClean="0"/>
-              <a:t> </a:t>
-            </a:r>
-            <a:r>
-              <a:rPr lang="en-US" sz="1800" b="0" dirty="0" err="1" smtClean="0"/>
-              <a:t>Hopner</a:t>
-            </a:r>
-            <a:endParaRPr lang="en-US" sz="1800" b="0" dirty="0" smtClean="0"/>
-          </a:p>
-          <a:p>
-            <a:pPr>
-              <a:lnSpc>
-                <a:spcPct val="100000"/>
-              </a:lnSpc>
-            </a:pPr>
-            <a:r>
-              <a:rPr lang="en-US" sz="1800" b="0" dirty="0" err="1" smtClean="0"/>
-              <a:t>Frederik</a:t>
-            </a:r>
-            <a:r>
-              <a:rPr lang="en-US" sz="1800" b="0" dirty="0" smtClean="0"/>
-              <a:t> Janssen</a:t>
-            </a:r>
-          </a:p>
-          <a:p>
-            <a:pPr>
-              <a:lnSpc>
-                <a:spcPct val="100000"/>
-              </a:lnSpc>
-            </a:pPr>
-            <a:r>
-              <a:rPr lang="en-US" sz="1800" b="0" dirty="0" err="1" smtClean="0"/>
-              <a:t>Mirko</a:t>
-            </a:r>
-            <a:r>
-              <a:rPr lang="en-US" sz="1800" b="0" dirty="0" smtClean="0"/>
-              <a:t> </a:t>
-            </a:r>
-            <a:r>
-              <a:rPr lang="en-US" sz="1800" b="0" dirty="0" err="1" smtClean="0"/>
-              <a:t>Köhler</a:t>
-            </a:r>
-            <a:endParaRPr lang="en-US" sz="1800" b="0" dirty="0" smtClean="0"/>
-          </a:p>
-        </p:txBody>
-      </p:sp>
+        </p:nvGraphicFramePr>
+        <p:xfrm>
+          <a:off x="642910" y="2393950"/>
+          <a:ext cx="7817522" cy="3672408"/>
+        </p:xfrm>
+        <a:graphic>
+          <a:graphicData uri="http://schemas.openxmlformats.org/drawingml/2006/diagram">
+            <dgm:relIds xmlns:dgm="http://schemas.openxmlformats.org/drawingml/2006/diagram" xmlns:r="http://schemas.openxmlformats.org/officeDocument/2006/relationships" r:dm="rId4" r:lo="rId5" r:qs="rId6" r:cs="rId7"/>
+          </a:graphicData>
+        </a:graphic>
+      </p:graphicFrame>
       <p:sp>
         <p:nvSpPr>
           <p:cNvPr id="12" name="Content Placeholder 3"/>
@@ -10102,7 +12223,7 @@
         </p:nvSpPr>
         <p:spPr bwMode="auto">
           <a:xfrm>
-            <a:off x="5183311" y="2276872"/>
+            <a:off x="1714480" y="2000240"/>
             <a:ext cx="3421137" cy="3672408"/>
           </a:xfrm>
           <a:prstGeom prst="rect">
@@ -10296,172 +12417,11 @@
                 <a:spcPct val="100000"/>
               </a:lnSpc>
             </a:pPr>
-            <a:endParaRPr lang="de-DE" sz="1800" b="0" dirty="0" smtClean="0"/>
-          </a:p>
-          <a:p>
-            <a:pPr algn="r">
-              <a:lnSpc>
-                <a:spcPct val="100000"/>
-              </a:lnSpc>
-            </a:pPr>
-            <a:endParaRPr lang="en-US" sz="1800" b="0" dirty="0" smtClean="0"/>
-          </a:p>
-          <a:p>
-            <a:pPr algn="r">
-              <a:lnSpc>
-                <a:spcPct val="100000"/>
-              </a:lnSpc>
-            </a:pPr>
             <a:r>
-              <a:rPr lang="en-US" sz="1800" b="0" dirty="0" err="1"/>
-              <a:t>Suiteng</a:t>
-            </a:r>
-            <a:r>
-              <a:rPr lang="en-US" sz="1800" b="0" dirty="0"/>
-              <a:t> Lu</a:t>
-            </a:r>
-          </a:p>
-          <a:p>
-            <a:pPr algn="r">
-              <a:lnSpc>
-                <a:spcPct val="100000"/>
-              </a:lnSpc>
-            </a:pPr>
-            <a:r>
-              <a:rPr lang="en-US" sz="1800" b="0" dirty="0"/>
-              <a:t>Michael </a:t>
-            </a:r>
-            <a:r>
-              <a:rPr lang="en-US" sz="1800" b="0" dirty="0" err="1"/>
-              <a:t>Markert</a:t>
+              <a:rPr lang="en-US" sz="1800" b="0" dirty="0" smtClean="0"/>
+              <a:t>A team effort:</a:t>
             </a:r>
             <a:endParaRPr lang="en-US" sz="1800" b="0" dirty="0"/>
-          </a:p>
-          <a:p>
-            <a:pPr algn="r">
-              <a:lnSpc>
-                <a:spcPct val="100000"/>
-              </a:lnSpc>
-            </a:pPr>
-            <a:r>
-              <a:rPr lang="en-US" sz="1800" b="0" dirty="0" err="1"/>
-              <a:t>Eneldo</a:t>
-            </a:r>
-            <a:r>
-              <a:rPr lang="en-US" sz="1800" b="0" dirty="0"/>
-              <a:t> </a:t>
-            </a:r>
-            <a:r>
-              <a:rPr lang="en-US" sz="1800" b="0" dirty="0" err="1"/>
-              <a:t>Loza</a:t>
-            </a:r>
-            <a:r>
-              <a:rPr lang="en-US" sz="1800" b="0" dirty="0"/>
-              <a:t> </a:t>
-            </a:r>
-            <a:r>
-              <a:rPr lang="en-US" sz="1800" b="0" dirty="0" err="1"/>
-              <a:t>Mencía</a:t>
-            </a:r>
-            <a:endParaRPr lang="en-US" sz="1800" b="0" dirty="0"/>
-          </a:p>
-          <a:p>
-            <a:pPr algn="r">
-              <a:lnSpc>
-                <a:spcPct val="100000"/>
-              </a:lnSpc>
-            </a:pPr>
-            <a:r>
-              <a:rPr lang="en-US" sz="1800" b="0" dirty="0"/>
-              <a:t>Thomas </a:t>
-            </a:r>
-            <a:r>
-              <a:rPr lang="en-US" sz="1800" b="0" dirty="0" err="1"/>
-              <a:t>Pignede</a:t>
-            </a:r>
-            <a:endParaRPr lang="en-US" sz="1800" b="0" dirty="0"/>
-          </a:p>
-          <a:p>
-            <a:pPr algn="r">
-              <a:lnSpc>
-                <a:spcPct val="100000"/>
-              </a:lnSpc>
-            </a:pPr>
-            <a:r>
-              <a:rPr lang="en-US" sz="1800" b="0" dirty="0" err="1"/>
-              <a:t>Elvir</a:t>
-            </a:r>
-            <a:r>
-              <a:rPr lang="en-US" sz="1800" b="0" dirty="0"/>
-              <a:t> </a:t>
-            </a:r>
-            <a:r>
-              <a:rPr lang="en-US" sz="1800" b="0" dirty="0" err="1"/>
-              <a:t>Sabic</a:t>
-            </a:r>
-            <a:endParaRPr lang="en-US" sz="1800" b="0" dirty="0"/>
-          </a:p>
-          <a:p>
-            <a:pPr algn="r">
-              <a:lnSpc>
-                <a:spcPct val="100000"/>
-              </a:lnSpc>
-            </a:pPr>
-            <a:r>
-              <a:rPr lang="en-US" sz="1800" b="0" dirty="0" err="1"/>
-              <a:t>Christoph</a:t>
-            </a:r>
-            <a:r>
-              <a:rPr lang="en-US" sz="1800" b="0" dirty="0"/>
-              <a:t> </a:t>
-            </a:r>
-            <a:r>
-              <a:rPr lang="en-US" sz="1800" b="0" dirty="0" err="1"/>
-              <a:t>Schatton</a:t>
-            </a:r>
-            <a:endParaRPr lang="en-US" sz="1800" b="0" dirty="0"/>
-          </a:p>
-          <a:p>
-            <a:pPr algn="r">
-              <a:lnSpc>
-                <a:spcPct val="100000"/>
-              </a:lnSpc>
-            </a:pPr>
-            <a:r>
-              <a:rPr lang="en-US" sz="1800" b="0" dirty="0" err="1"/>
-              <a:t>Svenja</a:t>
-            </a:r>
-            <a:r>
-              <a:rPr lang="en-US" sz="1800" b="0" dirty="0"/>
-              <a:t> Stark</a:t>
-            </a:r>
-          </a:p>
-          <a:p>
-            <a:pPr algn="r">
-              <a:lnSpc>
-                <a:spcPct val="100000"/>
-              </a:lnSpc>
-            </a:pPr>
-            <a:r>
-              <a:rPr lang="en-US" sz="1800" b="0" dirty="0"/>
-              <a:t>Michael </a:t>
-            </a:r>
-            <a:r>
-              <a:rPr lang="en-US" sz="1800" b="0" dirty="0" err="1"/>
-              <a:t>Stahn</a:t>
-            </a:r>
-            <a:endParaRPr lang="en-US" sz="1800" b="0" dirty="0"/>
-          </a:p>
-          <a:p>
-            <a:pPr algn="r">
-              <a:lnSpc>
-                <a:spcPct val="100000"/>
-              </a:lnSpc>
-            </a:pPr>
-            <a:r>
-              <a:rPr lang="en-US" sz="1800" b="0" dirty="0"/>
-              <a:t>Christian Wirth</a:t>
-            </a:r>
           </a:p>
         </p:txBody>
       </p:sp>
@@ -10520,8 +12480,8 @@
           </a:p>
         </p:txBody>
       </p:sp>
-      <mc:AlternateContent xmlns:mc="http://schemas.openxmlformats.org/markup-compatibility/2006" xmlns:a14="http://schemas.microsoft.com/office/drawing/2010/main">
-        <mc:Choice Requires="a14">
+      <mc:AlternateContent xmlns:mc="http://schemas.openxmlformats.org/markup-compatibility/2006">
+        <mc:Choice xmlns:a14="http://schemas.microsoft.com/office/drawing/2010/main" xmlns="" Requires="a14">
           <p:sp>
             <p:nvSpPr>
               <p:cNvPr id="3" name="Content Placeholder 2"/>
@@ -10649,7 +12609,7 @@
             </p:txBody>
           </p:sp>
         </mc:Choice>
-        <mc:Fallback xmlns="">
+        <mc:Fallback>
           <p:sp>
             <p:nvSpPr>
               <p:cNvPr id="3" name="Content Placeholder 2"/>
@@ -10699,7 +12659,7 @@
           <a:blip r:embed="rId3" cstate="print">
             <a:extLst>
               <a:ext uri="{28A0092B-C50C-407E-A947-70E740481C1C}">
-                <a14:useLocalDpi xmlns:a14="http://schemas.microsoft.com/office/drawing/2010/main" val="0"/>
+                <a14:useLocalDpi xmlns:a14="http://schemas.microsoft.com/office/drawing/2010/main" xmlns="" val="0"/>
               </a:ext>
             </a:extLst>
           </a:blip>
@@ -10720,7 +12680,7 @@
     </p:spTree>
     <p:extLst>
       <p:ext uri="{BB962C8B-B14F-4D97-AF65-F5344CB8AC3E}">
-        <p14:creationId xmlns:p14="http://schemas.microsoft.com/office/powerpoint/2010/main" val="2646396681"/>
+        <p14:creationId xmlns:p14="http://schemas.microsoft.com/office/powerpoint/2010/main" xmlns="" val="2646396681"/>
       </p:ext>
     </p:extLst>
   </p:cSld>
@@ -10787,7 +12747,7 @@
             <p:ph idx="1"/>
             <p:extLst>
               <p:ext uri="{D42A27DB-BD31-4B8C-83A1-F6EECF244321}">
-                <p14:modId xmlns:p14="http://schemas.microsoft.com/office/powerpoint/2010/main" val="3071815426"/>
+                <p14:modId xmlns:p14="http://schemas.microsoft.com/office/powerpoint/2010/main" xmlns="" val="3071815426"/>
               </p:ext>
             </p:extLst>
           </p:nvPr>
@@ -10811,10 +12771,10 @@
           <p:nvPr/>
         </p:nvPicPr>
         <p:blipFill>
-          <a:blip r:embed="rId7" cstate="print">
+          <a:blip r:embed="rId6" cstate="print">
             <a:extLst>
               <a:ext uri="{28A0092B-C50C-407E-A947-70E740481C1C}">
-                <a14:useLocalDpi xmlns:a14="http://schemas.microsoft.com/office/drawing/2010/main" val="0"/>
+                <a14:useLocalDpi xmlns:a14="http://schemas.microsoft.com/office/drawing/2010/main" xmlns="" val="0"/>
               </a:ext>
             </a:extLst>
           </a:blip>
@@ -10835,7 +12795,7 @@
     </p:spTree>
     <p:extLst>
       <p:ext uri="{BB962C8B-B14F-4D97-AF65-F5344CB8AC3E}">
-        <p14:creationId xmlns:p14="http://schemas.microsoft.com/office/powerpoint/2010/main" val="1536128924"/>
+        <p14:creationId xmlns:p14="http://schemas.microsoft.com/office/powerpoint/2010/main" xmlns="" val="1536128924"/>
       </p:ext>
     </p:extLst>
   </p:cSld>
@@ -10902,7 +12862,7 @@
             <p:ph idx="1"/>
             <p:extLst>
               <p:ext uri="{D42A27DB-BD31-4B8C-83A1-F6EECF244321}">
-                <p14:modId xmlns:p14="http://schemas.microsoft.com/office/powerpoint/2010/main" val="3711246334"/>
+                <p14:modId xmlns:p14="http://schemas.microsoft.com/office/powerpoint/2010/main" xmlns="" val="3711246334"/>
               </p:ext>
             </p:extLst>
           </p:nvPr>
@@ -10967,7 +12927,7 @@
     </p:spTree>
     <p:extLst>
       <p:ext uri="{BB962C8B-B14F-4D97-AF65-F5344CB8AC3E}">
-        <p14:creationId xmlns:p14="http://schemas.microsoft.com/office/powerpoint/2010/main" val="3725929812"/>
+        <p14:creationId xmlns:p14="http://schemas.microsoft.com/office/powerpoint/2010/main" xmlns="" val="3725929812"/>
       </p:ext>
     </p:extLst>
   </p:cSld>
@@ -11237,7 +13197,7 @@
     </p:spTree>
     <p:extLst>
       <p:ext uri="{BB962C8B-B14F-4D97-AF65-F5344CB8AC3E}">
-        <p14:creationId xmlns:p14="http://schemas.microsoft.com/office/powerpoint/2010/main" val="1148698881"/>
+        <p14:creationId xmlns:p14="http://schemas.microsoft.com/office/powerpoint/2010/main" xmlns="" val="1148698881"/>
       </p:ext>
     </p:extLst>
   </p:cSld>
@@ -11304,7 +13264,7 @@
             <p:ph idx="1"/>
             <p:extLst>
               <p:ext uri="{D42A27DB-BD31-4B8C-83A1-F6EECF244321}">
-                <p14:modId xmlns:p14="http://schemas.microsoft.com/office/powerpoint/2010/main" val="547801802"/>
+                <p14:modId xmlns:p14="http://schemas.microsoft.com/office/powerpoint/2010/main" xmlns="" val="547801802"/>
               </p:ext>
             </p:extLst>
           </p:nvPr>
@@ -11434,11 +13394,7 @@
                     <a:p>
                       <a:r>
                         <a:rPr lang="de-DE" dirty="0" smtClean="0"/>
-                        <a:t>Decision </a:t>
-                      </a:r>
-                      <a:r>
-                        <a:rPr lang="de-DE" dirty="0" smtClean="0"/>
-                        <a:t>Trees</a:t>
+                        <a:t>Decision Trees</a:t>
                       </a:r>
                       <a:endParaRPr lang="en-US" dirty="0"/>
                     </a:p>
@@ -11629,7 +13585,7 @@
     </p:spTree>
     <p:extLst>
       <p:ext uri="{BB962C8B-B14F-4D97-AF65-F5344CB8AC3E}">
-        <p14:creationId xmlns:p14="http://schemas.microsoft.com/office/powerpoint/2010/main" val="3847757178"/>
+        <p14:creationId xmlns:p14="http://schemas.microsoft.com/office/powerpoint/2010/main" xmlns="" val="3847757178"/>
       </p:ext>
     </p:extLst>
   </p:cSld>
@@ -11744,7 +13700,7 @@
           <a:blip r:embed="rId2" cstate="print">
             <a:extLst>
               <a:ext uri="{28A0092B-C50C-407E-A947-70E740481C1C}">
-                <a14:useLocalDpi xmlns:a14="http://schemas.microsoft.com/office/drawing/2010/main" val="0"/>
+                <a14:useLocalDpi xmlns:a14="http://schemas.microsoft.com/office/drawing/2010/main" xmlns="" val="0"/>
               </a:ext>
             </a:extLst>
           </a:blip>
@@ -11840,7 +13796,7 @@
     </p:spTree>
     <p:extLst>
       <p:ext uri="{BB962C8B-B14F-4D97-AF65-F5344CB8AC3E}">
-        <p14:creationId xmlns:p14="http://schemas.microsoft.com/office/powerpoint/2010/main" val="346014335"/>
+        <p14:creationId xmlns:p14="http://schemas.microsoft.com/office/powerpoint/2010/main" xmlns="" val="346014335"/>
       </p:ext>
     </p:extLst>
   </p:cSld>

--- a/doc/pres-prudsys.pptx
+++ b/doc/pres-prudsys.pptx
@@ -2667,7 +2667,22 @@
       </dgm:t>
     </dgm:pt>
     <dgm:pt modelId="{6664E53C-9F9E-49CC-9F8F-E8A789356998}">
-      <dgm:prSet/>
+      <dgm:prSet>
+        <dgm:style>
+          <a:lnRef idx="1">
+            <a:schemeClr val="accent1"/>
+          </a:lnRef>
+          <a:fillRef idx="3">
+            <a:schemeClr val="accent1"/>
+          </a:fillRef>
+          <a:effectRef idx="2">
+            <a:schemeClr val="accent1"/>
+          </a:effectRef>
+          <a:fontRef idx="minor">
+            <a:schemeClr val="lt1"/>
+          </a:fontRef>
+        </dgm:style>
+      </dgm:prSet>
       <dgm:spPr/>
       <dgm:t>
         <a:bodyPr/>
@@ -2675,38 +2690,46 @@
         <a:p>
           <a:pPr rtl="0"/>
           <a:r>
-            <a:rPr lang="de-DE" b="1" dirty="0" smtClean="0"/>
-            <a:t>Simon Holthausen, Der </a:t>
+            <a:rPr lang="de-DE" b="0" dirty="0" err="1" smtClean="0"/>
+            <a:t>Patryk</a:t>
           </a:r>
           <a:r>
-            <a:rPr lang="de-DE" b="1" dirty="0" err="1" smtClean="0"/>
-            <a:t>Bubu</a:t>
+            <a:rPr lang="de-DE" b="0" dirty="0" smtClean="0"/>
+            <a:t> </a:t>
           </a:r>
           <a:r>
-            <a:rPr lang="de-DE" b="1" dirty="0" smtClean="0"/>
-            <a:t>, Der </a:t>
+            <a:rPr lang="de-DE" b="0" dirty="0" err="1" smtClean="0"/>
+            <a:t>Hopner</a:t>
           </a:r>
           <a:r>
-            <a:rPr lang="de-DE" b="1" dirty="0" err="1" smtClean="0"/>
-            <a:t>Fabi</a:t>
-          </a:r>
-          <a:r>
-            <a:rPr lang="de-DE" b="1" dirty="0" smtClean="0"/>
-            <a:t>, Der </a:t>
-          </a:r>
-          <a:r>
-            <a:rPr lang="de-DE" b="1" dirty="0" err="1" smtClean="0"/>
-            <a:t>Blablubber</a:t>
-          </a:r>
-          <a:r>
-            <a:rPr lang="de-DE" b="1" dirty="0" smtClean="0"/>
+            <a:rPr lang="de-DE" b="0" dirty="0" smtClean="0"/>
             <a:t>, </a:t>
           </a:r>
           <a:r>
-            <a:rPr lang="de-DE" b="1" dirty="0" err="1" smtClean="0"/>
-            <a:t>etc</a:t>
+            <a:rPr lang="de-DE" b="0" dirty="0" err="1" smtClean="0"/>
+            <a:t>Suiteng</a:t>
           </a:r>
-          <a:endParaRPr lang="de-DE" dirty="0"/>
+          <a:r>
+            <a:rPr lang="de-DE" b="0" dirty="0" smtClean="0"/>
+            <a:t> </a:t>
+          </a:r>
+          <a:r>
+            <a:rPr lang="de-DE" b="0" dirty="0" err="1" smtClean="0"/>
+            <a:t>Lu</a:t>
+          </a:r>
+          <a:r>
+            <a:rPr lang="de-DE" b="0" dirty="0" smtClean="0"/>
+            <a:t>, Mirko Köhler &amp; Igor </a:t>
+          </a:r>
+          <a:r>
+            <a:rPr lang="de-DE" b="0" dirty="0" err="1" smtClean="0"/>
+            <a:t>Achieser</a:t>
+          </a:r>
+          <a:r>
+            <a:rPr lang="de-DE" b="0" dirty="0" smtClean="0"/>
+            <a:t> </a:t>
+          </a:r>
+          <a:endParaRPr lang="de-DE" b="0" dirty="0"/>
         </a:p>
       </dgm:t>
     </dgm:pt>
@@ -2733,13 +2756,32 @@
       </dgm:t>
     </dgm:pt>
     <dgm:pt modelId="{E78AF096-C54A-498F-A781-424A99346EFD}">
-      <dgm:prSet/>
+      <dgm:prSet>
+        <dgm:style>
+          <a:lnRef idx="1">
+            <a:schemeClr val="accent1"/>
+          </a:lnRef>
+          <a:fillRef idx="3">
+            <a:schemeClr val="accent1"/>
+          </a:fillRef>
+          <a:effectRef idx="2">
+            <a:schemeClr val="accent1"/>
+          </a:effectRef>
+          <a:fontRef idx="minor">
+            <a:schemeClr val="lt1"/>
+          </a:fontRef>
+        </dgm:style>
+      </dgm:prSet>
       <dgm:spPr/>
       <dgm:t>
         <a:bodyPr/>
         <a:lstStyle/>
         <a:p>
           <a:pPr rtl="0"/>
+          <a:r>
+            <a:rPr lang="de-DE" b="0" dirty="0" smtClean="0"/>
+            <a:t>Markus Brandt </a:t>
+          </a:r>
           <a:endParaRPr lang="en-US" b="0" dirty="0"/>
         </a:p>
       </dgm:t>
@@ -2767,7 +2809,22 @@
       </dgm:t>
     </dgm:pt>
     <dgm:pt modelId="{A5F6CFDE-8ED4-4FFD-93E9-BF8F9615E539}">
-      <dgm:prSet/>
+      <dgm:prSet>
+        <dgm:style>
+          <a:lnRef idx="1">
+            <a:schemeClr val="accent1"/>
+          </a:lnRef>
+          <a:fillRef idx="2">
+            <a:schemeClr val="accent1"/>
+          </a:fillRef>
+          <a:effectRef idx="1">
+            <a:schemeClr val="accent1"/>
+          </a:effectRef>
+          <a:fontRef idx="minor">
+            <a:schemeClr val="dk1"/>
+          </a:fontRef>
+        </dgm:style>
+      </dgm:prSet>
       <dgm:spPr/>
       <dgm:t>
         <a:bodyPr/>
@@ -2775,12 +2832,12 @@
         <a:p>
           <a:pPr rtl="0"/>
           <a:r>
-            <a:rPr lang="en-US" b="0" dirty="0" smtClean="0"/>
-            <a:t>Igor </a:t>
+            <a:rPr lang="de-DE" b="0" dirty="0" smtClean="0"/>
+            <a:t>Fabian Hirschmann, Simon Holthausen, Michael Markert &amp; Christoph </a:t>
           </a:r>
           <a:r>
-            <a:rPr lang="en-US" b="0" dirty="0" err="1" smtClean="0"/>
-            <a:t>Achieser</a:t>
+            <a:rPr lang="de-DE" b="0" dirty="0" err="1" smtClean="0"/>
+            <a:t>Schatton</a:t>
           </a:r>
           <a:endParaRPr lang="en-US" b="0" dirty="0"/>
         </a:p>
@@ -2798,48 +2855,6 @@
       </dgm:t>
     </dgm:pt>
     <dgm:pt modelId="{F7A55F9A-E74E-47FE-80B6-AD4E3816D037}" type="sibTrans" cxnId="{502283F2-6396-4285-89D8-C63CDA8EAC86}">
-      <dgm:prSet/>
-      <dgm:spPr/>
-      <dgm:t>
-        <a:bodyPr/>
-        <a:lstStyle/>
-        <a:p>
-          <a:endParaRPr lang="de-DE"/>
-        </a:p>
-      </dgm:t>
-    </dgm:pt>
-    <dgm:pt modelId="{7BDCB649-B1C5-4FC2-AF64-3767CE7AC2B8}">
-      <dgm:prSet/>
-      <dgm:spPr/>
-      <dgm:t>
-        <a:bodyPr/>
-        <a:lstStyle/>
-        <a:p>
-          <a:pPr rtl="0"/>
-          <a:r>
-            <a:rPr lang="en-US" b="0" dirty="0" smtClean="0"/>
-            <a:t>Marc-André </a:t>
-          </a:r>
-          <a:r>
-            <a:rPr lang="en-US" b="0" dirty="0" err="1" smtClean="0"/>
-            <a:t>Bär</a:t>
-          </a:r>
-          <a:endParaRPr lang="en-US" b="0" dirty="0"/>
-        </a:p>
-      </dgm:t>
-    </dgm:pt>
-    <dgm:pt modelId="{CB0A7A21-35C0-4579-BBAD-D64672B35839}" type="parTrans" cxnId="{7F6B6A69-957D-482E-A29F-FAC14486F2B6}">
-      <dgm:prSet/>
-      <dgm:spPr/>
-      <dgm:t>
-        <a:bodyPr/>
-        <a:lstStyle/>
-        <a:p>
-          <a:endParaRPr lang="de-DE"/>
-        </a:p>
-      </dgm:t>
-    </dgm:pt>
-    <dgm:pt modelId="{9F48BB50-A56C-4901-A3C0-830879612EB4}" type="sibTrans" cxnId="{7F6B6A69-957D-482E-A29F-FAC14486F2B6}">
       <dgm:prSet/>
       <dgm:spPr/>
       <dgm:t>
@@ -3032,6 +3047,67 @@
         </a:p>
       </dgm:t>
     </dgm:pt>
+    <dgm:pt modelId="{7BDCB649-B1C5-4FC2-AF64-3767CE7AC2B8}">
+      <dgm:prSet>
+        <dgm:style>
+          <a:lnRef idx="1">
+            <a:schemeClr val="accent1"/>
+          </a:lnRef>
+          <a:fillRef idx="3">
+            <a:schemeClr val="accent1"/>
+          </a:fillRef>
+          <a:effectRef idx="2">
+            <a:schemeClr val="accent1"/>
+          </a:effectRef>
+          <a:fontRef idx="minor">
+            <a:schemeClr val="lt1"/>
+          </a:fontRef>
+        </dgm:style>
+      </dgm:prSet>
+      <dgm:spPr/>
+      <dgm:t>
+        <a:bodyPr/>
+        <a:lstStyle/>
+        <a:p>
+          <a:pPr rtl="0"/>
+          <a:r>
+            <a:rPr lang="de-DE" b="0" dirty="0" smtClean="0"/>
+            <a:t>Thomas </a:t>
+          </a:r>
+          <a:r>
+            <a:rPr lang="de-DE" b="0" dirty="0" err="1" smtClean="0"/>
+            <a:t>Pignede</a:t>
+          </a:r>
+          <a:r>
+            <a:rPr lang="de-DE" b="0" dirty="0" smtClean="0"/>
+            <a:t>, Svenja Stark, Elvir Sabic &amp; Marc-André Bär </a:t>
+          </a:r>
+          <a:endParaRPr lang="en-US" b="0" dirty="0"/>
+        </a:p>
+      </dgm:t>
+    </dgm:pt>
+    <dgm:pt modelId="{9F48BB50-A56C-4901-A3C0-830879612EB4}" type="sibTrans" cxnId="{7F6B6A69-957D-482E-A29F-FAC14486F2B6}">
+      <dgm:prSet/>
+      <dgm:spPr/>
+      <dgm:t>
+        <a:bodyPr/>
+        <a:lstStyle/>
+        <a:p>
+          <a:endParaRPr lang="de-DE"/>
+        </a:p>
+      </dgm:t>
+    </dgm:pt>
+    <dgm:pt modelId="{CB0A7A21-35C0-4579-BBAD-D64672B35839}" type="parTrans" cxnId="{7F6B6A69-957D-482E-A29F-FAC14486F2B6}">
+      <dgm:prSet/>
+      <dgm:spPr/>
+      <dgm:t>
+        <a:bodyPr/>
+        <a:lstStyle/>
+        <a:p>
+          <a:endParaRPr lang="de-DE"/>
+        </a:p>
+      </dgm:t>
+    </dgm:pt>
     <dgm:pt modelId="{5D65A7D7-54F0-409E-83F3-A39C42928CCD}" type="pres">
       <dgm:prSet presAssocID="{0AB31669-45BB-4AD8-A85D-1E6CA8E3350A}" presName="matrix" presStyleCnt="0">
         <dgm:presLayoutVars>
@@ -3072,6 +3148,13 @@
         </dgm:presLayoutVars>
       </dgm:prSet>
       <dgm:spPr/>
+      <dgm:t>
+        <a:bodyPr/>
+        <a:lstStyle/>
+        <a:p>
+          <a:endParaRPr lang="de-DE"/>
+        </a:p>
+      </dgm:t>
     </dgm:pt>
     <dgm:pt modelId="{D484FF22-98C9-40CD-BCAB-4628D7940ABC}" type="pres">
       <dgm:prSet presAssocID="{0AB31669-45BB-4AD8-A85D-1E6CA8E3350A}" presName="quad3" presStyleLbl="node1" presStyleIdx="2" presStyleCnt="4" custScaleX="198716" custLinFactX="-4745" custLinFactNeighborX="-100000" custLinFactNeighborY="-3130">
@@ -3082,6 +3165,13 @@
         </dgm:presLayoutVars>
       </dgm:prSet>
       <dgm:spPr/>
+      <dgm:t>
+        <a:bodyPr/>
+        <a:lstStyle/>
+        <a:p>
+          <a:endParaRPr lang="de-DE"/>
+        </a:p>
+      </dgm:t>
     </dgm:pt>
     <dgm:pt modelId="{BEE99ED4-0B63-4E01-B455-7B82426C8B55}" type="pres">
       <dgm:prSet presAssocID="{0AB31669-45BB-4AD8-A85D-1E6CA8E3350A}" presName="quad4" presStyleLbl="node1" presStyleIdx="3" presStyleCnt="4" custScaleX="198716" custLinFactX="6786" custLinFactNeighborX="100000" custLinFactNeighborY="-3130">
@@ -3092,6 +3182,13 @@
         </dgm:presLayoutVars>
       </dgm:prSet>
       <dgm:spPr/>
+      <dgm:t>
+        <a:bodyPr/>
+        <a:lstStyle/>
+        <a:p>
+          <a:endParaRPr lang="de-DE"/>
+        </a:p>
+      </dgm:t>
     </dgm:pt>
   </dgm:ptLst>
   <dgm:cxnLst>
@@ -12224,7 +12321,7 @@
         <p:spPr bwMode="auto">
           <a:xfrm>
             <a:off x="1714480" y="2000240"/>
-            <a:ext cx="3421137" cy="3672408"/>
+            <a:ext cx="3500462" cy="3672408"/>
           </a:xfrm>
           <a:prstGeom prst="rect">
             <a:avLst/>

--- a/doc/pres-prudsys.pptx
+++ b/doc/pres-prudsys.pptx
@@ -2669,21 +2669,30 @@
     <dgm:pt modelId="{6664E53C-9F9E-49CC-9F8F-E8A789356998}">
       <dgm:prSet>
         <dgm:style>
-          <a:lnRef idx="1">
-            <a:schemeClr val="accent1"/>
+          <a:lnRef idx="2">
+            <a:schemeClr val="dk1">
+              <a:shade val="50000"/>
+            </a:schemeClr>
           </a:lnRef>
-          <a:fillRef idx="3">
-            <a:schemeClr val="accent1"/>
+          <a:fillRef idx="1">
+            <a:schemeClr val="dk1"/>
           </a:fillRef>
-          <a:effectRef idx="2">
-            <a:schemeClr val="accent1"/>
+          <a:effectRef idx="0">
+            <a:schemeClr val="dk1"/>
           </a:effectRef>
           <a:fontRef idx="minor">
             <a:schemeClr val="lt1"/>
           </a:fontRef>
         </dgm:style>
       </dgm:prSet>
-      <dgm:spPr/>
+      <dgm:spPr>
+        <a:solidFill>
+          <a:schemeClr val="tx2">
+            <a:lumMod val="65000"/>
+            <a:lumOff val="35000"/>
+          </a:schemeClr>
+        </a:solidFill>
+      </dgm:spPr>
       <dgm:t>
         <a:bodyPr/>
         <a:lstStyle/>
@@ -2758,21 +2767,30 @@
     <dgm:pt modelId="{E78AF096-C54A-498F-A781-424A99346EFD}">
       <dgm:prSet>
         <dgm:style>
-          <a:lnRef idx="1">
-            <a:schemeClr val="accent1"/>
+          <a:lnRef idx="2">
+            <a:schemeClr val="dk1">
+              <a:shade val="50000"/>
+            </a:schemeClr>
           </a:lnRef>
-          <a:fillRef idx="3">
-            <a:schemeClr val="accent1"/>
+          <a:fillRef idx="1">
+            <a:schemeClr val="dk1"/>
           </a:fillRef>
-          <a:effectRef idx="2">
-            <a:schemeClr val="accent1"/>
+          <a:effectRef idx="0">
+            <a:schemeClr val="dk1"/>
           </a:effectRef>
           <a:fontRef idx="minor">
             <a:schemeClr val="lt1"/>
           </a:fontRef>
         </dgm:style>
       </dgm:prSet>
-      <dgm:spPr/>
+      <dgm:spPr>
+        <a:solidFill>
+          <a:schemeClr val="tx2">
+            <a:lumMod val="65000"/>
+            <a:lumOff val="35000"/>
+          </a:schemeClr>
+        </a:solidFill>
+      </dgm:spPr>
       <dgm:t>
         <a:bodyPr/>
         <a:lstStyle/>
@@ -2811,17 +2829,17 @@
     <dgm:pt modelId="{A5F6CFDE-8ED4-4FFD-93E9-BF8F9615E539}">
       <dgm:prSet>
         <dgm:style>
-          <a:lnRef idx="1">
-            <a:schemeClr val="accent1"/>
+          <a:lnRef idx="3">
+            <a:schemeClr val="lt1"/>
           </a:lnRef>
-          <a:fillRef idx="2">
-            <a:schemeClr val="accent1"/>
+          <a:fillRef idx="1">
+            <a:schemeClr val="dk1"/>
           </a:fillRef>
           <a:effectRef idx="1">
-            <a:schemeClr val="accent1"/>
+            <a:schemeClr val="dk1"/>
           </a:effectRef>
           <a:fontRef idx="minor">
-            <a:schemeClr val="dk1"/>
+            <a:schemeClr val="lt1"/>
           </a:fontRef>
         </dgm:style>
       </dgm:prSet>
@@ -2832,8 +2850,32 @@
         <a:p>
           <a:pPr rtl="0"/>
           <a:r>
+            <a:rPr lang="de-DE" b="0" dirty="0" err="1" smtClean="0"/>
+            <a:t>Eneldo</a:t>
+          </a:r>
+          <a:r>
             <a:rPr lang="de-DE" b="0" dirty="0" smtClean="0"/>
-            <a:t>Fabian Hirschmann, Simon Holthausen, Michael Markert &amp; Christoph </a:t>
+            <a:t> </a:t>
+          </a:r>
+          <a:r>
+            <a:rPr lang="de-DE" b="0" dirty="0" err="1" smtClean="0"/>
+            <a:t>Loza</a:t>
+          </a:r>
+          <a:r>
+            <a:rPr lang="de-DE" b="0" dirty="0" smtClean="0"/>
+            <a:t> </a:t>
+          </a:r>
+          <a:r>
+            <a:rPr lang="de-DE" b="0" dirty="0" err="1" smtClean="0"/>
+            <a:t>Mencía</a:t>
+          </a:r>
+          <a:r>
+            <a:rPr lang="de-DE" b="0" dirty="0" smtClean="0"/>
+            <a:t>, Fabian </a:t>
+          </a:r>
+          <a:r>
+            <a:rPr lang="de-DE" b="0" dirty="0" smtClean="0"/>
+            <a:t>Hirschmann, Simon Holthausen, Michael Markert &amp; Christoph </a:t>
           </a:r>
           <a:r>
             <a:rPr lang="de-DE" b="0" dirty="0" err="1" smtClean="0"/>
@@ -2868,6 +2910,13 @@
     <dgm:pt modelId="{AADE1167-4C94-4CFF-89F3-B38D55A15922}">
       <dgm:prSet/>
       <dgm:spPr/>
+      <dgm:t>
+        <a:bodyPr/>
+        <a:lstStyle/>
+        <a:p>
+          <a:endParaRPr lang="de-DE"/>
+        </a:p>
+      </dgm:t>
     </dgm:pt>
     <dgm:pt modelId="{1F38AC0C-0700-4851-889E-AB87A5D03606}" type="parTrans" cxnId="{A09DB4DB-5CF2-4615-AE38-19433A58246E}">
       <dgm:prSet/>
@@ -2894,6 +2943,13 @@
     <dgm:pt modelId="{F8583F4E-1EC8-4C25-A0A3-868AC4C798C9}">
       <dgm:prSet/>
       <dgm:spPr/>
+      <dgm:t>
+        <a:bodyPr/>
+        <a:lstStyle/>
+        <a:p>
+          <a:endParaRPr lang="de-DE"/>
+        </a:p>
+      </dgm:t>
     </dgm:pt>
     <dgm:pt modelId="{A163BF03-8EAC-4FDB-930C-EFB9016DBBEA}" type="parTrans" cxnId="{5D682989-DF72-46C3-BFE4-371C6C5F43E9}">
       <dgm:prSet/>
@@ -2920,6 +2976,13 @@
     <dgm:pt modelId="{F87A924F-72EF-4744-817D-E372AC69FC37}">
       <dgm:prSet/>
       <dgm:spPr/>
+      <dgm:t>
+        <a:bodyPr/>
+        <a:lstStyle/>
+        <a:p>
+          <a:endParaRPr lang="de-DE" dirty="0"/>
+        </a:p>
+      </dgm:t>
     </dgm:pt>
     <dgm:pt modelId="{940A1C66-046F-4721-8F3F-1AF5E5A41CB6}" type="parTrans" cxnId="{DB758F07-966C-46A4-8F6A-66D9FEC5A92D}">
       <dgm:prSet/>
@@ -2946,6 +3009,13 @@
     <dgm:pt modelId="{9DC9794A-7BF4-44B9-A00A-754F2728B1C9}">
       <dgm:prSet/>
       <dgm:spPr/>
+      <dgm:t>
+        <a:bodyPr/>
+        <a:lstStyle/>
+        <a:p>
+          <a:endParaRPr lang="de-DE"/>
+        </a:p>
+      </dgm:t>
     </dgm:pt>
     <dgm:pt modelId="{D0547CDF-D860-42A2-BB7F-E8C31214AF34}" type="parTrans" cxnId="{57AD9949-1AB0-4939-8216-5D1238BAE123}">
       <dgm:prSet/>
@@ -2972,6 +3042,13 @@
     <dgm:pt modelId="{EADC2ABF-2C8C-448A-A447-75D3492676D7}">
       <dgm:prSet/>
       <dgm:spPr/>
+      <dgm:t>
+        <a:bodyPr/>
+        <a:lstStyle/>
+        <a:p>
+          <a:endParaRPr lang="de-DE"/>
+        </a:p>
+      </dgm:t>
     </dgm:pt>
     <dgm:pt modelId="{CD9DE449-17B8-4B9C-AFE8-01C3341702DC}" type="parTrans" cxnId="{4D94BFC7-D83F-447E-8A17-6037A698590B}">
       <dgm:prSet/>
@@ -2998,6 +3075,13 @@
     <dgm:pt modelId="{6100C780-ABC7-4CD1-BB90-962B32EF5578}">
       <dgm:prSet/>
       <dgm:spPr/>
+      <dgm:t>
+        <a:bodyPr/>
+        <a:lstStyle/>
+        <a:p>
+          <a:endParaRPr lang="de-DE"/>
+        </a:p>
+      </dgm:t>
     </dgm:pt>
     <dgm:pt modelId="{AF04F746-964B-45B1-8ED8-54995DD411D9}" type="parTrans" cxnId="{639D3601-37CE-473D-AEAA-753AAFFD57CD}">
       <dgm:prSet/>
@@ -3024,6 +3108,13 @@
     <dgm:pt modelId="{A333B8F3-B295-45C3-BE87-EFC6AFD5DB93}">
       <dgm:prSet/>
       <dgm:spPr/>
+      <dgm:t>
+        <a:bodyPr/>
+        <a:lstStyle/>
+        <a:p>
+          <a:endParaRPr lang="de-DE"/>
+        </a:p>
+      </dgm:t>
     </dgm:pt>
     <dgm:pt modelId="{D52469C0-27CA-403C-B1A8-090DBDFFAF00}" type="parTrans" cxnId="{AF770CDE-9732-4F83-AA26-77F113EC1D38}">
       <dgm:prSet/>
@@ -3050,29 +3141,42 @@
     <dgm:pt modelId="{7BDCB649-B1C5-4FC2-AF64-3767CE7AC2B8}">
       <dgm:prSet>
         <dgm:style>
-          <a:lnRef idx="1">
-            <a:schemeClr val="accent1"/>
+          <a:lnRef idx="2">
+            <a:schemeClr val="dk1">
+              <a:shade val="50000"/>
+            </a:schemeClr>
           </a:lnRef>
-          <a:fillRef idx="3">
-            <a:schemeClr val="accent1"/>
+          <a:fillRef idx="1">
+            <a:schemeClr val="dk1"/>
           </a:fillRef>
-          <a:effectRef idx="2">
-            <a:schemeClr val="accent1"/>
+          <a:effectRef idx="0">
+            <a:schemeClr val="dk1"/>
           </a:effectRef>
           <a:fontRef idx="minor">
             <a:schemeClr val="lt1"/>
           </a:fontRef>
         </dgm:style>
       </dgm:prSet>
-      <dgm:spPr/>
+      <dgm:spPr>
+        <a:solidFill>
+          <a:schemeClr val="tx2">
+            <a:lumMod val="65000"/>
+            <a:lumOff val="35000"/>
+          </a:schemeClr>
+        </a:solidFill>
+      </dgm:spPr>
       <dgm:t>
         <a:bodyPr/>
         <a:lstStyle/>
         <a:p>
           <a:pPr rtl="0"/>
           <a:r>
+            <a:rPr lang="de-DE" b="0" dirty="0" err="1" smtClean="0"/>
+            <a:t>Jinseok</a:t>
+          </a:r>
+          <a:r>
             <a:rPr lang="de-DE" b="0" dirty="0" smtClean="0"/>
-            <a:t>Thomas </a:t>
+            <a:t> Nam, Thomas </a:t>
           </a:r>
           <a:r>
             <a:rPr lang="de-DE" b="0" dirty="0" err="1" smtClean="0"/>
@@ -3117,6 +3221,13 @@
         </dgm:presLayoutVars>
       </dgm:prSet>
       <dgm:spPr/>
+      <dgm:t>
+        <a:bodyPr/>
+        <a:lstStyle/>
+        <a:p>
+          <a:endParaRPr lang="de-DE"/>
+        </a:p>
+      </dgm:t>
     </dgm:pt>
     <dgm:pt modelId="{41380682-37FB-48BA-8B0B-38ED942161FD}" type="pres">
       <dgm:prSet presAssocID="{0AB31669-45BB-4AD8-A85D-1E6CA8E3350A}" presName="diamond" presStyleLbl="bgShp" presStyleIdx="0" presStyleCnt="1"/>
@@ -3202,8 +3313,8 @@
     <dgm:cxn modelId="{E127B3B4-4CA8-45CF-900F-5E18CC8DA4D0}" type="presOf" srcId="{E78AF096-C54A-498F-A781-424A99346EFD}" destId="{1855415B-4D5F-46A4-96B6-F1480C31EF87}" srcOrd="0" destOrd="0" presId="urn:microsoft.com/office/officeart/2005/8/layout/matrix3"/>
     <dgm:cxn modelId="{639D3601-37CE-473D-AEAA-753AAFFD57CD}" srcId="{0AB31669-45BB-4AD8-A85D-1E6CA8E3350A}" destId="{6100C780-ABC7-4CD1-BB90-962B32EF5578}" srcOrd="9" destOrd="0" parTransId="{AF04F746-964B-45B1-8ED8-54995DD411D9}" sibTransId="{C2C77C2D-A8B0-498E-936C-38EEB10B90E3}"/>
     <dgm:cxn modelId="{DB758F07-966C-46A4-8F6A-66D9FEC5A92D}" srcId="{0AB31669-45BB-4AD8-A85D-1E6CA8E3350A}" destId="{F87A924F-72EF-4744-817D-E372AC69FC37}" srcOrd="6" destOrd="0" parTransId="{940A1C66-046F-4721-8F3F-1AF5E5A41CB6}" sibTransId="{7CB0011F-53E0-4050-82CE-E03CDC300EE9}"/>
+    <dgm:cxn modelId="{B1E304C8-977B-479B-B3AA-19EF81B21647}" type="presOf" srcId="{A5F6CFDE-8ED4-4FFD-93E9-BF8F9615E539}" destId="{D484FF22-98C9-40CD-BCAB-4628D7940ABC}" srcOrd="0" destOrd="0" presId="urn:microsoft.com/office/officeart/2005/8/layout/matrix3"/>
     <dgm:cxn modelId="{96087256-38D2-45A7-A663-45B822700542}" type="presOf" srcId="{0AB31669-45BB-4AD8-A85D-1E6CA8E3350A}" destId="{5D65A7D7-54F0-409E-83F3-A39C42928CCD}" srcOrd="0" destOrd="0" presId="urn:microsoft.com/office/officeart/2005/8/layout/matrix3"/>
-    <dgm:cxn modelId="{B1E304C8-977B-479B-B3AA-19EF81B21647}" type="presOf" srcId="{A5F6CFDE-8ED4-4FFD-93E9-BF8F9615E539}" destId="{D484FF22-98C9-40CD-BCAB-4628D7940ABC}" srcOrd="0" destOrd="0" presId="urn:microsoft.com/office/officeart/2005/8/layout/matrix3"/>
     <dgm:cxn modelId="{502283F2-6396-4285-89D8-C63CDA8EAC86}" srcId="{0AB31669-45BB-4AD8-A85D-1E6CA8E3350A}" destId="{A5F6CFDE-8ED4-4FFD-93E9-BF8F9615E539}" srcOrd="2" destOrd="0" parTransId="{07F75C59-28DA-4899-9CAD-9DDB68ED7EF6}" sibTransId="{F7A55F9A-E74E-47FE-80B6-AD4E3816D037}"/>
     <dgm:cxn modelId="{4D94BFC7-D83F-447E-8A17-6037A698590B}" srcId="{0AB31669-45BB-4AD8-A85D-1E6CA8E3350A}" destId="{EADC2ABF-2C8C-448A-A447-75D3492676D7}" srcOrd="8" destOrd="0" parTransId="{CD9DE449-17B8-4B9C-AFE8-01C3341702DC}" sibTransId="{2F266619-3758-48A4-9578-BBD976097F68}"/>
     <dgm:cxn modelId="{57AD9949-1AB0-4939-8216-5D1238BAE123}" srcId="{0AB31669-45BB-4AD8-A85D-1E6CA8E3350A}" destId="{9DC9794A-7BF4-44B9-A00A-754F2728B1C9}" srcOrd="7" destOrd="0" parTransId="{D0547CDF-D860-42A2-BB7F-E8C31214AF34}" sibTransId="{A65F0180-34D8-43D4-96CE-56BA85EFC8B5}"/>
@@ -3555,7 +3666,7 @@
   <dgm:whole/>
   <dgm:extLst>
     <a:ext uri="http://schemas.microsoft.com/office/drawing/2008/diagram">
-      <dsp:dataModelExt xmlns:dsp="http://schemas.microsoft.com/office/drawing/2008/diagram" xmlns="" relId="rId6" minVer="http://schemas.openxmlformats.org/drawingml/2006/diagram"/>
+      <dsp:dataModelExt xmlns="" xmlns:dsp="http://schemas.microsoft.com/office/drawing/2008/diagram" relId="rId6" minVer="http://schemas.openxmlformats.org/drawingml/2006/diagram"/>
     </a:ext>
   </dgm:extLst>
 </dgm:dataModel>
@@ -3900,7 +4011,7 @@
   <dgm:whole/>
   <dgm:extLst>
     <a:ext uri="http://schemas.microsoft.com/office/drawing/2008/diagram">
-      <dsp:dataModelExt xmlns:dsp="http://schemas.microsoft.com/office/drawing/2008/diagram" xmlns="" relId="rId6" minVer="http://schemas.openxmlformats.org/drawingml/2006/diagram"/>
+      <dsp:dataModelExt xmlns="" xmlns:dsp="http://schemas.microsoft.com/office/drawing/2008/diagram" relId="rId6" minVer="http://schemas.openxmlformats.org/drawingml/2006/diagram"/>
     </a:ext>
   </dgm:extLst>
 </dgm:dataModel>
@@ -9028,7 +9139,7 @@
     </p:spTree>
     <p:extLst>
       <p:ext uri="{BB962C8B-B14F-4D97-AF65-F5344CB8AC3E}">
-        <p14:creationId xmlns:p14="http://schemas.microsoft.com/office/powerpoint/2010/main" xmlns="" val="3345007041"/>
+        <p14:creationId xmlns="" xmlns:p14="http://schemas.microsoft.com/office/powerpoint/2010/main" val="3345007041"/>
       </p:ext>
     </p:extLst>
   </p:cSld>
@@ -9569,7 +9680,7 @@
     </p:spTree>
     <p:extLst>
       <p:ext uri="{BB962C8B-B14F-4D97-AF65-F5344CB8AC3E}">
-        <p14:creationId xmlns:p14="http://schemas.microsoft.com/office/powerpoint/2010/main" xmlns="" val="516787406"/>
+        <p14:creationId xmlns="" xmlns:p14="http://schemas.microsoft.com/office/powerpoint/2010/main" val="516787406"/>
       </p:ext>
     </p:extLst>
   </p:cSld>
@@ -9831,7 +9942,7 @@
     </p:spTree>
     <p:extLst>
       <p:ext uri="{BB962C8B-B14F-4D97-AF65-F5344CB8AC3E}">
-        <p14:creationId xmlns:p14="http://schemas.microsoft.com/office/powerpoint/2010/main" xmlns="" val="2520834147"/>
+        <p14:creationId xmlns="" xmlns:p14="http://schemas.microsoft.com/office/powerpoint/2010/main" val="2520834147"/>
       </p:ext>
     </p:extLst>
   </p:cSld>
@@ -10277,7 +10388,7 @@
           <a:blip r:embed="rId3">
             <a:extLst>
               <a:ext uri="{28A0092B-C50C-407E-A947-70E740481C1C}">
-                <a14:useLocalDpi xmlns:a14="http://schemas.microsoft.com/office/drawing/2010/main" xmlns="" val="0"/>
+                <a14:useLocalDpi xmlns="" xmlns:a14="http://schemas.microsoft.com/office/drawing/2010/main" val="0"/>
               </a:ext>
             </a:extLst>
           </a:blip>
@@ -10297,7 +10408,7 @@
           <a:noFill/>
           <a:extLst>
             <a:ext uri="{909E8E84-426E-40DD-AFC4-6F175D3DCCD1}">
-              <a14:hiddenFill xmlns:a14="http://schemas.microsoft.com/office/drawing/2010/main" xmlns="">
+              <a14:hiddenFill xmlns="" xmlns:a14="http://schemas.microsoft.com/office/drawing/2010/main">
                 <a:solidFill>
                   <a:srgbClr val="FFFFFF"/>
                 </a:solidFill>
@@ -11749,7 +11860,7 @@
           <a:blip r:embed="rId11">
             <a:extLst>
               <a:ext uri="{28A0092B-C50C-407E-A947-70E740481C1C}">
-                <a14:useLocalDpi xmlns:a14="http://schemas.microsoft.com/office/drawing/2010/main" xmlns="" val="0"/>
+                <a14:useLocalDpi xmlns="" xmlns:a14="http://schemas.microsoft.com/office/drawing/2010/main" val="0"/>
               </a:ext>
             </a:extLst>
           </a:blip>
@@ -11769,7 +11880,7 @@
           <a:noFill/>
           <a:extLst>
             <a:ext uri="{909E8E84-426E-40DD-AFC4-6F175D3DCCD1}">
-              <a14:hiddenFill xmlns:a14="http://schemas.microsoft.com/office/drawing/2010/main" xmlns="">
+              <a14:hiddenFill xmlns="" xmlns:a14="http://schemas.microsoft.com/office/drawing/2010/main">
                 <a:solidFill>
                   <a:srgbClr val="FFFFFF"/>
                 </a:solidFill>
@@ -12276,7 +12387,7 @@
           <a:blip r:embed="rId3" cstate="print">
             <a:extLst>
               <a:ext uri="{28A0092B-C50C-407E-A947-70E740481C1C}">
-                <a14:useLocalDpi xmlns:a14="http://schemas.microsoft.com/office/drawing/2010/main" xmlns="" val="0"/>
+                <a14:useLocalDpi xmlns="" xmlns:a14="http://schemas.microsoft.com/office/drawing/2010/main" val="0"/>
               </a:ext>
             </a:extLst>
           </a:blip>
@@ -12578,7 +12689,7 @@
         </p:txBody>
       </p:sp>
       <mc:AlternateContent xmlns:mc="http://schemas.openxmlformats.org/markup-compatibility/2006">
-        <mc:Choice xmlns:a14="http://schemas.microsoft.com/office/drawing/2010/main" xmlns="" Requires="a14">
+        <mc:Choice xmlns="" xmlns:a14="http://schemas.microsoft.com/office/drawing/2010/main" Requires="a14">
           <p:sp>
             <p:nvSpPr>
               <p:cNvPr id="3" name="Content Placeholder 2"/>
@@ -12756,7 +12867,7 @@
           <a:blip r:embed="rId3" cstate="print">
             <a:extLst>
               <a:ext uri="{28A0092B-C50C-407E-A947-70E740481C1C}">
-                <a14:useLocalDpi xmlns:a14="http://schemas.microsoft.com/office/drawing/2010/main" xmlns="" val="0"/>
+                <a14:useLocalDpi xmlns="" xmlns:a14="http://schemas.microsoft.com/office/drawing/2010/main" val="0"/>
               </a:ext>
             </a:extLst>
           </a:blip>
@@ -12777,7 +12888,7 @@
     </p:spTree>
     <p:extLst>
       <p:ext uri="{BB962C8B-B14F-4D97-AF65-F5344CB8AC3E}">
-        <p14:creationId xmlns:p14="http://schemas.microsoft.com/office/powerpoint/2010/main" xmlns="" val="2646396681"/>
+        <p14:creationId xmlns="" xmlns:p14="http://schemas.microsoft.com/office/powerpoint/2010/main" val="2646396681"/>
       </p:ext>
     </p:extLst>
   </p:cSld>
@@ -12844,7 +12955,7 @@
             <p:ph idx="1"/>
             <p:extLst>
               <p:ext uri="{D42A27DB-BD31-4B8C-83A1-F6EECF244321}">
-                <p14:modId xmlns:p14="http://schemas.microsoft.com/office/powerpoint/2010/main" xmlns="" val="3071815426"/>
+                <p14:modId xmlns="" xmlns:p14="http://schemas.microsoft.com/office/powerpoint/2010/main" val="3071815426"/>
               </p:ext>
             </p:extLst>
           </p:nvPr>
@@ -12871,7 +12982,7 @@
           <a:blip r:embed="rId6" cstate="print">
             <a:extLst>
               <a:ext uri="{28A0092B-C50C-407E-A947-70E740481C1C}">
-                <a14:useLocalDpi xmlns:a14="http://schemas.microsoft.com/office/drawing/2010/main" xmlns="" val="0"/>
+                <a14:useLocalDpi xmlns="" xmlns:a14="http://schemas.microsoft.com/office/drawing/2010/main" val="0"/>
               </a:ext>
             </a:extLst>
           </a:blip>
@@ -12892,7 +13003,7 @@
     </p:spTree>
     <p:extLst>
       <p:ext uri="{BB962C8B-B14F-4D97-AF65-F5344CB8AC3E}">
-        <p14:creationId xmlns:p14="http://schemas.microsoft.com/office/powerpoint/2010/main" xmlns="" val="1536128924"/>
+        <p14:creationId xmlns="" xmlns:p14="http://schemas.microsoft.com/office/powerpoint/2010/main" val="1536128924"/>
       </p:ext>
     </p:extLst>
   </p:cSld>
@@ -12959,7 +13070,7 @@
             <p:ph idx="1"/>
             <p:extLst>
               <p:ext uri="{D42A27DB-BD31-4B8C-83A1-F6EECF244321}">
-                <p14:modId xmlns:p14="http://schemas.microsoft.com/office/powerpoint/2010/main" xmlns="" val="3711246334"/>
+                <p14:modId xmlns="" xmlns:p14="http://schemas.microsoft.com/office/powerpoint/2010/main" val="3711246334"/>
               </p:ext>
             </p:extLst>
           </p:nvPr>
@@ -13024,7 +13135,7 @@
     </p:spTree>
     <p:extLst>
       <p:ext uri="{BB962C8B-B14F-4D97-AF65-F5344CB8AC3E}">
-        <p14:creationId xmlns:p14="http://schemas.microsoft.com/office/powerpoint/2010/main" xmlns="" val="3725929812"/>
+        <p14:creationId xmlns="" xmlns:p14="http://schemas.microsoft.com/office/powerpoint/2010/main" val="3725929812"/>
       </p:ext>
     </p:extLst>
   </p:cSld>
@@ -13294,7 +13405,7 @@
     </p:spTree>
     <p:extLst>
       <p:ext uri="{BB962C8B-B14F-4D97-AF65-F5344CB8AC3E}">
-        <p14:creationId xmlns:p14="http://schemas.microsoft.com/office/powerpoint/2010/main" xmlns="" val="1148698881"/>
+        <p14:creationId xmlns="" xmlns:p14="http://schemas.microsoft.com/office/powerpoint/2010/main" val="1148698881"/>
       </p:ext>
     </p:extLst>
   </p:cSld>
@@ -13361,7 +13472,7 @@
             <p:ph idx="1"/>
             <p:extLst>
               <p:ext uri="{D42A27DB-BD31-4B8C-83A1-F6EECF244321}">
-                <p14:modId xmlns:p14="http://schemas.microsoft.com/office/powerpoint/2010/main" xmlns="" val="547801802"/>
+                <p14:modId xmlns="" xmlns:p14="http://schemas.microsoft.com/office/powerpoint/2010/main" val="547801802"/>
               </p:ext>
             </p:extLst>
           </p:nvPr>
@@ -13682,7 +13793,7 @@
     </p:spTree>
     <p:extLst>
       <p:ext uri="{BB962C8B-B14F-4D97-AF65-F5344CB8AC3E}">
-        <p14:creationId xmlns:p14="http://schemas.microsoft.com/office/powerpoint/2010/main" xmlns="" val="3847757178"/>
+        <p14:creationId xmlns="" xmlns:p14="http://schemas.microsoft.com/office/powerpoint/2010/main" val="3847757178"/>
       </p:ext>
     </p:extLst>
   </p:cSld>
@@ -13797,7 +13908,7 @@
           <a:blip r:embed="rId2" cstate="print">
             <a:extLst>
               <a:ext uri="{28A0092B-C50C-407E-A947-70E740481C1C}">
-                <a14:useLocalDpi xmlns:a14="http://schemas.microsoft.com/office/drawing/2010/main" xmlns="" val="0"/>
+                <a14:useLocalDpi xmlns="" xmlns:a14="http://schemas.microsoft.com/office/drawing/2010/main" val="0"/>
               </a:ext>
             </a:extLst>
           </a:blip>
@@ -13893,7 +14004,7 @@
     </p:spTree>
     <p:extLst>
       <p:ext uri="{BB962C8B-B14F-4D97-AF65-F5344CB8AC3E}">
-        <p14:creationId xmlns:p14="http://schemas.microsoft.com/office/powerpoint/2010/main" xmlns="" val="346014335"/>
+        <p14:creationId xmlns="" xmlns:p14="http://schemas.microsoft.com/office/powerpoint/2010/main" val="346014335"/>
       </p:ext>
     </p:extLst>
   </p:cSld>
